--- a/Power Point/Curso de HTML e CSS.pptx
+++ b/Power Point/Curso de HTML e CSS.pptx
@@ -64,6 +64,21 @@
     <p:sldId id="312" r:id="rId58"/>
     <p:sldId id="313" r:id="rId59"/>
     <p:sldId id="314" r:id="rId60"/>
+    <p:sldId id="315" r:id="rId61"/>
+    <p:sldId id="316" r:id="rId62"/>
+    <p:sldId id="317" r:id="rId63"/>
+    <p:sldId id="318" r:id="rId64"/>
+    <p:sldId id="319" r:id="rId65"/>
+    <p:sldId id="320" r:id="rId66"/>
+    <p:sldId id="321" r:id="rId67"/>
+    <p:sldId id="322" r:id="rId68"/>
+    <p:sldId id="324" r:id="rId69"/>
+    <p:sldId id="325" r:id="rId70"/>
+    <p:sldId id="326" r:id="rId71"/>
+    <p:sldId id="327" r:id="rId72"/>
+    <p:sldId id="328" r:id="rId73"/>
+    <p:sldId id="329" r:id="rId74"/>
+    <p:sldId id="330" r:id="rId75"/>
   </p:sldIdLst>
   <p:sldSz cx="12192000" cy="6858000"/>
   <p:notesSz cx="6858000" cy="9144000"/>
@@ -326,7 +341,7 @@
           <a:p>
             <a:fld id="{02AC24A9-CCB6-4F8D-B8DB-C2F3692CFA5A}" type="datetimeFigureOut">
               <a:rPr lang="en-US" smtClean="0"/>
-              <a:t>4/7/2024</a:t>
+              <a:t>3/6/2025</a:t>
             </a:fld>
             <a:endParaRPr lang="en-US" dirty="0"/>
           </a:p>
@@ -696,7 +711,7 @@
           <a:p>
             <a:fld id="{02AC24A9-CCB6-4F8D-B8DB-C2F3692CFA5A}" type="datetimeFigureOut">
               <a:rPr lang="en-US" smtClean="0"/>
-              <a:t>4/7/2024</a:t>
+              <a:t>3/6/2025</a:t>
             </a:fld>
             <a:endParaRPr lang="en-US"/>
           </a:p>
@@ -905,7 +920,7 @@
           <a:p>
             <a:fld id="{02AC24A9-CCB6-4F8D-B8DB-C2F3692CFA5A}" type="datetimeFigureOut">
               <a:rPr lang="en-US" smtClean="0"/>
-              <a:t>4/7/2024</a:t>
+              <a:t>3/6/2025</a:t>
             </a:fld>
             <a:endParaRPr lang="en-US"/>
           </a:p>
@@ -1375,7 +1390,7 @@
           <a:p>
             <a:fld id="{02AC24A9-CCB6-4F8D-B8DB-C2F3692CFA5A}" type="datetimeFigureOut">
               <a:rPr lang="en-US" smtClean="0"/>
-              <a:t>4/7/2024</a:t>
+              <a:t>3/6/2025</a:t>
             </a:fld>
             <a:endParaRPr lang="en-US"/>
           </a:p>
@@ -1829,7 +1844,7 @@
           <a:p>
             <a:fld id="{02AC24A9-CCB6-4F8D-B8DB-C2F3692CFA5A}" type="datetimeFigureOut">
               <a:rPr lang="en-US" smtClean="0"/>
-              <a:t>4/7/2024</a:t>
+              <a:t>3/6/2025</a:t>
             </a:fld>
             <a:endParaRPr lang="en-US"/>
           </a:p>
@@ -2361,7 +2376,7 @@
           <a:p>
             <a:fld id="{02AC24A9-CCB6-4F8D-B8DB-C2F3692CFA5A}" type="datetimeFigureOut">
               <a:rPr lang="en-US" smtClean="0"/>
-              <a:t>4/7/2024</a:t>
+              <a:t>3/6/2025</a:t>
             </a:fld>
             <a:endParaRPr lang="en-US"/>
           </a:p>
@@ -3060,7 +3075,7 @@
           <a:p>
             <a:fld id="{02AC24A9-CCB6-4F8D-B8DB-C2F3692CFA5A}" type="datetimeFigureOut">
               <a:rPr lang="en-US" smtClean="0"/>
-              <a:t>4/7/2024</a:t>
+              <a:t>3/6/2025</a:t>
             </a:fld>
             <a:endParaRPr lang="en-US"/>
           </a:p>
@@ -3389,7 +3404,7 @@
           <a:p>
             <a:fld id="{02AC24A9-CCB6-4F8D-B8DB-C2F3692CFA5A}" type="datetimeFigureOut">
               <a:rPr lang="en-US" smtClean="0"/>
-              <a:t>4/7/2024</a:t>
+              <a:t>3/6/2025</a:t>
             </a:fld>
             <a:endParaRPr lang="en-US"/>
           </a:p>
@@ -3502,7 +3517,7 @@
           <a:p>
             <a:fld id="{02AC24A9-CCB6-4F8D-B8DB-C2F3692CFA5A}" type="datetimeFigureOut">
               <a:rPr lang="en-US" smtClean="0"/>
-              <a:t>4/7/2024</a:t>
+              <a:t>3/6/2025</a:t>
             </a:fld>
             <a:endParaRPr lang="en-US"/>
           </a:p>
@@ -3997,7 +4012,7 @@
           <a:p>
             <a:fld id="{02AC24A9-CCB6-4F8D-B8DB-C2F3692CFA5A}" type="datetimeFigureOut">
               <a:rPr lang="en-US" smtClean="0"/>
-              <a:t>4/7/2024</a:t>
+              <a:t>3/6/2025</a:t>
             </a:fld>
             <a:endParaRPr lang="en-US" dirty="0"/>
           </a:p>
@@ -4474,7 +4489,7 @@
           <a:p>
             <a:fld id="{02AC24A9-CCB6-4F8D-B8DB-C2F3692CFA5A}" type="datetimeFigureOut">
               <a:rPr lang="en-US" smtClean="0"/>
-              <a:t>4/7/2024</a:t>
+              <a:t>3/6/2025</a:t>
             </a:fld>
             <a:endParaRPr lang="en-US"/>
           </a:p>
@@ -4717,7 +4732,7 @@
           <a:p>
             <a:fld id="{02AC24A9-CCB6-4F8D-B8DB-C2F3692CFA5A}" type="datetimeFigureOut">
               <a:rPr lang="en-US" smtClean="0"/>
-              <a:t>4/7/2024</a:t>
+              <a:t>3/6/2025</a:t>
             </a:fld>
             <a:endParaRPr lang="en-US"/>
           </a:p>
@@ -19024,6 +19039,2857 @@
 </p:sld>
 </file>
 
+<file path=ppt/slides/slide60.xml><?xml version="1.0" encoding="utf-8"?>
+<p:sld xmlns:a="http://schemas.openxmlformats.org/drawingml/2006/main" xmlns:r="http://schemas.openxmlformats.org/officeDocument/2006/relationships" xmlns:p="http://schemas.openxmlformats.org/presentationml/2006/main">
+  <p:cSld>
+    <p:bg>
+      <p:bgPr>
+        <a:solidFill>
+          <a:schemeClr val="bg1"/>
+        </a:solidFill>
+        <a:effectLst/>
+      </p:bgPr>
+    </p:bg>
+    <p:spTree>
+      <p:nvGrpSpPr>
+        <p:cNvPr id="1" name=""/>
+        <p:cNvGrpSpPr/>
+        <p:nvPr/>
+      </p:nvGrpSpPr>
+      <p:grpSpPr>
+        <a:xfrm>
+          <a:off x="0" y="0"/>
+          <a:ext cx="0" cy="0"/>
+          <a:chOff x="0" y="0"/>
+          <a:chExt cx="0" cy="0"/>
+        </a:xfrm>
+      </p:grpSpPr>
+      <p:sp>
+        <p:nvSpPr>
+          <p:cNvPr id="10" name="Rectangle 9">
+            <a:extLst>
+              <a:ext uri="{FF2B5EF4-FFF2-40B4-BE49-F238E27FC236}">
+                <a16:creationId xmlns:a16="http://schemas.microsoft.com/office/drawing/2014/main" id="{8D06CE56-3881-4ADA-8CEF-D18B02C242A3}"/>
+              </a:ext>
+              <a:ext uri="{C183D7F6-B498-43B3-948B-1728B52AA6E4}">
+                <adec:decorative xmlns:adec="http://schemas.microsoft.com/office/drawing/2017/decorative" val="1"/>
+              </a:ext>
+            </a:extLst>
+          </p:cNvPr>
+          <p:cNvSpPr>
+            <a:spLocks noGrp="1" noRot="1" noChangeAspect="1" noMove="1" noResize="1" noEditPoints="1" noAdjustHandles="1" noChangeArrowheads="1" noChangeShapeType="1" noTextEdit="1"/>
+          </p:cNvSpPr>
+          <p:nvPr>
+            <p:extLst>
+              <p:ext uri="{386F3935-93C4-4BCD-93E2-E3B085C9AB24}">
+                <p16:designElem xmlns:p16="http://schemas.microsoft.com/office/powerpoint/2015/main" val="1"/>
+              </p:ext>
+            </p:extLst>
+          </p:nvPr>
+        </p:nvSpPr>
+        <p:spPr>
+          <a:xfrm rot="5400000">
+            <a:off x="857544" y="346791"/>
+            <a:ext cx="146304" cy="704088"/>
+          </a:xfrm>
+          <a:prstGeom prst="rect">
+            <a:avLst/>
+          </a:prstGeom>
+          <a:solidFill>
+            <a:schemeClr val="accent1"/>
+          </a:solidFill>
+          <a:ln>
+            <a:noFill/>
+          </a:ln>
+        </p:spPr>
+        <p:style>
+          <a:lnRef idx="2">
+            <a:schemeClr val="accent1">
+              <a:shade val="50000"/>
+            </a:schemeClr>
+          </a:lnRef>
+          <a:fillRef idx="1">
+            <a:schemeClr val="accent1"/>
+          </a:fillRef>
+          <a:effectRef idx="0">
+            <a:schemeClr val="accent1"/>
+          </a:effectRef>
+          <a:fontRef idx="minor">
+            <a:schemeClr val="lt1"/>
+          </a:fontRef>
+        </p:style>
+        <p:txBody>
+          <a:bodyPr rtlCol="0" anchor="ctr"/>
+          <a:lstStyle/>
+          <a:p>
+            <a:pPr marL="0" marR="0" lvl="0" indent="0" algn="ctr" defTabSz="914400" rtl="0" eaLnBrk="1" fontAlgn="auto" latinLnBrk="0" hangingPunct="1">
+              <a:lnSpc>
+                <a:spcPct val="100000"/>
+              </a:lnSpc>
+              <a:spcBef>
+                <a:spcPts val="0"/>
+              </a:spcBef>
+              <a:spcAft>
+                <a:spcPts val="0"/>
+              </a:spcAft>
+              <a:buClrTx/>
+              <a:buSzTx/>
+              <a:buFontTx/>
+              <a:buNone/>
+              <a:tabLst/>
+              <a:defRPr/>
+            </a:pPr>
+            <a:endParaRPr kumimoji="0" lang="en-US" sz="1800" b="0" i="0" u="none" strike="noStrike" kern="1200" cap="none" spc="0" normalizeH="0" baseline="0" noProof="0">
+              <a:ln>
+                <a:noFill/>
+              </a:ln>
+              <a:solidFill>
+                <a:prstClr val="white"/>
+              </a:solidFill>
+              <a:effectLst/>
+              <a:uLnTx/>
+              <a:uFillTx/>
+              <a:latin typeface="Calibri" panose="020F0502020204030204"/>
+              <a:ea typeface="+mn-ea"/>
+              <a:cs typeface="+mn-cs"/>
+            </a:endParaRPr>
+          </a:p>
+        </p:txBody>
+      </p:sp>
+      <p:sp>
+        <p:nvSpPr>
+          <p:cNvPr id="12" name="Rectangle 11">
+            <a:extLst>
+              <a:ext uri="{FF2B5EF4-FFF2-40B4-BE49-F238E27FC236}">
+                <a16:creationId xmlns:a16="http://schemas.microsoft.com/office/drawing/2014/main" id="{79F3C543-62EC-4433-9C93-A2CD8764E9B4}"/>
+              </a:ext>
+              <a:ext uri="{C183D7F6-B498-43B3-948B-1728B52AA6E4}">
+                <adec:decorative xmlns:adec="http://schemas.microsoft.com/office/drawing/2017/decorative" val="1"/>
+              </a:ext>
+            </a:extLst>
+          </p:cNvPr>
+          <p:cNvSpPr>
+            <a:spLocks noGrp="1" noRot="1" noChangeAspect="1" noMove="1" noResize="1" noEditPoints="1" noAdjustHandles="1" noChangeArrowheads="1" noChangeShapeType="1" noTextEdit="1"/>
+          </p:cNvSpPr>
+          <p:nvPr>
+            <p:extLst>
+              <p:ext uri="{386F3935-93C4-4BCD-93E2-E3B085C9AB24}">
+                <p16:designElem xmlns:p16="http://schemas.microsoft.com/office/powerpoint/2015/main" val="1"/>
+              </p:ext>
+            </p:extLst>
+          </p:nvPr>
+        </p:nvSpPr>
+        <p:spPr>
+          <a:xfrm flipV="1">
+            <a:off x="578652" y="4501201"/>
+            <a:ext cx="11034696" cy="18288"/>
+          </a:xfrm>
+          <a:prstGeom prst="rect">
+            <a:avLst/>
+          </a:prstGeom>
+          <a:solidFill>
+            <a:schemeClr val="tx2">
+              <a:lumMod val="25000"/>
+              <a:lumOff val="75000"/>
+            </a:schemeClr>
+          </a:solidFill>
+          <a:ln w="3175">
+            <a:noFill/>
+          </a:ln>
+          <a:effectLst/>
+        </p:spPr>
+        <p:style>
+          <a:lnRef idx="2">
+            <a:schemeClr val="accent1">
+              <a:shade val="50000"/>
+            </a:schemeClr>
+          </a:lnRef>
+          <a:fillRef idx="1">
+            <a:schemeClr val="accent1"/>
+          </a:fillRef>
+          <a:effectRef idx="0">
+            <a:schemeClr val="accent1"/>
+          </a:effectRef>
+          <a:fontRef idx="minor">
+            <a:schemeClr val="lt1"/>
+          </a:fontRef>
+        </p:style>
+        <p:txBody>
+          <a:bodyPr rtlCol="0" anchor="ctr"/>
+          <a:lstStyle/>
+          <a:p>
+            <a:pPr marL="0" marR="0" lvl="0" indent="0" algn="ctr" defTabSz="914400" rtl="0" eaLnBrk="1" fontAlgn="auto" latinLnBrk="0" hangingPunct="1">
+              <a:lnSpc>
+                <a:spcPct val="100000"/>
+              </a:lnSpc>
+              <a:spcBef>
+                <a:spcPts val="0"/>
+              </a:spcBef>
+              <a:spcAft>
+                <a:spcPts val="0"/>
+              </a:spcAft>
+              <a:buClrTx/>
+              <a:buSzTx/>
+              <a:buFontTx/>
+              <a:buNone/>
+              <a:tabLst/>
+              <a:defRPr/>
+            </a:pPr>
+            <a:endParaRPr kumimoji="0" lang="en-US" sz="1800" b="0" i="0" u="none" strike="noStrike" kern="1200" cap="none" spc="0" normalizeH="0" baseline="0" noProof="0">
+              <a:ln>
+                <a:noFill/>
+              </a:ln>
+              <a:solidFill>
+                <a:prstClr val="white"/>
+              </a:solidFill>
+              <a:effectLst/>
+              <a:uLnTx/>
+              <a:uFillTx/>
+              <a:latin typeface="Calibri" panose="020F0502020204030204"/>
+              <a:ea typeface="+mn-ea"/>
+              <a:cs typeface="+mn-cs"/>
+            </a:endParaRPr>
+          </a:p>
+        </p:txBody>
+      </p:sp>
+      <p:sp useBgFill="1">
+        <p:nvSpPr>
+          <p:cNvPr id="14" name="Rectangle 13">
+            <a:extLst>
+              <a:ext uri="{FF2B5EF4-FFF2-40B4-BE49-F238E27FC236}">
+                <a16:creationId xmlns:a16="http://schemas.microsoft.com/office/drawing/2014/main" id="{E91DC736-0EF8-4F87-9146-EBF1D2EE4D3D}"/>
+              </a:ext>
+              <a:ext uri="{C183D7F6-B498-43B3-948B-1728B52AA6E4}">
+                <adec:decorative xmlns:adec="http://schemas.microsoft.com/office/drawing/2017/decorative" val="1"/>
+              </a:ext>
+            </a:extLst>
+          </p:cNvPr>
+          <p:cNvSpPr>
+            <a:spLocks noGrp="1" noRot="1" noChangeAspect="1" noMove="1" noResize="1" noEditPoints="1" noAdjustHandles="1" noChangeArrowheads="1" noChangeShapeType="1" noTextEdit="1"/>
+          </p:cNvSpPr>
+          <p:nvPr>
+            <p:extLst>
+              <p:ext uri="{386F3935-93C4-4BCD-93E2-E3B085C9AB24}">
+                <p16:designElem xmlns:p16="http://schemas.microsoft.com/office/powerpoint/2015/main" val="1"/>
+              </p:ext>
+            </p:extLst>
+          </p:nvPr>
+        </p:nvSpPr>
+        <p:spPr>
+          <a:xfrm>
+            <a:off x="0" y="0"/>
+            <a:ext cx="12192000" cy="6858000"/>
+          </a:xfrm>
+          <a:prstGeom prst="rect">
+            <a:avLst/>
+          </a:prstGeom>
+          <a:ln>
+            <a:noFill/>
+          </a:ln>
+        </p:spPr>
+        <p:style>
+          <a:lnRef idx="2">
+            <a:schemeClr val="accent1">
+              <a:shade val="50000"/>
+            </a:schemeClr>
+          </a:lnRef>
+          <a:fillRef idx="1">
+            <a:schemeClr val="accent1"/>
+          </a:fillRef>
+          <a:effectRef idx="0">
+            <a:schemeClr val="accent1"/>
+          </a:effectRef>
+          <a:fontRef idx="minor">
+            <a:schemeClr val="lt1"/>
+          </a:fontRef>
+        </p:style>
+        <p:txBody>
+          <a:bodyPr rtlCol="0" anchor="ctr"/>
+          <a:lstStyle/>
+          <a:p>
+            <a:pPr algn="ctr"/>
+            <a:endParaRPr lang="en-US"/>
+          </a:p>
+        </p:txBody>
+      </p:sp>
+      <p:pic>
+        <p:nvPicPr>
+          <p:cNvPr id="4" name="Content Placeholder 3" descr="Fundo do vetor de cores vibrantes salpicando">
+            <a:extLst>
+              <a:ext uri="{FF2B5EF4-FFF2-40B4-BE49-F238E27FC236}">
+                <a16:creationId xmlns:a16="http://schemas.microsoft.com/office/drawing/2014/main" id="{34B40899-91E7-E7D2-CD17-C442FE24D4D1}"/>
+              </a:ext>
+            </a:extLst>
+          </p:cNvPr>
+          <p:cNvPicPr>
+            <a:picLocks noChangeAspect="1"/>
+          </p:cNvPicPr>
+          <p:nvPr/>
+        </p:nvPicPr>
+        <p:blipFill rotWithShape="1">
+          <a:blip r:embed="rId2"/>
+          <a:srcRect l="10975" r="3072" b="-1"/>
+          <a:stretch/>
+        </p:blipFill>
+        <p:spPr>
+          <a:xfrm>
+            <a:off x="3523488" y="10"/>
+            <a:ext cx="8668512" cy="6857990"/>
+          </a:xfrm>
+          <a:prstGeom prst="rect">
+            <a:avLst/>
+          </a:prstGeom>
+        </p:spPr>
+      </p:pic>
+      <p:sp>
+        <p:nvSpPr>
+          <p:cNvPr id="16" name="Rectangle 15">
+            <a:extLst>
+              <a:ext uri="{FF2B5EF4-FFF2-40B4-BE49-F238E27FC236}">
+                <a16:creationId xmlns:a16="http://schemas.microsoft.com/office/drawing/2014/main" id="{097CD68E-23E3-4007-8847-CD0944C4F7BE}"/>
+              </a:ext>
+              <a:ext uri="{C183D7F6-B498-43B3-948B-1728B52AA6E4}">
+                <adec:decorative xmlns:adec="http://schemas.microsoft.com/office/drawing/2017/decorative" val="1"/>
+              </a:ext>
+            </a:extLst>
+          </p:cNvPr>
+          <p:cNvSpPr>
+            <a:spLocks noGrp="1" noRot="1" noChangeAspect="1" noMove="1" noResize="1" noEditPoints="1" noAdjustHandles="1" noChangeArrowheads="1" noChangeShapeType="1" noTextEdit="1"/>
+          </p:cNvSpPr>
+          <p:nvPr>
+            <p:extLst>
+              <p:ext uri="{386F3935-93C4-4BCD-93E2-E3B085C9AB24}">
+                <p16:designElem xmlns:p16="http://schemas.microsoft.com/office/powerpoint/2015/main" val="1"/>
+              </p:ext>
+            </p:extLst>
+          </p:nvPr>
+        </p:nvSpPr>
+        <p:spPr>
+          <a:xfrm>
+            <a:off x="0" y="0"/>
+            <a:ext cx="9756601" cy="6858000"/>
+          </a:xfrm>
+          <a:prstGeom prst="rect">
+            <a:avLst/>
+          </a:prstGeom>
+          <a:gradFill>
+            <a:gsLst>
+              <a:gs pos="58000">
+                <a:schemeClr val="bg1"/>
+              </a:gs>
+              <a:gs pos="35000">
+                <a:schemeClr val="bg1">
+                  <a:alpha val="79000"/>
+                </a:schemeClr>
+              </a:gs>
+              <a:gs pos="19000">
+                <a:schemeClr val="bg1">
+                  <a:alpha val="38000"/>
+                </a:schemeClr>
+              </a:gs>
+              <a:gs pos="0">
+                <a:schemeClr val="bg1">
+                  <a:alpha val="0"/>
+                </a:schemeClr>
+              </a:gs>
+              <a:gs pos="100000">
+                <a:schemeClr val="bg1"/>
+              </a:gs>
+            </a:gsLst>
+            <a:lin ang="10800000" scaled="0"/>
+          </a:gradFill>
+          <a:ln>
+            <a:noFill/>
+          </a:ln>
+        </p:spPr>
+        <p:style>
+          <a:lnRef idx="2">
+            <a:schemeClr val="accent1">
+              <a:shade val="50000"/>
+            </a:schemeClr>
+          </a:lnRef>
+          <a:fillRef idx="1">
+            <a:schemeClr val="accent1"/>
+          </a:fillRef>
+          <a:effectRef idx="0">
+            <a:schemeClr val="accent1"/>
+          </a:effectRef>
+          <a:fontRef idx="minor">
+            <a:schemeClr val="lt1"/>
+          </a:fontRef>
+        </p:style>
+        <p:txBody>
+          <a:bodyPr rtlCol="0" anchor="ctr"/>
+          <a:lstStyle/>
+          <a:p>
+            <a:pPr algn="ctr"/>
+            <a:endParaRPr lang="en-US" dirty="0"/>
+          </a:p>
+        </p:txBody>
+      </p:sp>
+      <p:sp>
+        <p:nvSpPr>
+          <p:cNvPr id="5" name="Título 1">
+            <a:extLst>
+              <a:ext uri="{FF2B5EF4-FFF2-40B4-BE49-F238E27FC236}">
+                <a16:creationId xmlns:a16="http://schemas.microsoft.com/office/drawing/2014/main" id="{D8E01A83-ECB9-D0EB-F669-E676BD0A43A5}"/>
+              </a:ext>
+            </a:extLst>
+          </p:cNvPr>
+          <p:cNvSpPr>
+            <a:spLocks noGrp="1"/>
+          </p:cNvSpPr>
+          <p:nvPr>
+            <p:ph type="title"/>
+          </p:nvPr>
+        </p:nvSpPr>
+        <p:spPr>
+          <a:xfrm>
+            <a:off x="477981" y="1122363"/>
+            <a:ext cx="4023360" cy="3204134"/>
+          </a:xfrm>
+        </p:spPr>
+        <p:txBody>
+          <a:bodyPr vert="horz" lIns="91440" tIns="45720" rIns="91440" bIns="45720" rtlCol="0" anchor="b">
+            <a:normAutofit/>
+          </a:bodyPr>
+          <a:lstStyle/>
+          <a:p>
+            <a:r>
+              <a:rPr lang="en-US" sz="4800" dirty="0"/>
+              <a:t>Aula 3 – </a:t>
+            </a:r>
+            <a:r>
+              <a:rPr lang="en-US" sz="4800" dirty="0" err="1"/>
+              <a:t>Estrutura</a:t>
+            </a:r>
+            <a:r>
+              <a:rPr lang="en-US" sz="4800" dirty="0"/>
+              <a:t> </a:t>
+            </a:r>
+            <a:r>
+              <a:rPr lang="en-US" sz="4800" dirty="0" err="1"/>
+              <a:t>Básica</a:t>
+            </a:r>
+            <a:r>
+              <a:rPr lang="en-US" sz="4800" dirty="0"/>
+              <a:t> do HTML</a:t>
+            </a:r>
+          </a:p>
+        </p:txBody>
+      </p:sp>
+      <p:sp>
+        <p:nvSpPr>
+          <p:cNvPr id="18" name="Rectangle 17">
+            <a:extLst>
+              <a:ext uri="{FF2B5EF4-FFF2-40B4-BE49-F238E27FC236}">
+                <a16:creationId xmlns:a16="http://schemas.microsoft.com/office/drawing/2014/main" id="{AF2F604E-43BE-4DC3-B983-E071523364F8}"/>
+              </a:ext>
+              <a:ext uri="{C183D7F6-B498-43B3-948B-1728B52AA6E4}">
+                <adec:decorative xmlns:adec="http://schemas.microsoft.com/office/drawing/2017/decorative" val="1"/>
+              </a:ext>
+            </a:extLst>
+          </p:cNvPr>
+          <p:cNvSpPr>
+            <a:spLocks noGrp="1" noRot="1" noChangeAspect="1" noMove="1" noResize="1" noEditPoints="1" noAdjustHandles="1" noChangeArrowheads="1" noChangeShapeType="1" noTextEdit="1"/>
+          </p:cNvSpPr>
+          <p:nvPr>
+            <p:extLst>
+              <p:ext uri="{386F3935-93C4-4BCD-93E2-E3B085C9AB24}">
+                <p16:designElem xmlns:p16="http://schemas.microsoft.com/office/powerpoint/2015/main" val="1"/>
+              </p:ext>
+            </p:extLst>
+          </p:nvPr>
+        </p:nvSpPr>
+        <p:spPr>
+          <a:xfrm rot="5400000">
+            <a:off x="759921" y="346791"/>
+            <a:ext cx="146304" cy="704088"/>
+          </a:xfrm>
+          <a:prstGeom prst="rect">
+            <a:avLst/>
+          </a:prstGeom>
+          <a:solidFill>
+            <a:schemeClr val="accent1"/>
+          </a:solidFill>
+          <a:ln>
+            <a:noFill/>
+          </a:ln>
+        </p:spPr>
+        <p:style>
+          <a:lnRef idx="2">
+            <a:schemeClr val="accent1">
+              <a:shade val="50000"/>
+            </a:schemeClr>
+          </a:lnRef>
+          <a:fillRef idx="1">
+            <a:schemeClr val="accent1"/>
+          </a:fillRef>
+          <a:effectRef idx="0">
+            <a:schemeClr val="accent1"/>
+          </a:effectRef>
+          <a:fontRef idx="minor">
+            <a:schemeClr val="lt1"/>
+          </a:fontRef>
+        </p:style>
+        <p:txBody>
+          <a:bodyPr rtlCol="0" anchor="ctr"/>
+          <a:lstStyle/>
+          <a:p>
+            <a:pPr marL="0" marR="0" lvl="0" indent="0" algn="ctr" defTabSz="914400" rtl="0" eaLnBrk="1" fontAlgn="auto" latinLnBrk="0" hangingPunct="1">
+              <a:lnSpc>
+                <a:spcPct val="100000"/>
+              </a:lnSpc>
+              <a:spcBef>
+                <a:spcPts val="0"/>
+              </a:spcBef>
+              <a:spcAft>
+                <a:spcPts val="0"/>
+              </a:spcAft>
+              <a:buClrTx/>
+              <a:buSzTx/>
+              <a:buFontTx/>
+              <a:buNone/>
+              <a:tabLst/>
+              <a:defRPr/>
+            </a:pPr>
+            <a:endParaRPr kumimoji="0" lang="en-US" sz="1800" b="0" i="0" u="none" strike="noStrike" kern="1200" cap="none" spc="0" normalizeH="0" baseline="0" noProof="0">
+              <a:ln>
+                <a:noFill/>
+              </a:ln>
+              <a:solidFill>
+                <a:prstClr val="white"/>
+              </a:solidFill>
+              <a:effectLst/>
+              <a:uLnTx/>
+              <a:uFillTx/>
+              <a:latin typeface="Calibri" panose="020F0502020204030204"/>
+              <a:ea typeface="+mn-ea"/>
+              <a:cs typeface="+mn-cs"/>
+            </a:endParaRPr>
+          </a:p>
+        </p:txBody>
+      </p:sp>
+      <p:sp>
+        <p:nvSpPr>
+          <p:cNvPr id="20" name="Rectangle 19">
+            <a:extLst>
+              <a:ext uri="{FF2B5EF4-FFF2-40B4-BE49-F238E27FC236}">
+                <a16:creationId xmlns:a16="http://schemas.microsoft.com/office/drawing/2014/main" id="{08C9B587-E65E-4B52-B37C-ABEBB6E87928}"/>
+              </a:ext>
+              <a:ext uri="{C183D7F6-B498-43B3-948B-1728B52AA6E4}">
+                <adec:decorative xmlns:adec="http://schemas.microsoft.com/office/drawing/2017/decorative" val="1"/>
+              </a:ext>
+            </a:extLst>
+          </p:cNvPr>
+          <p:cNvSpPr>
+            <a:spLocks noGrp="1" noRot="1" noChangeAspect="1" noMove="1" noResize="1" noEditPoints="1" noAdjustHandles="1" noChangeArrowheads="1" noChangeShapeType="1" noTextEdit="1"/>
+          </p:cNvSpPr>
+          <p:nvPr>
+            <p:extLst>
+              <p:ext uri="{386F3935-93C4-4BCD-93E2-E3B085C9AB24}">
+                <p16:designElem xmlns:p16="http://schemas.microsoft.com/office/powerpoint/2015/main" val="1"/>
+              </p:ext>
+            </p:extLst>
+          </p:nvPr>
+        </p:nvSpPr>
+        <p:spPr>
+          <a:xfrm>
+            <a:off x="481029" y="4546920"/>
+            <a:ext cx="3977640" cy="18288"/>
+          </a:xfrm>
+          <a:prstGeom prst="rect">
+            <a:avLst/>
+          </a:prstGeom>
+          <a:solidFill>
+            <a:schemeClr val="tx2">
+              <a:lumMod val="25000"/>
+              <a:lumOff val="75000"/>
+            </a:schemeClr>
+          </a:solidFill>
+          <a:ln w="3175">
+            <a:solidFill>
+              <a:schemeClr val="tx2">
+                <a:lumMod val="25000"/>
+                <a:lumOff val="75000"/>
+              </a:schemeClr>
+            </a:solidFill>
+          </a:ln>
+          <a:effectLst/>
+        </p:spPr>
+        <p:style>
+          <a:lnRef idx="2">
+            <a:schemeClr val="accent1">
+              <a:shade val="50000"/>
+            </a:schemeClr>
+          </a:lnRef>
+          <a:fillRef idx="1">
+            <a:schemeClr val="accent1"/>
+          </a:fillRef>
+          <a:effectRef idx="0">
+            <a:schemeClr val="accent1"/>
+          </a:effectRef>
+          <a:fontRef idx="minor">
+            <a:schemeClr val="lt1"/>
+          </a:fontRef>
+        </p:style>
+        <p:txBody>
+          <a:bodyPr rtlCol="0" anchor="ctr"/>
+          <a:lstStyle/>
+          <a:p>
+            <a:pPr marL="0" marR="0" lvl="0" indent="0" algn="ctr" defTabSz="914400" rtl="0" eaLnBrk="1" fontAlgn="auto" latinLnBrk="0" hangingPunct="1">
+              <a:lnSpc>
+                <a:spcPct val="100000"/>
+              </a:lnSpc>
+              <a:spcBef>
+                <a:spcPts val="0"/>
+              </a:spcBef>
+              <a:spcAft>
+                <a:spcPts val="0"/>
+              </a:spcAft>
+              <a:buClrTx/>
+              <a:buSzTx/>
+              <a:buFontTx/>
+              <a:buNone/>
+              <a:tabLst/>
+              <a:defRPr/>
+            </a:pPr>
+            <a:endParaRPr kumimoji="0" lang="en-US" sz="1800" b="0" i="0" u="none" strike="noStrike" kern="1200" cap="none" spc="0" normalizeH="0" baseline="0" noProof="0">
+              <a:ln>
+                <a:noFill/>
+              </a:ln>
+              <a:solidFill>
+                <a:prstClr val="white"/>
+              </a:solidFill>
+              <a:effectLst/>
+              <a:uLnTx/>
+              <a:uFillTx/>
+              <a:latin typeface="Calibri" panose="020F0502020204030204"/>
+              <a:ea typeface="+mn-ea"/>
+              <a:cs typeface="+mn-cs"/>
+            </a:endParaRPr>
+          </a:p>
+        </p:txBody>
+      </p:sp>
+    </p:spTree>
+    <p:extLst>
+      <p:ext uri="{BB962C8B-B14F-4D97-AF65-F5344CB8AC3E}">
+        <p14:creationId xmlns:p14="http://schemas.microsoft.com/office/powerpoint/2010/main" val="1739275303"/>
+      </p:ext>
+    </p:extLst>
+  </p:cSld>
+  <p:clrMapOvr>
+    <a:masterClrMapping/>
+  </p:clrMapOvr>
+  <p:timing>
+    <p:tnLst>
+      <p:par>
+        <p:cTn id="1" dur="indefinite" restart="never" nodeType="tmRoot">
+          <p:childTnLst>
+            <p:seq concurrent="1" nextAc="seek">
+              <p:cTn id="2" dur="indefinite" nodeType="mainSeq">
+                <p:childTnLst>
+                  <p:par>
+                    <p:cTn id="3" fill="hold">
+                      <p:stCondLst>
+                        <p:cond delay="indefinite"/>
+                        <p:cond evt="onBegin" delay="0">
+                          <p:tn val="2"/>
+                        </p:cond>
+                      </p:stCondLst>
+                      <p:childTnLst>
+                        <p:par>
+                          <p:cTn id="4" fill="hold">
+                            <p:stCondLst>
+                              <p:cond delay="0"/>
+                            </p:stCondLst>
+                            <p:childTnLst>
+                              <p:par>
+                                <p:cTn id="5" presetID="10" presetClass="entr" presetSubtype="0" fill="hold" grpId="0" nodeType="withEffect">
+                                  <p:stCondLst>
+                                    <p:cond delay="1000"/>
+                                  </p:stCondLst>
+                                  <p:iterate type="lt">
+                                    <p:tmPct val="10000"/>
+                                  </p:iterate>
+                                  <p:childTnLst>
+                                    <p:set>
+                                      <p:cBhvr>
+                                        <p:cTn id="6" dur="1" fill="hold">
+                                          <p:stCondLst>
+                                            <p:cond delay="0"/>
+                                          </p:stCondLst>
+                                        </p:cTn>
+                                        <p:tgtEl>
+                                          <p:spTgt spid="5"/>
+                                        </p:tgtEl>
+                                        <p:attrNameLst>
+                                          <p:attrName>style.visibility</p:attrName>
+                                        </p:attrNameLst>
+                                      </p:cBhvr>
+                                      <p:to>
+                                        <p:strVal val="visible"/>
+                                      </p:to>
+                                    </p:set>
+                                    <p:animEffect transition="in" filter="fade">
+                                      <p:cBhvr>
+                                        <p:cTn id="7" dur="400"/>
+                                        <p:tgtEl>
+                                          <p:spTgt spid="5"/>
+                                        </p:tgtEl>
+                                      </p:cBhvr>
+                                    </p:animEffect>
+                                  </p:childTnLst>
+                                </p:cTn>
+                              </p:par>
+                            </p:childTnLst>
+                          </p:cTn>
+                        </p:par>
+                      </p:childTnLst>
+                    </p:cTn>
+                  </p:par>
+                </p:childTnLst>
+              </p:cTn>
+              <p:prevCondLst>
+                <p:cond evt="onPrev" delay="0">
+                  <p:tgtEl>
+                    <p:sldTgt/>
+                  </p:tgtEl>
+                </p:cond>
+              </p:prevCondLst>
+              <p:nextCondLst>
+                <p:cond evt="onNext" delay="0">
+                  <p:tgtEl>
+                    <p:sldTgt/>
+                  </p:tgtEl>
+                </p:cond>
+              </p:nextCondLst>
+            </p:seq>
+          </p:childTnLst>
+        </p:cTn>
+      </p:par>
+    </p:tnLst>
+    <p:bldLst>
+      <p:bldP spid="5" grpId="0"/>
+    </p:bldLst>
+  </p:timing>
+</p:sld>
+</file>
+
+<file path=ppt/slides/slide61.xml><?xml version="1.0" encoding="utf-8"?>
+<p:sld xmlns:a="http://schemas.openxmlformats.org/drawingml/2006/main" xmlns:r="http://schemas.openxmlformats.org/officeDocument/2006/relationships" xmlns:p="http://schemas.openxmlformats.org/presentationml/2006/main">
+  <p:cSld>
+    <p:bg>
+      <p:bgPr>
+        <a:solidFill>
+          <a:schemeClr val="bg1"/>
+        </a:solidFill>
+        <a:effectLst/>
+      </p:bgPr>
+    </p:bg>
+    <p:spTree>
+      <p:nvGrpSpPr>
+        <p:cNvPr id="1" name=""/>
+        <p:cNvGrpSpPr/>
+        <p:nvPr/>
+      </p:nvGrpSpPr>
+      <p:grpSpPr>
+        <a:xfrm>
+          <a:off x="0" y="0"/>
+          <a:ext cx="0" cy="0"/>
+          <a:chOff x="0" y="0"/>
+          <a:chExt cx="0" cy="0"/>
+        </a:xfrm>
+      </p:grpSpPr>
+      <p:sp>
+        <p:nvSpPr>
+          <p:cNvPr id="10" name="Rectangle 9">
+            <a:extLst>
+              <a:ext uri="{FF2B5EF4-FFF2-40B4-BE49-F238E27FC236}">
+                <a16:creationId xmlns:a16="http://schemas.microsoft.com/office/drawing/2014/main" id="{8D06CE56-3881-4ADA-8CEF-D18B02C242A3}"/>
+              </a:ext>
+              <a:ext uri="{C183D7F6-B498-43B3-948B-1728B52AA6E4}">
+                <adec:decorative xmlns:adec="http://schemas.microsoft.com/office/drawing/2017/decorative" val="1"/>
+              </a:ext>
+            </a:extLst>
+          </p:cNvPr>
+          <p:cNvSpPr>
+            <a:spLocks noGrp="1" noRot="1" noChangeAspect="1" noMove="1" noResize="1" noEditPoints="1" noAdjustHandles="1" noChangeArrowheads="1" noChangeShapeType="1" noTextEdit="1"/>
+          </p:cNvSpPr>
+          <p:nvPr>
+            <p:extLst>
+              <p:ext uri="{386F3935-93C4-4BCD-93E2-E3B085C9AB24}">
+                <p16:designElem xmlns:p16="http://schemas.microsoft.com/office/powerpoint/2015/main" val="1"/>
+              </p:ext>
+            </p:extLst>
+          </p:nvPr>
+        </p:nvSpPr>
+        <p:spPr>
+          <a:xfrm rot="5400000">
+            <a:off x="857544" y="346791"/>
+            <a:ext cx="146304" cy="704088"/>
+          </a:xfrm>
+          <a:prstGeom prst="rect">
+            <a:avLst/>
+          </a:prstGeom>
+          <a:solidFill>
+            <a:schemeClr val="accent1"/>
+          </a:solidFill>
+          <a:ln>
+            <a:noFill/>
+          </a:ln>
+        </p:spPr>
+        <p:style>
+          <a:lnRef idx="2">
+            <a:schemeClr val="accent1">
+              <a:shade val="50000"/>
+            </a:schemeClr>
+          </a:lnRef>
+          <a:fillRef idx="1">
+            <a:schemeClr val="accent1"/>
+          </a:fillRef>
+          <a:effectRef idx="0">
+            <a:schemeClr val="accent1"/>
+          </a:effectRef>
+          <a:fontRef idx="minor">
+            <a:schemeClr val="lt1"/>
+          </a:fontRef>
+        </p:style>
+        <p:txBody>
+          <a:bodyPr rtlCol="0" anchor="ctr"/>
+          <a:lstStyle/>
+          <a:p>
+            <a:pPr marL="0" marR="0" lvl="0" indent="0" algn="ctr" defTabSz="914400" rtl="0" eaLnBrk="1" fontAlgn="auto" latinLnBrk="0" hangingPunct="1">
+              <a:lnSpc>
+                <a:spcPct val="100000"/>
+              </a:lnSpc>
+              <a:spcBef>
+                <a:spcPts val="0"/>
+              </a:spcBef>
+              <a:spcAft>
+                <a:spcPts val="0"/>
+              </a:spcAft>
+              <a:buClrTx/>
+              <a:buSzTx/>
+              <a:buFontTx/>
+              <a:buNone/>
+              <a:tabLst/>
+              <a:defRPr/>
+            </a:pPr>
+            <a:endParaRPr kumimoji="0" lang="en-US" sz="1800" b="0" i="0" u="none" strike="noStrike" kern="1200" cap="none" spc="0" normalizeH="0" baseline="0" noProof="0">
+              <a:ln>
+                <a:noFill/>
+              </a:ln>
+              <a:solidFill>
+                <a:prstClr val="white"/>
+              </a:solidFill>
+              <a:effectLst/>
+              <a:uLnTx/>
+              <a:uFillTx/>
+              <a:latin typeface="Calibri" panose="020F0502020204030204"/>
+              <a:ea typeface="+mn-ea"/>
+              <a:cs typeface="+mn-cs"/>
+            </a:endParaRPr>
+          </a:p>
+        </p:txBody>
+      </p:sp>
+      <p:sp>
+        <p:nvSpPr>
+          <p:cNvPr id="12" name="Rectangle 11">
+            <a:extLst>
+              <a:ext uri="{FF2B5EF4-FFF2-40B4-BE49-F238E27FC236}">
+                <a16:creationId xmlns:a16="http://schemas.microsoft.com/office/drawing/2014/main" id="{79F3C543-62EC-4433-9C93-A2CD8764E9B4}"/>
+              </a:ext>
+              <a:ext uri="{C183D7F6-B498-43B3-948B-1728B52AA6E4}">
+                <adec:decorative xmlns:adec="http://schemas.microsoft.com/office/drawing/2017/decorative" val="1"/>
+              </a:ext>
+            </a:extLst>
+          </p:cNvPr>
+          <p:cNvSpPr>
+            <a:spLocks noGrp="1" noRot="1" noChangeAspect="1" noMove="1" noResize="1" noEditPoints="1" noAdjustHandles="1" noChangeArrowheads="1" noChangeShapeType="1" noTextEdit="1"/>
+          </p:cNvSpPr>
+          <p:nvPr>
+            <p:extLst>
+              <p:ext uri="{386F3935-93C4-4BCD-93E2-E3B085C9AB24}">
+                <p16:designElem xmlns:p16="http://schemas.microsoft.com/office/powerpoint/2015/main" val="1"/>
+              </p:ext>
+            </p:extLst>
+          </p:nvPr>
+        </p:nvSpPr>
+        <p:spPr>
+          <a:xfrm flipV="1">
+            <a:off x="578652" y="4501201"/>
+            <a:ext cx="11034696" cy="18288"/>
+          </a:xfrm>
+          <a:prstGeom prst="rect">
+            <a:avLst/>
+          </a:prstGeom>
+          <a:solidFill>
+            <a:schemeClr val="tx2">
+              <a:lumMod val="25000"/>
+              <a:lumOff val="75000"/>
+            </a:schemeClr>
+          </a:solidFill>
+          <a:ln w="3175">
+            <a:noFill/>
+          </a:ln>
+          <a:effectLst/>
+        </p:spPr>
+        <p:style>
+          <a:lnRef idx="2">
+            <a:schemeClr val="accent1">
+              <a:shade val="50000"/>
+            </a:schemeClr>
+          </a:lnRef>
+          <a:fillRef idx="1">
+            <a:schemeClr val="accent1"/>
+          </a:fillRef>
+          <a:effectRef idx="0">
+            <a:schemeClr val="accent1"/>
+          </a:effectRef>
+          <a:fontRef idx="minor">
+            <a:schemeClr val="lt1"/>
+          </a:fontRef>
+        </p:style>
+        <p:txBody>
+          <a:bodyPr rtlCol="0" anchor="ctr"/>
+          <a:lstStyle/>
+          <a:p>
+            <a:pPr marL="0" marR="0" lvl="0" indent="0" algn="ctr" defTabSz="914400" rtl="0" eaLnBrk="1" fontAlgn="auto" latinLnBrk="0" hangingPunct="1">
+              <a:lnSpc>
+                <a:spcPct val="100000"/>
+              </a:lnSpc>
+              <a:spcBef>
+                <a:spcPts val="0"/>
+              </a:spcBef>
+              <a:spcAft>
+                <a:spcPts val="0"/>
+              </a:spcAft>
+              <a:buClrTx/>
+              <a:buSzTx/>
+              <a:buFontTx/>
+              <a:buNone/>
+              <a:tabLst/>
+              <a:defRPr/>
+            </a:pPr>
+            <a:endParaRPr kumimoji="0" lang="en-US" sz="1800" b="0" i="0" u="none" strike="noStrike" kern="1200" cap="none" spc="0" normalizeH="0" baseline="0" noProof="0">
+              <a:ln>
+                <a:noFill/>
+              </a:ln>
+              <a:solidFill>
+                <a:prstClr val="white"/>
+              </a:solidFill>
+              <a:effectLst/>
+              <a:uLnTx/>
+              <a:uFillTx/>
+              <a:latin typeface="Calibri" panose="020F0502020204030204"/>
+              <a:ea typeface="+mn-ea"/>
+              <a:cs typeface="+mn-cs"/>
+            </a:endParaRPr>
+          </a:p>
+        </p:txBody>
+      </p:sp>
+      <p:sp>
+        <p:nvSpPr>
+          <p:cNvPr id="14" name="Rectangle 13">
+            <a:extLst>
+              <a:ext uri="{FF2B5EF4-FFF2-40B4-BE49-F238E27FC236}">
+                <a16:creationId xmlns:a16="http://schemas.microsoft.com/office/drawing/2014/main" id="{0EECA69B-4C2A-7F31-8019-E90DB3BD49CB}"/>
+              </a:ext>
+              <a:ext uri="{C183D7F6-B498-43B3-948B-1728B52AA6E4}">
+                <adec:decorative xmlns:adec="http://schemas.microsoft.com/office/drawing/2017/decorative" val="1"/>
+              </a:ext>
+            </a:extLst>
+          </p:cNvPr>
+          <p:cNvSpPr>
+            <a:spLocks noGrp="1" noRot="1" noChangeAspect="1" noMove="1" noResize="1" noEditPoints="1" noAdjustHandles="1" noChangeArrowheads="1" noChangeShapeType="1" noTextEdit="1"/>
+          </p:cNvSpPr>
+          <p:nvPr>
+            <p:extLst>
+              <p:ext uri="{386F3935-93C4-4BCD-93E2-E3B085C9AB24}">
+                <p16:designElem xmlns:p16="http://schemas.microsoft.com/office/powerpoint/2015/main" val="1"/>
+              </p:ext>
+            </p:extLst>
+          </p:nvPr>
+        </p:nvSpPr>
+        <p:spPr>
+          <a:xfrm>
+            <a:off x="0" y="0"/>
+            <a:ext cx="12192000" cy="6858000"/>
+          </a:xfrm>
+          <a:prstGeom prst="rect">
+            <a:avLst/>
+          </a:prstGeom>
+          <a:solidFill>
+            <a:schemeClr val="bg1"/>
+          </a:solidFill>
+          <a:ln w="12700" cap="flat" cmpd="sng" algn="ctr">
+            <a:noFill/>
+            <a:prstDash val="solid"/>
+            <a:miter lim="800000"/>
+          </a:ln>
+          <a:effectLst/>
+          <a:extLst>
+            <a:ext uri="{91240B29-F687-4F45-9708-019B960494DF}">
+              <a14:hiddenLine xmlns:a14="http://schemas.microsoft.com/office/drawing/2010/main" w="12700" cap="flat" cmpd="sng" algn="ctr">
+                <a:solidFill>
+                  <a:schemeClr val="accent1">
+                    <a:shade val="15000"/>
+                  </a:schemeClr>
+                </a:solidFill>
+                <a:prstDash val="solid"/>
+                <a:miter lim="800000"/>
+              </a14:hiddenLine>
+            </a:ext>
+          </a:extLst>
+        </p:spPr>
+        <p:style>
+          <a:lnRef idx="2">
+            <a:schemeClr val="accent1">
+              <a:shade val="15000"/>
+            </a:schemeClr>
+          </a:lnRef>
+          <a:fillRef idx="1">
+            <a:schemeClr val="accent1"/>
+          </a:fillRef>
+          <a:effectRef idx="0">
+            <a:schemeClr val="accent1"/>
+          </a:effectRef>
+          <a:fontRef idx="minor">
+            <a:schemeClr val="lt1"/>
+          </a:fontRef>
+        </p:style>
+        <p:txBody>
+          <a:bodyPr rtlCol="0" anchor="ctr"/>
+          <a:lstStyle/>
+          <a:p>
+            <a:pPr marL="0" marR="0" lvl="0" indent="0" algn="ctr" defTabSz="914400" rtl="0" eaLnBrk="1" fontAlgn="auto" latinLnBrk="0" hangingPunct="1">
+              <a:lnSpc>
+                <a:spcPct val="100000"/>
+              </a:lnSpc>
+              <a:spcBef>
+                <a:spcPts val="0"/>
+              </a:spcBef>
+              <a:spcAft>
+                <a:spcPts val="0"/>
+              </a:spcAft>
+              <a:buClrTx/>
+              <a:buSzTx/>
+              <a:buFontTx/>
+              <a:buNone/>
+              <a:tabLst/>
+              <a:defRPr/>
+            </a:pPr>
+            <a:endParaRPr kumimoji="0" lang="en-US" sz="1800" b="0" i="0" u="none" strike="noStrike" kern="1200" cap="none" spc="0" normalizeH="0" baseline="0" noProof="0">
+              <a:ln>
+                <a:noFill/>
+              </a:ln>
+              <a:solidFill>
+                <a:prstClr val="white"/>
+              </a:solidFill>
+              <a:effectLst/>
+              <a:uLnTx/>
+              <a:uFillTx/>
+              <a:latin typeface="Avenir Next LT Pro"/>
+              <a:ea typeface="+mn-ea"/>
+              <a:cs typeface="+mn-cs"/>
+            </a:endParaRPr>
+          </a:p>
+        </p:txBody>
+      </p:sp>
+      <p:pic>
+        <p:nvPicPr>
+          <p:cNvPr id="5" name="Espaço Reservado para Conteúdo 4" descr="Diagrama sobre a árvore do HTML.">
+            <a:extLst>
+              <a:ext uri="{FF2B5EF4-FFF2-40B4-BE49-F238E27FC236}">
+                <a16:creationId xmlns:a16="http://schemas.microsoft.com/office/drawing/2014/main" id="{B99D9B56-6E5C-3753-89CB-66E71BA029D3}"/>
+              </a:ext>
+            </a:extLst>
+          </p:cNvPr>
+          <p:cNvPicPr>
+            <a:picLocks noGrp="1" noChangeAspect="1"/>
+          </p:cNvPicPr>
+          <p:nvPr>
+            <p:ph idx="1"/>
+          </p:nvPr>
+        </p:nvPicPr>
+        <p:blipFill>
+          <a:blip r:embed="rId2">
+            <a:extLst>
+              <a:ext uri="{28A0092B-C50C-407E-A947-70E740481C1C}">
+                <a14:useLocalDpi xmlns:a14="http://schemas.microsoft.com/office/drawing/2010/main" val="0"/>
+              </a:ext>
+            </a:extLst>
+          </a:blip>
+          <a:srcRect/>
+          <a:stretch/>
+        </p:blipFill>
+        <p:spPr>
+          <a:xfrm>
+            <a:off x="20" y="10"/>
+            <a:ext cx="12191980" cy="6857990"/>
+          </a:xfrm>
+          <a:prstGeom prst="rect">
+            <a:avLst/>
+          </a:prstGeom>
+        </p:spPr>
+      </p:pic>
+      <p:sp>
+        <p:nvSpPr>
+          <p:cNvPr id="16" name="Rectangle 15">
+            <a:extLst>
+              <a:ext uri="{FF2B5EF4-FFF2-40B4-BE49-F238E27FC236}">
+                <a16:creationId xmlns:a16="http://schemas.microsoft.com/office/drawing/2014/main" id="{857DEAC1-B3AA-6569-0A44-A191DF2F3C67}"/>
+              </a:ext>
+              <a:ext uri="{C183D7F6-B498-43B3-948B-1728B52AA6E4}">
+                <adec:decorative xmlns:adec="http://schemas.microsoft.com/office/drawing/2017/decorative" val="1"/>
+              </a:ext>
+            </a:extLst>
+          </p:cNvPr>
+          <p:cNvSpPr>
+            <a:spLocks noGrp="1" noRot="1" noChangeAspect="1" noMove="1" noResize="1" noEditPoints="1" noAdjustHandles="1" noChangeArrowheads="1" noChangeShapeType="1" noTextEdit="1"/>
+          </p:cNvSpPr>
+          <p:nvPr>
+            <p:extLst>
+              <p:ext uri="{386F3935-93C4-4BCD-93E2-E3B085C9AB24}">
+                <p16:designElem xmlns:p16="http://schemas.microsoft.com/office/powerpoint/2015/main" val="1"/>
+              </p:ext>
+            </p:extLst>
+          </p:nvPr>
+        </p:nvSpPr>
+        <p:spPr>
+          <a:xfrm>
+            <a:off x="0" y="5702155"/>
+            <a:ext cx="12191999" cy="1155845"/>
+          </a:xfrm>
+          <a:prstGeom prst="rect">
+            <a:avLst/>
+          </a:prstGeom>
+          <a:solidFill>
+            <a:schemeClr val="bg1">
+              <a:alpha val="50000"/>
+            </a:schemeClr>
+          </a:solidFill>
+          <a:ln>
+            <a:noFill/>
+          </a:ln>
+        </p:spPr>
+        <p:style>
+          <a:lnRef idx="2">
+            <a:schemeClr val="accent1">
+              <a:shade val="50000"/>
+            </a:schemeClr>
+          </a:lnRef>
+          <a:fillRef idx="1">
+            <a:schemeClr val="accent1"/>
+          </a:fillRef>
+          <a:effectRef idx="0">
+            <a:schemeClr val="accent1"/>
+          </a:effectRef>
+          <a:fontRef idx="minor">
+            <a:schemeClr val="lt1"/>
+          </a:fontRef>
+        </p:style>
+        <p:txBody>
+          <a:bodyPr rtlCol="0" anchor="ctr"/>
+          <a:lstStyle/>
+          <a:p>
+            <a:pPr marL="0" marR="0" lvl="0" indent="0" algn="ctr" defTabSz="914400" rtl="0" eaLnBrk="1" fontAlgn="auto" latinLnBrk="0" hangingPunct="1">
+              <a:lnSpc>
+                <a:spcPct val="100000"/>
+              </a:lnSpc>
+              <a:spcBef>
+                <a:spcPts val="0"/>
+              </a:spcBef>
+              <a:spcAft>
+                <a:spcPts val="0"/>
+              </a:spcAft>
+              <a:buClrTx/>
+              <a:buSzTx/>
+              <a:buFontTx/>
+              <a:buNone/>
+              <a:tabLst/>
+              <a:defRPr/>
+            </a:pPr>
+            <a:endParaRPr kumimoji="0" lang="en-US" sz="1800" b="0" i="0" u="none" strike="noStrike" kern="1200" cap="none" spc="0" normalizeH="0" baseline="0" noProof="0">
+              <a:ln>
+                <a:noFill/>
+              </a:ln>
+              <a:solidFill>
+                <a:prstClr val="white"/>
+              </a:solidFill>
+              <a:effectLst/>
+              <a:uLnTx/>
+              <a:uFillTx/>
+              <a:latin typeface="Avenir Next LT Pro"/>
+              <a:ea typeface="+mn-ea"/>
+              <a:cs typeface="+mn-cs"/>
+            </a:endParaRPr>
+          </a:p>
+        </p:txBody>
+      </p:sp>
+      <p:sp>
+        <p:nvSpPr>
+          <p:cNvPr id="18" name="Rectangle 17">
+            <a:extLst>
+              <a:ext uri="{FF2B5EF4-FFF2-40B4-BE49-F238E27FC236}">
+                <a16:creationId xmlns:a16="http://schemas.microsoft.com/office/drawing/2014/main" id="{47F32F7B-3250-A16C-13CF-57F728E049F6}"/>
+              </a:ext>
+              <a:ext uri="{C183D7F6-B498-43B3-948B-1728B52AA6E4}">
+                <adec:decorative xmlns:adec="http://schemas.microsoft.com/office/drawing/2017/decorative" val="1"/>
+              </a:ext>
+            </a:extLst>
+          </p:cNvPr>
+          <p:cNvSpPr>
+            <a:spLocks noGrp="1" noRot="1" noChangeAspect="1" noMove="1" noResize="1" noEditPoints="1" noAdjustHandles="1" noChangeArrowheads="1" noChangeShapeType="1" noTextEdit="1"/>
+          </p:cNvSpPr>
+          <p:nvPr>
+            <p:extLst>
+              <p:ext uri="{386F3935-93C4-4BCD-93E2-E3B085C9AB24}">
+                <p16:designElem xmlns:p16="http://schemas.microsoft.com/office/powerpoint/2015/main" val="1"/>
+              </p:ext>
+            </p:extLst>
+          </p:nvPr>
+        </p:nvSpPr>
+        <p:spPr>
+          <a:xfrm>
+            <a:off x="0" y="5924386"/>
+            <a:ext cx="128016" cy="653903"/>
+          </a:xfrm>
+          <a:prstGeom prst="rect">
+            <a:avLst/>
+          </a:prstGeom>
+          <a:solidFill>
+            <a:schemeClr val="accent1"/>
+          </a:solidFill>
+          <a:ln>
+            <a:noFill/>
+          </a:ln>
+        </p:spPr>
+        <p:style>
+          <a:lnRef idx="2">
+            <a:schemeClr val="accent1">
+              <a:shade val="50000"/>
+            </a:schemeClr>
+          </a:lnRef>
+          <a:fillRef idx="1">
+            <a:schemeClr val="accent1"/>
+          </a:fillRef>
+          <a:effectRef idx="0">
+            <a:schemeClr val="accent1"/>
+          </a:effectRef>
+          <a:fontRef idx="minor">
+            <a:schemeClr val="lt1"/>
+          </a:fontRef>
+        </p:style>
+        <p:txBody>
+          <a:bodyPr rtlCol="0" anchor="ctr"/>
+          <a:lstStyle/>
+          <a:p>
+            <a:pPr marL="0" marR="0" lvl="0" indent="0" algn="ctr" defTabSz="914400" rtl="0" eaLnBrk="1" fontAlgn="auto" latinLnBrk="0" hangingPunct="1">
+              <a:lnSpc>
+                <a:spcPct val="100000"/>
+              </a:lnSpc>
+              <a:spcBef>
+                <a:spcPts val="0"/>
+              </a:spcBef>
+              <a:spcAft>
+                <a:spcPts val="0"/>
+              </a:spcAft>
+              <a:buClrTx/>
+              <a:buSzTx/>
+              <a:buFontTx/>
+              <a:buNone/>
+              <a:tabLst/>
+              <a:defRPr/>
+            </a:pPr>
+            <a:endParaRPr kumimoji="0" lang="en-US" sz="1800" b="0" i="0" u="none" strike="noStrike" kern="1200" cap="none" spc="0" normalizeH="0" baseline="0" noProof="0">
+              <a:ln>
+                <a:noFill/>
+              </a:ln>
+              <a:solidFill>
+                <a:prstClr val="white"/>
+              </a:solidFill>
+              <a:effectLst/>
+              <a:uLnTx/>
+              <a:uFillTx/>
+              <a:latin typeface="Calibri" panose="020F0502020204030204"/>
+              <a:ea typeface="+mn-ea"/>
+              <a:cs typeface="+mn-cs"/>
+            </a:endParaRPr>
+          </a:p>
+        </p:txBody>
+      </p:sp>
+      <p:sp>
+        <p:nvSpPr>
+          <p:cNvPr id="20" name="Rectangle 19">
+            <a:extLst>
+              <a:ext uri="{FF2B5EF4-FFF2-40B4-BE49-F238E27FC236}">
+                <a16:creationId xmlns:a16="http://schemas.microsoft.com/office/drawing/2014/main" id="{98DE8DCB-6F40-A3E0-5DE3-7510A3C2A35F}"/>
+              </a:ext>
+              <a:ext uri="{C183D7F6-B498-43B3-948B-1728B52AA6E4}">
+                <adec:decorative xmlns:adec="http://schemas.microsoft.com/office/drawing/2017/decorative" val="1"/>
+              </a:ext>
+            </a:extLst>
+          </p:cNvPr>
+          <p:cNvSpPr>
+            <a:spLocks noGrp="1" noRot="1" noChangeAspect="1" noMove="1" noResize="1" noEditPoints="1" noAdjustHandles="1" noChangeArrowheads="1" noChangeShapeType="1" noTextEdit="1"/>
+          </p:cNvSpPr>
+          <p:nvPr>
+            <p:extLst>
+              <p:ext uri="{386F3935-93C4-4BCD-93E2-E3B085C9AB24}">
+                <p16:designElem xmlns:p16="http://schemas.microsoft.com/office/powerpoint/2015/main" val="1"/>
+              </p:ext>
+            </p:extLst>
+          </p:nvPr>
+        </p:nvSpPr>
+        <p:spPr>
+          <a:xfrm rot="5400000">
+            <a:off x="7758348" y="6276696"/>
+            <a:ext cx="731520" cy="9144"/>
+          </a:xfrm>
+          <a:prstGeom prst="rect">
+            <a:avLst/>
+          </a:prstGeom>
+          <a:solidFill>
+            <a:schemeClr val="tx2">
+              <a:lumMod val="25000"/>
+              <a:lumOff val="75000"/>
+            </a:schemeClr>
+          </a:solidFill>
+          <a:ln w="3175">
+            <a:noFill/>
+          </a:ln>
+          <a:effectLst/>
+        </p:spPr>
+        <p:style>
+          <a:lnRef idx="2">
+            <a:schemeClr val="accent1">
+              <a:shade val="50000"/>
+            </a:schemeClr>
+          </a:lnRef>
+          <a:fillRef idx="1">
+            <a:schemeClr val="accent1"/>
+          </a:fillRef>
+          <a:effectRef idx="0">
+            <a:schemeClr val="accent1"/>
+          </a:effectRef>
+          <a:fontRef idx="minor">
+            <a:schemeClr val="lt1"/>
+          </a:fontRef>
+        </p:style>
+        <p:txBody>
+          <a:bodyPr rtlCol="0" anchor="ctr"/>
+          <a:lstStyle/>
+          <a:p>
+            <a:pPr marL="0" marR="0" lvl="0" indent="0" algn="ctr" defTabSz="914400" rtl="0" eaLnBrk="1" fontAlgn="auto" latinLnBrk="0" hangingPunct="1">
+              <a:lnSpc>
+                <a:spcPct val="100000"/>
+              </a:lnSpc>
+              <a:spcBef>
+                <a:spcPts val="0"/>
+              </a:spcBef>
+              <a:spcAft>
+                <a:spcPts val="0"/>
+              </a:spcAft>
+              <a:buClrTx/>
+              <a:buSzTx/>
+              <a:buFontTx/>
+              <a:buNone/>
+              <a:tabLst/>
+              <a:defRPr/>
+            </a:pPr>
+            <a:endParaRPr kumimoji="0" lang="en-US" sz="1800" b="0" i="0" u="none" strike="noStrike" kern="1200" cap="none" spc="0" normalizeH="0" baseline="0" noProof="0">
+              <a:ln>
+                <a:noFill/>
+              </a:ln>
+              <a:solidFill>
+                <a:prstClr val="white"/>
+              </a:solidFill>
+              <a:effectLst/>
+              <a:uLnTx/>
+              <a:uFillTx/>
+              <a:latin typeface="Calibri" panose="020F0502020204030204"/>
+              <a:ea typeface="+mn-ea"/>
+              <a:cs typeface="+mn-cs"/>
+            </a:endParaRPr>
+          </a:p>
+        </p:txBody>
+      </p:sp>
+    </p:spTree>
+    <p:extLst>
+      <p:ext uri="{BB962C8B-B14F-4D97-AF65-F5344CB8AC3E}">
+        <p14:creationId xmlns:p14="http://schemas.microsoft.com/office/powerpoint/2010/main" val="468309060"/>
+      </p:ext>
+    </p:extLst>
+  </p:cSld>
+  <p:clrMapOvr>
+    <a:overrideClrMapping bg1="dk1" tx1="lt1" bg2="dk2" tx2="lt2" accent1="accent1" accent2="accent2" accent3="accent3" accent4="accent4" accent5="accent5" accent6="accent6" hlink="hlink" folHlink="folHlink"/>
+  </p:clrMapOvr>
+</p:sld>
+</file>
+
+<file path=ppt/slides/slide62.xml><?xml version="1.0" encoding="utf-8"?>
+<p:sld xmlns:a="http://schemas.openxmlformats.org/drawingml/2006/main" xmlns:r="http://schemas.openxmlformats.org/officeDocument/2006/relationships" xmlns:p="http://schemas.openxmlformats.org/presentationml/2006/main">
+  <p:cSld>
+    <p:spTree>
+      <p:nvGrpSpPr>
+        <p:cNvPr id="1" name=""/>
+        <p:cNvGrpSpPr/>
+        <p:nvPr/>
+      </p:nvGrpSpPr>
+      <p:grpSpPr>
+        <a:xfrm>
+          <a:off x="0" y="0"/>
+          <a:ext cx="0" cy="0"/>
+          <a:chOff x="0" y="0"/>
+          <a:chExt cx="0" cy="0"/>
+        </a:xfrm>
+      </p:grpSpPr>
+      <p:sp>
+        <p:nvSpPr>
+          <p:cNvPr id="2" name="Título 1">
+            <a:extLst>
+              <a:ext uri="{FF2B5EF4-FFF2-40B4-BE49-F238E27FC236}">
+                <a16:creationId xmlns:a16="http://schemas.microsoft.com/office/drawing/2014/main" id="{20708B49-733B-BF0B-BC43-2CDC3F4B2715}"/>
+              </a:ext>
+            </a:extLst>
+          </p:cNvPr>
+          <p:cNvSpPr>
+            <a:spLocks noGrp="1"/>
+          </p:cNvSpPr>
+          <p:nvPr>
+            <p:ph type="title"/>
+          </p:nvPr>
+        </p:nvSpPr>
+        <p:spPr/>
+        <p:txBody>
+          <a:bodyPr>
+            <a:normAutofit/>
+          </a:bodyPr>
+          <a:lstStyle/>
+          <a:p>
+            <a:r>
+              <a:rPr lang="pt-BR" dirty="0"/>
+              <a:t>Head – Cabeçalho</a:t>
+            </a:r>
+          </a:p>
+        </p:txBody>
+      </p:sp>
+      <p:sp>
+        <p:nvSpPr>
+          <p:cNvPr id="3" name="Espaço Reservado para Conteúdo 2">
+            <a:extLst>
+              <a:ext uri="{FF2B5EF4-FFF2-40B4-BE49-F238E27FC236}">
+                <a16:creationId xmlns:a16="http://schemas.microsoft.com/office/drawing/2014/main" id="{2F21AFF4-7022-8DAC-6EC8-C2B70C3005ED}"/>
+              </a:ext>
+            </a:extLst>
+          </p:cNvPr>
+          <p:cNvSpPr>
+            <a:spLocks noGrp="1"/>
+          </p:cNvSpPr>
+          <p:nvPr>
+            <p:ph idx="1"/>
+          </p:nvPr>
+        </p:nvSpPr>
+        <p:spPr/>
+        <p:txBody>
+          <a:bodyPr/>
+          <a:lstStyle/>
+          <a:p>
+            <a:r>
+              <a:rPr lang="pt-BR" dirty="0"/>
+              <a:t>O cabeçalho é o local que contém as configurações de uma página, tais como:</a:t>
+            </a:r>
+          </a:p>
+          <a:p>
+            <a:pPr marL="914400" lvl="1" indent="-457200">
+              <a:buFont typeface="+mj-lt"/>
+              <a:buAutoNum type="arabicPeriod"/>
+            </a:pPr>
+            <a:r>
+              <a:rPr lang="pt-BR" dirty="0"/>
+              <a:t>Título;</a:t>
+            </a:r>
+          </a:p>
+          <a:p>
+            <a:pPr marL="914400" lvl="1" indent="-457200">
+              <a:buFont typeface="+mj-lt"/>
+              <a:buAutoNum type="arabicPeriod"/>
+            </a:pPr>
+            <a:r>
+              <a:rPr lang="pt-BR" dirty="0"/>
+              <a:t>Codificação;</a:t>
+            </a:r>
+          </a:p>
+          <a:p>
+            <a:pPr marL="914400" lvl="1" indent="-457200">
+              <a:buFont typeface="+mj-lt"/>
+              <a:buAutoNum type="arabicPeriod"/>
+            </a:pPr>
+            <a:r>
+              <a:rPr lang="pt-BR" dirty="0"/>
+              <a:t>Estilos....</a:t>
+            </a:r>
+          </a:p>
+        </p:txBody>
+      </p:sp>
+    </p:spTree>
+    <p:extLst>
+      <p:ext uri="{BB962C8B-B14F-4D97-AF65-F5344CB8AC3E}">
+        <p14:creationId xmlns:p14="http://schemas.microsoft.com/office/powerpoint/2010/main" val="3096371945"/>
+      </p:ext>
+    </p:extLst>
+  </p:cSld>
+  <p:clrMapOvr>
+    <a:masterClrMapping/>
+  </p:clrMapOvr>
+</p:sld>
+</file>
+
+<file path=ppt/slides/slide63.xml><?xml version="1.0" encoding="utf-8"?>
+<p:sld xmlns:a="http://schemas.openxmlformats.org/drawingml/2006/main" xmlns:r="http://schemas.openxmlformats.org/officeDocument/2006/relationships" xmlns:p="http://schemas.openxmlformats.org/presentationml/2006/main">
+  <p:cSld>
+    <p:spTree>
+      <p:nvGrpSpPr>
+        <p:cNvPr id="1" name=""/>
+        <p:cNvGrpSpPr/>
+        <p:nvPr/>
+      </p:nvGrpSpPr>
+      <p:grpSpPr>
+        <a:xfrm>
+          <a:off x="0" y="0"/>
+          <a:ext cx="0" cy="0"/>
+          <a:chOff x="0" y="0"/>
+          <a:chExt cx="0" cy="0"/>
+        </a:xfrm>
+      </p:grpSpPr>
+      <p:sp>
+        <p:nvSpPr>
+          <p:cNvPr id="2" name="Título 1">
+            <a:extLst>
+              <a:ext uri="{FF2B5EF4-FFF2-40B4-BE49-F238E27FC236}">
+                <a16:creationId xmlns:a16="http://schemas.microsoft.com/office/drawing/2014/main" id="{952E5379-B3AA-94FE-630F-D9038CCBC5FE}"/>
+              </a:ext>
+            </a:extLst>
+          </p:cNvPr>
+          <p:cNvSpPr>
+            <a:spLocks noGrp="1"/>
+          </p:cNvSpPr>
+          <p:nvPr>
+            <p:ph type="title"/>
+          </p:nvPr>
+        </p:nvSpPr>
+        <p:spPr/>
+        <p:txBody>
+          <a:bodyPr/>
+          <a:lstStyle/>
+          <a:p>
+            <a:r>
+              <a:rPr lang="pt-BR" dirty="0"/>
+              <a:t>Body – Corpo</a:t>
+            </a:r>
+          </a:p>
+        </p:txBody>
+      </p:sp>
+      <p:sp>
+        <p:nvSpPr>
+          <p:cNvPr id="3" name="Espaço Reservado para Conteúdo 2">
+            <a:extLst>
+              <a:ext uri="{FF2B5EF4-FFF2-40B4-BE49-F238E27FC236}">
+                <a16:creationId xmlns:a16="http://schemas.microsoft.com/office/drawing/2014/main" id="{E4A9D119-AEAF-7F37-86F2-1D8E58B2B811}"/>
+              </a:ext>
+            </a:extLst>
+          </p:cNvPr>
+          <p:cNvSpPr>
+            <a:spLocks noGrp="1"/>
+          </p:cNvSpPr>
+          <p:nvPr>
+            <p:ph idx="1"/>
+          </p:nvPr>
+        </p:nvSpPr>
+        <p:spPr/>
+        <p:txBody>
+          <a:bodyPr/>
+          <a:lstStyle/>
+          <a:p>
+            <a:r>
+              <a:rPr lang="pt-BR" dirty="0"/>
+              <a:t>É o conteúdo da página propriamente dito. </a:t>
+            </a:r>
+          </a:p>
+          <a:p>
+            <a:r>
+              <a:rPr lang="pt-BR" dirty="0"/>
+              <a:t>Títulos;</a:t>
+            </a:r>
+          </a:p>
+          <a:p>
+            <a:r>
+              <a:rPr lang="pt-BR" dirty="0"/>
+              <a:t>Textos;</a:t>
+            </a:r>
+          </a:p>
+          <a:p>
+            <a:r>
+              <a:rPr lang="pt-BR" dirty="0"/>
+              <a:t>Imagens....</a:t>
+            </a:r>
+          </a:p>
+        </p:txBody>
+      </p:sp>
+    </p:spTree>
+    <p:extLst>
+      <p:ext uri="{BB962C8B-B14F-4D97-AF65-F5344CB8AC3E}">
+        <p14:creationId xmlns:p14="http://schemas.microsoft.com/office/powerpoint/2010/main" val="1641097225"/>
+      </p:ext>
+    </p:extLst>
+  </p:cSld>
+  <p:clrMapOvr>
+    <a:masterClrMapping/>
+  </p:clrMapOvr>
+</p:sld>
+</file>
+
+<file path=ppt/slides/slide64.xml><?xml version="1.0" encoding="utf-8"?>
+<p:sld xmlns:a="http://schemas.openxmlformats.org/drawingml/2006/main" xmlns:r="http://schemas.openxmlformats.org/officeDocument/2006/relationships" xmlns:p="http://schemas.openxmlformats.org/presentationml/2006/main">
+  <p:cSld>
+    <p:spTree>
+      <p:nvGrpSpPr>
+        <p:cNvPr id="1" name=""/>
+        <p:cNvGrpSpPr/>
+        <p:nvPr/>
+      </p:nvGrpSpPr>
+      <p:grpSpPr>
+        <a:xfrm>
+          <a:off x="0" y="0"/>
+          <a:ext cx="0" cy="0"/>
+          <a:chOff x="0" y="0"/>
+          <a:chExt cx="0" cy="0"/>
+        </a:xfrm>
+      </p:grpSpPr>
+      <p:sp>
+        <p:nvSpPr>
+          <p:cNvPr id="2" name="Título 1">
+            <a:extLst>
+              <a:ext uri="{FF2B5EF4-FFF2-40B4-BE49-F238E27FC236}">
+                <a16:creationId xmlns:a16="http://schemas.microsoft.com/office/drawing/2014/main" id="{D1230989-08A4-DBB7-D064-0CC6478722A0}"/>
+              </a:ext>
+            </a:extLst>
+          </p:cNvPr>
+          <p:cNvSpPr>
+            <a:spLocks noGrp="1"/>
+          </p:cNvSpPr>
+          <p:nvPr>
+            <p:ph type="title"/>
+          </p:nvPr>
+        </p:nvSpPr>
+        <p:spPr/>
+        <p:txBody>
+          <a:bodyPr/>
+          <a:lstStyle/>
+          <a:p>
+            <a:r>
+              <a:rPr lang="pt-BR" dirty="0"/>
+              <a:t>Construção da Render </a:t>
+            </a:r>
+            <a:r>
+              <a:rPr lang="pt-BR" dirty="0" err="1"/>
+              <a:t>Tree</a:t>
+            </a:r>
+            <a:endParaRPr lang="pt-BR" dirty="0"/>
+          </a:p>
+        </p:txBody>
+      </p:sp>
+      <p:sp>
+        <p:nvSpPr>
+          <p:cNvPr id="3" name="Espaço Reservado para Conteúdo 2">
+            <a:extLst>
+              <a:ext uri="{FF2B5EF4-FFF2-40B4-BE49-F238E27FC236}">
+                <a16:creationId xmlns:a16="http://schemas.microsoft.com/office/drawing/2014/main" id="{EA3A945B-A7B6-53E8-A65D-7B14095DF232}"/>
+              </a:ext>
+            </a:extLst>
+          </p:cNvPr>
+          <p:cNvSpPr>
+            <a:spLocks noGrp="1"/>
+          </p:cNvSpPr>
+          <p:nvPr>
+            <p:ph idx="1"/>
+          </p:nvPr>
+        </p:nvSpPr>
+        <p:spPr/>
+        <p:txBody>
+          <a:bodyPr/>
+          <a:lstStyle/>
+          <a:p>
+            <a:r>
+              <a:rPr lang="pt-BR" dirty="0"/>
+              <a:t>O </a:t>
+            </a:r>
+            <a:r>
+              <a:rPr lang="pt-BR" dirty="0" err="1"/>
+              <a:t>head</a:t>
+            </a:r>
+            <a:r>
+              <a:rPr lang="pt-BR" dirty="0"/>
+              <a:t> mostra ao navegador como a página deve se comportar, portanto, ele vem primeiro. </a:t>
+            </a:r>
+          </a:p>
+          <a:p>
+            <a:r>
+              <a:rPr lang="pt-BR" dirty="0"/>
+              <a:t>Não vou explicar com mais detalhes.</a:t>
+            </a:r>
+          </a:p>
+        </p:txBody>
+      </p:sp>
+    </p:spTree>
+    <p:extLst>
+      <p:ext uri="{BB962C8B-B14F-4D97-AF65-F5344CB8AC3E}">
+        <p14:creationId xmlns:p14="http://schemas.microsoft.com/office/powerpoint/2010/main" val="3478900677"/>
+      </p:ext>
+    </p:extLst>
+  </p:cSld>
+  <p:clrMapOvr>
+    <a:masterClrMapping/>
+  </p:clrMapOvr>
+</p:sld>
+</file>
+
+<file path=ppt/slides/slide65.xml><?xml version="1.0" encoding="utf-8"?>
+<p:sld xmlns:a="http://schemas.openxmlformats.org/drawingml/2006/main" xmlns:r="http://schemas.openxmlformats.org/officeDocument/2006/relationships" xmlns:p="http://schemas.openxmlformats.org/presentationml/2006/main">
+  <p:cSld>
+    <p:spTree>
+      <p:nvGrpSpPr>
+        <p:cNvPr id="1" name=""/>
+        <p:cNvGrpSpPr/>
+        <p:nvPr/>
+      </p:nvGrpSpPr>
+      <p:grpSpPr>
+        <a:xfrm>
+          <a:off x="0" y="0"/>
+          <a:ext cx="0" cy="0"/>
+          <a:chOff x="0" y="0"/>
+          <a:chExt cx="0" cy="0"/>
+        </a:xfrm>
+      </p:grpSpPr>
+      <p:sp>
+        <p:nvSpPr>
+          <p:cNvPr id="2" name="Título 1">
+            <a:extLst>
+              <a:ext uri="{FF2B5EF4-FFF2-40B4-BE49-F238E27FC236}">
+                <a16:creationId xmlns:a16="http://schemas.microsoft.com/office/drawing/2014/main" id="{8004D666-42ED-02BE-2951-DAAF5997ACC5}"/>
+              </a:ext>
+            </a:extLst>
+          </p:cNvPr>
+          <p:cNvSpPr>
+            <a:spLocks noGrp="1"/>
+          </p:cNvSpPr>
+          <p:nvPr>
+            <p:ph type="title"/>
+          </p:nvPr>
+        </p:nvSpPr>
+        <p:spPr/>
+        <p:txBody>
+          <a:bodyPr/>
+          <a:lstStyle/>
+          <a:p>
+            <a:r>
+              <a:rPr lang="pt-BR" dirty="0"/>
+              <a:t>Lição para a Casa (curiosos).</a:t>
+            </a:r>
+          </a:p>
+        </p:txBody>
+      </p:sp>
+      <p:sp>
+        <p:nvSpPr>
+          <p:cNvPr id="3" name="Espaço Reservado para Conteúdo 2">
+            <a:extLst>
+              <a:ext uri="{FF2B5EF4-FFF2-40B4-BE49-F238E27FC236}">
+                <a16:creationId xmlns:a16="http://schemas.microsoft.com/office/drawing/2014/main" id="{21D900DB-3CD4-60E0-D053-C028B4B9585C}"/>
+              </a:ext>
+            </a:extLst>
+          </p:cNvPr>
+          <p:cNvSpPr>
+            <a:spLocks noGrp="1"/>
+          </p:cNvSpPr>
+          <p:nvPr>
+            <p:ph idx="1"/>
+          </p:nvPr>
+        </p:nvSpPr>
+        <p:spPr/>
+        <p:txBody>
+          <a:bodyPr/>
+          <a:lstStyle/>
+          <a:p>
+            <a:r>
+              <a:rPr lang="pt-BR" dirty="0"/>
+              <a:t>Estudar e entender melhor sobre como funciona a Render </a:t>
+            </a:r>
+            <a:r>
+              <a:rPr lang="pt-BR" dirty="0" err="1"/>
+              <a:t>Tree</a:t>
+            </a:r>
+            <a:r>
+              <a:rPr lang="pt-BR" dirty="0"/>
+              <a:t>, o DOM e o CSSOM. </a:t>
+            </a:r>
+          </a:p>
+        </p:txBody>
+      </p:sp>
+    </p:spTree>
+    <p:extLst>
+      <p:ext uri="{BB962C8B-B14F-4D97-AF65-F5344CB8AC3E}">
+        <p14:creationId xmlns:p14="http://schemas.microsoft.com/office/powerpoint/2010/main" val="4121440734"/>
+      </p:ext>
+    </p:extLst>
+  </p:cSld>
+  <p:clrMapOvr>
+    <a:masterClrMapping/>
+  </p:clrMapOvr>
+</p:sld>
+</file>
+
+<file path=ppt/slides/slide66.xml><?xml version="1.0" encoding="utf-8"?>
+<p:sld xmlns:a="http://schemas.openxmlformats.org/drawingml/2006/main" xmlns:r="http://schemas.openxmlformats.org/officeDocument/2006/relationships" xmlns:p="http://schemas.openxmlformats.org/presentationml/2006/main">
+  <p:cSld>
+    <p:bg>
+      <p:bgPr>
+        <a:solidFill>
+          <a:schemeClr val="bg1"/>
+        </a:solidFill>
+        <a:effectLst/>
+      </p:bgPr>
+    </p:bg>
+    <p:spTree>
+      <p:nvGrpSpPr>
+        <p:cNvPr id="1" name=""/>
+        <p:cNvGrpSpPr/>
+        <p:nvPr/>
+      </p:nvGrpSpPr>
+      <p:grpSpPr>
+        <a:xfrm>
+          <a:off x="0" y="0"/>
+          <a:ext cx="0" cy="0"/>
+          <a:chOff x="0" y="0"/>
+          <a:chExt cx="0" cy="0"/>
+        </a:xfrm>
+      </p:grpSpPr>
+      <p:sp>
+        <p:nvSpPr>
+          <p:cNvPr id="10" name="Rectangle 9">
+            <a:extLst>
+              <a:ext uri="{FF2B5EF4-FFF2-40B4-BE49-F238E27FC236}">
+                <a16:creationId xmlns:a16="http://schemas.microsoft.com/office/drawing/2014/main" id="{8D06CE56-3881-4ADA-8CEF-D18B02C242A3}"/>
+              </a:ext>
+              <a:ext uri="{C183D7F6-B498-43B3-948B-1728B52AA6E4}">
+                <adec:decorative xmlns:adec="http://schemas.microsoft.com/office/drawing/2017/decorative" val="1"/>
+              </a:ext>
+            </a:extLst>
+          </p:cNvPr>
+          <p:cNvSpPr>
+            <a:spLocks noGrp="1" noRot="1" noChangeAspect="1" noMove="1" noResize="1" noEditPoints="1" noAdjustHandles="1" noChangeArrowheads="1" noChangeShapeType="1" noTextEdit="1"/>
+          </p:cNvSpPr>
+          <p:nvPr>
+            <p:extLst>
+              <p:ext uri="{386F3935-93C4-4BCD-93E2-E3B085C9AB24}">
+                <p16:designElem xmlns:p16="http://schemas.microsoft.com/office/powerpoint/2015/main" val="1"/>
+              </p:ext>
+            </p:extLst>
+          </p:nvPr>
+        </p:nvSpPr>
+        <p:spPr>
+          <a:xfrm rot="5400000">
+            <a:off x="857544" y="346791"/>
+            <a:ext cx="146304" cy="704088"/>
+          </a:xfrm>
+          <a:prstGeom prst="rect">
+            <a:avLst/>
+          </a:prstGeom>
+          <a:solidFill>
+            <a:schemeClr val="accent1"/>
+          </a:solidFill>
+          <a:ln>
+            <a:noFill/>
+          </a:ln>
+        </p:spPr>
+        <p:style>
+          <a:lnRef idx="2">
+            <a:schemeClr val="accent1">
+              <a:shade val="50000"/>
+            </a:schemeClr>
+          </a:lnRef>
+          <a:fillRef idx="1">
+            <a:schemeClr val="accent1"/>
+          </a:fillRef>
+          <a:effectRef idx="0">
+            <a:schemeClr val="accent1"/>
+          </a:effectRef>
+          <a:fontRef idx="minor">
+            <a:schemeClr val="lt1"/>
+          </a:fontRef>
+        </p:style>
+        <p:txBody>
+          <a:bodyPr rtlCol="0" anchor="ctr"/>
+          <a:lstStyle/>
+          <a:p>
+            <a:pPr marL="0" marR="0" lvl="0" indent="0" algn="ctr" defTabSz="914400" rtl="0" eaLnBrk="1" fontAlgn="auto" latinLnBrk="0" hangingPunct="1">
+              <a:lnSpc>
+                <a:spcPct val="100000"/>
+              </a:lnSpc>
+              <a:spcBef>
+                <a:spcPts val="0"/>
+              </a:spcBef>
+              <a:spcAft>
+                <a:spcPts val="0"/>
+              </a:spcAft>
+              <a:buClrTx/>
+              <a:buSzTx/>
+              <a:buFontTx/>
+              <a:buNone/>
+              <a:tabLst/>
+              <a:defRPr/>
+            </a:pPr>
+            <a:endParaRPr kumimoji="0" lang="en-US" sz="1800" b="0" i="0" u="none" strike="noStrike" kern="1200" cap="none" spc="0" normalizeH="0" baseline="0" noProof="0">
+              <a:ln>
+                <a:noFill/>
+              </a:ln>
+              <a:solidFill>
+                <a:prstClr val="white"/>
+              </a:solidFill>
+              <a:effectLst/>
+              <a:uLnTx/>
+              <a:uFillTx/>
+              <a:latin typeface="Calibri" panose="020F0502020204030204"/>
+              <a:ea typeface="+mn-ea"/>
+              <a:cs typeface="+mn-cs"/>
+            </a:endParaRPr>
+          </a:p>
+        </p:txBody>
+      </p:sp>
+      <p:sp>
+        <p:nvSpPr>
+          <p:cNvPr id="12" name="Rectangle 11">
+            <a:extLst>
+              <a:ext uri="{FF2B5EF4-FFF2-40B4-BE49-F238E27FC236}">
+                <a16:creationId xmlns:a16="http://schemas.microsoft.com/office/drawing/2014/main" id="{79F3C543-62EC-4433-9C93-A2CD8764E9B4}"/>
+              </a:ext>
+              <a:ext uri="{C183D7F6-B498-43B3-948B-1728B52AA6E4}">
+                <adec:decorative xmlns:adec="http://schemas.microsoft.com/office/drawing/2017/decorative" val="1"/>
+              </a:ext>
+            </a:extLst>
+          </p:cNvPr>
+          <p:cNvSpPr>
+            <a:spLocks noGrp="1" noRot="1" noChangeAspect="1" noMove="1" noResize="1" noEditPoints="1" noAdjustHandles="1" noChangeArrowheads="1" noChangeShapeType="1" noTextEdit="1"/>
+          </p:cNvSpPr>
+          <p:nvPr>
+            <p:extLst>
+              <p:ext uri="{386F3935-93C4-4BCD-93E2-E3B085C9AB24}">
+                <p16:designElem xmlns:p16="http://schemas.microsoft.com/office/powerpoint/2015/main" val="1"/>
+              </p:ext>
+            </p:extLst>
+          </p:nvPr>
+        </p:nvSpPr>
+        <p:spPr>
+          <a:xfrm flipV="1">
+            <a:off x="578652" y="4501201"/>
+            <a:ext cx="11034696" cy="18288"/>
+          </a:xfrm>
+          <a:prstGeom prst="rect">
+            <a:avLst/>
+          </a:prstGeom>
+          <a:solidFill>
+            <a:schemeClr val="tx2">
+              <a:lumMod val="25000"/>
+              <a:lumOff val="75000"/>
+            </a:schemeClr>
+          </a:solidFill>
+          <a:ln w="3175">
+            <a:noFill/>
+          </a:ln>
+          <a:effectLst/>
+        </p:spPr>
+        <p:style>
+          <a:lnRef idx="2">
+            <a:schemeClr val="accent1">
+              <a:shade val="50000"/>
+            </a:schemeClr>
+          </a:lnRef>
+          <a:fillRef idx="1">
+            <a:schemeClr val="accent1"/>
+          </a:fillRef>
+          <a:effectRef idx="0">
+            <a:schemeClr val="accent1"/>
+          </a:effectRef>
+          <a:fontRef idx="minor">
+            <a:schemeClr val="lt1"/>
+          </a:fontRef>
+        </p:style>
+        <p:txBody>
+          <a:bodyPr rtlCol="0" anchor="ctr"/>
+          <a:lstStyle/>
+          <a:p>
+            <a:pPr marL="0" marR="0" lvl="0" indent="0" algn="ctr" defTabSz="914400" rtl="0" eaLnBrk="1" fontAlgn="auto" latinLnBrk="0" hangingPunct="1">
+              <a:lnSpc>
+                <a:spcPct val="100000"/>
+              </a:lnSpc>
+              <a:spcBef>
+                <a:spcPts val="0"/>
+              </a:spcBef>
+              <a:spcAft>
+                <a:spcPts val="0"/>
+              </a:spcAft>
+              <a:buClrTx/>
+              <a:buSzTx/>
+              <a:buFontTx/>
+              <a:buNone/>
+              <a:tabLst/>
+              <a:defRPr/>
+            </a:pPr>
+            <a:endParaRPr kumimoji="0" lang="en-US" sz="1800" b="0" i="0" u="none" strike="noStrike" kern="1200" cap="none" spc="0" normalizeH="0" baseline="0" noProof="0">
+              <a:ln>
+                <a:noFill/>
+              </a:ln>
+              <a:solidFill>
+                <a:prstClr val="white"/>
+              </a:solidFill>
+              <a:effectLst/>
+              <a:uLnTx/>
+              <a:uFillTx/>
+              <a:latin typeface="Calibri" panose="020F0502020204030204"/>
+              <a:ea typeface="+mn-ea"/>
+              <a:cs typeface="+mn-cs"/>
+            </a:endParaRPr>
+          </a:p>
+        </p:txBody>
+      </p:sp>
+      <p:sp useBgFill="1">
+        <p:nvSpPr>
+          <p:cNvPr id="14" name="Rectangle 13">
+            <a:extLst>
+              <a:ext uri="{FF2B5EF4-FFF2-40B4-BE49-F238E27FC236}">
+                <a16:creationId xmlns:a16="http://schemas.microsoft.com/office/drawing/2014/main" id="{E91DC736-0EF8-4F87-9146-EBF1D2EE4D3D}"/>
+              </a:ext>
+              <a:ext uri="{C183D7F6-B498-43B3-948B-1728B52AA6E4}">
+                <adec:decorative xmlns:adec="http://schemas.microsoft.com/office/drawing/2017/decorative" val="1"/>
+              </a:ext>
+            </a:extLst>
+          </p:cNvPr>
+          <p:cNvSpPr>
+            <a:spLocks noGrp="1" noRot="1" noChangeAspect="1" noMove="1" noResize="1" noEditPoints="1" noAdjustHandles="1" noChangeArrowheads="1" noChangeShapeType="1" noTextEdit="1"/>
+          </p:cNvSpPr>
+          <p:nvPr>
+            <p:extLst>
+              <p:ext uri="{386F3935-93C4-4BCD-93E2-E3B085C9AB24}">
+                <p16:designElem xmlns:p16="http://schemas.microsoft.com/office/powerpoint/2015/main" val="1"/>
+              </p:ext>
+            </p:extLst>
+          </p:nvPr>
+        </p:nvSpPr>
+        <p:spPr>
+          <a:xfrm>
+            <a:off x="0" y="0"/>
+            <a:ext cx="12192000" cy="6858000"/>
+          </a:xfrm>
+          <a:prstGeom prst="rect">
+            <a:avLst/>
+          </a:prstGeom>
+          <a:ln>
+            <a:noFill/>
+          </a:ln>
+        </p:spPr>
+        <p:style>
+          <a:lnRef idx="2">
+            <a:schemeClr val="accent1">
+              <a:shade val="50000"/>
+            </a:schemeClr>
+          </a:lnRef>
+          <a:fillRef idx="1">
+            <a:schemeClr val="accent1"/>
+          </a:fillRef>
+          <a:effectRef idx="0">
+            <a:schemeClr val="accent1"/>
+          </a:effectRef>
+          <a:fontRef idx="minor">
+            <a:schemeClr val="lt1"/>
+          </a:fontRef>
+        </p:style>
+        <p:txBody>
+          <a:bodyPr rtlCol="0" anchor="ctr"/>
+          <a:lstStyle/>
+          <a:p>
+            <a:pPr algn="ctr"/>
+            <a:endParaRPr lang="en-US"/>
+          </a:p>
+        </p:txBody>
+      </p:sp>
+      <p:pic>
+        <p:nvPicPr>
+          <p:cNvPr id="4" name="Content Placeholder 3" descr="Fundo do vetor de cores vibrantes salpicando">
+            <a:extLst>
+              <a:ext uri="{FF2B5EF4-FFF2-40B4-BE49-F238E27FC236}">
+                <a16:creationId xmlns:a16="http://schemas.microsoft.com/office/drawing/2014/main" id="{C8392F0A-776A-C295-D1C5-822935EFB308}"/>
+              </a:ext>
+            </a:extLst>
+          </p:cNvPr>
+          <p:cNvPicPr>
+            <a:picLocks noChangeAspect="1"/>
+          </p:cNvPicPr>
+          <p:nvPr/>
+        </p:nvPicPr>
+        <p:blipFill rotWithShape="1">
+          <a:blip r:embed="rId2"/>
+          <a:srcRect l="10975" r="3072" b="-1"/>
+          <a:stretch/>
+        </p:blipFill>
+        <p:spPr>
+          <a:xfrm>
+            <a:off x="3523488" y="10"/>
+            <a:ext cx="8668512" cy="6857990"/>
+          </a:xfrm>
+          <a:prstGeom prst="rect">
+            <a:avLst/>
+          </a:prstGeom>
+        </p:spPr>
+      </p:pic>
+      <p:sp>
+        <p:nvSpPr>
+          <p:cNvPr id="16" name="Rectangle 15">
+            <a:extLst>
+              <a:ext uri="{FF2B5EF4-FFF2-40B4-BE49-F238E27FC236}">
+                <a16:creationId xmlns:a16="http://schemas.microsoft.com/office/drawing/2014/main" id="{097CD68E-23E3-4007-8847-CD0944C4F7BE}"/>
+              </a:ext>
+              <a:ext uri="{C183D7F6-B498-43B3-948B-1728B52AA6E4}">
+                <adec:decorative xmlns:adec="http://schemas.microsoft.com/office/drawing/2017/decorative" val="1"/>
+              </a:ext>
+            </a:extLst>
+          </p:cNvPr>
+          <p:cNvSpPr>
+            <a:spLocks noGrp="1" noRot="1" noChangeAspect="1" noMove="1" noResize="1" noEditPoints="1" noAdjustHandles="1" noChangeArrowheads="1" noChangeShapeType="1" noTextEdit="1"/>
+          </p:cNvSpPr>
+          <p:nvPr>
+            <p:extLst>
+              <p:ext uri="{386F3935-93C4-4BCD-93E2-E3B085C9AB24}">
+                <p16:designElem xmlns:p16="http://schemas.microsoft.com/office/powerpoint/2015/main" val="1"/>
+              </p:ext>
+            </p:extLst>
+          </p:nvPr>
+        </p:nvSpPr>
+        <p:spPr>
+          <a:xfrm>
+            <a:off x="0" y="0"/>
+            <a:ext cx="9756601" cy="6858000"/>
+          </a:xfrm>
+          <a:prstGeom prst="rect">
+            <a:avLst/>
+          </a:prstGeom>
+          <a:gradFill>
+            <a:gsLst>
+              <a:gs pos="58000">
+                <a:schemeClr val="bg1"/>
+              </a:gs>
+              <a:gs pos="35000">
+                <a:schemeClr val="bg1">
+                  <a:alpha val="79000"/>
+                </a:schemeClr>
+              </a:gs>
+              <a:gs pos="19000">
+                <a:schemeClr val="bg1">
+                  <a:alpha val="38000"/>
+                </a:schemeClr>
+              </a:gs>
+              <a:gs pos="0">
+                <a:schemeClr val="bg1">
+                  <a:alpha val="0"/>
+                </a:schemeClr>
+              </a:gs>
+              <a:gs pos="100000">
+                <a:schemeClr val="bg1"/>
+              </a:gs>
+            </a:gsLst>
+            <a:lin ang="10800000" scaled="0"/>
+          </a:gradFill>
+          <a:ln>
+            <a:noFill/>
+          </a:ln>
+        </p:spPr>
+        <p:style>
+          <a:lnRef idx="2">
+            <a:schemeClr val="accent1">
+              <a:shade val="50000"/>
+            </a:schemeClr>
+          </a:lnRef>
+          <a:fillRef idx="1">
+            <a:schemeClr val="accent1"/>
+          </a:fillRef>
+          <a:effectRef idx="0">
+            <a:schemeClr val="accent1"/>
+          </a:effectRef>
+          <a:fontRef idx="minor">
+            <a:schemeClr val="lt1"/>
+          </a:fontRef>
+        </p:style>
+        <p:txBody>
+          <a:bodyPr rtlCol="0" anchor="ctr"/>
+          <a:lstStyle/>
+          <a:p>
+            <a:pPr algn="ctr"/>
+            <a:endParaRPr lang="en-US" dirty="0"/>
+          </a:p>
+        </p:txBody>
+      </p:sp>
+      <p:sp>
+        <p:nvSpPr>
+          <p:cNvPr id="5" name="Título 1">
+            <a:extLst>
+              <a:ext uri="{FF2B5EF4-FFF2-40B4-BE49-F238E27FC236}">
+                <a16:creationId xmlns:a16="http://schemas.microsoft.com/office/drawing/2014/main" id="{F1EE6D04-0066-E1FD-8D79-56D664854896}"/>
+              </a:ext>
+            </a:extLst>
+          </p:cNvPr>
+          <p:cNvSpPr>
+            <a:spLocks noGrp="1"/>
+          </p:cNvSpPr>
+          <p:nvPr>
+            <p:ph type="title"/>
+          </p:nvPr>
+        </p:nvSpPr>
+        <p:spPr>
+          <a:xfrm>
+            <a:off x="477981" y="1122363"/>
+            <a:ext cx="4023360" cy="3204134"/>
+          </a:xfrm>
+        </p:spPr>
+        <p:txBody>
+          <a:bodyPr vert="horz" lIns="91440" tIns="45720" rIns="91440" bIns="45720" rtlCol="0" anchor="b">
+            <a:normAutofit/>
+          </a:bodyPr>
+          <a:lstStyle/>
+          <a:p>
+            <a:r>
+              <a:rPr lang="en-US" sz="4800" dirty="0"/>
+              <a:t>Aula 4 – Tags no HTML</a:t>
+            </a:r>
+          </a:p>
+        </p:txBody>
+      </p:sp>
+      <p:sp>
+        <p:nvSpPr>
+          <p:cNvPr id="18" name="Rectangle 17">
+            <a:extLst>
+              <a:ext uri="{FF2B5EF4-FFF2-40B4-BE49-F238E27FC236}">
+                <a16:creationId xmlns:a16="http://schemas.microsoft.com/office/drawing/2014/main" id="{AF2F604E-43BE-4DC3-B983-E071523364F8}"/>
+              </a:ext>
+              <a:ext uri="{C183D7F6-B498-43B3-948B-1728B52AA6E4}">
+                <adec:decorative xmlns:adec="http://schemas.microsoft.com/office/drawing/2017/decorative" val="1"/>
+              </a:ext>
+            </a:extLst>
+          </p:cNvPr>
+          <p:cNvSpPr>
+            <a:spLocks noGrp="1" noRot="1" noChangeAspect="1" noMove="1" noResize="1" noEditPoints="1" noAdjustHandles="1" noChangeArrowheads="1" noChangeShapeType="1" noTextEdit="1"/>
+          </p:cNvSpPr>
+          <p:nvPr>
+            <p:extLst>
+              <p:ext uri="{386F3935-93C4-4BCD-93E2-E3B085C9AB24}">
+                <p16:designElem xmlns:p16="http://schemas.microsoft.com/office/powerpoint/2015/main" val="1"/>
+              </p:ext>
+            </p:extLst>
+          </p:nvPr>
+        </p:nvSpPr>
+        <p:spPr>
+          <a:xfrm rot="5400000">
+            <a:off x="759921" y="346791"/>
+            <a:ext cx="146304" cy="704088"/>
+          </a:xfrm>
+          <a:prstGeom prst="rect">
+            <a:avLst/>
+          </a:prstGeom>
+          <a:solidFill>
+            <a:schemeClr val="accent1"/>
+          </a:solidFill>
+          <a:ln>
+            <a:noFill/>
+          </a:ln>
+        </p:spPr>
+        <p:style>
+          <a:lnRef idx="2">
+            <a:schemeClr val="accent1">
+              <a:shade val="50000"/>
+            </a:schemeClr>
+          </a:lnRef>
+          <a:fillRef idx="1">
+            <a:schemeClr val="accent1"/>
+          </a:fillRef>
+          <a:effectRef idx="0">
+            <a:schemeClr val="accent1"/>
+          </a:effectRef>
+          <a:fontRef idx="minor">
+            <a:schemeClr val="lt1"/>
+          </a:fontRef>
+        </p:style>
+        <p:txBody>
+          <a:bodyPr rtlCol="0" anchor="ctr"/>
+          <a:lstStyle/>
+          <a:p>
+            <a:pPr marL="0" marR="0" lvl="0" indent="0" algn="ctr" defTabSz="914400" rtl="0" eaLnBrk="1" fontAlgn="auto" latinLnBrk="0" hangingPunct="1">
+              <a:lnSpc>
+                <a:spcPct val="100000"/>
+              </a:lnSpc>
+              <a:spcBef>
+                <a:spcPts val="0"/>
+              </a:spcBef>
+              <a:spcAft>
+                <a:spcPts val="0"/>
+              </a:spcAft>
+              <a:buClrTx/>
+              <a:buSzTx/>
+              <a:buFontTx/>
+              <a:buNone/>
+              <a:tabLst/>
+              <a:defRPr/>
+            </a:pPr>
+            <a:endParaRPr kumimoji="0" lang="en-US" sz="1800" b="0" i="0" u="none" strike="noStrike" kern="1200" cap="none" spc="0" normalizeH="0" baseline="0" noProof="0">
+              <a:ln>
+                <a:noFill/>
+              </a:ln>
+              <a:solidFill>
+                <a:prstClr val="white"/>
+              </a:solidFill>
+              <a:effectLst/>
+              <a:uLnTx/>
+              <a:uFillTx/>
+              <a:latin typeface="Calibri" panose="020F0502020204030204"/>
+              <a:ea typeface="+mn-ea"/>
+              <a:cs typeface="+mn-cs"/>
+            </a:endParaRPr>
+          </a:p>
+        </p:txBody>
+      </p:sp>
+      <p:sp>
+        <p:nvSpPr>
+          <p:cNvPr id="20" name="Rectangle 19">
+            <a:extLst>
+              <a:ext uri="{FF2B5EF4-FFF2-40B4-BE49-F238E27FC236}">
+                <a16:creationId xmlns:a16="http://schemas.microsoft.com/office/drawing/2014/main" id="{08C9B587-E65E-4B52-B37C-ABEBB6E87928}"/>
+              </a:ext>
+              <a:ext uri="{C183D7F6-B498-43B3-948B-1728B52AA6E4}">
+                <adec:decorative xmlns:adec="http://schemas.microsoft.com/office/drawing/2017/decorative" val="1"/>
+              </a:ext>
+            </a:extLst>
+          </p:cNvPr>
+          <p:cNvSpPr>
+            <a:spLocks noGrp="1" noRot="1" noChangeAspect="1" noMove="1" noResize="1" noEditPoints="1" noAdjustHandles="1" noChangeArrowheads="1" noChangeShapeType="1" noTextEdit="1"/>
+          </p:cNvSpPr>
+          <p:nvPr>
+            <p:extLst>
+              <p:ext uri="{386F3935-93C4-4BCD-93E2-E3B085C9AB24}">
+                <p16:designElem xmlns:p16="http://schemas.microsoft.com/office/powerpoint/2015/main" val="1"/>
+              </p:ext>
+            </p:extLst>
+          </p:nvPr>
+        </p:nvSpPr>
+        <p:spPr>
+          <a:xfrm>
+            <a:off x="481029" y="4546920"/>
+            <a:ext cx="3977640" cy="18288"/>
+          </a:xfrm>
+          <a:prstGeom prst="rect">
+            <a:avLst/>
+          </a:prstGeom>
+          <a:solidFill>
+            <a:schemeClr val="tx2">
+              <a:lumMod val="25000"/>
+              <a:lumOff val="75000"/>
+            </a:schemeClr>
+          </a:solidFill>
+          <a:ln w="3175">
+            <a:solidFill>
+              <a:schemeClr val="tx2">
+                <a:lumMod val="25000"/>
+                <a:lumOff val="75000"/>
+              </a:schemeClr>
+            </a:solidFill>
+          </a:ln>
+          <a:effectLst/>
+        </p:spPr>
+        <p:style>
+          <a:lnRef idx="2">
+            <a:schemeClr val="accent1">
+              <a:shade val="50000"/>
+            </a:schemeClr>
+          </a:lnRef>
+          <a:fillRef idx="1">
+            <a:schemeClr val="accent1"/>
+          </a:fillRef>
+          <a:effectRef idx="0">
+            <a:schemeClr val="accent1"/>
+          </a:effectRef>
+          <a:fontRef idx="minor">
+            <a:schemeClr val="lt1"/>
+          </a:fontRef>
+        </p:style>
+        <p:txBody>
+          <a:bodyPr rtlCol="0" anchor="ctr"/>
+          <a:lstStyle/>
+          <a:p>
+            <a:pPr marL="0" marR="0" lvl="0" indent="0" algn="ctr" defTabSz="914400" rtl="0" eaLnBrk="1" fontAlgn="auto" latinLnBrk="0" hangingPunct="1">
+              <a:lnSpc>
+                <a:spcPct val="100000"/>
+              </a:lnSpc>
+              <a:spcBef>
+                <a:spcPts val="0"/>
+              </a:spcBef>
+              <a:spcAft>
+                <a:spcPts val="0"/>
+              </a:spcAft>
+              <a:buClrTx/>
+              <a:buSzTx/>
+              <a:buFontTx/>
+              <a:buNone/>
+              <a:tabLst/>
+              <a:defRPr/>
+            </a:pPr>
+            <a:endParaRPr kumimoji="0" lang="en-US" sz="1800" b="0" i="0" u="none" strike="noStrike" kern="1200" cap="none" spc="0" normalizeH="0" baseline="0" noProof="0">
+              <a:ln>
+                <a:noFill/>
+              </a:ln>
+              <a:solidFill>
+                <a:prstClr val="white"/>
+              </a:solidFill>
+              <a:effectLst/>
+              <a:uLnTx/>
+              <a:uFillTx/>
+              <a:latin typeface="Calibri" panose="020F0502020204030204"/>
+              <a:ea typeface="+mn-ea"/>
+              <a:cs typeface="+mn-cs"/>
+            </a:endParaRPr>
+          </a:p>
+        </p:txBody>
+      </p:sp>
+    </p:spTree>
+    <p:extLst>
+      <p:ext uri="{BB962C8B-B14F-4D97-AF65-F5344CB8AC3E}">
+        <p14:creationId xmlns:p14="http://schemas.microsoft.com/office/powerpoint/2010/main" val="3162603356"/>
+      </p:ext>
+    </p:extLst>
+  </p:cSld>
+  <p:clrMapOvr>
+    <a:masterClrMapping/>
+  </p:clrMapOvr>
+  <p:timing>
+    <p:tnLst>
+      <p:par>
+        <p:cTn id="1" dur="indefinite" restart="never" nodeType="tmRoot">
+          <p:childTnLst>
+            <p:seq concurrent="1" nextAc="seek">
+              <p:cTn id="2" dur="indefinite" nodeType="mainSeq">
+                <p:childTnLst>
+                  <p:par>
+                    <p:cTn id="3" fill="hold">
+                      <p:stCondLst>
+                        <p:cond delay="indefinite"/>
+                        <p:cond evt="onBegin" delay="0">
+                          <p:tn val="2"/>
+                        </p:cond>
+                      </p:stCondLst>
+                      <p:childTnLst>
+                        <p:par>
+                          <p:cTn id="4" fill="hold">
+                            <p:stCondLst>
+                              <p:cond delay="0"/>
+                            </p:stCondLst>
+                            <p:childTnLst>
+                              <p:par>
+                                <p:cTn id="5" presetID="10" presetClass="entr" presetSubtype="0" fill="hold" grpId="0" nodeType="withEffect">
+                                  <p:stCondLst>
+                                    <p:cond delay="1000"/>
+                                  </p:stCondLst>
+                                  <p:iterate type="lt">
+                                    <p:tmPct val="10000"/>
+                                  </p:iterate>
+                                  <p:childTnLst>
+                                    <p:set>
+                                      <p:cBhvr>
+                                        <p:cTn id="6" dur="1" fill="hold">
+                                          <p:stCondLst>
+                                            <p:cond delay="0"/>
+                                          </p:stCondLst>
+                                        </p:cTn>
+                                        <p:tgtEl>
+                                          <p:spTgt spid="5"/>
+                                        </p:tgtEl>
+                                        <p:attrNameLst>
+                                          <p:attrName>style.visibility</p:attrName>
+                                        </p:attrNameLst>
+                                      </p:cBhvr>
+                                      <p:to>
+                                        <p:strVal val="visible"/>
+                                      </p:to>
+                                    </p:set>
+                                    <p:animEffect transition="in" filter="fade">
+                                      <p:cBhvr>
+                                        <p:cTn id="7" dur="400"/>
+                                        <p:tgtEl>
+                                          <p:spTgt spid="5"/>
+                                        </p:tgtEl>
+                                      </p:cBhvr>
+                                    </p:animEffect>
+                                  </p:childTnLst>
+                                </p:cTn>
+                              </p:par>
+                            </p:childTnLst>
+                          </p:cTn>
+                        </p:par>
+                      </p:childTnLst>
+                    </p:cTn>
+                  </p:par>
+                </p:childTnLst>
+              </p:cTn>
+              <p:prevCondLst>
+                <p:cond evt="onPrev" delay="0">
+                  <p:tgtEl>
+                    <p:sldTgt/>
+                  </p:tgtEl>
+                </p:cond>
+              </p:prevCondLst>
+              <p:nextCondLst>
+                <p:cond evt="onNext" delay="0">
+                  <p:tgtEl>
+                    <p:sldTgt/>
+                  </p:tgtEl>
+                </p:cond>
+              </p:nextCondLst>
+            </p:seq>
+          </p:childTnLst>
+        </p:cTn>
+      </p:par>
+    </p:tnLst>
+    <p:bldLst>
+      <p:bldP spid="5" grpId="0"/>
+    </p:bldLst>
+  </p:timing>
+</p:sld>
+</file>
+
+<file path=ppt/slides/slide67.xml><?xml version="1.0" encoding="utf-8"?>
+<p:sld xmlns:a="http://schemas.openxmlformats.org/drawingml/2006/main" xmlns:r="http://schemas.openxmlformats.org/officeDocument/2006/relationships" xmlns:p="http://schemas.openxmlformats.org/presentationml/2006/main">
+  <p:cSld>
+    <p:spTree>
+      <p:nvGrpSpPr>
+        <p:cNvPr id="1" name=""/>
+        <p:cNvGrpSpPr/>
+        <p:nvPr/>
+      </p:nvGrpSpPr>
+      <p:grpSpPr>
+        <a:xfrm>
+          <a:off x="0" y="0"/>
+          <a:ext cx="0" cy="0"/>
+          <a:chOff x="0" y="0"/>
+          <a:chExt cx="0" cy="0"/>
+        </a:xfrm>
+      </p:grpSpPr>
+      <p:sp>
+        <p:nvSpPr>
+          <p:cNvPr id="2" name="Título 1">
+            <a:extLst>
+              <a:ext uri="{FF2B5EF4-FFF2-40B4-BE49-F238E27FC236}">
+                <a16:creationId xmlns:a16="http://schemas.microsoft.com/office/drawing/2014/main" id="{7278AF70-61E9-9E46-A6A1-DBE049454456}"/>
+              </a:ext>
+            </a:extLst>
+          </p:cNvPr>
+          <p:cNvSpPr>
+            <a:spLocks noGrp="1"/>
+          </p:cNvSpPr>
+          <p:nvPr>
+            <p:ph type="title"/>
+          </p:nvPr>
+        </p:nvSpPr>
+        <p:spPr/>
+        <p:txBody>
+          <a:bodyPr/>
+          <a:lstStyle/>
+          <a:p>
+            <a:r>
+              <a:rPr lang="pt-BR" dirty="0"/>
+              <a:t>O que são </a:t>
+            </a:r>
+            <a:r>
+              <a:rPr lang="pt-BR" dirty="0" err="1"/>
+              <a:t>tags</a:t>
+            </a:r>
+            <a:r>
+              <a:rPr lang="pt-BR" dirty="0"/>
+              <a:t>?</a:t>
+            </a:r>
+          </a:p>
+        </p:txBody>
+      </p:sp>
+      <p:sp>
+        <p:nvSpPr>
+          <p:cNvPr id="3" name="Espaço Reservado para Conteúdo 2">
+            <a:extLst>
+              <a:ext uri="{FF2B5EF4-FFF2-40B4-BE49-F238E27FC236}">
+                <a16:creationId xmlns:a16="http://schemas.microsoft.com/office/drawing/2014/main" id="{24E31802-8213-D376-F805-0B4AC3123FC7}"/>
+              </a:ext>
+            </a:extLst>
+          </p:cNvPr>
+          <p:cNvSpPr>
+            <a:spLocks noGrp="1"/>
+          </p:cNvSpPr>
+          <p:nvPr>
+            <p:ph idx="1"/>
+          </p:nvPr>
+        </p:nvSpPr>
+        <p:spPr/>
+        <p:txBody>
+          <a:bodyPr/>
+          <a:lstStyle/>
+          <a:p>
+            <a:r>
+              <a:rPr lang="pt-BR" dirty="0" err="1"/>
+              <a:t>Tags</a:t>
+            </a:r>
+            <a:r>
+              <a:rPr lang="pt-BR" dirty="0"/>
+              <a:t> são as marcações feitas para exibir elementos na tela, a linguagem HTML é bem pré-definida quando se fala disso, algumas </a:t>
+            </a:r>
+            <a:r>
+              <a:rPr lang="pt-BR" dirty="0" err="1"/>
+              <a:t>tags</a:t>
+            </a:r>
+            <a:r>
+              <a:rPr lang="pt-BR" dirty="0"/>
+              <a:t> foram feitas para títulos, outras para botões e outras para entrada de dados.</a:t>
+            </a:r>
+          </a:p>
+          <a:p>
+            <a:r>
+              <a:rPr lang="pt-BR" dirty="0"/>
+              <a:t>O caractere &lt; é responsável por abrir uma </a:t>
+            </a:r>
+            <a:r>
+              <a:rPr lang="pt-BR" dirty="0" err="1"/>
+              <a:t>tag</a:t>
+            </a:r>
+            <a:r>
+              <a:rPr lang="pt-BR" dirty="0"/>
+              <a:t> e o caractere &gt; é responsável por fechar uma </a:t>
+            </a:r>
+            <a:r>
+              <a:rPr lang="pt-BR" dirty="0" err="1"/>
+              <a:t>tag</a:t>
+            </a:r>
+            <a:r>
+              <a:rPr lang="pt-BR" dirty="0"/>
+              <a:t>. </a:t>
+            </a:r>
+          </a:p>
+        </p:txBody>
+      </p:sp>
+    </p:spTree>
+    <p:extLst>
+      <p:ext uri="{BB962C8B-B14F-4D97-AF65-F5344CB8AC3E}">
+        <p14:creationId xmlns:p14="http://schemas.microsoft.com/office/powerpoint/2010/main" val="4116858993"/>
+      </p:ext>
+    </p:extLst>
+  </p:cSld>
+  <p:clrMapOvr>
+    <a:masterClrMapping/>
+  </p:clrMapOvr>
+</p:sld>
+</file>
+
+<file path=ppt/slides/slide68.xml><?xml version="1.0" encoding="utf-8"?>
+<p:sld xmlns:a="http://schemas.openxmlformats.org/drawingml/2006/main" xmlns:r="http://schemas.openxmlformats.org/officeDocument/2006/relationships" xmlns:p="http://schemas.openxmlformats.org/presentationml/2006/main">
+  <p:cSld>
+    <p:spTree>
+      <p:nvGrpSpPr>
+        <p:cNvPr id="1" name=""/>
+        <p:cNvGrpSpPr/>
+        <p:nvPr/>
+      </p:nvGrpSpPr>
+      <p:grpSpPr>
+        <a:xfrm>
+          <a:off x="0" y="0"/>
+          <a:ext cx="0" cy="0"/>
+          <a:chOff x="0" y="0"/>
+          <a:chExt cx="0" cy="0"/>
+        </a:xfrm>
+      </p:grpSpPr>
+      <p:sp>
+        <p:nvSpPr>
+          <p:cNvPr id="2" name="Título 1">
+            <a:extLst>
+              <a:ext uri="{FF2B5EF4-FFF2-40B4-BE49-F238E27FC236}">
+                <a16:creationId xmlns:a16="http://schemas.microsoft.com/office/drawing/2014/main" id="{B0E7EA2E-EB88-BAA6-7439-D175C1DCFAAD}"/>
+              </a:ext>
+            </a:extLst>
+          </p:cNvPr>
+          <p:cNvSpPr>
+            <a:spLocks noGrp="1"/>
+          </p:cNvSpPr>
+          <p:nvPr>
+            <p:ph type="title"/>
+          </p:nvPr>
+        </p:nvSpPr>
+        <p:spPr/>
+        <p:txBody>
+          <a:bodyPr/>
+          <a:lstStyle/>
+          <a:p>
+            <a:r>
+              <a:rPr lang="pt-BR" dirty="0" err="1"/>
+              <a:t>Tags</a:t>
+            </a:r>
+            <a:r>
+              <a:rPr lang="pt-BR" dirty="0"/>
+              <a:t> Autônomas</a:t>
+            </a:r>
+          </a:p>
+        </p:txBody>
+      </p:sp>
+      <p:pic>
+        <p:nvPicPr>
+          <p:cNvPr id="5" name="Espaço Reservado para Conteúdo 4">
+            <a:extLst>
+              <a:ext uri="{FF2B5EF4-FFF2-40B4-BE49-F238E27FC236}">
+                <a16:creationId xmlns:a16="http://schemas.microsoft.com/office/drawing/2014/main" id="{A094D9E6-9276-CE83-F220-5D59E7751E1F}"/>
+              </a:ext>
+            </a:extLst>
+          </p:cNvPr>
+          <p:cNvPicPr>
+            <a:picLocks noGrp="1" noChangeAspect="1"/>
+          </p:cNvPicPr>
+          <p:nvPr>
+            <p:ph idx="1"/>
+          </p:nvPr>
+        </p:nvPicPr>
+        <p:blipFill>
+          <a:blip r:embed="rId2"/>
+          <a:stretch>
+            <a:fillRect/>
+          </a:stretch>
+        </p:blipFill>
+        <p:spPr>
+          <a:xfrm>
+            <a:off x="2891417" y="2415396"/>
+            <a:ext cx="6409165" cy="3350248"/>
+          </a:xfrm>
+        </p:spPr>
+      </p:pic>
+    </p:spTree>
+    <p:extLst>
+      <p:ext uri="{BB962C8B-B14F-4D97-AF65-F5344CB8AC3E}">
+        <p14:creationId xmlns:p14="http://schemas.microsoft.com/office/powerpoint/2010/main" val="1321070360"/>
+      </p:ext>
+    </p:extLst>
+  </p:cSld>
+  <p:clrMapOvr>
+    <a:masterClrMapping/>
+  </p:clrMapOvr>
+</p:sld>
+</file>
+
+<file path=ppt/slides/slide69.xml><?xml version="1.0" encoding="utf-8"?>
+<p:sld xmlns:a="http://schemas.openxmlformats.org/drawingml/2006/main" xmlns:r="http://schemas.openxmlformats.org/officeDocument/2006/relationships" xmlns:p="http://schemas.openxmlformats.org/presentationml/2006/main">
+  <p:cSld>
+    <p:spTree>
+      <p:nvGrpSpPr>
+        <p:cNvPr id="1" name=""/>
+        <p:cNvGrpSpPr/>
+        <p:nvPr/>
+      </p:nvGrpSpPr>
+      <p:grpSpPr>
+        <a:xfrm>
+          <a:off x="0" y="0"/>
+          <a:ext cx="0" cy="0"/>
+          <a:chOff x="0" y="0"/>
+          <a:chExt cx="0" cy="0"/>
+        </a:xfrm>
+      </p:grpSpPr>
+      <p:sp>
+        <p:nvSpPr>
+          <p:cNvPr id="2" name="Título 1">
+            <a:extLst>
+              <a:ext uri="{FF2B5EF4-FFF2-40B4-BE49-F238E27FC236}">
+                <a16:creationId xmlns:a16="http://schemas.microsoft.com/office/drawing/2014/main" id="{3A765F31-6210-2273-237D-1C23FC4AD3BE}"/>
+              </a:ext>
+            </a:extLst>
+          </p:cNvPr>
+          <p:cNvSpPr>
+            <a:spLocks noGrp="1"/>
+          </p:cNvSpPr>
+          <p:nvPr>
+            <p:ph type="title"/>
+          </p:nvPr>
+        </p:nvSpPr>
+        <p:spPr/>
+        <p:txBody>
+          <a:bodyPr/>
+          <a:lstStyle/>
+          <a:p>
+            <a:r>
+              <a:rPr lang="pt-BR" dirty="0"/>
+              <a:t>Como surgiram as </a:t>
+            </a:r>
+            <a:r>
+              <a:rPr lang="pt-BR" dirty="0" err="1"/>
+              <a:t>tags</a:t>
+            </a:r>
+            <a:r>
+              <a:rPr lang="pt-BR" dirty="0"/>
+              <a:t>?</a:t>
+            </a:r>
+          </a:p>
+        </p:txBody>
+      </p:sp>
+      <p:sp>
+        <p:nvSpPr>
+          <p:cNvPr id="3" name="Espaço Reservado para Conteúdo 2">
+            <a:extLst>
+              <a:ext uri="{FF2B5EF4-FFF2-40B4-BE49-F238E27FC236}">
+                <a16:creationId xmlns:a16="http://schemas.microsoft.com/office/drawing/2014/main" id="{C1FDC3B8-918F-283D-C245-D2CCADF62BA8}"/>
+              </a:ext>
+            </a:extLst>
+          </p:cNvPr>
+          <p:cNvSpPr>
+            <a:spLocks noGrp="1"/>
+          </p:cNvSpPr>
+          <p:nvPr>
+            <p:ph idx="1"/>
+          </p:nvPr>
+        </p:nvSpPr>
+        <p:spPr/>
+        <p:txBody>
+          <a:bodyPr/>
+          <a:lstStyle/>
+          <a:p>
+            <a:r>
+              <a:rPr lang="pt-BR" dirty="0"/>
+              <a:t>Você assistiu ao nosso curso de C#?</a:t>
+            </a:r>
+          </a:p>
+          <a:p>
+            <a:r>
+              <a:rPr lang="pt-BR" dirty="0"/>
+              <a:t>Você então certamente sabe que o C# é parente da linguagem C, aí que vêm a origem do HTML.</a:t>
+            </a:r>
+          </a:p>
+        </p:txBody>
+      </p:sp>
+    </p:spTree>
+    <p:extLst>
+      <p:ext uri="{BB962C8B-B14F-4D97-AF65-F5344CB8AC3E}">
+        <p14:creationId xmlns:p14="http://schemas.microsoft.com/office/powerpoint/2010/main" val="551100778"/>
+      </p:ext>
+    </p:extLst>
+  </p:cSld>
+  <p:clrMapOvr>
+    <a:masterClrMapping/>
+  </p:clrMapOvr>
+</p:sld>
+</file>
+
 <file path=ppt/slides/slide7.xml><?xml version="1.0" encoding="utf-8"?>
 <p:sld xmlns:a="http://schemas.openxmlformats.org/drawingml/2006/main" xmlns:r="http://schemas.openxmlformats.org/officeDocument/2006/relationships" xmlns:p="http://schemas.openxmlformats.org/presentationml/2006/main">
   <p:cSld>
@@ -19101,6 +21967,1067 @@
     <p:extLst>
       <p:ext uri="{BB962C8B-B14F-4D97-AF65-F5344CB8AC3E}">
         <p14:creationId xmlns:p14="http://schemas.microsoft.com/office/powerpoint/2010/main" val="1587583215"/>
+      </p:ext>
+    </p:extLst>
+  </p:cSld>
+  <p:clrMapOvr>
+    <a:masterClrMapping/>
+  </p:clrMapOvr>
+</p:sld>
+</file>
+
+<file path=ppt/slides/slide70.xml><?xml version="1.0" encoding="utf-8"?>
+<p:sld xmlns:a="http://schemas.openxmlformats.org/drawingml/2006/main" xmlns:r="http://schemas.openxmlformats.org/officeDocument/2006/relationships" xmlns:p="http://schemas.openxmlformats.org/presentationml/2006/main">
+  <p:cSld>
+    <p:spTree>
+      <p:nvGrpSpPr>
+        <p:cNvPr id="1" name=""/>
+        <p:cNvGrpSpPr/>
+        <p:nvPr/>
+      </p:nvGrpSpPr>
+      <p:grpSpPr>
+        <a:xfrm>
+          <a:off x="0" y="0"/>
+          <a:ext cx="0" cy="0"/>
+          <a:chOff x="0" y="0"/>
+          <a:chExt cx="0" cy="0"/>
+        </a:xfrm>
+      </p:grpSpPr>
+      <p:sp>
+        <p:nvSpPr>
+          <p:cNvPr id="2" name="Título 1">
+            <a:extLst>
+              <a:ext uri="{FF2B5EF4-FFF2-40B4-BE49-F238E27FC236}">
+                <a16:creationId xmlns:a16="http://schemas.microsoft.com/office/drawing/2014/main" id="{C02069EC-6170-490E-8484-6936DD36C8E4}"/>
+              </a:ext>
+            </a:extLst>
+          </p:cNvPr>
+          <p:cNvSpPr>
+            <a:spLocks noGrp="1"/>
+          </p:cNvSpPr>
+          <p:nvPr>
+            <p:ph type="title"/>
+          </p:nvPr>
+        </p:nvSpPr>
+        <p:spPr/>
+        <p:txBody>
+          <a:bodyPr/>
+          <a:lstStyle/>
+          <a:p>
+            <a:r>
+              <a:rPr lang="pt-BR" dirty="0"/>
+              <a:t>Origem do HTML – GML</a:t>
+            </a:r>
+          </a:p>
+        </p:txBody>
+      </p:sp>
+      <p:sp>
+        <p:nvSpPr>
+          <p:cNvPr id="3" name="Espaço Reservado para Conteúdo 2">
+            <a:extLst>
+              <a:ext uri="{FF2B5EF4-FFF2-40B4-BE49-F238E27FC236}">
+                <a16:creationId xmlns:a16="http://schemas.microsoft.com/office/drawing/2014/main" id="{D8324815-69FB-452C-253E-7AAA5469350D}"/>
+              </a:ext>
+            </a:extLst>
+          </p:cNvPr>
+          <p:cNvSpPr>
+            <a:spLocks noGrp="1"/>
+          </p:cNvSpPr>
+          <p:nvPr>
+            <p:ph idx="1"/>
+          </p:nvPr>
+        </p:nvSpPr>
+        <p:spPr/>
+        <p:txBody>
+          <a:bodyPr/>
+          <a:lstStyle/>
+          <a:p>
+            <a:r>
+              <a:rPr lang="pt-BR" dirty="0"/>
+              <a:t>Leitura de dados mais fácil;</a:t>
+            </a:r>
+          </a:p>
+          <a:p>
+            <a:r>
+              <a:rPr lang="pt-BR" dirty="0"/>
+              <a:t>Dados flexíveis e pouco estruturados;</a:t>
+            </a:r>
+          </a:p>
+        </p:txBody>
+      </p:sp>
+    </p:spTree>
+    <p:extLst>
+      <p:ext uri="{BB962C8B-B14F-4D97-AF65-F5344CB8AC3E}">
+        <p14:creationId xmlns:p14="http://schemas.microsoft.com/office/powerpoint/2010/main" val="4261098857"/>
+      </p:ext>
+    </p:extLst>
+  </p:cSld>
+  <p:clrMapOvr>
+    <a:masterClrMapping/>
+  </p:clrMapOvr>
+</p:sld>
+</file>
+
+<file path=ppt/slides/slide71.xml><?xml version="1.0" encoding="utf-8"?>
+<p:sld xmlns:a="http://schemas.openxmlformats.org/drawingml/2006/main" xmlns:r="http://schemas.openxmlformats.org/officeDocument/2006/relationships" xmlns:p="http://schemas.openxmlformats.org/presentationml/2006/main">
+  <p:cSld>
+    <p:spTree>
+      <p:nvGrpSpPr>
+        <p:cNvPr id="1" name=""/>
+        <p:cNvGrpSpPr/>
+        <p:nvPr/>
+      </p:nvGrpSpPr>
+      <p:grpSpPr>
+        <a:xfrm>
+          <a:off x="0" y="0"/>
+          <a:ext cx="0" cy="0"/>
+          <a:chOff x="0" y="0"/>
+          <a:chExt cx="0" cy="0"/>
+        </a:xfrm>
+      </p:grpSpPr>
+      <p:sp>
+        <p:nvSpPr>
+          <p:cNvPr id="2" name="Título 1">
+            <a:extLst>
+              <a:ext uri="{FF2B5EF4-FFF2-40B4-BE49-F238E27FC236}">
+                <a16:creationId xmlns:a16="http://schemas.microsoft.com/office/drawing/2014/main" id="{05B9BB5B-4AB7-9D03-5686-24CA27CB856D}"/>
+              </a:ext>
+            </a:extLst>
+          </p:cNvPr>
+          <p:cNvSpPr>
+            <a:spLocks noGrp="1"/>
+          </p:cNvSpPr>
+          <p:nvPr>
+            <p:ph type="title"/>
+          </p:nvPr>
+        </p:nvSpPr>
+        <p:spPr/>
+        <p:txBody>
+          <a:bodyPr/>
+          <a:lstStyle/>
+          <a:p>
+            <a:r>
+              <a:rPr lang="pt-BR" dirty="0"/>
+              <a:t>Pseudocódigo GML</a:t>
+            </a:r>
+          </a:p>
+        </p:txBody>
+      </p:sp>
+      <p:pic>
+        <p:nvPicPr>
+          <p:cNvPr id="5" name="Espaço Reservado para Conteúdo 4">
+            <a:extLst>
+              <a:ext uri="{FF2B5EF4-FFF2-40B4-BE49-F238E27FC236}">
+                <a16:creationId xmlns:a16="http://schemas.microsoft.com/office/drawing/2014/main" id="{22E5F19A-25B4-1433-75D5-0FF1562ECE31}"/>
+              </a:ext>
+            </a:extLst>
+          </p:cNvPr>
+          <p:cNvPicPr>
+            <a:picLocks noGrp="1" noChangeAspect="1"/>
+          </p:cNvPicPr>
+          <p:nvPr>
+            <p:ph idx="1"/>
+          </p:nvPr>
+        </p:nvPicPr>
+        <p:blipFill>
+          <a:blip r:embed="rId2"/>
+          <a:stretch>
+            <a:fillRect/>
+          </a:stretch>
+        </p:blipFill>
+        <p:spPr>
+          <a:xfrm>
+            <a:off x="1731665" y="2789971"/>
+            <a:ext cx="8728670" cy="2339814"/>
+          </a:xfrm>
+        </p:spPr>
+      </p:pic>
+    </p:spTree>
+    <p:extLst>
+      <p:ext uri="{BB962C8B-B14F-4D97-AF65-F5344CB8AC3E}">
+        <p14:creationId xmlns:p14="http://schemas.microsoft.com/office/powerpoint/2010/main" val="2483069946"/>
+      </p:ext>
+    </p:extLst>
+  </p:cSld>
+  <p:clrMapOvr>
+    <a:masterClrMapping/>
+  </p:clrMapOvr>
+</p:sld>
+</file>
+
+<file path=ppt/slides/slide72.xml><?xml version="1.0" encoding="utf-8"?>
+<p:sld xmlns:a="http://schemas.openxmlformats.org/drawingml/2006/main" xmlns:r="http://schemas.openxmlformats.org/officeDocument/2006/relationships" xmlns:p="http://schemas.openxmlformats.org/presentationml/2006/main">
+  <p:cSld>
+    <p:bg>
+      <p:bgPr>
+        <a:solidFill>
+          <a:schemeClr val="bg1"/>
+        </a:solidFill>
+        <a:effectLst/>
+      </p:bgPr>
+    </p:bg>
+    <p:spTree>
+      <p:nvGrpSpPr>
+        <p:cNvPr id="1" name=""/>
+        <p:cNvGrpSpPr/>
+        <p:nvPr/>
+      </p:nvGrpSpPr>
+      <p:grpSpPr>
+        <a:xfrm>
+          <a:off x="0" y="0"/>
+          <a:ext cx="0" cy="0"/>
+          <a:chOff x="0" y="0"/>
+          <a:chExt cx="0" cy="0"/>
+        </a:xfrm>
+      </p:grpSpPr>
+      <p:sp>
+        <p:nvSpPr>
+          <p:cNvPr id="8" name="Rectangle 7">
+            <a:extLst>
+              <a:ext uri="{FF2B5EF4-FFF2-40B4-BE49-F238E27FC236}">
+                <a16:creationId xmlns:a16="http://schemas.microsoft.com/office/drawing/2014/main" id="{8D06CE56-3881-4ADA-8CEF-D18B02C242A3}"/>
+              </a:ext>
+              <a:ext uri="{C183D7F6-B498-43B3-948B-1728B52AA6E4}">
+                <adec:decorative xmlns:adec="http://schemas.microsoft.com/office/drawing/2017/decorative" val="1"/>
+              </a:ext>
+            </a:extLst>
+          </p:cNvPr>
+          <p:cNvSpPr>
+            <a:spLocks noGrp="1" noRot="1" noChangeAspect="1" noMove="1" noResize="1" noEditPoints="1" noAdjustHandles="1" noChangeArrowheads="1" noChangeShapeType="1" noTextEdit="1"/>
+          </p:cNvSpPr>
+          <p:nvPr>
+            <p:extLst>
+              <p:ext uri="{386F3935-93C4-4BCD-93E2-E3B085C9AB24}">
+                <p16:designElem xmlns:p16="http://schemas.microsoft.com/office/powerpoint/2015/main" val="1"/>
+              </p:ext>
+            </p:extLst>
+          </p:nvPr>
+        </p:nvSpPr>
+        <p:spPr>
+          <a:xfrm rot="5400000">
+            <a:off x="857544" y="346791"/>
+            <a:ext cx="146304" cy="704088"/>
+          </a:xfrm>
+          <a:prstGeom prst="rect">
+            <a:avLst/>
+          </a:prstGeom>
+          <a:solidFill>
+            <a:schemeClr val="accent1"/>
+          </a:solidFill>
+          <a:ln>
+            <a:noFill/>
+          </a:ln>
+        </p:spPr>
+        <p:style>
+          <a:lnRef idx="2">
+            <a:schemeClr val="accent1">
+              <a:shade val="50000"/>
+            </a:schemeClr>
+          </a:lnRef>
+          <a:fillRef idx="1">
+            <a:schemeClr val="accent1"/>
+          </a:fillRef>
+          <a:effectRef idx="0">
+            <a:schemeClr val="accent1"/>
+          </a:effectRef>
+          <a:fontRef idx="minor">
+            <a:schemeClr val="lt1"/>
+          </a:fontRef>
+        </p:style>
+        <p:txBody>
+          <a:bodyPr rtlCol="0" anchor="ctr"/>
+          <a:lstStyle/>
+          <a:p>
+            <a:pPr marL="0" marR="0" lvl="0" indent="0" algn="ctr" defTabSz="914400" rtl="0" eaLnBrk="1" fontAlgn="auto" latinLnBrk="0" hangingPunct="1">
+              <a:lnSpc>
+                <a:spcPct val="100000"/>
+              </a:lnSpc>
+              <a:spcBef>
+                <a:spcPts val="0"/>
+              </a:spcBef>
+              <a:spcAft>
+                <a:spcPts val="0"/>
+              </a:spcAft>
+              <a:buClrTx/>
+              <a:buSzTx/>
+              <a:buFontTx/>
+              <a:buNone/>
+              <a:tabLst/>
+              <a:defRPr/>
+            </a:pPr>
+            <a:endParaRPr kumimoji="0" lang="en-US" sz="1800" b="0" i="0" u="none" strike="noStrike" kern="1200" cap="none" spc="0" normalizeH="0" baseline="0" noProof="0">
+              <a:ln>
+                <a:noFill/>
+              </a:ln>
+              <a:solidFill>
+                <a:prstClr val="white"/>
+              </a:solidFill>
+              <a:effectLst/>
+              <a:uLnTx/>
+              <a:uFillTx/>
+              <a:latin typeface="Calibri" panose="020F0502020204030204"/>
+              <a:ea typeface="+mn-ea"/>
+              <a:cs typeface="+mn-cs"/>
+            </a:endParaRPr>
+          </a:p>
+        </p:txBody>
+      </p:sp>
+      <p:sp>
+        <p:nvSpPr>
+          <p:cNvPr id="10" name="Rectangle 9">
+            <a:extLst>
+              <a:ext uri="{FF2B5EF4-FFF2-40B4-BE49-F238E27FC236}">
+                <a16:creationId xmlns:a16="http://schemas.microsoft.com/office/drawing/2014/main" id="{79F3C543-62EC-4433-9C93-A2CD8764E9B4}"/>
+              </a:ext>
+              <a:ext uri="{C183D7F6-B498-43B3-948B-1728B52AA6E4}">
+                <adec:decorative xmlns:adec="http://schemas.microsoft.com/office/drawing/2017/decorative" val="1"/>
+              </a:ext>
+            </a:extLst>
+          </p:cNvPr>
+          <p:cNvSpPr>
+            <a:spLocks noGrp="1" noRot="1" noChangeAspect="1" noMove="1" noResize="1" noEditPoints="1" noAdjustHandles="1" noChangeArrowheads="1" noChangeShapeType="1" noTextEdit="1"/>
+          </p:cNvSpPr>
+          <p:nvPr>
+            <p:extLst>
+              <p:ext uri="{386F3935-93C4-4BCD-93E2-E3B085C9AB24}">
+                <p16:designElem xmlns:p16="http://schemas.microsoft.com/office/powerpoint/2015/main" val="1"/>
+              </p:ext>
+            </p:extLst>
+          </p:nvPr>
+        </p:nvSpPr>
+        <p:spPr>
+          <a:xfrm flipV="1">
+            <a:off x="578652" y="4501201"/>
+            <a:ext cx="11034696" cy="18288"/>
+          </a:xfrm>
+          <a:prstGeom prst="rect">
+            <a:avLst/>
+          </a:prstGeom>
+          <a:solidFill>
+            <a:schemeClr val="tx2">
+              <a:lumMod val="25000"/>
+              <a:lumOff val="75000"/>
+            </a:schemeClr>
+          </a:solidFill>
+          <a:ln w="3175">
+            <a:noFill/>
+          </a:ln>
+          <a:effectLst/>
+        </p:spPr>
+        <p:style>
+          <a:lnRef idx="2">
+            <a:schemeClr val="accent1">
+              <a:shade val="50000"/>
+            </a:schemeClr>
+          </a:lnRef>
+          <a:fillRef idx="1">
+            <a:schemeClr val="accent1"/>
+          </a:fillRef>
+          <a:effectRef idx="0">
+            <a:schemeClr val="accent1"/>
+          </a:effectRef>
+          <a:fontRef idx="minor">
+            <a:schemeClr val="lt1"/>
+          </a:fontRef>
+        </p:style>
+        <p:txBody>
+          <a:bodyPr rtlCol="0" anchor="ctr"/>
+          <a:lstStyle/>
+          <a:p>
+            <a:pPr marL="0" marR="0" lvl="0" indent="0" algn="ctr" defTabSz="914400" rtl="0" eaLnBrk="1" fontAlgn="auto" latinLnBrk="0" hangingPunct="1">
+              <a:lnSpc>
+                <a:spcPct val="100000"/>
+              </a:lnSpc>
+              <a:spcBef>
+                <a:spcPts val="0"/>
+              </a:spcBef>
+              <a:spcAft>
+                <a:spcPts val="0"/>
+              </a:spcAft>
+              <a:buClrTx/>
+              <a:buSzTx/>
+              <a:buFontTx/>
+              <a:buNone/>
+              <a:tabLst/>
+              <a:defRPr/>
+            </a:pPr>
+            <a:endParaRPr kumimoji="0" lang="en-US" sz="1800" b="0" i="0" u="none" strike="noStrike" kern="1200" cap="none" spc="0" normalizeH="0" baseline="0" noProof="0">
+              <a:ln>
+                <a:noFill/>
+              </a:ln>
+              <a:solidFill>
+                <a:prstClr val="white"/>
+              </a:solidFill>
+              <a:effectLst/>
+              <a:uLnTx/>
+              <a:uFillTx/>
+              <a:latin typeface="Calibri" panose="020F0502020204030204"/>
+              <a:ea typeface="+mn-ea"/>
+              <a:cs typeface="+mn-cs"/>
+            </a:endParaRPr>
+          </a:p>
+        </p:txBody>
+      </p:sp>
+      <p:sp useBgFill="1">
+        <p:nvSpPr>
+          <p:cNvPr id="12" name="Rectangle 11">
+            <a:extLst>
+              <a:ext uri="{FF2B5EF4-FFF2-40B4-BE49-F238E27FC236}">
+                <a16:creationId xmlns:a16="http://schemas.microsoft.com/office/drawing/2014/main" id="{76C2F857-5AB8-615A-1350-5EAF0D726639}"/>
+              </a:ext>
+              <a:ext uri="{C183D7F6-B498-43B3-948B-1728B52AA6E4}">
+                <adec:decorative xmlns:adec="http://schemas.microsoft.com/office/drawing/2017/decorative" val="1"/>
+              </a:ext>
+            </a:extLst>
+          </p:cNvPr>
+          <p:cNvSpPr>
+            <a:spLocks noGrp="1" noRot="1" noChangeAspect="1" noMove="1" noResize="1" noEditPoints="1" noAdjustHandles="1" noChangeArrowheads="1" noChangeShapeType="1" noTextEdit="1"/>
+          </p:cNvSpPr>
+          <p:nvPr>
+            <p:extLst>
+              <p:ext uri="{386F3935-93C4-4BCD-93E2-E3B085C9AB24}">
+                <p16:designElem xmlns:p16="http://schemas.microsoft.com/office/powerpoint/2015/main" val="1"/>
+              </p:ext>
+            </p:extLst>
+          </p:nvPr>
+        </p:nvSpPr>
+        <p:spPr>
+          <a:xfrm>
+            <a:off x="0" y="0"/>
+            <a:ext cx="12192000" cy="6858000"/>
+          </a:xfrm>
+          <a:prstGeom prst="rect">
+            <a:avLst/>
+          </a:prstGeom>
+          <a:ln>
+            <a:noFill/>
+          </a:ln>
+        </p:spPr>
+        <p:style>
+          <a:lnRef idx="2">
+            <a:schemeClr val="accent1">
+              <a:shade val="50000"/>
+            </a:schemeClr>
+          </a:lnRef>
+          <a:fillRef idx="1">
+            <a:schemeClr val="accent1"/>
+          </a:fillRef>
+          <a:effectRef idx="0">
+            <a:schemeClr val="accent1"/>
+          </a:effectRef>
+          <a:fontRef idx="minor">
+            <a:schemeClr val="lt1"/>
+          </a:fontRef>
+        </p:style>
+        <p:txBody>
+          <a:bodyPr rtlCol="0" anchor="ctr"/>
+          <a:lstStyle/>
+          <a:p>
+            <a:pPr algn="ctr"/>
+            <a:endParaRPr lang="en-US"/>
+          </a:p>
+        </p:txBody>
+      </p:sp>
+      <p:sp useBgFill="1">
+        <p:nvSpPr>
+          <p:cNvPr id="14" name="Rectangle 13">
+            <a:extLst>
+              <a:ext uri="{FF2B5EF4-FFF2-40B4-BE49-F238E27FC236}">
+                <a16:creationId xmlns:a16="http://schemas.microsoft.com/office/drawing/2014/main" id="{9694448E-BF42-15A8-BEE4-C15BAE1DD4A0}"/>
+              </a:ext>
+              <a:ext uri="{C183D7F6-B498-43B3-948B-1728B52AA6E4}">
+                <adec:decorative xmlns:adec="http://schemas.microsoft.com/office/drawing/2017/decorative" val="1"/>
+              </a:ext>
+            </a:extLst>
+          </p:cNvPr>
+          <p:cNvSpPr>
+            <a:spLocks noGrp="1" noRot="1" noChangeAspect="1" noMove="1" noResize="1" noEditPoints="1" noAdjustHandles="1" noChangeArrowheads="1" noChangeShapeType="1" noTextEdit="1"/>
+          </p:cNvSpPr>
+          <p:nvPr>
+            <p:extLst>
+              <p:ext uri="{386F3935-93C4-4BCD-93E2-E3B085C9AB24}">
+                <p16:designElem xmlns:p16="http://schemas.microsoft.com/office/powerpoint/2015/main" val="1"/>
+              </p:ext>
+            </p:extLst>
+          </p:nvPr>
+        </p:nvSpPr>
+        <p:spPr>
+          <a:xfrm>
+            <a:off x="625332" y="625331"/>
+            <a:ext cx="10941336" cy="5594493"/>
+          </a:xfrm>
+          <a:prstGeom prst="rect">
+            <a:avLst/>
+          </a:prstGeom>
+          <a:ln w="12700">
+            <a:solidFill>
+              <a:schemeClr val="tx2">
+                <a:lumMod val="10000"/>
+                <a:lumOff val="90000"/>
+              </a:schemeClr>
+            </a:solidFill>
+          </a:ln>
+          <a:effectLst>
+            <a:outerShdw blurRad="50800" dist="38100" dir="2700000" algn="tl" rotWithShape="0">
+              <a:schemeClr val="bg2">
+                <a:lumMod val="85000"/>
+                <a:alpha val="30000"/>
+              </a:schemeClr>
+            </a:outerShdw>
+          </a:effectLst>
+        </p:spPr>
+        <p:style>
+          <a:lnRef idx="2">
+            <a:schemeClr val="accent1">
+              <a:shade val="50000"/>
+            </a:schemeClr>
+          </a:lnRef>
+          <a:fillRef idx="1">
+            <a:schemeClr val="accent1"/>
+          </a:fillRef>
+          <a:effectRef idx="0">
+            <a:schemeClr val="accent1"/>
+          </a:effectRef>
+          <a:fontRef idx="minor">
+            <a:schemeClr val="lt1"/>
+          </a:fontRef>
+        </p:style>
+        <p:txBody>
+          <a:bodyPr rtlCol="0" anchor="ctr"/>
+          <a:lstStyle/>
+          <a:p>
+            <a:pPr marL="0" marR="0" lvl="0" indent="0" algn="ctr" defTabSz="914400" rtl="0" eaLnBrk="1" fontAlgn="auto" latinLnBrk="0" hangingPunct="1">
+              <a:lnSpc>
+                <a:spcPct val="100000"/>
+              </a:lnSpc>
+              <a:spcBef>
+                <a:spcPts val="0"/>
+              </a:spcBef>
+              <a:spcAft>
+                <a:spcPts val="0"/>
+              </a:spcAft>
+              <a:buClrTx/>
+              <a:buSzTx/>
+              <a:buFontTx/>
+              <a:buNone/>
+              <a:tabLst/>
+              <a:defRPr/>
+            </a:pPr>
+            <a:endParaRPr kumimoji="0" lang="en-US" sz="1800" b="0" i="0" u="none" strike="noStrike" kern="1200" cap="none" spc="0" normalizeH="0" baseline="0" noProof="0">
+              <a:ln>
+                <a:noFill/>
+              </a:ln>
+              <a:solidFill>
+                <a:prstClr val="white"/>
+              </a:solidFill>
+              <a:effectLst/>
+              <a:uLnTx/>
+              <a:uFillTx/>
+              <a:latin typeface="Calibri" panose="020F0502020204030204"/>
+              <a:ea typeface="+mn-ea"/>
+              <a:cs typeface="+mn-cs"/>
+            </a:endParaRPr>
+          </a:p>
+        </p:txBody>
+      </p:sp>
+      <p:sp>
+        <p:nvSpPr>
+          <p:cNvPr id="2" name="Título 1">
+            <a:extLst>
+              <a:ext uri="{FF2B5EF4-FFF2-40B4-BE49-F238E27FC236}">
+                <a16:creationId xmlns:a16="http://schemas.microsoft.com/office/drawing/2014/main" id="{9109A971-B9C4-680B-8808-B36545E989B8}"/>
+              </a:ext>
+            </a:extLst>
+          </p:cNvPr>
+          <p:cNvSpPr>
+            <a:spLocks noGrp="1"/>
+          </p:cNvSpPr>
+          <p:nvPr>
+            <p:ph type="title"/>
+          </p:nvPr>
+        </p:nvSpPr>
+        <p:spPr>
+          <a:xfrm>
+            <a:off x="1313595" y="1393977"/>
+            <a:ext cx="9211463" cy="2446674"/>
+          </a:xfrm>
+        </p:spPr>
+        <p:txBody>
+          <a:bodyPr vert="horz" lIns="91440" tIns="45720" rIns="91440" bIns="45720" rtlCol="0" anchor="b">
+            <a:normAutofit/>
+          </a:bodyPr>
+          <a:lstStyle/>
+          <a:p>
+            <a:r>
+              <a:rPr lang="en-US" sz="6700"/>
+              <a:t>Por que não usar simplesmente GML?</a:t>
+            </a:r>
+          </a:p>
+        </p:txBody>
+      </p:sp>
+      <p:sp>
+        <p:nvSpPr>
+          <p:cNvPr id="3" name="Espaço Reservado para Conteúdo 2">
+            <a:extLst>
+              <a:ext uri="{FF2B5EF4-FFF2-40B4-BE49-F238E27FC236}">
+                <a16:creationId xmlns:a16="http://schemas.microsoft.com/office/drawing/2014/main" id="{45B99232-BFF7-8F66-6EFB-07AF7B7FB4F4}"/>
+              </a:ext>
+            </a:extLst>
+          </p:cNvPr>
+          <p:cNvSpPr>
+            <a:spLocks noGrp="1"/>
+          </p:cNvSpPr>
+          <p:nvPr>
+            <p:ph idx="1"/>
+          </p:nvPr>
+        </p:nvSpPr>
+        <p:spPr>
+          <a:xfrm>
+            <a:off x="1385799" y="4959529"/>
+            <a:ext cx="9139259" cy="1031695"/>
+          </a:xfrm>
+        </p:spPr>
+        <p:txBody>
+          <a:bodyPr vert="horz" lIns="91440" tIns="45720" rIns="91440" bIns="45720" rtlCol="0" anchor="t">
+            <a:normAutofit/>
+          </a:bodyPr>
+          <a:lstStyle/>
+          <a:p>
+            <a:pPr marL="0" indent="0">
+              <a:buNone/>
+            </a:pPr>
+            <a:r>
+              <a:rPr lang="en-US"/>
+              <a:t>Isso seria bem complicado para o navegador....</a:t>
+            </a:r>
+          </a:p>
+        </p:txBody>
+      </p:sp>
+      <p:sp>
+        <p:nvSpPr>
+          <p:cNvPr id="16" name="Rectangle 15">
+            <a:extLst>
+              <a:ext uri="{FF2B5EF4-FFF2-40B4-BE49-F238E27FC236}">
+                <a16:creationId xmlns:a16="http://schemas.microsoft.com/office/drawing/2014/main" id="{383A1451-0198-70EC-23FC-FD618A74C27A}"/>
+              </a:ext>
+              <a:ext uri="{C183D7F6-B498-43B3-948B-1728B52AA6E4}">
+                <adec:decorative xmlns:adec="http://schemas.microsoft.com/office/drawing/2017/decorative" val="1"/>
+              </a:ext>
+            </a:extLst>
+          </p:cNvPr>
+          <p:cNvSpPr>
+            <a:spLocks noGrp="1" noRot="1" noChangeAspect="1" noMove="1" noResize="1" noEditPoints="1" noAdjustHandles="1" noChangeArrowheads="1" noChangeShapeType="1" noTextEdit="1"/>
+          </p:cNvSpPr>
+          <p:nvPr>
+            <p:extLst>
+              <p:ext uri="{386F3935-93C4-4BCD-93E2-E3B085C9AB24}">
+                <p16:designElem xmlns:p16="http://schemas.microsoft.com/office/powerpoint/2015/main" val="1"/>
+              </p:ext>
+            </p:extLst>
+          </p:nvPr>
+        </p:nvSpPr>
+        <p:spPr>
+          <a:xfrm>
+            <a:off x="552180" y="4923526"/>
+            <a:ext cx="146304" cy="548640"/>
+          </a:xfrm>
+          <a:prstGeom prst="rect">
+            <a:avLst/>
+          </a:prstGeom>
+          <a:solidFill>
+            <a:schemeClr val="accent1"/>
+          </a:solidFill>
+          <a:ln>
+            <a:noFill/>
+          </a:ln>
+        </p:spPr>
+        <p:style>
+          <a:lnRef idx="2">
+            <a:schemeClr val="accent1">
+              <a:shade val="50000"/>
+            </a:schemeClr>
+          </a:lnRef>
+          <a:fillRef idx="1">
+            <a:schemeClr val="accent1"/>
+          </a:fillRef>
+          <a:effectRef idx="0">
+            <a:schemeClr val="accent1"/>
+          </a:effectRef>
+          <a:fontRef idx="minor">
+            <a:schemeClr val="lt1"/>
+          </a:fontRef>
+        </p:style>
+        <p:txBody>
+          <a:bodyPr rtlCol="0" anchor="ctr"/>
+          <a:lstStyle/>
+          <a:p>
+            <a:pPr marL="0" marR="0" lvl="0" indent="0" algn="ctr" defTabSz="914400" rtl="0" eaLnBrk="1" fontAlgn="auto" latinLnBrk="0" hangingPunct="1">
+              <a:lnSpc>
+                <a:spcPct val="100000"/>
+              </a:lnSpc>
+              <a:spcBef>
+                <a:spcPts val="0"/>
+              </a:spcBef>
+              <a:spcAft>
+                <a:spcPts val="0"/>
+              </a:spcAft>
+              <a:buClrTx/>
+              <a:buSzTx/>
+              <a:buFontTx/>
+              <a:buNone/>
+              <a:tabLst/>
+              <a:defRPr/>
+            </a:pPr>
+            <a:endParaRPr kumimoji="0" lang="en-US" sz="1800" b="0" i="0" u="none" strike="noStrike" kern="1200" cap="none" spc="0" normalizeH="0" baseline="0" noProof="0">
+              <a:ln>
+                <a:noFill/>
+              </a:ln>
+              <a:solidFill>
+                <a:prstClr val="white"/>
+              </a:solidFill>
+              <a:effectLst/>
+              <a:uLnTx/>
+              <a:uFillTx/>
+              <a:latin typeface="Calibri" panose="020F0502020204030204"/>
+              <a:ea typeface="+mn-ea"/>
+              <a:cs typeface="+mn-cs"/>
+            </a:endParaRPr>
+          </a:p>
+        </p:txBody>
+      </p:sp>
+      <p:sp>
+        <p:nvSpPr>
+          <p:cNvPr id="18" name="Freeform: Shape 17">
+            <a:extLst>
+              <a:ext uri="{FF2B5EF4-FFF2-40B4-BE49-F238E27FC236}">
+                <a16:creationId xmlns:a16="http://schemas.microsoft.com/office/drawing/2014/main" id="{EA34F140-C432-A78F-A450-1EF26C7A5E90}"/>
+              </a:ext>
+              <a:ext uri="{C183D7F6-B498-43B3-948B-1728B52AA6E4}">
+                <adec:decorative xmlns:adec="http://schemas.microsoft.com/office/drawing/2017/decorative" val="1"/>
+              </a:ext>
+            </a:extLst>
+          </p:cNvPr>
+          <p:cNvSpPr>
+            <a:spLocks noGrp="1" noRot="1" noChangeAspect="1" noMove="1" noResize="1" noEditPoints="1" noAdjustHandles="1" noChangeArrowheads="1" noChangeShapeType="1" noTextEdit="1"/>
+          </p:cNvSpPr>
+          <p:nvPr>
+            <p:extLst>
+              <p:ext uri="{386F3935-93C4-4BCD-93E2-E3B085C9AB24}">
+                <p16:designElem xmlns:p16="http://schemas.microsoft.com/office/powerpoint/2015/main" val="1"/>
+              </p:ext>
+            </p:extLst>
+          </p:nvPr>
+        </p:nvSpPr>
+        <p:spPr>
+          <a:xfrm flipV="1">
+            <a:off x="1476678" y="4269049"/>
+            <a:ext cx="9147364" cy="18288"/>
+          </a:xfrm>
+          <a:custGeom>
+            <a:avLst/>
+            <a:gdLst>
+              <a:gd name="connsiteX0" fmla="*/ 0 w 9147364"/>
+              <a:gd name="connsiteY0" fmla="*/ 18288 h 18288"/>
+              <a:gd name="connsiteX1" fmla="*/ 9147364 w 9147364"/>
+              <a:gd name="connsiteY1" fmla="*/ 18288 h 18288"/>
+              <a:gd name="connsiteX2" fmla="*/ 9147364 w 9147364"/>
+              <a:gd name="connsiteY2" fmla="*/ 0 h 18288"/>
+              <a:gd name="connsiteX3" fmla="*/ 0 w 9147364"/>
+              <a:gd name="connsiteY3" fmla="*/ 0 h 18288"/>
+            </a:gdLst>
+            <a:ahLst/>
+            <a:cxnLst>
+              <a:cxn ang="0">
+                <a:pos x="connsiteX0" y="connsiteY0"/>
+              </a:cxn>
+              <a:cxn ang="0">
+                <a:pos x="connsiteX1" y="connsiteY1"/>
+              </a:cxn>
+              <a:cxn ang="0">
+                <a:pos x="connsiteX2" y="connsiteY2"/>
+              </a:cxn>
+              <a:cxn ang="0">
+                <a:pos x="connsiteX3" y="connsiteY3"/>
+              </a:cxn>
+            </a:cxnLst>
+            <a:rect l="l" t="t" r="r" b="b"/>
+            <a:pathLst>
+              <a:path w="9147364" h="18288">
+                <a:moveTo>
+                  <a:pt x="0" y="18288"/>
+                </a:moveTo>
+                <a:lnTo>
+                  <a:pt x="9147364" y="18288"/>
+                </a:lnTo>
+                <a:lnTo>
+                  <a:pt x="9147364" y="0"/>
+                </a:lnTo>
+                <a:lnTo>
+                  <a:pt x="0" y="0"/>
+                </a:lnTo>
+                <a:close/>
+              </a:path>
+            </a:pathLst>
+          </a:custGeom>
+          <a:solidFill>
+            <a:schemeClr val="tx2">
+              <a:lumMod val="25000"/>
+              <a:lumOff val="75000"/>
+            </a:schemeClr>
+          </a:solidFill>
+          <a:ln w="3175">
+            <a:noFill/>
+          </a:ln>
+          <a:effectLst/>
+        </p:spPr>
+        <p:style>
+          <a:lnRef idx="2">
+            <a:schemeClr val="accent1">
+              <a:shade val="50000"/>
+            </a:schemeClr>
+          </a:lnRef>
+          <a:fillRef idx="1">
+            <a:schemeClr val="accent1"/>
+          </a:fillRef>
+          <a:effectRef idx="0">
+            <a:schemeClr val="accent1"/>
+          </a:effectRef>
+          <a:fontRef idx="minor">
+            <a:schemeClr val="lt1"/>
+          </a:fontRef>
+        </p:style>
+        <p:txBody>
+          <a:bodyPr wrap="square" rtlCol="0" anchor="ctr">
+            <a:noAutofit/>
+          </a:bodyPr>
+          <a:lstStyle/>
+          <a:p>
+            <a:pPr marL="0" marR="0" lvl="0" indent="0" algn="ctr" defTabSz="914400" rtl="0" eaLnBrk="1" fontAlgn="auto" latinLnBrk="0" hangingPunct="1">
+              <a:lnSpc>
+                <a:spcPct val="100000"/>
+              </a:lnSpc>
+              <a:spcBef>
+                <a:spcPts val="0"/>
+              </a:spcBef>
+              <a:spcAft>
+                <a:spcPts val="0"/>
+              </a:spcAft>
+              <a:buClrTx/>
+              <a:buSzTx/>
+              <a:buFontTx/>
+              <a:buNone/>
+              <a:tabLst/>
+              <a:defRPr/>
+            </a:pPr>
+            <a:endParaRPr kumimoji="0" lang="en-US" sz="1800" b="0" i="0" u="none" strike="noStrike" kern="1200" cap="none" spc="0" normalizeH="0" baseline="0" noProof="0">
+              <a:ln>
+                <a:noFill/>
+              </a:ln>
+              <a:solidFill>
+                <a:prstClr val="white"/>
+              </a:solidFill>
+              <a:effectLst/>
+              <a:uLnTx/>
+              <a:uFillTx/>
+              <a:latin typeface="Calibri" panose="020F0502020204030204"/>
+              <a:ea typeface="+mn-ea"/>
+              <a:cs typeface="+mn-cs"/>
+            </a:endParaRPr>
+          </a:p>
+        </p:txBody>
+      </p:sp>
+    </p:spTree>
+    <p:extLst>
+      <p:ext uri="{BB962C8B-B14F-4D97-AF65-F5344CB8AC3E}">
+        <p14:creationId xmlns:p14="http://schemas.microsoft.com/office/powerpoint/2010/main" val="3534556025"/>
+      </p:ext>
+    </p:extLst>
+  </p:cSld>
+  <p:clrMapOvr>
+    <a:masterClrMapping/>
+  </p:clrMapOvr>
+</p:sld>
+</file>
+
+<file path=ppt/slides/slide73.xml><?xml version="1.0" encoding="utf-8"?>
+<p:sld xmlns:a="http://schemas.openxmlformats.org/drawingml/2006/main" xmlns:r="http://schemas.openxmlformats.org/officeDocument/2006/relationships" xmlns:p="http://schemas.openxmlformats.org/presentationml/2006/main">
+  <p:cSld>
+    <p:spTree>
+      <p:nvGrpSpPr>
+        <p:cNvPr id="1" name=""/>
+        <p:cNvGrpSpPr/>
+        <p:nvPr/>
+      </p:nvGrpSpPr>
+      <p:grpSpPr>
+        <a:xfrm>
+          <a:off x="0" y="0"/>
+          <a:ext cx="0" cy="0"/>
+          <a:chOff x="0" y="0"/>
+          <a:chExt cx="0" cy="0"/>
+        </a:xfrm>
+      </p:grpSpPr>
+      <p:sp>
+        <p:nvSpPr>
+          <p:cNvPr id="2" name="Título 1">
+            <a:extLst>
+              <a:ext uri="{FF2B5EF4-FFF2-40B4-BE49-F238E27FC236}">
+                <a16:creationId xmlns:a16="http://schemas.microsoft.com/office/drawing/2014/main" id="{FBB64099-5FA3-B115-000F-E0CA572C92AF}"/>
+              </a:ext>
+            </a:extLst>
+          </p:cNvPr>
+          <p:cNvSpPr>
+            <a:spLocks noGrp="1"/>
+          </p:cNvSpPr>
+          <p:nvPr>
+            <p:ph type="title"/>
+          </p:nvPr>
+        </p:nvSpPr>
+        <p:spPr/>
+        <p:txBody>
+          <a:bodyPr/>
+          <a:lstStyle/>
+          <a:p>
+            <a:r>
+              <a:rPr lang="pt-BR" dirty="0"/>
+              <a:t>As </a:t>
+            </a:r>
+            <a:r>
+              <a:rPr lang="pt-BR" dirty="0" err="1"/>
+              <a:t>Tags</a:t>
+            </a:r>
+            <a:r>
+              <a:rPr lang="pt-BR" dirty="0"/>
+              <a:t> HTML</a:t>
+            </a:r>
+          </a:p>
+        </p:txBody>
+      </p:sp>
+      <p:sp>
+        <p:nvSpPr>
+          <p:cNvPr id="3" name="Espaço Reservado para Conteúdo 2">
+            <a:extLst>
+              <a:ext uri="{FF2B5EF4-FFF2-40B4-BE49-F238E27FC236}">
+                <a16:creationId xmlns:a16="http://schemas.microsoft.com/office/drawing/2014/main" id="{12BAE4BF-19AB-ACE5-0790-5FAAC616E37C}"/>
+              </a:ext>
+            </a:extLst>
+          </p:cNvPr>
+          <p:cNvSpPr>
+            <a:spLocks noGrp="1"/>
+          </p:cNvSpPr>
+          <p:nvPr>
+            <p:ph idx="1"/>
+          </p:nvPr>
+        </p:nvSpPr>
+        <p:spPr/>
+        <p:txBody>
+          <a:bodyPr/>
+          <a:lstStyle/>
+          <a:p>
+            <a:r>
+              <a:rPr lang="pt-BR" dirty="0"/>
+              <a:t>O HTML deve ser muito bem estruturado...</a:t>
+            </a:r>
+          </a:p>
+        </p:txBody>
+      </p:sp>
+    </p:spTree>
+    <p:extLst>
+      <p:ext uri="{BB962C8B-B14F-4D97-AF65-F5344CB8AC3E}">
+        <p14:creationId xmlns:p14="http://schemas.microsoft.com/office/powerpoint/2010/main" val="510683568"/>
+      </p:ext>
+    </p:extLst>
+  </p:cSld>
+  <p:clrMapOvr>
+    <a:masterClrMapping/>
+  </p:clrMapOvr>
+</p:sld>
+</file>
+
+<file path=ppt/slides/slide74.xml><?xml version="1.0" encoding="utf-8"?>
+<p:sld xmlns:a="http://schemas.openxmlformats.org/drawingml/2006/main" xmlns:r="http://schemas.openxmlformats.org/officeDocument/2006/relationships" xmlns:p="http://schemas.openxmlformats.org/presentationml/2006/main">
+  <p:cSld>
+    <p:spTree>
+      <p:nvGrpSpPr>
+        <p:cNvPr id="1" name=""/>
+        <p:cNvGrpSpPr/>
+        <p:nvPr/>
+      </p:nvGrpSpPr>
+      <p:grpSpPr>
+        <a:xfrm>
+          <a:off x="0" y="0"/>
+          <a:ext cx="0" cy="0"/>
+          <a:chOff x="0" y="0"/>
+          <a:chExt cx="0" cy="0"/>
+        </a:xfrm>
+      </p:grpSpPr>
+      <p:sp>
+        <p:nvSpPr>
+          <p:cNvPr id="2" name="Título 1">
+            <a:extLst>
+              <a:ext uri="{FF2B5EF4-FFF2-40B4-BE49-F238E27FC236}">
+                <a16:creationId xmlns:a16="http://schemas.microsoft.com/office/drawing/2014/main" id="{B78F175A-F4E8-04A9-4C99-09B4F800B233}"/>
+              </a:ext>
+            </a:extLst>
+          </p:cNvPr>
+          <p:cNvSpPr>
+            <a:spLocks noGrp="1"/>
+          </p:cNvSpPr>
+          <p:nvPr>
+            <p:ph type="title"/>
+          </p:nvPr>
+        </p:nvSpPr>
+        <p:spPr/>
+        <p:txBody>
+          <a:bodyPr/>
+          <a:lstStyle/>
+          <a:p>
+            <a:r>
+              <a:rPr lang="pt-BR" dirty="0"/>
+              <a:t>Lição de Casa</a:t>
+            </a:r>
+          </a:p>
+        </p:txBody>
+      </p:sp>
+      <p:sp>
+        <p:nvSpPr>
+          <p:cNvPr id="3" name="Espaço Reservado para Conteúdo 2">
+            <a:extLst>
+              <a:ext uri="{FF2B5EF4-FFF2-40B4-BE49-F238E27FC236}">
+                <a16:creationId xmlns:a16="http://schemas.microsoft.com/office/drawing/2014/main" id="{9CF78191-4E22-58CC-4502-A49752ABA3BC}"/>
+              </a:ext>
+            </a:extLst>
+          </p:cNvPr>
+          <p:cNvSpPr>
+            <a:spLocks noGrp="1"/>
+          </p:cNvSpPr>
+          <p:nvPr>
+            <p:ph idx="1"/>
+          </p:nvPr>
+        </p:nvSpPr>
+        <p:spPr/>
+        <p:txBody>
+          <a:bodyPr/>
+          <a:lstStyle/>
+          <a:p>
+            <a:r>
+              <a:rPr lang="pt-BR" dirty="0"/>
+              <a:t>Busque sobre outras linguagens de marcação, tais como </a:t>
+            </a:r>
+            <a:r>
+              <a:rPr lang="pt-BR" dirty="0" err="1"/>
+              <a:t>Markdown</a:t>
+            </a:r>
+            <a:r>
+              <a:rPr lang="pt-BR" dirty="0"/>
+              <a:t>, XML ou até mesmo linguagens com regras muito claras como o JSON para se aprofundar no tema. </a:t>
+            </a:r>
+          </a:p>
+        </p:txBody>
+      </p:sp>
+    </p:spTree>
+    <p:extLst>
+      <p:ext uri="{BB962C8B-B14F-4D97-AF65-F5344CB8AC3E}">
+        <p14:creationId xmlns:p14="http://schemas.microsoft.com/office/powerpoint/2010/main" val="966981860"/>
       </p:ext>
     </p:extLst>
   </p:cSld>

--- a/Power Point/Curso de HTML e CSS.pptx
+++ b/Power Point/Curso de HTML e CSS.pptx
@@ -79,6 +79,28 @@
     <p:sldId id="328" r:id="rId73"/>
     <p:sldId id="329" r:id="rId74"/>
     <p:sldId id="330" r:id="rId75"/>
+    <p:sldId id="331" r:id="rId76"/>
+    <p:sldId id="332" r:id="rId77"/>
+    <p:sldId id="333" r:id="rId78"/>
+    <p:sldId id="334" r:id="rId79"/>
+    <p:sldId id="335" r:id="rId80"/>
+    <p:sldId id="336" r:id="rId81"/>
+    <p:sldId id="337" r:id="rId82"/>
+    <p:sldId id="338" r:id="rId83"/>
+    <p:sldId id="339" r:id="rId84"/>
+    <p:sldId id="340" r:id="rId85"/>
+    <p:sldId id="341" r:id="rId86"/>
+    <p:sldId id="342" r:id="rId87"/>
+    <p:sldId id="343" r:id="rId88"/>
+    <p:sldId id="344" r:id="rId89"/>
+    <p:sldId id="345" r:id="rId90"/>
+    <p:sldId id="346" r:id="rId91"/>
+    <p:sldId id="352" r:id="rId92"/>
+    <p:sldId id="347" r:id="rId93"/>
+    <p:sldId id="348" r:id="rId94"/>
+    <p:sldId id="349" r:id="rId95"/>
+    <p:sldId id="350" r:id="rId96"/>
+    <p:sldId id="351" r:id="rId97"/>
   </p:sldIdLst>
   <p:sldSz cx="12192000" cy="6858000"/>
   <p:notesSz cx="6858000" cy="9144000"/>
@@ -341,7 +363,7 @@
           <a:p>
             <a:fld id="{02AC24A9-CCB6-4F8D-B8DB-C2F3692CFA5A}" type="datetimeFigureOut">
               <a:rPr lang="en-US" smtClean="0"/>
-              <a:t>3/6/2025</a:t>
+              <a:t>3/10/2025</a:t>
             </a:fld>
             <a:endParaRPr lang="en-US" dirty="0"/>
           </a:p>
@@ -711,7 +733,7 @@
           <a:p>
             <a:fld id="{02AC24A9-CCB6-4F8D-B8DB-C2F3692CFA5A}" type="datetimeFigureOut">
               <a:rPr lang="en-US" smtClean="0"/>
-              <a:t>3/6/2025</a:t>
+              <a:t>3/10/2025</a:t>
             </a:fld>
             <a:endParaRPr lang="en-US"/>
           </a:p>
@@ -920,7 +942,7 @@
           <a:p>
             <a:fld id="{02AC24A9-CCB6-4F8D-B8DB-C2F3692CFA5A}" type="datetimeFigureOut">
               <a:rPr lang="en-US" smtClean="0"/>
-              <a:t>3/6/2025</a:t>
+              <a:t>3/10/2025</a:t>
             </a:fld>
             <a:endParaRPr lang="en-US"/>
           </a:p>
@@ -1390,7 +1412,7 @@
           <a:p>
             <a:fld id="{02AC24A9-CCB6-4F8D-B8DB-C2F3692CFA5A}" type="datetimeFigureOut">
               <a:rPr lang="en-US" smtClean="0"/>
-              <a:t>3/6/2025</a:t>
+              <a:t>3/10/2025</a:t>
             </a:fld>
             <a:endParaRPr lang="en-US"/>
           </a:p>
@@ -1844,7 +1866,7 @@
           <a:p>
             <a:fld id="{02AC24A9-CCB6-4F8D-B8DB-C2F3692CFA5A}" type="datetimeFigureOut">
               <a:rPr lang="en-US" smtClean="0"/>
-              <a:t>3/6/2025</a:t>
+              <a:t>3/10/2025</a:t>
             </a:fld>
             <a:endParaRPr lang="en-US"/>
           </a:p>
@@ -2376,7 +2398,7 @@
           <a:p>
             <a:fld id="{02AC24A9-CCB6-4F8D-B8DB-C2F3692CFA5A}" type="datetimeFigureOut">
               <a:rPr lang="en-US" smtClean="0"/>
-              <a:t>3/6/2025</a:t>
+              <a:t>3/10/2025</a:t>
             </a:fld>
             <a:endParaRPr lang="en-US"/>
           </a:p>
@@ -3075,7 +3097,7 @@
           <a:p>
             <a:fld id="{02AC24A9-CCB6-4F8D-B8DB-C2F3692CFA5A}" type="datetimeFigureOut">
               <a:rPr lang="en-US" smtClean="0"/>
-              <a:t>3/6/2025</a:t>
+              <a:t>3/10/2025</a:t>
             </a:fld>
             <a:endParaRPr lang="en-US"/>
           </a:p>
@@ -3404,7 +3426,7 @@
           <a:p>
             <a:fld id="{02AC24A9-CCB6-4F8D-B8DB-C2F3692CFA5A}" type="datetimeFigureOut">
               <a:rPr lang="en-US" smtClean="0"/>
-              <a:t>3/6/2025</a:t>
+              <a:t>3/10/2025</a:t>
             </a:fld>
             <a:endParaRPr lang="en-US"/>
           </a:p>
@@ -3517,7 +3539,7 @@
           <a:p>
             <a:fld id="{02AC24A9-CCB6-4F8D-B8DB-C2F3692CFA5A}" type="datetimeFigureOut">
               <a:rPr lang="en-US" smtClean="0"/>
-              <a:t>3/6/2025</a:t>
+              <a:t>3/10/2025</a:t>
             </a:fld>
             <a:endParaRPr lang="en-US"/>
           </a:p>
@@ -4012,7 +4034,7 @@
           <a:p>
             <a:fld id="{02AC24A9-CCB6-4F8D-B8DB-C2F3692CFA5A}" type="datetimeFigureOut">
               <a:rPr lang="en-US" smtClean="0"/>
-              <a:t>3/6/2025</a:t>
+              <a:t>3/10/2025</a:t>
             </a:fld>
             <a:endParaRPr lang="en-US" dirty="0"/>
           </a:p>
@@ -4489,7 +4511,7 @@
           <a:p>
             <a:fld id="{02AC24A9-CCB6-4F8D-B8DB-C2F3692CFA5A}" type="datetimeFigureOut">
               <a:rPr lang="en-US" smtClean="0"/>
-              <a:t>3/6/2025</a:t>
+              <a:t>3/10/2025</a:t>
             </a:fld>
             <a:endParaRPr lang="en-US"/>
           </a:p>
@@ -4732,7 +4754,7 @@
           <a:p>
             <a:fld id="{02AC24A9-CCB6-4F8D-B8DB-C2F3692CFA5A}" type="datetimeFigureOut">
               <a:rPr lang="en-US" smtClean="0"/>
-              <a:t>3/6/2025</a:t>
+              <a:t>3/10/2025</a:t>
             </a:fld>
             <a:endParaRPr lang="en-US"/>
           </a:p>
@@ -23037,6 +23059,1829 @@
 </p:sld>
 </file>
 
+<file path=ppt/slides/slide75.xml><?xml version="1.0" encoding="utf-8"?>
+<p:sld xmlns:a="http://schemas.openxmlformats.org/drawingml/2006/main" xmlns:r="http://schemas.openxmlformats.org/officeDocument/2006/relationships" xmlns:p="http://schemas.openxmlformats.org/presentationml/2006/main">
+  <p:cSld>
+    <p:bg>
+      <p:bgPr>
+        <a:solidFill>
+          <a:schemeClr val="bg1"/>
+        </a:solidFill>
+        <a:effectLst/>
+      </p:bgPr>
+    </p:bg>
+    <p:spTree>
+      <p:nvGrpSpPr>
+        <p:cNvPr id="1" name=""/>
+        <p:cNvGrpSpPr/>
+        <p:nvPr/>
+      </p:nvGrpSpPr>
+      <p:grpSpPr>
+        <a:xfrm>
+          <a:off x="0" y="0"/>
+          <a:ext cx="0" cy="0"/>
+          <a:chOff x="0" y="0"/>
+          <a:chExt cx="0" cy="0"/>
+        </a:xfrm>
+      </p:grpSpPr>
+      <p:sp>
+        <p:nvSpPr>
+          <p:cNvPr id="10" name="Rectangle 9">
+            <a:extLst>
+              <a:ext uri="{FF2B5EF4-FFF2-40B4-BE49-F238E27FC236}">
+                <a16:creationId xmlns:a16="http://schemas.microsoft.com/office/drawing/2014/main" id="{8D06CE56-3881-4ADA-8CEF-D18B02C242A3}"/>
+              </a:ext>
+              <a:ext uri="{C183D7F6-B498-43B3-948B-1728B52AA6E4}">
+                <adec:decorative xmlns:adec="http://schemas.microsoft.com/office/drawing/2017/decorative" val="1"/>
+              </a:ext>
+            </a:extLst>
+          </p:cNvPr>
+          <p:cNvSpPr>
+            <a:spLocks noGrp="1" noRot="1" noChangeAspect="1" noMove="1" noResize="1" noEditPoints="1" noAdjustHandles="1" noChangeArrowheads="1" noChangeShapeType="1" noTextEdit="1"/>
+          </p:cNvSpPr>
+          <p:nvPr>
+            <p:extLst>
+              <p:ext uri="{386F3935-93C4-4BCD-93E2-E3B085C9AB24}">
+                <p16:designElem xmlns:p16="http://schemas.microsoft.com/office/powerpoint/2015/main" val="1"/>
+              </p:ext>
+            </p:extLst>
+          </p:nvPr>
+        </p:nvSpPr>
+        <p:spPr>
+          <a:xfrm rot="5400000">
+            <a:off x="857544" y="346791"/>
+            <a:ext cx="146304" cy="704088"/>
+          </a:xfrm>
+          <a:prstGeom prst="rect">
+            <a:avLst/>
+          </a:prstGeom>
+          <a:solidFill>
+            <a:schemeClr val="accent1"/>
+          </a:solidFill>
+          <a:ln>
+            <a:noFill/>
+          </a:ln>
+        </p:spPr>
+        <p:style>
+          <a:lnRef idx="2">
+            <a:schemeClr val="accent1">
+              <a:shade val="50000"/>
+            </a:schemeClr>
+          </a:lnRef>
+          <a:fillRef idx="1">
+            <a:schemeClr val="accent1"/>
+          </a:fillRef>
+          <a:effectRef idx="0">
+            <a:schemeClr val="accent1"/>
+          </a:effectRef>
+          <a:fontRef idx="minor">
+            <a:schemeClr val="lt1"/>
+          </a:fontRef>
+        </p:style>
+        <p:txBody>
+          <a:bodyPr rtlCol="0" anchor="ctr"/>
+          <a:lstStyle/>
+          <a:p>
+            <a:pPr marL="0" marR="0" lvl="0" indent="0" algn="ctr" defTabSz="914400" rtl="0" eaLnBrk="1" fontAlgn="auto" latinLnBrk="0" hangingPunct="1">
+              <a:lnSpc>
+                <a:spcPct val="100000"/>
+              </a:lnSpc>
+              <a:spcBef>
+                <a:spcPts val="0"/>
+              </a:spcBef>
+              <a:spcAft>
+                <a:spcPts val="0"/>
+              </a:spcAft>
+              <a:buClrTx/>
+              <a:buSzTx/>
+              <a:buFontTx/>
+              <a:buNone/>
+              <a:tabLst/>
+              <a:defRPr/>
+            </a:pPr>
+            <a:endParaRPr kumimoji="0" lang="en-US" sz="1800" b="0" i="0" u="none" strike="noStrike" kern="1200" cap="none" spc="0" normalizeH="0" baseline="0" noProof="0">
+              <a:ln>
+                <a:noFill/>
+              </a:ln>
+              <a:solidFill>
+                <a:prstClr val="white"/>
+              </a:solidFill>
+              <a:effectLst/>
+              <a:uLnTx/>
+              <a:uFillTx/>
+              <a:latin typeface="Calibri" panose="020F0502020204030204"/>
+              <a:ea typeface="+mn-ea"/>
+              <a:cs typeface="+mn-cs"/>
+            </a:endParaRPr>
+          </a:p>
+        </p:txBody>
+      </p:sp>
+      <p:sp>
+        <p:nvSpPr>
+          <p:cNvPr id="12" name="Rectangle 11">
+            <a:extLst>
+              <a:ext uri="{FF2B5EF4-FFF2-40B4-BE49-F238E27FC236}">
+                <a16:creationId xmlns:a16="http://schemas.microsoft.com/office/drawing/2014/main" id="{79F3C543-62EC-4433-9C93-A2CD8764E9B4}"/>
+              </a:ext>
+              <a:ext uri="{C183D7F6-B498-43B3-948B-1728B52AA6E4}">
+                <adec:decorative xmlns:adec="http://schemas.microsoft.com/office/drawing/2017/decorative" val="1"/>
+              </a:ext>
+            </a:extLst>
+          </p:cNvPr>
+          <p:cNvSpPr>
+            <a:spLocks noGrp="1" noRot="1" noChangeAspect="1" noMove="1" noResize="1" noEditPoints="1" noAdjustHandles="1" noChangeArrowheads="1" noChangeShapeType="1" noTextEdit="1"/>
+          </p:cNvSpPr>
+          <p:nvPr>
+            <p:extLst>
+              <p:ext uri="{386F3935-93C4-4BCD-93E2-E3B085C9AB24}">
+                <p16:designElem xmlns:p16="http://schemas.microsoft.com/office/powerpoint/2015/main" val="1"/>
+              </p:ext>
+            </p:extLst>
+          </p:nvPr>
+        </p:nvSpPr>
+        <p:spPr>
+          <a:xfrm flipV="1">
+            <a:off x="578652" y="4501201"/>
+            <a:ext cx="11034696" cy="18288"/>
+          </a:xfrm>
+          <a:prstGeom prst="rect">
+            <a:avLst/>
+          </a:prstGeom>
+          <a:solidFill>
+            <a:schemeClr val="tx2">
+              <a:lumMod val="25000"/>
+              <a:lumOff val="75000"/>
+            </a:schemeClr>
+          </a:solidFill>
+          <a:ln w="3175">
+            <a:noFill/>
+          </a:ln>
+          <a:effectLst/>
+        </p:spPr>
+        <p:style>
+          <a:lnRef idx="2">
+            <a:schemeClr val="accent1">
+              <a:shade val="50000"/>
+            </a:schemeClr>
+          </a:lnRef>
+          <a:fillRef idx="1">
+            <a:schemeClr val="accent1"/>
+          </a:fillRef>
+          <a:effectRef idx="0">
+            <a:schemeClr val="accent1"/>
+          </a:effectRef>
+          <a:fontRef idx="minor">
+            <a:schemeClr val="lt1"/>
+          </a:fontRef>
+        </p:style>
+        <p:txBody>
+          <a:bodyPr rtlCol="0" anchor="ctr"/>
+          <a:lstStyle/>
+          <a:p>
+            <a:pPr marL="0" marR="0" lvl="0" indent="0" algn="ctr" defTabSz="914400" rtl="0" eaLnBrk="1" fontAlgn="auto" latinLnBrk="0" hangingPunct="1">
+              <a:lnSpc>
+                <a:spcPct val="100000"/>
+              </a:lnSpc>
+              <a:spcBef>
+                <a:spcPts val="0"/>
+              </a:spcBef>
+              <a:spcAft>
+                <a:spcPts val="0"/>
+              </a:spcAft>
+              <a:buClrTx/>
+              <a:buSzTx/>
+              <a:buFontTx/>
+              <a:buNone/>
+              <a:tabLst/>
+              <a:defRPr/>
+            </a:pPr>
+            <a:endParaRPr kumimoji="0" lang="en-US" sz="1800" b="0" i="0" u="none" strike="noStrike" kern="1200" cap="none" spc="0" normalizeH="0" baseline="0" noProof="0">
+              <a:ln>
+                <a:noFill/>
+              </a:ln>
+              <a:solidFill>
+                <a:prstClr val="white"/>
+              </a:solidFill>
+              <a:effectLst/>
+              <a:uLnTx/>
+              <a:uFillTx/>
+              <a:latin typeface="Calibri" panose="020F0502020204030204"/>
+              <a:ea typeface="+mn-ea"/>
+              <a:cs typeface="+mn-cs"/>
+            </a:endParaRPr>
+          </a:p>
+        </p:txBody>
+      </p:sp>
+      <p:sp useBgFill="1">
+        <p:nvSpPr>
+          <p:cNvPr id="14" name="Rectangle 13">
+            <a:extLst>
+              <a:ext uri="{FF2B5EF4-FFF2-40B4-BE49-F238E27FC236}">
+                <a16:creationId xmlns:a16="http://schemas.microsoft.com/office/drawing/2014/main" id="{E91DC736-0EF8-4F87-9146-EBF1D2EE4D3D}"/>
+              </a:ext>
+              <a:ext uri="{C183D7F6-B498-43B3-948B-1728B52AA6E4}">
+                <adec:decorative xmlns:adec="http://schemas.microsoft.com/office/drawing/2017/decorative" val="1"/>
+              </a:ext>
+            </a:extLst>
+          </p:cNvPr>
+          <p:cNvSpPr>
+            <a:spLocks noGrp="1" noRot="1" noChangeAspect="1" noMove="1" noResize="1" noEditPoints="1" noAdjustHandles="1" noChangeArrowheads="1" noChangeShapeType="1" noTextEdit="1"/>
+          </p:cNvSpPr>
+          <p:nvPr>
+            <p:extLst>
+              <p:ext uri="{386F3935-93C4-4BCD-93E2-E3B085C9AB24}">
+                <p16:designElem xmlns:p16="http://schemas.microsoft.com/office/powerpoint/2015/main" val="1"/>
+              </p:ext>
+            </p:extLst>
+          </p:nvPr>
+        </p:nvSpPr>
+        <p:spPr>
+          <a:xfrm>
+            <a:off x="0" y="0"/>
+            <a:ext cx="12192000" cy="6858000"/>
+          </a:xfrm>
+          <a:prstGeom prst="rect">
+            <a:avLst/>
+          </a:prstGeom>
+          <a:ln>
+            <a:noFill/>
+          </a:ln>
+        </p:spPr>
+        <p:style>
+          <a:lnRef idx="2">
+            <a:schemeClr val="accent1">
+              <a:shade val="50000"/>
+            </a:schemeClr>
+          </a:lnRef>
+          <a:fillRef idx="1">
+            <a:schemeClr val="accent1"/>
+          </a:fillRef>
+          <a:effectRef idx="0">
+            <a:schemeClr val="accent1"/>
+          </a:effectRef>
+          <a:fontRef idx="minor">
+            <a:schemeClr val="lt1"/>
+          </a:fontRef>
+        </p:style>
+        <p:txBody>
+          <a:bodyPr rtlCol="0" anchor="ctr"/>
+          <a:lstStyle/>
+          <a:p>
+            <a:pPr algn="ctr"/>
+            <a:endParaRPr lang="en-US"/>
+          </a:p>
+        </p:txBody>
+      </p:sp>
+      <p:pic>
+        <p:nvPicPr>
+          <p:cNvPr id="4" name="Content Placeholder 3" descr="Fundo do vetor de cores vibrantes salpicando">
+            <a:extLst>
+              <a:ext uri="{FF2B5EF4-FFF2-40B4-BE49-F238E27FC236}">
+                <a16:creationId xmlns:a16="http://schemas.microsoft.com/office/drawing/2014/main" id="{2C22253C-7B0A-5439-327B-AC6125A704C0}"/>
+              </a:ext>
+            </a:extLst>
+          </p:cNvPr>
+          <p:cNvPicPr>
+            <a:picLocks noChangeAspect="1"/>
+          </p:cNvPicPr>
+          <p:nvPr/>
+        </p:nvPicPr>
+        <p:blipFill rotWithShape="1">
+          <a:blip r:embed="rId2"/>
+          <a:srcRect l="10975" r="3072" b="-1"/>
+          <a:stretch/>
+        </p:blipFill>
+        <p:spPr>
+          <a:xfrm>
+            <a:off x="3523488" y="10"/>
+            <a:ext cx="8668512" cy="6857990"/>
+          </a:xfrm>
+          <a:prstGeom prst="rect">
+            <a:avLst/>
+          </a:prstGeom>
+        </p:spPr>
+      </p:pic>
+      <p:sp>
+        <p:nvSpPr>
+          <p:cNvPr id="16" name="Rectangle 15">
+            <a:extLst>
+              <a:ext uri="{FF2B5EF4-FFF2-40B4-BE49-F238E27FC236}">
+                <a16:creationId xmlns:a16="http://schemas.microsoft.com/office/drawing/2014/main" id="{097CD68E-23E3-4007-8847-CD0944C4F7BE}"/>
+              </a:ext>
+              <a:ext uri="{C183D7F6-B498-43B3-948B-1728B52AA6E4}">
+                <adec:decorative xmlns:adec="http://schemas.microsoft.com/office/drawing/2017/decorative" val="1"/>
+              </a:ext>
+            </a:extLst>
+          </p:cNvPr>
+          <p:cNvSpPr>
+            <a:spLocks noGrp="1" noRot="1" noChangeAspect="1" noMove="1" noResize="1" noEditPoints="1" noAdjustHandles="1" noChangeArrowheads="1" noChangeShapeType="1" noTextEdit="1"/>
+          </p:cNvSpPr>
+          <p:nvPr>
+            <p:extLst>
+              <p:ext uri="{386F3935-93C4-4BCD-93E2-E3B085C9AB24}">
+                <p16:designElem xmlns:p16="http://schemas.microsoft.com/office/powerpoint/2015/main" val="1"/>
+              </p:ext>
+            </p:extLst>
+          </p:nvPr>
+        </p:nvSpPr>
+        <p:spPr>
+          <a:xfrm>
+            <a:off x="0" y="0"/>
+            <a:ext cx="9756601" cy="6858000"/>
+          </a:xfrm>
+          <a:prstGeom prst="rect">
+            <a:avLst/>
+          </a:prstGeom>
+          <a:gradFill>
+            <a:gsLst>
+              <a:gs pos="58000">
+                <a:schemeClr val="bg1"/>
+              </a:gs>
+              <a:gs pos="35000">
+                <a:schemeClr val="bg1">
+                  <a:alpha val="79000"/>
+                </a:schemeClr>
+              </a:gs>
+              <a:gs pos="19000">
+                <a:schemeClr val="bg1">
+                  <a:alpha val="38000"/>
+                </a:schemeClr>
+              </a:gs>
+              <a:gs pos="0">
+                <a:schemeClr val="bg1">
+                  <a:alpha val="0"/>
+                </a:schemeClr>
+              </a:gs>
+              <a:gs pos="100000">
+                <a:schemeClr val="bg1"/>
+              </a:gs>
+            </a:gsLst>
+            <a:lin ang="10800000" scaled="0"/>
+          </a:gradFill>
+          <a:ln>
+            <a:noFill/>
+          </a:ln>
+        </p:spPr>
+        <p:style>
+          <a:lnRef idx="2">
+            <a:schemeClr val="accent1">
+              <a:shade val="50000"/>
+            </a:schemeClr>
+          </a:lnRef>
+          <a:fillRef idx="1">
+            <a:schemeClr val="accent1"/>
+          </a:fillRef>
+          <a:effectRef idx="0">
+            <a:schemeClr val="accent1"/>
+          </a:effectRef>
+          <a:fontRef idx="minor">
+            <a:schemeClr val="lt1"/>
+          </a:fontRef>
+        </p:style>
+        <p:txBody>
+          <a:bodyPr rtlCol="0" anchor="ctr"/>
+          <a:lstStyle/>
+          <a:p>
+            <a:pPr algn="ctr"/>
+            <a:endParaRPr lang="en-US" dirty="0"/>
+          </a:p>
+        </p:txBody>
+      </p:sp>
+      <p:sp>
+        <p:nvSpPr>
+          <p:cNvPr id="5" name="Título 1">
+            <a:extLst>
+              <a:ext uri="{FF2B5EF4-FFF2-40B4-BE49-F238E27FC236}">
+                <a16:creationId xmlns:a16="http://schemas.microsoft.com/office/drawing/2014/main" id="{42A14C4E-4DA3-74A7-0636-23456BD70106}"/>
+              </a:ext>
+            </a:extLst>
+          </p:cNvPr>
+          <p:cNvSpPr>
+            <a:spLocks noGrp="1"/>
+          </p:cNvSpPr>
+          <p:nvPr>
+            <p:ph type="title"/>
+          </p:nvPr>
+        </p:nvSpPr>
+        <p:spPr>
+          <a:xfrm>
+            <a:off x="477981" y="1122363"/>
+            <a:ext cx="4023360" cy="3204134"/>
+          </a:xfrm>
+        </p:spPr>
+        <p:txBody>
+          <a:bodyPr vert="horz" lIns="91440" tIns="45720" rIns="91440" bIns="45720" rtlCol="0" anchor="b">
+            <a:normAutofit/>
+          </a:bodyPr>
+          <a:lstStyle/>
+          <a:p>
+            <a:r>
+              <a:rPr lang="en-US" sz="4800" dirty="0"/>
+              <a:t>Aula 5 – </a:t>
+            </a:r>
+            <a:r>
+              <a:rPr lang="en-US" sz="4800" dirty="0" err="1"/>
+              <a:t>Títulos</a:t>
+            </a:r>
+            <a:r>
+              <a:rPr lang="en-US" sz="4800" dirty="0"/>
+              <a:t> no HTML</a:t>
+            </a:r>
+          </a:p>
+        </p:txBody>
+      </p:sp>
+      <p:sp>
+        <p:nvSpPr>
+          <p:cNvPr id="18" name="Rectangle 17">
+            <a:extLst>
+              <a:ext uri="{FF2B5EF4-FFF2-40B4-BE49-F238E27FC236}">
+                <a16:creationId xmlns:a16="http://schemas.microsoft.com/office/drawing/2014/main" id="{AF2F604E-43BE-4DC3-B983-E071523364F8}"/>
+              </a:ext>
+              <a:ext uri="{C183D7F6-B498-43B3-948B-1728B52AA6E4}">
+                <adec:decorative xmlns:adec="http://schemas.microsoft.com/office/drawing/2017/decorative" val="1"/>
+              </a:ext>
+            </a:extLst>
+          </p:cNvPr>
+          <p:cNvSpPr>
+            <a:spLocks noGrp="1" noRot="1" noChangeAspect="1" noMove="1" noResize="1" noEditPoints="1" noAdjustHandles="1" noChangeArrowheads="1" noChangeShapeType="1" noTextEdit="1"/>
+          </p:cNvSpPr>
+          <p:nvPr>
+            <p:extLst>
+              <p:ext uri="{386F3935-93C4-4BCD-93E2-E3B085C9AB24}">
+                <p16:designElem xmlns:p16="http://schemas.microsoft.com/office/powerpoint/2015/main" val="1"/>
+              </p:ext>
+            </p:extLst>
+          </p:nvPr>
+        </p:nvSpPr>
+        <p:spPr>
+          <a:xfrm rot="5400000">
+            <a:off x="759921" y="346791"/>
+            <a:ext cx="146304" cy="704088"/>
+          </a:xfrm>
+          <a:prstGeom prst="rect">
+            <a:avLst/>
+          </a:prstGeom>
+          <a:solidFill>
+            <a:schemeClr val="accent1"/>
+          </a:solidFill>
+          <a:ln>
+            <a:noFill/>
+          </a:ln>
+        </p:spPr>
+        <p:style>
+          <a:lnRef idx="2">
+            <a:schemeClr val="accent1">
+              <a:shade val="50000"/>
+            </a:schemeClr>
+          </a:lnRef>
+          <a:fillRef idx="1">
+            <a:schemeClr val="accent1"/>
+          </a:fillRef>
+          <a:effectRef idx="0">
+            <a:schemeClr val="accent1"/>
+          </a:effectRef>
+          <a:fontRef idx="minor">
+            <a:schemeClr val="lt1"/>
+          </a:fontRef>
+        </p:style>
+        <p:txBody>
+          <a:bodyPr rtlCol="0" anchor="ctr"/>
+          <a:lstStyle/>
+          <a:p>
+            <a:pPr marL="0" marR="0" lvl="0" indent="0" algn="ctr" defTabSz="914400" rtl="0" eaLnBrk="1" fontAlgn="auto" latinLnBrk="0" hangingPunct="1">
+              <a:lnSpc>
+                <a:spcPct val="100000"/>
+              </a:lnSpc>
+              <a:spcBef>
+                <a:spcPts val="0"/>
+              </a:spcBef>
+              <a:spcAft>
+                <a:spcPts val="0"/>
+              </a:spcAft>
+              <a:buClrTx/>
+              <a:buSzTx/>
+              <a:buFontTx/>
+              <a:buNone/>
+              <a:tabLst/>
+              <a:defRPr/>
+            </a:pPr>
+            <a:endParaRPr kumimoji="0" lang="en-US" sz="1800" b="0" i="0" u="none" strike="noStrike" kern="1200" cap="none" spc="0" normalizeH="0" baseline="0" noProof="0">
+              <a:ln>
+                <a:noFill/>
+              </a:ln>
+              <a:solidFill>
+                <a:prstClr val="white"/>
+              </a:solidFill>
+              <a:effectLst/>
+              <a:uLnTx/>
+              <a:uFillTx/>
+              <a:latin typeface="Calibri" panose="020F0502020204030204"/>
+              <a:ea typeface="+mn-ea"/>
+              <a:cs typeface="+mn-cs"/>
+            </a:endParaRPr>
+          </a:p>
+        </p:txBody>
+      </p:sp>
+      <p:sp>
+        <p:nvSpPr>
+          <p:cNvPr id="20" name="Rectangle 19">
+            <a:extLst>
+              <a:ext uri="{FF2B5EF4-FFF2-40B4-BE49-F238E27FC236}">
+                <a16:creationId xmlns:a16="http://schemas.microsoft.com/office/drawing/2014/main" id="{08C9B587-E65E-4B52-B37C-ABEBB6E87928}"/>
+              </a:ext>
+              <a:ext uri="{C183D7F6-B498-43B3-948B-1728B52AA6E4}">
+                <adec:decorative xmlns:adec="http://schemas.microsoft.com/office/drawing/2017/decorative" val="1"/>
+              </a:ext>
+            </a:extLst>
+          </p:cNvPr>
+          <p:cNvSpPr>
+            <a:spLocks noGrp="1" noRot="1" noChangeAspect="1" noMove="1" noResize="1" noEditPoints="1" noAdjustHandles="1" noChangeArrowheads="1" noChangeShapeType="1" noTextEdit="1"/>
+          </p:cNvSpPr>
+          <p:nvPr>
+            <p:extLst>
+              <p:ext uri="{386F3935-93C4-4BCD-93E2-E3B085C9AB24}">
+                <p16:designElem xmlns:p16="http://schemas.microsoft.com/office/powerpoint/2015/main" val="1"/>
+              </p:ext>
+            </p:extLst>
+          </p:nvPr>
+        </p:nvSpPr>
+        <p:spPr>
+          <a:xfrm>
+            <a:off x="481029" y="4546920"/>
+            <a:ext cx="3977640" cy="18288"/>
+          </a:xfrm>
+          <a:prstGeom prst="rect">
+            <a:avLst/>
+          </a:prstGeom>
+          <a:solidFill>
+            <a:schemeClr val="tx2">
+              <a:lumMod val="25000"/>
+              <a:lumOff val="75000"/>
+            </a:schemeClr>
+          </a:solidFill>
+          <a:ln w="3175">
+            <a:solidFill>
+              <a:schemeClr val="tx2">
+                <a:lumMod val="25000"/>
+                <a:lumOff val="75000"/>
+              </a:schemeClr>
+            </a:solidFill>
+          </a:ln>
+          <a:effectLst/>
+        </p:spPr>
+        <p:style>
+          <a:lnRef idx="2">
+            <a:schemeClr val="accent1">
+              <a:shade val="50000"/>
+            </a:schemeClr>
+          </a:lnRef>
+          <a:fillRef idx="1">
+            <a:schemeClr val="accent1"/>
+          </a:fillRef>
+          <a:effectRef idx="0">
+            <a:schemeClr val="accent1"/>
+          </a:effectRef>
+          <a:fontRef idx="minor">
+            <a:schemeClr val="lt1"/>
+          </a:fontRef>
+        </p:style>
+        <p:txBody>
+          <a:bodyPr rtlCol="0" anchor="ctr"/>
+          <a:lstStyle/>
+          <a:p>
+            <a:pPr marL="0" marR="0" lvl="0" indent="0" algn="ctr" defTabSz="914400" rtl="0" eaLnBrk="1" fontAlgn="auto" latinLnBrk="0" hangingPunct="1">
+              <a:lnSpc>
+                <a:spcPct val="100000"/>
+              </a:lnSpc>
+              <a:spcBef>
+                <a:spcPts val="0"/>
+              </a:spcBef>
+              <a:spcAft>
+                <a:spcPts val="0"/>
+              </a:spcAft>
+              <a:buClrTx/>
+              <a:buSzTx/>
+              <a:buFontTx/>
+              <a:buNone/>
+              <a:tabLst/>
+              <a:defRPr/>
+            </a:pPr>
+            <a:endParaRPr kumimoji="0" lang="en-US" sz="1800" b="0" i="0" u="none" strike="noStrike" kern="1200" cap="none" spc="0" normalizeH="0" baseline="0" noProof="0">
+              <a:ln>
+                <a:noFill/>
+              </a:ln>
+              <a:solidFill>
+                <a:prstClr val="white"/>
+              </a:solidFill>
+              <a:effectLst/>
+              <a:uLnTx/>
+              <a:uFillTx/>
+              <a:latin typeface="Calibri" panose="020F0502020204030204"/>
+              <a:ea typeface="+mn-ea"/>
+              <a:cs typeface="+mn-cs"/>
+            </a:endParaRPr>
+          </a:p>
+        </p:txBody>
+      </p:sp>
+    </p:spTree>
+    <p:extLst>
+      <p:ext uri="{BB962C8B-B14F-4D97-AF65-F5344CB8AC3E}">
+        <p14:creationId xmlns:p14="http://schemas.microsoft.com/office/powerpoint/2010/main" val="3336931151"/>
+      </p:ext>
+    </p:extLst>
+  </p:cSld>
+  <p:clrMapOvr>
+    <a:masterClrMapping/>
+  </p:clrMapOvr>
+  <p:timing>
+    <p:tnLst>
+      <p:par>
+        <p:cTn id="1" dur="indefinite" restart="never" nodeType="tmRoot">
+          <p:childTnLst>
+            <p:seq concurrent="1" nextAc="seek">
+              <p:cTn id="2" dur="indefinite" nodeType="mainSeq">
+                <p:childTnLst>
+                  <p:par>
+                    <p:cTn id="3" fill="hold">
+                      <p:stCondLst>
+                        <p:cond delay="indefinite"/>
+                        <p:cond evt="onBegin" delay="0">
+                          <p:tn val="2"/>
+                        </p:cond>
+                      </p:stCondLst>
+                      <p:childTnLst>
+                        <p:par>
+                          <p:cTn id="4" fill="hold">
+                            <p:stCondLst>
+                              <p:cond delay="0"/>
+                            </p:stCondLst>
+                            <p:childTnLst>
+                              <p:par>
+                                <p:cTn id="5" presetID="10" presetClass="entr" presetSubtype="0" fill="hold" grpId="0" nodeType="withEffect">
+                                  <p:stCondLst>
+                                    <p:cond delay="1000"/>
+                                  </p:stCondLst>
+                                  <p:iterate type="lt">
+                                    <p:tmPct val="10000"/>
+                                  </p:iterate>
+                                  <p:childTnLst>
+                                    <p:set>
+                                      <p:cBhvr>
+                                        <p:cTn id="6" dur="1" fill="hold">
+                                          <p:stCondLst>
+                                            <p:cond delay="0"/>
+                                          </p:stCondLst>
+                                        </p:cTn>
+                                        <p:tgtEl>
+                                          <p:spTgt spid="5"/>
+                                        </p:tgtEl>
+                                        <p:attrNameLst>
+                                          <p:attrName>style.visibility</p:attrName>
+                                        </p:attrNameLst>
+                                      </p:cBhvr>
+                                      <p:to>
+                                        <p:strVal val="visible"/>
+                                      </p:to>
+                                    </p:set>
+                                    <p:animEffect transition="in" filter="fade">
+                                      <p:cBhvr>
+                                        <p:cTn id="7" dur="400"/>
+                                        <p:tgtEl>
+                                          <p:spTgt spid="5"/>
+                                        </p:tgtEl>
+                                      </p:cBhvr>
+                                    </p:animEffect>
+                                  </p:childTnLst>
+                                </p:cTn>
+                              </p:par>
+                            </p:childTnLst>
+                          </p:cTn>
+                        </p:par>
+                      </p:childTnLst>
+                    </p:cTn>
+                  </p:par>
+                </p:childTnLst>
+              </p:cTn>
+              <p:prevCondLst>
+                <p:cond evt="onPrev" delay="0">
+                  <p:tgtEl>
+                    <p:sldTgt/>
+                  </p:tgtEl>
+                </p:cond>
+              </p:prevCondLst>
+              <p:nextCondLst>
+                <p:cond evt="onNext" delay="0">
+                  <p:tgtEl>
+                    <p:sldTgt/>
+                  </p:tgtEl>
+                </p:cond>
+              </p:nextCondLst>
+            </p:seq>
+          </p:childTnLst>
+        </p:cTn>
+      </p:par>
+    </p:tnLst>
+    <p:bldLst>
+      <p:bldP spid="5" grpId="0"/>
+    </p:bldLst>
+  </p:timing>
+</p:sld>
+</file>
+
+<file path=ppt/slides/slide76.xml><?xml version="1.0" encoding="utf-8"?>
+<p:sld xmlns:a="http://schemas.openxmlformats.org/drawingml/2006/main" xmlns:r="http://schemas.openxmlformats.org/officeDocument/2006/relationships" xmlns:p="http://schemas.openxmlformats.org/presentationml/2006/main">
+  <p:cSld>
+    <p:spTree>
+      <p:nvGrpSpPr>
+        <p:cNvPr id="1" name=""/>
+        <p:cNvGrpSpPr/>
+        <p:nvPr/>
+      </p:nvGrpSpPr>
+      <p:grpSpPr>
+        <a:xfrm>
+          <a:off x="0" y="0"/>
+          <a:ext cx="0" cy="0"/>
+          <a:chOff x="0" y="0"/>
+          <a:chExt cx="0" cy="0"/>
+        </a:xfrm>
+      </p:grpSpPr>
+      <p:sp>
+        <p:nvSpPr>
+          <p:cNvPr id="2" name="Título 1">
+            <a:extLst>
+              <a:ext uri="{FF2B5EF4-FFF2-40B4-BE49-F238E27FC236}">
+                <a16:creationId xmlns:a16="http://schemas.microsoft.com/office/drawing/2014/main" id="{15A64AC3-1EC3-81AF-4AED-1BDBD932A1A2}"/>
+              </a:ext>
+            </a:extLst>
+          </p:cNvPr>
+          <p:cNvSpPr>
+            <a:spLocks noGrp="1"/>
+          </p:cNvSpPr>
+          <p:nvPr>
+            <p:ph type="title"/>
+          </p:nvPr>
+        </p:nvSpPr>
+        <p:spPr/>
+        <p:txBody>
+          <a:bodyPr/>
+          <a:lstStyle/>
+          <a:p>
+            <a:r>
+              <a:rPr lang="pt-BR" dirty="0"/>
+              <a:t>Títulos no HTML</a:t>
+            </a:r>
+          </a:p>
+        </p:txBody>
+      </p:sp>
+      <p:sp>
+        <p:nvSpPr>
+          <p:cNvPr id="3" name="Espaço Reservado para Conteúdo 2">
+            <a:extLst>
+              <a:ext uri="{FF2B5EF4-FFF2-40B4-BE49-F238E27FC236}">
+                <a16:creationId xmlns:a16="http://schemas.microsoft.com/office/drawing/2014/main" id="{3E7EBF13-DC79-64E1-65B5-8BE9A13E0C48}"/>
+              </a:ext>
+            </a:extLst>
+          </p:cNvPr>
+          <p:cNvSpPr>
+            <a:spLocks noGrp="1"/>
+          </p:cNvSpPr>
+          <p:nvPr>
+            <p:ph idx="1"/>
+          </p:nvPr>
+        </p:nvSpPr>
+        <p:spPr/>
+        <p:txBody>
+          <a:bodyPr>
+            <a:normAutofit/>
+          </a:bodyPr>
+          <a:lstStyle/>
+          <a:p>
+            <a:r>
+              <a:rPr lang="pt-BR" sz="3200" b="1" dirty="0"/>
+              <a:t>Título 1 &lt;h1&gt;</a:t>
+            </a:r>
+          </a:p>
+          <a:p>
+            <a:pPr lvl="1"/>
+            <a:r>
+              <a:rPr lang="pt-BR" sz="2800" dirty="0"/>
+              <a:t>Título 2 &lt;h2&gt;</a:t>
+            </a:r>
+          </a:p>
+          <a:p>
+            <a:pPr lvl="2"/>
+            <a:r>
+              <a:rPr lang="pt-BR" sz="2600" dirty="0"/>
+              <a:t>Título 3 &lt;h3&gt;</a:t>
+            </a:r>
+          </a:p>
+          <a:p>
+            <a:pPr lvl="3"/>
+            <a:r>
+              <a:rPr lang="pt-BR" sz="2400" dirty="0"/>
+              <a:t>Título 4 &lt;h4&gt;</a:t>
+            </a:r>
+          </a:p>
+          <a:p>
+            <a:pPr lvl="4"/>
+            <a:r>
+              <a:rPr lang="pt-BR" sz="2200" dirty="0"/>
+              <a:t>Título 5 &lt;h5&gt;</a:t>
+            </a:r>
+          </a:p>
+          <a:p>
+            <a:pPr lvl="5"/>
+            <a:r>
+              <a:rPr lang="pt-BR" sz="2600" dirty="0"/>
+              <a:t> </a:t>
+            </a:r>
+            <a:r>
+              <a:rPr lang="pt-BR" sz="2000" dirty="0"/>
+              <a:t>Título 6 &lt;h6&gt;</a:t>
+            </a:r>
+          </a:p>
+        </p:txBody>
+      </p:sp>
+    </p:spTree>
+    <p:extLst>
+      <p:ext uri="{BB962C8B-B14F-4D97-AF65-F5344CB8AC3E}">
+        <p14:creationId xmlns:p14="http://schemas.microsoft.com/office/powerpoint/2010/main" val="220901103"/>
+      </p:ext>
+    </p:extLst>
+  </p:cSld>
+  <p:clrMapOvr>
+    <a:masterClrMapping/>
+  </p:clrMapOvr>
+</p:sld>
+</file>
+
+<file path=ppt/slides/slide77.xml><?xml version="1.0" encoding="utf-8"?>
+<p:sld xmlns:a="http://schemas.openxmlformats.org/drawingml/2006/main" xmlns:r="http://schemas.openxmlformats.org/officeDocument/2006/relationships" xmlns:p="http://schemas.openxmlformats.org/presentationml/2006/main">
+  <p:cSld>
+    <p:spTree>
+      <p:nvGrpSpPr>
+        <p:cNvPr id="1" name=""/>
+        <p:cNvGrpSpPr/>
+        <p:nvPr/>
+      </p:nvGrpSpPr>
+      <p:grpSpPr>
+        <a:xfrm>
+          <a:off x="0" y="0"/>
+          <a:ext cx="0" cy="0"/>
+          <a:chOff x="0" y="0"/>
+          <a:chExt cx="0" cy="0"/>
+        </a:xfrm>
+      </p:grpSpPr>
+      <p:sp>
+        <p:nvSpPr>
+          <p:cNvPr id="2" name="Título 1">
+            <a:extLst>
+              <a:ext uri="{FF2B5EF4-FFF2-40B4-BE49-F238E27FC236}">
+                <a16:creationId xmlns:a16="http://schemas.microsoft.com/office/drawing/2014/main" id="{39CDCF69-953E-B0B1-698A-44DA79C0B66B}"/>
+              </a:ext>
+            </a:extLst>
+          </p:cNvPr>
+          <p:cNvSpPr>
+            <a:spLocks noGrp="1"/>
+          </p:cNvSpPr>
+          <p:nvPr>
+            <p:ph type="title"/>
+          </p:nvPr>
+        </p:nvSpPr>
+        <p:spPr/>
+        <p:txBody>
+          <a:bodyPr/>
+          <a:lstStyle/>
+          <a:p>
+            <a:r>
+              <a:rPr lang="pt-BR" dirty="0"/>
+              <a:t>Por que </a:t>
+            </a:r>
+            <a:r>
+              <a:rPr lang="pt-BR" dirty="0" err="1"/>
+              <a:t>Heading</a:t>
+            </a:r>
+            <a:r>
+              <a:rPr lang="pt-BR" dirty="0"/>
+              <a:t> e Não </a:t>
+            </a:r>
+            <a:r>
+              <a:rPr lang="pt-BR" dirty="0" err="1"/>
+              <a:t>Title</a:t>
+            </a:r>
+            <a:endParaRPr lang="pt-BR" dirty="0"/>
+          </a:p>
+        </p:txBody>
+      </p:sp>
+      <p:sp>
+        <p:nvSpPr>
+          <p:cNvPr id="3" name="Espaço Reservado para Conteúdo 2">
+            <a:extLst>
+              <a:ext uri="{FF2B5EF4-FFF2-40B4-BE49-F238E27FC236}">
+                <a16:creationId xmlns:a16="http://schemas.microsoft.com/office/drawing/2014/main" id="{07418DE0-AE5D-B37E-F282-F19FF5DA9083}"/>
+              </a:ext>
+            </a:extLst>
+          </p:cNvPr>
+          <p:cNvSpPr>
+            <a:spLocks noGrp="1"/>
+          </p:cNvSpPr>
+          <p:nvPr>
+            <p:ph idx="1"/>
+          </p:nvPr>
+        </p:nvSpPr>
+        <p:spPr/>
+        <p:txBody>
+          <a:bodyPr/>
+          <a:lstStyle/>
+          <a:p>
+            <a:pPr marL="0" indent="0">
+              <a:buNone/>
+            </a:pPr>
+            <a:r>
+              <a:rPr lang="pt-BR" dirty="0"/>
+              <a:t>Acredita-se que:</a:t>
+            </a:r>
+          </a:p>
+          <a:p>
+            <a:pPr marL="457200" indent="-457200">
+              <a:buFont typeface="+mj-lt"/>
+              <a:buAutoNum type="arabicPeriod"/>
+            </a:pPr>
+            <a:r>
+              <a:rPr lang="pt-BR" dirty="0"/>
+              <a:t>Já havia uma </a:t>
+            </a:r>
+            <a:r>
+              <a:rPr lang="pt-BR" dirty="0" err="1"/>
+              <a:t>tag</a:t>
+            </a:r>
+            <a:r>
+              <a:rPr lang="pt-BR" dirty="0"/>
+              <a:t> </a:t>
+            </a:r>
+            <a:r>
+              <a:rPr lang="pt-BR" dirty="0" err="1"/>
+              <a:t>Title</a:t>
+            </a:r>
+            <a:r>
+              <a:rPr lang="pt-BR" dirty="0"/>
+              <a:t> no HTML, o que poderia gerar confusões</a:t>
+            </a:r>
+          </a:p>
+          <a:p>
+            <a:pPr marL="457200" indent="-457200">
+              <a:buFont typeface="+mj-lt"/>
+              <a:buAutoNum type="arabicPeriod"/>
+            </a:pPr>
+            <a:r>
+              <a:rPr lang="pt-BR" dirty="0"/>
+              <a:t>Os próprios textos jornalísticos</a:t>
+            </a:r>
+          </a:p>
+        </p:txBody>
+      </p:sp>
+    </p:spTree>
+    <p:extLst>
+      <p:ext uri="{BB962C8B-B14F-4D97-AF65-F5344CB8AC3E}">
+        <p14:creationId xmlns:p14="http://schemas.microsoft.com/office/powerpoint/2010/main" val="2336033480"/>
+      </p:ext>
+    </p:extLst>
+  </p:cSld>
+  <p:clrMapOvr>
+    <a:masterClrMapping/>
+  </p:clrMapOvr>
+</p:sld>
+</file>
+
+<file path=ppt/slides/slide78.xml><?xml version="1.0" encoding="utf-8"?>
+<p:sld xmlns:a="http://schemas.openxmlformats.org/drawingml/2006/main" xmlns:r="http://schemas.openxmlformats.org/officeDocument/2006/relationships" xmlns:p="http://schemas.openxmlformats.org/presentationml/2006/main">
+  <p:cSld>
+    <p:spTree>
+      <p:nvGrpSpPr>
+        <p:cNvPr id="1" name=""/>
+        <p:cNvGrpSpPr/>
+        <p:nvPr/>
+      </p:nvGrpSpPr>
+      <p:grpSpPr>
+        <a:xfrm>
+          <a:off x="0" y="0"/>
+          <a:ext cx="0" cy="0"/>
+          <a:chOff x="0" y="0"/>
+          <a:chExt cx="0" cy="0"/>
+        </a:xfrm>
+      </p:grpSpPr>
+      <p:sp>
+        <p:nvSpPr>
+          <p:cNvPr id="2" name="Título 1">
+            <a:extLst>
+              <a:ext uri="{FF2B5EF4-FFF2-40B4-BE49-F238E27FC236}">
+                <a16:creationId xmlns:a16="http://schemas.microsoft.com/office/drawing/2014/main" id="{895F5F55-F012-A633-DB5E-A078F1C07AF5}"/>
+              </a:ext>
+            </a:extLst>
+          </p:cNvPr>
+          <p:cNvSpPr>
+            <a:spLocks noGrp="1"/>
+          </p:cNvSpPr>
+          <p:nvPr>
+            <p:ph type="title"/>
+          </p:nvPr>
+        </p:nvSpPr>
+        <p:spPr/>
+        <p:txBody>
+          <a:bodyPr/>
+          <a:lstStyle/>
+          <a:p>
+            <a:r>
+              <a:rPr lang="pt-BR" dirty="0"/>
+              <a:t>E quanto aos Metadados?	</a:t>
+            </a:r>
+          </a:p>
+        </p:txBody>
+      </p:sp>
+      <p:sp>
+        <p:nvSpPr>
+          <p:cNvPr id="3" name="Espaço Reservado para Conteúdo 2">
+            <a:extLst>
+              <a:ext uri="{FF2B5EF4-FFF2-40B4-BE49-F238E27FC236}">
+                <a16:creationId xmlns:a16="http://schemas.microsoft.com/office/drawing/2014/main" id="{166B6871-1E7F-46DE-7F9D-5EF60211B3A4}"/>
+              </a:ext>
+            </a:extLst>
+          </p:cNvPr>
+          <p:cNvSpPr>
+            <a:spLocks noGrp="1"/>
+          </p:cNvSpPr>
+          <p:nvPr>
+            <p:ph idx="1"/>
+          </p:nvPr>
+        </p:nvSpPr>
+        <p:spPr/>
+        <p:txBody>
+          <a:bodyPr/>
+          <a:lstStyle/>
+          <a:p>
+            <a:r>
+              <a:rPr lang="pt-BR" dirty="0"/>
+              <a:t>Me empolguei muito com </a:t>
+            </a:r>
+            <a:r>
+              <a:rPr lang="pt-BR" dirty="0" err="1"/>
+              <a:t>tags</a:t>
+            </a:r>
+            <a:r>
+              <a:rPr lang="pt-BR" dirty="0"/>
+              <a:t>, admito....</a:t>
+            </a:r>
+          </a:p>
+          <a:p>
+            <a:r>
+              <a:rPr lang="pt-BR" dirty="0"/>
+              <a:t>Será nossa próxima aula.</a:t>
+            </a:r>
+          </a:p>
+        </p:txBody>
+      </p:sp>
+    </p:spTree>
+    <p:extLst>
+      <p:ext uri="{BB962C8B-B14F-4D97-AF65-F5344CB8AC3E}">
+        <p14:creationId xmlns:p14="http://schemas.microsoft.com/office/powerpoint/2010/main" val="3582145440"/>
+      </p:ext>
+    </p:extLst>
+  </p:cSld>
+  <p:clrMapOvr>
+    <a:masterClrMapping/>
+  </p:clrMapOvr>
+</p:sld>
+</file>
+
+<file path=ppt/slides/slide79.xml><?xml version="1.0" encoding="utf-8"?>
+<p:sld xmlns:a="http://schemas.openxmlformats.org/drawingml/2006/main" xmlns:r="http://schemas.openxmlformats.org/officeDocument/2006/relationships" xmlns:p="http://schemas.openxmlformats.org/presentationml/2006/main">
+  <p:cSld>
+    <p:bg>
+      <p:bgPr>
+        <a:solidFill>
+          <a:schemeClr val="bg1"/>
+        </a:solidFill>
+        <a:effectLst/>
+      </p:bgPr>
+    </p:bg>
+    <p:spTree>
+      <p:nvGrpSpPr>
+        <p:cNvPr id="1" name=""/>
+        <p:cNvGrpSpPr/>
+        <p:nvPr/>
+      </p:nvGrpSpPr>
+      <p:grpSpPr>
+        <a:xfrm>
+          <a:off x="0" y="0"/>
+          <a:ext cx="0" cy="0"/>
+          <a:chOff x="0" y="0"/>
+          <a:chExt cx="0" cy="0"/>
+        </a:xfrm>
+      </p:grpSpPr>
+      <p:sp>
+        <p:nvSpPr>
+          <p:cNvPr id="10" name="Rectangle 9">
+            <a:extLst>
+              <a:ext uri="{FF2B5EF4-FFF2-40B4-BE49-F238E27FC236}">
+                <a16:creationId xmlns:a16="http://schemas.microsoft.com/office/drawing/2014/main" id="{8D06CE56-3881-4ADA-8CEF-D18B02C242A3}"/>
+              </a:ext>
+              <a:ext uri="{C183D7F6-B498-43B3-948B-1728B52AA6E4}">
+                <adec:decorative xmlns:adec="http://schemas.microsoft.com/office/drawing/2017/decorative" val="1"/>
+              </a:ext>
+            </a:extLst>
+          </p:cNvPr>
+          <p:cNvSpPr>
+            <a:spLocks noGrp="1" noRot="1" noChangeAspect="1" noMove="1" noResize="1" noEditPoints="1" noAdjustHandles="1" noChangeArrowheads="1" noChangeShapeType="1" noTextEdit="1"/>
+          </p:cNvSpPr>
+          <p:nvPr>
+            <p:extLst>
+              <p:ext uri="{386F3935-93C4-4BCD-93E2-E3B085C9AB24}">
+                <p16:designElem xmlns:p16="http://schemas.microsoft.com/office/powerpoint/2015/main" val="1"/>
+              </p:ext>
+            </p:extLst>
+          </p:nvPr>
+        </p:nvSpPr>
+        <p:spPr>
+          <a:xfrm rot="5400000">
+            <a:off x="857544" y="346791"/>
+            <a:ext cx="146304" cy="704088"/>
+          </a:xfrm>
+          <a:prstGeom prst="rect">
+            <a:avLst/>
+          </a:prstGeom>
+          <a:solidFill>
+            <a:schemeClr val="accent1"/>
+          </a:solidFill>
+          <a:ln>
+            <a:noFill/>
+          </a:ln>
+        </p:spPr>
+        <p:style>
+          <a:lnRef idx="2">
+            <a:schemeClr val="accent1">
+              <a:shade val="50000"/>
+            </a:schemeClr>
+          </a:lnRef>
+          <a:fillRef idx="1">
+            <a:schemeClr val="accent1"/>
+          </a:fillRef>
+          <a:effectRef idx="0">
+            <a:schemeClr val="accent1"/>
+          </a:effectRef>
+          <a:fontRef idx="minor">
+            <a:schemeClr val="lt1"/>
+          </a:fontRef>
+        </p:style>
+        <p:txBody>
+          <a:bodyPr rtlCol="0" anchor="ctr"/>
+          <a:lstStyle/>
+          <a:p>
+            <a:pPr marL="0" marR="0" lvl="0" indent="0" algn="ctr" defTabSz="914400" rtl="0" eaLnBrk="1" fontAlgn="auto" latinLnBrk="0" hangingPunct="1">
+              <a:lnSpc>
+                <a:spcPct val="100000"/>
+              </a:lnSpc>
+              <a:spcBef>
+                <a:spcPts val="0"/>
+              </a:spcBef>
+              <a:spcAft>
+                <a:spcPts val="0"/>
+              </a:spcAft>
+              <a:buClrTx/>
+              <a:buSzTx/>
+              <a:buFontTx/>
+              <a:buNone/>
+              <a:tabLst/>
+              <a:defRPr/>
+            </a:pPr>
+            <a:endParaRPr kumimoji="0" lang="en-US" sz="1800" b="0" i="0" u="none" strike="noStrike" kern="1200" cap="none" spc="0" normalizeH="0" baseline="0" noProof="0">
+              <a:ln>
+                <a:noFill/>
+              </a:ln>
+              <a:solidFill>
+                <a:prstClr val="white"/>
+              </a:solidFill>
+              <a:effectLst/>
+              <a:uLnTx/>
+              <a:uFillTx/>
+              <a:latin typeface="Calibri" panose="020F0502020204030204"/>
+              <a:ea typeface="+mn-ea"/>
+              <a:cs typeface="+mn-cs"/>
+            </a:endParaRPr>
+          </a:p>
+        </p:txBody>
+      </p:sp>
+      <p:sp>
+        <p:nvSpPr>
+          <p:cNvPr id="12" name="Rectangle 11">
+            <a:extLst>
+              <a:ext uri="{FF2B5EF4-FFF2-40B4-BE49-F238E27FC236}">
+                <a16:creationId xmlns:a16="http://schemas.microsoft.com/office/drawing/2014/main" id="{79F3C543-62EC-4433-9C93-A2CD8764E9B4}"/>
+              </a:ext>
+              <a:ext uri="{C183D7F6-B498-43B3-948B-1728B52AA6E4}">
+                <adec:decorative xmlns:adec="http://schemas.microsoft.com/office/drawing/2017/decorative" val="1"/>
+              </a:ext>
+            </a:extLst>
+          </p:cNvPr>
+          <p:cNvSpPr>
+            <a:spLocks noGrp="1" noRot="1" noChangeAspect="1" noMove="1" noResize="1" noEditPoints="1" noAdjustHandles="1" noChangeArrowheads="1" noChangeShapeType="1" noTextEdit="1"/>
+          </p:cNvSpPr>
+          <p:nvPr>
+            <p:extLst>
+              <p:ext uri="{386F3935-93C4-4BCD-93E2-E3B085C9AB24}">
+                <p16:designElem xmlns:p16="http://schemas.microsoft.com/office/powerpoint/2015/main" val="1"/>
+              </p:ext>
+            </p:extLst>
+          </p:nvPr>
+        </p:nvSpPr>
+        <p:spPr>
+          <a:xfrm flipV="1">
+            <a:off x="578652" y="4501201"/>
+            <a:ext cx="11034696" cy="18288"/>
+          </a:xfrm>
+          <a:prstGeom prst="rect">
+            <a:avLst/>
+          </a:prstGeom>
+          <a:solidFill>
+            <a:schemeClr val="tx2">
+              <a:lumMod val="25000"/>
+              <a:lumOff val="75000"/>
+            </a:schemeClr>
+          </a:solidFill>
+          <a:ln w="3175">
+            <a:noFill/>
+          </a:ln>
+          <a:effectLst/>
+        </p:spPr>
+        <p:style>
+          <a:lnRef idx="2">
+            <a:schemeClr val="accent1">
+              <a:shade val="50000"/>
+            </a:schemeClr>
+          </a:lnRef>
+          <a:fillRef idx="1">
+            <a:schemeClr val="accent1"/>
+          </a:fillRef>
+          <a:effectRef idx="0">
+            <a:schemeClr val="accent1"/>
+          </a:effectRef>
+          <a:fontRef idx="minor">
+            <a:schemeClr val="lt1"/>
+          </a:fontRef>
+        </p:style>
+        <p:txBody>
+          <a:bodyPr rtlCol="0" anchor="ctr"/>
+          <a:lstStyle/>
+          <a:p>
+            <a:pPr marL="0" marR="0" lvl="0" indent="0" algn="ctr" defTabSz="914400" rtl="0" eaLnBrk="1" fontAlgn="auto" latinLnBrk="0" hangingPunct="1">
+              <a:lnSpc>
+                <a:spcPct val="100000"/>
+              </a:lnSpc>
+              <a:spcBef>
+                <a:spcPts val="0"/>
+              </a:spcBef>
+              <a:spcAft>
+                <a:spcPts val="0"/>
+              </a:spcAft>
+              <a:buClrTx/>
+              <a:buSzTx/>
+              <a:buFontTx/>
+              <a:buNone/>
+              <a:tabLst/>
+              <a:defRPr/>
+            </a:pPr>
+            <a:endParaRPr kumimoji="0" lang="en-US" sz="1800" b="0" i="0" u="none" strike="noStrike" kern="1200" cap="none" spc="0" normalizeH="0" baseline="0" noProof="0">
+              <a:ln>
+                <a:noFill/>
+              </a:ln>
+              <a:solidFill>
+                <a:prstClr val="white"/>
+              </a:solidFill>
+              <a:effectLst/>
+              <a:uLnTx/>
+              <a:uFillTx/>
+              <a:latin typeface="Calibri" panose="020F0502020204030204"/>
+              <a:ea typeface="+mn-ea"/>
+              <a:cs typeface="+mn-cs"/>
+            </a:endParaRPr>
+          </a:p>
+        </p:txBody>
+      </p:sp>
+      <p:sp useBgFill="1">
+        <p:nvSpPr>
+          <p:cNvPr id="14" name="Rectangle 13">
+            <a:extLst>
+              <a:ext uri="{FF2B5EF4-FFF2-40B4-BE49-F238E27FC236}">
+                <a16:creationId xmlns:a16="http://schemas.microsoft.com/office/drawing/2014/main" id="{E91DC736-0EF8-4F87-9146-EBF1D2EE4D3D}"/>
+              </a:ext>
+              <a:ext uri="{C183D7F6-B498-43B3-948B-1728B52AA6E4}">
+                <adec:decorative xmlns:adec="http://schemas.microsoft.com/office/drawing/2017/decorative" val="1"/>
+              </a:ext>
+            </a:extLst>
+          </p:cNvPr>
+          <p:cNvSpPr>
+            <a:spLocks noGrp="1" noRot="1" noChangeAspect="1" noMove="1" noResize="1" noEditPoints="1" noAdjustHandles="1" noChangeArrowheads="1" noChangeShapeType="1" noTextEdit="1"/>
+          </p:cNvSpPr>
+          <p:nvPr>
+            <p:extLst>
+              <p:ext uri="{386F3935-93C4-4BCD-93E2-E3B085C9AB24}">
+                <p16:designElem xmlns:p16="http://schemas.microsoft.com/office/powerpoint/2015/main" val="1"/>
+              </p:ext>
+            </p:extLst>
+          </p:nvPr>
+        </p:nvSpPr>
+        <p:spPr>
+          <a:xfrm>
+            <a:off x="0" y="0"/>
+            <a:ext cx="12192000" cy="6858000"/>
+          </a:xfrm>
+          <a:prstGeom prst="rect">
+            <a:avLst/>
+          </a:prstGeom>
+          <a:ln>
+            <a:noFill/>
+          </a:ln>
+        </p:spPr>
+        <p:style>
+          <a:lnRef idx="2">
+            <a:schemeClr val="accent1">
+              <a:shade val="50000"/>
+            </a:schemeClr>
+          </a:lnRef>
+          <a:fillRef idx="1">
+            <a:schemeClr val="accent1"/>
+          </a:fillRef>
+          <a:effectRef idx="0">
+            <a:schemeClr val="accent1"/>
+          </a:effectRef>
+          <a:fontRef idx="minor">
+            <a:schemeClr val="lt1"/>
+          </a:fontRef>
+        </p:style>
+        <p:txBody>
+          <a:bodyPr rtlCol="0" anchor="ctr"/>
+          <a:lstStyle/>
+          <a:p>
+            <a:pPr algn="ctr"/>
+            <a:endParaRPr lang="en-US"/>
+          </a:p>
+        </p:txBody>
+      </p:sp>
+      <p:pic>
+        <p:nvPicPr>
+          <p:cNvPr id="4" name="Content Placeholder 3" descr="Fundo do vetor de cores vibrantes salpicando">
+            <a:extLst>
+              <a:ext uri="{FF2B5EF4-FFF2-40B4-BE49-F238E27FC236}">
+                <a16:creationId xmlns:a16="http://schemas.microsoft.com/office/drawing/2014/main" id="{0440C38D-7DE4-B774-CF3F-B9656DD65A58}"/>
+              </a:ext>
+            </a:extLst>
+          </p:cNvPr>
+          <p:cNvPicPr>
+            <a:picLocks noChangeAspect="1"/>
+          </p:cNvPicPr>
+          <p:nvPr/>
+        </p:nvPicPr>
+        <p:blipFill rotWithShape="1">
+          <a:blip r:embed="rId2"/>
+          <a:srcRect l="10975" r="3072" b="-1"/>
+          <a:stretch/>
+        </p:blipFill>
+        <p:spPr>
+          <a:xfrm>
+            <a:off x="3523488" y="10"/>
+            <a:ext cx="8668512" cy="6857990"/>
+          </a:xfrm>
+          <a:prstGeom prst="rect">
+            <a:avLst/>
+          </a:prstGeom>
+        </p:spPr>
+      </p:pic>
+      <p:sp>
+        <p:nvSpPr>
+          <p:cNvPr id="16" name="Rectangle 15">
+            <a:extLst>
+              <a:ext uri="{FF2B5EF4-FFF2-40B4-BE49-F238E27FC236}">
+                <a16:creationId xmlns:a16="http://schemas.microsoft.com/office/drawing/2014/main" id="{097CD68E-23E3-4007-8847-CD0944C4F7BE}"/>
+              </a:ext>
+              <a:ext uri="{C183D7F6-B498-43B3-948B-1728B52AA6E4}">
+                <adec:decorative xmlns:adec="http://schemas.microsoft.com/office/drawing/2017/decorative" val="1"/>
+              </a:ext>
+            </a:extLst>
+          </p:cNvPr>
+          <p:cNvSpPr>
+            <a:spLocks noGrp="1" noRot="1" noChangeAspect="1" noMove="1" noResize="1" noEditPoints="1" noAdjustHandles="1" noChangeArrowheads="1" noChangeShapeType="1" noTextEdit="1"/>
+          </p:cNvSpPr>
+          <p:nvPr>
+            <p:extLst>
+              <p:ext uri="{386F3935-93C4-4BCD-93E2-E3B085C9AB24}">
+                <p16:designElem xmlns:p16="http://schemas.microsoft.com/office/powerpoint/2015/main" val="1"/>
+              </p:ext>
+            </p:extLst>
+          </p:nvPr>
+        </p:nvSpPr>
+        <p:spPr>
+          <a:xfrm>
+            <a:off x="0" y="0"/>
+            <a:ext cx="9756601" cy="6858000"/>
+          </a:xfrm>
+          <a:prstGeom prst="rect">
+            <a:avLst/>
+          </a:prstGeom>
+          <a:gradFill>
+            <a:gsLst>
+              <a:gs pos="58000">
+                <a:schemeClr val="bg1"/>
+              </a:gs>
+              <a:gs pos="35000">
+                <a:schemeClr val="bg1">
+                  <a:alpha val="79000"/>
+                </a:schemeClr>
+              </a:gs>
+              <a:gs pos="19000">
+                <a:schemeClr val="bg1">
+                  <a:alpha val="38000"/>
+                </a:schemeClr>
+              </a:gs>
+              <a:gs pos="0">
+                <a:schemeClr val="bg1">
+                  <a:alpha val="0"/>
+                </a:schemeClr>
+              </a:gs>
+              <a:gs pos="100000">
+                <a:schemeClr val="bg1"/>
+              </a:gs>
+            </a:gsLst>
+            <a:lin ang="10800000" scaled="0"/>
+          </a:gradFill>
+          <a:ln>
+            <a:noFill/>
+          </a:ln>
+        </p:spPr>
+        <p:style>
+          <a:lnRef idx="2">
+            <a:schemeClr val="accent1">
+              <a:shade val="50000"/>
+            </a:schemeClr>
+          </a:lnRef>
+          <a:fillRef idx="1">
+            <a:schemeClr val="accent1"/>
+          </a:fillRef>
+          <a:effectRef idx="0">
+            <a:schemeClr val="accent1"/>
+          </a:effectRef>
+          <a:fontRef idx="minor">
+            <a:schemeClr val="lt1"/>
+          </a:fontRef>
+        </p:style>
+        <p:txBody>
+          <a:bodyPr rtlCol="0" anchor="ctr"/>
+          <a:lstStyle/>
+          <a:p>
+            <a:pPr algn="ctr"/>
+            <a:endParaRPr lang="en-US" dirty="0"/>
+          </a:p>
+        </p:txBody>
+      </p:sp>
+      <p:sp>
+        <p:nvSpPr>
+          <p:cNvPr id="5" name="Título 1">
+            <a:extLst>
+              <a:ext uri="{FF2B5EF4-FFF2-40B4-BE49-F238E27FC236}">
+                <a16:creationId xmlns:a16="http://schemas.microsoft.com/office/drawing/2014/main" id="{7F4D8E08-7FE5-E2C3-88FF-A5D76E061965}"/>
+              </a:ext>
+            </a:extLst>
+          </p:cNvPr>
+          <p:cNvSpPr>
+            <a:spLocks noGrp="1"/>
+          </p:cNvSpPr>
+          <p:nvPr>
+            <p:ph type="title"/>
+          </p:nvPr>
+        </p:nvSpPr>
+        <p:spPr>
+          <a:xfrm>
+            <a:off x="477981" y="1122363"/>
+            <a:ext cx="4023360" cy="3204134"/>
+          </a:xfrm>
+        </p:spPr>
+        <p:txBody>
+          <a:bodyPr vert="horz" lIns="91440" tIns="45720" rIns="91440" bIns="45720" rtlCol="0" anchor="b">
+            <a:normAutofit/>
+          </a:bodyPr>
+          <a:lstStyle/>
+          <a:p>
+            <a:r>
+              <a:rPr lang="en-US" sz="4800" dirty="0"/>
+              <a:t>Aula 6 – </a:t>
+            </a:r>
+            <a:r>
+              <a:rPr lang="en-US" sz="4800" dirty="0" err="1"/>
+              <a:t>Metadados</a:t>
+            </a:r>
+            <a:r>
+              <a:rPr lang="en-US" sz="4800" dirty="0"/>
+              <a:t> no HTML</a:t>
+            </a:r>
+          </a:p>
+        </p:txBody>
+      </p:sp>
+      <p:sp>
+        <p:nvSpPr>
+          <p:cNvPr id="18" name="Rectangle 17">
+            <a:extLst>
+              <a:ext uri="{FF2B5EF4-FFF2-40B4-BE49-F238E27FC236}">
+                <a16:creationId xmlns:a16="http://schemas.microsoft.com/office/drawing/2014/main" id="{AF2F604E-43BE-4DC3-B983-E071523364F8}"/>
+              </a:ext>
+              <a:ext uri="{C183D7F6-B498-43B3-948B-1728B52AA6E4}">
+                <adec:decorative xmlns:adec="http://schemas.microsoft.com/office/drawing/2017/decorative" val="1"/>
+              </a:ext>
+            </a:extLst>
+          </p:cNvPr>
+          <p:cNvSpPr>
+            <a:spLocks noGrp="1" noRot="1" noChangeAspect="1" noMove="1" noResize="1" noEditPoints="1" noAdjustHandles="1" noChangeArrowheads="1" noChangeShapeType="1" noTextEdit="1"/>
+          </p:cNvSpPr>
+          <p:nvPr>
+            <p:extLst>
+              <p:ext uri="{386F3935-93C4-4BCD-93E2-E3B085C9AB24}">
+                <p16:designElem xmlns:p16="http://schemas.microsoft.com/office/powerpoint/2015/main" val="1"/>
+              </p:ext>
+            </p:extLst>
+          </p:nvPr>
+        </p:nvSpPr>
+        <p:spPr>
+          <a:xfrm rot="5400000">
+            <a:off x="759921" y="346791"/>
+            <a:ext cx="146304" cy="704088"/>
+          </a:xfrm>
+          <a:prstGeom prst="rect">
+            <a:avLst/>
+          </a:prstGeom>
+          <a:solidFill>
+            <a:schemeClr val="accent1"/>
+          </a:solidFill>
+          <a:ln>
+            <a:noFill/>
+          </a:ln>
+        </p:spPr>
+        <p:style>
+          <a:lnRef idx="2">
+            <a:schemeClr val="accent1">
+              <a:shade val="50000"/>
+            </a:schemeClr>
+          </a:lnRef>
+          <a:fillRef idx="1">
+            <a:schemeClr val="accent1"/>
+          </a:fillRef>
+          <a:effectRef idx="0">
+            <a:schemeClr val="accent1"/>
+          </a:effectRef>
+          <a:fontRef idx="minor">
+            <a:schemeClr val="lt1"/>
+          </a:fontRef>
+        </p:style>
+        <p:txBody>
+          <a:bodyPr rtlCol="0" anchor="ctr"/>
+          <a:lstStyle/>
+          <a:p>
+            <a:pPr marL="0" marR="0" lvl="0" indent="0" algn="ctr" defTabSz="914400" rtl="0" eaLnBrk="1" fontAlgn="auto" latinLnBrk="0" hangingPunct="1">
+              <a:lnSpc>
+                <a:spcPct val="100000"/>
+              </a:lnSpc>
+              <a:spcBef>
+                <a:spcPts val="0"/>
+              </a:spcBef>
+              <a:spcAft>
+                <a:spcPts val="0"/>
+              </a:spcAft>
+              <a:buClrTx/>
+              <a:buSzTx/>
+              <a:buFontTx/>
+              <a:buNone/>
+              <a:tabLst/>
+              <a:defRPr/>
+            </a:pPr>
+            <a:endParaRPr kumimoji="0" lang="en-US" sz="1800" b="0" i="0" u="none" strike="noStrike" kern="1200" cap="none" spc="0" normalizeH="0" baseline="0" noProof="0">
+              <a:ln>
+                <a:noFill/>
+              </a:ln>
+              <a:solidFill>
+                <a:prstClr val="white"/>
+              </a:solidFill>
+              <a:effectLst/>
+              <a:uLnTx/>
+              <a:uFillTx/>
+              <a:latin typeface="Calibri" panose="020F0502020204030204"/>
+              <a:ea typeface="+mn-ea"/>
+              <a:cs typeface="+mn-cs"/>
+            </a:endParaRPr>
+          </a:p>
+        </p:txBody>
+      </p:sp>
+      <p:sp>
+        <p:nvSpPr>
+          <p:cNvPr id="20" name="Rectangle 19">
+            <a:extLst>
+              <a:ext uri="{FF2B5EF4-FFF2-40B4-BE49-F238E27FC236}">
+                <a16:creationId xmlns:a16="http://schemas.microsoft.com/office/drawing/2014/main" id="{08C9B587-E65E-4B52-B37C-ABEBB6E87928}"/>
+              </a:ext>
+              <a:ext uri="{C183D7F6-B498-43B3-948B-1728B52AA6E4}">
+                <adec:decorative xmlns:adec="http://schemas.microsoft.com/office/drawing/2017/decorative" val="1"/>
+              </a:ext>
+            </a:extLst>
+          </p:cNvPr>
+          <p:cNvSpPr>
+            <a:spLocks noGrp="1" noRot="1" noChangeAspect="1" noMove="1" noResize="1" noEditPoints="1" noAdjustHandles="1" noChangeArrowheads="1" noChangeShapeType="1" noTextEdit="1"/>
+          </p:cNvSpPr>
+          <p:nvPr>
+            <p:extLst>
+              <p:ext uri="{386F3935-93C4-4BCD-93E2-E3B085C9AB24}">
+                <p16:designElem xmlns:p16="http://schemas.microsoft.com/office/powerpoint/2015/main" val="1"/>
+              </p:ext>
+            </p:extLst>
+          </p:nvPr>
+        </p:nvSpPr>
+        <p:spPr>
+          <a:xfrm>
+            <a:off x="481029" y="4546920"/>
+            <a:ext cx="3977640" cy="18288"/>
+          </a:xfrm>
+          <a:prstGeom prst="rect">
+            <a:avLst/>
+          </a:prstGeom>
+          <a:solidFill>
+            <a:schemeClr val="tx2">
+              <a:lumMod val="25000"/>
+              <a:lumOff val="75000"/>
+            </a:schemeClr>
+          </a:solidFill>
+          <a:ln w="3175">
+            <a:solidFill>
+              <a:schemeClr val="tx2">
+                <a:lumMod val="25000"/>
+                <a:lumOff val="75000"/>
+              </a:schemeClr>
+            </a:solidFill>
+          </a:ln>
+          <a:effectLst/>
+        </p:spPr>
+        <p:style>
+          <a:lnRef idx="2">
+            <a:schemeClr val="accent1">
+              <a:shade val="50000"/>
+            </a:schemeClr>
+          </a:lnRef>
+          <a:fillRef idx="1">
+            <a:schemeClr val="accent1"/>
+          </a:fillRef>
+          <a:effectRef idx="0">
+            <a:schemeClr val="accent1"/>
+          </a:effectRef>
+          <a:fontRef idx="minor">
+            <a:schemeClr val="lt1"/>
+          </a:fontRef>
+        </p:style>
+        <p:txBody>
+          <a:bodyPr rtlCol="0" anchor="ctr"/>
+          <a:lstStyle/>
+          <a:p>
+            <a:pPr marL="0" marR="0" lvl="0" indent="0" algn="ctr" defTabSz="914400" rtl="0" eaLnBrk="1" fontAlgn="auto" latinLnBrk="0" hangingPunct="1">
+              <a:lnSpc>
+                <a:spcPct val="100000"/>
+              </a:lnSpc>
+              <a:spcBef>
+                <a:spcPts val="0"/>
+              </a:spcBef>
+              <a:spcAft>
+                <a:spcPts val="0"/>
+              </a:spcAft>
+              <a:buClrTx/>
+              <a:buSzTx/>
+              <a:buFontTx/>
+              <a:buNone/>
+              <a:tabLst/>
+              <a:defRPr/>
+            </a:pPr>
+            <a:endParaRPr kumimoji="0" lang="en-US" sz="1800" b="0" i="0" u="none" strike="noStrike" kern="1200" cap="none" spc="0" normalizeH="0" baseline="0" noProof="0">
+              <a:ln>
+                <a:noFill/>
+              </a:ln>
+              <a:solidFill>
+                <a:prstClr val="white"/>
+              </a:solidFill>
+              <a:effectLst/>
+              <a:uLnTx/>
+              <a:uFillTx/>
+              <a:latin typeface="Calibri" panose="020F0502020204030204"/>
+              <a:ea typeface="+mn-ea"/>
+              <a:cs typeface="+mn-cs"/>
+            </a:endParaRPr>
+          </a:p>
+        </p:txBody>
+      </p:sp>
+    </p:spTree>
+    <p:extLst>
+      <p:ext uri="{BB962C8B-B14F-4D97-AF65-F5344CB8AC3E}">
+        <p14:creationId xmlns:p14="http://schemas.microsoft.com/office/powerpoint/2010/main" val="3358745579"/>
+      </p:ext>
+    </p:extLst>
+  </p:cSld>
+  <p:clrMapOvr>
+    <a:masterClrMapping/>
+  </p:clrMapOvr>
+  <p:timing>
+    <p:tnLst>
+      <p:par>
+        <p:cTn id="1" dur="indefinite" restart="never" nodeType="tmRoot">
+          <p:childTnLst>
+            <p:seq concurrent="1" nextAc="seek">
+              <p:cTn id="2" dur="indefinite" nodeType="mainSeq">
+                <p:childTnLst>
+                  <p:par>
+                    <p:cTn id="3" fill="hold">
+                      <p:stCondLst>
+                        <p:cond delay="indefinite"/>
+                        <p:cond evt="onBegin" delay="0">
+                          <p:tn val="2"/>
+                        </p:cond>
+                      </p:stCondLst>
+                      <p:childTnLst>
+                        <p:par>
+                          <p:cTn id="4" fill="hold">
+                            <p:stCondLst>
+                              <p:cond delay="0"/>
+                            </p:stCondLst>
+                            <p:childTnLst>
+                              <p:par>
+                                <p:cTn id="5" presetID="10" presetClass="entr" presetSubtype="0" fill="hold" grpId="0" nodeType="withEffect">
+                                  <p:stCondLst>
+                                    <p:cond delay="1000"/>
+                                  </p:stCondLst>
+                                  <p:iterate type="lt">
+                                    <p:tmPct val="10000"/>
+                                  </p:iterate>
+                                  <p:childTnLst>
+                                    <p:set>
+                                      <p:cBhvr>
+                                        <p:cTn id="6" dur="1" fill="hold">
+                                          <p:stCondLst>
+                                            <p:cond delay="0"/>
+                                          </p:stCondLst>
+                                        </p:cTn>
+                                        <p:tgtEl>
+                                          <p:spTgt spid="5"/>
+                                        </p:tgtEl>
+                                        <p:attrNameLst>
+                                          <p:attrName>style.visibility</p:attrName>
+                                        </p:attrNameLst>
+                                      </p:cBhvr>
+                                      <p:to>
+                                        <p:strVal val="visible"/>
+                                      </p:to>
+                                    </p:set>
+                                    <p:animEffect transition="in" filter="fade">
+                                      <p:cBhvr>
+                                        <p:cTn id="7" dur="400"/>
+                                        <p:tgtEl>
+                                          <p:spTgt spid="5"/>
+                                        </p:tgtEl>
+                                      </p:cBhvr>
+                                    </p:animEffect>
+                                  </p:childTnLst>
+                                </p:cTn>
+                              </p:par>
+                            </p:childTnLst>
+                          </p:cTn>
+                        </p:par>
+                      </p:childTnLst>
+                    </p:cTn>
+                  </p:par>
+                </p:childTnLst>
+              </p:cTn>
+              <p:prevCondLst>
+                <p:cond evt="onPrev" delay="0">
+                  <p:tgtEl>
+                    <p:sldTgt/>
+                  </p:tgtEl>
+                </p:cond>
+              </p:prevCondLst>
+              <p:nextCondLst>
+                <p:cond evt="onNext" delay="0">
+                  <p:tgtEl>
+                    <p:sldTgt/>
+                  </p:tgtEl>
+                </p:cond>
+              </p:nextCondLst>
+            </p:seq>
+          </p:childTnLst>
+        </p:cTn>
+      </p:par>
+    </p:tnLst>
+    <p:bldLst>
+      <p:bldP spid="5" grpId="0"/>
+    </p:bldLst>
+  </p:timing>
+</p:sld>
+</file>
+
 <file path=ppt/slides/slide8.xml><?xml version="1.0" encoding="utf-8"?>
 <p:sld xmlns:a="http://schemas.openxmlformats.org/drawingml/2006/main" xmlns:r="http://schemas.openxmlformats.org/officeDocument/2006/relationships" xmlns:p="http://schemas.openxmlformats.org/presentationml/2006/main">
   <p:cSld>
@@ -23120,6 +24965,1412 @@
     <p:extLst>
       <p:ext uri="{BB962C8B-B14F-4D97-AF65-F5344CB8AC3E}">
         <p14:creationId xmlns:p14="http://schemas.microsoft.com/office/powerpoint/2010/main" val="2255644492"/>
+      </p:ext>
+    </p:extLst>
+  </p:cSld>
+  <p:clrMapOvr>
+    <a:masterClrMapping/>
+  </p:clrMapOvr>
+</p:sld>
+</file>
+
+<file path=ppt/slides/slide80.xml><?xml version="1.0" encoding="utf-8"?>
+<p:sld xmlns:a="http://schemas.openxmlformats.org/drawingml/2006/main" xmlns:r="http://schemas.openxmlformats.org/officeDocument/2006/relationships" xmlns:p="http://schemas.openxmlformats.org/presentationml/2006/main">
+  <p:cSld>
+    <p:spTree>
+      <p:nvGrpSpPr>
+        <p:cNvPr id="1" name=""/>
+        <p:cNvGrpSpPr/>
+        <p:nvPr/>
+      </p:nvGrpSpPr>
+      <p:grpSpPr>
+        <a:xfrm>
+          <a:off x="0" y="0"/>
+          <a:ext cx="0" cy="0"/>
+          <a:chOff x="0" y="0"/>
+          <a:chExt cx="0" cy="0"/>
+        </a:xfrm>
+      </p:grpSpPr>
+      <p:sp>
+        <p:nvSpPr>
+          <p:cNvPr id="2" name="Título 1">
+            <a:extLst>
+              <a:ext uri="{FF2B5EF4-FFF2-40B4-BE49-F238E27FC236}">
+                <a16:creationId xmlns:a16="http://schemas.microsoft.com/office/drawing/2014/main" id="{B4CCE347-42B2-076E-BED9-99473D8B2A77}"/>
+              </a:ext>
+            </a:extLst>
+          </p:cNvPr>
+          <p:cNvSpPr>
+            <a:spLocks noGrp="1"/>
+          </p:cNvSpPr>
+          <p:nvPr>
+            <p:ph type="title"/>
+          </p:nvPr>
+        </p:nvSpPr>
+        <p:spPr/>
+        <p:txBody>
+          <a:bodyPr/>
+          <a:lstStyle/>
+          <a:p>
+            <a:r>
+              <a:rPr lang="pt-BR" dirty="0"/>
+              <a:t>Metadados São Muito Importantes!</a:t>
+            </a:r>
+          </a:p>
+        </p:txBody>
+      </p:sp>
+      <p:sp>
+        <p:nvSpPr>
+          <p:cNvPr id="3" name="Espaço Reservado para Conteúdo 2">
+            <a:extLst>
+              <a:ext uri="{FF2B5EF4-FFF2-40B4-BE49-F238E27FC236}">
+                <a16:creationId xmlns:a16="http://schemas.microsoft.com/office/drawing/2014/main" id="{1C90D76A-C95E-8346-56C0-60D45BFB6C24}"/>
+              </a:ext>
+            </a:extLst>
+          </p:cNvPr>
+          <p:cNvSpPr>
+            <a:spLocks noGrp="1"/>
+          </p:cNvSpPr>
+          <p:nvPr>
+            <p:ph idx="1"/>
+          </p:nvPr>
+        </p:nvSpPr>
+        <p:spPr/>
+        <p:txBody>
+          <a:bodyPr/>
+          <a:lstStyle/>
+          <a:p>
+            <a:r>
+              <a:rPr lang="pt-BR" dirty="0"/>
+              <a:t>Seu Navegador vai Ler todos os seus metadados! </a:t>
+            </a:r>
+          </a:p>
+          <a:p>
+            <a:r>
+              <a:rPr lang="pt-BR" dirty="0"/>
+              <a:t>Esses dados não serão acessados (em sua maioria) diretamente por você!</a:t>
+            </a:r>
+          </a:p>
+        </p:txBody>
+      </p:sp>
+    </p:spTree>
+    <p:extLst>
+      <p:ext uri="{BB962C8B-B14F-4D97-AF65-F5344CB8AC3E}">
+        <p14:creationId xmlns:p14="http://schemas.microsoft.com/office/powerpoint/2010/main" val="2023650682"/>
+      </p:ext>
+    </p:extLst>
+  </p:cSld>
+  <p:clrMapOvr>
+    <a:masterClrMapping/>
+  </p:clrMapOvr>
+</p:sld>
+</file>
+
+<file path=ppt/slides/slide81.xml><?xml version="1.0" encoding="utf-8"?>
+<p:sld xmlns:a="http://schemas.openxmlformats.org/drawingml/2006/main" xmlns:r="http://schemas.openxmlformats.org/officeDocument/2006/relationships" xmlns:p="http://schemas.openxmlformats.org/presentationml/2006/main">
+  <p:cSld>
+    <p:bg>
+      <p:bgPr>
+        <a:solidFill>
+          <a:schemeClr val="bg1"/>
+        </a:solidFill>
+        <a:effectLst/>
+      </p:bgPr>
+    </p:bg>
+    <p:spTree>
+      <p:nvGrpSpPr>
+        <p:cNvPr id="1" name=""/>
+        <p:cNvGrpSpPr/>
+        <p:nvPr/>
+      </p:nvGrpSpPr>
+      <p:grpSpPr>
+        <a:xfrm>
+          <a:off x="0" y="0"/>
+          <a:ext cx="0" cy="0"/>
+          <a:chOff x="0" y="0"/>
+          <a:chExt cx="0" cy="0"/>
+        </a:xfrm>
+      </p:grpSpPr>
+      <p:sp>
+        <p:nvSpPr>
+          <p:cNvPr id="7" name="Rectangle 6">
+            <a:extLst>
+              <a:ext uri="{FF2B5EF4-FFF2-40B4-BE49-F238E27FC236}">
+                <a16:creationId xmlns:a16="http://schemas.microsoft.com/office/drawing/2014/main" id="{8D06CE56-3881-4ADA-8CEF-D18B02C242A3}"/>
+              </a:ext>
+              <a:ext uri="{C183D7F6-B498-43B3-948B-1728B52AA6E4}">
+                <adec:decorative xmlns:adec="http://schemas.microsoft.com/office/drawing/2017/decorative" val="1"/>
+              </a:ext>
+            </a:extLst>
+          </p:cNvPr>
+          <p:cNvSpPr>
+            <a:spLocks noGrp="1" noRot="1" noChangeAspect="1" noMove="1" noResize="1" noEditPoints="1" noAdjustHandles="1" noChangeArrowheads="1" noChangeShapeType="1" noTextEdit="1"/>
+          </p:cNvSpPr>
+          <p:nvPr>
+            <p:extLst>
+              <p:ext uri="{386F3935-93C4-4BCD-93E2-E3B085C9AB24}">
+                <p16:designElem xmlns:p16="http://schemas.microsoft.com/office/powerpoint/2015/main" val="1"/>
+              </p:ext>
+            </p:extLst>
+          </p:nvPr>
+        </p:nvSpPr>
+        <p:spPr>
+          <a:xfrm rot="5400000">
+            <a:off x="857544" y="346791"/>
+            <a:ext cx="146304" cy="704088"/>
+          </a:xfrm>
+          <a:prstGeom prst="rect">
+            <a:avLst/>
+          </a:prstGeom>
+          <a:solidFill>
+            <a:schemeClr val="accent1"/>
+          </a:solidFill>
+          <a:ln>
+            <a:noFill/>
+          </a:ln>
+        </p:spPr>
+        <p:style>
+          <a:lnRef idx="2">
+            <a:schemeClr val="accent1">
+              <a:shade val="50000"/>
+            </a:schemeClr>
+          </a:lnRef>
+          <a:fillRef idx="1">
+            <a:schemeClr val="accent1"/>
+          </a:fillRef>
+          <a:effectRef idx="0">
+            <a:schemeClr val="accent1"/>
+          </a:effectRef>
+          <a:fontRef idx="minor">
+            <a:schemeClr val="lt1"/>
+          </a:fontRef>
+        </p:style>
+        <p:txBody>
+          <a:bodyPr rtlCol="0" anchor="ctr"/>
+          <a:lstStyle/>
+          <a:p>
+            <a:pPr marL="0" marR="0" lvl="0" indent="0" algn="ctr" defTabSz="914400" rtl="0" eaLnBrk="1" fontAlgn="auto" latinLnBrk="0" hangingPunct="1">
+              <a:lnSpc>
+                <a:spcPct val="100000"/>
+              </a:lnSpc>
+              <a:spcBef>
+                <a:spcPts val="0"/>
+              </a:spcBef>
+              <a:spcAft>
+                <a:spcPts val="0"/>
+              </a:spcAft>
+              <a:buClrTx/>
+              <a:buSzTx/>
+              <a:buFontTx/>
+              <a:buNone/>
+              <a:tabLst/>
+              <a:defRPr/>
+            </a:pPr>
+            <a:endParaRPr kumimoji="0" lang="en-US" sz="1800" b="0" i="0" u="none" strike="noStrike" kern="1200" cap="none" spc="0" normalizeH="0" baseline="0" noProof="0">
+              <a:ln>
+                <a:noFill/>
+              </a:ln>
+              <a:solidFill>
+                <a:prstClr val="white"/>
+              </a:solidFill>
+              <a:effectLst/>
+              <a:uLnTx/>
+              <a:uFillTx/>
+              <a:latin typeface="Calibri" panose="020F0502020204030204"/>
+              <a:ea typeface="+mn-ea"/>
+              <a:cs typeface="+mn-cs"/>
+            </a:endParaRPr>
+          </a:p>
+        </p:txBody>
+      </p:sp>
+      <p:sp>
+        <p:nvSpPr>
+          <p:cNvPr id="9" name="Rectangle 8">
+            <a:extLst>
+              <a:ext uri="{FF2B5EF4-FFF2-40B4-BE49-F238E27FC236}">
+                <a16:creationId xmlns:a16="http://schemas.microsoft.com/office/drawing/2014/main" id="{79F3C543-62EC-4433-9C93-A2CD8764E9B4}"/>
+              </a:ext>
+              <a:ext uri="{C183D7F6-B498-43B3-948B-1728B52AA6E4}">
+                <adec:decorative xmlns:adec="http://schemas.microsoft.com/office/drawing/2017/decorative" val="1"/>
+              </a:ext>
+            </a:extLst>
+          </p:cNvPr>
+          <p:cNvSpPr>
+            <a:spLocks noGrp="1" noRot="1" noChangeAspect="1" noMove="1" noResize="1" noEditPoints="1" noAdjustHandles="1" noChangeArrowheads="1" noChangeShapeType="1" noTextEdit="1"/>
+          </p:cNvSpPr>
+          <p:nvPr>
+            <p:extLst>
+              <p:ext uri="{386F3935-93C4-4BCD-93E2-E3B085C9AB24}">
+                <p16:designElem xmlns:p16="http://schemas.microsoft.com/office/powerpoint/2015/main" val="1"/>
+              </p:ext>
+            </p:extLst>
+          </p:nvPr>
+        </p:nvSpPr>
+        <p:spPr>
+          <a:xfrm flipV="1">
+            <a:off x="578652" y="4501201"/>
+            <a:ext cx="11034696" cy="18288"/>
+          </a:xfrm>
+          <a:prstGeom prst="rect">
+            <a:avLst/>
+          </a:prstGeom>
+          <a:solidFill>
+            <a:schemeClr val="tx2">
+              <a:lumMod val="25000"/>
+              <a:lumOff val="75000"/>
+            </a:schemeClr>
+          </a:solidFill>
+          <a:ln w="3175">
+            <a:noFill/>
+          </a:ln>
+          <a:effectLst/>
+        </p:spPr>
+        <p:style>
+          <a:lnRef idx="2">
+            <a:schemeClr val="accent1">
+              <a:shade val="50000"/>
+            </a:schemeClr>
+          </a:lnRef>
+          <a:fillRef idx="1">
+            <a:schemeClr val="accent1"/>
+          </a:fillRef>
+          <a:effectRef idx="0">
+            <a:schemeClr val="accent1"/>
+          </a:effectRef>
+          <a:fontRef idx="minor">
+            <a:schemeClr val="lt1"/>
+          </a:fontRef>
+        </p:style>
+        <p:txBody>
+          <a:bodyPr rtlCol="0" anchor="ctr"/>
+          <a:lstStyle/>
+          <a:p>
+            <a:pPr marL="0" marR="0" lvl="0" indent="0" algn="ctr" defTabSz="914400" rtl="0" eaLnBrk="1" fontAlgn="auto" latinLnBrk="0" hangingPunct="1">
+              <a:lnSpc>
+                <a:spcPct val="100000"/>
+              </a:lnSpc>
+              <a:spcBef>
+                <a:spcPts val="0"/>
+              </a:spcBef>
+              <a:spcAft>
+                <a:spcPts val="0"/>
+              </a:spcAft>
+              <a:buClrTx/>
+              <a:buSzTx/>
+              <a:buFontTx/>
+              <a:buNone/>
+              <a:tabLst/>
+              <a:defRPr/>
+            </a:pPr>
+            <a:endParaRPr kumimoji="0" lang="en-US" sz="1800" b="0" i="0" u="none" strike="noStrike" kern="1200" cap="none" spc="0" normalizeH="0" baseline="0" noProof="0">
+              <a:ln>
+                <a:noFill/>
+              </a:ln>
+              <a:solidFill>
+                <a:prstClr val="white"/>
+              </a:solidFill>
+              <a:effectLst/>
+              <a:uLnTx/>
+              <a:uFillTx/>
+              <a:latin typeface="Calibri" panose="020F0502020204030204"/>
+              <a:ea typeface="+mn-ea"/>
+              <a:cs typeface="+mn-cs"/>
+            </a:endParaRPr>
+          </a:p>
+        </p:txBody>
+      </p:sp>
+      <p:sp useBgFill="1">
+        <p:nvSpPr>
+          <p:cNvPr id="11" name="Rectangle 10">
+            <a:extLst>
+              <a:ext uri="{FF2B5EF4-FFF2-40B4-BE49-F238E27FC236}">
+                <a16:creationId xmlns:a16="http://schemas.microsoft.com/office/drawing/2014/main" id="{5463EB0A-3D7C-4AA5-BFA5-8EE5B4BA5624}"/>
+              </a:ext>
+              <a:ext uri="{C183D7F6-B498-43B3-948B-1728B52AA6E4}">
+                <adec:decorative xmlns:adec="http://schemas.microsoft.com/office/drawing/2017/decorative" val="1"/>
+              </a:ext>
+            </a:extLst>
+          </p:cNvPr>
+          <p:cNvSpPr>
+            <a:spLocks noGrp="1" noRot="1" noChangeAspect="1" noMove="1" noResize="1" noEditPoints="1" noAdjustHandles="1" noChangeArrowheads="1" noChangeShapeType="1" noTextEdit="1"/>
+          </p:cNvSpPr>
+          <p:nvPr>
+            <p:extLst>
+              <p:ext uri="{386F3935-93C4-4BCD-93E2-E3B085C9AB24}">
+                <p16:designElem xmlns:p16="http://schemas.microsoft.com/office/powerpoint/2015/main" val="1"/>
+              </p:ext>
+            </p:extLst>
+          </p:nvPr>
+        </p:nvSpPr>
+        <p:spPr>
+          <a:xfrm>
+            <a:off x="0" y="0"/>
+            <a:ext cx="12192000" cy="6858000"/>
+          </a:xfrm>
+          <a:prstGeom prst="rect">
+            <a:avLst/>
+          </a:prstGeom>
+          <a:ln>
+            <a:noFill/>
+          </a:ln>
+        </p:spPr>
+        <p:style>
+          <a:lnRef idx="2">
+            <a:schemeClr val="accent1">
+              <a:shade val="50000"/>
+            </a:schemeClr>
+          </a:lnRef>
+          <a:fillRef idx="1">
+            <a:schemeClr val="accent1"/>
+          </a:fillRef>
+          <a:effectRef idx="0">
+            <a:schemeClr val="accent1"/>
+          </a:effectRef>
+          <a:fontRef idx="minor">
+            <a:schemeClr val="lt1"/>
+          </a:fontRef>
+        </p:style>
+        <p:txBody>
+          <a:bodyPr rtlCol="0" anchor="ctr"/>
+          <a:lstStyle/>
+          <a:p>
+            <a:pPr algn="ctr"/>
+            <a:endParaRPr lang="en-US"/>
+          </a:p>
+        </p:txBody>
+      </p:sp>
+      <p:sp>
+        <p:nvSpPr>
+          <p:cNvPr id="2" name="Título 1">
+            <a:extLst>
+              <a:ext uri="{FF2B5EF4-FFF2-40B4-BE49-F238E27FC236}">
+                <a16:creationId xmlns:a16="http://schemas.microsoft.com/office/drawing/2014/main" id="{858A5B13-618A-EF03-9485-30F513FCFCCB}"/>
+              </a:ext>
+            </a:extLst>
+          </p:cNvPr>
+          <p:cNvSpPr>
+            <a:spLocks noGrp="1"/>
+          </p:cNvSpPr>
+          <p:nvPr>
+            <p:ph type="title"/>
+          </p:nvPr>
+        </p:nvSpPr>
+        <p:spPr>
+          <a:xfrm>
+            <a:off x="578651" y="1122363"/>
+            <a:ext cx="11034695" cy="3174690"/>
+          </a:xfrm>
+        </p:spPr>
+        <p:txBody>
+          <a:bodyPr vert="horz" lIns="91440" tIns="45720" rIns="91440" bIns="45720" rtlCol="0" anchor="b">
+            <a:normAutofit/>
+          </a:bodyPr>
+          <a:lstStyle/>
+          <a:p>
+            <a:r>
+              <a:rPr lang="en-US" sz="8000" dirty="0" err="1"/>
+              <a:t>Alguns</a:t>
+            </a:r>
+            <a:r>
+              <a:rPr lang="en-US" sz="8000" dirty="0"/>
+              <a:t> </a:t>
+            </a:r>
+            <a:r>
+              <a:rPr lang="en-US" sz="8000" dirty="0" err="1"/>
+              <a:t>Tipos</a:t>
+            </a:r>
+            <a:r>
+              <a:rPr lang="en-US" sz="8000" dirty="0"/>
+              <a:t> de </a:t>
+            </a:r>
+            <a:r>
+              <a:rPr lang="en-US" sz="8000" dirty="0" err="1"/>
+              <a:t>Metadados</a:t>
+            </a:r>
+            <a:endParaRPr lang="en-US" sz="8000" dirty="0"/>
+          </a:p>
+        </p:txBody>
+      </p:sp>
+      <p:sp>
+        <p:nvSpPr>
+          <p:cNvPr id="13" name="Rectangle 12">
+            <a:extLst>
+              <a:ext uri="{FF2B5EF4-FFF2-40B4-BE49-F238E27FC236}">
+                <a16:creationId xmlns:a16="http://schemas.microsoft.com/office/drawing/2014/main" id="{7945AD00-F967-454D-A4B2-39ABA5C88C20}"/>
+              </a:ext>
+              <a:ext uri="{C183D7F6-B498-43B3-948B-1728B52AA6E4}">
+                <adec:decorative xmlns:adec="http://schemas.microsoft.com/office/drawing/2017/decorative" val="1"/>
+              </a:ext>
+            </a:extLst>
+          </p:cNvPr>
+          <p:cNvSpPr>
+            <a:spLocks noGrp="1" noRot="1" noChangeAspect="1" noMove="1" noResize="1" noEditPoints="1" noAdjustHandles="1" noChangeArrowheads="1" noChangeShapeType="1" noTextEdit="1"/>
+          </p:cNvSpPr>
+          <p:nvPr>
+            <p:extLst>
+              <p:ext uri="{386F3935-93C4-4BCD-93E2-E3B085C9AB24}">
+                <p16:designElem xmlns:p16="http://schemas.microsoft.com/office/powerpoint/2015/main" val="1"/>
+              </p:ext>
+            </p:extLst>
+          </p:nvPr>
+        </p:nvSpPr>
+        <p:spPr>
+          <a:xfrm rot="5400000">
+            <a:off x="857544" y="346791"/>
+            <a:ext cx="146304" cy="704088"/>
+          </a:xfrm>
+          <a:prstGeom prst="rect">
+            <a:avLst/>
+          </a:prstGeom>
+          <a:solidFill>
+            <a:schemeClr val="accent1"/>
+          </a:solidFill>
+          <a:ln>
+            <a:noFill/>
+          </a:ln>
+        </p:spPr>
+        <p:style>
+          <a:lnRef idx="2">
+            <a:schemeClr val="accent1">
+              <a:shade val="50000"/>
+            </a:schemeClr>
+          </a:lnRef>
+          <a:fillRef idx="1">
+            <a:schemeClr val="accent1"/>
+          </a:fillRef>
+          <a:effectRef idx="0">
+            <a:schemeClr val="accent1"/>
+          </a:effectRef>
+          <a:fontRef idx="minor">
+            <a:schemeClr val="lt1"/>
+          </a:fontRef>
+        </p:style>
+        <p:txBody>
+          <a:bodyPr rtlCol="0" anchor="ctr"/>
+          <a:lstStyle/>
+          <a:p>
+            <a:pPr marL="0" marR="0" lvl="0" indent="0" algn="ctr" defTabSz="914400" rtl="0" eaLnBrk="1" fontAlgn="auto" latinLnBrk="0" hangingPunct="1">
+              <a:lnSpc>
+                <a:spcPct val="100000"/>
+              </a:lnSpc>
+              <a:spcBef>
+                <a:spcPts val="0"/>
+              </a:spcBef>
+              <a:spcAft>
+                <a:spcPts val="0"/>
+              </a:spcAft>
+              <a:buClrTx/>
+              <a:buSzTx/>
+              <a:buFontTx/>
+              <a:buNone/>
+              <a:tabLst/>
+              <a:defRPr/>
+            </a:pPr>
+            <a:endParaRPr kumimoji="0" lang="en-US" sz="1800" b="0" i="0" u="none" strike="noStrike" kern="1200" cap="none" spc="0" normalizeH="0" baseline="0" noProof="0">
+              <a:ln>
+                <a:noFill/>
+              </a:ln>
+              <a:solidFill>
+                <a:prstClr val="white"/>
+              </a:solidFill>
+              <a:effectLst/>
+              <a:uLnTx/>
+              <a:uFillTx/>
+              <a:latin typeface="Calibri" panose="020F0502020204030204"/>
+              <a:ea typeface="+mn-ea"/>
+              <a:cs typeface="+mn-cs"/>
+            </a:endParaRPr>
+          </a:p>
+        </p:txBody>
+      </p:sp>
+      <p:sp>
+        <p:nvSpPr>
+          <p:cNvPr id="15" name="Rectangle 14">
+            <a:extLst>
+              <a:ext uri="{FF2B5EF4-FFF2-40B4-BE49-F238E27FC236}">
+                <a16:creationId xmlns:a16="http://schemas.microsoft.com/office/drawing/2014/main" id="{E9BC5B79-B912-427C-8219-E3E50943FCDE}"/>
+              </a:ext>
+              <a:ext uri="{C183D7F6-B498-43B3-948B-1728B52AA6E4}">
+                <adec:decorative xmlns:adec="http://schemas.microsoft.com/office/drawing/2017/decorative" val="1"/>
+              </a:ext>
+            </a:extLst>
+          </p:cNvPr>
+          <p:cNvSpPr>
+            <a:spLocks noGrp="1" noRot="1" noChangeAspect="1" noMove="1" noResize="1" noEditPoints="1" noAdjustHandles="1" noChangeArrowheads="1" noChangeShapeType="1" noTextEdit="1"/>
+          </p:cNvSpPr>
+          <p:nvPr>
+            <p:extLst>
+              <p:ext uri="{386F3935-93C4-4BCD-93E2-E3B085C9AB24}">
+                <p16:designElem xmlns:p16="http://schemas.microsoft.com/office/powerpoint/2015/main" val="1"/>
+              </p:ext>
+            </p:extLst>
+          </p:nvPr>
+        </p:nvSpPr>
+        <p:spPr>
+          <a:xfrm flipV="1">
+            <a:off x="578652" y="4501201"/>
+            <a:ext cx="11034696" cy="18288"/>
+          </a:xfrm>
+          <a:prstGeom prst="rect">
+            <a:avLst/>
+          </a:prstGeom>
+          <a:solidFill>
+            <a:schemeClr val="tx2">
+              <a:lumMod val="25000"/>
+              <a:lumOff val="75000"/>
+            </a:schemeClr>
+          </a:solidFill>
+          <a:ln w="3175">
+            <a:noFill/>
+          </a:ln>
+          <a:effectLst/>
+        </p:spPr>
+        <p:style>
+          <a:lnRef idx="2">
+            <a:schemeClr val="accent1">
+              <a:shade val="50000"/>
+            </a:schemeClr>
+          </a:lnRef>
+          <a:fillRef idx="1">
+            <a:schemeClr val="accent1"/>
+          </a:fillRef>
+          <a:effectRef idx="0">
+            <a:schemeClr val="accent1"/>
+          </a:effectRef>
+          <a:fontRef idx="minor">
+            <a:schemeClr val="lt1"/>
+          </a:fontRef>
+        </p:style>
+        <p:txBody>
+          <a:bodyPr rtlCol="0" anchor="ctr"/>
+          <a:lstStyle/>
+          <a:p>
+            <a:pPr marL="0" marR="0" lvl="0" indent="0" algn="ctr" defTabSz="914400" rtl="0" eaLnBrk="1" fontAlgn="auto" latinLnBrk="0" hangingPunct="1">
+              <a:lnSpc>
+                <a:spcPct val="100000"/>
+              </a:lnSpc>
+              <a:spcBef>
+                <a:spcPts val="0"/>
+              </a:spcBef>
+              <a:spcAft>
+                <a:spcPts val="0"/>
+              </a:spcAft>
+              <a:buClrTx/>
+              <a:buSzTx/>
+              <a:buFontTx/>
+              <a:buNone/>
+              <a:tabLst/>
+              <a:defRPr/>
+            </a:pPr>
+            <a:endParaRPr kumimoji="0" lang="en-US" sz="1800" b="0" i="0" u="none" strike="noStrike" kern="1200" cap="none" spc="0" normalizeH="0" baseline="0" noProof="0">
+              <a:ln>
+                <a:noFill/>
+              </a:ln>
+              <a:solidFill>
+                <a:prstClr val="white"/>
+              </a:solidFill>
+              <a:effectLst/>
+              <a:uLnTx/>
+              <a:uFillTx/>
+              <a:latin typeface="Calibri" panose="020F0502020204030204"/>
+              <a:ea typeface="+mn-ea"/>
+              <a:cs typeface="+mn-cs"/>
+            </a:endParaRPr>
+          </a:p>
+        </p:txBody>
+      </p:sp>
+    </p:spTree>
+    <p:extLst>
+      <p:ext uri="{BB962C8B-B14F-4D97-AF65-F5344CB8AC3E}">
+        <p14:creationId xmlns:p14="http://schemas.microsoft.com/office/powerpoint/2010/main" val="1837259393"/>
+      </p:ext>
+    </p:extLst>
+  </p:cSld>
+  <p:clrMapOvr>
+    <a:masterClrMapping/>
+  </p:clrMapOvr>
+  <p:timing>
+    <p:tnLst>
+      <p:par>
+        <p:cTn id="1" dur="indefinite" restart="never" nodeType="tmRoot">
+          <p:childTnLst>
+            <p:seq concurrent="1" nextAc="seek">
+              <p:cTn id="2" dur="indefinite" nodeType="mainSeq">
+                <p:childTnLst>
+                  <p:par>
+                    <p:cTn id="3" fill="hold">
+                      <p:stCondLst>
+                        <p:cond delay="indefinite"/>
+                        <p:cond evt="onBegin" delay="0">
+                          <p:tn val="2"/>
+                        </p:cond>
+                      </p:stCondLst>
+                      <p:childTnLst>
+                        <p:par>
+                          <p:cTn id="4" fill="hold">
+                            <p:stCondLst>
+                              <p:cond delay="0"/>
+                            </p:stCondLst>
+                            <p:childTnLst>
+                              <p:par>
+                                <p:cTn id="5" presetID="10" presetClass="entr" presetSubtype="0" fill="hold" grpId="0" nodeType="withEffect">
+                                  <p:stCondLst>
+                                    <p:cond delay="500"/>
+                                  </p:stCondLst>
+                                  <p:iterate type="lt">
+                                    <p:tmPct val="10000"/>
+                                  </p:iterate>
+                                  <p:childTnLst>
+                                    <p:set>
+                                      <p:cBhvr>
+                                        <p:cTn id="6" dur="1" fill="hold">
+                                          <p:stCondLst>
+                                            <p:cond delay="0"/>
+                                          </p:stCondLst>
+                                        </p:cTn>
+                                        <p:tgtEl>
+                                          <p:spTgt spid="2"/>
+                                        </p:tgtEl>
+                                        <p:attrNameLst>
+                                          <p:attrName>style.visibility</p:attrName>
+                                        </p:attrNameLst>
+                                      </p:cBhvr>
+                                      <p:to>
+                                        <p:strVal val="visible"/>
+                                      </p:to>
+                                    </p:set>
+                                    <p:animEffect transition="in" filter="fade">
+                                      <p:cBhvr>
+                                        <p:cTn id="7" dur="400"/>
+                                        <p:tgtEl>
+                                          <p:spTgt spid="2"/>
+                                        </p:tgtEl>
+                                      </p:cBhvr>
+                                    </p:animEffect>
+                                  </p:childTnLst>
+                                </p:cTn>
+                              </p:par>
+                            </p:childTnLst>
+                          </p:cTn>
+                        </p:par>
+                      </p:childTnLst>
+                    </p:cTn>
+                  </p:par>
+                </p:childTnLst>
+              </p:cTn>
+              <p:prevCondLst>
+                <p:cond evt="onPrev" delay="0">
+                  <p:tgtEl>
+                    <p:sldTgt/>
+                  </p:tgtEl>
+                </p:cond>
+              </p:prevCondLst>
+              <p:nextCondLst>
+                <p:cond evt="onNext" delay="0">
+                  <p:tgtEl>
+                    <p:sldTgt/>
+                  </p:tgtEl>
+                </p:cond>
+              </p:nextCondLst>
+            </p:seq>
+          </p:childTnLst>
+        </p:cTn>
+      </p:par>
+    </p:tnLst>
+    <p:bldLst>
+      <p:bldP spid="2" grpId="0"/>
+    </p:bldLst>
+  </p:timing>
+</p:sld>
+</file>
+
+<file path=ppt/slides/slide82.xml><?xml version="1.0" encoding="utf-8"?>
+<p:sld xmlns:a="http://schemas.openxmlformats.org/drawingml/2006/main" xmlns:r="http://schemas.openxmlformats.org/officeDocument/2006/relationships" xmlns:p="http://schemas.openxmlformats.org/presentationml/2006/main">
+  <p:cSld>
+    <p:spTree>
+      <p:nvGrpSpPr>
+        <p:cNvPr id="1" name=""/>
+        <p:cNvGrpSpPr/>
+        <p:nvPr/>
+      </p:nvGrpSpPr>
+      <p:grpSpPr>
+        <a:xfrm>
+          <a:off x="0" y="0"/>
+          <a:ext cx="0" cy="0"/>
+          <a:chOff x="0" y="0"/>
+          <a:chExt cx="0" cy="0"/>
+        </a:xfrm>
+      </p:grpSpPr>
+      <p:sp>
+        <p:nvSpPr>
+          <p:cNvPr id="2" name="Título 1">
+            <a:extLst>
+              <a:ext uri="{FF2B5EF4-FFF2-40B4-BE49-F238E27FC236}">
+                <a16:creationId xmlns:a16="http://schemas.microsoft.com/office/drawing/2014/main" id="{5150BF51-C46C-0ACC-3B5F-C09F9877827C}"/>
+              </a:ext>
+            </a:extLst>
+          </p:cNvPr>
+          <p:cNvSpPr>
+            <a:spLocks noGrp="1"/>
+          </p:cNvSpPr>
+          <p:nvPr>
+            <p:ph type="title"/>
+          </p:nvPr>
+        </p:nvSpPr>
+        <p:spPr/>
+        <p:txBody>
+          <a:bodyPr/>
+          <a:lstStyle/>
+          <a:p>
+            <a:r>
+              <a:rPr lang="pt-BR" dirty="0"/>
+              <a:t>Codificação</a:t>
+            </a:r>
+          </a:p>
+        </p:txBody>
+      </p:sp>
+      <p:pic>
+        <p:nvPicPr>
+          <p:cNvPr id="5" name="Espaço Reservado para Conteúdo 4">
+            <a:extLst>
+              <a:ext uri="{FF2B5EF4-FFF2-40B4-BE49-F238E27FC236}">
+                <a16:creationId xmlns:a16="http://schemas.microsoft.com/office/drawing/2014/main" id="{23F03FDC-D462-474B-9AC0-9D86FC0D4DEE}"/>
+              </a:ext>
+            </a:extLst>
+          </p:cNvPr>
+          <p:cNvPicPr>
+            <a:picLocks noGrp="1" noChangeAspect="1"/>
+          </p:cNvPicPr>
+          <p:nvPr>
+            <p:ph idx="1"/>
+          </p:nvPr>
+        </p:nvPicPr>
+        <p:blipFill>
+          <a:blip r:embed="rId2"/>
+          <a:stretch>
+            <a:fillRect/>
+          </a:stretch>
+        </p:blipFill>
+        <p:spPr>
+          <a:xfrm>
+            <a:off x="2955660" y="3209026"/>
+            <a:ext cx="6280680" cy="2273548"/>
+          </a:xfrm>
+        </p:spPr>
+      </p:pic>
+    </p:spTree>
+    <p:extLst>
+      <p:ext uri="{BB962C8B-B14F-4D97-AF65-F5344CB8AC3E}">
+        <p14:creationId xmlns:p14="http://schemas.microsoft.com/office/powerpoint/2010/main" val="2669291178"/>
+      </p:ext>
+    </p:extLst>
+  </p:cSld>
+  <p:clrMapOvr>
+    <a:masterClrMapping/>
+  </p:clrMapOvr>
+</p:sld>
+</file>
+
+<file path=ppt/slides/slide83.xml><?xml version="1.0" encoding="utf-8"?>
+<p:sld xmlns:a="http://schemas.openxmlformats.org/drawingml/2006/main" xmlns:r="http://schemas.openxmlformats.org/officeDocument/2006/relationships" xmlns:p="http://schemas.openxmlformats.org/presentationml/2006/main">
+  <p:cSld>
+    <p:spTree>
+      <p:nvGrpSpPr>
+        <p:cNvPr id="1" name=""/>
+        <p:cNvGrpSpPr/>
+        <p:nvPr/>
+      </p:nvGrpSpPr>
+      <p:grpSpPr>
+        <a:xfrm>
+          <a:off x="0" y="0"/>
+          <a:ext cx="0" cy="0"/>
+          <a:chOff x="0" y="0"/>
+          <a:chExt cx="0" cy="0"/>
+        </a:xfrm>
+      </p:grpSpPr>
+      <p:sp>
+        <p:nvSpPr>
+          <p:cNvPr id="2" name="Título 1">
+            <a:extLst>
+              <a:ext uri="{FF2B5EF4-FFF2-40B4-BE49-F238E27FC236}">
+                <a16:creationId xmlns:a16="http://schemas.microsoft.com/office/drawing/2014/main" id="{574EE4AF-FA8E-4779-DD1E-AC9608304894}"/>
+              </a:ext>
+            </a:extLst>
+          </p:cNvPr>
+          <p:cNvSpPr>
+            <a:spLocks noGrp="1"/>
+          </p:cNvSpPr>
+          <p:nvPr>
+            <p:ph type="title"/>
+          </p:nvPr>
+        </p:nvSpPr>
+        <p:spPr/>
+        <p:txBody>
+          <a:bodyPr/>
+          <a:lstStyle/>
+          <a:p>
+            <a:r>
+              <a:rPr lang="pt-BR" dirty="0"/>
+              <a:t>Responsividade</a:t>
+            </a:r>
+          </a:p>
+        </p:txBody>
+      </p:sp>
+      <p:pic>
+        <p:nvPicPr>
+          <p:cNvPr id="5" name="Espaço Reservado para Conteúdo 4">
+            <a:extLst>
+              <a:ext uri="{FF2B5EF4-FFF2-40B4-BE49-F238E27FC236}">
+                <a16:creationId xmlns:a16="http://schemas.microsoft.com/office/drawing/2014/main" id="{EF8B9B0D-C317-5380-D48E-3091593EFB70}"/>
+              </a:ext>
+            </a:extLst>
+          </p:cNvPr>
+          <p:cNvPicPr>
+            <a:picLocks noGrp="1" noChangeAspect="1"/>
+          </p:cNvPicPr>
+          <p:nvPr>
+            <p:ph idx="1"/>
+          </p:nvPr>
+        </p:nvPicPr>
+        <p:blipFill>
+          <a:blip r:embed="rId2"/>
+          <a:stretch>
+            <a:fillRect/>
+          </a:stretch>
+        </p:blipFill>
+        <p:spPr>
+          <a:xfrm>
+            <a:off x="219144" y="3429000"/>
+            <a:ext cx="11753712" cy="1402543"/>
+          </a:xfrm>
+        </p:spPr>
+      </p:pic>
+    </p:spTree>
+    <p:extLst>
+      <p:ext uri="{BB962C8B-B14F-4D97-AF65-F5344CB8AC3E}">
+        <p14:creationId xmlns:p14="http://schemas.microsoft.com/office/powerpoint/2010/main" val="3689429441"/>
+      </p:ext>
+    </p:extLst>
+  </p:cSld>
+  <p:clrMapOvr>
+    <a:masterClrMapping/>
+  </p:clrMapOvr>
+</p:sld>
+</file>
+
+<file path=ppt/slides/slide84.xml><?xml version="1.0" encoding="utf-8"?>
+<p:sld xmlns:a="http://schemas.openxmlformats.org/drawingml/2006/main" xmlns:r="http://schemas.openxmlformats.org/officeDocument/2006/relationships" xmlns:p="http://schemas.openxmlformats.org/presentationml/2006/main">
+  <p:cSld>
+    <p:spTree>
+      <p:nvGrpSpPr>
+        <p:cNvPr id="1" name=""/>
+        <p:cNvGrpSpPr/>
+        <p:nvPr/>
+      </p:nvGrpSpPr>
+      <p:grpSpPr>
+        <a:xfrm>
+          <a:off x="0" y="0"/>
+          <a:ext cx="0" cy="0"/>
+          <a:chOff x="0" y="0"/>
+          <a:chExt cx="0" cy="0"/>
+        </a:xfrm>
+      </p:grpSpPr>
+      <p:sp>
+        <p:nvSpPr>
+          <p:cNvPr id="2" name="Título 1">
+            <a:extLst>
+              <a:ext uri="{FF2B5EF4-FFF2-40B4-BE49-F238E27FC236}">
+                <a16:creationId xmlns:a16="http://schemas.microsoft.com/office/drawing/2014/main" id="{2EA035BF-A044-C9C1-441D-3AE761F7781E}"/>
+              </a:ext>
+            </a:extLst>
+          </p:cNvPr>
+          <p:cNvSpPr>
+            <a:spLocks noGrp="1"/>
+          </p:cNvSpPr>
+          <p:nvPr>
+            <p:ph type="title"/>
+          </p:nvPr>
+        </p:nvSpPr>
+        <p:spPr/>
+        <p:txBody>
+          <a:bodyPr/>
+          <a:lstStyle/>
+          <a:p>
+            <a:r>
+              <a:rPr lang="pt-BR" dirty="0"/>
+              <a:t>Descrição de Mecanismos de Busca</a:t>
+            </a:r>
+          </a:p>
+        </p:txBody>
+      </p:sp>
+      <p:pic>
+        <p:nvPicPr>
+          <p:cNvPr id="5" name="Espaço Reservado para Conteúdo 4">
+            <a:extLst>
+              <a:ext uri="{FF2B5EF4-FFF2-40B4-BE49-F238E27FC236}">
+                <a16:creationId xmlns:a16="http://schemas.microsoft.com/office/drawing/2014/main" id="{97400C41-4689-DAC7-F88D-65340FD0B4E6}"/>
+              </a:ext>
+            </a:extLst>
+          </p:cNvPr>
+          <p:cNvPicPr>
+            <a:picLocks noGrp="1" noChangeAspect="1"/>
+          </p:cNvPicPr>
+          <p:nvPr>
+            <p:ph idx="1"/>
+          </p:nvPr>
+        </p:nvPicPr>
+        <p:blipFill>
+          <a:blip r:embed="rId2"/>
+          <a:stretch>
+            <a:fillRect/>
+          </a:stretch>
+        </p:blipFill>
+        <p:spPr>
+          <a:xfrm>
+            <a:off x="962662" y="3429000"/>
+            <a:ext cx="10266675" cy="1179576"/>
+          </a:xfrm>
+        </p:spPr>
+      </p:pic>
+    </p:spTree>
+    <p:extLst>
+      <p:ext uri="{BB962C8B-B14F-4D97-AF65-F5344CB8AC3E}">
+        <p14:creationId xmlns:p14="http://schemas.microsoft.com/office/powerpoint/2010/main" val="637561382"/>
+      </p:ext>
+    </p:extLst>
+  </p:cSld>
+  <p:clrMapOvr>
+    <a:masterClrMapping/>
+  </p:clrMapOvr>
+</p:sld>
+</file>
+
+<file path=ppt/slides/slide85.xml><?xml version="1.0" encoding="utf-8"?>
+<p:sld xmlns:a="http://schemas.openxmlformats.org/drawingml/2006/main" xmlns:r="http://schemas.openxmlformats.org/officeDocument/2006/relationships" xmlns:p="http://schemas.openxmlformats.org/presentationml/2006/main">
+  <p:cSld>
+    <p:spTree>
+      <p:nvGrpSpPr>
+        <p:cNvPr id="1" name=""/>
+        <p:cNvGrpSpPr/>
+        <p:nvPr/>
+      </p:nvGrpSpPr>
+      <p:grpSpPr>
+        <a:xfrm>
+          <a:off x="0" y="0"/>
+          <a:ext cx="0" cy="0"/>
+          <a:chOff x="0" y="0"/>
+          <a:chExt cx="0" cy="0"/>
+        </a:xfrm>
+      </p:grpSpPr>
+      <p:sp>
+        <p:nvSpPr>
+          <p:cNvPr id="2" name="Título 1">
+            <a:extLst>
+              <a:ext uri="{FF2B5EF4-FFF2-40B4-BE49-F238E27FC236}">
+                <a16:creationId xmlns:a16="http://schemas.microsoft.com/office/drawing/2014/main" id="{B2C8F42D-4264-4A47-BF2B-E3229DDA934B}"/>
+              </a:ext>
+            </a:extLst>
+          </p:cNvPr>
+          <p:cNvSpPr>
+            <a:spLocks noGrp="1"/>
+          </p:cNvSpPr>
+          <p:nvPr>
+            <p:ph type="title"/>
+          </p:nvPr>
+        </p:nvSpPr>
+        <p:spPr/>
+        <p:txBody>
+          <a:bodyPr/>
+          <a:lstStyle/>
+          <a:p>
+            <a:r>
+              <a:rPr lang="pt-BR" dirty="0"/>
+              <a:t>Palavras-Chave</a:t>
+            </a:r>
+          </a:p>
+        </p:txBody>
+      </p:sp>
+      <p:pic>
+        <p:nvPicPr>
+          <p:cNvPr id="5" name="Espaço Reservado para Conteúdo 4">
+            <a:extLst>
+              <a:ext uri="{FF2B5EF4-FFF2-40B4-BE49-F238E27FC236}">
+                <a16:creationId xmlns:a16="http://schemas.microsoft.com/office/drawing/2014/main" id="{2AC65CD6-F411-E5B8-2132-4EFBDA563453}"/>
+              </a:ext>
+            </a:extLst>
+          </p:cNvPr>
+          <p:cNvPicPr>
+            <a:picLocks noGrp="1" noChangeAspect="1"/>
+          </p:cNvPicPr>
+          <p:nvPr>
+            <p:ph idx="1"/>
+          </p:nvPr>
+        </p:nvPicPr>
+        <p:blipFill>
+          <a:blip r:embed="rId2"/>
+          <a:stretch>
+            <a:fillRect/>
+          </a:stretch>
+        </p:blipFill>
+        <p:spPr>
+          <a:xfrm>
+            <a:off x="1065990" y="3140015"/>
+            <a:ext cx="10060020" cy="1663772"/>
+          </a:xfrm>
+        </p:spPr>
+      </p:pic>
+    </p:spTree>
+    <p:extLst>
+      <p:ext uri="{BB962C8B-B14F-4D97-AF65-F5344CB8AC3E}">
+        <p14:creationId xmlns:p14="http://schemas.microsoft.com/office/powerpoint/2010/main" val="2815268401"/>
+      </p:ext>
+    </p:extLst>
+  </p:cSld>
+  <p:clrMapOvr>
+    <a:masterClrMapping/>
+  </p:clrMapOvr>
+</p:sld>
+</file>
+
+<file path=ppt/slides/slide86.xml><?xml version="1.0" encoding="utf-8"?>
+<p:sld xmlns:a="http://schemas.openxmlformats.org/drawingml/2006/main" xmlns:r="http://schemas.openxmlformats.org/officeDocument/2006/relationships" xmlns:p="http://schemas.openxmlformats.org/presentationml/2006/main">
+  <p:cSld>
+    <p:spTree>
+      <p:nvGrpSpPr>
+        <p:cNvPr id="1" name=""/>
+        <p:cNvGrpSpPr/>
+        <p:nvPr/>
+      </p:nvGrpSpPr>
+      <p:grpSpPr>
+        <a:xfrm>
+          <a:off x="0" y="0"/>
+          <a:ext cx="0" cy="0"/>
+          <a:chOff x="0" y="0"/>
+          <a:chExt cx="0" cy="0"/>
+        </a:xfrm>
+      </p:grpSpPr>
+      <p:sp>
+        <p:nvSpPr>
+          <p:cNvPr id="2" name="Título 1">
+            <a:extLst>
+              <a:ext uri="{FF2B5EF4-FFF2-40B4-BE49-F238E27FC236}">
+                <a16:creationId xmlns:a16="http://schemas.microsoft.com/office/drawing/2014/main" id="{24C3427C-945C-CC43-5D57-84A360299154}"/>
+              </a:ext>
+            </a:extLst>
+          </p:cNvPr>
+          <p:cNvSpPr>
+            <a:spLocks noGrp="1"/>
+          </p:cNvSpPr>
+          <p:nvPr>
+            <p:ph type="title"/>
+          </p:nvPr>
+        </p:nvSpPr>
+        <p:spPr/>
+        <p:txBody>
+          <a:bodyPr/>
+          <a:lstStyle/>
+          <a:p>
+            <a:r>
+              <a:rPr lang="pt-BR" dirty="0"/>
+              <a:t>Configurar Compatibilidade</a:t>
+            </a:r>
+          </a:p>
+        </p:txBody>
+      </p:sp>
+      <p:pic>
+        <p:nvPicPr>
+          <p:cNvPr id="5" name="Espaço Reservado para Conteúdo 4">
+            <a:extLst>
+              <a:ext uri="{FF2B5EF4-FFF2-40B4-BE49-F238E27FC236}">
+                <a16:creationId xmlns:a16="http://schemas.microsoft.com/office/drawing/2014/main" id="{2DAFB171-0409-1D47-1CC6-A6F616902546}"/>
+              </a:ext>
+            </a:extLst>
+          </p:cNvPr>
+          <p:cNvPicPr>
+            <a:picLocks noGrp="1" noChangeAspect="1"/>
+          </p:cNvPicPr>
+          <p:nvPr>
+            <p:ph idx="1"/>
+          </p:nvPr>
+        </p:nvPicPr>
+        <p:blipFill>
+          <a:blip r:embed="rId2"/>
+          <a:stretch>
+            <a:fillRect/>
+          </a:stretch>
+        </p:blipFill>
+        <p:spPr>
+          <a:xfrm>
+            <a:off x="1417491" y="3429000"/>
+            <a:ext cx="9357017" cy="1542366"/>
+          </a:xfrm>
+        </p:spPr>
+      </p:pic>
+    </p:spTree>
+    <p:extLst>
+      <p:ext uri="{BB962C8B-B14F-4D97-AF65-F5344CB8AC3E}">
+        <p14:creationId xmlns:p14="http://schemas.microsoft.com/office/powerpoint/2010/main" val="478748196"/>
+      </p:ext>
+    </p:extLst>
+  </p:cSld>
+  <p:clrMapOvr>
+    <a:masterClrMapping/>
+  </p:clrMapOvr>
+</p:sld>
+</file>
+
+<file path=ppt/slides/slide87.xml><?xml version="1.0" encoding="utf-8"?>
+<p:sld xmlns:a="http://schemas.openxmlformats.org/drawingml/2006/main" xmlns:r="http://schemas.openxmlformats.org/officeDocument/2006/relationships" xmlns:p="http://schemas.openxmlformats.org/presentationml/2006/main">
+  <p:cSld>
+    <p:spTree>
+      <p:nvGrpSpPr>
+        <p:cNvPr id="1" name=""/>
+        <p:cNvGrpSpPr/>
+        <p:nvPr/>
+      </p:nvGrpSpPr>
+      <p:grpSpPr>
+        <a:xfrm>
+          <a:off x="0" y="0"/>
+          <a:ext cx="0" cy="0"/>
+          <a:chOff x="0" y="0"/>
+          <a:chExt cx="0" cy="0"/>
+        </a:xfrm>
+      </p:grpSpPr>
+      <p:sp>
+        <p:nvSpPr>
+          <p:cNvPr id="2" name="Título 1">
+            <a:extLst>
+              <a:ext uri="{FF2B5EF4-FFF2-40B4-BE49-F238E27FC236}">
+                <a16:creationId xmlns:a16="http://schemas.microsoft.com/office/drawing/2014/main" id="{5A8E5FFE-D6BB-B4B6-AACD-300E98BE124F}"/>
+              </a:ext>
+            </a:extLst>
+          </p:cNvPr>
+          <p:cNvSpPr>
+            <a:spLocks noGrp="1"/>
+          </p:cNvSpPr>
+          <p:nvPr>
+            <p:ph type="title"/>
+          </p:nvPr>
+        </p:nvSpPr>
+        <p:spPr/>
+        <p:txBody>
+          <a:bodyPr/>
+          <a:lstStyle/>
+          <a:p>
+            <a:r>
+              <a:rPr lang="pt-BR" dirty="0"/>
+              <a:t>Redirecionamento</a:t>
+            </a:r>
+          </a:p>
+        </p:txBody>
+      </p:sp>
+      <p:pic>
+        <p:nvPicPr>
+          <p:cNvPr id="5" name="Espaço Reservado para Conteúdo 4">
+            <a:extLst>
+              <a:ext uri="{FF2B5EF4-FFF2-40B4-BE49-F238E27FC236}">
+                <a16:creationId xmlns:a16="http://schemas.microsoft.com/office/drawing/2014/main" id="{72310E28-6CBA-A196-2A1F-D2A01066D16A}"/>
+              </a:ext>
+            </a:extLst>
+          </p:cNvPr>
+          <p:cNvPicPr>
+            <a:picLocks noGrp="1" noChangeAspect="1"/>
+          </p:cNvPicPr>
+          <p:nvPr>
+            <p:ph idx="1"/>
+          </p:nvPr>
+        </p:nvPicPr>
+        <p:blipFill>
+          <a:blip r:embed="rId2"/>
+          <a:stretch>
+            <a:fillRect/>
+          </a:stretch>
+        </p:blipFill>
+        <p:spPr>
+          <a:xfrm>
+            <a:off x="806984" y="3140016"/>
+            <a:ext cx="10578032" cy="1519186"/>
+          </a:xfrm>
+        </p:spPr>
+      </p:pic>
+    </p:spTree>
+    <p:extLst>
+      <p:ext uri="{BB962C8B-B14F-4D97-AF65-F5344CB8AC3E}">
+        <p14:creationId xmlns:p14="http://schemas.microsoft.com/office/powerpoint/2010/main" val="3793813595"/>
+      </p:ext>
+    </p:extLst>
+  </p:cSld>
+  <p:clrMapOvr>
+    <a:masterClrMapping/>
+  </p:clrMapOvr>
+</p:sld>
+</file>
+
+<file path=ppt/slides/slide88.xml><?xml version="1.0" encoding="utf-8"?>
+<p:sld xmlns:a="http://schemas.openxmlformats.org/drawingml/2006/main" xmlns:r="http://schemas.openxmlformats.org/officeDocument/2006/relationships" xmlns:p="http://schemas.openxmlformats.org/presentationml/2006/main">
+  <p:cSld>
+    <p:spTree>
+      <p:nvGrpSpPr>
+        <p:cNvPr id="1" name=""/>
+        <p:cNvGrpSpPr/>
+        <p:nvPr/>
+      </p:nvGrpSpPr>
+      <p:grpSpPr>
+        <a:xfrm>
+          <a:off x="0" y="0"/>
+          <a:ext cx="0" cy="0"/>
+          <a:chOff x="0" y="0"/>
+          <a:chExt cx="0" cy="0"/>
+        </a:xfrm>
+      </p:grpSpPr>
+      <p:sp>
+        <p:nvSpPr>
+          <p:cNvPr id="2" name="Título 1">
+            <a:extLst>
+              <a:ext uri="{FF2B5EF4-FFF2-40B4-BE49-F238E27FC236}">
+                <a16:creationId xmlns:a16="http://schemas.microsoft.com/office/drawing/2014/main" id="{797896E9-EF15-5966-6EEC-9106BE1A09C4}"/>
+              </a:ext>
+            </a:extLst>
+          </p:cNvPr>
+          <p:cNvSpPr>
+            <a:spLocks noGrp="1"/>
+          </p:cNvSpPr>
+          <p:nvPr>
+            <p:ph type="title"/>
+          </p:nvPr>
+        </p:nvSpPr>
+        <p:spPr/>
+        <p:txBody>
+          <a:bodyPr/>
+          <a:lstStyle/>
+          <a:p>
+            <a:r>
+              <a:rPr lang="pt-BR" dirty="0"/>
+              <a:t>Definir Informações Para Redes Sociais</a:t>
+            </a:r>
+          </a:p>
+        </p:txBody>
+      </p:sp>
+      <p:pic>
+        <p:nvPicPr>
+          <p:cNvPr id="5" name="Espaço Reservado para Conteúdo 4">
+            <a:extLst>
+              <a:ext uri="{FF2B5EF4-FFF2-40B4-BE49-F238E27FC236}">
+                <a16:creationId xmlns:a16="http://schemas.microsoft.com/office/drawing/2014/main" id="{63C9CC64-0E28-944C-B1D6-DC7D86077E51}"/>
+              </a:ext>
+            </a:extLst>
+          </p:cNvPr>
+          <p:cNvPicPr>
+            <a:picLocks noGrp="1" noChangeAspect="1"/>
+          </p:cNvPicPr>
+          <p:nvPr>
+            <p:ph idx="1"/>
+          </p:nvPr>
+        </p:nvPicPr>
+        <p:blipFill>
+          <a:blip r:embed="rId2"/>
+          <a:stretch>
+            <a:fillRect/>
+          </a:stretch>
+        </p:blipFill>
+        <p:spPr>
+          <a:xfrm>
+            <a:off x="1494998" y="3226280"/>
+            <a:ext cx="9202004" cy="1712676"/>
+          </a:xfrm>
+        </p:spPr>
+      </p:pic>
+    </p:spTree>
+    <p:extLst>
+      <p:ext uri="{BB962C8B-B14F-4D97-AF65-F5344CB8AC3E}">
+        <p14:creationId xmlns:p14="http://schemas.microsoft.com/office/powerpoint/2010/main" val="3516165678"/>
+      </p:ext>
+    </p:extLst>
+  </p:cSld>
+  <p:clrMapOvr>
+    <a:masterClrMapping/>
+  </p:clrMapOvr>
+</p:sld>
+</file>
+
+<file path=ppt/slides/slide89.xml><?xml version="1.0" encoding="utf-8"?>
+<p:sld xmlns:a="http://schemas.openxmlformats.org/drawingml/2006/main" xmlns:r="http://schemas.openxmlformats.org/officeDocument/2006/relationships" xmlns:p="http://schemas.openxmlformats.org/presentationml/2006/main">
+  <p:cSld>
+    <p:spTree>
+      <p:nvGrpSpPr>
+        <p:cNvPr id="1" name=""/>
+        <p:cNvGrpSpPr/>
+        <p:nvPr/>
+      </p:nvGrpSpPr>
+      <p:grpSpPr>
+        <a:xfrm>
+          <a:off x="0" y="0"/>
+          <a:ext cx="0" cy="0"/>
+          <a:chOff x="0" y="0"/>
+          <a:chExt cx="0" cy="0"/>
+        </a:xfrm>
+      </p:grpSpPr>
+      <p:sp>
+        <p:nvSpPr>
+          <p:cNvPr id="2" name="Título 1">
+            <a:extLst>
+              <a:ext uri="{FF2B5EF4-FFF2-40B4-BE49-F238E27FC236}">
+                <a16:creationId xmlns:a16="http://schemas.microsoft.com/office/drawing/2014/main" id="{CC0A39A4-5FDD-E2C7-ABDE-75393F0FCC3D}"/>
+              </a:ext>
+            </a:extLst>
+          </p:cNvPr>
+          <p:cNvSpPr>
+            <a:spLocks noGrp="1"/>
+          </p:cNvSpPr>
+          <p:nvPr>
+            <p:ph type="title"/>
+          </p:nvPr>
+        </p:nvSpPr>
+        <p:spPr/>
+        <p:txBody>
+          <a:bodyPr/>
+          <a:lstStyle/>
+          <a:p>
+            <a:r>
+              <a:rPr lang="pt-BR" dirty="0"/>
+              <a:t>Impedir Indexação</a:t>
+            </a:r>
+          </a:p>
+        </p:txBody>
+      </p:sp>
+      <p:pic>
+        <p:nvPicPr>
+          <p:cNvPr id="5" name="Espaço Reservado para Conteúdo 4">
+            <a:extLst>
+              <a:ext uri="{FF2B5EF4-FFF2-40B4-BE49-F238E27FC236}">
+                <a16:creationId xmlns:a16="http://schemas.microsoft.com/office/drawing/2014/main" id="{3556DD6D-A678-2E3F-18EA-159300ED9305}"/>
+              </a:ext>
+            </a:extLst>
+          </p:cNvPr>
+          <p:cNvPicPr>
+            <a:picLocks noGrp="1" noChangeAspect="1"/>
+          </p:cNvPicPr>
+          <p:nvPr>
+            <p:ph idx="1"/>
+          </p:nvPr>
+        </p:nvPicPr>
+        <p:blipFill>
+          <a:blip r:embed="rId2"/>
+          <a:stretch>
+            <a:fillRect/>
+          </a:stretch>
+        </p:blipFill>
+        <p:spPr>
+          <a:xfrm>
+            <a:off x="848901" y="3250385"/>
+            <a:ext cx="10494197" cy="2103908"/>
+          </a:xfrm>
+        </p:spPr>
+      </p:pic>
+    </p:spTree>
+    <p:extLst>
+      <p:ext uri="{BB962C8B-B14F-4D97-AF65-F5344CB8AC3E}">
+        <p14:creationId xmlns:p14="http://schemas.microsoft.com/office/powerpoint/2010/main" val="2265869788"/>
       </p:ext>
     </p:extLst>
   </p:cSld>
@@ -23206,6 +26457,1153 @@
     <p:extLst>
       <p:ext uri="{BB962C8B-B14F-4D97-AF65-F5344CB8AC3E}">
         <p14:creationId xmlns:p14="http://schemas.microsoft.com/office/powerpoint/2010/main" val="3458746519"/>
+      </p:ext>
+    </p:extLst>
+  </p:cSld>
+  <p:clrMapOvr>
+    <a:masterClrMapping/>
+  </p:clrMapOvr>
+</p:sld>
+</file>
+
+<file path=ppt/slides/slide90.xml><?xml version="1.0" encoding="utf-8"?>
+<p:sld xmlns:a="http://schemas.openxmlformats.org/drawingml/2006/main" xmlns:r="http://schemas.openxmlformats.org/officeDocument/2006/relationships" xmlns:p="http://schemas.openxmlformats.org/presentationml/2006/main">
+  <p:cSld>
+    <p:spTree>
+      <p:nvGrpSpPr>
+        <p:cNvPr id="1" name=""/>
+        <p:cNvGrpSpPr/>
+        <p:nvPr/>
+      </p:nvGrpSpPr>
+      <p:grpSpPr>
+        <a:xfrm>
+          <a:off x="0" y="0"/>
+          <a:ext cx="0" cy="0"/>
+          <a:chOff x="0" y="0"/>
+          <a:chExt cx="0" cy="0"/>
+        </a:xfrm>
+      </p:grpSpPr>
+      <p:sp>
+        <p:nvSpPr>
+          <p:cNvPr id="2" name="Título 1">
+            <a:extLst>
+              <a:ext uri="{FF2B5EF4-FFF2-40B4-BE49-F238E27FC236}">
+                <a16:creationId xmlns:a16="http://schemas.microsoft.com/office/drawing/2014/main" id="{2C377ADA-081C-5186-7B63-89C875604F3F}"/>
+              </a:ext>
+            </a:extLst>
+          </p:cNvPr>
+          <p:cNvSpPr>
+            <a:spLocks noGrp="1"/>
+          </p:cNvSpPr>
+          <p:nvPr>
+            <p:ph type="title"/>
+          </p:nvPr>
+        </p:nvSpPr>
+        <p:spPr/>
+        <p:txBody>
+          <a:bodyPr/>
+          <a:lstStyle/>
+          <a:p>
+            <a:r>
+              <a:rPr lang="pt-BR" dirty="0"/>
+              <a:t>Impedir Potenciais Ataques</a:t>
+            </a:r>
+          </a:p>
+        </p:txBody>
+      </p:sp>
+      <p:pic>
+        <p:nvPicPr>
+          <p:cNvPr id="5" name="Espaço Reservado para Conteúdo 4">
+            <a:extLst>
+              <a:ext uri="{FF2B5EF4-FFF2-40B4-BE49-F238E27FC236}">
+                <a16:creationId xmlns:a16="http://schemas.microsoft.com/office/drawing/2014/main" id="{89025A26-1E8D-8889-EE8A-5C3742649318}"/>
+              </a:ext>
+            </a:extLst>
+          </p:cNvPr>
+          <p:cNvPicPr>
+            <a:picLocks noGrp="1" noChangeAspect="1"/>
+          </p:cNvPicPr>
+          <p:nvPr>
+            <p:ph idx="1"/>
+          </p:nvPr>
+        </p:nvPicPr>
+        <p:blipFill>
+          <a:blip r:embed="rId2"/>
+          <a:stretch>
+            <a:fillRect/>
+          </a:stretch>
+        </p:blipFill>
+        <p:spPr>
+          <a:xfrm>
+            <a:off x="1216813" y="3429000"/>
+            <a:ext cx="9758373" cy="1439485"/>
+          </a:xfrm>
+        </p:spPr>
+      </p:pic>
+    </p:spTree>
+    <p:extLst>
+      <p:ext uri="{BB962C8B-B14F-4D97-AF65-F5344CB8AC3E}">
+        <p14:creationId xmlns:p14="http://schemas.microsoft.com/office/powerpoint/2010/main" val="2463789527"/>
+      </p:ext>
+    </p:extLst>
+  </p:cSld>
+  <p:clrMapOvr>
+    <a:masterClrMapping/>
+  </p:clrMapOvr>
+</p:sld>
+</file>
+
+<file path=ppt/slides/slide91.xml><?xml version="1.0" encoding="utf-8"?>
+<p:sld xmlns:a="http://schemas.openxmlformats.org/drawingml/2006/main" xmlns:r="http://schemas.openxmlformats.org/officeDocument/2006/relationships" xmlns:p="http://schemas.openxmlformats.org/presentationml/2006/main">
+  <p:cSld>
+    <p:spTree>
+      <p:nvGrpSpPr>
+        <p:cNvPr id="1" name=""/>
+        <p:cNvGrpSpPr/>
+        <p:nvPr/>
+      </p:nvGrpSpPr>
+      <p:grpSpPr>
+        <a:xfrm>
+          <a:off x="0" y="0"/>
+          <a:ext cx="0" cy="0"/>
+          <a:chOff x="0" y="0"/>
+          <a:chExt cx="0" cy="0"/>
+        </a:xfrm>
+      </p:grpSpPr>
+      <p:sp>
+        <p:nvSpPr>
+          <p:cNvPr id="2" name="Título 1">
+            <a:extLst>
+              <a:ext uri="{FF2B5EF4-FFF2-40B4-BE49-F238E27FC236}">
+                <a16:creationId xmlns:a16="http://schemas.microsoft.com/office/drawing/2014/main" id="{D25D3C0E-872E-B9DE-4210-5C8D2C29969A}"/>
+              </a:ext>
+            </a:extLst>
+          </p:cNvPr>
+          <p:cNvSpPr>
+            <a:spLocks noGrp="1"/>
+          </p:cNvSpPr>
+          <p:nvPr>
+            <p:ph type="title"/>
+          </p:nvPr>
+        </p:nvSpPr>
+        <p:spPr/>
+        <p:txBody>
+          <a:bodyPr/>
+          <a:lstStyle/>
+          <a:p>
+            <a:r>
+              <a:rPr lang="pt-BR" dirty="0"/>
+              <a:t>Informar Quem Escreveu Aquela Página</a:t>
+            </a:r>
+          </a:p>
+        </p:txBody>
+      </p:sp>
+      <p:pic>
+        <p:nvPicPr>
+          <p:cNvPr id="5" name="Espaço Reservado para Conteúdo 4">
+            <a:extLst>
+              <a:ext uri="{FF2B5EF4-FFF2-40B4-BE49-F238E27FC236}">
+                <a16:creationId xmlns:a16="http://schemas.microsoft.com/office/drawing/2014/main" id="{A7681971-B3F0-F008-4C9C-50FA94F57D32}"/>
+              </a:ext>
+            </a:extLst>
+          </p:cNvPr>
+          <p:cNvPicPr>
+            <a:picLocks noGrp="1" noChangeAspect="1"/>
+          </p:cNvPicPr>
+          <p:nvPr>
+            <p:ph idx="1"/>
+          </p:nvPr>
+        </p:nvPicPr>
+        <p:blipFill>
+          <a:blip r:embed="rId2"/>
+          <a:stretch>
+            <a:fillRect/>
+          </a:stretch>
+        </p:blipFill>
+        <p:spPr>
+          <a:xfrm>
+            <a:off x="1437948" y="3243532"/>
+            <a:ext cx="9316103" cy="1526913"/>
+          </a:xfrm>
+        </p:spPr>
+      </p:pic>
+    </p:spTree>
+    <p:extLst>
+      <p:ext uri="{BB962C8B-B14F-4D97-AF65-F5344CB8AC3E}">
+        <p14:creationId xmlns:p14="http://schemas.microsoft.com/office/powerpoint/2010/main" val="1872657573"/>
+      </p:ext>
+    </p:extLst>
+  </p:cSld>
+  <p:clrMapOvr>
+    <a:masterClrMapping/>
+  </p:clrMapOvr>
+</p:sld>
+</file>
+
+<file path=ppt/slides/slide92.xml><?xml version="1.0" encoding="utf-8"?>
+<p:sld xmlns:a="http://schemas.openxmlformats.org/drawingml/2006/main" xmlns:r="http://schemas.openxmlformats.org/officeDocument/2006/relationships" xmlns:p="http://schemas.openxmlformats.org/presentationml/2006/main">
+  <p:cSld>
+    <p:bg>
+      <p:bgPr>
+        <a:solidFill>
+          <a:schemeClr val="bg1"/>
+        </a:solidFill>
+        <a:effectLst/>
+      </p:bgPr>
+    </p:bg>
+    <p:spTree>
+      <p:nvGrpSpPr>
+        <p:cNvPr id="1" name=""/>
+        <p:cNvGrpSpPr/>
+        <p:nvPr/>
+      </p:nvGrpSpPr>
+      <p:grpSpPr>
+        <a:xfrm>
+          <a:off x="0" y="0"/>
+          <a:ext cx="0" cy="0"/>
+          <a:chOff x="0" y="0"/>
+          <a:chExt cx="0" cy="0"/>
+        </a:xfrm>
+      </p:grpSpPr>
+      <p:sp>
+        <p:nvSpPr>
+          <p:cNvPr id="7" name="Rectangle 6">
+            <a:extLst>
+              <a:ext uri="{FF2B5EF4-FFF2-40B4-BE49-F238E27FC236}">
+                <a16:creationId xmlns:a16="http://schemas.microsoft.com/office/drawing/2014/main" id="{8D06CE56-3881-4ADA-8CEF-D18B02C242A3}"/>
+              </a:ext>
+              <a:ext uri="{C183D7F6-B498-43B3-948B-1728B52AA6E4}">
+                <adec:decorative xmlns:adec="http://schemas.microsoft.com/office/drawing/2017/decorative" val="1"/>
+              </a:ext>
+            </a:extLst>
+          </p:cNvPr>
+          <p:cNvSpPr>
+            <a:spLocks noGrp="1" noRot="1" noChangeAspect="1" noMove="1" noResize="1" noEditPoints="1" noAdjustHandles="1" noChangeArrowheads="1" noChangeShapeType="1" noTextEdit="1"/>
+          </p:cNvSpPr>
+          <p:nvPr>
+            <p:extLst>
+              <p:ext uri="{386F3935-93C4-4BCD-93E2-E3B085C9AB24}">
+                <p16:designElem xmlns:p16="http://schemas.microsoft.com/office/powerpoint/2015/main" val="1"/>
+              </p:ext>
+            </p:extLst>
+          </p:nvPr>
+        </p:nvSpPr>
+        <p:spPr>
+          <a:xfrm rot="5400000">
+            <a:off x="857544" y="346791"/>
+            <a:ext cx="146304" cy="704088"/>
+          </a:xfrm>
+          <a:prstGeom prst="rect">
+            <a:avLst/>
+          </a:prstGeom>
+          <a:solidFill>
+            <a:schemeClr val="accent1"/>
+          </a:solidFill>
+          <a:ln>
+            <a:noFill/>
+          </a:ln>
+        </p:spPr>
+        <p:style>
+          <a:lnRef idx="2">
+            <a:schemeClr val="accent1">
+              <a:shade val="50000"/>
+            </a:schemeClr>
+          </a:lnRef>
+          <a:fillRef idx="1">
+            <a:schemeClr val="accent1"/>
+          </a:fillRef>
+          <a:effectRef idx="0">
+            <a:schemeClr val="accent1"/>
+          </a:effectRef>
+          <a:fontRef idx="minor">
+            <a:schemeClr val="lt1"/>
+          </a:fontRef>
+        </p:style>
+        <p:txBody>
+          <a:bodyPr rtlCol="0" anchor="ctr"/>
+          <a:lstStyle/>
+          <a:p>
+            <a:pPr marL="0" marR="0" lvl="0" indent="0" algn="ctr" defTabSz="914400" rtl="0" eaLnBrk="1" fontAlgn="auto" latinLnBrk="0" hangingPunct="1">
+              <a:lnSpc>
+                <a:spcPct val="100000"/>
+              </a:lnSpc>
+              <a:spcBef>
+                <a:spcPts val="0"/>
+              </a:spcBef>
+              <a:spcAft>
+                <a:spcPts val="0"/>
+              </a:spcAft>
+              <a:buClrTx/>
+              <a:buSzTx/>
+              <a:buFontTx/>
+              <a:buNone/>
+              <a:tabLst/>
+              <a:defRPr/>
+            </a:pPr>
+            <a:endParaRPr kumimoji="0" lang="en-US" sz="1800" b="0" i="0" u="none" strike="noStrike" kern="1200" cap="none" spc="0" normalizeH="0" baseline="0" noProof="0">
+              <a:ln>
+                <a:noFill/>
+              </a:ln>
+              <a:solidFill>
+                <a:prstClr val="white"/>
+              </a:solidFill>
+              <a:effectLst/>
+              <a:uLnTx/>
+              <a:uFillTx/>
+              <a:latin typeface="Calibri" panose="020F0502020204030204"/>
+              <a:ea typeface="+mn-ea"/>
+              <a:cs typeface="+mn-cs"/>
+            </a:endParaRPr>
+          </a:p>
+        </p:txBody>
+      </p:sp>
+      <p:sp>
+        <p:nvSpPr>
+          <p:cNvPr id="9" name="Rectangle 8">
+            <a:extLst>
+              <a:ext uri="{FF2B5EF4-FFF2-40B4-BE49-F238E27FC236}">
+                <a16:creationId xmlns:a16="http://schemas.microsoft.com/office/drawing/2014/main" id="{79F3C543-62EC-4433-9C93-A2CD8764E9B4}"/>
+              </a:ext>
+              <a:ext uri="{C183D7F6-B498-43B3-948B-1728B52AA6E4}">
+                <adec:decorative xmlns:adec="http://schemas.microsoft.com/office/drawing/2017/decorative" val="1"/>
+              </a:ext>
+            </a:extLst>
+          </p:cNvPr>
+          <p:cNvSpPr>
+            <a:spLocks noGrp="1" noRot="1" noChangeAspect="1" noMove="1" noResize="1" noEditPoints="1" noAdjustHandles="1" noChangeArrowheads="1" noChangeShapeType="1" noTextEdit="1"/>
+          </p:cNvSpPr>
+          <p:nvPr>
+            <p:extLst>
+              <p:ext uri="{386F3935-93C4-4BCD-93E2-E3B085C9AB24}">
+                <p16:designElem xmlns:p16="http://schemas.microsoft.com/office/powerpoint/2015/main" val="1"/>
+              </p:ext>
+            </p:extLst>
+          </p:nvPr>
+        </p:nvSpPr>
+        <p:spPr>
+          <a:xfrm flipV="1">
+            <a:off x="578652" y="4501201"/>
+            <a:ext cx="11034696" cy="18288"/>
+          </a:xfrm>
+          <a:prstGeom prst="rect">
+            <a:avLst/>
+          </a:prstGeom>
+          <a:solidFill>
+            <a:schemeClr val="tx2">
+              <a:lumMod val="25000"/>
+              <a:lumOff val="75000"/>
+            </a:schemeClr>
+          </a:solidFill>
+          <a:ln w="3175">
+            <a:noFill/>
+          </a:ln>
+          <a:effectLst/>
+        </p:spPr>
+        <p:style>
+          <a:lnRef idx="2">
+            <a:schemeClr val="accent1">
+              <a:shade val="50000"/>
+            </a:schemeClr>
+          </a:lnRef>
+          <a:fillRef idx="1">
+            <a:schemeClr val="accent1"/>
+          </a:fillRef>
+          <a:effectRef idx="0">
+            <a:schemeClr val="accent1"/>
+          </a:effectRef>
+          <a:fontRef idx="minor">
+            <a:schemeClr val="lt1"/>
+          </a:fontRef>
+        </p:style>
+        <p:txBody>
+          <a:bodyPr rtlCol="0" anchor="ctr"/>
+          <a:lstStyle/>
+          <a:p>
+            <a:pPr marL="0" marR="0" lvl="0" indent="0" algn="ctr" defTabSz="914400" rtl="0" eaLnBrk="1" fontAlgn="auto" latinLnBrk="0" hangingPunct="1">
+              <a:lnSpc>
+                <a:spcPct val="100000"/>
+              </a:lnSpc>
+              <a:spcBef>
+                <a:spcPts val="0"/>
+              </a:spcBef>
+              <a:spcAft>
+                <a:spcPts val="0"/>
+              </a:spcAft>
+              <a:buClrTx/>
+              <a:buSzTx/>
+              <a:buFontTx/>
+              <a:buNone/>
+              <a:tabLst/>
+              <a:defRPr/>
+            </a:pPr>
+            <a:endParaRPr kumimoji="0" lang="en-US" sz="1800" b="0" i="0" u="none" strike="noStrike" kern="1200" cap="none" spc="0" normalizeH="0" baseline="0" noProof="0">
+              <a:ln>
+                <a:noFill/>
+              </a:ln>
+              <a:solidFill>
+                <a:prstClr val="white"/>
+              </a:solidFill>
+              <a:effectLst/>
+              <a:uLnTx/>
+              <a:uFillTx/>
+              <a:latin typeface="Calibri" panose="020F0502020204030204"/>
+              <a:ea typeface="+mn-ea"/>
+              <a:cs typeface="+mn-cs"/>
+            </a:endParaRPr>
+          </a:p>
+        </p:txBody>
+      </p:sp>
+      <p:sp useBgFill="1">
+        <p:nvSpPr>
+          <p:cNvPr id="11" name="Rectangle 10">
+            <a:extLst>
+              <a:ext uri="{FF2B5EF4-FFF2-40B4-BE49-F238E27FC236}">
+                <a16:creationId xmlns:a16="http://schemas.microsoft.com/office/drawing/2014/main" id="{5463EB0A-3D7C-4AA5-BFA5-8EE5B4BA5624}"/>
+              </a:ext>
+              <a:ext uri="{C183D7F6-B498-43B3-948B-1728B52AA6E4}">
+                <adec:decorative xmlns:adec="http://schemas.microsoft.com/office/drawing/2017/decorative" val="1"/>
+              </a:ext>
+            </a:extLst>
+          </p:cNvPr>
+          <p:cNvSpPr>
+            <a:spLocks noGrp="1" noRot="1" noChangeAspect="1" noMove="1" noResize="1" noEditPoints="1" noAdjustHandles="1" noChangeArrowheads="1" noChangeShapeType="1" noTextEdit="1"/>
+          </p:cNvSpPr>
+          <p:nvPr>
+            <p:extLst>
+              <p:ext uri="{386F3935-93C4-4BCD-93E2-E3B085C9AB24}">
+                <p16:designElem xmlns:p16="http://schemas.microsoft.com/office/powerpoint/2015/main" val="1"/>
+              </p:ext>
+            </p:extLst>
+          </p:nvPr>
+        </p:nvSpPr>
+        <p:spPr>
+          <a:xfrm>
+            <a:off x="0" y="0"/>
+            <a:ext cx="12192000" cy="6858000"/>
+          </a:xfrm>
+          <a:prstGeom prst="rect">
+            <a:avLst/>
+          </a:prstGeom>
+          <a:ln>
+            <a:noFill/>
+          </a:ln>
+        </p:spPr>
+        <p:style>
+          <a:lnRef idx="2">
+            <a:schemeClr val="accent1">
+              <a:shade val="50000"/>
+            </a:schemeClr>
+          </a:lnRef>
+          <a:fillRef idx="1">
+            <a:schemeClr val="accent1"/>
+          </a:fillRef>
+          <a:effectRef idx="0">
+            <a:schemeClr val="accent1"/>
+          </a:effectRef>
+          <a:fontRef idx="minor">
+            <a:schemeClr val="lt1"/>
+          </a:fontRef>
+        </p:style>
+        <p:txBody>
+          <a:bodyPr rtlCol="0" anchor="ctr"/>
+          <a:lstStyle/>
+          <a:p>
+            <a:pPr algn="ctr"/>
+            <a:endParaRPr lang="en-US"/>
+          </a:p>
+        </p:txBody>
+      </p:sp>
+      <p:sp>
+        <p:nvSpPr>
+          <p:cNvPr id="2" name="Título 1">
+            <a:extLst>
+              <a:ext uri="{FF2B5EF4-FFF2-40B4-BE49-F238E27FC236}">
+                <a16:creationId xmlns:a16="http://schemas.microsoft.com/office/drawing/2014/main" id="{D7E8EEF3-827C-0075-36E4-7113857F5782}"/>
+              </a:ext>
+            </a:extLst>
+          </p:cNvPr>
+          <p:cNvSpPr>
+            <a:spLocks noGrp="1"/>
+          </p:cNvSpPr>
+          <p:nvPr>
+            <p:ph type="title"/>
+          </p:nvPr>
+        </p:nvSpPr>
+        <p:spPr>
+          <a:xfrm>
+            <a:off x="578651" y="1122363"/>
+            <a:ext cx="11034695" cy="3174690"/>
+          </a:xfrm>
+        </p:spPr>
+        <p:txBody>
+          <a:bodyPr vert="horz" lIns="91440" tIns="45720" rIns="91440" bIns="45720" rtlCol="0" anchor="b">
+            <a:normAutofit/>
+          </a:bodyPr>
+          <a:lstStyle/>
+          <a:p>
+            <a:r>
+              <a:rPr lang="en-US" sz="8000"/>
+              <a:t>E quanto à Tag Title?</a:t>
+            </a:r>
+          </a:p>
+        </p:txBody>
+      </p:sp>
+      <p:sp>
+        <p:nvSpPr>
+          <p:cNvPr id="13" name="Rectangle 12">
+            <a:extLst>
+              <a:ext uri="{FF2B5EF4-FFF2-40B4-BE49-F238E27FC236}">
+                <a16:creationId xmlns:a16="http://schemas.microsoft.com/office/drawing/2014/main" id="{7945AD00-F967-454D-A4B2-39ABA5C88C20}"/>
+              </a:ext>
+              <a:ext uri="{C183D7F6-B498-43B3-948B-1728B52AA6E4}">
+                <adec:decorative xmlns:adec="http://schemas.microsoft.com/office/drawing/2017/decorative" val="1"/>
+              </a:ext>
+            </a:extLst>
+          </p:cNvPr>
+          <p:cNvSpPr>
+            <a:spLocks noGrp="1" noRot="1" noChangeAspect="1" noMove="1" noResize="1" noEditPoints="1" noAdjustHandles="1" noChangeArrowheads="1" noChangeShapeType="1" noTextEdit="1"/>
+          </p:cNvSpPr>
+          <p:nvPr>
+            <p:extLst>
+              <p:ext uri="{386F3935-93C4-4BCD-93E2-E3B085C9AB24}">
+                <p16:designElem xmlns:p16="http://schemas.microsoft.com/office/powerpoint/2015/main" val="1"/>
+              </p:ext>
+            </p:extLst>
+          </p:nvPr>
+        </p:nvSpPr>
+        <p:spPr>
+          <a:xfrm rot="5400000">
+            <a:off x="857544" y="346791"/>
+            <a:ext cx="146304" cy="704088"/>
+          </a:xfrm>
+          <a:prstGeom prst="rect">
+            <a:avLst/>
+          </a:prstGeom>
+          <a:solidFill>
+            <a:schemeClr val="accent1"/>
+          </a:solidFill>
+          <a:ln>
+            <a:noFill/>
+          </a:ln>
+        </p:spPr>
+        <p:style>
+          <a:lnRef idx="2">
+            <a:schemeClr val="accent1">
+              <a:shade val="50000"/>
+            </a:schemeClr>
+          </a:lnRef>
+          <a:fillRef idx="1">
+            <a:schemeClr val="accent1"/>
+          </a:fillRef>
+          <a:effectRef idx="0">
+            <a:schemeClr val="accent1"/>
+          </a:effectRef>
+          <a:fontRef idx="minor">
+            <a:schemeClr val="lt1"/>
+          </a:fontRef>
+        </p:style>
+        <p:txBody>
+          <a:bodyPr rtlCol="0" anchor="ctr"/>
+          <a:lstStyle/>
+          <a:p>
+            <a:pPr marL="0" marR="0" lvl="0" indent="0" algn="ctr" defTabSz="914400" rtl="0" eaLnBrk="1" fontAlgn="auto" latinLnBrk="0" hangingPunct="1">
+              <a:lnSpc>
+                <a:spcPct val="100000"/>
+              </a:lnSpc>
+              <a:spcBef>
+                <a:spcPts val="0"/>
+              </a:spcBef>
+              <a:spcAft>
+                <a:spcPts val="0"/>
+              </a:spcAft>
+              <a:buClrTx/>
+              <a:buSzTx/>
+              <a:buFontTx/>
+              <a:buNone/>
+              <a:tabLst/>
+              <a:defRPr/>
+            </a:pPr>
+            <a:endParaRPr kumimoji="0" lang="en-US" sz="1800" b="0" i="0" u="none" strike="noStrike" kern="1200" cap="none" spc="0" normalizeH="0" baseline="0" noProof="0">
+              <a:ln>
+                <a:noFill/>
+              </a:ln>
+              <a:solidFill>
+                <a:prstClr val="white"/>
+              </a:solidFill>
+              <a:effectLst/>
+              <a:uLnTx/>
+              <a:uFillTx/>
+              <a:latin typeface="Calibri" panose="020F0502020204030204"/>
+              <a:ea typeface="+mn-ea"/>
+              <a:cs typeface="+mn-cs"/>
+            </a:endParaRPr>
+          </a:p>
+        </p:txBody>
+      </p:sp>
+      <p:sp>
+        <p:nvSpPr>
+          <p:cNvPr id="15" name="Rectangle 14">
+            <a:extLst>
+              <a:ext uri="{FF2B5EF4-FFF2-40B4-BE49-F238E27FC236}">
+                <a16:creationId xmlns:a16="http://schemas.microsoft.com/office/drawing/2014/main" id="{E9BC5B79-B912-427C-8219-E3E50943FCDE}"/>
+              </a:ext>
+              <a:ext uri="{C183D7F6-B498-43B3-948B-1728B52AA6E4}">
+                <adec:decorative xmlns:adec="http://schemas.microsoft.com/office/drawing/2017/decorative" val="1"/>
+              </a:ext>
+            </a:extLst>
+          </p:cNvPr>
+          <p:cNvSpPr>
+            <a:spLocks noGrp="1" noRot="1" noChangeAspect="1" noMove="1" noResize="1" noEditPoints="1" noAdjustHandles="1" noChangeArrowheads="1" noChangeShapeType="1" noTextEdit="1"/>
+          </p:cNvSpPr>
+          <p:nvPr>
+            <p:extLst>
+              <p:ext uri="{386F3935-93C4-4BCD-93E2-E3B085C9AB24}">
+                <p16:designElem xmlns:p16="http://schemas.microsoft.com/office/powerpoint/2015/main" val="1"/>
+              </p:ext>
+            </p:extLst>
+          </p:nvPr>
+        </p:nvSpPr>
+        <p:spPr>
+          <a:xfrm flipV="1">
+            <a:off x="578652" y="4501201"/>
+            <a:ext cx="11034696" cy="18288"/>
+          </a:xfrm>
+          <a:prstGeom prst="rect">
+            <a:avLst/>
+          </a:prstGeom>
+          <a:solidFill>
+            <a:schemeClr val="tx2">
+              <a:lumMod val="25000"/>
+              <a:lumOff val="75000"/>
+            </a:schemeClr>
+          </a:solidFill>
+          <a:ln w="3175">
+            <a:noFill/>
+          </a:ln>
+          <a:effectLst/>
+        </p:spPr>
+        <p:style>
+          <a:lnRef idx="2">
+            <a:schemeClr val="accent1">
+              <a:shade val="50000"/>
+            </a:schemeClr>
+          </a:lnRef>
+          <a:fillRef idx="1">
+            <a:schemeClr val="accent1"/>
+          </a:fillRef>
+          <a:effectRef idx="0">
+            <a:schemeClr val="accent1"/>
+          </a:effectRef>
+          <a:fontRef idx="minor">
+            <a:schemeClr val="lt1"/>
+          </a:fontRef>
+        </p:style>
+        <p:txBody>
+          <a:bodyPr rtlCol="0" anchor="ctr"/>
+          <a:lstStyle/>
+          <a:p>
+            <a:pPr marL="0" marR="0" lvl="0" indent="0" algn="ctr" defTabSz="914400" rtl="0" eaLnBrk="1" fontAlgn="auto" latinLnBrk="0" hangingPunct="1">
+              <a:lnSpc>
+                <a:spcPct val="100000"/>
+              </a:lnSpc>
+              <a:spcBef>
+                <a:spcPts val="0"/>
+              </a:spcBef>
+              <a:spcAft>
+                <a:spcPts val="0"/>
+              </a:spcAft>
+              <a:buClrTx/>
+              <a:buSzTx/>
+              <a:buFontTx/>
+              <a:buNone/>
+              <a:tabLst/>
+              <a:defRPr/>
+            </a:pPr>
+            <a:endParaRPr kumimoji="0" lang="en-US" sz="1800" b="0" i="0" u="none" strike="noStrike" kern="1200" cap="none" spc="0" normalizeH="0" baseline="0" noProof="0">
+              <a:ln>
+                <a:noFill/>
+              </a:ln>
+              <a:solidFill>
+                <a:prstClr val="white"/>
+              </a:solidFill>
+              <a:effectLst/>
+              <a:uLnTx/>
+              <a:uFillTx/>
+              <a:latin typeface="Calibri" panose="020F0502020204030204"/>
+              <a:ea typeface="+mn-ea"/>
+              <a:cs typeface="+mn-cs"/>
+            </a:endParaRPr>
+          </a:p>
+        </p:txBody>
+      </p:sp>
+    </p:spTree>
+    <p:extLst>
+      <p:ext uri="{BB962C8B-B14F-4D97-AF65-F5344CB8AC3E}">
+        <p14:creationId xmlns:p14="http://schemas.microsoft.com/office/powerpoint/2010/main" val="687377185"/>
+      </p:ext>
+    </p:extLst>
+  </p:cSld>
+  <p:clrMapOvr>
+    <a:masterClrMapping/>
+  </p:clrMapOvr>
+  <p:timing>
+    <p:tnLst>
+      <p:par>
+        <p:cTn id="1" dur="indefinite" restart="never" nodeType="tmRoot">
+          <p:childTnLst>
+            <p:seq concurrent="1" nextAc="seek">
+              <p:cTn id="2" dur="indefinite" nodeType="mainSeq">
+                <p:childTnLst>
+                  <p:par>
+                    <p:cTn id="3" fill="hold">
+                      <p:stCondLst>
+                        <p:cond delay="indefinite"/>
+                        <p:cond evt="onBegin" delay="0">
+                          <p:tn val="2"/>
+                        </p:cond>
+                      </p:stCondLst>
+                      <p:childTnLst>
+                        <p:par>
+                          <p:cTn id="4" fill="hold">
+                            <p:stCondLst>
+                              <p:cond delay="0"/>
+                            </p:stCondLst>
+                            <p:childTnLst>
+                              <p:par>
+                                <p:cTn id="5" presetID="10" presetClass="entr" presetSubtype="0" fill="hold" grpId="0" nodeType="withEffect">
+                                  <p:stCondLst>
+                                    <p:cond delay="500"/>
+                                  </p:stCondLst>
+                                  <p:iterate type="lt">
+                                    <p:tmPct val="10000"/>
+                                  </p:iterate>
+                                  <p:childTnLst>
+                                    <p:set>
+                                      <p:cBhvr>
+                                        <p:cTn id="6" dur="1" fill="hold">
+                                          <p:stCondLst>
+                                            <p:cond delay="0"/>
+                                          </p:stCondLst>
+                                        </p:cTn>
+                                        <p:tgtEl>
+                                          <p:spTgt spid="2"/>
+                                        </p:tgtEl>
+                                        <p:attrNameLst>
+                                          <p:attrName>style.visibility</p:attrName>
+                                        </p:attrNameLst>
+                                      </p:cBhvr>
+                                      <p:to>
+                                        <p:strVal val="visible"/>
+                                      </p:to>
+                                    </p:set>
+                                    <p:animEffect transition="in" filter="fade">
+                                      <p:cBhvr>
+                                        <p:cTn id="7" dur="400"/>
+                                        <p:tgtEl>
+                                          <p:spTgt spid="2"/>
+                                        </p:tgtEl>
+                                      </p:cBhvr>
+                                    </p:animEffect>
+                                  </p:childTnLst>
+                                </p:cTn>
+                              </p:par>
+                            </p:childTnLst>
+                          </p:cTn>
+                        </p:par>
+                      </p:childTnLst>
+                    </p:cTn>
+                  </p:par>
+                </p:childTnLst>
+              </p:cTn>
+              <p:prevCondLst>
+                <p:cond evt="onPrev" delay="0">
+                  <p:tgtEl>
+                    <p:sldTgt/>
+                  </p:tgtEl>
+                </p:cond>
+              </p:prevCondLst>
+              <p:nextCondLst>
+                <p:cond evt="onNext" delay="0">
+                  <p:tgtEl>
+                    <p:sldTgt/>
+                  </p:tgtEl>
+                </p:cond>
+              </p:nextCondLst>
+            </p:seq>
+          </p:childTnLst>
+        </p:cTn>
+      </p:par>
+    </p:tnLst>
+    <p:bldLst>
+      <p:bldP spid="2" grpId="0"/>
+    </p:bldLst>
+  </p:timing>
+</p:sld>
+</file>
+
+<file path=ppt/slides/slide93.xml><?xml version="1.0" encoding="utf-8"?>
+<p:sld xmlns:a="http://schemas.openxmlformats.org/drawingml/2006/main" xmlns:r="http://schemas.openxmlformats.org/officeDocument/2006/relationships" xmlns:p="http://schemas.openxmlformats.org/presentationml/2006/main">
+  <p:cSld>
+    <p:spTree>
+      <p:nvGrpSpPr>
+        <p:cNvPr id="1" name=""/>
+        <p:cNvGrpSpPr/>
+        <p:nvPr/>
+      </p:nvGrpSpPr>
+      <p:grpSpPr>
+        <a:xfrm>
+          <a:off x="0" y="0"/>
+          <a:ext cx="0" cy="0"/>
+          <a:chOff x="0" y="0"/>
+          <a:chExt cx="0" cy="0"/>
+        </a:xfrm>
+      </p:grpSpPr>
+      <p:sp>
+        <p:nvSpPr>
+          <p:cNvPr id="2" name="Título 1">
+            <a:extLst>
+              <a:ext uri="{FF2B5EF4-FFF2-40B4-BE49-F238E27FC236}">
+                <a16:creationId xmlns:a16="http://schemas.microsoft.com/office/drawing/2014/main" id="{09978A6D-F00E-02BB-6A5B-551256390685}"/>
+              </a:ext>
+            </a:extLst>
+          </p:cNvPr>
+          <p:cNvSpPr>
+            <a:spLocks noGrp="1"/>
+          </p:cNvSpPr>
+          <p:nvPr>
+            <p:ph type="title"/>
+          </p:nvPr>
+        </p:nvSpPr>
+        <p:spPr/>
+        <p:txBody>
+          <a:bodyPr>
+            <a:normAutofit fontScale="90000"/>
+          </a:bodyPr>
+          <a:lstStyle/>
+          <a:p>
+            <a:r>
+              <a:rPr lang="pt-BR" dirty="0"/>
+              <a:t>A </a:t>
+            </a:r>
+            <a:r>
+              <a:rPr lang="pt-BR" dirty="0" err="1"/>
+              <a:t>Tag</a:t>
+            </a:r>
+            <a:r>
+              <a:rPr lang="pt-BR" dirty="0"/>
+              <a:t> </a:t>
+            </a:r>
+            <a:r>
+              <a:rPr lang="pt-BR" dirty="0" err="1"/>
+              <a:t>Title</a:t>
+            </a:r>
+            <a:r>
+              <a:rPr lang="pt-BR" dirty="0"/>
+              <a:t> Adiciona um Título na Guia da Página!</a:t>
+            </a:r>
+          </a:p>
+        </p:txBody>
+      </p:sp>
+      <p:pic>
+        <p:nvPicPr>
+          <p:cNvPr id="5" name="Espaço Reservado para Conteúdo 4">
+            <a:extLst>
+              <a:ext uri="{FF2B5EF4-FFF2-40B4-BE49-F238E27FC236}">
+                <a16:creationId xmlns:a16="http://schemas.microsoft.com/office/drawing/2014/main" id="{53B661CB-0258-22D6-3FF1-2FB41A1537F8}"/>
+              </a:ext>
+            </a:extLst>
+          </p:cNvPr>
+          <p:cNvPicPr>
+            <a:picLocks noGrp="1" noChangeAspect="1"/>
+          </p:cNvPicPr>
+          <p:nvPr>
+            <p:ph idx="1"/>
+          </p:nvPr>
+        </p:nvPicPr>
+        <p:blipFill>
+          <a:blip r:embed="rId2"/>
+          <a:stretch>
+            <a:fillRect/>
+          </a:stretch>
+        </p:blipFill>
+        <p:spPr>
+          <a:xfrm>
+            <a:off x="1098746" y="2725947"/>
+            <a:ext cx="10291422" cy="3226279"/>
+          </a:xfrm>
+        </p:spPr>
+      </p:pic>
+    </p:spTree>
+    <p:extLst>
+      <p:ext uri="{BB962C8B-B14F-4D97-AF65-F5344CB8AC3E}">
+        <p14:creationId xmlns:p14="http://schemas.microsoft.com/office/powerpoint/2010/main" val="1040609477"/>
+      </p:ext>
+    </p:extLst>
+  </p:cSld>
+  <p:clrMapOvr>
+    <a:masterClrMapping/>
+  </p:clrMapOvr>
+</p:sld>
+</file>
+
+<file path=ppt/slides/slide94.xml><?xml version="1.0" encoding="utf-8"?>
+<p:sld xmlns:a="http://schemas.openxmlformats.org/drawingml/2006/main" xmlns:r="http://schemas.openxmlformats.org/officeDocument/2006/relationships" xmlns:p="http://schemas.openxmlformats.org/presentationml/2006/main">
+  <p:cSld>
+    <p:spTree>
+      <p:nvGrpSpPr>
+        <p:cNvPr id="1" name=""/>
+        <p:cNvGrpSpPr/>
+        <p:nvPr/>
+      </p:nvGrpSpPr>
+      <p:grpSpPr>
+        <a:xfrm>
+          <a:off x="0" y="0"/>
+          <a:ext cx="0" cy="0"/>
+          <a:chOff x="0" y="0"/>
+          <a:chExt cx="0" cy="0"/>
+        </a:xfrm>
+      </p:grpSpPr>
+      <p:sp>
+        <p:nvSpPr>
+          <p:cNvPr id="2" name="Título 1">
+            <a:extLst>
+              <a:ext uri="{FF2B5EF4-FFF2-40B4-BE49-F238E27FC236}">
+                <a16:creationId xmlns:a16="http://schemas.microsoft.com/office/drawing/2014/main" id="{45D18415-D300-74F6-81D1-AAC064C4D3EF}"/>
+              </a:ext>
+            </a:extLst>
+          </p:cNvPr>
+          <p:cNvSpPr>
+            <a:spLocks noGrp="1"/>
+          </p:cNvSpPr>
+          <p:nvPr>
+            <p:ph type="title"/>
+          </p:nvPr>
+        </p:nvSpPr>
+        <p:spPr/>
+        <p:txBody>
+          <a:bodyPr>
+            <a:normAutofit fontScale="90000"/>
+          </a:bodyPr>
+          <a:lstStyle/>
+          <a:p>
+            <a:r>
+              <a:rPr lang="pt-BR" dirty="0"/>
+              <a:t>O Título da Página Deve Conter um Resumo do Conteúdo</a:t>
+            </a:r>
+          </a:p>
+        </p:txBody>
+      </p:sp>
+      <p:sp>
+        <p:nvSpPr>
+          <p:cNvPr id="3" name="Espaço Reservado para Conteúdo 2">
+            <a:extLst>
+              <a:ext uri="{FF2B5EF4-FFF2-40B4-BE49-F238E27FC236}">
+                <a16:creationId xmlns:a16="http://schemas.microsoft.com/office/drawing/2014/main" id="{03C5A9CF-8864-FEC6-5DB2-5DD2A23E2BA9}"/>
+              </a:ext>
+            </a:extLst>
+          </p:cNvPr>
+          <p:cNvSpPr>
+            <a:spLocks noGrp="1"/>
+          </p:cNvSpPr>
+          <p:nvPr>
+            <p:ph idx="1"/>
+          </p:nvPr>
+        </p:nvSpPr>
+        <p:spPr/>
+        <p:txBody>
+          <a:bodyPr/>
+          <a:lstStyle/>
+          <a:p>
+            <a:r>
+              <a:rPr lang="pt-BR" dirty="0"/>
+              <a:t>Você pode Criar algo como “Home – Sua Empresa”, mas caso haja algum erro, é necessário avisar diretamente no Título Isso. </a:t>
+            </a:r>
+          </a:p>
+        </p:txBody>
+      </p:sp>
+    </p:spTree>
+    <p:extLst>
+      <p:ext uri="{BB962C8B-B14F-4D97-AF65-F5344CB8AC3E}">
+        <p14:creationId xmlns:p14="http://schemas.microsoft.com/office/powerpoint/2010/main" val="3379321439"/>
+      </p:ext>
+    </p:extLst>
+  </p:cSld>
+  <p:clrMapOvr>
+    <a:masterClrMapping/>
+  </p:clrMapOvr>
+</p:sld>
+</file>
+
+<file path=ppt/slides/slide95.xml><?xml version="1.0" encoding="utf-8"?>
+<p:sld xmlns:a="http://schemas.openxmlformats.org/drawingml/2006/main" xmlns:r="http://schemas.openxmlformats.org/officeDocument/2006/relationships" xmlns:p="http://schemas.openxmlformats.org/presentationml/2006/main">
+  <p:cSld>
+    <p:spTree>
+      <p:nvGrpSpPr>
+        <p:cNvPr id="1" name=""/>
+        <p:cNvGrpSpPr/>
+        <p:nvPr/>
+      </p:nvGrpSpPr>
+      <p:grpSpPr>
+        <a:xfrm>
+          <a:off x="0" y="0"/>
+          <a:ext cx="0" cy="0"/>
+          <a:chOff x="0" y="0"/>
+          <a:chExt cx="0" cy="0"/>
+        </a:xfrm>
+      </p:grpSpPr>
+      <p:sp>
+        <p:nvSpPr>
+          <p:cNvPr id="2" name="Título 1">
+            <a:extLst>
+              <a:ext uri="{FF2B5EF4-FFF2-40B4-BE49-F238E27FC236}">
+                <a16:creationId xmlns:a16="http://schemas.microsoft.com/office/drawing/2014/main" id="{F058FDB3-82F8-CE22-3AA5-EFE7497C9EFC}"/>
+              </a:ext>
+            </a:extLst>
+          </p:cNvPr>
+          <p:cNvSpPr>
+            <a:spLocks noGrp="1"/>
+          </p:cNvSpPr>
+          <p:nvPr>
+            <p:ph type="title"/>
+          </p:nvPr>
+        </p:nvSpPr>
+        <p:spPr/>
+        <p:txBody>
+          <a:bodyPr>
+            <a:normAutofit fontScale="90000"/>
+          </a:bodyPr>
+          <a:lstStyle/>
+          <a:p>
+            <a:r>
+              <a:rPr lang="pt-BR" dirty="0" err="1"/>
+              <a:t>JavaScript</a:t>
+            </a:r>
+            <a:r>
+              <a:rPr lang="pt-BR" dirty="0"/>
+              <a:t> Serve para isso, mas não vamos Mexer com Isso agora.</a:t>
+            </a:r>
+          </a:p>
+        </p:txBody>
+      </p:sp>
+      <p:pic>
+        <p:nvPicPr>
+          <p:cNvPr id="5" name="Espaço Reservado para Conteúdo 4">
+            <a:extLst>
+              <a:ext uri="{FF2B5EF4-FFF2-40B4-BE49-F238E27FC236}">
+                <a16:creationId xmlns:a16="http://schemas.microsoft.com/office/drawing/2014/main" id="{65D22B2D-A638-7ACF-A8D5-A7EA338A4260}"/>
+              </a:ext>
+            </a:extLst>
+          </p:cNvPr>
+          <p:cNvPicPr>
+            <a:picLocks noGrp="1" noChangeAspect="1"/>
+          </p:cNvPicPr>
+          <p:nvPr>
+            <p:ph idx="1"/>
+          </p:nvPr>
+        </p:nvPicPr>
+        <p:blipFill>
+          <a:blip r:embed="rId2"/>
+          <a:stretch>
+            <a:fillRect/>
+          </a:stretch>
+        </p:blipFill>
+        <p:spPr>
+          <a:xfrm>
+            <a:off x="1425973" y="3278038"/>
+            <a:ext cx="9340053" cy="1382327"/>
+          </a:xfrm>
+        </p:spPr>
+      </p:pic>
+    </p:spTree>
+    <p:extLst>
+      <p:ext uri="{BB962C8B-B14F-4D97-AF65-F5344CB8AC3E}">
+        <p14:creationId xmlns:p14="http://schemas.microsoft.com/office/powerpoint/2010/main" val="818966835"/>
+      </p:ext>
+    </p:extLst>
+  </p:cSld>
+  <p:clrMapOvr>
+    <a:masterClrMapping/>
+  </p:clrMapOvr>
+</p:sld>
+</file>
+
+<file path=ppt/slides/slide96.xml><?xml version="1.0" encoding="utf-8"?>
+<p:sld xmlns:a="http://schemas.openxmlformats.org/drawingml/2006/main" xmlns:r="http://schemas.openxmlformats.org/officeDocument/2006/relationships" xmlns:p="http://schemas.openxmlformats.org/presentationml/2006/main">
+  <p:cSld>
+    <p:spTree>
+      <p:nvGrpSpPr>
+        <p:cNvPr id="1" name=""/>
+        <p:cNvGrpSpPr/>
+        <p:nvPr/>
+      </p:nvGrpSpPr>
+      <p:grpSpPr>
+        <a:xfrm>
+          <a:off x="0" y="0"/>
+          <a:ext cx="0" cy="0"/>
+          <a:chOff x="0" y="0"/>
+          <a:chExt cx="0" cy="0"/>
+        </a:xfrm>
+      </p:grpSpPr>
+      <p:sp>
+        <p:nvSpPr>
+          <p:cNvPr id="2" name="Título 1">
+            <a:extLst>
+              <a:ext uri="{FF2B5EF4-FFF2-40B4-BE49-F238E27FC236}">
+                <a16:creationId xmlns:a16="http://schemas.microsoft.com/office/drawing/2014/main" id="{8145C97E-3F56-EDF1-A4E5-7CB207AFF5D3}"/>
+              </a:ext>
+            </a:extLst>
+          </p:cNvPr>
+          <p:cNvSpPr>
+            <a:spLocks noGrp="1"/>
+          </p:cNvSpPr>
+          <p:nvPr>
+            <p:ph type="title"/>
+          </p:nvPr>
+        </p:nvSpPr>
+        <p:spPr/>
+        <p:txBody>
+          <a:bodyPr/>
+          <a:lstStyle/>
+          <a:p>
+            <a:r>
+              <a:rPr lang="pt-BR" dirty="0"/>
+              <a:t>Lição de Casa</a:t>
+            </a:r>
+          </a:p>
+        </p:txBody>
+      </p:sp>
+      <p:sp>
+        <p:nvSpPr>
+          <p:cNvPr id="3" name="Espaço Reservado para Conteúdo 2">
+            <a:extLst>
+              <a:ext uri="{FF2B5EF4-FFF2-40B4-BE49-F238E27FC236}">
+                <a16:creationId xmlns:a16="http://schemas.microsoft.com/office/drawing/2014/main" id="{D6B24347-D37E-ED52-E82F-97BEFD711E65}"/>
+              </a:ext>
+            </a:extLst>
+          </p:cNvPr>
+          <p:cNvSpPr>
+            <a:spLocks noGrp="1"/>
+          </p:cNvSpPr>
+          <p:nvPr>
+            <p:ph idx="1"/>
+          </p:nvPr>
+        </p:nvSpPr>
+        <p:spPr/>
+        <p:txBody>
+          <a:bodyPr/>
+          <a:lstStyle/>
+          <a:p>
+            <a:r>
+              <a:rPr lang="pt-BR" dirty="0"/>
+              <a:t>Crie uma Página Inicial, essa página deverá conter os metadados de responsividade, descrição, um título chamativo e mesmo tempo, deve ser compatível com navegadores antigos.</a:t>
+            </a:r>
+          </a:p>
+        </p:txBody>
+      </p:sp>
+    </p:spTree>
+    <p:extLst>
+      <p:ext uri="{BB962C8B-B14F-4D97-AF65-F5344CB8AC3E}">
+        <p14:creationId xmlns:p14="http://schemas.microsoft.com/office/powerpoint/2010/main" val="255804018"/>
       </p:ext>
     </p:extLst>
   </p:cSld>

--- a/Power Point/Curso de HTML e CSS.pptx
+++ b/Power Point/Curso de HTML e CSS.pptx
@@ -101,6 +101,21 @@
     <p:sldId id="349" r:id="rId95"/>
     <p:sldId id="350" r:id="rId96"/>
     <p:sldId id="351" r:id="rId97"/>
+    <p:sldId id="353" r:id="rId98"/>
+    <p:sldId id="354" r:id="rId99"/>
+    <p:sldId id="355" r:id="rId100"/>
+    <p:sldId id="356" r:id="rId101"/>
+    <p:sldId id="357" r:id="rId102"/>
+    <p:sldId id="358" r:id="rId103"/>
+    <p:sldId id="359" r:id="rId104"/>
+    <p:sldId id="360" r:id="rId105"/>
+    <p:sldId id="361" r:id="rId106"/>
+    <p:sldId id="362" r:id="rId107"/>
+    <p:sldId id="363" r:id="rId108"/>
+    <p:sldId id="364" r:id="rId109"/>
+    <p:sldId id="365" r:id="rId110"/>
+    <p:sldId id="366" r:id="rId111"/>
+    <p:sldId id="367" r:id="rId112"/>
   </p:sldIdLst>
   <p:sldSz cx="12192000" cy="6858000"/>
   <p:notesSz cx="6858000" cy="9144000"/>
@@ -363,7 +378,7 @@
           <a:p>
             <a:fld id="{02AC24A9-CCB6-4F8D-B8DB-C2F3692CFA5A}" type="datetimeFigureOut">
               <a:rPr lang="en-US" smtClean="0"/>
-              <a:t>3/10/2025</a:t>
+              <a:t>3/13/2025</a:t>
             </a:fld>
             <a:endParaRPr lang="en-US" dirty="0"/>
           </a:p>
@@ -733,7 +748,7 @@
           <a:p>
             <a:fld id="{02AC24A9-CCB6-4F8D-B8DB-C2F3692CFA5A}" type="datetimeFigureOut">
               <a:rPr lang="en-US" smtClean="0"/>
-              <a:t>3/10/2025</a:t>
+              <a:t>3/13/2025</a:t>
             </a:fld>
             <a:endParaRPr lang="en-US"/>
           </a:p>
@@ -942,7 +957,7 @@
           <a:p>
             <a:fld id="{02AC24A9-CCB6-4F8D-B8DB-C2F3692CFA5A}" type="datetimeFigureOut">
               <a:rPr lang="en-US" smtClean="0"/>
-              <a:t>3/10/2025</a:t>
+              <a:t>3/13/2025</a:t>
             </a:fld>
             <a:endParaRPr lang="en-US"/>
           </a:p>
@@ -1412,7 +1427,7 @@
           <a:p>
             <a:fld id="{02AC24A9-CCB6-4F8D-B8DB-C2F3692CFA5A}" type="datetimeFigureOut">
               <a:rPr lang="en-US" smtClean="0"/>
-              <a:t>3/10/2025</a:t>
+              <a:t>3/13/2025</a:t>
             </a:fld>
             <a:endParaRPr lang="en-US"/>
           </a:p>
@@ -1866,7 +1881,7 @@
           <a:p>
             <a:fld id="{02AC24A9-CCB6-4F8D-B8DB-C2F3692CFA5A}" type="datetimeFigureOut">
               <a:rPr lang="en-US" smtClean="0"/>
-              <a:t>3/10/2025</a:t>
+              <a:t>3/13/2025</a:t>
             </a:fld>
             <a:endParaRPr lang="en-US"/>
           </a:p>
@@ -2398,7 +2413,7 @@
           <a:p>
             <a:fld id="{02AC24A9-CCB6-4F8D-B8DB-C2F3692CFA5A}" type="datetimeFigureOut">
               <a:rPr lang="en-US" smtClean="0"/>
-              <a:t>3/10/2025</a:t>
+              <a:t>3/13/2025</a:t>
             </a:fld>
             <a:endParaRPr lang="en-US"/>
           </a:p>
@@ -3097,7 +3112,7 @@
           <a:p>
             <a:fld id="{02AC24A9-CCB6-4F8D-B8DB-C2F3692CFA5A}" type="datetimeFigureOut">
               <a:rPr lang="en-US" smtClean="0"/>
-              <a:t>3/10/2025</a:t>
+              <a:t>3/13/2025</a:t>
             </a:fld>
             <a:endParaRPr lang="en-US"/>
           </a:p>
@@ -3426,7 +3441,7 @@
           <a:p>
             <a:fld id="{02AC24A9-CCB6-4F8D-B8DB-C2F3692CFA5A}" type="datetimeFigureOut">
               <a:rPr lang="en-US" smtClean="0"/>
-              <a:t>3/10/2025</a:t>
+              <a:t>3/13/2025</a:t>
             </a:fld>
             <a:endParaRPr lang="en-US"/>
           </a:p>
@@ -3539,7 +3554,7 @@
           <a:p>
             <a:fld id="{02AC24A9-CCB6-4F8D-B8DB-C2F3692CFA5A}" type="datetimeFigureOut">
               <a:rPr lang="en-US" smtClean="0"/>
-              <a:t>3/10/2025</a:t>
+              <a:t>3/13/2025</a:t>
             </a:fld>
             <a:endParaRPr lang="en-US"/>
           </a:p>
@@ -4034,7 +4049,7 @@
           <a:p>
             <a:fld id="{02AC24A9-CCB6-4F8D-B8DB-C2F3692CFA5A}" type="datetimeFigureOut">
               <a:rPr lang="en-US" smtClean="0"/>
-              <a:t>3/10/2025</a:t>
+              <a:t>3/13/2025</a:t>
             </a:fld>
             <a:endParaRPr lang="en-US" dirty="0"/>
           </a:p>
@@ -4511,7 +4526,7 @@
           <a:p>
             <a:fld id="{02AC24A9-CCB6-4F8D-B8DB-C2F3692CFA5A}" type="datetimeFigureOut">
               <a:rPr lang="en-US" smtClean="0"/>
-              <a:t>3/10/2025</a:t>
+              <a:t>3/13/2025</a:t>
             </a:fld>
             <a:endParaRPr lang="en-US"/>
           </a:p>
@@ -4754,7 +4769,7 @@
           <a:p>
             <a:fld id="{02AC24A9-CCB6-4F8D-B8DB-C2F3692CFA5A}" type="datetimeFigureOut">
               <a:rPr lang="en-US" smtClean="0"/>
-              <a:t>3/10/2025</a:t>
+              <a:t>3/13/2025</a:t>
             </a:fld>
             <a:endParaRPr lang="en-US"/>
           </a:p>
@@ -5235,7 +5250,7 @@
           <a:lstStyle/>
           <a:p>
             <a:pPr algn="ctr"/>
-            <a:endParaRPr lang="en-US"/>
+            <a:endParaRPr lang="en-US" dirty="0"/>
           </a:p>
         </p:txBody>
       </p:sp>
@@ -5499,7 +5514,7 @@
               <a:tabLst/>
               <a:defRPr/>
             </a:pPr>
-            <a:endParaRPr kumimoji="0" lang="en-US" sz="1800" b="0" i="0" u="none" strike="noStrike" kern="1200" cap="none" spc="0" normalizeH="0" baseline="0" noProof="0">
+            <a:endParaRPr kumimoji="0" lang="en-US" sz="1800" b="0" i="0" u="none" strike="noStrike" kern="1200" cap="none" spc="0" normalizeH="0" baseline="0" noProof="0" dirty="0">
               <a:ln>
                 <a:noFill/>
               </a:ln>
@@ -5581,6 +5596,1374 @@
         </p:style>
         <p:txBody>
           <a:bodyPr rtlCol="0" anchor="ctr"/>
+          <a:lstStyle/>
+          <a:p>
+            <a:pPr marL="0" marR="0" lvl="0" indent="0" algn="ctr" defTabSz="914400" rtl="0" eaLnBrk="1" fontAlgn="auto" latinLnBrk="0" hangingPunct="1">
+              <a:lnSpc>
+                <a:spcPct val="100000"/>
+              </a:lnSpc>
+              <a:spcBef>
+                <a:spcPts val="0"/>
+              </a:spcBef>
+              <a:spcAft>
+                <a:spcPts val="0"/>
+              </a:spcAft>
+              <a:buClrTx/>
+              <a:buSzTx/>
+              <a:buFontTx/>
+              <a:buNone/>
+              <a:tabLst/>
+              <a:defRPr/>
+            </a:pPr>
+            <a:endParaRPr kumimoji="0" lang="en-US" sz="1800" b="0" i="0" u="none" strike="noStrike" kern="1200" cap="none" spc="0" normalizeH="0" baseline="0" noProof="0" dirty="0">
+              <a:ln>
+                <a:noFill/>
+              </a:ln>
+              <a:solidFill>
+                <a:prstClr val="white"/>
+              </a:solidFill>
+              <a:effectLst/>
+              <a:uLnTx/>
+              <a:uFillTx/>
+              <a:latin typeface="Calibri" panose="020F0502020204030204"/>
+              <a:ea typeface="+mn-ea"/>
+              <a:cs typeface="+mn-cs"/>
+            </a:endParaRPr>
+          </a:p>
+        </p:txBody>
+      </p:sp>
+    </p:spTree>
+    <p:extLst>
+      <p:ext uri="{BB962C8B-B14F-4D97-AF65-F5344CB8AC3E}">
+        <p14:creationId xmlns:p14="http://schemas.microsoft.com/office/powerpoint/2010/main" val="3366734229"/>
+      </p:ext>
+    </p:extLst>
+  </p:cSld>
+  <p:clrMapOvr>
+    <a:masterClrMapping/>
+  </p:clrMapOvr>
+</p:sld>
+</file>
+
+<file path=ppt/slides/slide10.xml><?xml version="1.0" encoding="utf-8"?>
+<p:sld xmlns:a="http://schemas.openxmlformats.org/drawingml/2006/main" xmlns:r="http://schemas.openxmlformats.org/officeDocument/2006/relationships" xmlns:p="http://schemas.openxmlformats.org/presentationml/2006/main">
+  <p:cSld>
+    <p:spTree>
+      <p:nvGrpSpPr>
+        <p:cNvPr id="1" name=""/>
+        <p:cNvGrpSpPr/>
+        <p:nvPr/>
+      </p:nvGrpSpPr>
+      <p:grpSpPr>
+        <a:xfrm>
+          <a:off x="0" y="0"/>
+          <a:ext cx="0" cy="0"/>
+          <a:chOff x="0" y="0"/>
+          <a:chExt cx="0" cy="0"/>
+        </a:xfrm>
+      </p:grpSpPr>
+      <p:sp>
+        <p:nvSpPr>
+          <p:cNvPr id="2" name="Título 1">
+            <a:extLst>
+              <a:ext uri="{FF2B5EF4-FFF2-40B4-BE49-F238E27FC236}">
+                <a16:creationId xmlns:a16="http://schemas.microsoft.com/office/drawing/2014/main" id="{C6434DB0-8AF9-44F7-B55A-81E75E536FD0}"/>
+              </a:ext>
+            </a:extLst>
+          </p:cNvPr>
+          <p:cNvSpPr>
+            <a:spLocks noGrp="1"/>
+          </p:cNvSpPr>
+          <p:nvPr>
+            <p:ph type="title"/>
+          </p:nvPr>
+        </p:nvSpPr>
+        <p:spPr/>
+        <p:txBody>
+          <a:bodyPr/>
+          <a:lstStyle/>
+          <a:p>
+            <a:r>
+              <a:rPr lang="pt-BR" dirty="0"/>
+              <a:t>Idioma</a:t>
+            </a:r>
+          </a:p>
+        </p:txBody>
+      </p:sp>
+      <p:sp>
+        <p:nvSpPr>
+          <p:cNvPr id="3" name="Espaço Reservado para Conteúdo 2">
+            <a:extLst>
+              <a:ext uri="{FF2B5EF4-FFF2-40B4-BE49-F238E27FC236}">
+                <a16:creationId xmlns:a16="http://schemas.microsoft.com/office/drawing/2014/main" id="{21819CBC-5AFC-C44D-8E20-CCE879E5088A}"/>
+              </a:ext>
+            </a:extLst>
+          </p:cNvPr>
+          <p:cNvSpPr>
+            <a:spLocks noGrp="1"/>
+          </p:cNvSpPr>
+          <p:nvPr>
+            <p:ph idx="1"/>
+          </p:nvPr>
+        </p:nvSpPr>
+        <p:spPr/>
+        <p:txBody>
+          <a:bodyPr/>
+          <a:lstStyle/>
+          <a:p>
+            <a:r>
+              <a:rPr lang="pt-BR" dirty="0"/>
+              <a:t>Se você respondeu que seria um idioma universal ou um idioma mais fácil como o inglês ou o esperanto você está correto!</a:t>
+            </a:r>
+          </a:p>
+          <a:p>
+            <a:r>
+              <a:rPr lang="pt-BR" dirty="0"/>
+              <a:t>O “idioma” ao qual os computadores se comunicavam era o NCP. </a:t>
+            </a:r>
+          </a:p>
+        </p:txBody>
+      </p:sp>
+    </p:spTree>
+    <p:extLst>
+      <p:ext uri="{BB962C8B-B14F-4D97-AF65-F5344CB8AC3E}">
+        <p14:creationId xmlns:p14="http://schemas.microsoft.com/office/powerpoint/2010/main" val="3933331837"/>
+      </p:ext>
+    </p:extLst>
+  </p:cSld>
+  <p:clrMapOvr>
+    <a:masterClrMapping/>
+  </p:clrMapOvr>
+</p:sld>
+</file>
+
+<file path=ppt/slides/slide100.xml><?xml version="1.0" encoding="utf-8"?>
+<p:sld xmlns:a="http://schemas.openxmlformats.org/drawingml/2006/main" xmlns:r="http://schemas.openxmlformats.org/officeDocument/2006/relationships" xmlns:p="http://schemas.openxmlformats.org/presentationml/2006/main">
+  <p:cSld>
+    <p:spTree>
+      <p:nvGrpSpPr>
+        <p:cNvPr id="1" name=""/>
+        <p:cNvGrpSpPr/>
+        <p:nvPr/>
+      </p:nvGrpSpPr>
+      <p:grpSpPr>
+        <a:xfrm>
+          <a:off x="0" y="0"/>
+          <a:ext cx="0" cy="0"/>
+          <a:chOff x="0" y="0"/>
+          <a:chExt cx="0" cy="0"/>
+        </a:xfrm>
+      </p:grpSpPr>
+      <p:sp>
+        <p:nvSpPr>
+          <p:cNvPr id="2" name="Título 1">
+            <a:extLst>
+              <a:ext uri="{FF2B5EF4-FFF2-40B4-BE49-F238E27FC236}">
+                <a16:creationId xmlns:a16="http://schemas.microsoft.com/office/drawing/2014/main" id="{FFFDADEE-6501-2651-2F5F-E98014AFD63B}"/>
+              </a:ext>
+            </a:extLst>
+          </p:cNvPr>
+          <p:cNvSpPr>
+            <a:spLocks noGrp="1"/>
+          </p:cNvSpPr>
+          <p:nvPr>
+            <p:ph type="title"/>
+          </p:nvPr>
+        </p:nvSpPr>
+        <p:spPr/>
+        <p:txBody>
+          <a:bodyPr/>
+          <a:lstStyle/>
+          <a:p>
+            <a:r>
+              <a:rPr lang="pt-BR" dirty="0" err="1"/>
+              <a:t>Tag</a:t>
+            </a:r>
+            <a:r>
+              <a:rPr lang="pt-BR" dirty="0"/>
+              <a:t> </a:t>
+            </a:r>
+            <a:r>
+              <a:rPr lang="pt-BR" dirty="0" err="1"/>
+              <a:t>strong</a:t>
+            </a:r>
+            <a:endParaRPr lang="pt-BR" dirty="0"/>
+          </a:p>
+        </p:txBody>
+      </p:sp>
+      <p:sp>
+        <p:nvSpPr>
+          <p:cNvPr id="3" name="Espaço Reservado para Conteúdo 2">
+            <a:extLst>
+              <a:ext uri="{FF2B5EF4-FFF2-40B4-BE49-F238E27FC236}">
+                <a16:creationId xmlns:a16="http://schemas.microsoft.com/office/drawing/2014/main" id="{59B08E0B-B1B6-09A1-95C0-4DF455BCDFAE}"/>
+              </a:ext>
+            </a:extLst>
+          </p:cNvPr>
+          <p:cNvSpPr>
+            <a:spLocks noGrp="1"/>
+          </p:cNvSpPr>
+          <p:nvPr>
+            <p:ph idx="1"/>
+          </p:nvPr>
+        </p:nvSpPr>
+        <p:spPr/>
+        <p:txBody>
+          <a:bodyPr/>
+          <a:lstStyle/>
+          <a:p>
+            <a:r>
+              <a:rPr lang="pt-BR" dirty="0"/>
+              <a:t>Coloca os Textos em Negrito</a:t>
+            </a:r>
+          </a:p>
+        </p:txBody>
+      </p:sp>
+      <p:pic>
+        <p:nvPicPr>
+          <p:cNvPr id="5" name="Imagem 4">
+            <a:extLst>
+              <a:ext uri="{FF2B5EF4-FFF2-40B4-BE49-F238E27FC236}">
+                <a16:creationId xmlns:a16="http://schemas.microsoft.com/office/drawing/2014/main" id="{167DFB11-B30D-22CF-2AC5-0430A4AADC42}"/>
+              </a:ext>
+            </a:extLst>
+          </p:cNvPr>
+          <p:cNvPicPr>
+            <a:picLocks noChangeAspect="1"/>
+          </p:cNvPicPr>
+          <p:nvPr/>
+        </p:nvPicPr>
+        <p:blipFill>
+          <a:blip r:embed="rId2"/>
+          <a:stretch>
+            <a:fillRect/>
+          </a:stretch>
+        </p:blipFill>
+        <p:spPr>
+          <a:xfrm>
+            <a:off x="149922" y="3581782"/>
+            <a:ext cx="11892156" cy="929622"/>
+          </a:xfrm>
+          <a:prstGeom prst="rect">
+            <a:avLst/>
+          </a:prstGeom>
+        </p:spPr>
+      </p:pic>
+    </p:spTree>
+    <p:extLst>
+      <p:ext uri="{BB962C8B-B14F-4D97-AF65-F5344CB8AC3E}">
+        <p14:creationId xmlns:p14="http://schemas.microsoft.com/office/powerpoint/2010/main" val="1769184679"/>
+      </p:ext>
+    </p:extLst>
+  </p:cSld>
+  <p:clrMapOvr>
+    <a:masterClrMapping/>
+  </p:clrMapOvr>
+</p:sld>
+</file>
+
+<file path=ppt/slides/slide101.xml><?xml version="1.0" encoding="utf-8"?>
+<p:sld xmlns:a="http://schemas.openxmlformats.org/drawingml/2006/main" xmlns:r="http://schemas.openxmlformats.org/officeDocument/2006/relationships" xmlns:p="http://schemas.openxmlformats.org/presentationml/2006/main">
+  <p:cSld>
+    <p:spTree>
+      <p:nvGrpSpPr>
+        <p:cNvPr id="1" name=""/>
+        <p:cNvGrpSpPr/>
+        <p:nvPr/>
+      </p:nvGrpSpPr>
+      <p:grpSpPr>
+        <a:xfrm>
+          <a:off x="0" y="0"/>
+          <a:ext cx="0" cy="0"/>
+          <a:chOff x="0" y="0"/>
+          <a:chExt cx="0" cy="0"/>
+        </a:xfrm>
+      </p:grpSpPr>
+      <p:sp>
+        <p:nvSpPr>
+          <p:cNvPr id="2" name="Título 1">
+            <a:extLst>
+              <a:ext uri="{FF2B5EF4-FFF2-40B4-BE49-F238E27FC236}">
+                <a16:creationId xmlns:a16="http://schemas.microsoft.com/office/drawing/2014/main" id="{E38BA47C-6A8D-1BF0-9BFE-5C0D56469A6D}"/>
+              </a:ext>
+            </a:extLst>
+          </p:cNvPr>
+          <p:cNvSpPr>
+            <a:spLocks noGrp="1"/>
+          </p:cNvSpPr>
+          <p:nvPr>
+            <p:ph type="title"/>
+          </p:nvPr>
+        </p:nvSpPr>
+        <p:spPr/>
+        <p:txBody>
+          <a:bodyPr>
+            <a:normAutofit fontScale="90000"/>
+          </a:bodyPr>
+          <a:lstStyle/>
+          <a:p>
+            <a:r>
+              <a:rPr lang="pt-BR" dirty="0" err="1"/>
+              <a:t>Tag</a:t>
+            </a:r>
+            <a:r>
+              <a:rPr lang="pt-BR" dirty="0"/>
+              <a:t> em</a:t>
+            </a:r>
+            <a:br>
+              <a:rPr lang="pt-BR" dirty="0"/>
+            </a:br>
+            <a:endParaRPr lang="pt-BR" dirty="0"/>
+          </a:p>
+        </p:txBody>
+      </p:sp>
+      <p:sp>
+        <p:nvSpPr>
+          <p:cNvPr id="3" name="Espaço Reservado para Conteúdo 2">
+            <a:extLst>
+              <a:ext uri="{FF2B5EF4-FFF2-40B4-BE49-F238E27FC236}">
+                <a16:creationId xmlns:a16="http://schemas.microsoft.com/office/drawing/2014/main" id="{A40E534A-43A8-97DD-3BF7-8849F2B70E6C}"/>
+              </a:ext>
+            </a:extLst>
+          </p:cNvPr>
+          <p:cNvSpPr>
+            <a:spLocks noGrp="1"/>
+          </p:cNvSpPr>
+          <p:nvPr>
+            <p:ph idx="1"/>
+          </p:nvPr>
+        </p:nvSpPr>
+        <p:spPr/>
+        <p:txBody>
+          <a:bodyPr/>
+          <a:lstStyle/>
+          <a:p>
+            <a:r>
+              <a:rPr lang="pt-BR" dirty="0" err="1"/>
+              <a:t>Tag</a:t>
+            </a:r>
+            <a:r>
+              <a:rPr lang="pt-BR" dirty="0"/>
+              <a:t> dedicada a exibir um texto em itálico</a:t>
+            </a:r>
+          </a:p>
+        </p:txBody>
+      </p:sp>
+      <p:pic>
+        <p:nvPicPr>
+          <p:cNvPr id="5" name="Imagem 4">
+            <a:extLst>
+              <a:ext uri="{FF2B5EF4-FFF2-40B4-BE49-F238E27FC236}">
+                <a16:creationId xmlns:a16="http://schemas.microsoft.com/office/drawing/2014/main" id="{7BD53E17-C84E-7CDD-677A-1CB9F20FCD60}"/>
+              </a:ext>
+            </a:extLst>
+          </p:cNvPr>
+          <p:cNvPicPr>
+            <a:picLocks noChangeAspect="1"/>
+          </p:cNvPicPr>
+          <p:nvPr/>
+        </p:nvPicPr>
+        <p:blipFill>
+          <a:blip r:embed="rId2"/>
+          <a:stretch>
+            <a:fillRect/>
+          </a:stretch>
+        </p:blipFill>
+        <p:spPr>
+          <a:xfrm>
+            <a:off x="1939891" y="3785525"/>
+            <a:ext cx="8312217" cy="2386675"/>
+          </a:xfrm>
+          <a:prstGeom prst="rect">
+            <a:avLst/>
+          </a:prstGeom>
+        </p:spPr>
+      </p:pic>
+    </p:spTree>
+    <p:extLst>
+      <p:ext uri="{BB962C8B-B14F-4D97-AF65-F5344CB8AC3E}">
+        <p14:creationId xmlns:p14="http://schemas.microsoft.com/office/powerpoint/2010/main" val="4002955219"/>
+      </p:ext>
+    </p:extLst>
+  </p:cSld>
+  <p:clrMapOvr>
+    <a:masterClrMapping/>
+  </p:clrMapOvr>
+</p:sld>
+</file>
+
+<file path=ppt/slides/slide102.xml><?xml version="1.0" encoding="utf-8"?>
+<p:sld xmlns:a="http://schemas.openxmlformats.org/drawingml/2006/main" xmlns:r="http://schemas.openxmlformats.org/officeDocument/2006/relationships" xmlns:p="http://schemas.openxmlformats.org/presentationml/2006/main">
+  <p:cSld>
+    <p:spTree>
+      <p:nvGrpSpPr>
+        <p:cNvPr id="1" name=""/>
+        <p:cNvGrpSpPr/>
+        <p:nvPr/>
+      </p:nvGrpSpPr>
+      <p:grpSpPr>
+        <a:xfrm>
+          <a:off x="0" y="0"/>
+          <a:ext cx="0" cy="0"/>
+          <a:chOff x="0" y="0"/>
+          <a:chExt cx="0" cy="0"/>
+        </a:xfrm>
+      </p:grpSpPr>
+      <p:sp>
+        <p:nvSpPr>
+          <p:cNvPr id="2" name="Título 1">
+            <a:extLst>
+              <a:ext uri="{FF2B5EF4-FFF2-40B4-BE49-F238E27FC236}">
+                <a16:creationId xmlns:a16="http://schemas.microsoft.com/office/drawing/2014/main" id="{ABDE710B-4348-8C8A-5862-257AC73D230A}"/>
+              </a:ext>
+            </a:extLst>
+          </p:cNvPr>
+          <p:cNvSpPr>
+            <a:spLocks noGrp="1"/>
+          </p:cNvSpPr>
+          <p:nvPr>
+            <p:ph type="title"/>
+          </p:nvPr>
+        </p:nvSpPr>
+        <p:spPr/>
+        <p:txBody>
+          <a:bodyPr/>
+          <a:lstStyle/>
+          <a:p>
+            <a:r>
+              <a:rPr lang="pt-BR" dirty="0" err="1"/>
+              <a:t>Tag</a:t>
+            </a:r>
+            <a:r>
+              <a:rPr lang="pt-BR" dirty="0"/>
+              <a:t> </a:t>
+            </a:r>
+            <a:r>
+              <a:rPr lang="pt-BR" dirty="0" err="1"/>
+              <a:t>code</a:t>
+            </a:r>
+            <a:endParaRPr lang="pt-BR" dirty="0"/>
+          </a:p>
+        </p:txBody>
+      </p:sp>
+      <p:sp>
+        <p:nvSpPr>
+          <p:cNvPr id="3" name="Espaço Reservado para Conteúdo 2">
+            <a:extLst>
+              <a:ext uri="{FF2B5EF4-FFF2-40B4-BE49-F238E27FC236}">
+                <a16:creationId xmlns:a16="http://schemas.microsoft.com/office/drawing/2014/main" id="{2F04546F-CBC8-F240-B51E-A00C56106E7F}"/>
+              </a:ext>
+            </a:extLst>
+          </p:cNvPr>
+          <p:cNvSpPr>
+            <a:spLocks noGrp="1"/>
+          </p:cNvSpPr>
+          <p:nvPr>
+            <p:ph idx="1"/>
+          </p:nvPr>
+        </p:nvSpPr>
+        <p:spPr/>
+        <p:txBody>
+          <a:bodyPr/>
+          <a:lstStyle/>
+          <a:p>
+            <a:r>
+              <a:rPr lang="pt-BR" dirty="0"/>
+              <a:t>O nome já é bastante autoexplicativo, o objetivo é mostrar na Interface um trecho de código:</a:t>
+            </a:r>
+          </a:p>
+        </p:txBody>
+      </p:sp>
+      <p:pic>
+        <p:nvPicPr>
+          <p:cNvPr id="5" name="Imagem 4">
+            <a:extLst>
+              <a:ext uri="{FF2B5EF4-FFF2-40B4-BE49-F238E27FC236}">
+                <a16:creationId xmlns:a16="http://schemas.microsoft.com/office/drawing/2014/main" id="{F484A7DA-3F9E-DC96-CB1B-D8E7C76324F1}"/>
+              </a:ext>
+            </a:extLst>
+          </p:cNvPr>
+          <p:cNvPicPr>
+            <a:picLocks noChangeAspect="1"/>
+          </p:cNvPicPr>
+          <p:nvPr/>
+        </p:nvPicPr>
+        <p:blipFill>
+          <a:blip r:embed="rId2"/>
+          <a:stretch>
+            <a:fillRect/>
+          </a:stretch>
+        </p:blipFill>
+        <p:spPr>
+          <a:xfrm>
+            <a:off x="736847" y="3855063"/>
+            <a:ext cx="10718306" cy="1855624"/>
+          </a:xfrm>
+          <a:prstGeom prst="rect">
+            <a:avLst/>
+          </a:prstGeom>
+        </p:spPr>
+      </p:pic>
+    </p:spTree>
+    <p:extLst>
+      <p:ext uri="{BB962C8B-B14F-4D97-AF65-F5344CB8AC3E}">
+        <p14:creationId xmlns:p14="http://schemas.microsoft.com/office/powerpoint/2010/main" val="3072611932"/>
+      </p:ext>
+    </p:extLst>
+  </p:cSld>
+  <p:clrMapOvr>
+    <a:masterClrMapping/>
+  </p:clrMapOvr>
+</p:sld>
+</file>
+
+<file path=ppt/slides/slide103.xml><?xml version="1.0" encoding="utf-8"?>
+<p:sld xmlns:a="http://schemas.openxmlformats.org/drawingml/2006/main" xmlns:r="http://schemas.openxmlformats.org/officeDocument/2006/relationships" xmlns:p="http://schemas.openxmlformats.org/presentationml/2006/main">
+  <p:cSld>
+    <p:spTree>
+      <p:nvGrpSpPr>
+        <p:cNvPr id="1" name=""/>
+        <p:cNvGrpSpPr/>
+        <p:nvPr/>
+      </p:nvGrpSpPr>
+      <p:grpSpPr>
+        <a:xfrm>
+          <a:off x="0" y="0"/>
+          <a:ext cx="0" cy="0"/>
+          <a:chOff x="0" y="0"/>
+          <a:chExt cx="0" cy="0"/>
+        </a:xfrm>
+      </p:grpSpPr>
+      <p:sp>
+        <p:nvSpPr>
+          <p:cNvPr id="2" name="Título 1">
+            <a:extLst>
+              <a:ext uri="{FF2B5EF4-FFF2-40B4-BE49-F238E27FC236}">
+                <a16:creationId xmlns:a16="http://schemas.microsoft.com/office/drawing/2014/main" id="{DF23E368-6EC9-35C2-3B8E-083A5E73CFB4}"/>
+              </a:ext>
+            </a:extLst>
+          </p:cNvPr>
+          <p:cNvSpPr>
+            <a:spLocks noGrp="1"/>
+          </p:cNvSpPr>
+          <p:nvPr>
+            <p:ph type="title"/>
+          </p:nvPr>
+        </p:nvSpPr>
+        <p:spPr/>
+        <p:txBody>
+          <a:bodyPr/>
+          <a:lstStyle/>
+          <a:p>
+            <a:r>
+              <a:rPr lang="pt-BR" dirty="0" err="1"/>
+              <a:t>Tag</a:t>
+            </a:r>
+            <a:r>
+              <a:rPr lang="pt-BR" dirty="0"/>
+              <a:t> </a:t>
+            </a:r>
+            <a:r>
+              <a:rPr lang="pt-BR" dirty="0" err="1"/>
+              <a:t>small</a:t>
+            </a:r>
+            <a:endParaRPr lang="pt-BR" dirty="0"/>
+          </a:p>
+        </p:txBody>
+      </p:sp>
+      <p:sp>
+        <p:nvSpPr>
+          <p:cNvPr id="3" name="Espaço Reservado para Conteúdo 2">
+            <a:extLst>
+              <a:ext uri="{FF2B5EF4-FFF2-40B4-BE49-F238E27FC236}">
+                <a16:creationId xmlns:a16="http://schemas.microsoft.com/office/drawing/2014/main" id="{A9AB6C38-DBEC-786A-913F-7C2BB8D92344}"/>
+              </a:ext>
+            </a:extLst>
+          </p:cNvPr>
+          <p:cNvSpPr>
+            <a:spLocks noGrp="1"/>
+          </p:cNvSpPr>
+          <p:nvPr>
+            <p:ph idx="1"/>
+          </p:nvPr>
+        </p:nvSpPr>
+        <p:spPr/>
+        <p:txBody>
+          <a:bodyPr/>
+          <a:lstStyle/>
+          <a:p>
+            <a:r>
+              <a:rPr lang="pt-BR" dirty="0"/>
+              <a:t>A </a:t>
+            </a:r>
+            <a:r>
+              <a:rPr lang="pt-BR" dirty="0" err="1"/>
+              <a:t>tag</a:t>
+            </a:r>
+            <a:r>
+              <a:rPr lang="pt-BR" dirty="0"/>
+              <a:t> </a:t>
+            </a:r>
+            <a:r>
+              <a:rPr lang="pt-BR" dirty="0" err="1"/>
+              <a:t>small</a:t>
+            </a:r>
+            <a:r>
+              <a:rPr lang="pt-BR" dirty="0"/>
+              <a:t> possui por objetivo mostrar pequenos elementos dentro de uma interface. </a:t>
+            </a:r>
+          </a:p>
+        </p:txBody>
+      </p:sp>
+      <p:pic>
+        <p:nvPicPr>
+          <p:cNvPr id="5" name="Imagem 4">
+            <a:extLst>
+              <a:ext uri="{FF2B5EF4-FFF2-40B4-BE49-F238E27FC236}">
+                <a16:creationId xmlns:a16="http://schemas.microsoft.com/office/drawing/2014/main" id="{BAB26BA1-D857-3A8A-3440-5092BEE2B48B}"/>
+              </a:ext>
+            </a:extLst>
+          </p:cNvPr>
+          <p:cNvPicPr>
+            <a:picLocks noChangeAspect="1"/>
+          </p:cNvPicPr>
+          <p:nvPr/>
+        </p:nvPicPr>
+        <p:blipFill>
+          <a:blip r:embed="rId2"/>
+          <a:stretch>
+            <a:fillRect/>
+          </a:stretch>
+        </p:blipFill>
+        <p:spPr>
+          <a:xfrm>
+            <a:off x="217014" y="4030587"/>
+            <a:ext cx="11757971" cy="2035618"/>
+          </a:xfrm>
+          <a:prstGeom prst="rect">
+            <a:avLst/>
+          </a:prstGeom>
+        </p:spPr>
+      </p:pic>
+    </p:spTree>
+    <p:extLst>
+      <p:ext uri="{BB962C8B-B14F-4D97-AF65-F5344CB8AC3E}">
+        <p14:creationId xmlns:p14="http://schemas.microsoft.com/office/powerpoint/2010/main" val="1708926867"/>
+      </p:ext>
+    </p:extLst>
+  </p:cSld>
+  <p:clrMapOvr>
+    <a:masterClrMapping/>
+  </p:clrMapOvr>
+</p:sld>
+</file>
+
+<file path=ppt/slides/slide104.xml><?xml version="1.0" encoding="utf-8"?>
+<p:sld xmlns:a="http://schemas.openxmlformats.org/drawingml/2006/main" xmlns:r="http://schemas.openxmlformats.org/officeDocument/2006/relationships" xmlns:p="http://schemas.openxmlformats.org/presentationml/2006/main">
+  <p:cSld>
+    <p:spTree>
+      <p:nvGrpSpPr>
+        <p:cNvPr id="1" name=""/>
+        <p:cNvGrpSpPr/>
+        <p:nvPr/>
+      </p:nvGrpSpPr>
+      <p:grpSpPr>
+        <a:xfrm>
+          <a:off x="0" y="0"/>
+          <a:ext cx="0" cy="0"/>
+          <a:chOff x="0" y="0"/>
+          <a:chExt cx="0" cy="0"/>
+        </a:xfrm>
+      </p:grpSpPr>
+      <p:sp>
+        <p:nvSpPr>
+          <p:cNvPr id="2" name="Título 1">
+            <a:extLst>
+              <a:ext uri="{FF2B5EF4-FFF2-40B4-BE49-F238E27FC236}">
+                <a16:creationId xmlns:a16="http://schemas.microsoft.com/office/drawing/2014/main" id="{DAE760AE-67F8-C1F1-CB06-D718D4EF5D4B}"/>
+              </a:ext>
+            </a:extLst>
+          </p:cNvPr>
+          <p:cNvSpPr>
+            <a:spLocks noGrp="1"/>
+          </p:cNvSpPr>
+          <p:nvPr>
+            <p:ph type="title"/>
+          </p:nvPr>
+        </p:nvSpPr>
+        <p:spPr/>
+        <p:txBody>
+          <a:bodyPr/>
+          <a:lstStyle/>
+          <a:p>
+            <a:r>
+              <a:rPr lang="pt-BR" dirty="0" err="1"/>
+              <a:t>Tag</a:t>
+            </a:r>
+            <a:r>
+              <a:rPr lang="pt-BR" dirty="0"/>
+              <a:t> </a:t>
+            </a:r>
+            <a:r>
+              <a:rPr lang="pt-BR" dirty="0" err="1"/>
+              <a:t>abbr</a:t>
+            </a:r>
+            <a:endParaRPr lang="pt-BR" dirty="0"/>
+          </a:p>
+        </p:txBody>
+      </p:sp>
+      <p:sp>
+        <p:nvSpPr>
+          <p:cNvPr id="3" name="Espaço Reservado para Conteúdo 2">
+            <a:extLst>
+              <a:ext uri="{FF2B5EF4-FFF2-40B4-BE49-F238E27FC236}">
+                <a16:creationId xmlns:a16="http://schemas.microsoft.com/office/drawing/2014/main" id="{B3FFFE95-ABE4-325B-2C47-D4D448297B0A}"/>
+              </a:ext>
+            </a:extLst>
+          </p:cNvPr>
+          <p:cNvSpPr>
+            <a:spLocks noGrp="1"/>
+          </p:cNvSpPr>
+          <p:nvPr>
+            <p:ph idx="1"/>
+          </p:nvPr>
+        </p:nvSpPr>
+        <p:spPr/>
+        <p:txBody>
+          <a:bodyPr/>
+          <a:lstStyle/>
+          <a:p>
+            <a:r>
+              <a:rPr lang="pt-BR" dirty="0"/>
+              <a:t>Usada especialmente para abreviações no seu Texto</a:t>
+            </a:r>
+          </a:p>
+        </p:txBody>
+      </p:sp>
+      <p:pic>
+        <p:nvPicPr>
+          <p:cNvPr id="5" name="Imagem 4">
+            <a:extLst>
+              <a:ext uri="{FF2B5EF4-FFF2-40B4-BE49-F238E27FC236}">
+                <a16:creationId xmlns:a16="http://schemas.microsoft.com/office/drawing/2014/main" id="{5503D77C-1AF8-2736-CD20-534B19E2CB6C}"/>
+              </a:ext>
+            </a:extLst>
+          </p:cNvPr>
+          <p:cNvPicPr>
+            <a:picLocks noChangeAspect="1"/>
+          </p:cNvPicPr>
+          <p:nvPr/>
+        </p:nvPicPr>
+        <p:blipFill>
+          <a:blip r:embed="rId2"/>
+          <a:stretch>
+            <a:fillRect/>
+          </a:stretch>
+        </p:blipFill>
+        <p:spPr>
+          <a:xfrm>
+            <a:off x="2989158" y="3600165"/>
+            <a:ext cx="6213683" cy="1903488"/>
+          </a:xfrm>
+          <a:prstGeom prst="rect">
+            <a:avLst/>
+          </a:prstGeom>
+        </p:spPr>
+      </p:pic>
+    </p:spTree>
+    <p:extLst>
+      <p:ext uri="{BB962C8B-B14F-4D97-AF65-F5344CB8AC3E}">
+        <p14:creationId xmlns:p14="http://schemas.microsoft.com/office/powerpoint/2010/main" val="3255922775"/>
+      </p:ext>
+    </p:extLst>
+  </p:cSld>
+  <p:clrMapOvr>
+    <a:masterClrMapping/>
+  </p:clrMapOvr>
+</p:sld>
+</file>
+
+<file path=ppt/slides/slide105.xml><?xml version="1.0" encoding="utf-8"?>
+<p:sld xmlns:a="http://schemas.openxmlformats.org/drawingml/2006/main" xmlns:r="http://schemas.openxmlformats.org/officeDocument/2006/relationships" xmlns:p="http://schemas.openxmlformats.org/presentationml/2006/main">
+  <p:cSld>
+    <p:spTree>
+      <p:nvGrpSpPr>
+        <p:cNvPr id="1" name=""/>
+        <p:cNvGrpSpPr/>
+        <p:nvPr/>
+      </p:nvGrpSpPr>
+      <p:grpSpPr>
+        <a:xfrm>
+          <a:off x="0" y="0"/>
+          <a:ext cx="0" cy="0"/>
+          <a:chOff x="0" y="0"/>
+          <a:chExt cx="0" cy="0"/>
+        </a:xfrm>
+      </p:grpSpPr>
+      <p:sp>
+        <p:nvSpPr>
+          <p:cNvPr id="2" name="Título 1">
+            <a:extLst>
+              <a:ext uri="{FF2B5EF4-FFF2-40B4-BE49-F238E27FC236}">
+                <a16:creationId xmlns:a16="http://schemas.microsoft.com/office/drawing/2014/main" id="{C9DEF3A7-F8DB-55BD-ACFB-272DD8FEAB99}"/>
+              </a:ext>
+            </a:extLst>
+          </p:cNvPr>
+          <p:cNvSpPr>
+            <a:spLocks noGrp="1"/>
+          </p:cNvSpPr>
+          <p:nvPr>
+            <p:ph type="title"/>
+          </p:nvPr>
+        </p:nvSpPr>
+        <p:spPr/>
+        <p:txBody>
+          <a:bodyPr/>
+          <a:lstStyle/>
+          <a:p>
+            <a:r>
+              <a:rPr lang="pt-BR" dirty="0" err="1"/>
+              <a:t>Tag</a:t>
+            </a:r>
+            <a:r>
+              <a:rPr lang="pt-BR" dirty="0"/>
+              <a:t> </a:t>
+            </a:r>
+            <a:r>
+              <a:rPr lang="pt-BR" dirty="0" err="1"/>
+              <a:t>Address</a:t>
+            </a:r>
+            <a:endParaRPr lang="pt-BR" dirty="0"/>
+          </a:p>
+        </p:txBody>
+      </p:sp>
+      <p:sp>
+        <p:nvSpPr>
+          <p:cNvPr id="3" name="Espaço Reservado para Conteúdo 2">
+            <a:extLst>
+              <a:ext uri="{FF2B5EF4-FFF2-40B4-BE49-F238E27FC236}">
+                <a16:creationId xmlns:a16="http://schemas.microsoft.com/office/drawing/2014/main" id="{D11E18A6-B497-9594-A02C-D41E49D4B643}"/>
+              </a:ext>
+            </a:extLst>
+          </p:cNvPr>
+          <p:cNvSpPr>
+            <a:spLocks noGrp="1"/>
+          </p:cNvSpPr>
+          <p:nvPr>
+            <p:ph idx="1"/>
+          </p:nvPr>
+        </p:nvSpPr>
+        <p:spPr/>
+        <p:txBody>
+          <a:bodyPr/>
+          <a:lstStyle/>
+          <a:p>
+            <a:r>
+              <a:rPr lang="pt-BR" dirty="0"/>
+              <a:t>A </a:t>
+            </a:r>
+            <a:r>
+              <a:rPr lang="pt-BR" dirty="0" err="1"/>
+              <a:t>tag</a:t>
+            </a:r>
+            <a:r>
+              <a:rPr lang="pt-BR" dirty="0"/>
+              <a:t> </a:t>
+            </a:r>
+            <a:r>
+              <a:rPr lang="pt-BR" dirty="0" err="1"/>
+              <a:t>address</a:t>
+            </a:r>
+            <a:r>
+              <a:rPr lang="pt-BR" dirty="0"/>
+              <a:t> indica um endereço (em itálico) em sua página Web.</a:t>
+            </a:r>
+          </a:p>
+        </p:txBody>
+      </p:sp>
+      <p:pic>
+        <p:nvPicPr>
+          <p:cNvPr id="5" name="Imagem 4">
+            <a:extLst>
+              <a:ext uri="{FF2B5EF4-FFF2-40B4-BE49-F238E27FC236}">
+                <a16:creationId xmlns:a16="http://schemas.microsoft.com/office/drawing/2014/main" id="{90D294AE-B0D3-C00A-610A-6D44B5FF1DC1}"/>
+              </a:ext>
+            </a:extLst>
+          </p:cNvPr>
+          <p:cNvPicPr>
+            <a:picLocks noChangeAspect="1"/>
+          </p:cNvPicPr>
+          <p:nvPr/>
+        </p:nvPicPr>
+        <p:blipFill>
+          <a:blip r:embed="rId2"/>
+          <a:stretch>
+            <a:fillRect/>
+          </a:stretch>
+        </p:blipFill>
+        <p:spPr>
+          <a:xfrm>
+            <a:off x="2714542" y="3121829"/>
+            <a:ext cx="6762916" cy="2969801"/>
+          </a:xfrm>
+          <a:prstGeom prst="rect">
+            <a:avLst/>
+          </a:prstGeom>
+        </p:spPr>
+      </p:pic>
+    </p:spTree>
+    <p:extLst>
+      <p:ext uri="{BB962C8B-B14F-4D97-AF65-F5344CB8AC3E}">
+        <p14:creationId xmlns:p14="http://schemas.microsoft.com/office/powerpoint/2010/main" val="1630107844"/>
+      </p:ext>
+    </p:extLst>
+  </p:cSld>
+  <p:clrMapOvr>
+    <a:masterClrMapping/>
+  </p:clrMapOvr>
+</p:sld>
+</file>
+
+<file path=ppt/slides/slide106.xml><?xml version="1.0" encoding="utf-8"?>
+<p:sld xmlns:a="http://schemas.openxmlformats.org/drawingml/2006/main" xmlns:r="http://schemas.openxmlformats.org/officeDocument/2006/relationships" xmlns:p="http://schemas.openxmlformats.org/presentationml/2006/main">
+  <p:cSld>
+    <p:spTree>
+      <p:nvGrpSpPr>
+        <p:cNvPr id="1" name=""/>
+        <p:cNvGrpSpPr/>
+        <p:nvPr/>
+      </p:nvGrpSpPr>
+      <p:grpSpPr>
+        <a:xfrm>
+          <a:off x="0" y="0"/>
+          <a:ext cx="0" cy="0"/>
+          <a:chOff x="0" y="0"/>
+          <a:chExt cx="0" cy="0"/>
+        </a:xfrm>
+      </p:grpSpPr>
+      <p:sp>
+        <p:nvSpPr>
+          <p:cNvPr id="2" name="Título 1">
+            <a:extLst>
+              <a:ext uri="{FF2B5EF4-FFF2-40B4-BE49-F238E27FC236}">
+                <a16:creationId xmlns:a16="http://schemas.microsoft.com/office/drawing/2014/main" id="{E4B93C9B-EAFC-F139-182F-57A2826B3E23}"/>
+              </a:ext>
+            </a:extLst>
+          </p:cNvPr>
+          <p:cNvSpPr>
+            <a:spLocks noGrp="1"/>
+          </p:cNvSpPr>
+          <p:nvPr>
+            <p:ph type="title"/>
+          </p:nvPr>
+        </p:nvSpPr>
+        <p:spPr/>
+        <p:txBody>
+          <a:bodyPr/>
+          <a:lstStyle/>
+          <a:p>
+            <a:r>
+              <a:rPr lang="pt-BR" dirty="0"/>
+              <a:t>Listas</a:t>
+            </a:r>
+          </a:p>
+        </p:txBody>
+      </p:sp>
+      <p:sp>
+        <p:nvSpPr>
+          <p:cNvPr id="3" name="Espaço Reservado para Conteúdo 2">
+            <a:extLst>
+              <a:ext uri="{FF2B5EF4-FFF2-40B4-BE49-F238E27FC236}">
+                <a16:creationId xmlns:a16="http://schemas.microsoft.com/office/drawing/2014/main" id="{82F78F1B-D34E-4508-C3CE-9273C53E9358}"/>
+              </a:ext>
+            </a:extLst>
+          </p:cNvPr>
+          <p:cNvSpPr>
+            <a:spLocks noGrp="1"/>
+          </p:cNvSpPr>
+          <p:nvPr>
+            <p:ph idx="1"/>
+          </p:nvPr>
+        </p:nvSpPr>
+        <p:spPr/>
+        <p:txBody>
+          <a:bodyPr/>
+          <a:lstStyle/>
+          <a:p>
+            <a:r>
+              <a:rPr lang="pt-BR" dirty="0"/>
+              <a:t>Além dos textos propriamente ditos, nós também podemos utilizar Listas no HTML, elas podem ser ordenadas, não ordenadas e detalhadas</a:t>
+            </a:r>
+          </a:p>
+        </p:txBody>
+      </p:sp>
+    </p:spTree>
+    <p:extLst>
+      <p:ext uri="{BB962C8B-B14F-4D97-AF65-F5344CB8AC3E}">
+        <p14:creationId xmlns:p14="http://schemas.microsoft.com/office/powerpoint/2010/main" val="1527164085"/>
+      </p:ext>
+    </p:extLst>
+  </p:cSld>
+  <p:clrMapOvr>
+    <a:masterClrMapping/>
+  </p:clrMapOvr>
+</p:sld>
+</file>
+
+<file path=ppt/slides/slide107.xml><?xml version="1.0" encoding="utf-8"?>
+<p:sld xmlns:a="http://schemas.openxmlformats.org/drawingml/2006/main" xmlns:r="http://schemas.openxmlformats.org/officeDocument/2006/relationships" xmlns:p="http://schemas.openxmlformats.org/presentationml/2006/main">
+  <p:cSld>
+    <p:spTree>
+      <p:nvGrpSpPr>
+        <p:cNvPr id="1" name=""/>
+        <p:cNvGrpSpPr/>
+        <p:nvPr/>
+      </p:nvGrpSpPr>
+      <p:grpSpPr>
+        <a:xfrm>
+          <a:off x="0" y="0"/>
+          <a:ext cx="0" cy="0"/>
+          <a:chOff x="0" y="0"/>
+          <a:chExt cx="0" cy="0"/>
+        </a:xfrm>
+      </p:grpSpPr>
+      <p:sp>
+        <p:nvSpPr>
+          <p:cNvPr id="2" name="Título 1">
+            <a:extLst>
+              <a:ext uri="{FF2B5EF4-FFF2-40B4-BE49-F238E27FC236}">
+                <a16:creationId xmlns:a16="http://schemas.microsoft.com/office/drawing/2014/main" id="{EA9C5086-9189-8933-C821-03B44EBC92D2}"/>
+              </a:ext>
+            </a:extLst>
+          </p:cNvPr>
+          <p:cNvSpPr>
+            <a:spLocks noGrp="1"/>
+          </p:cNvSpPr>
+          <p:nvPr>
+            <p:ph type="title"/>
+          </p:nvPr>
+        </p:nvSpPr>
+        <p:spPr/>
+        <p:txBody>
+          <a:bodyPr/>
+          <a:lstStyle/>
+          <a:p>
+            <a:r>
+              <a:rPr lang="pt-BR" dirty="0"/>
+              <a:t>Listas Ordenadas</a:t>
+            </a:r>
+          </a:p>
+        </p:txBody>
+      </p:sp>
+      <p:sp>
+        <p:nvSpPr>
+          <p:cNvPr id="3" name="Espaço Reservado para Conteúdo 2">
+            <a:extLst>
+              <a:ext uri="{FF2B5EF4-FFF2-40B4-BE49-F238E27FC236}">
+                <a16:creationId xmlns:a16="http://schemas.microsoft.com/office/drawing/2014/main" id="{8904B8C1-F53F-332E-737C-64CF605BA1FC}"/>
+              </a:ext>
+            </a:extLst>
+          </p:cNvPr>
+          <p:cNvSpPr>
+            <a:spLocks noGrp="1"/>
+          </p:cNvSpPr>
+          <p:nvPr>
+            <p:ph idx="1"/>
+          </p:nvPr>
+        </p:nvSpPr>
+        <p:spPr/>
+        <p:txBody>
+          <a:bodyPr/>
+          <a:lstStyle/>
+          <a:p>
+            <a:pPr marL="457200" indent="-457200">
+              <a:buFont typeface="+mj-lt"/>
+              <a:buAutoNum type="arabicPeriod"/>
+            </a:pPr>
+            <a:r>
+              <a:rPr lang="pt-BR" dirty="0"/>
+              <a:t>Sabem esses números que ficam geralmente ao lado de um texto no meu slide? </a:t>
+            </a:r>
+          </a:p>
+          <a:p>
+            <a:pPr marL="457200" indent="-457200">
+              <a:buFont typeface="+mj-lt"/>
+              <a:buAutoNum type="arabicPeriod"/>
+            </a:pPr>
+            <a:r>
+              <a:rPr lang="pt-BR" dirty="0"/>
+              <a:t>Então, essa é uma representação visual das listas ordenadas no HTML.</a:t>
+            </a:r>
+          </a:p>
+        </p:txBody>
+      </p:sp>
+      <p:pic>
+        <p:nvPicPr>
+          <p:cNvPr id="5" name="Imagem 4">
+            <a:extLst>
+              <a:ext uri="{FF2B5EF4-FFF2-40B4-BE49-F238E27FC236}">
+                <a16:creationId xmlns:a16="http://schemas.microsoft.com/office/drawing/2014/main" id="{29898EDC-3A66-2972-EB2D-71BA2FBFC2CE}"/>
+              </a:ext>
+            </a:extLst>
+          </p:cNvPr>
+          <p:cNvPicPr>
+            <a:picLocks noChangeAspect="1"/>
+          </p:cNvPicPr>
+          <p:nvPr/>
+        </p:nvPicPr>
+        <p:blipFill>
+          <a:blip r:embed="rId2"/>
+          <a:stretch>
+            <a:fillRect/>
+          </a:stretch>
+        </p:blipFill>
+        <p:spPr>
+          <a:xfrm>
+            <a:off x="4895682" y="4537463"/>
+            <a:ext cx="2400635" cy="1771897"/>
+          </a:xfrm>
+          <a:prstGeom prst="rect">
+            <a:avLst/>
+          </a:prstGeom>
+        </p:spPr>
+      </p:pic>
+    </p:spTree>
+    <p:extLst>
+      <p:ext uri="{BB962C8B-B14F-4D97-AF65-F5344CB8AC3E}">
+        <p14:creationId xmlns:p14="http://schemas.microsoft.com/office/powerpoint/2010/main" val="2988216323"/>
+      </p:ext>
+    </p:extLst>
+  </p:cSld>
+  <p:clrMapOvr>
+    <a:masterClrMapping/>
+  </p:clrMapOvr>
+</p:sld>
+</file>
+
+<file path=ppt/slides/slide108.xml><?xml version="1.0" encoding="utf-8"?>
+<p:sld xmlns:a="http://schemas.openxmlformats.org/drawingml/2006/main" xmlns:r="http://schemas.openxmlformats.org/officeDocument/2006/relationships" xmlns:p="http://schemas.openxmlformats.org/presentationml/2006/main">
+  <p:cSld>
+    <p:bg>
+      <p:bgPr>
+        <a:solidFill>
+          <a:schemeClr val="bg1"/>
+        </a:solidFill>
+        <a:effectLst/>
+      </p:bgPr>
+    </p:bg>
+    <p:spTree>
+      <p:nvGrpSpPr>
+        <p:cNvPr id="1" name=""/>
+        <p:cNvGrpSpPr/>
+        <p:nvPr/>
+      </p:nvGrpSpPr>
+      <p:grpSpPr>
+        <a:xfrm>
+          <a:off x="0" y="0"/>
+          <a:ext cx="0" cy="0"/>
+          <a:chOff x="0" y="0"/>
+          <a:chExt cx="0" cy="0"/>
+        </a:xfrm>
+      </p:grpSpPr>
+      <p:sp useBgFill="1">
+        <p:nvSpPr>
+          <p:cNvPr id="10" name="Rectangle 9">
+            <a:extLst>
+              <a:ext uri="{FF2B5EF4-FFF2-40B4-BE49-F238E27FC236}">
+                <a16:creationId xmlns:a16="http://schemas.microsoft.com/office/drawing/2014/main" id="{0288C6B4-AFC3-407F-A595-EFFD38D4CCAF}"/>
+              </a:ext>
+              <a:ext uri="{C183D7F6-B498-43B3-948B-1728B52AA6E4}">
+                <adec:decorative xmlns:adec="http://schemas.microsoft.com/office/drawing/2017/decorative" val="1"/>
+              </a:ext>
+            </a:extLst>
+          </p:cNvPr>
+          <p:cNvSpPr>
+            <a:spLocks noGrp="1" noRot="1" noChangeAspect="1" noMove="1" noResize="1" noEditPoints="1" noAdjustHandles="1" noChangeArrowheads="1" noChangeShapeType="1" noTextEdit="1"/>
+          </p:cNvSpPr>
+          <p:nvPr>
+            <p:extLst>
+              <p:ext uri="{386F3935-93C4-4BCD-93E2-E3B085C9AB24}">
+                <p16:designElem xmlns:p16="http://schemas.microsoft.com/office/powerpoint/2015/main" val="1"/>
+              </p:ext>
+            </p:extLst>
+          </p:nvPr>
+        </p:nvSpPr>
+        <p:spPr>
+          <a:xfrm>
+            <a:off x="0" y="0"/>
+            <a:ext cx="12192000" cy="6858000"/>
+          </a:xfrm>
+          <a:prstGeom prst="rect">
+            <a:avLst/>
+          </a:prstGeom>
+          <a:ln>
+            <a:noFill/>
+          </a:ln>
+        </p:spPr>
+        <p:style>
+          <a:lnRef idx="2">
+            <a:schemeClr val="accent1">
+              <a:shade val="50000"/>
+            </a:schemeClr>
+          </a:lnRef>
+          <a:fillRef idx="1">
+            <a:schemeClr val="accent1"/>
+          </a:fillRef>
+          <a:effectRef idx="0">
+            <a:schemeClr val="accent1"/>
+          </a:effectRef>
+          <a:fontRef idx="minor">
+            <a:schemeClr val="lt1"/>
+          </a:fontRef>
+        </p:style>
+        <p:txBody>
+          <a:bodyPr rtlCol="0" anchor="ctr"/>
+          <a:lstStyle/>
+          <a:p>
+            <a:pPr algn="ctr"/>
+            <a:endParaRPr lang="en-US"/>
+          </a:p>
+        </p:txBody>
+      </p:sp>
+      <p:sp useBgFill="1">
+        <p:nvSpPr>
+          <p:cNvPr id="12" name="Freeform: Shape 11">
+            <a:extLst>
+              <a:ext uri="{FF2B5EF4-FFF2-40B4-BE49-F238E27FC236}">
+                <a16:creationId xmlns:a16="http://schemas.microsoft.com/office/drawing/2014/main" id="{CF236821-17FE-429B-8D2C-08E13A64EA40}"/>
+              </a:ext>
+              <a:ext uri="{C183D7F6-B498-43B3-948B-1728B52AA6E4}">
+                <adec:decorative xmlns:adec="http://schemas.microsoft.com/office/drawing/2017/decorative" val="1"/>
+              </a:ext>
+            </a:extLst>
+          </p:cNvPr>
+          <p:cNvSpPr>
+            <a:spLocks noGrp="1" noRot="1" noChangeAspect="1" noMove="1" noResize="1" noEditPoints="1" noAdjustHandles="1" noChangeArrowheads="1" noChangeShapeType="1" noTextEdit="1"/>
+          </p:cNvSpPr>
+          <p:nvPr>
+            <p:extLst>
+              <p:ext uri="{386F3935-93C4-4BCD-93E2-E3B085C9AB24}">
+                <p16:designElem xmlns:p16="http://schemas.microsoft.com/office/powerpoint/2015/main" val="1"/>
+              </p:ext>
+            </p:extLst>
+          </p:nvPr>
+        </p:nvSpPr>
+        <p:spPr>
+          <a:xfrm>
+            <a:off x="-1" y="0"/>
+            <a:ext cx="4455673" cy="6858000"/>
+          </a:xfrm>
+          <a:custGeom>
+            <a:avLst/>
+            <a:gdLst>
+              <a:gd name="connsiteX0" fmla="*/ 0 w 4455673"/>
+              <a:gd name="connsiteY0" fmla="*/ 0 h 6858000"/>
+              <a:gd name="connsiteX1" fmla="*/ 3242695 w 4455673"/>
+              <a:gd name="connsiteY1" fmla="*/ 0 h 6858000"/>
+              <a:gd name="connsiteX2" fmla="*/ 3305678 w 4455673"/>
+              <a:gd name="connsiteY2" fmla="*/ 69271 h 6858000"/>
+              <a:gd name="connsiteX3" fmla="*/ 4455673 w 4455673"/>
+              <a:gd name="connsiteY3" fmla="*/ 3429000 h 6858000"/>
+              <a:gd name="connsiteX4" fmla="*/ 3305678 w 4455673"/>
+              <a:gd name="connsiteY4" fmla="*/ 6788730 h 6858000"/>
+              <a:gd name="connsiteX5" fmla="*/ 3242695 w 4455673"/>
+              <a:gd name="connsiteY5" fmla="*/ 6858000 h 6858000"/>
+              <a:gd name="connsiteX6" fmla="*/ 0 w 4455673"/>
+              <a:gd name="connsiteY6" fmla="*/ 6858000 h 6858000"/>
+            </a:gdLst>
+            <a:ahLst/>
+            <a:cxnLst>
+              <a:cxn ang="0">
+                <a:pos x="connsiteX0" y="connsiteY0"/>
+              </a:cxn>
+              <a:cxn ang="0">
+                <a:pos x="connsiteX1" y="connsiteY1"/>
+              </a:cxn>
+              <a:cxn ang="0">
+                <a:pos x="connsiteX2" y="connsiteY2"/>
+              </a:cxn>
+              <a:cxn ang="0">
+                <a:pos x="connsiteX3" y="connsiteY3"/>
+              </a:cxn>
+              <a:cxn ang="0">
+                <a:pos x="connsiteX4" y="connsiteY4"/>
+              </a:cxn>
+              <a:cxn ang="0">
+                <a:pos x="connsiteX5" y="connsiteY5"/>
+              </a:cxn>
+              <a:cxn ang="0">
+                <a:pos x="connsiteX6" y="connsiteY6"/>
+              </a:cxn>
+            </a:cxnLst>
+            <a:rect l="l" t="t" r="r" b="b"/>
+            <a:pathLst>
+              <a:path w="4455673" h="6858000">
+                <a:moveTo>
+                  <a:pt x="0" y="0"/>
+                </a:moveTo>
+                <a:lnTo>
+                  <a:pt x="3242695" y="0"/>
+                </a:lnTo>
+                <a:lnTo>
+                  <a:pt x="3305678" y="69271"/>
+                </a:lnTo>
+                <a:cubicBezTo>
+                  <a:pt x="4016204" y="929100"/>
+                  <a:pt x="4455673" y="2116944"/>
+                  <a:pt x="4455673" y="3429000"/>
+                </a:cubicBezTo>
+                <a:cubicBezTo>
+                  <a:pt x="4455673" y="4741056"/>
+                  <a:pt x="4016204" y="5928900"/>
+                  <a:pt x="3305678" y="6788730"/>
+                </a:cubicBezTo>
+                <a:lnTo>
+                  <a:pt x="3242695" y="6858000"/>
+                </a:lnTo>
+                <a:lnTo>
+                  <a:pt x="0" y="6858000"/>
+                </a:lnTo>
+                <a:close/>
+              </a:path>
+            </a:pathLst>
+          </a:custGeom>
+          <a:ln w="9525">
+            <a:solidFill>
+              <a:schemeClr val="tx2">
+                <a:lumMod val="10000"/>
+                <a:lumOff val="90000"/>
+              </a:schemeClr>
+            </a:solidFill>
+          </a:ln>
+          <a:effectLst>
+            <a:outerShdw blurRad="50800" dist="38100" algn="l" rotWithShape="0">
+              <a:schemeClr val="bg1">
+                <a:lumMod val="85000"/>
+                <a:alpha val="30000"/>
+              </a:schemeClr>
+            </a:outerShdw>
+          </a:effectLst>
+        </p:spPr>
+        <p:style>
+          <a:lnRef idx="2">
+            <a:schemeClr val="accent1">
+              <a:shade val="50000"/>
+            </a:schemeClr>
+          </a:lnRef>
+          <a:fillRef idx="1">
+            <a:schemeClr val="accent1"/>
+          </a:fillRef>
+          <a:effectRef idx="0">
+            <a:schemeClr val="accent1"/>
+          </a:effectRef>
+          <a:fontRef idx="minor">
+            <a:schemeClr val="lt1"/>
+          </a:fontRef>
+        </p:style>
+        <p:txBody>
+          <a:bodyPr wrap="square" rtlCol="0" anchor="ctr">
+            <a:noAutofit/>
+          </a:bodyPr>
           <a:lstStyle/>
           <a:p>
             <a:pPr marL="0" marR="0" lvl="0" indent="0" algn="ctr" defTabSz="914400" rtl="0" eaLnBrk="1" fontAlgn="auto" latinLnBrk="0" hangingPunct="1">
@@ -5617,10 +7000,467 @@
           </a:p>
         </p:txBody>
       </p:sp>
+      <p:sp useBgFill="1">
+        <p:nvSpPr>
+          <p:cNvPr id="14" name="Freeform: Shape 13">
+            <a:extLst>
+              <a:ext uri="{FF2B5EF4-FFF2-40B4-BE49-F238E27FC236}">
+                <a16:creationId xmlns:a16="http://schemas.microsoft.com/office/drawing/2014/main" id="{C0BDBCD2-E081-43AB-9119-C55465E59757}"/>
+              </a:ext>
+              <a:ext uri="{C183D7F6-B498-43B3-948B-1728B52AA6E4}">
+                <adec:decorative xmlns:adec="http://schemas.microsoft.com/office/drawing/2017/decorative" val="1"/>
+              </a:ext>
+            </a:extLst>
+          </p:cNvPr>
+          <p:cNvSpPr>
+            <a:spLocks noGrp="1" noRot="1" noChangeAspect="1" noMove="1" noResize="1" noEditPoints="1" noAdjustHandles="1" noChangeArrowheads="1" noChangeShapeType="1" noTextEdit="1"/>
+          </p:cNvSpPr>
+          <p:nvPr>
+            <p:extLst>
+              <p:ext uri="{386F3935-93C4-4BCD-93E2-E3B085C9AB24}">
+                <p16:designElem xmlns:p16="http://schemas.microsoft.com/office/powerpoint/2015/main" val="1"/>
+              </p:ext>
+            </p:extLst>
+          </p:nvPr>
+        </p:nvSpPr>
+        <p:spPr>
+          <a:xfrm>
+            <a:off x="0" y="0"/>
+            <a:ext cx="4446529" cy="6858000"/>
+          </a:xfrm>
+          <a:custGeom>
+            <a:avLst/>
+            <a:gdLst>
+              <a:gd name="connsiteX0" fmla="*/ 0 w 4446529"/>
+              <a:gd name="connsiteY0" fmla="*/ 0 h 6858000"/>
+              <a:gd name="connsiteX1" fmla="*/ 3233551 w 4446529"/>
+              <a:gd name="connsiteY1" fmla="*/ 0 h 6858000"/>
+              <a:gd name="connsiteX2" fmla="*/ 3296534 w 4446529"/>
+              <a:gd name="connsiteY2" fmla="*/ 69271 h 6858000"/>
+              <a:gd name="connsiteX3" fmla="*/ 4446529 w 4446529"/>
+              <a:gd name="connsiteY3" fmla="*/ 3429000 h 6858000"/>
+              <a:gd name="connsiteX4" fmla="*/ 3296534 w 4446529"/>
+              <a:gd name="connsiteY4" fmla="*/ 6788730 h 6858000"/>
+              <a:gd name="connsiteX5" fmla="*/ 3233551 w 4446529"/>
+              <a:gd name="connsiteY5" fmla="*/ 6858000 h 6858000"/>
+              <a:gd name="connsiteX6" fmla="*/ 0 w 4446529"/>
+              <a:gd name="connsiteY6" fmla="*/ 6858000 h 6858000"/>
+            </a:gdLst>
+            <a:ahLst/>
+            <a:cxnLst>
+              <a:cxn ang="0">
+                <a:pos x="connsiteX0" y="connsiteY0"/>
+              </a:cxn>
+              <a:cxn ang="0">
+                <a:pos x="connsiteX1" y="connsiteY1"/>
+              </a:cxn>
+              <a:cxn ang="0">
+                <a:pos x="connsiteX2" y="connsiteY2"/>
+              </a:cxn>
+              <a:cxn ang="0">
+                <a:pos x="connsiteX3" y="connsiteY3"/>
+              </a:cxn>
+              <a:cxn ang="0">
+                <a:pos x="connsiteX4" y="connsiteY4"/>
+              </a:cxn>
+              <a:cxn ang="0">
+                <a:pos x="connsiteX5" y="connsiteY5"/>
+              </a:cxn>
+              <a:cxn ang="0">
+                <a:pos x="connsiteX6" y="connsiteY6"/>
+              </a:cxn>
+            </a:cxnLst>
+            <a:rect l="l" t="t" r="r" b="b"/>
+            <a:pathLst>
+              <a:path w="4446529" h="6858000">
+                <a:moveTo>
+                  <a:pt x="0" y="0"/>
+                </a:moveTo>
+                <a:lnTo>
+                  <a:pt x="3233551" y="0"/>
+                </a:lnTo>
+                <a:lnTo>
+                  <a:pt x="3296534" y="69271"/>
+                </a:lnTo>
+                <a:cubicBezTo>
+                  <a:pt x="4007060" y="929100"/>
+                  <a:pt x="4446529" y="2116944"/>
+                  <a:pt x="4446529" y="3429000"/>
+                </a:cubicBezTo>
+                <a:cubicBezTo>
+                  <a:pt x="4446529" y="4741056"/>
+                  <a:pt x="4007060" y="5928900"/>
+                  <a:pt x="3296534" y="6788730"/>
+                </a:cubicBezTo>
+                <a:lnTo>
+                  <a:pt x="3233551" y="6858000"/>
+                </a:lnTo>
+                <a:lnTo>
+                  <a:pt x="0" y="6858000"/>
+                </a:lnTo>
+                <a:close/>
+              </a:path>
+            </a:pathLst>
+          </a:custGeom>
+          <a:ln w="9525">
+            <a:noFill/>
+          </a:ln>
+          <a:effectLst/>
+        </p:spPr>
+        <p:style>
+          <a:lnRef idx="2">
+            <a:schemeClr val="accent1">
+              <a:shade val="50000"/>
+            </a:schemeClr>
+          </a:lnRef>
+          <a:fillRef idx="1">
+            <a:schemeClr val="accent1"/>
+          </a:fillRef>
+          <a:effectRef idx="0">
+            <a:schemeClr val="accent1"/>
+          </a:effectRef>
+          <a:fontRef idx="minor">
+            <a:schemeClr val="lt1"/>
+          </a:fontRef>
+        </p:style>
+        <p:txBody>
+          <a:bodyPr wrap="square" rtlCol="0" anchor="ctr">
+            <a:noAutofit/>
+          </a:bodyPr>
+          <a:lstStyle/>
+          <a:p>
+            <a:pPr marL="0" marR="0" lvl="0" indent="0" algn="ctr" defTabSz="914400" rtl="0" eaLnBrk="1" fontAlgn="auto" latinLnBrk="0" hangingPunct="1">
+              <a:lnSpc>
+                <a:spcPct val="100000"/>
+              </a:lnSpc>
+              <a:spcBef>
+                <a:spcPts val="0"/>
+              </a:spcBef>
+              <a:spcAft>
+                <a:spcPts val="0"/>
+              </a:spcAft>
+              <a:buClrTx/>
+              <a:buSzTx/>
+              <a:buFontTx/>
+              <a:buNone/>
+              <a:tabLst/>
+              <a:defRPr/>
+            </a:pPr>
+            <a:endParaRPr kumimoji="0" lang="en-US" sz="1800" b="0" i="0" u="none" strike="noStrike" kern="1200" cap="none" spc="0" normalizeH="0" baseline="0" noProof="0">
+              <a:ln>
+                <a:noFill/>
+              </a:ln>
+              <a:solidFill>
+                <a:prstClr val="white"/>
+              </a:solidFill>
+              <a:effectLst/>
+              <a:uLnTx/>
+              <a:uFillTx/>
+              <a:latin typeface="Calibri" panose="020F0502020204030204"/>
+              <a:ea typeface="+mn-ea"/>
+              <a:cs typeface="+mn-cs"/>
+            </a:endParaRPr>
+          </a:p>
+        </p:txBody>
+      </p:sp>
+      <p:sp>
+        <p:nvSpPr>
+          <p:cNvPr id="2" name="Título 1">
+            <a:extLst>
+              <a:ext uri="{FF2B5EF4-FFF2-40B4-BE49-F238E27FC236}">
+                <a16:creationId xmlns:a16="http://schemas.microsoft.com/office/drawing/2014/main" id="{1AEA4FFD-C92A-495A-60DD-677E1A216E93}"/>
+              </a:ext>
+            </a:extLst>
+          </p:cNvPr>
+          <p:cNvSpPr>
+            <a:spLocks noGrp="1"/>
+          </p:cNvSpPr>
+          <p:nvPr>
+            <p:ph type="title"/>
+          </p:nvPr>
+        </p:nvSpPr>
+        <p:spPr>
+          <a:xfrm>
+            <a:off x="371094" y="1161288"/>
+            <a:ext cx="3438144" cy="1239012"/>
+          </a:xfrm>
+        </p:spPr>
+        <p:txBody>
+          <a:bodyPr anchor="ctr">
+            <a:normAutofit/>
+          </a:bodyPr>
+          <a:lstStyle/>
+          <a:p>
+            <a:r>
+              <a:rPr lang="pt-BR" sz="2800"/>
+              <a:t>Listas Não Ordenadas</a:t>
+            </a:r>
+          </a:p>
+        </p:txBody>
+      </p:sp>
+      <p:sp>
+        <p:nvSpPr>
+          <p:cNvPr id="16" name="Rectangle 15">
+            <a:extLst>
+              <a:ext uri="{FF2B5EF4-FFF2-40B4-BE49-F238E27FC236}">
+                <a16:creationId xmlns:a16="http://schemas.microsoft.com/office/drawing/2014/main" id="{98E79BE4-34FE-485A-98A5-92CE8F7C4743}"/>
+              </a:ext>
+              <a:ext uri="{C183D7F6-B498-43B3-948B-1728B52AA6E4}">
+                <adec:decorative xmlns:adec="http://schemas.microsoft.com/office/drawing/2017/decorative" val="1"/>
+              </a:ext>
+            </a:extLst>
+          </p:cNvPr>
+          <p:cNvSpPr>
+            <a:spLocks noGrp="1" noRot="1" noChangeAspect="1" noMove="1" noResize="1" noEditPoints="1" noAdjustHandles="1" noChangeArrowheads="1" noChangeShapeType="1" noTextEdit="1"/>
+          </p:cNvSpPr>
+          <p:nvPr>
+            <p:extLst>
+              <p:ext uri="{386F3935-93C4-4BCD-93E2-E3B085C9AB24}">
+                <p16:designElem xmlns:p16="http://schemas.microsoft.com/office/powerpoint/2015/main" val="1"/>
+              </p:ext>
+            </p:extLst>
+          </p:nvPr>
+        </p:nvSpPr>
+        <p:spPr>
+          <a:xfrm>
+            <a:off x="0" y="1426546"/>
+            <a:ext cx="128016" cy="653903"/>
+          </a:xfrm>
+          <a:prstGeom prst="rect">
+            <a:avLst/>
+          </a:prstGeom>
+          <a:solidFill>
+            <a:schemeClr val="accent1"/>
+          </a:solidFill>
+          <a:ln>
+            <a:noFill/>
+          </a:ln>
+        </p:spPr>
+        <p:style>
+          <a:lnRef idx="2">
+            <a:schemeClr val="accent1">
+              <a:shade val="50000"/>
+            </a:schemeClr>
+          </a:lnRef>
+          <a:fillRef idx="1">
+            <a:schemeClr val="accent1"/>
+          </a:fillRef>
+          <a:effectRef idx="0">
+            <a:schemeClr val="accent1"/>
+          </a:effectRef>
+          <a:fontRef idx="minor">
+            <a:schemeClr val="lt1"/>
+          </a:fontRef>
+        </p:style>
+        <p:txBody>
+          <a:bodyPr rtlCol="0" anchor="ctr"/>
+          <a:lstStyle/>
+          <a:p>
+            <a:pPr marL="0" marR="0" lvl="0" indent="0" algn="ctr" defTabSz="914400" rtl="0" eaLnBrk="1" fontAlgn="auto" latinLnBrk="0" hangingPunct="1">
+              <a:lnSpc>
+                <a:spcPct val="100000"/>
+              </a:lnSpc>
+              <a:spcBef>
+                <a:spcPts val="0"/>
+              </a:spcBef>
+              <a:spcAft>
+                <a:spcPts val="0"/>
+              </a:spcAft>
+              <a:buClrTx/>
+              <a:buSzTx/>
+              <a:buFontTx/>
+              <a:buNone/>
+              <a:tabLst/>
+              <a:defRPr/>
+            </a:pPr>
+            <a:endParaRPr kumimoji="0" lang="en-US" sz="1800" b="0" i="0" u="none" strike="noStrike" kern="1200" cap="none" spc="0" normalizeH="0" baseline="0" noProof="0">
+              <a:ln>
+                <a:noFill/>
+              </a:ln>
+              <a:solidFill>
+                <a:prstClr val="white"/>
+              </a:solidFill>
+              <a:effectLst/>
+              <a:uLnTx/>
+              <a:uFillTx/>
+              <a:latin typeface="Calibri" panose="020F0502020204030204"/>
+              <a:ea typeface="+mn-ea"/>
+              <a:cs typeface="+mn-cs"/>
+            </a:endParaRPr>
+          </a:p>
+        </p:txBody>
+      </p:sp>
+      <p:sp>
+        <p:nvSpPr>
+          <p:cNvPr id="18" name="Rectangle 17">
+            <a:extLst>
+              <a:ext uri="{FF2B5EF4-FFF2-40B4-BE49-F238E27FC236}">
+                <a16:creationId xmlns:a16="http://schemas.microsoft.com/office/drawing/2014/main" id="{7A5F0580-5EE9-419F-96EE-B6529EF6E7D0}"/>
+              </a:ext>
+              <a:ext uri="{C183D7F6-B498-43B3-948B-1728B52AA6E4}">
+                <adec:decorative xmlns:adec="http://schemas.microsoft.com/office/drawing/2017/decorative" val="1"/>
+              </a:ext>
+            </a:extLst>
+          </p:cNvPr>
+          <p:cNvSpPr>
+            <a:spLocks noGrp="1" noRot="1" noChangeAspect="1" noMove="1" noResize="1" noEditPoints="1" noAdjustHandles="1" noChangeArrowheads="1" noChangeShapeType="1" noTextEdit="1"/>
+          </p:cNvSpPr>
+          <p:nvPr>
+            <p:extLst>
+              <p:ext uri="{386F3935-93C4-4BCD-93E2-E3B085C9AB24}">
+                <p16:designElem xmlns:p16="http://schemas.microsoft.com/office/powerpoint/2015/main" val="1"/>
+              </p:ext>
+            </p:extLst>
+          </p:nvPr>
+        </p:nvSpPr>
+        <p:spPr>
+          <a:xfrm>
+            <a:off x="395893" y="2443480"/>
+            <a:ext cx="3383280" cy="18288"/>
+          </a:xfrm>
+          <a:prstGeom prst="rect">
+            <a:avLst/>
+          </a:prstGeom>
+          <a:solidFill>
+            <a:schemeClr val="tx2">
+              <a:lumMod val="25000"/>
+              <a:lumOff val="75000"/>
+            </a:schemeClr>
+          </a:solidFill>
+          <a:ln w="3175">
+            <a:noFill/>
+          </a:ln>
+          <a:effectLst/>
+        </p:spPr>
+        <p:style>
+          <a:lnRef idx="2">
+            <a:schemeClr val="accent1">
+              <a:shade val="50000"/>
+            </a:schemeClr>
+          </a:lnRef>
+          <a:fillRef idx="1">
+            <a:schemeClr val="accent1"/>
+          </a:fillRef>
+          <a:effectRef idx="0">
+            <a:schemeClr val="accent1"/>
+          </a:effectRef>
+          <a:fontRef idx="minor">
+            <a:schemeClr val="lt1"/>
+          </a:fontRef>
+        </p:style>
+        <p:txBody>
+          <a:bodyPr rtlCol="0" anchor="ctr"/>
+          <a:lstStyle/>
+          <a:p>
+            <a:pPr marL="0" marR="0" lvl="0" indent="0" algn="ctr" defTabSz="914400" rtl="0" eaLnBrk="1" fontAlgn="auto" latinLnBrk="0" hangingPunct="1">
+              <a:lnSpc>
+                <a:spcPct val="100000"/>
+              </a:lnSpc>
+              <a:spcBef>
+                <a:spcPts val="0"/>
+              </a:spcBef>
+              <a:spcAft>
+                <a:spcPts val="0"/>
+              </a:spcAft>
+              <a:buClrTx/>
+              <a:buSzTx/>
+              <a:buFontTx/>
+              <a:buNone/>
+              <a:tabLst/>
+              <a:defRPr/>
+            </a:pPr>
+            <a:endParaRPr kumimoji="0" lang="en-US" sz="1800" b="0" i="0" u="none" strike="noStrike" kern="1200" cap="none" spc="0" normalizeH="0" baseline="0" noProof="0">
+              <a:ln>
+                <a:noFill/>
+              </a:ln>
+              <a:solidFill>
+                <a:prstClr val="white"/>
+              </a:solidFill>
+              <a:effectLst/>
+              <a:uLnTx/>
+              <a:uFillTx/>
+              <a:latin typeface="Calibri" panose="020F0502020204030204"/>
+              <a:ea typeface="+mn-ea"/>
+              <a:cs typeface="+mn-cs"/>
+            </a:endParaRPr>
+          </a:p>
+        </p:txBody>
+      </p:sp>
+      <p:sp>
+        <p:nvSpPr>
+          <p:cNvPr id="3" name="Espaço Reservado para Conteúdo 2">
+            <a:extLst>
+              <a:ext uri="{FF2B5EF4-FFF2-40B4-BE49-F238E27FC236}">
+                <a16:creationId xmlns:a16="http://schemas.microsoft.com/office/drawing/2014/main" id="{CD08F1AF-9584-F951-DE50-AD7F06A32D95}"/>
+              </a:ext>
+            </a:extLst>
+          </p:cNvPr>
+          <p:cNvSpPr>
+            <a:spLocks noGrp="1"/>
+          </p:cNvSpPr>
+          <p:nvPr>
+            <p:ph idx="1"/>
+          </p:nvPr>
+        </p:nvSpPr>
+        <p:spPr>
+          <a:xfrm>
+            <a:off x="371094" y="2718054"/>
+            <a:ext cx="3438906" cy="3207258"/>
+          </a:xfrm>
+        </p:spPr>
+        <p:txBody>
+          <a:bodyPr anchor="t">
+            <a:normAutofit/>
+          </a:bodyPr>
+          <a:lstStyle/>
+          <a:p>
+            <a:r>
+              <a:rPr lang="pt-BR" sz="1700" dirty="0"/>
+              <a:t>E quanto às listas não ordenadas?</a:t>
+            </a:r>
+          </a:p>
+          <a:p>
+            <a:r>
+              <a:rPr lang="pt-BR" sz="1700" dirty="0"/>
+              <a:t>Dê uma olhadinha no meu slide, percebeu algo diferente?</a:t>
+            </a:r>
+          </a:p>
+        </p:txBody>
+      </p:sp>
+      <p:pic>
+        <p:nvPicPr>
+          <p:cNvPr id="5" name="Imagem 4" descr="Texto&#10;&#10;O conteúdo gerado por IA pode estar incorreto.">
+            <a:extLst>
+              <a:ext uri="{FF2B5EF4-FFF2-40B4-BE49-F238E27FC236}">
+                <a16:creationId xmlns:a16="http://schemas.microsoft.com/office/drawing/2014/main" id="{1CAD522A-101C-2CD8-061F-FA5B1425061D}"/>
+              </a:ext>
+            </a:extLst>
+          </p:cNvPr>
+          <p:cNvPicPr>
+            <a:picLocks noChangeAspect="1"/>
+          </p:cNvPicPr>
+          <p:nvPr/>
+        </p:nvPicPr>
+        <p:blipFill>
+          <a:blip r:embed="rId2"/>
+          <a:stretch>
+            <a:fillRect/>
+          </a:stretch>
+        </p:blipFill>
+        <p:spPr>
+          <a:xfrm>
+            <a:off x="4901184" y="1059293"/>
+            <a:ext cx="6922008" cy="4839998"/>
+          </a:xfrm>
+          <a:prstGeom prst="rect">
+            <a:avLst/>
+          </a:prstGeom>
+        </p:spPr>
+      </p:pic>
     </p:spTree>
     <p:extLst>
       <p:ext uri="{BB962C8B-B14F-4D97-AF65-F5344CB8AC3E}">
-        <p14:creationId xmlns:p14="http://schemas.microsoft.com/office/powerpoint/2010/main" val="3366734229"/>
+        <p14:creationId xmlns:p14="http://schemas.microsoft.com/office/powerpoint/2010/main" val="996560986"/>
       </p:ext>
     </p:extLst>
   </p:cSld>
@@ -5630,7 +7470,7 @@
 </p:sld>
 </file>
 
-<file path=ppt/slides/slide10.xml><?xml version="1.0" encoding="utf-8"?>
+<file path=ppt/slides/slide109.xml><?xml version="1.0" encoding="utf-8"?>
 <p:sld xmlns:a="http://schemas.openxmlformats.org/drawingml/2006/main" xmlns:r="http://schemas.openxmlformats.org/officeDocument/2006/relationships" xmlns:p="http://schemas.openxmlformats.org/presentationml/2006/main">
   <p:cSld>
     <p:spTree>
@@ -5652,7 +7492,7 @@
           <p:cNvPr id="2" name="Título 1">
             <a:extLst>
               <a:ext uri="{FF2B5EF4-FFF2-40B4-BE49-F238E27FC236}">
-                <a16:creationId xmlns:a16="http://schemas.microsoft.com/office/drawing/2014/main" id="{C6434DB0-8AF9-44F7-B55A-81E75E536FD0}"/>
+                <a16:creationId xmlns:a16="http://schemas.microsoft.com/office/drawing/2014/main" id="{B7FA3351-FB95-9E29-C09C-AD5CF74D4AD6}"/>
               </a:ext>
             </a:extLst>
           </p:cNvPr>
@@ -5670,7 +7510,7 @@
           <a:p>
             <a:r>
               <a:rPr lang="pt-BR" dirty="0"/>
-              <a:t>Idioma</a:t>
+              <a:t>E quanto às Listas Detalhadas?</a:t>
             </a:r>
           </a:p>
         </p:txBody>
@@ -5680,7 +7520,7 @@
           <p:cNvPr id="3" name="Espaço Reservado para Conteúdo 2">
             <a:extLst>
               <a:ext uri="{FF2B5EF4-FFF2-40B4-BE49-F238E27FC236}">
-                <a16:creationId xmlns:a16="http://schemas.microsoft.com/office/drawing/2014/main" id="{21819CBC-5AFC-C44D-8E20-CCE879E5088A}"/>
+                <a16:creationId xmlns:a16="http://schemas.microsoft.com/office/drawing/2014/main" id="{3907E5BA-A28A-DF23-7306-211768F054FC}"/>
               </a:ext>
             </a:extLst>
           </p:cNvPr>
@@ -5696,15 +7536,39 @@
           <a:bodyPr/>
           <a:lstStyle/>
           <a:p>
+            <a:pPr marL="0" indent="0">
+              <a:buNone/>
+            </a:pPr>
+            <a:r>
+              <a:rPr lang="pt-BR" b="1" dirty="0"/>
+              <a:t>Empresa A</a:t>
+            </a:r>
+          </a:p>
+          <a:p>
+            <a:pPr marL="0" indent="0">
+              <a:buNone/>
+            </a:pPr>
             <a:r>
               <a:rPr lang="pt-BR" dirty="0"/>
-              <a:t>Se você respondeu que seria um idioma universal ou um idioma mais fácil como o inglês ou o esperanto você está correto!</a:t>
-            </a:r>
-          </a:p>
-          <a:p>
+              <a:t>Eu trabalhei durante ... Anos como desenvolvedor na Empresa A.</a:t>
+            </a:r>
+          </a:p>
+          <a:p>
+            <a:pPr marL="0" indent="0">
+              <a:buNone/>
+            </a:pPr>
+            <a:r>
+              <a:rPr lang="pt-BR" b="1" dirty="0"/>
+              <a:t>Empresa B</a:t>
+            </a:r>
+          </a:p>
+          <a:p>
+            <a:pPr marL="0" indent="0">
+              <a:buNone/>
+            </a:pPr>
             <a:r>
               <a:rPr lang="pt-BR" dirty="0"/>
-              <a:t>O “idioma” ao qual os computadores se comunicavam era o NCP. </a:t>
+              <a:t>Trabalhei durante ... Meses na Empresa B</a:t>
             </a:r>
           </a:p>
         </p:txBody>
@@ -5712,7 +7576,7 @@
     </p:spTree>
     <p:extLst>
       <p:ext uri="{BB962C8B-B14F-4D97-AF65-F5344CB8AC3E}">
-        <p14:creationId xmlns:p14="http://schemas.microsoft.com/office/powerpoint/2010/main" val="3933331837"/>
+        <p14:creationId xmlns:p14="http://schemas.microsoft.com/office/powerpoint/2010/main" val="1063595738"/>
       </p:ext>
     </p:extLst>
   </p:cSld>
@@ -5799,6 +7663,199 @@
     <p:extLst>
       <p:ext uri="{BB962C8B-B14F-4D97-AF65-F5344CB8AC3E}">
         <p14:creationId xmlns:p14="http://schemas.microsoft.com/office/powerpoint/2010/main" val="2680328951"/>
+      </p:ext>
+    </p:extLst>
+  </p:cSld>
+  <p:clrMapOvr>
+    <a:masterClrMapping/>
+  </p:clrMapOvr>
+</p:sld>
+</file>
+
+<file path=ppt/slides/slide110.xml><?xml version="1.0" encoding="utf-8"?>
+<p:sld xmlns:a="http://schemas.openxmlformats.org/drawingml/2006/main" xmlns:r="http://schemas.openxmlformats.org/officeDocument/2006/relationships" xmlns:p="http://schemas.openxmlformats.org/presentationml/2006/main">
+  <p:cSld>
+    <p:spTree>
+      <p:nvGrpSpPr>
+        <p:cNvPr id="1" name=""/>
+        <p:cNvGrpSpPr/>
+        <p:nvPr/>
+      </p:nvGrpSpPr>
+      <p:grpSpPr>
+        <a:xfrm>
+          <a:off x="0" y="0"/>
+          <a:ext cx="0" cy="0"/>
+          <a:chOff x="0" y="0"/>
+          <a:chExt cx="0" cy="0"/>
+        </a:xfrm>
+      </p:grpSpPr>
+      <p:sp>
+        <p:nvSpPr>
+          <p:cNvPr id="2" name="Título 1">
+            <a:extLst>
+              <a:ext uri="{FF2B5EF4-FFF2-40B4-BE49-F238E27FC236}">
+                <a16:creationId xmlns:a16="http://schemas.microsoft.com/office/drawing/2014/main" id="{380A5DE0-A935-3AE4-8318-916E1F0D3B25}"/>
+              </a:ext>
+            </a:extLst>
+          </p:cNvPr>
+          <p:cNvSpPr>
+            <a:spLocks noGrp="1"/>
+          </p:cNvSpPr>
+          <p:nvPr>
+            <p:ph type="title"/>
+          </p:nvPr>
+        </p:nvSpPr>
+        <p:spPr/>
+        <p:txBody>
+          <a:bodyPr/>
+          <a:lstStyle/>
+          <a:p>
+            <a:r>
+              <a:rPr lang="pt-BR" dirty="0"/>
+              <a:t>Representação Visual</a:t>
+            </a:r>
+          </a:p>
+        </p:txBody>
+      </p:sp>
+      <p:pic>
+        <p:nvPicPr>
+          <p:cNvPr id="5" name="Espaço Reservado para Conteúdo 4">
+            <a:extLst>
+              <a:ext uri="{FF2B5EF4-FFF2-40B4-BE49-F238E27FC236}">
+                <a16:creationId xmlns:a16="http://schemas.microsoft.com/office/drawing/2014/main" id="{D44D3726-C177-FD9F-BCEF-5440BB001DD2}"/>
+              </a:ext>
+            </a:extLst>
+          </p:cNvPr>
+          <p:cNvPicPr>
+            <a:picLocks noGrp="1" noChangeAspect="1"/>
+          </p:cNvPicPr>
+          <p:nvPr>
+            <p:ph idx="1"/>
+          </p:nvPr>
+        </p:nvPicPr>
+        <p:blipFill>
+          <a:blip r:embed="rId2"/>
+          <a:stretch>
+            <a:fillRect/>
+          </a:stretch>
+        </p:blipFill>
+        <p:spPr>
+          <a:xfrm>
+            <a:off x="1941712" y="3377274"/>
+            <a:ext cx="8516539" cy="1895740"/>
+          </a:xfrm>
+        </p:spPr>
+      </p:pic>
+    </p:spTree>
+    <p:extLst>
+      <p:ext uri="{BB962C8B-B14F-4D97-AF65-F5344CB8AC3E}">
+        <p14:creationId xmlns:p14="http://schemas.microsoft.com/office/powerpoint/2010/main" val="1331622321"/>
+      </p:ext>
+    </p:extLst>
+  </p:cSld>
+  <p:clrMapOvr>
+    <a:masterClrMapping/>
+  </p:clrMapOvr>
+</p:sld>
+</file>
+
+<file path=ppt/slides/slide111.xml><?xml version="1.0" encoding="utf-8"?>
+<p:sld xmlns:a="http://schemas.openxmlformats.org/drawingml/2006/main" xmlns:r="http://schemas.openxmlformats.org/officeDocument/2006/relationships" xmlns:p="http://schemas.openxmlformats.org/presentationml/2006/main">
+  <p:cSld>
+    <p:spTree>
+      <p:nvGrpSpPr>
+        <p:cNvPr id="1" name=""/>
+        <p:cNvGrpSpPr/>
+        <p:nvPr/>
+      </p:nvGrpSpPr>
+      <p:grpSpPr>
+        <a:xfrm>
+          <a:off x="0" y="0"/>
+          <a:ext cx="0" cy="0"/>
+          <a:chOff x="0" y="0"/>
+          <a:chExt cx="0" cy="0"/>
+        </a:xfrm>
+      </p:grpSpPr>
+      <p:sp>
+        <p:nvSpPr>
+          <p:cNvPr id="2" name="Título 1">
+            <a:extLst>
+              <a:ext uri="{FF2B5EF4-FFF2-40B4-BE49-F238E27FC236}">
+                <a16:creationId xmlns:a16="http://schemas.microsoft.com/office/drawing/2014/main" id="{4477F1E8-2D05-8EEE-E483-9F64D71E6317}"/>
+              </a:ext>
+            </a:extLst>
+          </p:cNvPr>
+          <p:cNvSpPr>
+            <a:spLocks noGrp="1"/>
+          </p:cNvSpPr>
+          <p:nvPr>
+            <p:ph type="title"/>
+          </p:nvPr>
+        </p:nvSpPr>
+        <p:spPr/>
+        <p:txBody>
+          <a:bodyPr/>
+          <a:lstStyle/>
+          <a:p>
+            <a:r>
+              <a:rPr lang="pt-BR" dirty="0"/>
+              <a:t>Para Casa</a:t>
+            </a:r>
+          </a:p>
+        </p:txBody>
+      </p:sp>
+      <p:sp>
+        <p:nvSpPr>
+          <p:cNvPr id="3" name="Espaço Reservado para Conteúdo 2">
+            <a:extLst>
+              <a:ext uri="{FF2B5EF4-FFF2-40B4-BE49-F238E27FC236}">
+                <a16:creationId xmlns:a16="http://schemas.microsoft.com/office/drawing/2014/main" id="{BCAF392E-5C55-54E3-39B9-D4D1CF6255AC}"/>
+              </a:ext>
+            </a:extLst>
+          </p:cNvPr>
+          <p:cNvSpPr>
+            <a:spLocks noGrp="1"/>
+          </p:cNvSpPr>
+          <p:nvPr>
+            <p:ph idx="1"/>
+          </p:nvPr>
+        </p:nvSpPr>
+        <p:spPr/>
+        <p:txBody>
+          <a:bodyPr/>
+          <a:lstStyle/>
+          <a:p>
+            <a:pPr marL="457200" indent="-457200">
+              <a:buFont typeface="+mj-lt"/>
+              <a:buAutoNum type="arabicPeriod"/>
+            </a:pPr>
+            <a:r>
+              <a:rPr lang="pt-BR" dirty="0"/>
+              <a:t>Tente recriar o currículo utilizando as </a:t>
+            </a:r>
+            <a:r>
+              <a:rPr lang="pt-BR" dirty="0" err="1"/>
+              <a:t>tags</a:t>
+            </a:r>
+            <a:r>
+              <a:rPr lang="pt-BR" dirty="0"/>
+              <a:t> informadas a ti por mim nessa aula. Volte o vídeo e veja os capítulos e encontre a </a:t>
+            </a:r>
+            <a:r>
+              <a:rPr lang="pt-BR" dirty="0" err="1"/>
+              <a:t>tag</a:t>
+            </a:r>
+            <a:r>
+              <a:rPr lang="pt-BR" dirty="0"/>
+              <a:t> correta para cada elemento da tela. </a:t>
+            </a:r>
+          </a:p>
+        </p:txBody>
+      </p:sp>
+    </p:spTree>
+    <p:extLst>
+      <p:ext uri="{BB962C8B-B14F-4D97-AF65-F5344CB8AC3E}">
+        <p14:creationId xmlns:p14="http://schemas.microsoft.com/office/powerpoint/2010/main" val="3605066997"/>
       </p:ext>
     </p:extLst>
   </p:cSld>
@@ -7260,7 +9317,7 @@
               <a:tabLst/>
               <a:defRPr/>
             </a:pPr>
-            <a:endParaRPr kumimoji="0" lang="en-US" sz="1800" b="0" i="0" u="none" strike="noStrike" kern="1200" cap="none" spc="0" normalizeH="0" baseline="0" noProof="0">
+            <a:endParaRPr kumimoji="0" lang="en-US" sz="1800" b="0" i="0" u="none" strike="noStrike" kern="1200" cap="none" spc="0" normalizeH="0" baseline="0" noProof="0" dirty="0">
               <a:ln>
                 <a:noFill/>
               </a:ln>
@@ -7356,7 +9413,7 @@
               <a:tabLst/>
               <a:defRPr/>
             </a:pPr>
-            <a:endParaRPr kumimoji="0" lang="en-US" sz="1800" b="0" i="0" u="none" strike="noStrike" kern="1200" cap="none" spc="0" normalizeH="0" baseline="0" noProof="0">
+            <a:endParaRPr kumimoji="0" lang="en-US" sz="1800" b="0" i="0" u="none" strike="noStrike" kern="1200" cap="none" spc="0" normalizeH="0" baseline="0" noProof="0" dirty="0">
               <a:ln>
                 <a:noFill/>
               </a:ln>
@@ -7429,7 +9486,7 @@
           <a:lstStyle/>
           <a:p>
             <a:pPr algn="ctr"/>
-            <a:endParaRPr lang="en-US"/>
+            <a:endParaRPr lang="en-US" dirty="0"/>
           </a:p>
         </p:txBody>
       </p:sp>
@@ -27613,6 +29670,965 @@
 </p:sld>
 </file>
 
+<file path=ppt/slides/slide97.xml><?xml version="1.0" encoding="utf-8"?>
+<p:sld xmlns:a="http://schemas.openxmlformats.org/drawingml/2006/main" xmlns:r="http://schemas.openxmlformats.org/officeDocument/2006/relationships" xmlns:p="http://schemas.openxmlformats.org/presentationml/2006/main">
+  <p:cSld>
+    <p:bg>
+      <p:bgPr>
+        <a:solidFill>
+          <a:schemeClr val="bg1"/>
+        </a:solidFill>
+        <a:effectLst/>
+      </p:bgPr>
+    </p:bg>
+    <p:spTree>
+      <p:nvGrpSpPr>
+        <p:cNvPr id="1" name=""/>
+        <p:cNvGrpSpPr/>
+        <p:nvPr/>
+      </p:nvGrpSpPr>
+      <p:grpSpPr>
+        <a:xfrm>
+          <a:off x="0" y="0"/>
+          <a:ext cx="0" cy="0"/>
+          <a:chOff x="0" y="0"/>
+          <a:chExt cx="0" cy="0"/>
+        </a:xfrm>
+      </p:grpSpPr>
+      <p:sp>
+        <p:nvSpPr>
+          <p:cNvPr id="10" name="Rectangle 9">
+            <a:extLst>
+              <a:ext uri="{FF2B5EF4-FFF2-40B4-BE49-F238E27FC236}">
+                <a16:creationId xmlns:a16="http://schemas.microsoft.com/office/drawing/2014/main" id="{8D06CE56-3881-4ADA-8CEF-D18B02C242A3}"/>
+              </a:ext>
+              <a:ext uri="{C183D7F6-B498-43B3-948B-1728B52AA6E4}">
+                <adec:decorative xmlns:adec="http://schemas.microsoft.com/office/drawing/2017/decorative" val="1"/>
+              </a:ext>
+            </a:extLst>
+          </p:cNvPr>
+          <p:cNvSpPr>
+            <a:spLocks noGrp="1" noRot="1" noChangeAspect="1" noMove="1" noResize="1" noEditPoints="1" noAdjustHandles="1" noChangeArrowheads="1" noChangeShapeType="1" noTextEdit="1"/>
+          </p:cNvSpPr>
+          <p:nvPr>
+            <p:extLst>
+              <p:ext uri="{386F3935-93C4-4BCD-93E2-E3B085C9AB24}">
+                <p16:designElem xmlns:p16="http://schemas.microsoft.com/office/powerpoint/2015/main" val="1"/>
+              </p:ext>
+            </p:extLst>
+          </p:nvPr>
+        </p:nvSpPr>
+        <p:spPr>
+          <a:xfrm rot="5400000">
+            <a:off x="857544" y="346791"/>
+            <a:ext cx="146304" cy="704088"/>
+          </a:xfrm>
+          <a:prstGeom prst="rect">
+            <a:avLst/>
+          </a:prstGeom>
+          <a:solidFill>
+            <a:schemeClr val="accent1"/>
+          </a:solidFill>
+          <a:ln>
+            <a:noFill/>
+          </a:ln>
+        </p:spPr>
+        <p:style>
+          <a:lnRef idx="2">
+            <a:schemeClr val="accent1">
+              <a:shade val="50000"/>
+            </a:schemeClr>
+          </a:lnRef>
+          <a:fillRef idx="1">
+            <a:schemeClr val="accent1"/>
+          </a:fillRef>
+          <a:effectRef idx="0">
+            <a:schemeClr val="accent1"/>
+          </a:effectRef>
+          <a:fontRef idx="minor">
+            <a:schemeClr val="lt1"/>
+          </a:fontRef>
+        </p:style>
+        <p:txBody>
+          <a:bodyPr rtlCol="0" anchor="ctr"/>
+          <a:lstStyle/>
+          <a:p>
+            <a:pPr marL="0" marR="0" lvl="0" indent="0" algn="ctr" defTabSz="914400" rtl="0" eaLnBrk="1" fontAlgn="auto" latinLnBrk="0" hangingPunct="1">
+              <a:lnSpc>
+                <a:spcPct val="100000"/>
+              </a:lnSpc>
+              <a:spcBef>
+                <a:spcPts val="0"/>
+              </a:spcBef>
+              <a:spcAft>
+                <a:spcPts val="0"/>
+              </a:spcAft>
+              <a:buClrTx/>
+              <a:buSzTx/>
+              <a:buFontTx/>
+              <a:buNone/>
+              <a:tabLst/>
+              <a:defRPr/>
+            </a:pPr>
+            <a:endParaRPr kumimoji="0" lang="en-US" sz="1800" b="0" i="0" u="none" strike="noStrike" kern="1200" cap="none" spc="0" normalizeH="0" baseline="0" noProof="0">
+              <a:ln>
+                <a:noFill/>
+              </a:ln>
+              <a:solidFill>
+                <a:prstClr val="white"/>
+              </a:solidFill>
+              <a:effectLst/>
+              <a:uLnTx/>
+              <a:uFillTx/>
+              <a:latin typeface="Calibri" panose="020F0502020204030204"/>
+              <a:ea typeface="+mn-ea"/>
+              <a:cs typeface="+mn-cs"/>
+            </a:endParaRPr>
+          </a:p>
+        </p:txBody>
+      </p:sp>
+      <p:sp>
+        <p:nvSpPr>
+          <p:cNvPr id="12" name="Rectangle 11">
+            <a:extLst>
+              <a:ext uri="{FF2B5EF4-FFF2-40B4-BE49-F238E27FC236}">
+                <a16:creationId xmlns:a16="http://schemas.microsoft.com/office/drawing/2014/main" id="{79F3C543-62EC-4433-9C93-A2CD8764E9B4}"/>
+              </a:ext>
+              <a:ext uri="{C183D7F6-B498-43B3-948B-1728B52AA6E4}">
+                <adec:decorative xmlns:adec="http://schemas.microsoft.com/office/drawing/2017/decorative" val="1"/>
+              </a:ext>
+            </a:extLst>
+          </p:cNvPr>
+          <p:cNvSpPr>
+            <a:spLocks noGrp="1" noRot="1" noChangeAspect="1" noMove="1" noResize="1" noEditPoints="1" noAdjustHandles="1" noChangeArrowheads="1" noChangeShapeType="1" noTextEdit="1"/>
+          </p:cNvSpPr>
+          <p:nvPr>
+            <p:extLst>
+              <p:ext uri="{386F3935-93C4-4BCD-93E2-E3B085C9AB24}">
+                <p16:designElem xmlns:p16="http://schemas.microsoft.com/office/powerpoint/2015/main" val="1"/>
+              </p:ext>
+            </p:extLst>
+          </p:nvPr>
+        </p:nvSpPr>
+        <p:spPr>
+          <a:xfrm flipV="1">
+            <a:off x="578652" y="4501201"/>
+            <a:ext cx="11034696" cy="18288"/>
+          </a:xfrm>
+          <a:prstGeom prst="rect">
+            <a:avLst/>
+          </a:prstGeom>
+          <a:solidFill>
+            <a:schemeClr val="tx2">
+              <a:lumMod val="25000"/>
+              <a:lumOff val="75000"/>
+            </a:schemeClr>
+          </a:solidFill>
+          <a:ln w="3175">
+            <a:noFill/>
+          </a:ln>
+          <a:effectLst/>
+        </p:spPr>
+        <p:style>
+          <a:lnRef idx="2">
+            <a:schemeClr val="accent1">
+              <a:shade val="50000"/>
+            </a:schemeClr>
+          </a:lnRef>
+          <a:fillRef idx="1">
+            <a:schemeClr val="accent1"/>
+          </a:fillRef>
+          <a:effectRef idx="0">
+            <a:schemeClr val="accent1"/>
+          </a:effectRef>
+          <a:fontRef idx="minor">
+            <a:schemeClr val="lt1"/>
+          </a:fontRef>
+        </p:style>
+        <p:txBody>
+          <a:bodyPr rtlCol="0" anchor="ctr"/>
+          <a:lstStyle/>
+          <a:p>
+            <a:pPr marL="0" marR="0" lvl="0" indent="0" algn="ctr" defTabSz="914400" rtl="0" eaLnBrk="1" fontAlgn="auto" latinLnBrk="0" hangingPunct="1">
+              <a:lnSpc>
+                <a:spcPct val="100000"/>
+              </a:lnSpc>
+              <a:spcBef>
+                <a:spcPts val="0"/>
+              </a:spcBef>
+              <a:spcAft>
+                <a:spcPts val="0"/>
+              </a:spcAft>
+              <a:buClrTx/>
+              <a:buSzTx/>
+              <a:buFontTx/>
+              <a:buNone/>
+              <a:tabLst/>
+              <a:defRPr/>
+            </a:pPr>
+            <a:endParaRPr kumimoji="0" lang="en-US" sz="1800" b="0" i="0" u="none" strike="noStrike" kern="1200" cap="none" spc="0" normalizeH="0" baseline="0" noProof="0">
+              <a:ln>
+                <a:noFill/>
+              </a:ln>
+              <a:solidFill>
+                <a:prstClr val="white"/>
+              </a:solidFill>
+              <a:effectLst/>
+              <a:uLnTx/>
+              <a:uFillTx/>
+              <a:latin typeface="Calibri" panose="020F0502020204030204"/>
+              <a:ea typeface="+mn-ea"/>
+              <a:cs typeface="+mn-cs"/>
+            </a:endParaRPr>
+          </a:p>
+        </p:txBody>
+      </p:sp>
+      <p:sp useBgFill="1">
+        <p:nvSpPr>
+          <p:cNvPr id="14" name="Rectangle 13">
+            <a:extLst>
+              <a:ext uri="{FF2B5EF4-FFF2-40B4-BE49-F238E27FC236}">
+                <a16:creationId xmlns:a16="http://schemas.microsoft.com/office/drawing/2014/main" id="{E91DC736-0EF8-4F87-9146-EBF1D2EE4D3D}"/>
+              </a:ext>
+              <a:ext uri="{C183D7F6-B498-43B3-948B-1728B52AA6E4}">
+                <adec:decorative xmlns:adec="http://schemas.microsoft.com/office/drawing/2017/decorative" val="1"/>
+              </a:ext>
+            </a:extLst>
+          </p:cNvPr>
+          <p:cNvSpPr>
+            <a:spLocks noGrp="1" noRot="1" noChangeAspect="1" noMove="1" noResize="1" noEditPoints="1" noAdjustHandles="1" noChangeArrowheads="1" noChangeShapeType="1" noTextEdit="1"/>
+          </p:cNvSpPr>
+          <p:nvPr>
+            <p:extLst>
+              <p:ext uri="{386F3935-93C4-4BCD-93E2-E3B085C9AB24}">
+                <p16:designElem xmlns:p16="http://schemas.microsoft.com/office/powerpoint/2015/main" val="1"/>
+              </p:ext>
+            </p:extLst>
+          </p:nvPr>
+        </p:nvSpPr>
+        <p:spPr>
+          <a:xfrm>
+            <a:off x="0" y="0"/>
+            <a:ext cx="12192000" cy="6858000"/>
+          </a:xfrm>
+          <a:prstGeom prst="rect">
+            <a:avLst/>
+          </a:prstGeom>
+          <a:ln>
+            <a:noFill/>
+          </a:ln>
+        </p:spPr>
+        <p:style>
+          <a:lnRef idx="2">
+            <a:schemeClr val="accent1">
+              <a:shade val="50000"/>
+            </a:schemeClr>
+          </a:lnRef>
+          <a:fillRef idx="1">
+            <a:schemeClr val="accent1"/>
+          </a:fillRef>
+          <a:effectRef idx="0">
+            <a:schemeClr val="accent1"/>
+          </a:effectRef>
+          <a:fontRef idx="minor">
+            <a:schemeClr val="lt1"/>
+          </a:fontRef>
+        </p:style>
+        <p:txBody>
+          <a:bodyPr rtlCol="0" anchor="ctr"/>
+          <a:lstStyle/>
+          <a:p>
+            <a:pPr algn="ctr"/>
+            <a:endParaRPr lang="en-US"/>
+          </a:p>
+        </p:txBody>
+      </p:sp>
+      <p:pic>
+        <p:nvPicPr>
+          <p:cNvPr id="4" name="Content Placeholder 3" descr="Fundo do vetor de cores vibrantes salpicando">
+            <a:extLst>
+              <a:ext uri="{FF2B5EF4-FFF2-40B4-BE49-F238E27FC236}">
+                <a16:creationId xmlns:a16="http://schemas.microsoft.com/office/drawing/2014/main" id="{8DA498E9-F316-3B91-0898-41E8CEAC46F0}"/>
+              </a:ext>
+            </a:extLst>
+          </p:cNvPr>
+          <p:cNvPicPr>
+            <a:picLocks noChangeAspect="1"/>
+          </p:cNvPicPr>
+          <p:nvPr/>
+        </p:nvPicPr>
+        <p:blipFill rotWithShape="1">
+          <a:blip r:embed="rId2"/>
+          <a:srcRect l="10975" r="3072" b="-1"/>
+          <a:stretch/>
+        </p:blipFill>
+        <p:spPr>
+          <a:xfrm>
+            <a:off x="3523488" y="10"/>
+            <a:ext cx="8668512" cy="6857990"/>
+          </a:xfrm>
+          <a:prstGeom prst="rect">
+            <a:avLst/>
+          </a:prstGeom>
+        </p:spPr>
+      </p:pic>
+      <p:sp>
+        <p:nvSpPr>
+          <p:cNvPr id="16" name="Rectangle 15">
+            <a:extLst>
+              <a:ext uri="{FF2B5EF4-FFF2-40B4-BE49-F238E27FC236}">
+                <a16:creationId xmlns:a16="http://schemas.microsoft.com/office/drawing/2014/main" id="{097CD68E-23E3-4007-8847-CD0944C4F7BE}"/>
+              </a:ext>
+              <a:ext uri="{C183D7F6-B498-43B3-948B-1728B52AA6E4}">
+                <adec:decorative xmlns:adec="http://schemas.microsoft.com/office/drawing/2017/decorative" val="1"/>
+              </a:ext>
+            </a:extLst>
+          </p:cNvPr>
+          <p:cNvSpPr>
+            <a:spLocks noGrp="1" noRot="1" noChangeAspect="1" noMove="1" noResize="1" noEditPoints="1" noAdjustHandles="1" noChangeArrowheads="1" noChangeShapeType="1" noTextEdit="1"/>
+          </p:cNvSpPr>
+          <p:nvPr>
+            <p:extLst>
+              <p:ext uri="{386F3935-93C4-4BCD-93E2-E3B085C9AB24}">
+                <p16:designElem xmlns:p16="http://schemas.microsoft.com/office/powerpoint/2015/main" val="1"/>
+              </p:ext>
+            </p:extLst>
+          </p:nvPr>
+        </p:nvSpPr>
+        <p:spPr>
+          <a:xfrm>
+            <a:off x="0" y="0"/>
+            <a:ext cx="9756601" cy="6858000"/>
+          </a:xfrm>
+          <a:prstGeom prst="rect">
+            <a:avLst/>
+          </a:prstGeom>
+          <a:gradFill>
+            <a:gsLst>
+              <a:gs pos="58000">
+                <a:schemeClr val="bg1"/>
+              </a:gs>
+              <a:gs pos="35000">
+                <a:schemeClr val="bg1">
+                  <a:alpha val="79000"/>
+                </a:schemeClr>
+              </a:gs>
+              <a:gs pos="19000">
+                <a:schemeClr val="bg1">
+                  <a:alpha val="38000"/>
+                </a:schemeClr>
+              </a:gs>
+              <a:gs pos="0">
+                <a:schemeClr val="bg1">
+                  <a:alpha val="0"/>
+                </a:schemeClr>
+              </a:gs>
+              <a:gs pos="100000">
+                <a:schemeClr val="bg1"/>
+              </a:gs>
+            </a:gsLst>
+            <a:lin ang="10800000" scaled="0"/>
+          </a:gradFill>
+          <a:ln>
+            <a:noFill/>
+          </a:ln>
+        </p:spPr>
+        <p:style>
+          <a:lnRef idx="2">
+            <a:schemeClr val="accent1">
+              <a:shade val="50000"/>
+            </a:schemeClr>
+          </a:lnRef>
+          <a:fillRef idx="1">
+            <a:schemeClr val="accent1"/>
+          </a:fillRef>
+          <a:effectRef idx="0">
+            <a:schemeClr val="accent1"/>
+          </a:effectRef>
+          <a:fontRef idx="minor">
+            <a:schemeClr val="lt1"/>
+          </a:fontRef>
+        </p:style>
+        <p:txBody>
+          <a:bodyPr rtlCol="0" anchor="ctr"/>
+          <a:lstStyle/>
+          <a:p>
+            <a:pPr algn="ctr"/>
+            <a:endParaRPr lang="en-US" dirty="0"/>
+          </a:p>
+        </p:txBody>
+      </p:sp>
+      <p:sp>
+        <p:nvSpPr>
+          <p:cNvPr id="5" name="Título 1">
+            <a:extLst>
+              <a:ext uri="{FF2B5EF4-FFF2-40B4-BE49-F238E27FC236}">
+                <a16:creationId xmlns:a16="http://schemas.microsoft.com/office/drawing/2014/main" id="{213460A5-00D9-1E6B-BB32-922FA0C6F2D0}"/>
+              </a:ext>
+            </a:extLst>
+          </p:cNvPr>
+          <p:cNvSpPr>
+            <a:spLocks noGrp="1"/>
+          </p:cNvSpPr>
+          <p:nvPr>
+            <p:ph type="title"/>
+          </p:nvPr>
+        </p:nvSpPr>
+        <p:spPr>
+          <a:xfrm>
+            <a:off x="477981" y="1122363"/>
+            <a:ext cx="4023360" cy="3204134"/>
+          </a:xfrm>
+        </p:spPr>
+        <p:txBody>
+          <a:bodyPr vert="horz" lIns="91440" tIns="45720" rIns="91440" bIns="45720" rtlCol="0" anchor="b">
+            <a:normAutofit/>
+          </a:bodyPr>
+          <a:lstStyle/>
+          <a:p>
+            <a:r>
+              <a:rPr lang="en-US" sz="4800" dirty="0"/>
+              <a:t>Aula 7 – </a:t>
+            </a:r>
+            <a:r>
+              <a:rPr lang="en-US" sz="4800" dirty="0" err="1"/>
+              <a:t>Textos</a:t>
+            </a:r>
+            <a:r>
+              <a:rPr lang="en-US" sz="4800" dirty="0"/>
+              <a:t> e </a:t>
+            </a:r>
+            <a:r>
+              <a:rPr lang="en-US" sz="4800" dirty="0" err="1"/>
+              <a:t>Listas</a:t>
+            </a:r>
+            <a:r>
+              <a:rPr lang="en-US" sz="4800" dirty="0"/>
+              <a:t> no HTML</a:t>
+            </a:r>
+          </a:p>
+        </p:txBody>
+      </p:sp>
+      <p:sp>
+        <p:nvSpPr>
+          <p:cNvPr id="18" name="Rectangle 17">
+            <a:extLst>
+              <a:ext uri="{FF2B5EF4-FFF2-40B4-BE49-F238E27FC236}">
+                <a16:creationId xmlns:a16="http://schemas.microsoft.com/office/drawing/2014/main" id="{AF2F604E-43BE-4DC3-B983-E071523364F8}"/>
+              </a:ext>
+              <a:ext uri="{C183D7F6-B498-43B3-948B-1728B52AA6E4}">
+                <adec:decorative xmlns:adec="http://schemas.microsoft.com/office/drawing/2017/decorative" val="1"/>
+              </a:ext>
+            </a:extLst>
+          </p:cNvPr>
+          <p:cNvSpPr>
+            <a:spLocks noGrp="1" noRot="1" noChangeAspect="1" noMove="1" noResize="1" noEditPoints="1" noAdjustHandles="1" noChangeArrowheads="1" noChangeShapeType="1" noTextEdit="1"/>
+          </p:cNvSpPr>
+          <p:nvPr>
+            <p:extLst>
+              <p:ext uri="{386F3935-93C4-4BCD-93E2-E3B085C9AB24}">
+                <p16:designElem xmlns:p16="http://schemas.microsoft.com/office/powerpoint/2015/main" val="1"/>
+              </p:ext>
+            </p:extLst>
+          </p:nvPr>
+        </p:nvSpPr>
+        <p:spPr>
+          <a:xfrm rot="5400000">
+            <a:off x="759921" y="346791"/>
+            <a:ext cx="146304" cy="704088"/>
+          </a:xfrm>
+          <a:prstGeom prst="rect">
+            <a:avLst/>
+          </a:prstGeom>
+          <a:solidFill>
+            <a:schemeClr val="accent1"/>
+          </a:solidFill>
+          <a:ln>
+            <a:noFill/>
+          </a:ln>
+        </p:spPr>
+        <p:style>
+          <a:lnRef idx="2">
+            <a:schemeClr val="accent1">
+              <a:shade val="50000"/>
+            </a:schemeClr>
+          </a:lnRef>
+          <a:fillRef idx="1">
+            <a:schemeClr val="accent1"/>
+          </a:fillRef>
+          <a:effectRef idx="0">
+            <a:schemeClr val="accent1"/>
+          </a:effectRef>
+          <a:fontRef idx="minor">
+            <a:schemeClr val="lt1"/>
+          </a:fontRef>
+        </p:style>
+        <p:txBody>
+          <a:bodyPr rtlCol="0" anchor="ctr"/>
+          <a:lstStyle/>
+          <a:p>
+            <a:pPr marL="0" marR="0" lvl="0" indent="0" algn="ctr" defTabSz="914400" rtl="0" eaLnBrk="1" fontAlgn="auto" latinLnBrk="0" hangingPunct="1">
+              <a:lnSpc>
+                <a:spcPct val="100000"/>
+              </a:lnSpc>
+              <a:spcBef>
+                <a:spcPts val="0"/>
+              </a:spcBef>
+              <a:spcAft>
+                <a:spcPts val="0"/>
+              </a:spcAft>
+              <a:buClrTx/>
+              <a:buSzTx/>
+              <a:buFontTx/>
+              <a:buNone/>
+              <a:tabLst/>
+              <a:defRPr/>
+            </a:pPr>
+            <a:endParaRPr kumimoji="0" lang="en-US" sz="1800" b="0" i="0" u="none" strike="noStrike" kern="1200" cap="none" spc="0" normalizeH="0" baseline="0" noProof="0">
+              <a:ln>
+                <a:noFill/>
+              </a:ln>
+              <a:solidFill>
+                <a:prstClr val="white"/>
+              </a:solidFill>
+              <a:effectLst/>
+              <a:uLnTx/>
+              <a:uFillTx/>
+              <a:latin typeface="Calibri" panose="020F0502020204030204"/>
+              <a:ea typeface="+mn-ea"/>
+              <a:cs typeface="+mn-cs"/>
+            </a:endParaRPr>
+          </a:p>
+        </p:txBody>
+      </p:sp>
+      <p:sp>
+        <p:nvSpPr>
+          <p:cNvPr id="20" name="Rectangle 19">
+            <a:extLst>
+              <a:ext uri="{FF2B5EF4-FFF2-40B4-BE49-F238E27FC236}">
+                <a16:creationId xmlns:a16="http://schemas.microsoft.com/office/drawing/2014/main" id="{08C9B587-E65E-4B52-B37C-ABEBB6E87928}"/>
+              </a:ext>
+              <a:ext uri="{C183D7F6-B498-43B3-948B-1728B52AA6E4}">
+                <adec:decorative xmlns:adec="http://schemas.microsoft.com/office/drawing/2017/decorative" val="1"/>
+              </a:ext>
+            </a:extLst>
+          </p:cNvPr>
+          <p:cNvSpPr>
+            <a:spLocks noGrp="1" noRot="1" noChangeAspect="1" noMove="1" noResize="1" noEditPoints="1" noAdjustHandles="1" noChangeArrowheads="1" noChangeShapeType="1" noTextEdit="1"/>
+          </p:cNvSpPr>
+          <p:nvPr>
+            <p:extLst>
+              <p:ext uri="{386F3935-93C4-4BCD-93E2-E3B085C9AB24}">
+                <p16:designElem xmlns:p16="http://schemas.microsoft.com/office/powerpoint/2015/main" val="1"/>
+              </p:ext>
+            </p:extLst>
+          </p:nvPr>
+        </p:nvSpPr>
+        <p:spPr>
+          <a:xfrm>
+            <a:off x="481029" y="4546920"/>
+            <a:ext cx="3977640" cy="18288"/>
+          </a:xfrm>
+          <a:prstGeom prst="rect">
+            <a:avLst/>
+          </a:prstGeom>
+          <a:solidFill>
+            <a:schemeClr val="tx2">
+              <a:lumMod val="25000"/>
+              <a:lumOff val="75000"/>
+            </a:schemeClr>
+          </a:solidFill>
+          <a:ln w="3175">
+            <a:solidFill>
+              <a:schemeClr val="tx2">
+                <a:lumMod val="25000"/>
+                <a:lumOff val="75000"/>
+              </a:schemeClr>
+            </a:solidFill>
+          </a:ln>
+          <a:effectLst/>
+        </p:spPr>
+        <p:style>
+          <a:lnRef idx="2">
+            <a:schemeClr val="accent1">
+              <a:shade val="50000"/>
+            </a:schemeClr>
+          </a:lnRef>
+          <a:fillRef idx="1">
+            <a:schemeClr val="accent1"/>
+          </a:fillRef>
+          <a:effectRef idx="0">
+            <a:schemeClr val="accent1"/>
+          </a:effectRef>
+          <a:fontRef idx="minor">
+            <a:schemeClr val="lt1"/>
+          </a:fontRef>
+        </p:style>
+        <p:txBody>
+          <a:bodyPr rtlCol="0" anchor="ctr"/>
+          <a:lstStyle/>
+          <a:p>
+            <a:pPr marL="0" marR="0" lvl="0" indent="0" algn="ctr" defTabSz="914400" rtl="0" eaLnBrk="1" fontAlgn="auto" latinLnBrk="0" hangingPunct="1">
+              <a:lnSpc>
+                <a:spcPct val="100000"/>
+              </a:lnSpc>
+              <a:spcBef>
+                <a:spcPts val="0"/>
+              </a:spcBef>
+              <a:spcAft>
+                <a:spcPts val="0"/>
+              </a:spcAft>
+              <a:buClrTx/>
+              <a:buSzTx/>
+              <a:buFontTx/>
+              <a:buNone/>
+              <a:tabLst/>
+              <a:defRPr/>
+            </a:pPr>
+            <a:endParaRPr kumimoji="0" lang="en-US" sz="1800" b="0" i="0" u="none" strike="noStrike" kern="1200" cap="none" spc="0" normalizeH="0" baseline="0" noProof="0">
+              <a:ln>
+                <a:noFill/>
+              </a:ln>
+              <a:solidFill>
+                <a:prstClr val="white"/>
+              </a:solidFill>
+              <a:effectLst/>
+              <a:uLnTx/>
+              <a:uFillTx/>
+              <a:latin typeface="Calibri" panose="020F0502020204030204"/>
+              <a:ea typeface="+mn-ea"/>
+              <a:cs typeface="+mn-cs"/>
+            </a:endParaRPr>
+          </a:p>
+        </p:txBody>
+      </p:sp>
+    </p:spTree>
+    <p:extLst>
+      <p:ext uri="{BB962C8B-B14F-4D97-AF65-F5344CB8AC3E}">
+        <p14:creationId xmlns:p14="http://schemas.microsoft.com/office/powerpoint/2010/main" val="3492107673"/>
+      </p:ext>
+    </p:extLst>
+  </p:cSld>
+  <p:clrMapOvr>
+    <a:masterClrMapping/>
+  </p:clrMapOvr>
+  <p:timing>
+    <p:tnLst>
+      <p:par>
+        <p:cTn id="1" dur="indefinite" restart="never" nodeType="tmRoot">
+          <p:childTnLst>
+            <p:seq concurrent="1" nextAc="seek">
+              <p:cTn id="2" dur="indefinite" nodeType="mainSeq">
+                <p:childTnLst>
+                  <p:par>
+                    <p:cTn id="3" fill="hold">
+                      <p:stCondLst>
+                        <p:cond delay="indefinite"/>
+                        <p:cond evt="onBegin" delay="0">
+                          <p:tn val="2"/>
+                        </p:cond>
+                      </p:stCondLst>
+                      <p:childTnLst>
+                        <p:par>
+                          <p:cTn id="4" fill="hold">
+                            <p:stCondLst>
+                              <p:cond delay="0"/>
+                            </p:stCondLst>
+                            <p:childTnLst>
+                              <p:par>
+                                <p:cTn id="5" presetID="10" presetClass="entr" presetSubtype="0" fill="hold" grpId="0" nodeType="withEffect">
+                                  <p:stCondLst>
+                                    <p:cond delay="1000"/>
+                                  </p:stCondLst>
+                                  <p:iterate type="lt">
+                                    <p:tmPct val="10000"/>
+                                  </p:iterate>
+                                  <p:childTnLst>
+                                    <p:set>
+                                      <p:cBhvr>
+                                        <p:cTn id="6" dur="1" fill="hold">
+                                          <p:stCondLst>
+                                            <p:cond delay="0"/>
+                                          </p:stCondLst>
+                                        </p:cTn>
+                                        <p:tgtEl>
+                                          <p:spTgt spid="5"/>
+                                        </p:tgtEl>
+                                        <p:attrNameLst>
+                                          <p:attrName>style.visibility</p:attrName>
+                                        </p:attrNameLst>
+                                      </p:cBhvr>
+                                      <p:to>
+                                        <p:strVal val="visible"/>
+                                      </p:to>
+                                    </p:set>
+                                    <p:animEffect transition="in" filter="fade">
+                                      <p:cBhvr>
+                                        <p:cTn id="7" dur="400"/>
+                                        <p:tgtEl>
+                                          <p:spTgt spid="5"/>
+                                        </p:tgtEl>
+                                      </p:cBhvr>
+                                    </p:animEffect>
+                                  </p:childTnLst>
+                                </p:cTn>
+                              </p:par>
+                            </p:childTnLst>
+                          </p:cTn>
+                        </p:par>
+                      </p:childTnLst>
+                    </p:cTn>
+                  </p:par>
+                </p:childTnLst>
+              </p:cTn>
+              <p:prevCondLst>
+                <p:cond evt="onPrev" delay="0">
+                  <p:tgtEl>
+                    <p:sldTgt/>
+                  </p:tgtEl>
+                </p:cond>
+              </p:prevCondLst>
+              <p:nextCondLst>
+                <p:cond evt="onNext" delay="0">
+                  <p:tgtEl>
+                    <p:sldTgt/>
+                  </p:tgtEl>
+                </p:cond>
+              </p:nextCondLst>
+            </p:seq>
+          </p:childTnLst>
+        </p:cTn>
+      </p:par>
+    </p:tnLst>
+    <p:bldLst>
+      <p:bldP spid="5" grpId="0"/>
+    </p:bldLst>
+  </p:timing>
+</p:sld>
+</file>
+
+<file path=ppt/slides/slide98.xml><?xml version="1.0" encoding="utf-8"?>
+<p:sld xmlns:a="http://schemas.openxmlformats.org/drawingml/2006/main" xmlns:r="http://schemas.openxmlformats.org/officeDocument/2006/relationships" xmlns:p="http://schemas.openxmlformats.org/presentationml/2006/main">
+  <p:cSld>
+    <p:spTree>
+      <p:nvGrpSpPr>
+        <p:cNvPr id="1" name=""/>
+        <p:cNvGrpSpPr/>
+        <p:nvPr/>
+      </p:nvGrpSpPr>
+      <p:grpSpPr>
+        <a:xfrm>
+          <a:off x="0" y="0"/>
+          <a:ext cx="0" cy="0"/>
+          <a:chOff x="0" y="0"/>
+          <a:chExt cx="0" cy="0"/>
+        </a:xfrm>
+      </p:grpSpPr>
+      <p:sp>
+        <p:nvSpPr>
+          <p:cNvPr id="2" name="Título 1">
+            <a:extLst>
+              <a:ext uri="{FF2B5EF4-FFF2-40B4-BE49-F238E27FC236}">
+                <a16:creationId xmlns:a16="http://schemas.microsoft.com/office/drawing/2014/main" id="{7E178860-82E6-4936-CF96-E9C41E54E400}"/>
+              </a:ext>
+            </a:extLst>
+          </p:cNvPr>
+          <p:cNvSpPr>
+            <a:spLocks noGrp="1"/>
+          </p:cNvSpPr>
+          <p:nvPr>
+            <p:ph type="title"/>
+          </p:nvPr>
+        </p:nvSpPr>
+        <p:spPr/>
+        <p:txBody>
+          <a:bodyPr/>
+          <a:lstStyle/>
+          <a:p>
+            <a:r>
+              <a:rPr lang="pt-BR" dirty="0"/>
+              <a:t>Textos no HTML</a:t>
+            </a:r>
+          </a:p>
+        </p:txBody>
+      </p:sp>
+      <p:sp>
+        <p:nvSpPr>
+          <p:cNvPr id="3" name="Espaço Reservado para Conteúdo 2">
+            <a:extLst>
+              <a:ext uri="{FF2B5EF4-FFF2-40B4-BE49-F238E27FC236}">
+                <a16:creationId xmlns:a16="http://schemas.microsoft.com/office/drawing/2014/main" id="{7061C83C-C8F3-1B19-5B87-79E953643745}"/>
+              </a:ext>
+            </a:extLst>
+          </p:cNvPr>
+          <p:cNvSpPr>
+            <a:spLocks noGrp="1"/>
+          </p:cNvSpPr>
+          <p:nvPr>
+            <p:ph idx="1"/>
+          </p:nvPr>
+        </p:nvSpPr>
+        <p:spPr/>
+        <p:txBody>
+          <a:bodyPr/>
+          <a:lstStyle/>
+          <a:p>
+            <a:r>
+              <a:rPr lang="pt-BR" dirty="0"/>
+              <a:t>Existem diversas </a:t>
+            </a:r>
+            <a:r>
+              <a:rPr lang="pt-BR" dirty="0" err="1"/>
+              <a:t>tags</a:t>
+            </a:r>
+            <a:r>
+              <a:rPr lang="pt-BR" dirty="0"/>
+              <a:t> de texto no HTML, p, h1, </a:t>
+            </a:r>
+            <a:r>
+              <a:rPr lang="pt-BR" dirty="0" err="1"/>
+              <a:t>code</a:t>
+            </a:r>
+            <a:r>
+              <a:rPr lang="pt-BR" dirty="0"/>
+              <a:t>, Strong, em e vou mostrar cada uma delas aqui abaixo</a:t>
+            </a:r>
+          </a:p>
+        </p:txBody>
+      </p:sp>
+    </p:spTree>
+    <p:extLst>
+      <p:ext uri="{BB962C8B-B14F-4D97-AF65-F5344CB8AC3E}">
+        <p14:creationId xmlns:p14="http://schemas.microsoft.com/office/powerpoint/2010/main" val="1971970878"/>
+      </p:ext>
+    </p:extLst>
+  </p:cSld>
+  <p:clrMapOvr>
+    <a:masterClrMapping/>
+  </p:clrMapOvr>
+</p:sld>
+</file>
+
+<file path=ppt/slides/slide99.xml><?xml version="1.0" encoding="utf-8"?>
+<p:sld xmlns:a="http://schemas.openxmlformats.org/drawingml/2006/main" xmlns:r="http://schemas.openxmlformats.org/officeDocument/2006/relationships" xmlns:p="http://schemas.openxmlformats.org/presentationml/2006/main">
+  <p:cSld>
+    <p:spTree>
+      <p:nvGrpSpPr>
+        <p:cNvPr id="1" name=""/>
+        <p:cNvGrpSpPr/>
+        <p:nvPr/>
+      </p:nvGrpSpPr>
+      <p:grpSpPr>
+        <a:xfrm>
+          <a:off x="0" y="0"/>
+          <a:ext cx="0" cy="0"/>
+          <a:chOff x="0" y="0"/>
+          <a:chExt cx="0" cy="0"/>
+        </a:xfrm>
+      </p:grpSpPr>
+      <p:sp>
+        <p:nvSpPr>
+          <p:cNvPr id="2" name="Título 1">
+            <a:extLst>
+              <a:ext uri="{FF2B5EF4-FFF2-40B4-BE49-F238E27FC236}">
+                <a16:creationId xmlns:a16="http://schemas.microsoft.com/office/drawing/2014/main" id="{05F4669E-5949-AACF-6456-A98748339E54}"/>
+              </a:ext>
+            </a:extLst>
+          </p:cNvPr>
+          <p:cNvSpPr>
+            <a:spLocks noGrp="1"/>
+          </p:cNvSpPr>
+          <p:nvPr>
+            <p:ph type="title"/>
+          </p:nvPr>
+        </p:nvSpPr>
+        <p:spPr/>
+        <p:txBody>
+          <a:bodyPr/>
+          <a:lstStyle/>
+          <a:p>
+            <a:r>
+              <a:rPr lang="pt-BR" dirty="0" err="1"/>
+              <a:t>Tag</a:t>
+            </a:r>
+            <a:r>
+              <a:rPr lang="pt-BR" dirty="0"/>
+              <a:t> p</a:t>
+            </a:r>
+          </a:p>
+        </p:txBody>
+      </p:sp>
+      <p:sp>
+        <p:nvSpPr>
+          <p:cNvPr id="3" name="Espaço Reservado para Conteúdo 2">
+            <a:extLst>
+              <a:ext uri="{FF2B5EF4-FFF2-40B4-BE49-F238E27FC236}">
+                <a16:creationId xmlns:a16="http://schemas.microsoft.com/office/drawing/2014/main" id="{A22D4812-2249-6C12-100C-A4F124EC7846}"/>
+              </a:ext>
+            </a:extLst>
+          </p:cNvPr>
+          <p:cNvSpPr>
+            <a:spLocks noGrp="1"/>
+          </p:cNvSpPr>
+          <p:nvPr>
+            <p:ph idx="1"/>
+          </p:nvPr>
+        </p:nvSpPr>
+        <p:spPr/>
+        <p:txBody>
+          <a:bodyPr/>
+          <a:lstStyle/>
+          <a:p>
+            <a:r>
+              <a:rPr lang="pt-BR" dirty="0"/>
+              <a:t>Pensada especialmente em textos longos, como textos jornalísticos e qualquer tipo de texto que não cabe em uma linha. Ideal para que você coloque o parágrafo de cada frase que você está desenvolvendo.</a:t>
+            </a:r>
+          </a:p>
+        </p:txBody>
+      </p:sp>
+      <p:pic>
+        <p:nvPicPr>
+          <p:cNvPr id="7" name="Imagem 6">
+            <a:extLst>
+              <a:ext uri="{FF2B5EF4-FFF2-40B4-BE49-F238E27FC236}">
+                <a16:creationId xmlns:a16="http://schemas.microsoft.com/office/drawing/2014/main" id="{28B1DE71-5B3A-082C-615B-0472E6FF85F9}"/>
+              </a:ext>
+            </a:extLst>
+          </p:cNvPr>
+          <p:cNvPicPr>
+            <a:picLocks noChangeAspect="1"/>
+          </p:cNvPicPr>
+          <p:nvPr/>
+        </p:nvPicPr>
+        <p:blipFill>
+          <a:blip r:embed="rId2"/>
+          <a:stretch>
+            <a:fillRect/>
+          </a:stretch>
+        </p:blipFill>
+        <p:spPr>
+          <a:xfrm>
+            <a:off x="1045706" y="4797451"/>
+            <a:ext cx="10100588" cy="664668"/>
+          </a:xfrm>
+          <a:prstGeom prst="rect">
+            <a:avLst/>
+          </a:prstGeom>
+        </p:spPr>
+      </p:pic>
+    </p:spTree>
+    <p:extLst>
+      <p:ext uri="{BB962C8B-B14F-4D97-AF65-F5344CB8AC3E}">
+        <p14:creationId xmlns:p14="http://schemas.microsoft.com/office/powerpoint/2010/main" val="3715368711"/>
+      </p:ext>
+    </p:extLst>
+  </p:cSld>
+  <p:clrMapOvr>
+    <a:masterClrMapping/>
+  </p:clrMapOvr>
+</p:sld>
+</file>
+
 <file path=ppt/theme/theme1.xml><?xml version="1.0" encoding="utf-8"?>
 <a:theme xmlns:a="http://schemas.openxmlformats.org/drawingml/2006/main" name="AccentBoxVTI">
   <a:themeElements>

--- a/Power Point/Curso de HTML e CSS.pptx
+++ b/Power Point/Curso de HTML e CSS.pptx
@@ -116,6 +116,13 @@
     <p:sldId id="365" r:id="rId110"/>
     <p:sldId id="366" r:id="rId111"/>
     <p:sldId id="367" r:id="rId112"/>
+    <p:sldId id="368" r:id="rId113"/>
+    <p:sldId id="369" r:id="rId114"/>
+    <p:sldId id="370" r:id="rId115"/>
+    <p:sldId id="371" r:id="rId116"/>
+    <p:sldId id="372" r:id="rId117"/>
+    <p:sldId id="373" r:id="rId118"/>
+    <p:sldId id="374" r:id="rId119"/>
   </p:sldIdLst>
   <p:sldSz cx="12192000" cy="6858000"/>
   <p:notesSz cx="6858000" cy="9144000"/>
@@ -378,7 +385,7 @@
           <a:p>
             <a:fld id="{02AC24A9-CCB6-4F8D-B8DB-C2F3692CFA5A}" type="datetimeFigureOut">
               <a:rPr lang="en-US" smtClean="0"/>
-              <a:t>3/13/2025</a:t>
+              <a:t>3/14/2025</a:t>
             </a:fld>
             <a:endParaRPr lang="en-US" dirty="0"/>
           </a:p>
@@ -748,7 +755,7 @@
           <a:p>
             <a:fld id="{02AC24A9-CCB6-4F8D-B8DB-C2F3692CFA5A}" type="datetimeFigureOut">
               <a:rPr lang="en-US" smtClean="0"/>
-              <a:t>3/13/2025</a:t>
+              <a:t>3/14/2025</a:t>
             </a:fld>
             <a:endParaRPr lang="en-US"/>
           </a:p>
@@ -957,7 +964,7 @@
           <a:p>
             <a:fld id="{02AC24A9-CCB6-4F8D-B8DB-C2F3692CFA5A}" type="datetimeFigureOut">
               <a:rPr lang="en-US" smtClean="0"/>
-              <a:t>3/13/2025</a:t>
+              <a:t>3/14/2025</a:t>
             </a:fld>
             <a:endParaRPr lang="en-US"/>
           </a:p>
@@ -1427,7 +1434,7 @@
           <a:p>
             <a:fld id="{02AC24A9-CCB6-4F8D-B8DB-C2F3692CFA5A}" type="datetimeFigureOut">
               <a:rPr lang="en-US" smtClean="0"/>
-              <a:t>3/13/2025</a:t>
+              <a:t>3/14/2025</a:t>
             </a:fld>
             <a:endParaRPr lang="en-US"/>
           </a:p>
@@ -1881,7 +1888,7 @@
           <a:p>
             <a:fld id="{02AC24A9-CCB6-4F8D-B8DB-C2F3692CFA5A}" type="datetimeFigureOut">
               <a:rPr lang="en-US" smtClean="0"/>
-              <a:t>3/13/2025</a:t>
+              <a:t>3/14/2025</a:t>
             </a:fld>
             <a:endParaRPr lang="en-US"/>
           </a:p>
@@ -2413,7 +2420,7 @@
           <a:p>
             <a:fld id="{02AC24A9-CCB6-4F8D-B8DB-C2F3692CFA5A}" type="datetimeFigureOut">
               <a:rPr lang="en-US" smtClean="0"/>
-              <a:t>3/13/2025</a:t>
+              <a:t>3/14/2025</a:t>
             </a:fld>
             <a:endParaRPr lang="en-US"/>
           </a:p>
@@ -3112,7 +3119,7 @@
           <a:p>
             <a:fld id="{02AC24A9-CCB6-4F8D-B8DB-C2F3692CFA5A}" type="datetimeFigureOut">
               <a:rPr lang="en-US" smtClean="0"/>
-              <a:t>3/13/2025</a:t>
+              <a:t>3/14/2025</a:t>
             </a:fld>
             <a:endParaRPr lang="en-US"/>
           </a:p>
@@ -3441,7 +3448,7 @@
           <a:p>
             <a:fld id="{02AC24A9-CCB6-4F8D-B8DB-C2F3692CFA5A}" type="datetimeFigureOut">
               <a:rPr lang="en-US" smtClean="0"/>
-              <a:t>3/13/2025</a:t>
+              <a:t>3/14/2025</a:t>
             </a:fld>
             <a:endParaRPr lang="en-US"/>
           </a:p>
@@ -3554,7 +3561,7 @@
           <a:p>
             <a:fld id="{02AC24A9-CCB6-4F8D-B8DB-C2F3692CFA5A}" type="datetimeFigureOut">
               <a:rPr lang="en-US" smtClean="0"/>
-              <a:t>3/13/2025</a:t>
+              <a:t>3/14/2025</a:t>
             </a:fld>
             <a:endParaRPr lang="en-US"/>
           </a:p>
@@ -4049,7 +4056,7 @@
           <a:p>
             <a:fld id="{02AC24A9-CCB6-4F8D-B8DB-C2F3692CFA5A}" type="datetimeFigureOut">
               <a:rPr lang="en-US" smtClean="0"/>
-              <a:t>3/13/2025</a:t>
+              <a:t>3/14/2025</a:t>
             </a:fld>
             <a:endParaRPr lang="en-US" dirty="0"/>
           </a:p>
@@ -4526,7 +4533,7 @@
           <a:p>
             <a:fld id="{02AC24A9-CCB6-4F8D-B8DB-C2F3692CFA5A}" type="datetimeFigureOut">
               <a:rPr lang="en-US" smtClean="0"/>
-              <a:t>3/13/2025</a:t>
+              <a:t>3/14/2025</a:t>
             </a:fld>
             <a:endParaRPr lang="en-US"/>
           </a:p>
@@ -4769,7 +4776,7 @@
           <a:p>
             <a:fld id="{02AC24A9-CCB6-4F8D-B8DB-C2F3692CFA5A}" type="datetimeFigureOut">
               <a:rPr lang="en-US" smtClean="0"/>
-              <a:t>3/13/2025</a:t>
+              <a:t>3/14/2025</a:t>
             </a:fld>
             <a:endParaRPr lang="en-US"/>
           </a:p>
@@ -7865,6 +7872,1391 @@
 </p:sld>
 </file>
 
+<file path=ppt/slides/slide112.xml><?xml version="1.0" encoding="utf-8"?>
+<p:sld xmlns:a="http://schemas.openxmlformats.org/drawingml/2006/main" xmlns:r="http://schemas.openxmlformats.org/officeDocument/2006/relationships" xmlns:p="http://schemas.openxmlformats.org/presentationml/2006/main">
+  <p:cSld>
+    <p:bg>
+      <p:bgPr>
+        <a:solidFill>
+          <a:schemeClr val="bg1"/>
+        </a:solidFill>
+        <a:effectLst/>
+      </p:bgPr>
+    </p:bg>
+    <p:spTree>
+      <p:nvGrpSpPr>
+        <p:cNvPr id="1" name=""/>
+        <p:cNvGrpSpPr/>
+        <p:nvPr/>
+      </p:nvGrpSpPr>
+      <p:grpSpPr>
+        <a:xfrm>
+          <a:off x="0" y="0"/>
+          <a:ext cx="0" cy="0"/>
+          <a:chOff x="0" y="0"/>
+          <a:chExt cx="0" cy="0"/>
+        </a:xfrm>
+      </p:grpSpPr>
+      <p:sp>
+        <p:nvSpPr>
+          <p:cNvPr id="10" name="Rectangle 9">
+            <a:extLst>
+              <a:ext uri="{FF2B5EF4-FFF2-40B4-BE49-F238E27FC236}">
+                <a16:creationId xmlns:a16="http://schemas.microsoft.com/office/drawing/2014/main" id="{8D06CE56-3881-4ADA-8CEF-D18B02C242A3}"/>
+              </a:ext>
+              <a:ext uri="{C183D7F6-B498-43B3-948B-1728B52AA6E4}">
+                <adec:decorative xmlns:adec="http://schemas.microsoft.com/office/drawing/2017/decorative" val="1"/>
+              </a:ext>
+            </a:extLst>
+          </p:cNvPr>
+          <p:cNvSpPr>
+            <a:spLocks noGrp="1" noRot="1" noChangeAspect="1" noMove="1" noResize="1" noEditPoints="1" noAdjustHandles="1" noChangeArrowheads="1" noChangeShapeType="1" noTextEdit="1"/>
+          </p:cNvSpPr>
+          <p:nvPr>
+            <p:extLst>
+              <p:ext uri="{386F3935-93C4-4BCD-93E2-E3B085C9AB24}">
+                <p16:designElem xmlns:p16="http://schemas.microsoft.com/office/powerpoint/2015/main" val="1"/>
+              </p:ext>
+            </p:extLst>
+          </p:nvPr>
+        </p:nvSpPr>
+        <p:spPr>
+          <a:xfrm rot="5400000">
+            <a:off x="857544" y="346791"/>
+            <a:ext cx="146304" cy="704088"/>
+          </a:xfrm>
+          <a:prstGeom prst="rect">
+            <a:avLst/>
+          </a:prstGeom>
+          <a:solidFill>
+            <a:schemeClr val="accent1"/>
+          </a:solidFill>
+          <a:ln>
+            <a:noFill/>
+          </a:ln>
+        </p:spPr>
+        <p:style>
+          <a:lnRef idx="2">
+            <a:schemeClr val="accent1">
+              <a:shade val="50000"/>
+            </a:schemeClr>
+          </a:lnRef>
+          <a:fillRef idx="1">
+            <a:schemeClr val="accent1"/>
+          </a:fillRef>
+          <a:effectRef idx="0">
+            <a:schemeClr val="accent1"/>
+          </a:effectRef>
+          <a:fontRef idx="minor">
+            <a:schemeClr val="lt1"/>
+          </a:fontRef>
+        </p:style>
+        <p:txBody>
+          <a:bodyPr rtlCol="0" anchor="ctr"/>
+          <a:lstStyle/>
+          <a:p>
+            <a:pPr marL="0" marR="0" lvl="0" indent="0" algn="ctr" defTabSz="914400" rtl="0" eaLnBrk="1" fontAlgn="auto" latinLnBrk="0" hangingPunct="1">
+              <a:lnSpc>
+                <a:spcPct val="100000"/>
+              </a:lnSpc>
+              <a:spcBef>
+                <a:spcPts val="0"/>
+              </a:spcBef>
+              <a:spcAft>
+                <a:spcPts val="0"/>
+              </a:spcAft>
+              <a:buClrTx/>
+              <a:buSzTx/>
+              <a:buFontTx/>
+              <a:buNone/>
+              <a:tabLst/>
+              <a:defRPr/>
+            </a:pPr>
+            <a:endParaRPr kumimoji="0" lang="en-US" sz="1800" b="0" i="0" u="none" strike="noStrike" kern="1200" cap="none" spc="0" normalizeH="0" baseline="0" noProof="0">
+              <a:ln>
+                <a:noFill/>
+              </a:ln>
+              <a:solidFill>
+                <a:prstClr val="white"/>
+              </a:solidFill>
+              <a:effectLst/>
+              <a:uLnTx/>
+              <a:uFillTx/>
+              <a:latin typeface="Calibri" panose="020F0502020204030204"/>
+              <a:ea typeface="+mn-ea"/>
+              <a:cs typeface="+mn-cs"/>
+            </a:endParaRPr>
+          </a:p>
+        </p:txBody>
+      </p:sp>
+      <p:sp>
+        <p:nvSpPr>
+          <p:cNvPr id="12" name="Rectangle 11">
+            <a:extLst>
+              <a:ext uri="{FF2B5EF4-FFF2-40B4-BE49-F238E27FC236}">
+                <a16:creationId xmlns:a16="http://schemas.microsoft.com/office/drawing/2014/main" id="{79F3C543-62EC-4433-9C93-A2CD8764E9B4}"/>
+              </a:ext>
+              <a:ext uri="{C183D7F6-B498-43B3-948B-1728B52AA6E4}">
+                <adec:decorative xmlns:adec="http://schemas.microsoft.com/office/drawing/2017/decorative" val="1"/>
+              </a:ext>
+            </a:extLst>
+          </p:cNvPr>
+          <p:cNvSpPr>
+            <a:spLocks noGrp="1" noRot="1" noChangeAspect="1" noMove="1" noResize="1" noEditPoints="1" noAdjustHandles="1" noChangeArrowheads="1" noChangeShapeType="1" noTextEdit="1"/>
+          </p:cNvSpPr>
+          <p:nvPr>
+            <p:extLst>
+              <p:ext uri="{386F3935-93C4-4BCD-93E2-E3B085C9AB24}">
+                <p16:designElem xmlns:p16="http://schemas.microsoft.com/office/powerpoint/2015/main" val="1"/>
+              </p:ext>
+            </p:extLst>
+          </p:nvPr>
+        </p:nvSpPr>
+        <p:spPr>
+          <a:xfrm flipV="1">
+            <a:off x="578652" y="4501201"/>
+            <a:ext cx="11034696" cy="18288"/>
+          </a:xfrm>
+          <a:prstGeom prst="rect">
+            <a:avLst/>
+          </a:prstGeom>
+          <a:solidFill>
+            <a:schemeClr val="tx2">
+              <a:lumMod val="25000"/>
+              <a:lumOff val="75000"/>
+            </a:schemeClr>
+          </a:solidFill>
+          <a:ln w="3175">
+            <a:noFill/>
+          </a:ln>
+          <a:effectLst/>
+        </p:spPr>
+        <p:style>
+          <a:lnRef idx="2">
+            <a:schemeClr val="accent1">
+              <a:shade val="50000"/>
+            </a:schemeClr>
+          </a:lnRef>
+          <a:fillRef idx="1">
+            <a:schemeClr val="accent1"/>
+          </a:fillRef>
+          <a:effectRef idx="0">
+            <a:schemeClr val="accent1"/>
+          </a:effectRef>
+          <a:fontRef idx="minor">
+            <a:schemeClr val="lt1"/>
+          </a:fontRef>
+        </p:style>
+        <p:txBody>
+          <a:bodyPr rtlCol="0" anchor="ctr"/>
+          <a:lstStyle/>
+          <a:p>
+            <a:pPr marL="0" marR="0" lvl="0" indent="0" algn="ctr" defTabSz="914400" rtl="0" eaLnBrk="1" fontAlgn="auto" latinLnBrk="0" hangingPunct="1">
+              <a:lnSpc>
+                <a:spcPct val="100000"/>
+              </a:lnSpc>
+              <a:spcBef>
+                <a:spcPts val="0"/>
+              </a:spcBef>
+              <a:spcAft>
+                <a:spcPts val="0"/>
+              </a:spcAft>
+              <a:buClrTx/>
+              <a:buSzTx/>
+              <a:buFontTx/>
+              <a:buNone/>
+              <a:tabLst/>
+              <a:defRPr/>
+            </a:pPr>
+            <a:endParaRPr kumimoji="0" lang="en-US" sz="1800" b="0" i="0" u="none" strike="noStrike" kern="1200" cap="none" spc="0" normalizeH="0" baseline="0" noProof="0">
+              <a:ln>
+                <a:noFill/>
+              </a:ln>
+              <a:solidFill>
+                <a:prstClr val="white"/>
+              </a:solidFill>
+              <a:effectLst/>
+              <a:uLnTx/>
+              <a:uFillTx/>
+              <a:latin typeface="Calibri" panose="020F0502020204030204"/>
+              <a:ea typeface="+mn-ea"/>
+              <a:cs typeface="+mn-cs"/>
+            </a:endParaRPr>
+          </a:p>
+        </p:txBody>
+      </p:sp>
+      <p:sp useBgFill="1">
+        <p:nvSpPr>
+          <p:cNvPr id="14" name="Rectangle 13">
+            <a:extLst>
+              <a:ext uri="{FF2B5EF4-FFF2-40B4-BE49-F238E27FC236}">
+                <a16:creationId xmlns:a16="http://schemas.microsoft.com/office/drawing/2014/main" id="{E91DC736-0EF8-4F87-9146-EBF1D2EE4D3D}"/>
+              </a:ext>
+              <a:ext uri="{C183D7F6-B498-43B3-948B-1728B52AA6E4}">
+                <adec:decorative xmlns:adec="http://schemas.microsoft.com/office/drawing/2017/decorative" val="1"/>
+              </a:ext>
+            </a:extLst>
+          </p:cNvPr>
+          <p:cNvSpPr>
+            <a:spLocks noGrp="1" noRot="1" noChangeAspect="1" noMove="1" noResize="1" noEditPoints="1" noAdjustHandles="1" noChangeArrowheads="1" noChangeShapeType="1" noTextEdit="1"/>
+          </p:cNvSpPr>
+          <p:nvPr>
+            <p:extLst>
+              <p:ext uri="{386F3935-93C4-4BCD-93E2-E3B085C9AB24}">
+                <p16:designElem xmlns:p16="http://schemas.microsoft.com/office/powerpoint/2015/main" val="1"/>
+              </p:ext>
+            </p:extLst>
+          </p:nvPr>
+        </p:nvSpPr>
+        <p:spPr>
+          <a:xfrm>
+            <a:off x="0" y="0"/>
+            <a:ext cx="12192000" cy="6858000"/>
+          </a:xfrm>
+          <a:prstGeom prst="rect">
+            <a:avLst/>
+          </a:prstGeom>
+          <a:ln>
+            <a:noFill/>
+          </a:ln>
+        </p:spPr>
+        <p:style>
+          <a:lnRef idx="2">
+            <a:schemeClr val="accent1">
+              <a:shade val="50000"/>
+            </a:schemeClr>
+          </a:lnRef>
+          <a:fillRef idx="1">
+            <a:schemeClr val="accent1"/>
+          </a:fillRef>
+          <a:effectRef idx="0">
+            <a:schemeClr val="accent1"/>
+          </a:effectRef>
+          <a:fontRef idx="minor">
+            <a:schemeClr val="lt1"/>
+          </a:fontRef>
+        </p:style>
+        <p:txBody>
+          <a:bodyPr rtlCol="0" anchor="ctr"/>
+          <a:lstStyle/>
+          <a:p>
+            <a:pPr algn="ctr"/>
+            <a:endParaRPr lang="en-US"/>
+          </a:p>
+        </p:txBody>
+      </p:sp>
+      <p:pic>
+        <p:nvPicPr>
+          <p:cNvPr id="4" name="Content Placeholder 3" descr="Fundo do vetor de cores vibrantes salpicando">
+            <a:extLst>
+              <a:ext uri="{FF2B5EF4-FFF2-40B4-BE49-F238E27FC236}">
+                <a16:creationId xmlns:a16="http://schemas.microsoft.com/office/drawing/2014/main" id="{732D2651-2063-E849-A852-33096C67BA0F}"/>
+              </a:ext>
+            </a:extLst>
+          </p:cNvPr>
+          <p:cNvPicPr>
+            <a:picLocks noChangeAspect="1"/>
+          </p:cNvPicPr>
+          <p:nvPr/>
+        </p:nvPicPr>
+        <p:blipFill rotWithShape="1">
+          <a:blip r:embed="rId2"/>
+          <a:srcRect l="10975" r="3072" b="-1"/>
+          <a:stretch/>
+        </p:blipFill>
+        <p:spPr>
+          <a:xfrm>
+            <a:off x="3523488" y="10"/>
+            <a:ext cx="8668512" cy="6857990"/>
+          </a:xfrm>
+          <a:prstGeom prst="rect">
+            <a:avLst/>
+          </a:prstGeom>
+        </p:spPr>
+      </p:pic>
+      <p:sp>
+        <p:nvSpPr>
+          <p:cNvPr id="16" name="Rectangle 15">
+            <a:extLst>
+              <a:ext uri="{FF2B5EF4-FFF2-40B4-BE49-F238E27FC236}">
+                <a16:creationId xmlns:a16="http://schemas.microsoft.com/office/drawing/2014/main" id="{097CD68E-23E3-4007-8847-CD0944C4F7BE}"/>
+              </a:ext>
+              <a:ext uri="{C183D7F6-B498-43B3-948B-1728B52AA6E4}">
+                <adec:decorative xmlns:adec="http://schemas.microsoft.com/office/drawing/2017/decorative" val="1"/>
+              </a:ext>
+            </a:extLst>
+          </p:cNvPr>
+          <p:cNvSpPr>
+            <a:spLocks noGrp="1" noRot="1" noChangeAspect="1" noMove="1" noResize="1" noEditPoints="1" noAdjustHandles="1" noChangeArrowheads="1" noChangeShapeType="1" noTextEdit="1"/>
+          </p:cNvSpPr>
+          <p:nvPr>
+            <p:extLst>
+              <p:ext uri="{386F3935-93C4-4BCD-93E2-E3B085C9AB24}">
+                <p16:designElem xmlns:p16="http://schemas.microsoft.com/office/powerpoint/2015/main" val="1"/>
+              </p:ext>
+            </p:extLst>
+          </p:nvPr>
+        </p:nvSpPr>
+        <p:spPr>
+          <a:xfrm>
+            <a:off x="0" y="0"/>
+            <a:ext cx="9756601" cy="6858000"/>
+          </a:xfrm>
+          <a:prstGeom prst="rect">
+            <a:avLst/>
+          </a:prstGeom>
+          <a:gradFill>
+            <a:gsLst>
+              <a:gs pos="58000">
+                <a:schemeClr val="bg1"/>
+              </a:gs>
+              <a:gs pos="35000">
+                <a:schemeClr val="bg1">
+                  <a:alpha val="79000"/>
+                </a:schemeClr>
+              </a:gs>
+              <a:gs pos="19000">
+                <a:schemeClr val="bg1">
+                  <a:alpha val="38000"/>
+                </a:schemeClr>
+              </a:gs>
+              <a:gs pos="0">
+                <a:schemeClr val="bg1">
+                  <a:alpha val="0"/>
+                </a:schemeClr>
+              </a:gs>
+              <a:gs pos="100000">
+                <a:schemeClr val="bg1"/>
+              </a:gs>
+            </a:gsLst>
+            <a:lin ang="10800000" scaled="0"/>
+          </a:gradFill>
+          <a:ln>
+            <a:noFill/>
+          </a:ln>
+        </p:spPr>
+        <p:style>
+          <a:lnRef idx="2">
+            <a:schemeClr val="accent1">
+              <a:shade val="50000"/>
+            </a:schemeClr>
+          </a:lnRef>
+          <a:fillRef idx="1">
+            <a:schemeClr val="accent1"/>
+          </a:fillRef>
+          <a:effectRef idx="0">
+            <a:schemeClr val="accent1"/>
+          </a:effectRef>
+          <a:fontRef idx="minor">
+            <a:schemeClr val="lt1"/>
+          </a:fontRef>
+        </p:style>
+        <p:txBody>
+          <a:bodyPr rtlCol="0" anchor="ctr"/>
+          <a:lstStyle/>
+          <a:p>
+            <a:pPr algn="ctr"/>
+            <a:endParaRPr lang="en-US" dirty="0"/>
+          </a:p>
+        </p:txBody>
+      </p:sp>
+      <p:sp>
+        <p:nvSpPr>
+          <p:cNvPr id="5" name="Título 1">
+            <a:extLst>
+              <a:ext uri="{FF2B5EF4-FFF2-40B4-BE49-F238E27FC236}">
+                <a16:creationId xmlns:a16="http://schemas.microsoft.com/office/drawing/2014/main" id="{C3A2EB15-8DFE-16BC-CAF2-9AFFC71E00F2}"/>
+              </a:ext>
+            </a:extLst>
+          </p:cNvPr>
+          <p:cNvSpPr>
+            <a:spLocks noGrp="1"/>
+          </p:cNvSpPr>
+          <p:nvPr>
+            <p:ph type="title"/>
+          </p:nvPr>
+        </p:nvSpPr>
+        <p:spPr>
+          <a:xfrm>
+            <a:off x="477981" y="1122363"/>
+            <a:ext cx="4023360" cy="3204134"/>
+          </a:xfrm>
+        </p:spPr>
+        <p:txBody>
+          <a:bodyPr vert="horz" lIns="91440" tIns="45720" rIns="91440" bIns="45720" rtlCol="0" anchor="b">
+            <a:normAutofit/>
+          </a:bodyPr>
+          <a:lstStyle/>
+          <a:p>
+            <a:r>
+              <a:rPr lang="en-US" sz="4800" dirty="0"/>
+              <a:t>Aula 8 – </a:t>
+            </a:r>
+            <a:r>
+              <a:rPr lang="en-US" sz="4800" dirty="0" err="1"/>
+              <a:t>Parâmetros</a:t>
+            </a:r>
+            <a:r>
+              <a:rPr lang="en-US" sz="4800" dirty="0"/>
+              <a:t> no HTML</a:t>
+            </a:r>
+          </a:p>
+        </p:txBody>
+      </p:sp>
+      <p:sp>
+        <p:nvSpPr>
+          <p:cNvPr id="18" name="Rectangle 17">
+            <a:extLst>
+              <a:ext uri="{FF2B5EF4-FFF2-40B4-BE49-F238E27FC236}">
+                <a16:creationId xmlns:a16="http://schemas.microsoft.com/office/drawing/2014/main" id="{AF2F604E-43BE-4DC3-B983-E071523364F8}"/>
+              </a:ext>
+              <a:ext uri="{C183D7F6-B498-43B3-948B-1728B52AA6E4}">
+                <adec:decorative xmlns:adec="http://schemas.microsoft.com/office/drawing/2017/decorative" val="1"/>
+              </a:ext>
+            </a:extLst>
+          </p:cNvPr>
+          <p:cNvSpPr>
+            <a:spLocks noGrp="1" noRot="1" noChangeAspect="1" noMove="1" noResize="1" noEditPoints="1" noAdjustHandles="1" noChangeArrowheads="1" noChangeShapeType="1" noTextEdit="1"/>
+          </p:cNvSpPr>
+          <p:nvPr>
+            <p:extLst>
+              <p:ext uri="{386F3935-93C4-4BCD-93E2-E3B085C9AB24}">
+                <p16:designElem xmlns:p16="http://schemas.microsoft.com/office/powerpoint/2015/main" val="1"/>
+              </p:ext>
+            </p:extLst>
+          </p:nvPr>
+        </p:nvSpPr>
+        <p:spPr>
+          <a:xfrm rot="5400000">
+            <a:off x="759921" y="346791"/>
+            <a:ext cx="146304" cy="704088"/>
+          </a:xfrm>
+          <a:prstGeom prst="rect">
+            <a:avLst/>
+          </a:prstGeom>
+          <a:solidFill>
+            <a:schemeClr val="accent1"/>
+          </a:solidFill>
+          <a:ln>
+            <a:noFill/>
+          </a:ln>
+        </p:spPr>
+        <p:style>
+          <a:lnRef idx="2">
+            <a:schemeClr val="accent1">
+              <a:shade val="50000"/>
+            </a:schemeClr>
+          </a:lnRef>
+          <a:fillRef idx="1">
+            <a:schemeClr val="accent1"/>
+          </a:fillRef>
+          <a:effectRef idx="0">
+            <a:schemeClr val="accent1"/>
+          </a:effectRef>
+          <a:fontRef idx="minor">
+            <a:schemeClr val="lt1"/>
+          </a:fontRef>
+        </p:style>
+        <p:txBody>
+          <a:bodyPr rtlCol="0" anchor="ctr"/>
+          <a:lstStyle/>
+          <a:p>
+            <a:pPr marL="0" marR="0" lvl="0" indent="0" algn="ctr" defTabSz="914400" rtl="0" eaLnBrk="1" fontAlgn="auto" latinLnBrk="0" hangingPunct="1">
+              <a:lnSpc>
+                <a:spcPct val="100000"/>
+              </a:lnSpc>
+              <a:spcBef>
+                <a:spcPts val="0"/>
+              </a:spcBef>
+              <a:spcAft>
+                <a:spcPts val="0"/>
+              </a:spcAft>
+              <a:buClrTx/>
+              <a:buSzTx/>
+              <a:buFontTx/>
+              <a:buNone/>
+              <a:tabLst/>
+              <a:defRPr/>
+            </a:pPr>
+            <a:endParaRPr kumimoji="0" lang="en-US" sz="1800" b="0" i="0" u="none" strike="noStrike" kern="1200" cap="none" spc="0" normalizeH="0" baseline="0" noProof="0">
+              <a:ln>
+                <a:noFill/>
+              </a:ln>
+              <a:solidFill>
+                <a:prstClr val="white"/>
+              </a:solidFill>
+              <a:effectLst/>
+              <a:uLnTx/>
+              <a:uFillTx/>
+              <a:latin typeface="Calibri" panose="020F0502020204030204"/>
+              <a:ea typeface="+mn-ea"/>
+              <a:cs typeface="+mn-cs"/>
+            </a:endParaRPr>
+          </a:p>
+        </p:txBody>
+      </p:sp>
+      <p:sp>
+        <p:nvSpPr>
+          <p:cNvPr id="20" name="Rectangle 19">
+            <a:extLst>
+              <a:ext uri="{FF2B5EF4-FFF2-40B4-BE49-F238E27FC236}">
+                <a16:creationId xmlns:a16="http://schemas.microsoft.com/office/drawing/2014/main" id="{08C9B587-E65E-4B52-B37C-ABEBB6E87928}"/>
+              </a:ext>
+              <a:ext uri="{C183D7F6-B498-43B3-948B-1728B52AA6E4}">
+                <adec:decorative xmlns:adec="http://schemas.microsoft.com/office/drawing/2017/decorative" val="1"/>
+              </a:ext>
+            </a:extLst>
+          </p:cNvPr>
+          <p:cNvSpPr>
+            <a:spLocks noGrp="1" noRot="1" noChangeAspect="1" noMove="1" noResize="1" noEditPoints="1" noAdjustHandles="1" noChangeArrowheads="1" noChangeShapeType="1" noTextEdit="1"/>
+          </p:cNvSpPr>
+          <p:nvPr>
+            <p:extLst>
+              <p:ext uri="{386F3935-93C4-4BCD-93E2-E3B085C9AB24}">
+                <p16:designElem xmlns:p16="http://schemas.microsoft.com/office/powerpoint/2015/main" val="1"/>
+              </p:ext>
+            </p:extLst>
+          </p:nvPr>
+        </p:nvSpPr>
+        <p:spPr>
+          <a:xfrm>
+            <a:off x="481029" y="4546920"/>
+            <a:ext cx="3977640" cy="18288"/>
+          </a:xfrm>
+          <a:prstGeom prst="rect">
+            <a:avLst/>
+          </a:prstGeom>
+          <a:solidFill>
+            <a:schemeClr val="tx2">
+              <a:lumMod val="25000"/>
+              <a:lumOff val="75000"/>
+            </a:schemeClr>
+          </a:solidFill>
+          <a:ln w="3175">
+            <a:solidFill>
+              <a:schemeClr val="tx2">
+                <a:lumMod val="25000"/>
+                <a:lumOff val="75000"/>
+              </a:schemeClr>
+            </a:solidFill>
+          </a:ln>
+          <a:effectLst/>
+        </p:spPr>
+        <p:style>
+          <a:lnRef idx="2">
+            <a:schemeClr val="accent1">
+              <a:shade val="50000"/>
+            </a:schemeClr>
+          </a:lnRef>
+          <a:fillRef idx="1">
+            <a:schemeClr val="accent1"/>
+          </a:fillRef>
+          <a:effectRef idx="0">
+            <a:schemeClr val="accent1"/>
+          </a:effectRef>
+          <a:fontRef idx="minor">
+            <a:schemeClr val="lt1"/>
+          </a:fontRef>
+        </p:style>
+        <p:txBody>
+          <a:bodyPr rtlCol="0" anchor="ctr"/>
+          <a:lstStyle/>
+          <a:p>
+            <a:pPr marL="0" marR="0" lvl="0" indent="0" algn="ctr" defTabSz="914400" rtl="0" eaLnBrk="1" fontAlgn="auto" latinLnBrk="0" hangingPunct="1">
+              <a:lnSpc>
+                <a:spcPct val="100000"/>
+              </a:lnSpc>
+              <a:spcBef>
+                <a:spcPts val="0"/>
+              </a:spcBef>
+              <a:spcAft>
+                <a:spcPts val="0"/>
+              </a:spcAft>
+              <a:buClrTx/>
+              <a:buSzTx/>
+              <a:buFontTx/>
+              <a:buNone/>
+              <a:tabLst/>
+              <a:defRPr/>
+            </a:pPr>
+            <a:endParaRPr kumimoji="0" lang="en-US" sz="1800" b="0" i="0" u="none" strike="noStrike" kern="1200" cap="none" spc="0" normalizeH="0" baseline="0" noProof="0">
+              <a:ln>
+                <a:noFill/>
+              </a:ln>
+              <a:solidFill>
+                <a:prstClr val="white"/>
+              </a:solidFill>
+              <a:effectLst/>
+              <a:uLnTx/>
+              <a:uFillTx/>
+              <a:latin typeface="Calibri" panose="020F0502020204030204"/>
+              <a:ea typeface="+mn-ea"/>
+              <a:cs typeface="+mn-cs"/>
+            </a:endParaRPr>
+          </a:p>
+        </p:txBody>
+      </p:sp>
+    </p:spTree>
+    <p:extLst>
+      <p:ext uri="{BB962C8B-B14F-4D97-AF65-F5344CB8AC3E}">
+        <p14:creationId xmlns:p14="http://schemas.microsoft.com/office/powerpoint/2010/main" val="1526990506"/>
+      </p:ext>
+    </p:extLst>
+  </p:cSld>
+  <p:clrMapOvr>
+    <a:masterClrMapping/>
+  </p:clrMapOvr>
+  <p:timing>
+    <p:tnLst>
+      <p:par>
+        <p:cTn id="1" dur="indefinite" restart="never" nodeType="tmRoot">
+          <p:childTnLst>
+            <p:seq concurrent="1" nextAc="seek">
+              <p:cTn id="2" dur="indefinite" nodeType="mainSeq">
+                <p:childTnLst>
+                  <p:par>
+                    <p:cTn id="3" fill="hold">
+                      <p:stCondLst>
+                        <p:cond delay="indefinite"/>
+                        <p:cond evt="onBegin" delay="0">
+                          <p:tn val="2"/>
+                        </p:cond>
+                      </p:stCondLst>
+                      <p:childTnLst>
+                        <p:par>
+                          <p:cTn id="4" fill="hold">
+                            <p:stCondLst>
+                              <p:cond delay="0"/>
+                            </p:stCondLst>
+                            <p:childTnLst>
+                              <p:par>
+                                <p:cTn id="5" presetID="10" presetClass="entr" presetSubtype="0" fill="hold" grpId="0" nodeType="withEffect">
+                                  <p:stCondLst>
+                                    <p:cond delay="1000"/>
+                                  </p:stCondLst>
+                                  <p:iterate type="lt">
+                                    <p:tmPct val="10000"/>
+                                  </p:iterate>
+                                  <p:childTnLst>
+                                    <p:set>
+                                      <p:cBhvr>
+                                        <p:cTn id="6" dur="1" fill="hold">
+                                          <p:stCondLst>
+                                            <p:cond delay="0"/>
+                                          </p:stCondLst>
+                                        </p:cTn>
+                                        <p:tgtEl>
+                                          <p:spTgt spid="5"/>
+                                        </p:tgtEl>
+                                        <p:attrNameLst>
+                                          <p:attrName>style.visibility</p:attrName>
+                                        </p:attrNameLst>
+                                      </p:cBhvr>
+                                      <p:to>
+                                        <p:strVal val="visible"/>
+                                      </p:to>
+                                    </p:set>
+                                    <p:animEffect transition="in" filter="fade">
+                                      <p:cBhvr>
+                                        <p:cTn id="7" dur="400"/>
+                                        <p:tgtEl>
+                                          <p:spTgt spid="5"/>
+                                        </p:tgtEl>
+                                      </p:cBhvr>
+                                    </p:animEffect>
+                                  </p:childTnLst>
+                                </p:cTn>
+                              </p:par>
+                            </p:childTnLst>
+                          </p:cTn>
+                        </p:par>
+                      </p:childTnLst>
+                    </p:cTn>
+                  </p:par>
+                </p:childTnLst>
+              </p:cTn>
+              <p:prevCondLst>
+                <p:cond evt="onPrev" delay="0">
+                  <p:tgtEl>
+                    <p:sldTgt/>
+                  </p:tgtEl>
+                </p:cond>
+              </p:prevCondLst>
+              <p:nextCondLst>
+                <p:cond evt="onNext" delay="0">
+                  <p:tgtEl>
+                    <p:sldTgt/>
+                  </p:tgtEl>
+                </p:cond>
+              </p:nextCondLst>
+            </p:seq>
+          </p:childTnLst>
+        </p:cTn>
+      </p:par>
+    </p:tnLst>
+    <p:bldLst>
+      <p:bldP spid="5" grpId="0"/>
+    </p:bldLst>
+  </p:timing>
+</p:sld>
+</file>
+
+<file path=ppt/slides/slide113.xml><?xml version="1.0" encoding="utf-8"?>
+<p:sld xmlns:a="http://schemas.openxmlformats.org/drawingml/2006/main" xmlns:r="http://schemas.openxmlformats.org/officeDocument/2006/relationships" xmlns:p="http://schemas.openxmlformats.org/presentationml/2006/main">
+  <p:cSld>
+    <p:spTree>
+      <p:nvGrpSpPr>
+        <p:cNvPr id="1" name=""/>
+        <p:cNvGrpSpPr/>
+        <p:nvPr/>
+      </p:nvGrpSpPr>
+      <p:grpSpPr>
+        <a:xfrm>
+          <a:off x="0" y="0"/>
+          <a:ext cx="0" cy="0"/>
+          <a:chOff x="0" y="0"/>
+          <a:chExt cx="0" cy="0"/>
+        </a:xfrm>
+      </p:grpSpPr>
+      <p:sp>
+        <p:nvSpPr>
+          <p:cNvPr id="2" name="Título 1">
+            <a:extLst>
+              <a:ext uri="{FF2B5EF4-FFF2-40B4-BE49-F238E27FC236}">
+                <a16:creationId xmlns:a16="http://schemas.microsoft.com/office/drawing/2014/main" id="{6EBA68B2-AF95-E223-6453-A640267FF8E8}"/>
+              </a:ext>
+            </a:extLst>
+          </p:cNvPr>
+          <p:cNvSpPr>
+            <a:spLocks noGrp="1"/>
+          </p:cNvSpPr>
+          <p:nvPr>
+            <p:ph type="title"/>
+          </p:nvPr>
+        </p:nvSpPr>
+        <p:spPr/>
+        <p:txBody>
+          <a:bodyPr/>
+          <a:lstStyle/>
+          <a:p>
+            <a:r>
+              <a:rPr lang="pt-BR" dirty="0"/>
+              <a:t>Parâmetros no HTML</a:t>
+            </a:r>
+          </a:p>
+        </p:txBody>
+      </p:sp>
+      <p:sp>
+        <p:nvSpPr>
+          <p:cNvPr id="3" name="Espaço Reservado para Conteúdo 2">
+            <a:extLst>
+              <a:ext uri="{FF2B5EF4-FFF2-40B4-BE49-F238E27FC236}">
+                <a16:creationId xmlns:a16="http://schemas.microsoft.com/office/drawing/2014/main" id="{04086A11-67D3-F683-BE36-9D6AB167E061}"/>
+              </a:ext>
+            </a:extLst>
+          </p:cNvPr>
+          <p:cNvSpPr>
+            <a:spLocks noGrp="1"/>
+          </p:cNvSpPr>
+          <p:nvPr>
+            <p:ph idx="1"/>
+          </p:nvPr>
+        </p:nvSpPr>
+        <p:spPr/>
+        <p:txBody>
+          <a:bodyPr/>
+          <a:lstStyle/>
+          <a:p>
+            <a:r>
+              <a:rPr lang="pt-BR" dirty="0"/>
+              <a:t>Parâmetro </a:t>
+            </a:r>
+            <a:r>
+              <a:rPr lang="pt-BR" dirty="0">
+                <a:sym typeface="Wingdings" panose="05000000000000000000" pitchFamily="2" charset="2"/>
+              </a:rPr>
+              <a:t></a:t>
+            </a:r>
+            <a:r>
+              <a:rPr lang="pt-BR" dirty="0"/>
+              <a:t> Característica</a:t>
+            </a:r>
+          </a:p>
+          <a:p>
+            <a:r>
+              <a:rPr lang="pt-BR" dirty="0"/>
+              <a:t>Centro </a:t>
+            </a:r>
+            <a:r>
+              <a:rPr lang="pt-BR" dirty="0">
+                <a:sym typeface="Wingdings" panose="05000000000000000000" pitchFamily="2" charset="2"/>
+              </a:rPr>
+              <a:t> Conteúdo</a:t>
+            </a:r>
+          </a:p>
+          <a:p>
+            <a:r>
+              <a:rPr lang="pt-BR" dirty="0">
+                <a:sym typeface="Wingdings" panose="05000000000000000000" pitchFamily="2" charset="2"/>
+              </a:rPr>
+              <a:t>Exemplo: </a:t>
+            </a:r>
+            <a:r>
+              <a:rPr lang="pt-BR" dirty="0" err="1">
+                <a:sym typeface="Wingdings" panose="05000000000000000000" pitchFamily="2" charset="2"/>
+              </a:rPr>
+              <a:t>Tag</a:t>
+            </a:r>
+            <a:r>
+              <a:rPr lang="pt-BR" dirty="0">
+                <a:sym typeface="Wingdings" panose="05000000000000000000" pitchFamily="2" charset="2"/>
+              </a:rPr>
+              <a:t> </a:t>
+            </a:r>
+            <a:r>
+              <a:rPr lang="pt-BR" dirty="0" err="1">
+                <a:sym typeface="Wingdings" panose="05000000000000000000" pitchFamily="2" charset="2"/>
+              </a:rPr>
+              <a:t>abbr</a:t>
+            </a:r>
+            <a:r>
+              <a:rPr lang="pt-BR" dirty="0">
+                <a:sym typeface="Wingdings" panose="05000000000000000000" pitchFamily="2" charset="2"/>
+              </a:rPr>
+              <a:t>:</a:t>
+            </a:r>
+          </a:p>
+        </p:txBody>
+      </p:sp>
+      <p:pic>
+        <p:nvPicPr>
+          <p:cNvPr id="5" name="Imagem 4">
+            <a:extLst>
+              <a:ext uri="{FF2B5EF4-FFF2-40B4-BE49-F238E27FC236}">
+                <a16:creationId xmlns:a16="http://schemas.microsoft.com/office/drawing/2014/main" id="{494A6DCB-5131-A437-B6BE-43006515D70B}"/>
+              </a:ext>
+            </a:extLst>
+          </p:cNvPr>
+          <p:cNvPicPr>
+            <a:picLocks noChangeAspect="1"/>
+          </p:cNvPicPr>
+          <p:nvPr/>
+        </p:nvPicPr>
+        <p:blipFill>
+          <a:blip r:embed="rId2"/>
+          <a:stretch>
+            <a:fillRect/>
+          </a:stretch>
+        </p:blipFill>
+        <p:spPr>
+          <a:xfrm>
+            <a:off x="2033430" y="4325112"/>
+            <a:ext cx="8125140" cy="993073"/>
+          </a:xfrm>
+          <a:prstGeom prst="rect">
+            <a:avLst/>
+          </a:prstGeom>
+        </p:spPr>
+      </p:pic>
+    </p:spTree>
+    <p:extLst>
+      <p:ext uri="{BB962C8B-B14F-4D97-AF65-F5344CB8AC3E}">
+        <p14:creationId xmlns:p14="http://schemas.microsoft.com/office/powerpoint/2010/main" val="2337324791"/>
+      </p:ext>
+    </p:extLst>
+  </p:cSld>
+  <p:clrMapOvr>
+    <a:masterClrMapping/>
+  </p:clrMapOvr>
+</p:sld>
+</file>
+
+<file path=ppt/slides/slide114.xml><?xml version="1.0" encoding="utf-8"?>
+<p:sld xmlns:a="http://schemas.openxmlformats.org/drawingml/2006/main" xmlns:r="http://schemas.openxmlformats.org/officeDocument/2006/relationships" xmlns:p="http://schemas.openxmlformats.org/presentationml/2006/main">
+  <p:cSld>
+    <p:spTree>
+      <p:nvGrpSpPr>
+        <p:cNvPr id="1" name=""/>
+        <p:cNvGrpSpPr/>
+        <p:nvPr/>
+      </p:nvGrpSpPr>
+      <p:grpSpPr>
+        <a:xfrm>
+          <a:off x="0" y="0"/>
+          <a:ext cx="0" cy="0"/>
+          <a:chOff x="0" y="0"/>
+          <a:chExt cx="0" cy="0"/>
+        </a:xfrm>
+      </p:grpSpPr>
+      <p:sp>
+        <p:nvSpPr>
+          <p:cNvPr id="2" name="Título 1">
+            <a:extLst>
+              <a:ext uri="{FF2B5EF4-FFF2-40B4-BE49-F238E27FC236}">
+                <a16:creationId xmlns:a16="http://schemas.microsoft.com/office/drawing/2014/main" id="{EA8D2A3B-4A20-E5C7-3055-0BC4B830D4D5}"/>
+              </a:ext>
+            </a:extLst>
+          </p:cNvPr>
+          <p:cNvSpPr>
+            <a:spLocks noGrp="1"/>
+          </p:cNvSpPr>
+          <p:nvPr>
+            <p:ph type="title"/>
+          </p:nvPr>
+        </p:nvSpPr>
+        <p:spPr/>
+        <p:txBody>
+          <a:bodyPr/>
+          <a:lstStyle/>
+          <a:p>
+            <a:r>
+              <a:rPr lang="pt-BR" dirty="0"/>
+              <a:t>Imagine Uma </a:t>
+            </a:r>
+            <a:r>
+              <a:rPr lang="pt-BR" dirty="0" err="1"/>
+              <a:t>Tag</a:t>
+            </a:r>
+            <a:r>
+              <a:rPr lang="pt-BR" dirty="0"/>
+              <a:t> Assim:</a:t>
+            </a:r>
+          </a:p>
+        </p:txBody>
+      </p:sp>
+      <p:pic>
+        <p:nvPicPr>
+          <p:cNvPr id="5" name="Espaço Reservado para Conteúdo 4">
+            <a:extLst>
+              <a:ext uri="{FF2B5EF4-FFF2-40B4-BE49-F238E27FC236}">
+                <a16:creationId xmlns:a16="http://schemas.microsoft.com/office/drawing/2014/main" id="{9AA29364-05BD-7867-1BFF-2D051B5DA4E3}"/>
+              </a:ext>
+            </a:extLst>
+          </p:cNvPr>
+          <p:cNvPicPr>
+            <a:picLocks noGrp="1" noChangeAspect="1"/>
+          </p:cNvPicPr>
+          <p:nvPr>
+            <p:ph idx="1"/>
+          </p:nvPr>
+        </p:nvPicPr>
+        <p:blipFill>
+          <a:blip r:embed="rId2"/>
+          <a:stretch>
+            <a:fillRect/>
+          </a:stretch>
+        </p:blipFill>
+        <p:spPr>
+          <a:xfrm>
+            <a:off x="145694" y="2553419"/>
+            <a:ext cx="11900612" cy="3347049"/>
+          </a:xfrm>
+        </p:spPr>
+      </p:pic>
+    </p:spTree>
+    <p:extLst>
+      <p:ext uri="{BB962C8B-B14F-4D97-AF65-F5344CB8AC3E}">
+        <p14:creationId xmlns:p14="http://schemas.microsoft.com/office/powerpoint/2010/main" val="2905356730"/>
+      </p:ext>
+    </p:extLst>
+  </p:cSld>
+  <p:clrMapOvr>
+    <a:masterClrMapping/>
+  </p:clrMapOvr>
+</p:sld>
+</file>
+
+<file path=ppt/slides/slide115.xml><?xml version="1.0" encoding="utf-8"?>
+<p:sld xmlns:a="http://schemas.openxmlformats.org/drawingml/2006/main" xmlns:r="http://schemas.openxmlformats.org/officeDocument/2006/relationships" xmlns:p="http://schemas.openxmlformats.org/presentationml/2006/main">
+  <p:cSld>
+    <p:spTree>
+      <p:nvGrpSpPr>
+        <p:cNvPr id="1" name=""/>
+        <p:cNvGrpSpPr/>
+        <p:nvPr/>
+      </p:nvGrpSpPr>
+      <p:grpSpPr>
+        <a:xfrm>
+          <a:off x="0" y="0"/>
+          <a:ext cx="0" cy="0"/>
+          <a:chOff x="0" y="0"/>
+          <a:chExt cx="0" cy="0"/>
+        </a:xfrm>
+      </p:grpSpPr>
+      <p:sp>
+        <p:nvSpPr>
+          <p:cNvPr id="2" name="Título 1">
+            <a:extLst>
+              <a:ext uri="{FF2B5EF4-FFF2-40B4-BE49-F238E27FC236}">
+                <a16:creationId xmlns:a16="http://schemas.microsoft.com/office/drawing/2014/main" id="{B906A0C3-83E9-62CD-B587-B46E9AB00123}"/>
+              </a:ext>
+            </a:extLst>
+          </p:cNvPr>
+          <p:cNvSpPr>
+            <a:spLocks noGrp="1"/>
+          </p:cNvSpPr>
+          <p:nvPr>
+            <p:ph type="title"/>
+          </p:nvPr>
+        </p:nvSpPr>
+        <p:spPr/>
+        <p:txBody>
+          <a:bodyPr/>
+          <a:lstStyle/>
+          <a:p>
+            <a:r>
+              <a:rPr lang="pt-BR" dirty="0"/>
+              <a:t>Ou Assim:</a:t>
+            </a:r>
+          </a:p>
+        </p:txBody>
+      </p:sp>
+      <p:pic>
+        <p:nvPicPr>
+          <p:cNvPr id="5" name="Espaço Reservado para Conteúdo 4">
+            <a:extLst>
+              <a:ext uri="{FF2B5EF4-FFF2-40B4-BE49-F238E27FC236}">
+                <a16:creationId xmlns:a16="http://schemas.microsoft.com/office/drawing/2014/main" id="{BD2A8B03-66AE-31D0-B13A-86FE066267C8}"/>
+              </a:ext>
+            </a:extLst>
+          </p:cNvPr>
+          <p:cNvPicPr>
+            <a:picLocks noGrp="1" noChangeAspect="1"/>
+          </p:cNvPicPr>
+          <p:nvPr>
+            <p:ph idx="1"/>
+          </p:nvPr>
+        </p:nvPicPr>
+        <p:blipFill>
+          <a:blip r:embed="rId2"/>
+          <a:stretch>
+            <a:fillRect/>
+          </a:stretch>
+        </p:blipFill>
+        <p:spPr>
+          <a:xfrm>
+            <a:off x="219119" y="2708694"/>
+            <a:ext cx="11745727" cy="3174521"/>
+          </a:xfrm>
+        </p:spPr>
+      </p:pic>
+    </p:spTree>
+    <p:extLst>
+      <p:ext uri="{BB962C8B-B14F-4D97-AF65-F5344CB8AC3E}">
+        <p14:creationId xmlns:p14="http://schemas.microsoft.com/office/powerpoint/2010/main" val="3624686043"/>
+      </p:ext>
+    </p:extLst>
+  </p:cSld>
+  <p:clrMapOvr>
+    <a:masterClrMapping/>
+  </p:clrMapOvr>
+</p:sld>
+</file>
+
+<file path=ppt/slides/slide116.xml><?xml version="1.0" encoding="utf-8"?>
+<p:sld xmlns:a="http://schemas.openxmlformats.org/drawingml/2006/main" xmlns:r="http://schemas.openxmlformats.org/officeDocument/2006/relationships" xmlns:p="http://schemas.openxmlformats.org/presentationml/2006/main">
+  <p:cSld>
+    <p:spTree>
+      <p:nvGrpSpPr>
+        <p:cNvPr id="1" name=""/>
+        <p:cNvGrpSpPr/>
+        <p:nvPr/>
+      </p:nvGrpSpPr>
+      <p:grpSpPr>
+        <a:xfrm>
+          <a:off x="0" y="0"/>
+          <a:ext cx="0" cy="0"/>
+          <a:chOff x="0" y="0"/>
+          <a:chExt cx="0" cy="0"/>
+        </a:xfrm>
+      </p:grpSpPr>
+      <p:sp>
+        <p:nvSpPr>
+          <p:cNvPr id="2" name="Título 1">
+            <a:extLst>
+              <a:ext uri="{FF2B5EF4-FFF2-40B4-BE49-F238E27FC236}">
+                <a16:creationId xmlns:a16="http://schemas.microsoft.com/office/drawing/2014/main" id="{A2BBFD08-2C42-D87B-55E6-77C0ACD9EB54}"/>
+              </a:ext>
+            </a:extLst>
+          </p:cNvPr>
+          <p:cNvSpPr>
+            <a:spLocks noGrp="1"/>
+          </p:cNvSpPr>
+          <p:nvPr>
+            <p:ph type="title"/>
+          </p:nvPr>
+        </p:nvSpPr>
+        <p:spPr/>
+        <p:txBody>
+          <a:bodyPr/>
+          <a:lstStyle/>
+          <a:p>
+            <a:r>
+              <a:rPr lang="pt-BR" dirty="0"/>
+              <a:t>História dos Parâmetros</a:t>
+            </a:r>
+          </a:p>
+        </p:txBody>
+      </p:sp>
+      <p:sp>
+        <p:nvSpPr>
+          <p:cNvPr id="3" name="Espaço Reservado para Conteúdo 2">
+            <a:extLst>
+              <a:ext uri="{FF2B5EF4-FFF2-40B4-BE49-F238E27FC236}">
+                <a16:creationId xmlns:a16="http://schemas.microsoft.com/office/drawing/2014/main" id="{6CC76603-FE81-23F9-9DDB-093B23A9A2F7}"/>
+              </a:ext>
+            </a:extLst>
+          </p:cNvPr>
+          <p:cNvSpPr>
+            <a:spLocks noGrp="1"/>
+          </p:cNvSpPr>
+          <p:nvPr>
+            <p:ph idx="1"/>
+          </p:nvPr>
+        </p:nvSpPr>
+        <p:spPr/>
+        <p:txBody>
+          <a:bodyPr/>
+          <a:lstStyle/>
+          <a:p>
+            <a:r>
+              <a:rPr lang="pt-BR" dirty="0"/>
+              <a:t>Cada Caractere possui diversos parâmetros, dentre eles:</a:t>
+            </a:r>
+          </a:p>
+          <a:p>
+            <a:pPr marL="457200" indent="-457200">
+              <a:buFont typeface="+mj-lt"/>
+              <a:buAutoNum type="arabicPeriod"/>
+            </a:pPr>
+            <a:r>
+              <a:rPr lang="pt-BR" dirty="0"/>
+              <a:t>Tamanho da Fonte;</a:t>
+            </a:r>
+          </a:p>
+          <a:p>
+            <a:pPr marL="457200" indent="-457200">
+              <a:buFont typeface="+mj-lt"/>
+              <a:buAutoNum type="arabicPeriod"/>
+            </a:pPr>
+            <a:r>
+              <a:rPr lang="pt-BR" dirty="0"/>
+              <a:t>Está em Negrito ou Não;</a:t>
+            </a:r>
+          </a:p>
+          <a:p>
+            <a:pPr marL="457200" indent="-457200">
+              <a:buFont typeface="+mj-lt"/>
+              <a:buAutoNum type="arabicPeriod"/>
+            </a:pPr>
+            <a:r>
+              <a:rPr lang="pt-BR" dirty="0"/>
+              <a:t>Cor da Fonte</a:t>
+            </a:r>
+          </a:p>
+        </p:txBody>
+      </p:sp>
+    </p:spTree>
+    <p:extLst>
+      <p:ext uri="{BB962C8B-B14F-4D97-AF65-F5344CB8AC3E}">
+        <p14:creationId xmlns:p14="http://schemas.microsoft.com/office/powerpoint/2010/main" val="2881746051"/>
+      </p:ext>
+    </p:extLst>
+  </p:cSld>
+  <p:clrMapOvr>
+    <a:masterClrMapping/>
+  </p:clrMapOvr>
+</p:sld>
+</file>
+
+<file path=ppt/slides/slide117.xml><?xml version="1.0" encoding="utf-8"?>
+<p:sld xmlns:a="http://schemas.openxmlformats.org/drawingml/2006/main" xmlns:r="http://schemas.openxmlformats.org/officeDocument/2006/relationships" xmlns:p="http://schemas.openxmlformats.org/presentationml/2006/main">
+  <p:cSld>
+    <p:spTree>
+      <p:nvGrpSpPr>
+        <p:cNvPr id="1" name=""/>
+        <p:cNvGrpSpPr/>
+        <p:nvPr/>
+      </p:nvGrpSpPr>
+      <p:grpSpPr>
+        <a:xfrm>
+          <a:off x="0" y="0"/>
+          <a:ext cx="0" cy="0"/>
+          <a:chOff x="0" y="0"/>
+          <a:chExt cx="0" cy="0"/>
+        </a:xfrm>
+      </p:grpSpPr>
+      <p:sp>
+        <p:nvSpPr>
+          <p:cNvPr id="2" name="Título 1">
+            <a:extLst>
+              <a:ext uri="{FF2B5EF4-FFF2-40B4-BE49-F238E27FC236}">
+                <a16:creationId xmlns:a16="http://schemas.microsoft.com/office/drawing/2014/main" id="{23A4D269-D3D9-DA4B-F739-50ED474D5496}"/>
+              </a:ext>
+            </a:extLst>
+          </p:cNvPr>
+          <p:cNvSpPr>
+            <a:spLocks noGrp="1"/>
+          </p:cNvSpPr>
+          <p:nvPr>
+            <p:ph type="title"/>
+          </p:nvPr>
+        </p:nvSpPr>
+        <p:spPr/>
+        <p:txBody>
+          <a:bodyPr>
+            <a:normAutofit fontScale="90000"/>
+          </a:bodyPr>
+          <a:lstStyle/>
+          <a:p>
+            <a:r>
+              <a:rPr lang="pt-BR" dirty="0"/>
+              <a:t>Parâmetros nas Linguagens de Marcação</a:t>
+            </a:r>
+          </a:p>
+        </p:txBody>
+      </p:sp>
+      <p:sp>
+        <p:nvSpPr>
+          <p:cNvPr id="3" name="Espaço Reservado para Conteúdo 2">
+            <a:extLst>
+              <a:ext uri="{FF2B5EF4-FFF2-40B4-BE49-F238E27FC236}">
+                <a16:creationId xmlns:a16="http://schemas.microsoft.com/office/drawing/2014/main" id="{C7D29C79-1813-8C88-97DF-947A7397BDE8}"/>
+              </a:ext>
+            </a:extLst>
+          </p:cNvPr>
+          <p:cNvSpPr>
+            <a:spLocks noGrp="1"/>
+          </p:cNvSpPr>
+          <p:nvPr>
+            <p:ph idx="1"/>
+          </p:nvPr>
+        </p:nvSpPr>
+        <p:spPr/>
+        <p:txBody>
+          <a:bodyPr/>
+          <a:lstStyle/>
+          <a:p>
+            <a:r>
+              <a:rPr lang="pt-BR" dirty="0"/>
+              <a:t>Os parâmetros vieram como uma forma de demonstrar as características do texto. </a:t>
+            </a:r>
+          </a:p>
+        </p:txBody>
+      </p:sp>
+    </p:spTree>
+    <p:extLst>
+      <p:ext uri="{BB962C8B-B14F-4D97-AF65-F5344CB8AC3E}">
+        <p14:creationId xmlns:p14="http://schemas.microsoft.com/office/powerpoint/2010/main" val="979876754"/>
+      </p:ext>
+    </p:extLst>
+  </p:cSld>
+  <p:clrMapOvr>
+    <a:masterClrMapping/>
+  </p:clrMapOvr>
+</p:sld>
+</file>
+
+<file path=ppt/slides/slide118.xml><?xml version="1.0" encoding="utf-8"?>
+<p:sld xmlns:a="http://schemas.openxmlformats.org/drawingml/2006/main" xmlns:r="http://schemas.openxmlformats.org/officeDocument/2006/relationships" xmlns:p="http://schemas.openxmlformats.org/presentationml/2006/main">
+  <p:cSld>
+    <p:spTree>
+      <p:nvGrpSpPr>
+        <p:cNvPr id="1" name=""/>
+        <p:cNvGrpSpPr/>
+        <p:nvPr/>
+      </p:nvGrpSpPr>
+      <p:grpSpPr>
+        <a:xfrm>
+          <a:off x="0" y="0"/>
+          <a:ext cx="0" cy="0"/>
+          <a:chOff x="0" y="0"/>
+          <a:chExt cx="0" cy="0"/>
+        </a:xfrm>
+      </p:grpSpPr>
+      <p:sp>
+        <p:nvSpPr>
+          <p:cNvPr id="2" name="Título 1">
+            <a:extLst>
+              <a:ext uri="{FF2B5EF4-FFF2-40B4-BE49-F238E27FC236}">
+                <a16:creationId xmlns:a16="http://schemas.microsoft.com/office/drawing/2014/main" id="{26B5640C-46A5-1339-03CE-E2ED5CB9F771}"/>
+              </a:ext>
+            </a:extLst>
+          </p:cNvPr>
+          <p:cNvSpPr>
+            <a:spLocks noGrp="1"/>
+          </p:cNvSpPr>
+          <p:nvPr>
+            <p:ph type="title"/>
+          </p:nvPr>
+        </p:nvSpPr>
+        <p:spPr/>
+        <p:txBody>
+          <a:bodyPr/>
+          <a:lstStyle/>
+          <a:p>
+            <a:r>
+              <a:rPr lang="pt-BR" dirty="0"/>
+              <a:t>Lição de Casa</a:t>
+            </a:r>
+          </a:p>
+        </p:txBody>
+      </p:sp>
+      <p:sp>
+        <p:nvSpPr>
+          <p:cNvPr id="3" name="Espaço Reservado para Conteúdo 2">
+            <a:extLst>
+              <a:ext uri="{FF2B5EF4-FFF2-40B4-BE49-F238E27FC236}">
+                <a16:creationId xmlns:a16="http://schemas.microsoft.com/office/drawing/2014/main" id="{D3F56F73-2267-76C9-C4FB-DBC27373F5CD}"/>
+              </a:ext>
+            </a:extLst>
+          </p:cNvPr>
+          <p:cNvSpPr>
+            <a:spLocks noGrp="1"/>
+          </p:cNvSpPr>
+          <p:nvPr>
+            <p:ph idx="1"/>
+          </p:nvPr>
+        </p:nvSpPr>
+        <p:spPr/>
+        <p:txBody>
+          <a:bodyPr/>
+          <a:lstStyle/>
+          <a:p>
+            <a:r>
+              <a:rPr lang="pt-BR" dirty="0"/>
+              <a:t>Pesquise sobre como parâmetros eram representados em linguagens antigas, como </a:t>
+            </a:r>
+            <a:r>
+              <a:rPr lang="pt-BR" dirty="0" err="1"/>
+              <a:t>Runoff</a:t>
+            </a:r>
+            <a:r>
+              <a:rPr lang="pt-BR" dirty="0"/>
+              <a:t>, GML e SGML. </a:t>
+            </a:r>
+          </a:p>
+          <a:p>
+            <a:r>
+              <a:rPr lang="pt-BR" dirty="0"/>
+              <a:t>Peça ao ChatGPT que ele te ajude com boas fontes de pesquisa.</a:t>
+            </a:r>
+          </a:p>
+        </p:txBody>
+      </p:sp>
+    </p:spTree>
+    <p:extLst>
+      <p:ext uri="{BB962C8B-B14F-4D97-AF65-F5344CB8AC3E}">
+        <p14:creationId xmlns:p14="http://schemas.microsoft.com/office/powerpoint/2010/main" val="4235648682"/>
+      </p:ext>
+    </p:extLst>
+  </p:cSld>
+  <p:clrMapOvr>
+    <a:masterClrMapping/>
+  </p:clrMapOvr>
+</p:sld>
+</file>
+
 <file path=ppt/slides/slide12.xml><?xml version="1.0" encoding="utf-8"?>
 <p:sld xmlns:a="http://schemas.openxmlformats.org/drawingml/2006/main" xmlns:r="http://schemas.openxmlformats.org/officeDocument/2006/relationships" xmlns:p="http://schemas.openxmlformats.org/presentationml/2006/main">
   <p:cSld>

--- a/Power Point/Curso de HTML e CSS.pptx
+++ b/Power Point/Curso de HTML e CSS.pptx
@@ -123,6 +123,41 @@
     <p:sldId id="372" r:id="rId117"/>
     <p:sldId id="373" r:id="rId118"/>
     <p:sldId id="374" r:id="rId119"/>
+    <p:sldId id="375" r:id="rId120"/>
+    <p:sldId id="377" r:id="rId121"/>
+    <p:sldId id="376" r:id="rId122"/>
+    <p:sldId id="378" r:id="rId123"/>
+    <p:sldId id="379" r:id="rId124"/>
+    <p:sldId id="380" r:id="rId125"/>
+    <p:sldId id="381" r:id="rId126"/>
+    <p:sldId id="382" r:id="rId127"/>
+    <p:sldId id="383" r:id="rId128"/>
+    <p:sldId id="384" r:id="rId129"/>
+    <p:sldId id="385" r:id="rId130"/>
+    <p:sldId id="386" r:id="rId131"/>
+    <p:sldId id="387" r:id="rId132"/>
+    <p:sldId id="388" r:id="rId133"/>
+    <p:sldId id="389" r:id="rId134"/>
+    <p:sldId id="390" r:id="rId135"/>
+    <p:sldId id="393" r:id="rId136"/>
+    <p:sldId id="391" r:id="rId137"/>
+    <p:sldId id="392" r:id="rId138"/>
+    <p:sldId id="394" r:id="rId139"/>
+    <p:sldId id="395" r:id="rId140"/>
+    <p:sldId id="396" r:id="rId141"/>
+    <p:sldId id="397" r:id="rId142"/>
+    <p:sldId id="398" r:id="rId143"/>
+    <p:sldId id="399" r:id="rId144"/>
+    <p:sldId id="400" r:id="rId145"/>
+    <p:sldId id="401" r:id="rId146"/>
+    <p:sldId id="402" r:id="rId147"/>
+    <p:sldId id="403" r:id="rId148"/>
+    <p:sldId id="404" r:id="rId149"/>
+    <p:sldId id="405" r:id="rId150"/>
+    <p:sldId id="406" r:id="rId151"/>
+    <p:sldId id="407" r:id="rId152"/>
+    <p:sldId id="408" r:id="rId153"/>
+    <p:sldId id="409" r:id="rId154"/>
   </p:sldIdLst>
   <p:sldSz cx="12192000" cy="6858000"/>
   <p:notesSz cx="6858000" cy="9144000"/>
@@ -385,7 +420,7 @@
           <a:p>
             <a:fld id="{02AC24A9-CCB6-4F8D-B8DB-C2F3692CFA5A}" type="datetimeFigureOut">
               <a:rPr lang="en-US" smtClean="0"/>
-              <a:t>3/14/2025</a:t>
+              <a:t>6/17/2025</a:t>
             </a:fld>
             <a:endParaRPr lang="en-US" dirty="0"/>
           </a:p>
@@ -755,7 +790,7 @@
           <a:p>
             <a:fld id="{02AC24A9-CCB6-4F8D-B8DB-C2F3692CFA5A}" type="datetimeFigureOut">
               <a:rPr lang="en-US" smtClean="0"/>
-              <a:t>3/14/2025</a:t>
+              <a:t>6/17/2025</a:t>
             </a:fld>
             <a:endParaRPr lang="en-US"/>
           </a:p>
@@ -964,7 +999,7 @@
           <a:p>
             <a:fld id="{02AC24A9-CCB6-4F8D-B8DB-C2F3692CFA5A}" type="datetimeFigureOut">
               <a:rPr lang="en-US" smtClean="0"/>
-              <a:t>3/14/2025</a:t>
+              <a:t>6/17/2025</a:t>
             </a:fld>
             <a:endParaRPr lang="en-US"/>
           </a:p>
@@ -1434,7 +1469,7 @@
           <a:p>
             <a:fld id="{02AC24A9-CCB6-4F8D-B8DB-C2F3692CFA5A}" type="datetimeFigureOut">
               <a:rPr lang="en-US" smtClean="0"/>
-              <a:t>3/14/2025</a:t>
+              <a:t>6/17/2025</a:t>
             </a:fld>
             <a:endParaRPr lang="en-US"/>
           </a:p>
@@ -1888,7 +1923,7 @@
           <a:p>
             <a:fld id="{02AC24A9-CCB6-4F8D-B8DB-C2F3692CFA5A}" type="datetimeFigureOut">
               <a:rPr lang="en-US" smtClean="0"/>
-              <a:t>3/14/2025</a:t>
+              <a:t>6/17/2025</a:t>
             </a:fld>
             <a:endParaRPr lang="en-US"/>
           </a:p>
@@ -2420,7 +2455,7 @@
           <a:p>
             <a:fld id="{02AC24A9-CCB6-4F8D-B8DB-C2F3692CFA5A}" type="datetimeFigureOut">
               <a:rPr lang="en-US" smtClean="0"/>
-              <a:t>3/14/2025</a:t>
+              <a:t>6/17/2025</a:t>
             </a:fld>
             <a:endParaRPr lang="en-US"/>
           </a:p>
@@ -3119,7 +3154,7 @@
           <a:p>
             <a:fld id="{02AC24A9-CCB6-4F8D-B8DB-C2F3692CFA5A}" type="datetimeFigureOut">
               <a:rPr lang="en-US" smtClean="0"/>
-              <a:t>3/14/2025</a:t>
+              <a:t>6/17/2025</a:t>
             </a:fld>
             <a:endParaRPr lang="en-US"/>
           </a:p>
@@ -3448,7 +3483,7 @@
           <a:p>
             <a:fld id="{02AC24A9-CCB6-4F8D-B8DB-C2F3692CFA5A}" type="datetimeFigureOut">
               <a:rPr lang="en-US" smtClean="0"/>
-              <a:t>3/14/2025</a:t>
+              <a:t>6/17/2025</a:t>
             </a:fld>
             <a:endParaRPr lang="en-US"/>
           </a:p>
@@ -3561,7 +3596,7 @@
           <a:p>
             <a:fld id="{02AC24A9-CCB6-4F8D-B8DB-C2F3692CFA5A}" type="datetimeFigureOut">
               <a:rPr lang="en-US" smtClean="0"/>
-              <a:t>3/14/2025</a:t>
+              <a:t>6/17/2025</a:t>
             </a:fld>
             <a:endParaRPr lang="en-US"/>
           </a:p>
@@ -4056,7 +4091,7 @@
           <a:p>
             <a:fld id="{02AC24A9-CCB6-4F8D-B8DB-C2F3692CFA5A}" type="datetimeFigureOut">
               <a:rPr lang="en-US" smtClean="0"/>
-              <a:t>3/14/2025</a:t>
+              <a:t>6/17/2025</a:t>
             </a:fld>
             <a:endParaRPr lang="en-US" dirty="0"/>
           </a:p>
@@ -4533,7 +4568,7 @@
           <a:p>
             <a:fld id="{02AC24A9-CCB6-4F8D-B8DB-C2F3692CFA5A}" type="datetimeFigureOut">
               <a:rPr lang="en-US" smtClean="0"/>
-              <a:t>3/14/2025</a:t>
+              <a:t>6/17/2025</a:t>
             </a:fld>
             <a:endParaRPr lang="en-US"/>
           </a:p>
@@ -4776,7 +4811,7 @@
           <a:p>
             <a:fld id="{02AC24A9-CCB6-4F8D-B8DB-C2F3692CFA5A}" type="datetimeFigureOut">
               <a:rPr lang="en-US" smtClean="0"/>
-              <a:t>3/14/2025</a:t>
+              <a:t>6/17/2025</a:t>
             </a:fld>
             <a:endParaRPr lang="en-US"/>
           </a:p>
@@ -9257,6 +9292,729 @@
 </p:sld>
 </file>
 
+<file path=ppt/slides/slide119.xml><?xml version="1.0" encoding="utf-8"?>
+<p:sld xmlns:a="http://schemas.openxmlformats.org/drawingml/2006/main" xmlns:r="http://schemas.openxmlformats.org/officeDocument/2006/relationships" xmlns:p="http://schemas.openxmlformats.org/presentationml/2006/main">
+  <p:cSld>
+    <p:bg>
+      <p:bgPr>
+        <a:solidFill>
+          <a:schemeClr val="bg1"/>
+        </a:solidFill>
+        <a:effectLst/>
+      </p:bgPr>
+    </p:bg>
+    <p:spTree>
+      <p:nvGrpSpPr>
+        <p:cNvPr id="1" name=""/>
+        <p:cNvGrpSpPr/>
+        <p:nvPr/>
+      </p:nvGrpSpPr>
+      <p:grpSpPr>
+        <a:xfrm>
+          <a:off x="0" y="0"/>
+          <a:ext cx="0" cy="0"/>
+          <a:chOff x="0" y="0"/>
+          <a:chExt cx="0" cy="0"/>
+        </a:xfrm>
+      </p:grpSpPr>
+      <p:sp>
+        <p:nvSpPr>
+          <p:cNvPr id="10" name="Rectangle 9">
+            <a:extLst>
+              <a:ext uri="{FF2B5EF4-FFF2-40B4-BE49-F238E27FC236}">
+                <a16:creationId xmlns:a16="http://schemas.microsoft.com/office/drawing/2014/main" id="{8D06CE56-3881-4ADA-8CEF-D18B02C242A3}"/>
+              </a:ext>
+              <a:ext uri="{C183D7F6-B498-43B3-948B-1728B52AA6E4}">
+                <adec:decorative xmlns:adec="http://schemas.microsoft.com/office/drawing/2017/decorative" val="1"/>
+              </a:ext>
+            </a:extLst>
+          </p:cNvPr>
+          <p:cNvSpPr>
+            <a:spLocks noGrp="1" noRot="1" noChangeAspect="1" noMove="1" noResize="1" noEditPoints="1" noAdjustHandles="1" noChangeArrowheads="1" noChangeShapeType="1" noTextEdit="1"/>
+          </p:cNvSpPr>
+          <p:nvPr>
+            <p:extLst>
+              <p:ext uri="{386F3935-93C4-4BCD-93E2-E3B085C9AB24}">
+                <p16:designElem xmlns:p16="http://schemas.microsoft.com/office/powerpoint/2015/main" val="1"/>
+              </p:ext>
+            </p:extLst>
+          </p:nvPr>
+        </p:nvSpPr>
+        <p:spPr>
+          <a:xfrm rot="5400000">
+            <a:off x="857544" y="346791"/>
+            <a:ext cx="146304" cy="704088"/>
+          </a:xfrm>
+          <a:prstGeom prst="rect">
+            <a:avLst/>
+          </a:prstGeom>
+          <a:solidFill>
+            <a:schemeClr val="accent1"/>
+          </a:solidFill>
+          <a:ln>
+            <a:noFill/>
+          </a:ln>
+        </p:spPr>
+        <p:style>
+          <a:lnRef idx="2">
+            <a:schemeClr val="accent1">
+              <a:shade val="50000"/>
+            </a:schemeClr>
+          </a:lnRef>
+          <a:fillRef idx="1">
+            <a:schemeClr val="accent1"/>
+          </a:fillRef>
+          <a:effectRef idx="0">
+            <a:schemeClr val="accent1"/>
+          </a:effectRef>
+          <a:fontRef idx="minor">
+            <a:schemeClr val="lt1"/>
+          </a:fontRef>
+        </p:style>
+        <p:txBody>
+          <a:bodyPr rtlCol="0" anchor="ctr"/>
+          <a:lstStyle/>
+          <a:p>
+            <a:pPr marL="0" marR="0" lvl="0" indent="0" algn="ctr" defTabSz="914400" rtl="0" eaLnBrk="1" fontAlgn="auto" latinLnBrk="0" hangingPunct="1">
+              <a:lnSpc>
+                <a:spcPct val="100000"/>
+              </a:lnSpc>
+              <a:spcBef>
+                <a:spcPts val="0"/>
+              </a:spcBef>
+              <a:spcAft>
+                <a:spcPts val="0"/>
+              </a:spcAft>
+              <a:buClrTx/>
+              <a:buSzTx/>
+              <a:buFontTx/>
+              <a:buNone/>
+              <a:tabLst/>
+              <a:defRPr/>
+            </a:pPr>
+            <a:endParaRPr kumimoji="0" lang="en-US" sz="1800" b="0" i="0" u="none" strike="noStrike" kern="1200" cap="none" spc="0" normalizeH="0" baseline="0" noProof="0">
+              <a:ln>
+                <a:noFill/>
+              </a:ln>
+              <a:solidFill>
+                <a:prstClr val="white"/>
+              </a:solidFill>
+              <a:effectLst/>
+              <a:uLnTx/>
+              <a:uFillTx/>
+              <a:latin typeface="Calibri" panose="020F0502020204030204"/>
+              <a:ea typeface="+mn-ea"/>
+              <a:cs typeface="+mn-cs"/>
+            </a:endParaRPr>
+          </a:p>
+        </p:txBody>
+      </p:sp>
+      <p:sp>
+        <p:nvSpPr>
+          <p:cNvPr id="12" name="Rectangle 11">
+            <a:extLst>
+              <a:ext uri="{FF2B5EF4-FFF2-40B4-BE49-F238E27FC236}">
+                <a16:creationId xmlns:a16="http://schemas.microsoft.com/office/drawing/2014/main" id="{79F3C543-62EC-4433-9C93-A2CD8764E9B4}"/>
+              </a:ext>
+              <a:ext uri="{C183D7F6-B498-43B3-948B-1728B52AA6E4}">
+                <adec:decorative xmlns:adec="http://schemas.microsoft.com/office/drawing/2017/decorative" val="1"/>
+              </a:ext>
+            </a:extLst>
+          </p:cNvPr>
+          <p:cNvSpPr>
+            <a:spLocks noGrp="1" noRot="1" noChangeAspect="1" noMove="1" noResize="1" noEditPoints="1" noAdjustHandles="1" noChangeArrowheads="1" noChangeShapeType="1" noTextEdit="1"/>
+          </p:cNvSpPr>
+          <p:nvPr>
+            <p:extLst>
+              <p:ext uri="{386F3935-93C4-4BCD-93E2-E3B085C9AB24}">
+                <p16:designElem xmlns:p16="http://schemas.microsoft.com/office/powerpoint/2015/main" val="1"/>
+              </p:ext>
+            </p:extLst>
+          </p:nvPr>
+        </p:nvSpPr>
+        <p:spPr>
+          <a:xfrm flipV="1">
+            <a:off x="578652" y="4501201"/>
+            <a:ext cx="11034696" cy="18288"/>
+          </a:xfrm>
+          <a:prstGeom prst="rect">
+            <a:avLst/>
+          </a:prstGeom>
+          <a:solidFill>
+            <a:schemeClr val="tx2">
+              <a:lumMod val="25000"/>
+              <a:lumOff val="75000"/>
+            </a:schemeClr>
+          </a:solidFill>
+          <a:ln w="3175">
+            <a:noFill/>
+          </a:ln>
+          <a:effectLst/>
+        </p:spPr>
+        <p:style>
+          <a:lnRef idx="2">
+            <a:schemeClr val="accent1">
+              <a:shade val="50000"/>
+            </a:schemeClr>
+          </a:lnRef>
+          <a:fillRef idx="1">
+            <a:schemeClr val="accent1"/>
+          </a:fillRef>
+          <a:effectRef idx="0">
+            <a:schemeClr val="accent1"/>
+          </a:effectRef>
+          <a:fontRef idx="minor">
+            <a:schemeClr val="lt1"/>
+          </a:fontRef>
+        </p:style>
+        <p:txBody>
+          <a:bodyPr rtlCol="0" anchor="ctr"/>
+          <a:lstStyle/>
+          <a:p>
+            <a:pPr marL="0" marR="0" lvl="0" indent="0" algn="ctr" defTabSz="914400" rtl="0" eaLnBrk="1" fontAlgn="auto" latinLnBrk="0" hangingPunct="1">
+              <a:lnSpc>
+                <a:spcPct val="100000"/>
+              </a:lnSpc>
+              <a:spcBef>
+                <a:spcPts val="0"/>
+              </a:spcBef>
+              <a:spcAft>
+                <a:spcPts val="0"/>
+              </a:spcAft>
+              <a:buClrTx/>
+              <a:buSzTx/>
+              <a:buFontTx/>
+              <a:buNone/>
+              <a:tabLst/>
+              <a:defRPr/>
+            </a:pPr>
+            <a:endParaRPr kumimoji="0" lang="en-US" sz="1800" b="0" i="0" u="none" strike="noStrike" kern="1200" cap="none" spc="0" normalizeH="0" baseline="0" noProof="0">
+              <a:ln>
+                <a:noFill/>
+              </a:ln>
+              <a:solidFill>
+                <a:prstClr val="white"/>
+              </a:solidFill>
+              <a:effectLst/>
+              <a:uLnTx/>
+              <a:uFillTx/>
+              <a:latin typeface="Calibri" panose="020F0502020204030204"/>
+              <a:ea typeface="+mn-ea"/>
+              <a:cs typeface="+mn-cs"/>
+            </a:endParaRPr>
+          </a:p>
+        </p:txBody>
+      </p:sp>
+      <p:sp useBgFill="1">
+        <p:nvSpPr>
+          <p:cNvPr id="14" name="Rectangle 13">
+            <a:extLst>
+              <a:ext uri="{FF2B5EF4-FFF2-40B4-BE49-F238E27FC236}">
+                <a16:creationId xmlns:a16="http://schemas.microsoft.com/office/drawing/2014/main" id="{E91DC736-0EF8-4F87-9146-EBF1D2EE4D3D}"/>
+              </a:ext>
+              <a:ext uri="{C183D7F6-B498-43B3-948B-1728B52AA6E4}">
+                <adec:decorative xmlns:adec="http://schemas.microsoft.com/office/drawing/2017/decorative" val="1"/>
+              </a:ext>
+            </a:extLst>
+          </p:cNvPr>
+          <p:cNvSpPr>
+            <a:spLocks noGrp="1" noRot="1" noChangeAspect="1" noMove="1" noResize="1" noEditPoints="1" noAdjustHandles="1" noChangeArrowheads="1" noChangeShapeType="1" noTextEdit="1"/>
+          </p:cNvSpPr>
+          <p:nvPr>
+            <p:extLst>
+              <p:ext uri="{386F3935-93C4-4BCD-93E2-E3B085C9AB24}">
+                <p16:designElem xmlns:p16="http://schemas.microsoft.com/office/powerpoint/2015/main" val="1"/>
+              </p:ext>
+            </p:extLst>
+          </p:nvPr>
+        </p:nvSpPr>
+        <p:spPr>
+          <a:xfrm>
+            <a:off x="0" y="0"/>
+            <a:ext cx="12192000" cy="6858000"/>
+          </a:xfrm>
+          <a:prstGeom prst="rect">
+            <a:avLst/>
+          </a:prstGeom>
+          <a:ln>
+            <a:noFill/>
+          </a:ln>
+        </p:spPr>
+        <p:style>
+          <a:lnRef idx="2">
+            <a:schemeClr val="accent1">
+              <a:shade val="50000"/>
+            </a:schemeClr>
+          </a:lnRef>
+          <a:fillRef idx="1">
+            <a:schemeClr val="accent1"/>
+          </a:fillRef>
+          <a:effectRef idx="0">
+            <a:schemeClr val="accent1"/>
+          </a:effectRef>
+          <a:fontRef idx="minor">
+            <a:schemeClr val="lt1"/>
+          </a:fontRef>
+        </p:style>
+        <p:txBody>
+          <a:bodyPr rtlCol="0" anchor="ctr"/>
+          <a:lstStyle/>
+          <a:p>
+            <a:pPr algn="ctr"/>
+            <a:endParaRPr lang="en-US"/>
+          </a:p>
+        </p:txBody>
+      </p:sp>
+      <p:pic>
+        <p:nvPicPr>
+          <p:cNvPr id="4" name="Content Placeholder 3" descr="Fundo do vetor de cores vibrantes salpicando">
+            <a:extLst>
+              <a:ext uri="{FF2B5EF4-FFF2-40B4-BE49-F238E27FC236}">
+                <a16:creationId xmlns:a16="http://schemas.microsoft.com/office/drawing/2014/main" id="{1E28B087-AB71-4CD1-BFEB-73C46EF2B0CE}"/>
+              </a:ext>
+            </a:extLst>
+          </p:cNvPr>
+          <p:cNvPicPr>
+            <a:picLocks noChangeAspect="1"/>
+          </p:cNvPicPr>
+          <p:nvPr/>
+        </p:nvPicPr>
+        <p:blipFill rotWithShape="1">
+          <a:blip r:embed="rId2"/>
+          <a:srcRect l="10975" r="3072" b="-1"/>
+          <a:stretch>
+            <a:fillRect/>
+          </a:stretch>
+        </p:blipFill>
+        <p:spPr>
+          <a:xfrm>
+            <a:off x="3523488" y="10"/>
+            <a:ext cx="8668512" cy="6857990"/>
+          </a:xfrm>
+          <a:prstGeom prst="rect">
+            <a:avLst/>
+          </a:prstGeom>
+        </p:spPr>
+      </p:pic>
+      <p:sp>
+        <p:nvSpPr>
+          <p:cNvPr id="16" name="Rectangle 15">
+            <a:extLst>
+              <a:ext uri="{FF2B5EF4-FFF2-40B4-BE49-F238E27FC236}">
+                <a16:creationId xmlns:a16="http://schemas.microsoft.com/office/drawing/2014/main" id="{097CD68E-23E3-4007-8847-CD0944C4F7BE}"/>
+              </a:ext>
+              <a:ext uri="{C183D7F6-B498-43B3-948B-1728B52AA6E4}">
+                <adec:decorative xmlns:adec="http://schemas.microsoft.com/office/drawing/2017/decorative" val="1"/>
+              </a:ext>
+            </a:extLst>
+          </p:cNvPr>
+          <p:cNvSpPr>
+            <a:spLocks noGrp="1" noRot="1" noChangeAspect="1" noMove="1" noResize="1" noEditPoints="1" noAdjustHandles="1" noChangeArrowheads="1" noChangeShapeType="1" noTextEdit="1"/>
+          </p:cNvSpPr>
+          <p:nvPr>
+            <p:extLst>
+              <p:ext uri="{386F3935-93C4-4BCD-93E2-E3B085C9AB24}">
+                <p16:designElem xmlns:p16="http://schemas.microsoft.com/office/powerpoint/2015/main" val="1"/>
+              </p:ext>
+            </p:extLst>
+          </p:nvPr>
+        </p:nvSpPr>
+        <p:spPr>
+          <a:xfrm>
+            <a:off x="0" y="0"/>
+            <a:ext cx="9756601" cy="6858000"/>
+          </a:xfrm>
+          <a:prstGeom prst="rect">
+            <a:avLst/>
+          </a:prstGeom>
+          <a:gradFill>
+            <a:gsLst>
+              <a:gs pos="58000">
+                <a:schemeClr val="bg1"/>
+              </a:gs>
+              <a:gs pos="35000">
+                <a:schemeClr val="bg1">
+                  <a:alpha val="79000"/>
+                </a:schemeClr>
+              </a:gs>
+              <a:gs pos="19000">
+                <a:schemeClr val="bg1">
+                  <a:alpha val="38000"/>
+                </a:schemeClr>
+              </a:gs>
+              <a:gs pos="0">
+                <a:schemeClr val="bg1">
+                  <a:alpha val="0"/>
+                </a:schemeClr>
+              </a:gs>
+              <a:gs pos="100000">
+                <a:schemeClr val="bg1"/>
+              </a:gs>
+            </a:gsLst>
+            <a:lin ang="10800000" scaled="0"/>
+          </a:gradFill>
+          <a:ln>
+            <a:noFill/>
+          </a:ln>
+        </p:spPr>
+        <p:style>
+          <a:lnRef idx="2">
+            <a:schemeClr val="accent1">
+              <a:shade val="50000"/>
+            </a:schemeClr>
+          </a:lnRef>
+          <a:fillRef idx="1">
+            <a:schemeClr val="accent1"/>
+          </a:fillRef>
+          <a:effectRef idx="0">
+            <a:schemeClr val="accent1"/>
+          </a:effectRef>
+          <a:fontRef idx="minor">
+            <a:schemeClr val="lt1"/>
+          </a:fontRef>
+        </p:style>
+        <p:txBody>
+          <a:bodyPr rtlCol="0" anchor="ctr"/>
+          <a:lstStyle/>
+          <a:p>
+            <a:pPr algn="ctr"/>
+            <a:endParaRPr lang="en-US" dirty="0"/>
+          </a:p>
+        </p:txBody>
+      </p:sp>
+      <p:sp>
+        <p:nvSpPr>
+          <p:cNvPr id="5" name="Título 1">
+            <a:extLst>
+              <a:ext uri="{FF2B5EF4-FFF2-40B4-BE49-F238E27FC236}">
+                <a16:creationId xmlns:a16="http://schemas.microsoft.com/office/drawing/2014/main" id="{642329FC-44F9-56A1-6A61-8C71FAB40C8A}"/>
+              </a:ext>
+            </a:extLst>
+          </p:cNvPr>
+          <p:cNvSpPr>
+            <a:spLocks noGrp="1"/>
+          </p:cNvSpPr>
+          <p:nvPr>
+            <p:ph type="title"/>
+          </p:nvPr>
+        </p:nvSpPr>
+        <p:spPr>
+          <a:xfrm>
+            <a:off x="477981" y="1122363"/>
+            <a:ext cx="4023360" cy="3204134"/>
+          </a:xfrm>
+        </p:spPr>
+        <p:txBody>
+          <a:bodyPr vert="horz" lIns="91440" tIns="45720" rIns="91440" bIns="45720" rtlCol="0" anchor="b">
+            <a:normAutofit/>
+          </a:bodyPr>
+          <a:lstStyle/>
+          <a:p>
+            <a:r>
+              <a:rPr lang="en-US" sz="4800" dirty="0"/>
+              <a:t>Aula 9 – Imagens no HTML</a:t>
+            </a:r>
+          </a:p>
+        </p:txBody>
+      </p:sp>
+      <p:sp>
+        <p:nvSpPr>
+          <p:cNvPr id="18" name="Rectangle 17">
+            <a:extLst>
+              <a:ext uri="{FF2B5EF4-FFF2-40B4-BE49-F238E27FC236}">
+                <a16:creationId xmlns:a16="http://schemas.microsoft.com/office/drawing/2014/main" id="{AF2F604E-43BE-4DC3-B983-E071523364F8}"/>
+              </a:ext>
+              <a:ext uri="{C183D7F6-B498-43B3-948B-1728B52AA6E4}">
+                <adec:decorative xmlns:adec="http://schemas.microsoft.com/office/drawing/2017/decorative" val="1"/>
+              </a:ext>
+            </a:extLst>
+          </p:cNvPr>
+          <p:cNvSpPr>
+            <a:spLocks noGrp="1" noRot="1" noChangeAspect="1" noMove="1" noResize="1" noEditPoints="1" noAdjustHandles="1" noChangeArrowheads="1" noChangeShapeType="1" noTextEdit="1"/>
+          </p:cNvSpPr>
+          <p:nvPr>
+            <p:extLst>
+              <p:ext uri="{386F3935-93C4-4BCD-93E2-E3B085C9AB24}">
+                <p16:designElem xmlns:p16="http://schemas.microsoft.com/office/powerpoint/2015/main" val="1"/>
+              </p:ext>
+            </p:extLst>
+          </p:nvPr>
+        </p:nvSpPr>
+        <p:spPr>
+          <a:xfrm rot="5400000">
+            <a:off x="759921" y="346791"/>
+            <a:ext cx="146304" cy="704088"/>
+          </a:xfrm>
+          <a:prstGeom prst="rect">
+            <a:avLst/>
+          </a:prstGeom>
+          <a:solidFill>
+            <a:schemeClr val="accent1"/>
+          </a:solidFill>
+          <a:ln>
+            <a:noFill/>
+          </a:ln>
+        </p:spPr>
+        <p:style>
+          <a:lnRef idx="2">
+            <a:schemeClr val="accent1">
+              <a:shade val="50000"/>
+            </a:schemeClr>
+          </a:lnRef>
+          <a:fillRef idx="1">
+            <a:schemeClr val="accent1"/>
+          </a:fillRef>
+          <a:effectRef idx="0">
+            <a:schemeClr val="accent1"/>
+          </a:effectRef>
+          <a:fontRef idx="minor">
+            <a:schemeClr val="lt1"/>
+          </a:fontRef>
+        </p:style>
+        <p:txBody>
+          <a:bodyPr rtlCol="0" anchor="ctr"/>
+          <a:lstStyle/>
+          <a:p>
+            <a:pPr marL="0" marR="0" lvl="0" indent="0" algn="ctr" defTabSz="914400" rtl="0" eaLnBrk="1" fontAlgn="auto" latinLnBrk="0" hangingPunct="1">
+              <a:lnSpc>
+                <a:spcPct val="100000"/>
+              </a:lnSpc>
+              <a:spcBef>
+                <a:spcPts val="0"/>
+              </a:spcBef>
+              <a:spcAft>
+                <a:spcPts val="0"/>
+              </a:spcAft>
+              <a:buClrTx/>
+              <a:buSzTx/>
+              <a:buFontTx/>
+              <a:buNone/>
+              <a:tabLst/>
+              <a:defRPr/>
+            </a:pPr>
+            <a:endParaRPr kumimoji="0" lang="en-US" sz="1800" b="0" i="0" u="none" strike="noStrike" kern="1200" cap="none" spc="0" normalizeH="0" baseline="0" noProof="0">
+              <a:ln>
+                <a:noFill/>
+              </a:ln>
+              <a:solidFill>
+                <a:prstClr val="white"/>
+              </a:solidFill>
+              <a:effectLst/>
+              <a:uLnTx/>
+              <a:uFillTx/>
+              <a:latin typeface="Calibri" panose="020F0502020204030204"/>
+              <a:ea typeface="+mn-ea"/>
+              <a:cs typeface="+mn-cs"/>
+            </a:endParaRPr>
+          </a:p>
+        </p:txBody>
+      </p:sp>
+      <p:sp>
+        <p:nvSpPr>
+          <p:cNvPr id="20" name="Rectangle 19">
+            <a:extLst>
+              <a:ext uri="{FF2B5EF4-FFF2-40B4-BE49-F238E27FC236}">
+                <a16:creationId xmlns:a16="http://schemas.microsoft.com/office/drawing/2014/main" id="{08C9B587-E65E-4B52-B37C-ABEBB6E87928}"/>
+              </a:ext>
+              <a:ext uri="{C183D7F6-B498-43B3-948B-1728B52AA6E4}">
+                <adec:decorative xmlns:adec="http://schemas.microsoft.com/office/drawing/2017/decorative" val="1"/>
+              </a:ext>
+            </a:extLst>
+          </p:cNvPr>
+          <p:cNvSpPr>
+            <a:spLocks noGrp="1" noRot="1" noChangeAspect="1" noMove="1" noResize="1" noEditPoints="1" noAdjustHandles="1" noChangeArrowheads="1" noChangeShapeType="1" noTextEdit="1"/>
+          </p:cNvSpPr>
+          <p:nvPr>
+            <p:extLst>
+              <p:ext uri="{386F3935-93C4-4BCD-93E2-E3B085C9AB24}">
+                <p16:designElem xmlns:p16="http://schemas.microsoft.com/office/powerpoint/2015/main" val="1"/>
+              </p:ext>
+            </p:extLst>
+          </p:nvPr>
+        </p:nvSpPr>
+        <p:spPr>
+          <a:xfrm>
+            <a:off x="481029" y="4546920"/>
+            <a:ext cx="3977640" cy="18288"/>
+          </a:xfrm>
+          <a:prstGeom prst="rect">
+            <a:avLst/>
+          </a:prstGeom>
+          <a:solidFill>
+            <a:schemeClr val="tx2">
+              <a:lumMod val="25000"/>
+              <a:lumOff val="75000"/>
+            </a:schemeClr>
+          </a:solidFill>
+          <a:ln w="3175">
+            <a:solidFill>
+              <a:schemeClr val="tx2">
+                <a:lumMod val="25000"/>
+                <a:lumOff val="75000"/>
+              </a:schemeClr>
+            </a:solidFill>
+          </a:ln>
+          <a:effectLst/>
+        </p:spPr>
+        <p:style>
+          <a:lnRef idx="2">
+            <a:schemeClr val="accent1">
+              <a:shade val="50000"/>
+            </a:schemeClr>
+          </a:lnRef>
+          <a:fillRef idx="1">
+            <a:schemeClr val="accent1"/>
+          </a:fillRef>
+          <a:effectRef idx="0">
+            <a:schemeClr val="accent1"/>
+          </a:effectRef>
+          <a:fontRef idx="minor">
+            <a:schemeClr val="lt1"/>
+          </a:fontRef>
+        </p:style>
+        <p:txBody>
+          <a:bodyPr rtlCol="0" anchor="ctr"/>
+          <a:lstStyle/>
+          <a:p>
+            <a:pPr marL="0" marR="0" lvl="0" indent="0" algn="ctr" defTabSz="914400" rtl="0" eaLnBrk="1" fontAlgn="auto" latinLnBrk="0" hangingPunct="1">
+              <a:lnSpc>
+                <a:spcPct val="100000"/>
+              </a:lnSpc>
+              <a:spcBef>
+                <a:spcPts val="0"/>
+              </a:spcBef>
+              <a:spcAft>
+                <a:spcPts val="0"/>
+              </a:spcAft>
+              <a:buClrTx/>
+              <a:buSzTx/>
+              <a:buFontTx/>
+              <a:buNone/>
+              <a:tabLst/>
+              <a:defRPr/>
+            </a:pPr>
+            <a:endParaRPr kumimoji="0" lang="en-US" sz="1800" b="0" i="0" u="none" strike="noStrike" kern="1200" cap="none" spc="0" normalizeH="0" baseline="0" noProof="0">
+              <a:ln>
+                <a:noFill/>
+              </a:ln>
+              <a:solidFill>
+                <a:prstClr val="white"/>
+              </a:solidFill>
+              <a:effectLst/>
+              <a:uLnTx/>
+              <a:uFillTx/>
+              <a:latin typeface="Calibri" panose="020F0502020204030204"/>
+              <a:ea typeface="+mn-ea"/>
+              <a:cs typeface="+mn-cs"/>
+            </a:endParaRPr>
+          </a:p>
+        </p:txBody>
+      </p:sp>
+    </p:spTree>
+    <p:extLst>
+      <p:ext uri="{BB962C8B-B14F-4D97-AF65-F5344CB8AC3E}">
+        <p14:creationId xmlns:p14="http://schemas.microsoft.com/office/powerpoint/2010/main" val="2406211747"/>
+      </p:ext>
+    </p:extLst>
+  </p:cSld>
+  <p:clrMapOvr>
+    <a:masterClrMapping/>
+  </p:clrMapOvr>
+  <p:timing>
+    <p:tnLst>
+      <p:par>
+        <p:cTn id="1" dur="indefinite" restart="never" nodeType="tmRoot">
+          <p:childTnLst>
+            <p:seq concurrent="1" nextAc="seek">
+              <p:cTn id="2" dur="indefinite" nodeType="mainSeq">
+                <p:childTnLst>
+                  <p:par>
+                    <p:cTn id="3" fill="hold">
+                      <p:stCondLst>
+                        <p:cond delay="indefinite"/>
+                        <p:cond evt="onBegin" delay="0">
+                          <p:tn val="2"/>
+                        </p:cond>
+                      </p:stCondLst>
+                      <p:childTnLst>
+                        <p:par>
+                          <p:cTn id="4" fill="hold">
+                            <p:stCondLst>
+                              <p:cond delay="0"/>
+                            </p:stCondLst>
+                            <p:childTnLst>
+                              <p:par>
+                                <p:cTn id="5" presetID="10" presetClass="entr" presetSubtype="0" fill="hold" grpId="0" nodeType="withEffect">
+                                  <p:stCondLst>
+                                    <p:cond delay="1000"/>
+                                  </p:stCondLst>
+                                  <p:iterate type="lt">
+                                    <p:tmPct val="10000"/>
+                                  </p:iterate>
+                                  <p:childTnLst>
+                                    <p:set>
+                                      <p:cBhvr>
+                                        <p:cTn id="6" dur="1" fill="hold">
+                                          <p:stCondLst>
+                                            <p:cond delay="0"/>
+                                          </p:stCondLst>
+                                        </p:cTn>
+                                        <p:tgtEl>
+                                          <p:spTgt spid="5"/>
+                                        </p:tgtEl>
+                                        <p:attrNameLst>
+                                          <p:attrName>style.visibility</p:attrName>
+                                        </p:attrNameLst>
+                                      </p:cBhvr>
+                                      <p:to>
+                                        <p:strVal val="visible"/>
+                                      </p:to>
+                                    </p:set>
+                                    <p:animEffect transition="in" filter="fade">
+                                      <p:cBhvr>
+                                        <p:cTn id="7" dur="400"/>
+                                        <p:tgtEl>
+                                          <p:spTgt spid="5"/>
+                                        </p:tgtEl>
+                                      </p:cBhvr>
+                                    </p:animEffect>
+                                  </p:childTnLst>
+                                </p:cTn>
+                              </p:par>
+                            </p:childTnLst>
+                          </p:cTn>
+                        </p:par>
+                      </p:childTnLst>
+                    </p:cTn>
+                  </p:par>
+                </p:childTnLst>
+              </p:cTn>
+              <p:prevCondLst>
+                <p:cond evt="onPrev" delay="0">
+                  <p:tgtEl>
+                    <p:sldTgt/>
+                  </p:tgtEl>
+                </p:cond>
+              </p:prevCondLst>
+              <p:nextCondLst>
+                <p:cond evt="onNext" delay="0">
+                  <p:tgtEl>
+                    <p:sldTgt/>
+                  </p:tgtEl>
+                </p:cond>
+              </p:nextCondLst>
+            </p:seq>
+          </p:childTnLst>
+        </p:cTn>
+      </p:par>
+    </p:tnLst>
+    <p:bldLst>
+      <p:bldP spid="5" grpId="0"/>
+    </p:bldLst>
+  </p:timing>
+</p:sld>
+</file>
+
 <file path=ppt/slides/slide12.xml><?xml version="1.0" encoding="utf-8"?>
 <p:sld xmlns:a="http://schemas.openxmlformats.org/drawingml/2006/main" xmlns:r="http://schemas.openxmlformats.org/officeDocument/2006/relationships" xmlns:p="http://schemas.openxmlformats.org/presentationml/2006/main">
   <p:cSld>
@@ -9340,6 +10098,2877 @@
     <p:extLst>
       <p:ext uri="{BB962C8B-B14F-4D97-AF65-F5344CB8AC3E}">
         <p14:creationId xmlns:p14="http://schemas.microsoft.com/office/powerpoint/2010/main" val="3616582662"/>
+      </p:ext>
+    </p:extLst>
+  </p:cSld>
+  <p:clrMapOvr>
+    <a:masterClrMapping/>
+  </p:clrMapOvr>
+</p:sld>
+</file>
+
+<file path=ppt/slides/slide120.xml><?xml version="1.0" encoding="utf-8"?>
+<p:sld xmlns:a="http://schemas.openxmlformats.org/drawingml/2006/main" xmlns:r="http://schemas.openxmlformats.org/officeDocument/2006/relationships" xmlns:p="http://schemas.openxmlformats.org/presentationml/2006/main">
+  <p:cSld>
+    <p:bg>
+      <p:bgPr>
+        <a:solidFill>
+          <a:schemeClr val="bg1"/>
+        </a:solidFill>
+        <a:effectLst/>
+      </p:bgPr>
+    </p:bg>
+    <p:spTree>
+      <p:nvGrpSpPr>
+        <p:cNvPr id="1" name="">
+          <a:extLst>
+            <a:ext uri="{FF2B5EF4-FFF2-40B4-BE49-F238E27FC236}">
+              <a16:creationId xmlns:a16="http://schemas.microsoft.com/office/drawing/2014/main" id="{7476EC5D-6EA7-BA7E-3CFC-A538DE68C5D5}"/>
+            </a:ext>
+          </a:extLst>
+        </p:cNvPr>
+        <p:cNvGrpSpPr/>
+        <p:nvPr/>
+      </p:nvGrpSpPr>
+      <p:grpSpPr>
+        <a:xfrm>
+          <a:off x="0" y="0"/>
+          <a:ext cx="0" cy="0"/>
+          <a:chOff x="0" y="0"/>
+          <a:chExt cx="0" cy="0"/>
+        </a:xfrm>
+      </p:grpSpPr>
+      <p:sp>
+        <p:nvSpPr>
+          <p:cNvPr id="10" name="Rectangle 9">
+            <a:extLst>
+              <a:ext uri="{FF2B5EF4-FFF2-40B4-BE49-F238E27FC236}">
+                <a16:creationId xmlns:a16="http://schemas.microsoft.com/office/drawing/2014/main" id="{D2968AAA-808D-2FA2-C394-690CA09FA31C}"/>
+              </a:ext>
+              <a:ext uri="{C183D7F6-B498-43B3-948B-1728B52AA6E4}">
+                <adec:decorative xmlns:adec="http://schemas.microsoft.com/office/drawing/2017/decorative" val="1"/>
+              </a:ext>
+            </a:extLst>
+          </p:cNvPr>
+          <p:cNvSpPr>
+            <a:spLocks noGrp="1" noRot="1" noChangeAspect="1" noMove="1" noResize="1" noEditPoints="1" noAdjustHandles="1" noChangeArrowheads="1" noChangeShapeType="1" noTextEdit="1"/>
+          </p:cNvSpPr>
+          <p:nvPr>
+            <p:extLst>
+              <p:ext uri="{386F3935-93C4-4BCD-93E2-E3B085C9AB24}">
+                <p16:designElem xmlns:p16="http://schemas.microsoft.com/office/powerpoint/2015/main" val="1"/>
+              </p:ext>
+            </p:extLst>
+          </p:nvPr>
+        </p:nvSpPr>
+        <p:spPr>
+          <a:xfrm rot="5400000">
+            <a:off x="857544" y="346791"/>
+            <a:ext cx="146304" cy="704088"/>
+          </a:xfrm>
+          <a:prstGeom prst="rect">
+            <a:avLst/>
+          </a:prstGeom>
+          <a:solidFill>
+            <a:schemeClr val="accent1"/>
+          </a:solidFill>
+          <a:ln>
+            <a:noFill/>
+          </a:ln>
+        </p:spPr>
+        <p:style>
+          <a:lnRef idx="2">
+            <a:schemeClr val="accent1">
+              <a:shade val="50000"/>
+            </a:schemeClr>
+          </a:lnRef>
+          <a:fillRef idx="1">
+            <a:schemeClr val="accent1"/>
+          </a:fillRef>
+          <a:effectRef idx="0">
+            <a:schemeClr val="accent1"/>
+          </a:effectRef>
+          <a:fontRef idx="minor">
+            <a:schemeClr val="lt1"/>
+          </a:fontRef>
+        </p:style>
+        <p:txBody>
+          <a:bodyPr rtlCol="0" anchor="ctr"/>
+          <a:lstStyle/>
+          <a:p>
+            <a:pPr marL="0" marR="0" lvl="0" indent="0" algn="ctr" defTabSz="914400" rtl="0" eaLnBrk="1" fontAlgn="auto" latinLnBrk="0" hangingPunct="1">
+              <a:lnSpc>
+                <a:spcPct val="100000"/>
+              </a:lnSpc>
+              <a:spcBef>
+                <a:spcPts val="0"/>
+              </a:spcBef>
+              <a:spcAft>
+                <a:spcPts val="0"/>
+              </a:spcAft>
+              <a:buClrTx/>
+              <a:buSzTx/>
+              <a:buFontTx/>
+              <a:buNone/>
+              <a:tabLst/>
+              <a:defRPr/>
+            </a:pPr>
+            <a:endParaRPr kumimoji="0" lang="en-US" sz="1800" b="0" i="0" u="none" strike="noStrike" kern="1200" cap="none" spc="0" normalizeH="0" baseline="0" noProof="0">
+              <a:ln>
+                <a:noFill/>
+              </a:ln>
+              <a:solidFill>
+                <a:prstClr val="white"/>
+              </a:solidFill>
+              <a:effectLst/>
+              <a:uLnTx/>
+              <a:uFillTx/>
+              <a:latin typeface="Calibri" panose="020F0502020204030204"/>
+              <a:ea typeface="+mn-ea"/>
+              <a:cs typeface="+mn-cs"/>
+            </a:endParaRPr>
+          </a:p>
+        </p:txBody>
+      </p:sp>
+      <p:sp>
+        <p:nvSpPr>
+          <p:cNvPr id="12" name="Rectangle 11">
+            <a:extLst>
+              <a:ext uri="{FF2B5EF4-FFF2-40B4-BE49-F238E27FC236}">
+                <a16:creationId xmlns:a16="http://schemas.microsoft.com/office/drawing/2014/main" id="{F88C747D-6E96-ECE6-2FD1-409CEB313B5B}"/>
+              </a:ext>
+              <a:ext uri="{C183D7F6-B498-43B3-948B-1728B52AA6E4}">
+                <adec:decorative xmlns:adec="http://schemas.microsoft.com/office/drawing/2017/decorative" val="1"/>
+              </a:ext>
+            </a:extLst>
+          </p:cNvPr>
+          <p:cNvSpPr>
+            <a:spLocks noGrp="1" noRot="1" noChangeAspect="1" noMove="1" noResize="1" noEditPoints="1" noAdjustHandles="1" noChangeArrowheads="1" noChangeShapeType="1" noTextEdit="1"/>
+          </p:cNvSpPr>
+          <p:nvPr>
+            <p:extLst>
+              <p:ext uri="{386F3935-93C4-4BCD-93E2-E3B085C9AB24}">
+                <p16:designElem xmlns:p16="http://schemas.microsoft.com/office/powerpoint/2015/main" val="1"/>
+              </p:ext>
+            </p:extLst>
+          </p:nvPr>
+        </p:nvSpPr>
+        <p:spPr>
+          <a:xfrm flipV="1">
+            <a:off x="578652" y="4501201"/>
+            <a:ext cx="11034696" cy="18288"/>
+          </a:xfrm>
+          <a:prstGeom prst="rect">
+            <a:avLst/>
+          </a:prstGeom>
+          <a:solidFill>
+            <a:schemeClr val="tx2">
+              <a:lumMod val="25000"/>
+              <a:lumOff val="75000"/>
+            </a:schemeClr>
+          </a:solidFill>
+          <a:ln w="3175">
+            <a:noFill/>
+          </a:ln>
+          <a:effectLst/>
+        </p:spPr>
+        <p:style>
+          <a:lnRef idx="2">
+            <a:schemeClr val="accent1">
+              <a:shade val="50000"/>
+            </a:schemeClr>
+          </a:lnRef>
+          <a:fillRef idx="1">
+            <a:schemeClr val="accent1"/>
+          </a:fillRef>
+          <a:effectRef idx="0">
+            <a:schemeClr val="accent1"/>
+          </a:effectRef>
+          <a:fontRef idx="minor">
+            <a:schemeClr val="lt1"/>
+          </a:fontRef>
+        </p:style>
+        <p:txBody>
+          <a:bodyPr rtlCol="0" anchor="ctr"/>
+          <a:lstStyle/>
+          <a:p>
+            <a:pPr marL="0" marR="0" lvl="0" indent="0" algn="ctr" defTabSz="914400" rtl="0" eaLnBrk="1" fontAlgn="auto" latinLnBrk="0" hangingPunct="1">
+              <a:lnSpc>
+                <a:spcPct val="100000"/>
+              </a:lnSpc>
+              <a:spcBef>
+                <a:spcPts val="0"/>
+              </a:spcBef>
+              <a:spcAft>
+                <a:spcPts val="0"/>
+              </a:spcAft>
+              <a:buClrTx/>
+              <a:buSzTx/>
+              <a:buFontTx/>
+              <a:buNone/>
+              <a:tabLst/>
+              <a:defRPr/>
+            </a:pPr>
+            <a:endParaRPr kumimoji="0" lang="en-US" sz="1800" b="0" i="0" u="none" strike="noStrike" kern="1200" cap="none" spc="0" normalizeH="0" baseline="0" noProof="0">
+              <a:ln>
+                <a:noFill/>
+              </a:ln>
+              <a:solidFill>
+                <a:prstClr val="white"/>
+              </a:solidFill>
+              <a:effectLst/>
+              <a:uLnTx/>
+              <a:uFillTx/>
+              <a:latin typeface="Calibri" panose="020F0502020204030204"/>
+              <a:ea typeface="+mn-ea"/>
+              <a:cs typeface="+mn-cs"/>
+            </a:endParaRPr>
+          </a:p>
+        </p:txBody>
+      </p:sp>
+      <p:sp useBgFill="1">
+        <p:nvSpPr>
+          <p:cNvPr id="14" name="Rectangle 13">
+            <a:extLst>
+              <a:ext uri="{FF2B5EF4-FFF2-40B4-BE49-F238E27FC236}">
+                <a16:creationId xmlns:a16="http://schemas.microsoft.com/office/drawing/2014/main" id="{F6DC34C2-ED2E-CF77-BB8C-D5441D3D9807}"/>
+              </a:ext>
+              <a:ext uri="{C183D7F6-B498-43B3-948B-1728B52AA6E4}">
+                <adec:decorative xmlns:adec="http://schemas.microsoft.com/office/drawing/2017/decorative" val="1"/>
+              </a:ext>
+            </a:extLst>
+          </p:cNvPr>
+          <p:cNvSpPr>
+            <a:spLocks noGrp="1" noRot="1" noChangeAspect="1" noMove="1" noResize="1" noEditPoints="1" noAdjustHandles="1" noChangeArrowheads="1" noChangeShapeType="1" noTextEdit="1"/>
+          </p:cNvSpPr>
+          <p:nvPr>
+            <p:extLst>
+              <p:ext uri="{386F3935-93C4-4BCD-93E2-E3B085C9AB24}">
+                <p16:designElem xmlns:p16="http://schemas.microsoft.com/office/powerpoint/2015/main" val="1"/>
+              </p:ext>
+            </p:extLst>
+          </p:nvPr>
+        </p:nvSpPr>
+        <p:spPr>
+          <a:xfrm>
+            <a:off x="0" y="0"/>
+            <a:ext cx="12192000" cy="6858000"/>
+          </a:xfrm>
+          <a:prstGeom prst="rect">
+            <a:avLst/>
+          </a:prstGeom>
+          <a:ln>
+            <a:noFill/>
+          </a:ln>
+        </p:spPr>
+        <p:style>
+          <a:lnRef idx="2">
+            <a:schemeClr val="accent1">
+              <a:shade val="50000"/>
+            </a:schemeClr>
+          </a:lnRef>
+          <a:fillRef idx="1">
+            <a:schemeClr val="accent1"/>
+          </a:fillRef>
+          <a:effectRef idx="0">
+            <a:schemeClr val="accent1"/>
+          </a:effectRef>
+          <a:fontRef idx="minor">
+            <a:schemeClr val="lt1"/>
+          </a:fontRef>
+        </p:style>
+        <p:txBody>
+          <a:bodyPr rtlCol="0" anchor="ctr"/>
+          <a:lstStyle/>
+          <a:p>
+            <a:pPr algn="ctr"/>
+            <a:endParaRPr lang="en-US"/>
+          </a:p>
+        </p:txBody>
+      </p:sp>
+      <p:pic>
+        <p:nvPicPr>
+          <p:cNvPr id="4" name="Content Placeholder 3" descr="Fundo do vetor de cores vibrantes salpicando">
+            <a:extLst>
+              <a:ext uri="{FF2B5EF4-FFF2-40B4-BE49-F238E27FC236}">
+                <a16:creationId xmlns:a16="http://schemas.microsoft.com/office/drawing/2014/main" id="{3899776B-5E15-F4D1-9825-EC1041A843F0}"/>
+              </a:ext>
+            </a:extLst>
+          </p:cNvPr>
+          <p:cNvPicPr>
+            <a:picLocks noChangeAspect="1"/>
+          </p:cNvPicPr>
+          <p:nvPr/>
+        </p:nvPicPr>
+        <p:blipFill rotWithShape="1">
+          <a:blip r:embed="rId2"/>
+          <a:srcRect l="10975" r="3072" b="-1"/>
+          <a:stretch>
+            <a:fillRect/>
+          </a:stretch>
+        </p:blipFill>
+        <p:spPr>
+          <a:xfrm>
+            <a:off x="3523488" y="10"/>
+            <a:ext cx="8668512" cy="6857990"/>
+          </a:xfrm>
+          <a:prstGeom prst="rect">
+            <a:avLst/>
+          </a:prstGeom>
+        </p:spPr>
+      </p:pic>
+      <p:sp>
+        <p:nvSpPr>
+          <p:cNvPr id="16" name="Rectangle 15">
+            <a:extLst>
+              <a:ext uri="{FF2B5EF4-FFF2-40B4-BE49-F238E27FC236}">
+                <a16:creationId xmlns:a16="http://schemas.microsoft.com/office/drawing/2014/main" id="{FEC88628-CE7F-9AB3-23D0-4EF7D59FE104}"/>
+              </a:ext>
+              <a:ext uri="{C183D7F6-B498-43B3-948B-1728B52AA6E4}">
+                <adec:decorative xmlns:adec="http://schemas.microsoft.com/office/drawing/2017/decorative" val="1"/>
+              </a:ext>
+            </a:extLst>
+          </p:cNvPr>
+          <p:cNvSpPr>
+            <a:spLocks noGrp="1" noRot="1" noChangeAspect="1" noMove="1" noResize="1" noEditPoints="1" noAdjustHandles="1" noChangeArrowheads="1" noChangeShapeType="1" noTextEdit="1"/>
+          </p:cNvSpPr>
+          <p:nvPr>
+            <p:extLst>
+              <p:ext uri="{386F3935-93C4-4BCD-93E2-E3B085C9AB24}">
+                <p16:designElem xmlns:p16="http://schemas.microsoft.com/office/powerpoint/2015/main" val="1"/>
+              </p:ext>
+            </p:extLst>
+          </p:nvPr>
+        </p:nvSpPr>
+        <p:spPr>
+          <a:xfrm>
+            <a:off x="0" y="0"/>
+            <a:ext cx="9756601" cy="6858000"/>
+          </a:xfrm>
+          <a:prstGeom prst="rect">
+            <a:avLst/>
+          </a:prstGeom>
+          <a:gradFill>
+            <a:gsLst>
+              <a:gs pos="58000">
+                <a:schemeClr val="bg1"/>
+              </a:gs>
+              <a:gs pos="35000">
+                <a:schemeClr val="bg1">
+                  <a:alpha val="79000"/>
+                </a:schemeClr>
+              </a:gs>
+              <a:gs pos="19000">
+                <a:schemeClr val="bg1">
+                  <a:alpha val="38000"/>
+                </a:schemeClr>
+              </a:gs>
+              <a:gs pos="0">
+                <a:schemeClr val="bg1">
+                  <a:alpha val="0"/>
+                </a:schemeClr>
+              </a:gs>
+              <a:gs pos="100000">
+                <a:schemeClr val="bg1"/>
+              </a:gs>
+            </a:gsLst>
+            <a:lin ang="10800000" scaled="0"/>
+          </a:gradFill>
+          <a:ln>
+            <a:noFill/>
+          </a:ln>
+        </p:spPr>
+        <p:style>
+          <a:lnRef idx="2">
+            <a:schemeClr val="accent1">
+              <a:shade val="50000"/>
+            </a:schemeClr>
+          </a:lnRef>
+          <a:fillRef idx="1">
+            <a:schemeClr val="accent1"/>
+          </a:fillRef>
+          <a:effectRef idx="0">
+            <a:schemeClr val="accent1"/>
+          </a:effectRef>
+          <a:fontRef idx="minor">
+            <a:schemeClr val="lt1"/>
+          </a:fontRef>
+        </p:style>
+        <p:txBody>
+          <a:bodyPr rtlCol="0" anchor="ctr"/>
+          <a:lstStyle/>
+          <a:p>
+            <a:pPr algn="ctr"/>
+            <a:endParaRPr lang="en-US" dirty="0"/>
+          </a:p>
+        </p:txBody>
+      </p:sp>
+      <p:sp>
+        <p:nvSpPr>
+          <p:cNvPr id="5" name="Título 1">
+            <a:extLst>
+              <a:ext uri="{FF2B5EF4-FFF2-40B4-BE49-F238E27FC236}">
+                <a16:creationId xmlns:a16="http://schemas.microsoft.com/office/drawing/2014/main" id="{6B0AA3E9-507A-EEF3-10BA-9C4EE894C1E3}"/>
+              </a:ext>
+            </a:extLst>
+          </p:cNvPr>
+          <p:cNvSpPr>
+            <a:spLocks noGrp="1"/>
+          </p:cNvSpPr>
+          <p:nvPr>
+            <p:ph type="title"/>
+          </p:nvPr>
+        </p:nvSpPr>
+        <p:spPr>
+          <a:xfrm>
+            <a:off x="477981" y="1122363"/>
+            <a:ext cx="4023360" cy="3204134"/>
+          </a:xfrm>
+        </p:spPr>
+        <p:txBody>
+          <a:bodyPr vert="horz" lIns="91440" tIns="45720" rIns="91440" bIns="45720" rtlCol="0" anchor="b">
+            <a:normAutofit/>
+          </a:bodyPr>
+          <a:lstStyle/>
+          <a:p>
+            <a:r>
+              <a:rPr lang="en-US" sz="4800" dirty="0"/>
+              <a:t>Aula 9.1 – </a:t>
+            </a:r>
+            <a:r>
+              <a:rPr lang="en-US" sz="4800" dirty="0" err="1"/>
+              <a:t>Redimensionamento</a:t>
+            </a:r>
+            <a:r>
+              <a:rPr lang="en-US" sz="4800" dirty="0"/>
+              <a:t> de </a:t>
+            </a:r>
+            <a:r>
+              <a:rPr lang="en-US" sz="4800" dirty="0" err="1"/>
+              <a:t>Imagem</a:t>
+            </a:r>
+            <a:endParaRPr lang="en-US" sz="4800" dirty="0"/>
+          </a:p>
+        </p:txBody>
+      </p:sp>
+      <p:sp>
+        <p:nvSpPr>
+          <p:cNvPr id="18" name="Rectangle 17">
+            <a:extLst>
+              <a:ext uri="{FF2B5EF4-FFF2-40B4-BE49-F238E27FC236}">
+                <a16:creationId xmlns:a16="http://schemas.microsoft.com/office/drawing/2014/main" id="{E7D26E6E-AA1E-F43A-5854-93A2366BC29D}"/>
+              </a:ext>
+              <a:ext uri="{C183D7F6-B498-43B3-948B-1728B52AA6E4}">
+                <adec:decorative xmlns:adec="http://schemas.microsoft.com/office/drawing/2017/decorative" val="1"/>
+              </a:ext>
+            </a:extLst>
+          </p:cNvPr>
+          <p:cNvSpPr>
+            <a:spLocks noGrp="1" noRot="1" noChangeAspect="1" noMove="1" noResize="1" noEditPoints="1" noAdjustHandles="1" noChangeArrowheads="1" noChangeShapeType="1" noTextEdit="1"/>
+          </p:cNvSpPr>
+          <p:nvPr>
+            <p:extLst>
+              <p:ext uri="{386F3935-93C4-4BCD-93E2-E3B085C9AB24}">
+                <p16:designElem xmlns:p16="http://schemas.microsoft.com/office/powerpoint/2015/main" val="1"/>
+              </p:ext>
+            </p:extLst>
+          </p:nvPr>
+        </p:nvSpPr>
+        <p:spPr>
+          <a:xfrm rot="5400000">
+            <a:off x="759921" y="346791"/>
+            <a:ext cx="146304" cy="704088"/>
+          </a:xfrm>
+          <a:prstGeom prst="rect">
+            <a:avLst/>
+          </a:prstGeom>
+          <a:solidFill>
+            <a:schemeClr val="accent1"/>
+          </a:solidFill>
+          <a:ln>
+            <a:noFill/>
+          </a:ln>
+        </p:spPr>
+        <p:style>
+          <a:lnRef idx="2">
+            <a:schemeClr val="accent1">
+              <a:shade val="50000"/>
+            </a:schemeClr>
+          </a:lnRef>
+          <a:fillRef idx="1">
+            <a:schemeClr val="accent1"/>
+          </a:fillRef>
+          <a:effectRef idx="0">
+            <a:schemeClr val="accent1"/>
+          </a:effectRef>
+          <a:fontRef idx="minor">
+            <a:schemeClr val="lt1"/>
+          </a:fontRef>
+        </p:style>
+        <p:txBody>
+          <a:bodyPr rtlCol="0" anchor="ctr"/>
+          <a:lstStyle/>
+          <a:p>
+            <a:pPr marL="0" marR="0" lvl="0" indent="0" algn="ctr" defTabSz="914400" rtl="0" eaLnBrk="1" fontAlgn="auto" latinLnBrk="0" hangingPunct="1">
+              <a:lnSpc>
+                <a:spcPct val="100000"/>
+              </a:lnSpc>
+              <a:spcBef>
+                <a:spcPts val="0"/>
+              </a:spcBef>
+              <a:spcAft>
+                <a:spcPts val="0"/>
+              </a:spcAft>
+              <a:buClrTx/>
+              <a:buSzTx/>
+              <a:buFontTx/>
+              <a:buNone/>
+              <a:tabLst/>
+              <a:defRPr/>
+            </a:pPr>
+            <a:endParaRPr kumimoji="0" lang="en-US" sz="1800" b="0" i="0" u="none" strike="noStrike" kern="1200" cap="none" spc="0" normalizeH="0" baseline="0" noProof="0">
+              <a:ln>
+                <a:noFill/>
+              </a:ln>
+              <a:solidFill>
+                <a:prstClr val="white"/>
+              </a:solidFill>
+              <a:effectLst/>
+              <a:uLnTx/>
+              <a:uFillTx/>
+              <a:latin typeface="Calibri" panose="020F0502020204030204"/>
+              <a:ea typeface="+mn-ea"/>
+              <a:cs typeface="+mn-cs"/>
+            </a:endParaRPr>
+          </a:p>
+        </p:txBody>
+      </p:sp>
+      <p:sp>
+        <p:nvSpPr>
+          <p:cNvPr id="20" name="Rectangle 19">
+            <a:extLst>
+              <a:ext uri="{FF2B5EF4-FFF2-40B4-BE49-F238E27FC236}">
+                <a16:creationId xmlns:a16="http://schemas.microsoft.com/office/drawing/2014/main" id="{9AF80D57-C3BE-61FB-A794-185BA40EA7AF}"/>
+              </a:ext>
+              <a:ext uri="{C183D7F6-B498-43B3-948B-1728B52AA6E4}">
+                <adec:decorative xmlns:adec="http://schemas.microsoft.com/office/drawing/2017/decorative" val="1"/>
+              </a:ext>
+            </a:extLst>
+          </p:cNvPr>
+          <p:cNvSpPr>
+            <a:spLocks noGrp="1" noRot="1" noChangeAspect="1" noMove="1" noResize="1" noEditPoints="1" noAdjustHandles="1" noChangeArrowheads="1" noChangeShapeType="1" noTextEdit="1"/>
+          </p:cNvSpPr>
+          <p:nvPr>
+            <p:extLst>
+              <p:ext uri="{386F3935-93C4-4BCD-93E2-E3B085C9AB24}">
+                <p16:designElem xmlns:p16="http://schemas.microsoft.com/office/powerpoint/2015/main" val="1"/>
+              </p:ext>
+            </p:extLst>
+          </p:nvPr>
+        </p:nvSpPr>
+        <p:spPr>
+          <a:xfrm>
+            <a:off x="481029" y="4546920"/>
+            <a:ext cx="3977640" cy="18288"/>
+          </a:xfrm>
+          <a:prstGeom prst="rect">
+            <a:avLst/>
+          </a:prstGeom>
+          <a:solidFill>
+            <a:schemeClr val="tx2">
+              <a:lumMod val="25000"/>
+              <a:lumOff val="75000"/>
+            </a:schemeClr>
+          </a:solidFill>
+          <a:ln w="3175">
+            <a:solidFill>
+              <a:schemeClr val="tx2">
+                <a:lumMod val="25000"/>
+                <a:lumOff val="75000"/>
+              </a:schemeClr>
+            </a:solidFill>
+          </a:ln>
+          <a:effectLst/>
+        </p:spPr>
+        <p:style>
+          <a:lnRef idx="2">
+            <a:schemeClr val="accent1">
+              <a:shade val="50000"/>
+            </a:schemeClr>
+          </a:lnRef>
+          <a:fillRef idx="1">
+            <a:schemeClr val="accent1"/>
+          </a:fillRef>
+          <a:effectRef idx="0">
+            <a:schemeClr val="accent1"/>
+          </a:effectRef>
+          <a:fontRef idx="minor">
+            <a:schemeClr val="lt1"/>
+          </a:fontRef>
+        </p:style>
+        <p:txBody>
+          <a:bodyPr rtlCol="0" anchor="ctr"/>
+          <a:lstStyle/>
+          <a:p>
+            <a:pPr marL="0" marR="0" lvl="0" indent="0" algn="ctr" defTabSz="914400" rtl="0" eaLnBrk="1" fontAlgn="auto" latinLnBrk="0" hangingPunct="1">
+              <a:lnSpc>
+                <a:spcPct val="100000"/>
+              </a:lnSpc>
+              <a:spcBef>
+                <a:spcPts val="0"/>
+              </a:spcBef>
+              <a:spcAft>
+                <a:spcPts val="0"/>
+              </a:spcAft>
+              <a:buClrTx/>
+              <a:buSzTx/>
+              <a:buFontTx/>
+              <a:buNone/>
+              <a:tabLst/>
+              <a:defRPr/>
+            </a:pPr>
+            <a:endParaRPr kumimoji="0" lang="en-US" sz="1800" b="0" i="0" u="none" strike="noStrike" kern="1200" cap="none" spc="0" normalizeH="0" baseline="0" noProof="0">
+              <a:ln>
+                <a:noFill/>
+              </a:ln>
+              <a:solidFill>
+                <a:prstClr val="white"/>
+              </a:solidFill>
+              <a:effectLst/>
+              <a:uLnTx/>
+              <a:uFillTx/>
+              <a:latin typeface="Calibri" panose="020F0502020204030204"/>
+              <a:ea typeface="+mn-ea"/>
+              <a:cs typeface="+mn-cs"/>
+            </a:endParaRPr>
+          </a:p>
+        </p:txBody>
+      </p:sp>
+    </p:spTree>
+    <p:extLst>
+      <p:ext uri="{BB962C8B-B14F-4D97-AF65-F5344CB8AC3E}">
+        <p14:creationId xmlns:p14="http://schemas.microsoft.com/office/powerpoint/2010/main" val="2347806979"/>
+      </p:ext>
+    </p:extLst>
+  </p:cSld>
+  <p:clrMapOvr>
+    <a:masterClrMapping/>
+  </p:clrMapOvr>
+  <p:timing>
+    <p:tnLst>
+      <p:par>
+        <p:cTn id="1" dur="indefinite" restart="never" nodeType="tmRoot">
+          <p:childTnLst>
+            <p:seq concurrent="1" nextAc="seek">
+              <p:cTn id="2" dur="indefinite" nodeType="mainSeq">
+                <p:childTnLst>
+                  <p:par>
+                    <p:cTn id="3" fill="hold">
+                      <p:stCondLst>
+                        <p:cond delay="indefinite"/>
+                        <p:cond evt="onBegin" delay="0">
+                          <p:tn val="2"/>
+                        </p:cond>
+                      </p:stCondLst>
+                      <p:childTnLst>
+                        <p:par>
+                          <p:cTn id="4" fill="hold">
+                            <p:stCondLst>
+                              <p:cond delay="0"/>
+                            </p:stCondLst>
+                            <p:childTnLst>
+                              <p:par>
+                                <p:cTn id="5" presetID="10" presetClass="entr" presetSubtype="0" fill="hold" grpId="0" nodeType="withEffect">
+                                  <p:stCondLst>
+                                    <p:cond delay="1000"/>
+                                  </p:stCondLst>
+                                  <p:iterate type="lt">
+                                    <p:tmPct val="10000"/>
+                                  </p:iterate>
+                                  <p:childTnLst>
+                                    <p:set>
+                                      <p:cBhvr>
+                                        <p:cTn id="6" dur="1" fill="hold">
+                                          <p:stCondLst>
+                                            <p:cond delay="0"/>
+                                          </p:stCondLst>
+                                        </p:cTn>
+                                        <p:tgtEl>
+                                          <p:spTgt spid="5"/>
+                                        </p:tgtEl>
+                                        <p:attrNameLst>
+                                          <p:attrName>style.visibility</p:attrName>
+                                        </p:attrNameLst>
+                                      </p:cBhvr>
+                                      <p:to>
+                                        <p:strVal val="visible"/>
+                                      </p:to>
+                                    </p:set>
+                                    <p:animEffect transition="in" filter="fade">
+                                      <p:cBhvr>
+                                        <p:cTn id="7" dur="400"/>
+                                        <p:tgtEl>
+                                          <p:spTgt spid="5"/>
+                                        </p:tgtEl>
+                                      </p:cBhvr>
+                                    </p:animEffect>
+                                  </p:childTnLst>
+                                </p:cTn>
+                              </p:par>
+                            </p:childTnLst>
+                          </p:cTn>
+                        </p:par>
+                      </p:childTnLst>
+                    </p:cTn>
+                  </p:par>
+                </p:childTnLst>
+              </p:cTn>
+              <p:prevCondLst>
+                <p:cond evt="onPrev" delay="0">
+                  <p:tgtEl>
+                    <p:sldTgt/>
+                  </p:tgtEl>
+                </p:cond>
+              </p:prevCondLst>
+              <p:nextCondLst>
+                <p:cond evt="onNext" delay="0">
+                  <p:tgtEl>
+                    <p:sldTgt/>
+                  </p:tgtEl>
+                </p:cond>
+              </p:nextCondLst>
+            </p:seq>
+          </p:childTnLst>
+        </p:cTn>
+      </p:par>
+    </p:tnLst>
+    <p:bldLst>
+      <p:bldP spid="5" grpId="0"/>
+    </p:bldLst>
+  </p:timing>
+</p:sld>
+</file>
+
+<file path=ppt/slides/slide121.xml><?xml version="1.0" encoding="utf-8"?>
+<p:sld xmlns:a="http://schemas.openxmlformats.org/drawingml/2006/main" xmlns:r="http://schemas.openxmlformats.org/officeDocument/2006/relationships" xmlns:p="http://schemas.openxmlformats.org/presentationml/2006/main">
+  <p:cSld>
+    <p:spTree>
+      <p:nvGrpSpPr>
+        <p:cNvPr id="1" name=""/>
+        <p:cNvGrpSpPr/>
+        <p:nvPr/>
+      </p:nvGrpSpPr>
+      <p:grpSpPr>
+        <a:xfrm>
+          <a:off x="0" y="0"/>
+          <a:ext cx="0" cy="0"/>
+          <a:chOff x="0" y="0"/>
+          <a:chExt cx="0" cy="0"/>
+        </a:xfrm>
+      </p:grpSpPr>
+      <p:sp>
+        <p:nvSpPr>
+          <p:cNvPr id="2" name="Título 1">
+            <a:extLst>
+              <a:ext uri="{FF2B5EF4-FFF2-40B4-BE49-F238E27FC236}">
+                <a16:creationId xmlns:a16="http://schemas.microsoft.com/office/drawing/2014/main" id="{B09C66CE-BBA6-3AFF-A6BF-3B45A97C7757}"/>
+              </a:ext>
+            </a:extLst>
+          </p:cNvPr>
+          <p:cNvSpPr>
+            <a:spLocks noGrp="1"/>
+          </p:cNvSpPr>
+          <p:nvPr>
+            <p:ph type="title"/>
+          </p:nvPr>
+        </p:nvSpPr>
+        <p:spPr/>
+        <p:txBody>
+          <a:bodyPr/>
+          <a:lstStyle/>
+          <a:p>
+            <a:r>
+              <a:rPr lang="pt-BR" dirty="0"/>
+              <a:t>Inserindo Imagens no HTML</a:t>
+            </a:r>
+          </a:p>
+        </p:txBody>
+      </p:sp>
+      <p:sp>
+        <p:nvSpPr>
+          <p:cNvPr id="3" name="Espaço Reservado para Conteúdo 2">
+            <a:extLst>
+              <a:ext uri="{FF2B5EF4-FFF2-40B4-BE49-F238E27FC236}">
+                <a16:creationId xmlns:a16="http://schemas.microsoft.com/office/drawing/2014/main" id="{62A57B9E-4DFE-A11D-AF65-6C0954E24654}"/>
+              </a:ext>
+            </a:extLst>
+          </p:cNvPr>
+          <p:cNvSpPr>
+            <a:spLocks noGrp="1"/>
+          </p:cNvSpPr>
+          <p:nvPr>
+            <p:ph idx="1"/>
+          </p:nvPr>
+        </p:nvSpPr>
+        <p:spPr/>
+        <p:txBody>
+          <a:bodyPr/>
+          <a:lstStyle/>
+          <a:p>
+            <a:r>
+              <a:rPr lang="pt-BR" dirty="0"/>
+              <a:t>Imagens são importantes para deixar seu site bonito!</a:t>
+            </a:r>
+          </a:p>
+        </p:txBody>
+      </p:sp>
+    </p:spTree>
+    <p:extLst>
+      <p:ext uri="{BB962C8B-B14F-4D97-AF65-F5344CB8AC3E}">
+        <p14:creationId xmlns:p14="http://schemas.microsoft.com/office/powerpoint/2010/main" val="2554917553"/>
+      </p:ext>
+    </p:extLst>
+  </p:cSld>
+  <p:clrMapOvr>
+    <a:masterClrMapping/>
+  </p:clrMapOvr>
+</p:sld>
+</file>
+
+<file path=ppt/slides/slide122.xml><?xml version="1.0" encoding="utf-8"?>
+<p:sld xmlns:a="http://schemas.openxmlformats.org/drawingml/2006/main" xmlns:r="http://schemas.openxmlformats.org/officeDocument/2006/relationships" xmlns:p="http://schemas.openxmlformats.org/presentationml/2006/main">
+  <p:cSld>
+    <p:spTree>
+      <p:nvGrpSpPr>
+        <p:cNvPr id="1" name=""/>
+        <p:cNvGrpSpPr/>
+        <p:nvPr/>
+      </p:nvGrpSpPr>
+      <p:grpSpPr>
+        <a:xfrm>
+          <a:off x="0" y="0"/>
+          <a:ext cx="0" cy="0"/>
+          <a:chOff x="0" y="0"/>
+          <a:chExt cx="0" cy="0"/>
+        </a:xfrm>
+      </p:grpSpPr>
+      <p:sp>
+        <p:nvSpPr>
+          <p:cNvPr id="2" name="Título 1">
+            <a:extLst>
+              <a:ext uri="{FF2B5EF4-FFF2-40B4-BE49-F238E27FC236}">
+                <a16:creationId xmlns:a16="http://schemas.microsoft.com/office/drawing/2014/main" id="{E4208A0B-1255-A4BB-A4D3-64AF48FA8B39}"/>
+              </a:ext>
+            </a:extLst>
+          </p:cNvPr>
+          <p:cNvSpPr>
+            <a:spLocks noGrp="1"/>
+          </p:cNvSpPr>
+          <p:nvPr>
+            <p:ph type="title"/>
+          </p:nvPr>
+        </p:nvSpPr>
+        <p:spPr/>
+        <p:txBody>
+          <a:bodyPr/>
+          <a:lstStyle/>
+          <a:p>
+            <a:r>
+              <a:rPr lang="pt-BR" dirty="0"/>
+              <a:t>Por que Redimensionar Imagens?</a:t>
+            </a:r>
+          </a:p>
+        </p:txBody>
+      </p:sp>
+      <p:sp>
+        <p:nvSpPr>
+          <p:cNvPr id="3" name="Espaço Reservado para Conteúdo 2">
+            <a:extLst>
+              <a:ext uri="{FF2B5EF4-FFF2-40B4-BE49-F238E27FC236}">
+                <a16:creationId xmlns:a16="http://schemas.microsoft.com/office/drawing/2014/main" id="{B847EA9D-58D3-18D3-1C2E-8CC58EB7E7D5}"/>
+              </a:ext>
+            </a:extLst>
+          </p:cNvPr>
+          <p:cNvSpPr>
+            <a:spLocks noGrp="1"/>
+          </p:cNvSpPr>
+          <p:nvPr>
+            <p:ph idx="1"/>
+          </p:nvPr>
+        </p:nvSpPr>
+        <p:spPr/>
+        <p:txBody>
+          <a:bodyPr/>
+          <a:lstStyle/>
+          <a:p>
+            <a:r>
+              <a:rPr lang="pt-BR" dirty="0"/>
+              <a:t>Pense no Ponto de Vista do Armazenamento</a:t>
+            </a:r>
+          </a:p>
+          <a:p>
+            <a:r>
+              <a:rPr lang="pt-BR" dirty="0"/>
+              <a:t>Gasto de Dados e Tudo Mais</a:t>
+            </a:r>
+          </a:p>
+          <a:p>
+            <a:r>
+              <a:rPr lang="pt-BR" dirty="0"/>
+              <a:t>Uma Imagem de 2MB </a:t>
+            </a:r>
+            <a:r>
+              <a:rPr lang="pt-BR" dirty="0">
+                <a:sym typeface="Wingdings" panose="05000000000000000000" pitchFamily="2" charset="2"/>
+              </a:rPr>
+              <a:t> 100KB – Economia de 95%.</a:t>
+            </a:r>
+            <a:endParaRPr lang="pt-BR" dirty="0"/>
+          </a:p>
+        </p:txBody>
+      </p:sp>
+    </p:spTree>
+    <p:extLst>
+      <p:ext uri="{BB962C8B-B14F-4D97-AF65-F5344CB8AC3E}">
+        <p14:creationId xmlns:p14="http://schemas.microsoft.com/office/powerpoint/2010/main" val="1671606239"/>
+      </p:ext>
+    </p:extLst>
+  </p:cSld>
+  <p:clrMapOvr>
+    <a:masterClrMapping/>
+  </p:clrMapOvr>
+</p:sld>
+</file>
+
+<file path=ppt/slides/slide123.xml><?xml version="1.0" encoding="utf-8"?>
+<p:sld xmlns:a="http://schemas.openxmlformats.org/drawingml/2006/main" xmlns:r="http://schemas.openxmlformats.org/officeDocument/2006/relationships" xmlns:p="http://schemas.openxmlformats.org/presentationml/2006/main">
+  <p:cSld>
+    <p:spTree>
+      <p:nvGrpSpPr>
+        <p:cNvPr id="1" name=""/>
+        <p:cNvGrpSpPr/>
+        <p:nvPr/>
+      </p:nvGrpSpPr>
+      <p:grpSpPr>
+        <a:xfrm>
+          <a:off x="0" y="0"/>
+          <a:ext cx="0" cy="0"/>
+          <a:chOff x="0" y="0"/>
+          <a:chExt cx="0" cy="0"/>
+        </a:xfrm>
+      </p:grpSpPr>
+      <p:sp>
+        <p:nvSpPr>
+          <p:cNvPr id="2" name="Título 1">
+            <a:extLst>
+              <a:ext uri="{FF2B5EF4-FFF2-40B4-BE49-F238E27FC236}">
+                <a16:creationId xmlns:a16="http://schemas.microsoft.com/office/drawing/2014/main" id="{E34BB597-DDDB-51E2-4C22-E0EC796CC6EF}"/>
+              </a:ext>
+            </a:extLst>
+          </p:cNvPr>
+          <p:cNvSpPr>
+            <a:spLocks noGrp="1"/>
+          </p:cNvSpPr>
+          <p:nvPr>
+            <p:ph type="title"/>
+          </p:nvPr>
+        </p:nvSpPr>
+        <p:spPr/>
+        <p:txBody>
+          <a:bodyPr/>
+          <a:lstStyle/>
+          <a:p>
+            <a:r>
+              <a:rPr lang="pt-BR" dirty="0"/>
+              <a:t>E como faremos isso?</a:t>
+            </a:r>
+          </a:p>
+        </p:txBody>
+      </p:sp>
+      <p:sp>
+        <p:nvSpPr>
+          <p:cNvPr id="3" name="Espaço Reservado para Conteúdo 2">
+            <a:extLst>
+              <a:ext uri="{FF2B5EF4-FFF2-40B4-BE49-F238E27FC236}">
+                <a16:creationId xmlns:a16="http://schemas.microsoft.com/office/drawing/2014/main" id="{2E24A432-394C-6F82-0F51-421CC4C7C0D4}"/>
+              </a:ext>
+            </a:extLst>
+          </p:cNvPr>
+          <p:cNvSpPr>
+            <a:spLocks noGrp="1"/>
+          </p:cNvSpPr>
+          <p:nvPr>
+            <p:ph idx="1"/>
+          </p:nvPr>
+        </p:nvSpPr>
+        <p:spPr/>
+        <p:txBody>
+          <a:bodyPr/>
+          <a:lstStyle/>
+          <a:p>
+            <a:r>
+              <a:rPr lang="pt-BR" dirty="0"/>
+              <a:t>Instale o GIMP!</a:t>
+            </a:r>
+          </a:p>
+        </p:txBody>
+      </p:sp>
+    </p:spTree>
+    <p:extLst>
+      <p:ext uri="{BB962C8B-B14F-4D97-AF65-F5344CB8AC3E}">
+        <p14:creationId xmlns:p14="http://schemas.microsoft.com/office/powerpoint/2010/main" val="1693226281"/>
+      </p:ext>
+    </p:extLst>
+  </p:cSld>
+  <p:clrMapOvr>
+    <a:masterClrMapping/>
+  </p:clrMapOvr>
+</p:sld>
+</file>
+
+<file path=ppt/slides/slide124.xml><?xml version="1.0" encoding="utf-8"?>
+<p:sld xmlns:a="http://schemas.openxmlformats.org/drawingml/2006/main" xmlns:r="http://schemas.openxmlformats.org/officeDocument/2006/relationships" xmlns:p="http://schemas.openxmlformats.org/presentationml/2006/main">
+  <p:cSld>
+    <p:spTree>
+      <p:nvGrpSpPr>
+        <p:cNvPr id="1" name=""/>
+        <p:cNvGrpSpPr/>
+        <p:nvPr/>
+      </p:nvGrpSpPr>
+      <p:grpSpPr>
+        <a:xfrm>
+          <a:off x="0" y="0"/>
+          <a:ext cx="0" cy="0"/>
+          <a:chOff x="0" y="0"/>
+          <a:chExt cx="0" cy="0"/>
+        </a:xfrm>
+      </p:grpSpPr>
+      <p:sp>
+        <p:nvSpPr>
+          <p:cNvPr id="2" name="Título 1">
+            <a:extLst>
+              <a:ext uri="{FF2B5EF4-FFF2-40B4-BE49-F238E27FC236}">
+                <a16:creationId xmlns:a16="http://schemas.microsoft.com/office/drawing/2014/main" id="{DF3C5E7D-5CD2-F929-E56C-A377CA9AD652}"/>
+              </a:ext>
+            </a:extLst>
+          </p:cNvPr>
+          <p:cNvSpPr>
+            <a:spLocks noGrp="1"/>
+          </p:cNvSpPr>
+          <p:nvPr>
+            <p:ph type="title"/>
+          </p:nvPr>
+        </p:nvSpPr>
+        <p:spPr/>
+        <p:txBody>
+          <a:bodyPr/>
+          <a:lstStyle/>
+          <a:p>
+            <a:r>
+              <a:rPr lang="pt-BR" dirty="0"/>
+              <a:t>Lição de Casa</a:t>
+            </a:r>
+          </a:p>
+        </p:txBody>
+      </p:sp>
+      <p:sp>
+        <p:nvSpPr>
+          <p:cNvPr id="3" name="Espaço Reservado para Conteúdo 2">
+            <a:extLst>
+              <a:ext uri="{FF2B5EF4-FFF2-40B4-BE49-F238E27FC236}">
+                <a16:creationId xmlns:a16="http://schemas.microsoft.com/office/drawing/2014/main" id="{AA6F775C-473A-2E46-7E55-FE13D7FC2932}"/>
+              </a:ext>
+            </a:extLst>
+          </p:cNvPr>
+          <p:cNvSpPr>
+            <a:spLocks noGrp="1"/>
+          </p:cNvSpPr>
+          <p:nvPr>
+            <p:ph idx="1"/>
+          </p:nvPr>
+        </p:nvSpPr>
+        <p:spPr/>
+        <p:txBody>
+          <a:bodyPr/>
+          <a:lstStyle/>
+          <a:p>
+            <a:r>
+              <a:rPr lang="pt-BR" dirty="0"/>
+              <a:t>Redimensionar a Imagem em Outras Resoluções, como 300 x 400 </a:t>
+            </a:r>
+            <a:r>
+              <a:rPr lang="pt-BR" dirty="0" err="1"/>
+              <a:t>px</a:t>
+            </a:r>
+            <a:r>
+              <a:rPr lang="pt-BR" dirty="0"/>
+              <a:t>.</a:t>
+            </a:r>
+          </a:p>
+        </p:txBody>
+      </p:sp>
+    </p:spTree>
+    <p:extLst>
+      <p:ext uri="{BB962C8B-B14F-4D97-AF65-F5344CB8AC3E}">
+        <p14:creationId xmlns:p14="http://schemas.microsoft.com/office/powerpoint/2010/main" val="1077779215"/>
+      </p:ext>
+    </p:extLst>
+  </p:cSld>
+  <p:clrMapOvr>
+    <a:masterClrMapping/>
+  </p:clrMapOvr>
+</p:sld>
+</file>
+
+<file path=ppt/slides/slide125.xml><?xml version="1.0" encoding="utf-8"?>
+<p:sld xmlns:a="http://schemas.openxmlformats.org/drawingml/2006/main" xmlns:r="http://schemas.openxmlformats.org/officeDocument/2006/relationships" xmlns:p="http://schemas.openxmlformats.org/presentationml/2006/main">
+  <p:cSld>
+    <p:bg>
+      <p:bgPr>
+        <a:solidFill>
+          <a:schemeClr val="bg1"/>
+        </a:solidFill>
+        <a:effectLst/>
+      </p:bgPr>
+    </p:bg>
+    <p:spTree>
+      <p:nvGrpSpPr>
+        <p:cNvPr id="1" name=""/>
+        <p:cNvGrpSpPr/>
+        <p:nvPr/>
+      </p:nvGrpSpPr>
+      <p:grpSpPr>
+        <a:xfrm>
+          <a:off x="0" y="0"/>
+          <a:ext cx="0" cy="0"/>
+          <a:chOff x="0" y="0"/>
+          <a:chExt cx="0" cy="0"/>
+        </a:xfrm>
+      </p:grpSpPr>
+      <p:sp>
+        <p:nvSpPr>
+          <p:cNvPr id="10" name="Rectangle 9">
+            <a:extLst>
+              <a:ext uri="{FF2B5EF4-FFF2-40B4-BE49-F238E27FC236}">
+                <a16:creationId xmlns:a16="http://schemas.microsoft.com/office/drawing/2014/main" id="{8D06CE56-3881-4ADA-8CEF-D18B02C242A3}"/>
+              </a:ext>
+              <a:ext uri="{C183D7F6-B498-43B3-948B-1728B52AA6E4}">
+                <adec:decorative xmlns:adec="http://schemas.microsoft.com/office/drawing/2017/decorative" val="1"/>
+              </a:ext>
+            </a:extLst>
+          </p:cNvPr>
+          <p:cNvSpPr>
+            <a:spLocks noGrp="1" noRot="1" noChangeAspect="1" noMove="1" noResize="1" noEditPoints="1" noAdjustHandles="1" noChangeArrowheads="1" noChangeShapeType="1" noTextEdit="1"/>
+          </p:cNvSpPr>
+          <p:nvPr>
+            <p:extLst>
+              <p:ext uri="{386F3935-93C4-4BCD-93E2-E3B085C9AB24}">
+                <p16:designElem xmlns:p16="http://schemas.microsoft.com/office/powerpoint/2015/main" val="1"/>
+              </p:ext>
+            </p:extLst>
+          </p:nvPr>
+        </p:nvSpPr>
+        <p:spPr>
+          <a:xfrm rot="5400000">
+            <a:off x="857544" y="346791"/>
+            <a:ext cx="146304" cy="704088"/>
+          </a:xfrm>
+          <a:prstGeom prst="rect">
+            <a:avLst/>
+          </a:prstGeom>
+          <a:solidFill>
+            <a:schemeClr val="accent1"/>
+          </a:solidFill>
+          <a:ln>
+            <a:noFill/>
+          </a:ln>
+        </p:spPr>
+        <p:style>
+          <a:lnRef idx="2">
+            <a:schemeClr val="accent1">
+              <a:shade val="50000"/>
+            </a:schemeClr>
+          </a:lnRef>
+          <a:fillRef idx="1">
+            <a:schemeClr val="accent1"/>
+          </a:fillRef>
+          <a:effectRef idx="0">
+            <a:schemeClr val="accent1"/>
+          </a:effectRef>
+          <a:fontRef idx="minor">
+            <a:schemeClr val="lt1"/>
+          </a:fontRef>
+        </p:style>
+        <p:txBody>
+          <a:bodyPr rtlCol="0" anchor="ctr"/>
+          <a:lstStyle/>
+          <a:p>
+            <a:pPr marL="0" marR="0" lvl="0" indent="0" algn="ctr" defTabSz="914400" rtl="0" eaLnBrk="1" fontAlgn="auto" latinLnBrk="0" hangingPunct="1">
+              <a:lnSpc>
+                <a:spcPct val="100000"/>
+              </a:lnSpc>
+              <a:spcBef>
+                <a:spcPts val="0"/>
+              </a:spcBef>
+              <a:spcAft>
+                <a:spcPts val="0"/>
+              </a:spcAft>
+              <a:buClrTx/>
+              <a:buSzTx/>
+              <a:buFontTx/>
+              <a:buNone/>
+              <a:tabLst/>
+              <a:defRPr/>
+            </a:pPr>
+            <a:endParaRPr kumimoji="0" lang="en-US" sz="1800" b="0" i="0" u="none" strike="noStrike" kern="1200" cap="none" spc="0" normalizeH="0" baseline="0" noProof="0">
+              <a:ln>
+                <a:noFill/>
+              </a:ln>
+              <a:solidFill>
+                <a:prstClr val="white"/>
+              </a:solidFill>
+              <a:effectLst/>
+              <a:uLnTx/>
+              <a:uFillTx/>
+              <a:latin typeface="Calibri" panose="020F0502020204030204"/>
+              <a:ea typeface="+mn-ea"/>
+              <a:cs typeface="+mn-cs"/>
+            </a:endParaRPr>
+          </a:p>
+        </p:txBody>
+      </p:sp>
+      <p:sp>
+        <p:nvSpPr>
+          <p:cNvPr id="12" name="Rectangle 11">
+            <a:extLst>
+              <a:ext uri="{FF2B5EF4-FFF2-40B4-BE49-F238E27FC236}">
+                <a16:creationId xmlns:a16="http://schemas.microsoft.com/office/drawing/2014/main" id="{79F3C543-62EC-4433-9C93-A2CD8764E9B4}"/>
+              </a:ext>
+              <a:ext uri="{C183D7F6-B498-43B3-948B-1728B52AA6E4}">
+                <adec:decorative xmlns:adec="http://schemas.microsoft.com/office/drawing/2017/decorative" val="1"/>
+              </a:ext>
+            </a:extLst>
+          </p:cNvPr>
+          <p:cNvSpPr>
+            <a:spLocks noGrp="1" noRot="1" noChangeAspect="1" noMove="1" noResize="1" noEditPoints="1" noAdjustHandles="1" noChangeArrowheads="1" noChangeShapeType="1" noTextEdit="1"/>
+          </p:cNvSpPr>
+          <p:nvPr>
+            <p:extLst>
+              <p:ext uri="{386F3935-93C4-4BCD-93E2-E3B085C9AB24}">
+                <p16:designElem xmlns:p16="http://schemas.microsoft.com/office/powerpoint/2015/main" val="1"/>
+              </p:ext>
+            </p:extLst>
+          </p:nvPr>
+        </p:nvSpPr>
+        <p:spPr>
+          <a:xfrm flipV="1">
+            <a:off x="578652" y="4501201"/>
+            <a:ext cx="11034696" cy="18288"/>
+          </a:xfrm>
+          <a:prstGeom prst="rect">
+            <a:avLst/>
+          </a:prstGeom>
+          <a:solidFill>
+            <a:schemeClr val="tx2">
+              <a:lumMod val="25000"/>
+              <a:lumOff val="75000"/>
+            </a:schemeClr>
+          </a:solidFill>
+          <a:ln w="3175">
+            <a:noFill/>
+          </a:ln>
+          <a:effectLst/>
+        </p:spPr>
+        <p:style>
+          <a:lnRef idx="2">
+            <a:schemeClr val="accent1">
+              <a:shade val="50000"/>
+            </a:schemeClr>
+          </a:lnRef>
+          <a:fillRef idx="1">
+            <a:schemeClr val="accent1"/>
+          </a:fillRef>
+          <a:effectRef idx="0">
+            <a:schemeClr val="accent1"/>
+          </a:effectRef>
+          <a:fontRef idx="minor">
+            <a:schemeClr val="lt1"/>
+          </a:fontRef>
+        </p:style>
+        <p:txBody>
+          <a:bodyPr rtlCol="0" anchor="ctr"/>
+          <a:lstStyle/>
+          <a:p>
+            <a:pPr marL="0" marR="0" lvl="0" indent="0" algn="ctr" defTabSz="914400" rtl="0" eaLnBrk="1" fontAlgn="auto" latinLnBrk="0" hangingPunct="1">
+              <a:lnSpc>
+                <a:spcPct val="100000"/>
+              </a:lnSpc>
+              <a:spcBef>
+                <a:spcPts val="0"/>
+              </a:spcBef>
+              <a:spcAft>
+                <a:spcPts val="0"/>
+              </a:spcAft>
+              <a:buClrTx/>
+              <a:buSzTx/>
+              <a:buFontTx/>
+              <a:buNone/>
+              <a:tabLst/>
+              <a:defRPr/>
+            </a:pPr>
+            <a:endParaRPr kumimoji="0" lang="en-US" sz="1800" b="0" i="0" u="none" strike="noStrike" kern="1200" cap="none" spc="0" normalizeH="0" baseline="0" noProof="0">
+              <a:ln>
+                <a:noFill/>
+              </a:ln>
+              <a:solidFill>
+                <a:prstClr val="white"/>
+              </a:solidFill>
+              <a:effectLst/>
+              <a:uLnTx/>
+              <a:uFillTx/>
+              <a:latin typeface="Calibri" panose="020F0502020204030204"/>
+              <a:ea typeface="+mn-ea"/>
+              <a:cs typeface="+mn-cs"/>
+            </a:endParaRPr>
+          </a:p>
+        </p:txBody>
+      </p:sp>
+      <p:sp useBgFill="1">
+        <p:nvSpPr>
+          <p:cNvPr id="14" name="Rectangle 13">
+            <a:extLst>
+              <a:ext uri="{FF2B5EF4-FFF2-40B4-BE49-F238E27FC236}">
+                <a16:creationId xmlns:a16="http://schemas.microsoft.com/office/drawing/2014/main" id="{E91DC736-0EF8-4F87-9146-EBF1D2EE4D3D}"/>
+              </a:ext>
+              <a:ext uri="{C183D7F6-B498-43B3-948B-1728B52AA6E4}">
+                <adec:decorative xmlns:adec="http://schemas.microsoft.com/office/drawing/2017/decorative" val="1"/>
+              </a:ext>
+            </a:extLst>
+          </p:cNvPr>
+          <p:cNvSpPr>
+            <a:spLocks noGrp="1" noRot="1" noChangeAspect="1" noMove="1" noResize="1" noEditPoints="1" noAdjustHandles="1" noChangeArrowheads="1" noChangeShapeType="1" noTextEdit="1"/>
+          </p:cNvSpPr>
+          <p:nvPr>
+            <p:extLst>
+              <p:ext uri="{386F3935-93C4-4BCD-93E2-E3B085C9AB24}">
+                <p16:designElem xmlns:p16="http://schemas.microsoft.com/office/powerpoint/2015/main" val="1"/>
+              </p:ext>
+            </p:extLst>
+          </p:nvPr>
+        </p:nvSpPr>
+        <p:spPr>
+          <a:xfrm>
+            <a:off x="0" y="0"/>
+            <a:ext cx="12192000" cy="6858000"/>
+          </a:xfrm>
+          <a:prstGeom prst="rect">
+            <a:avLst/>
+          </a:prstGeom>
+          <a:ln>
+            <a:noFill/>
+          </a:ln>
+        </p:spPr>
+        <p:style>
+          <a:lnRef idx="2">
+            <a:schemeClr val="accent1">
+              <a:shade val="50000"/>
+            </a:schemeClr>
+          </a:lnRef>
+          <a:fillRef idx="1">
+            <a:schemeClr val="accent1"/>
+          </a:fillRef>
+          <a:effectRef idx="0">
+            <a:schemeClr val="accent1"/>
+          </a:effectRef>
+          <a:fontRef idx="minor">
+            <a:schemeClr val="lt1"/>
+          </a:fontRef>
+        </p:style>
+        <p:txBody>
+          <a:bodyPr rtlCol="0" anchor="ctr"/>
+          <a:lstStyle/>
+          <a:p>
+            <a:pPr algn="ctr"/>
+            <a:endParaRPr lang="en-US"/>
+          </a:p>
+        </p:txBody>
+      </p:sp>
+      <p:pic>
+        <p:nvPicPr>
+          <p:cNvPr id="4" name="Content Placeholder 3" descr="Fundo do vetor de cores vibrantes salpicando">
+            <a:extLst>
+              <a:ext uri="{FF2B5EF4-FFF2-40B4-BE49-F238E27FC236}">
+                <a16:creationId xmlns:a16="http://schemas.microsoft.com/office/drawing/2014/main" id="{75FA491A-A6D9-F76B-E70C-D17D08A660E7}"/>
+              </a:ext>
+            </a:extLst>
+          </p:cNvPr>
+          <p:cNvPicPr>
+            <a:picLocks noChangeAspect="1"/>
+          </p:cNvPicPr>
+          <p:nvPr/>
+        </p:nvPicPr>
+        <p:blipFill rotWithShape="1">
+          <a:blip r:embed="rId2"/>
+          <a:srcRect l="10975" r="3072" b="-1"/>
+          <a:stretch>
+            <a:fillRect/>
+          </a:stretch>
+        </p:blipFill>
+        <p:spPr>
+          <a:xfrm>
+            <a:off x="3523488" y="10"/>
+            <a:ext cx="8668512" cy="6857990"/>
+          </a:xfrm>
+          <a:prstGeom prst="rect">
+            <a:avLst/>
+          </a:prstGeom>
+        </p:spPr>
+      </p:pic>
+      <p:sp>
+        <p:nvSpPr>
+          <p:cNvPr id="16" name="Rectangle 15">
+            <a:extLst>
+              <a:ext uri="{FF2B5EF4-FFF2-40B4-BE49-F238E27FC236}">
+                <a16:creationId xmlns:a16="http://schemas.microsoft.com/office/drawing/2014/main" id="{097CD68E-23E3-4007-8847-CD0944C4F7BE}"/>
+              </a:ext>
+              <a:ext uri="{C183D7F6-B498-43B3-948B-1728B52AA6E4}">
+                <adec:decorative xmlns:adec="http://schemas.microsoft.com/office/drawing/2017/decorative" val="1"/>
+              </a:ext>
+            </a:extLst>
+          </p:cNvPr>
+          <p:cNvSpPr>
+            <a:spLocks noGrp="1" noRot="1" noChangeAspect="1" noMove="1" noResize="1" noEditPoints="1" noAdjustHandles="1" noChangeArrowheads="1" noChangeShapeType="1" noTextEdit="1"/>
+          </p:cNvSpPr>
+          <p:nvPr>
+            <p:extLst>
+              <p:ext uri="{386F3935-93C4-4BCD-93E2-E3B085C9AB24}">
+                <p16:designElem xmlns:p16="http://schemas.microsoft.com/office/powerpoint/2015/main" val="1"/>
+              </p:ext>
+            </p:extLst>
+          </p:nvPr>
+        </p:nvSpPr>
+        <p:spPr>
+          <a:xfrm>
+            <a:off x="0" y="0"/>
+            <a:ext cx="9756601" cy="6858000"/>
+          </a:xfrm>
+          <a:prstGeom prst="rect">
+            <a:avLst/>
+          </a:prstGeom>
+          <a:gradFill>
+            <a:gsLst>
+              <a:gs pos="58000">
+                <a:schemeClr val="bg1"/>
+              </a:gs>
+              <a:gs pos="35000">
+                <a:schemeClr val="bg1">
+                  <a:alpha val="79000"/>
+                </a:schemeClr>
+              </a:gs>
+              <a:gs pos="19000">
+                <a:schemeClr val="bg1">
+                  <a:alpha val="38000"/>
+                </a:schemeClr>
+              </a:gs>
+              <a:gs pos="0">
+                <a:schemeClr val="bg1">
+                  <a:alpha val="0"/>
+                </a:schemeClr>
+              </a:gs>
+              <a:gs pos="100000">
+                <a:schemeClr val="bg1"/>
+              </a:gs>
+            </a:gsLst>
+            <a:lin ang="10800000" scaled="0"/>
+          </a:gradFill>
+          <a:ln>
+            <a:noFill/>
+          </a:ln>
+        </p:spPr>
+        <p:style>
+          <a:lnRef idx="2">
+            <a:schemeClr val="accent1">
+              <a:shade val="50000"/>
+            </a:schemeClr>
+          </a:lnRef>
+          <a:fillRef idx="1">
+            <a:schemeClr val="accent1"/>
+          </a:fillRef>
+          <a:effectRef idx="0">
+            <a:schemeClr val="accent1"/>
+          </a:effectRef>
+          <a:fontRef idx="minor">
+            <a:schemeClr val="lt1"/>
+          </a:fontRef>
+        </p:style>
+        <p:txBody>
+          <a:bodyPr rtlCol="0" anchor="ctr"/>
+          <a:lstStyle/>
+          <a:p>
+            <a:pPr algn="ctr"/>
+            <a:endParaRPr lang="en-US" dirty="0"/>
+          </a:p>
+        </p:txBody>
+      </p:sp>
+      <p:sp>
+        <p:nvSpPr>
+          <p:cNvPr id="5" name="Título 1">
+            <a:extLst>
+              <a:ext uri="{FF2B5EF4-FFF2-40B4-BE49-F238E27FC236}">
+                <a16:creationId xmlns:a16="http://schemas.microsoft.com/office/drawing/2014/main" id="{DA8D3D92-72D5-62FF-C614-78F18B8F63F6}"/>
+              </a:ext>
+            </a:extLst>
+          </p:cNvPr>
+          <p:cNvSpPr>
+            <a:spLocks noGrp="1"/>
+          </p:cNvSpPr>
+          <p:nvPr>
+            <p:ph type="title"/>
+          </p:nvPr>
+        </p:nvSpPr>
+        <p:spPr>
+          <a:xfrm>
+            <a:off x="477981" y="1122363"/>
+            <a:ext cx="4023360" cy="3204134"/>
+          </a:xfrm>
+        </p:spPr>
+        <p:txBody>
+          <a:bodyPr vert="horz" lIns="91440" tIns="45720" rIns="91440" bIns="45720" rtlCol="0" anchor="b">
+            <a:normAutofit/>
+          </a:bodyPr>
+          <a:lstStyle/>
+          <a:p>
+            <a:r>
+              <a:rPr lang="en-US" sz="5400" dirty="0"/>
+              <a:t>Aula 9.2 – </a:t>
+            </a:r>
+            <a:r>
+              <a:rPr lang="en-US" sz="5400" dirty="0" err="1"/>
+              <a:t>Inserindo</a:t>
+            </a:r>
+            <a:r>
+              <a:rPr lang="en-US" sz="5400" dirty="0"/>
+              <a:t> Imagens no HTML</a:t>
+            </a:r>
+          </a:p>
+        </p:txBody>
+      </p:sp>
+      <p:sp>
+        <p:nvSpPr>
+          <p:cNvPr id="18" name="Rectangle 17">
+            <a:extLst>
+              <a:ext uri="{FF2B5EF4-FFF2-40B4-BE49-F238E27FC236}">
+                <a16:creationId xmlns:a16="http://schemas.microsoft.com/office/drawing/2014/main" id="{AF2F604E-43BE-4DC3-B983-E071523364F8}"/>
+              </a:ext>
+              <a:ext uri="{C183D7F6-B498-43B3-948B-1728B52AA6E4}">
+                <adec:decorative xmlns:adec="http://schemas.microsoft.com/office/drawing/2017/decorative" val="1"/>
+              </a:ext>
+            </a:extLst>
+          </p:cNvPr>
+          <p:cNvSpPr>
+            <a:spLocks noGrp="1" noRot="1" noChangeAspect="1" noMove="1" noResize="1" noEditPoints="1" noAdjustHandles="1" noChangeArrowheads="1" noChangeShapeType="1" noTextEdit="1"/>
+          </p:cNvSpPr>
+          <p:nvPr>
+            <p:extLst>
+              <p:ext uri="{386F3935-93C4-4BCD-93E2-E3B085C9AB24}">
+                <p16:designElem xmlns:p16="http://schemas.microsoft.com/office/powerpoint/2015/main" val="1"/>
+              </p:ext>
+            </p:extLst>
+          </p:nvPr>
+        </p:nvSpPr>
+        <p:spPr>
+          <a:xfrm rot="5400000">
+            <a:off x="759921" y="346791"/>
+            <a:ext cx="146304" cy="704088"/>
+          </a:xfrm>
+          <a:prstGeom prst="rect">
+            <a:avLst/>
+          </a:prstGeom>
+          <a:solidFill>
+            <a:schemeClr val="accent1"/>
+          </a:solidFill>
+          <a:ln>
+            <a:noFill/>
+          </a:ln>
+        </p:spPr>
+        <p:style>
+          <a:lnRef idx="2">
+            <a:schemeClr val="accent1">
+              <a:shade val="50000"/>
+            </a:schemeClr>
+          </a:lnRef>
+          <a:fillRef idx="1">
+            <a:schemeClr val="accent1"/>
+          </a:fillRef>
+          <a:effectRef idx="0">
+            <a:schemeClr val="accent1"/>
+          </a:effectRef>
+          <a:fontRef idx="minor">
+            <a:schemeClr val="lt1"/>
+          </a:fontRef>
+        </p:style>
+        <p:txBody>
+          <a:bodyPr rtlCol="0" anchor="ctr"/>
+          <a:lstStyle/>
+          <a:p>
+            <a:pPr marL="0" marR="0" lvl="0" indent="0" algn="ctr" defTabSz="914400" rtl="0" eaLnBrk="1" fontAlgn="auto" latinLnBrk="0" hangingPunct="1">
+              <a:lnSpc>
+                <a:spcPct val="100000"/>
+              </a:lnSpc>
+              <a:spcBef>
+                <a:spcPts val="0"/>
+              </a:spcBef>
+              <a:spcAft>
+                <a:spcPts val="0"/>
+              </a:spcAft>
+              <a:buClrTx/>
+              <a:buSzTx/>
+              <a:buFontTx/>
+              <a:buNone/>
+              <a:tabLst/>
+              <a:defRPr/>
+            </a:pPr>
+            <a:endParaRPr kumimoji="0" lang="en-US" sz="1800" b="0" i="0" u="none" strike="noStrike" kern="1200" cap="none" spc="0" normalizeH="0" baseline="0" noProof="0">
+              <a:ln>
+                <a:noFill/>
+              </a:ln>
+              <a:solidFill>
+                <a:prstClr val="white"/>
+              </a:solidFill>
+              <a:effectLst/>
+              <a:uLnTx/>
+              <a:uFillTx/>
+              <a:latin typeface="Calibri" panose="020F0502020204030204"/>
+              <a:ea typeface="+mn-ea"/>
+              <a:cs typeface="+mn-cs"/>
+            </a:endParaRPr>
+          </a:p>
+        </p:txBody>
+      </p:sp>
+      <p:sp>
+        <p:nvSpPr>
+          <p:cNvPr id="20" name="Rectangle 19">
+            <a:extLst>
+              <a:ext uri="{FF2B5EF4-FFF2-40B4-BE49-F238E27FC236}">
+                <a16:creationId xmlns:a16="http://schemas.microsoft.com/office/drawing/2014/main" id="{08C9B587-E65E-4B52-B37C-ABEBB6E87928}"/>
+              </a:ext>
+              <a:ext uri="{C183D7F6-B498-43B3-948B-1728B52AA6E4}">
+                <adec:decorative xmlns:adec="http://schemas.microsoft.com/office/drawing/2017/decorative" val="1"/>
+              </a:ext>
+            </a:extLst>
+          </p:cNvPr>
+          <p:cNvSpPr>
+            <a:spLocks noGrp="1" noRot="1" noChangeAspect="1" noMove="1" noResize="1" noEditPoints="1" noAdjustHandles="1" noChangeArrowheads="1" noChangeShapeType="1" noTextEdit="1"/>
+          </p:cNvSpPr>
+          <p:nvPr>
+            <p:extLst>
+              <p:ext uri="{386F3935-93C4-4BCD-93E2-E3B085C9AB24}">
+                <p16:designElem xmlns:p16="http://schemas.microsoft.com/office/powerpoint/2015/main" val="1"/>
+              </p:ext>
+            </p:extLst>
+          </p:nvPr>
+        </p:nvSpPr>
+        <p:spPr>
+          <a:xfrm>
+            <a:off x="481029" y="4546920"/>
+            <a:ext cx="3977640" cy="18288"/>
+          </a:xfrm>
+          <a:prstGeom prst="rect">
+            <a:avLst/>
+          </a:prstGeom>
+          <a:solidFill>
+            <a:schemeClr val="tx2">
+              <a:lumMod val="25000"/>
+              <a:lumOff val="75000"/>
+            </a:schemeClr>
+          </a:solidFill>
+          <a:ln w="3175">
+            <a:solidFill>
+              <a:schemeClr val="tx2">
+                <a:lumMod val="25000"/>
+                <a:lumOff val="75000"/>
+              </a:schemeClr>
+            </a:solidFill>
+          </a:ln>
+          <a:effectLst/>
+        </p:spPr>
+        <p:style>
+          <a:lnRef idx="2">
+            <a:schemeClr val="accent1">
+              <a:shade val="50000"/>
+            </a:schemeClr>
+          </a:lnRef>
+          <a:fillRef idx="1">
+            <a:schemeClr val="accent1"/>
+          </a:fillRef>
+          <a:effectRef idx="0">
+            <a:schemeClr val="accent1"/>
+          </a:effectRef>
+          <a:fontRef idx="minor">
+            <a:schemeClr val="lt1"/>
+          </a:fontRef>
+        </p:style>
+        <p:txBody>
+          <a:bodyPr rtlCol="0" anchor="ctr"/>
+          <a:lstStyle/>
+          <a:p>
+            <a:pPr marL="0" marR="0" lvl="0" indent="0" algn="ctr" defTabSz="914400" rtl="0" eaLnBrk="1" fontAlgn="auto" latinLnBrk="0" hangingPunct="1">
+              <a:lnSpc>
+                <a:spcPct val="100000"/>
+              </a:lnSpc>
+              <a:spcBef>
+                <a:spcPts val="0"/>
+              </a:spcBef>
+              <a:spcAft>
+                <a:spcPts val="0"/>
+              </a:spcAft>
+              <a:buClrTx/>
+              <a:buSzTx/>
+              <a:buFontTx/>
+              <a:buNone/>
+              <a:tabLst/>
+              <a:defRPr/>
+            </a:pPr>
+            <a:endParaRPr kumimoji="0" lang="en-US" sz="1800" b="0" i="0" u="none" strike="noStrike" kern="1200" cap="none" spc="0" normalizeH="0" baseline="0" noProof="0">
+              <a:ln>
+                <a:noFill/>
+              </a:ln>
+              <a:solidFill>
+                <a:prstClr val="white"/>
+              </a:solidFill>
+              <a:effectLst/>
+              <a:uLnTx/>
+              <a:uFillTx/>
+              <a:latin typeface="Calibri" panose="020F0502020204030204"/>
+              <a:ea typeface="+mn-ea"/>
+              <a:cs typeface="+mn-cs"/>
+            </a:endParaRPr>
+          </a:p>
+        </p:txBody>
+      </p:sp>
+    </p:spTree>
+    <p:extLst>
+      <p:ext uri="{BB962C8B-B14F-4D97-AF65-F5344CB8AC3E}">
+        <p14:creationId xmlns:p14="http://schemas.microsoft.com/office/powerpoint/2010/main" val="1279872267"/>
+      </p:ext>
+    </p:extLst>
+  </p:cSld>
+  <p:clrMapOvr>
+    <a:masterClrMapping/>
+  </p:clrMapOvr>
+  <p:timing>
+    <p:tnLst>
+      <p:par>
+        <p:cTn id="1" dur="indefinite" restart="never" nodeType="tmRoot">
+          <p:childTnLst>
+            <p:seq concurrent="1" nextAc="seek">
+              <p:cTn id="2" dur="indefinite" nodeType="mainSeq">
+                <p:childTnLst>
+                  <p:par>
+                    <p:cTn id="3" fill="hold">
+                      <p:stCondLst>
+                        <p:cond delay="indefinite"/>
+                        <p:cond evt="onBegin" delay="0">
+                          <p:tn val="2"/>
+                        </p:cond>
+                      </p:stCondLst>
+                      <p:childTnLst>
+                        <p:par>
+                          <p:cTn id="4" fill="hold">
+                            <p:stCondLst>
+                              <p:cond delay="0"/>
+                            </p:stCondLst>
+                            <p:childTnLst>
+                              <p:par>
+                                <p:cTn id="5" presetID="10" presetClass="entr" presetSubtype="0" fill="hold" grpId="0" nodeType="withEffect">
+                                  <p:stCondLst>
+                                    <p:cond delay="1000"/>
+                                  </p:stCondLst>
+                                  <p:iterate type="lt">
+                                    <p:tmPct val="10000"/>
+                                  </p:iterate>
+                                  <p:childTnLst>
+                                    <p:set>
+                                      <p:cBhvr>
+                                        <p:cTn id="6" dur="1" fill="hold">
+                                          <p:stCondLst>
+                                            <p:cond delay="0"/>
+                                          </p:stCondLst>
+                                        </p:cTn>
+                                        <p:tgtEl>
+                                          <p:spTgt spid="5"/>
+                                        </p:tgtEl>
+                                        <p:attrNameLst>
+                                          <p:attrName>style.visibility</p:attrName>
+                                        </p:attrNameLst>
+                                      </p:cBhvr>
+                                      <p:to>
+                                        <p:strVal val="visible"/>
+                                      </p:to>
+                                    </p:set>
+                                    <p:animEffect transition="in" filter="fade">
+                                      <p:cBhvr>
+                                        <p:cTn id="7" dur="400"/>
+                                        <p:tgtEl>
+                                          <p:spTgt spid="5"/>
+                                        </p:tgtEl>
+                                      </p:cBhvr>
+                                    </p:animEffect>
+                                  </p:childTnLst>
+                                </p:cTn>
+                              </p:par>
+                            </p:childTnLst>
+                          </p:cTn>
+                        </p:par>
+                      </p:childTnLst>
+                    </p:cTn>
+                  </p:par>
+                </p:childTnLst>
+              </p:cTn>
+              <p:prevCondLst>
+                <p:cond evt="onPrev" delay="0">
+                  <p:tgtEl>
+                    <p:sldTgt/>
+                  </p:tgtEl>
+                </p:cond>
+              </p:prevCondLst>
+              <p:nextCondLst>
+                <p:cond evt="onNext" delay="0">
+                  <p:tgtEl>
+                    <p:sldTgt/>
+                  </p:tgtEl>
+                </p:cond>
+              </p:nextCondLst>
+            </p:seq>
+          </p:childTnLst>
+        </p:cTn>
+      </p:par>
+    </p:tnLst>
+    <p:bldLst>
+      <p:bldP spid="5" grpId="0"/>
+    </p:bldLst>
+  </p:timing>
+</p:sld>
+</file>
+
+<file path=ppt/slides/slide126.xml><?xml version="1.0" encoding="utf-8"?>
+<p:sld xmlns:a="http://schemas.openxmlformats.org/drawingml/2006/main" xmlns:r="http://schemas.openxmlformats.org/officeDocument/2006/relationships" xmlns:p="http://schemas.openxmlformats.org/presentationml/2006/main">
+  <p:cSld>
+    <p:spTree>
+      <p:nvGrpSpPr>
+        <p:cNvPr id="1" name=""/>
+        <p:cNvGrpSpPr/>
+        <p:nvPr/>
+      </p:nvGrpSpPr>
+      <p:grpSpPr>
+        <a:xfrm>
+          <a:off x="0" y="0"/>
+          <a:ext cx="0" cy="0"/>
+          <a:chOff x="0" y="0"/>
+          <a:chExt cx="0" cy="0"/>
+        </a:xfrm>
+      </p:grpSpPr>
+      <p:sp>
+        <p:nvSpPr>
+          <p:cNvPr id="2" name="Título 1">
+            <a:extLst>
+              <a:ext uri="{FF2B5EF4-FFF2-40B4-BE49-F238E27FC236}">
+                <a16:creationId xmlns:a16="http://schemas.microsoft.com/office/drawing/2014/main" id="{F9932F30-83DE-43AB-7435-E68D705A7350}"/>
+              </a:ext>
+            </a:extLst>
+          </p:cNvPr>
+          <p:cNvSpPr>
+            <a:spLocks noGrp="1"/>
+          </p:cNvSpPr>
+          <p:nvPr>
+            <p:ph type="title"/>
+          </p:nvPr>
+        </p:nvSpPr>
+        <p:spPr/>
+        <p:txBody>
+          <a:bodyPr/>
+          <a:lstStyle/>
+          <a:p>
+            <a:r>
+              <a:rPr lang="pt-BR" dirty="0"/>
+              <a:t>Utilizamos a </a:t>
+            </a:r>
+            <a:r>
+              <a:rPr lang="pt-BR" dirty="0" err="1"/>
+              <a:t>Tag</a:t>
+            </a:r>
+            <a:r>
+              <a:rPr lang="pt-BR" dirty="0"/>
+              <a:t> </a:t>
+            </a:r>
+            <a:r>
+              <a:rPr lang="pt-BR" dirty="0" err="1"/>
+              <a:t>img</a:t>
+            </a:r>
+            <a:endParaRPr lang="pt-BR" dirty="0"/>
+          </a:p>
+        </p:txBody>
+      </p:sp>
+      <p:pic>
+        <p:nvPicPr>
+          <p:cNvPr id="5" name="Espaço Reservado para Conteúdo 4">
+            <a:extLst>
+              <a:ext uri="{FF2B5EF4-FFF2-40B4-BE49-F238E27FC236}">
+                <a16:creationId xmlns:a16="http://schemas.microsoft.com/office/drawing/2014/main" id="{97DF86B6-A82A-6005-6B84-7A09D7DEF31D}"/>
+              </a:ext>
+            </a:extLst>
+          </p:cNvPr>
+          <p:cNvPicPr>
+            <a:picLocks noGrp="1" noChangeAspect="1"/>
+          </p:cNvPicPr>
+          <p:nvPr>
+            <p:ph idx="1"/>
+          </p:nvPr>
+        </p:nvPicPr>
+        <p:blipFill>
+          <a:blip r:embed="rId2"/>
+          <a:stretch>
+            <a:fillRect/>
+          </a:stretch>
+        </p:blipFill>
+        <p:spPr>
+          <a:xfrm>
+            <a:off x="1965231" y="3243532"/>
+            <a:ext cx="7954019" cy="1334059"/>
+          </a:xfrm>
+        </p:spPr>
+      </p:pic>
+    </p:spTree>
+    <p:extLst>
+      <p:ext uri="{BB962C8B-B14F-4D97-AF65-F5344CB8AC3E}">
+        <p14:creationId xmlns:p14="http://schemas.microsoft.com/office/powerpoint/2010/main" val="2894019253"/>
+      </p:ext>
+    </p:extLst>
+  </p:cSld>
+  <p:clrMapOvr>
+    <a:masterClrMapping/>
+  </p:clrMapOvr>
+</p:sld>
+</file>
+
+<file path=ppt/slides/slide127.xml><?xml version="1.0" encoding="utf-8"?>
+<p:sld xmlns:a="http://schemas.openxmlformats.org/drawingml/2006/main" xmlns:r="http://schemas.openxmlformats.org/officeDocument/2006/relationships" xmlns:p="http://schemas.openxmlformats.org/presentationml/2006/main">
+  <p:cSld>
+    <p:spTree>
+      <p:nvGrpSpPr>
+        <p:cNvPr id="1" name=""/>
+        <p:cNvGrpSpPr/>
+        <p:nvPr/>
+      </p:nvGrpSpPr>
+      <p:grpSpPr>
+        <a:xfrm>
+          <a:off x="0" y="0"/>
+          <a:ext cx="0" cy="0"/>
+          <a:chOff x="0" y="0"/>
+          <a:chExt cx="0" cy="0"/>
+        </a:xfrm>
+      </p:grpSpPr>
+      <p:sp>
+        <p:nvSpPr>
+          <p:cNvPr id="2" name="Título 1">
+            <a:extLst>
+              <a:ext uri="{FF2B5EF4-FFF2-40B4-BE49-F238E27FC236}">
+                <a16:creationId xmlns:a16="http://schemas.microsoft.com/office/drawing/2014/main" id="{917DCB44-3A1C-6078-DA8F-F1DF8628BDE4}"/>
+              </a:ext>
+            </a:extLst>
+          </p:cNvPr>
+          <p:cNvSpPr>
+            <a:spLocks noGrp="1"/>
+          </p:cNvSpPr>
+          <p:nvPr>
+            <p:ph type="title"/>
+          </p:nvPr>
+        </p:nvSpPr>
+        <p:spPr/>
+        <p:txBody>
+          <a:bodyPr/>
+          <a:lstStyle/>
+          <a:p>
+            <a:r>
+              <a:rPr lang="pt-BR" dirty="0"/>
+              <a:t>Lição de Casa</a:t>
+            </a:r>
+          </a:p>
+        </p:txBody>
+      </p:sp>
+      <p:sp>
+        <p:nvSpPr>
+          <p:cNvPr id="3" name="Espaço Reservado para Conteúdo 2">
+            <a:extLst>
+              <a:ext uri="{FF2B5EF4-FFF2-40B4-BE49-F238E27FC236}">
+                <a16:creationId xmlns:a16="http://schemas.microsoft.com/office/drawing/2014/main" id="{E07A2DCB-1BE3-A383-E1D5-5B8A743722ED}"/>
+              </a:ext>
+            </a:extLst>
+          </p:cNvPr>
+          <p:cNvSpPr>
+            <a:spLocks noGrp="1"/>
+          </p:cNvSpPr>
+          <p:nvPr>
+            <p:ph idx="1"/>
+          </p:nvPr>
+        </p:nvSpPr>
+        <p:spPr/>
+        <p:txBody>
+          <a:bodyPr/>
+          <a:lstStyle/>
+          <a:p>
+            <a:r>
+              <a:rPr lang="pt-BR" dirty="0"/>
+              <a:t>Busque uma foto sua e coloque em sua página Web, a foto deve obrigatoriamente ser sua e possuir um texto alternativo.</a:t>
+            </a:r>
+          </a:p>
+        </p:txBody>
+      </p:sp>
+    </p:spTree>
+    <p:extLst>
+      <p:ext uri="{BB962C8B-B14F-4D97-AF65-F5344CB8AC3E}">
+        <p14:creationId xmlns:p14="http://schemas.microsoft.com/office/powerpoint/2010/main" val="3979396962"/>
+      </p:ext>
+    </p:extLst>
+  </p:cSld>
+  <p:clrMapOvr>
+    <a:masterClrMapping/>
+  </p:clrMapOvr>
+</p:sld>
+</file>
+
+<file path=ppt/slides/slide128.xml><?xml version="1.0" encoding="utf-8"?>
+<p:sld xmlns:a="http://schemas.openxmlformats.org/drawingml/2006/main" xmlns:r="http://schemas.openxmlformats.org/officeDocument/2006/relationships" xmlns:p="http://schemas.openxmlformats.org/presentationml/2006/main">
+  <p:cSld>
+    <p:bg>
+      <p:bgPr>
+        <a:solidFill>
+          <a:schemeClr val="bg1"/>
+        </a:solidFill>
+        <a:effectLst/>
+      </p:bgPr>
+    </p:bg>
+    <p:spTree>
+      <p:nvGrpSpPr>
+        <p:cNvPr id="1" name=""/>
+        <p:cNvGrpSpPr/>
+        <p:nvPr/>
+      </p:nvGrpSpPr>
+      <p:grpSpPr>
+        <a:xfrm>
+          <a:off x="0" y="0"/>
+          <a:ext cx="0" cy="0"/>
+          <a:chOff x="0" y="0"/>
+          <a:chExt cx="0" cy="0"/>
+        </a:xfrm>
+      </p:grpSpPr>
+      <p:sp>
+        <p:nvSpPr>
+          <p:cNvPr id="10" name="Rectangle 9">
+            <a:extLst>
+              <a:ext uri="{FF2B5EF4-FFF2-40B4-BE49-F238E27FC236}">
+                <a16:creationId xmlns:a16="http://schemas.microsoft.com/office/drawing/2014/main" id="{8D06CE56-3881-4ADA-8CEF-D18B02C242A3}"/>
+              </a:ext>
+              <a:ext uri="{C183D7F6-B498-43B3-948B-1728B52AA6E4}">
+                <adec:decorative xmlns:adec="http://schemas.microsoft.com/office/drawing/2017/decorative" val="1"/>
+              </a:ext>
+            </a:extLst>
+          </p:cNvPr>
+          <p:cNvSpPr>
+            <a:spLocks noGrp="1" noRot="1" noChangeAspect="1" noMove="1" noResize="1" noEditPoints="1" noAdjustHandles="1" noChangeArrowheads="1" noChangeShapeType="1" noTextEdit="1"/>
+          </p:cNvSpPr>
+          <p:nvPr>
+            <p:extLst>
+              <p:ext uri="{386F3935-93C4-4BCD-93E2-E3B085C9AB24}">
+                <p16:designElem xmlns:p16="http://schemas.microsoft.com/office/powerpoint/2015/main" val="1"/>
+              </p:ext>
+            </p:extLst>
+          </p:nvPr>
+        </p:nvSpPr>
+        <p:spPr>
+          <a:xfrm rot="5400000">
+            <a:off x="857544" y="346791"/>
+            <a:ext cx="146304" cy="704088"/>
+          </a:xfrm>
+          <a:prstGeom prst="rect">
+            <a:avLst/>
+          </a:prstGeom>
+          <a:solidFill>
+            <a:schemeClr val="accent1"/>
+          </a:solidFill>
+          <a:ln>
+            <a:noFill/>
+          </a:ln>
+        </p:spPr>
+        <p:style>
+          <a:lnRef idx="2">
+            <a:schemeClr val="accent1">
+              <a:shade val="50000"/>
+            </a:schemeClr>
+          </a:lnRef>
+          <a:fillRef idx="1">
+            <a:schemeClr val="accent1"/>
+          </a:fillRef>
+          <a:effectRef idx="0">
+            <a:schemeClr val="accent1"/>
+          </a:effectRef>
+          <a:fontRef idx="minor">
+            <a:schemeClr val="lt1"/>
+          </a:fontRef>
+        </p:style>
+        <p:txBody>
+          <a:bodyPr rtlCol="0" anchor="ctr"/>
+          <a:lstStyle/>
+          <a:p>
+            <a:pPr marL="0" marR="0" lvl="0" indent="0" algn="ctr" defTabSz="914400" rtl="0" eaLnBrk="1" fontAlgn="auto" latinLnBrk="0" hangingPunct="1">
+              <a:lnSpc>
+                <a:spcPct val="100000"/>
+              </a:lnSpc>
+              <a:spcBef>
+                <a:spcPts val="0"/>
+              </a:spcBef>
+              <a:spcAft>
+                <a:spcPts val="0"/>
+              </a:spcAft>
+              <a:buClrTx/>
+              <a:buSzTx/>
+              <a:buFontTx/>
+              <a:buNone/>
+              <a:tabLst/>
+              <a:defRPr/>
+            </a:pPr>
+            <a:endParaRPr kumimoji="0" lang="en-US" sz="1800" b="0" i="0" u="none" strike="noStrike" kern="1200" cap="none" spc="0" normalizeH="0" baseline="0" noProof="0">
+              <a:ln>
+                <a:noFill/>
+              </a:ln>
+              <a:solidFill>
+                <a:prstClr val="white"/>
+              </a:solidFill>
+              <a:effectLst/>
+              <a:uLnTx/>
+              <a:uFillTx/>
+              <a:latin typeface="Calibri" panose="020F0502020204030204"/>
+              <a:ea typeface="+mn-ea"/>
+              <a:cs typeface="+mn-cs"/>
+            </a:endParaRPr>
+          </a:p>
+        </p:txBody>
+      </p:sp>
+      <p:sp>
+        <p:nvSpPr>
+          <p:cNvPr id="12" name="Rectangle 11">
+            <a:extLst>
+              <a:ext uri="{FF2B5EF4-FFF2-40B4-BE49-F238E27FC236}">
+                <a16:creationId xmlns:a16="http://schemas.microsoft.com/office/drawing/2014/main" id="{79F3C543-62EC-4433-9C93-A2CD8764E9B4}"/>
+              </a:ext>
+              <a:ext uri="{C183D7F6-B498-43B3-948B-1728B52AA6E4}">
+                <adec:decorative xmlns:adec="http://schemas.microsoft.com/office/drawing/2017/decorative" val="1"/>
+              </a:ext>
+            </a:extLst>
+          </p:cNvPr>
+          <p:cNvSpPr>
+            <a:spLocks noGrp="1" noRot="1" noChangeAspect="1" noMove="1" noResize="1" noEditPoints="1" noAdjustHandles="1" noChangeArrowheads="1" noChangeShapeType="1" noTextEdit="1"/>
+          </p:cNvSpPr>
+          <p:nvPr>
+            <p:extLst>
+              <p:ext uri="{386F3935-93C4-4BCD-93E2-E3B085C9AB24}">
+                <p16:designElem xmlns:p16="http://schemas.microsoft.com/office/powerpoint/2015/main" val="1"/>
+              </p:ext>
+            </p:extLst>
+          </p:nvPr>
+        </p:nvSpPr>
+        <p:spPr>
+          <a:xfrm flipV="1">
+            <a:off x="578652" y="4501201"/>
+            <a:ext cx="11034696" cy="18288"/>
+          </a:xfrm>
+          <a:prstGeom prst="rect">
+            <a:avLst/>
+          </a:prstGeom>
+          <a:solidFill>
+            <a:schemeClr val="tx2">
+              <a:lumMod val="25000"/>
+              <a:lumOff val="75000"/>
+            </a:schemeClr>
+          </a:solidFill>
+          <a:ln w="3175">
+            <a:noFill/>
+          </a:ln>
+          <a:effectLst/>
+        </p:spPr>
+        <p:style>
+          <a:lnRef idx="2">
+            <a:schemeClr val="accent1">
+              <a:shade val="50000"/>
+            </a:schemeClr>
+          </a:lnRef>
+          <a:fillRef idx="1">
+            <a:schemeClr val="accent1"/>
+          </a:fillRef>
+          <a:effectRef idx="0">
+            <a:schemeClr val="accent1"/>
+          </a:effectRef>
+          <a:fontRef idx="minor">
+            <a:schemeClr val="lt1"/>
+          </a:fontRef>
+        </p:style>
+        <p:txBody>
+          <a:bodyPr rtlCol="0" anchor="ctr"/>
+          <a:lstStyle/>
+          <a:p>
+            <a:pPr marL="0" marR="0" lvl="0" indent="0" algn="ctr" defTabSz="914400" rtl="0" eaLnBrk="1" fontAlgn="auto" latinLnBrk="0" hangingPunct="1">
+              <a:lnSpc>
+                <a:spcPct val="100000"/>
+              </a:lnSpc>
+              <a:spcBef>
+                <a:spcPts val="0"/>
+              </a:spcBef>
+              <a:spcAft>
+                <a:spcPts val="0"/>
+              </a:spcAft>
+              <a:buClrTx/>
+              <a:buSzTx/>
+              <a:buFontTx/>
+              <a:buNone/>
+              <a:tabLst/>
+              <a:defRPr/>
+            </a:pPr>
+            <a:endParaRPr kumimoji="0" lang="en-US" sz="1800" b="0" i="0" u="none" strike="noStrike" kern="1200" cap="none" spc="0" normalizeH="0" baseline="0" noProof="0">
+              <a:ln>
+                <a:noFill/>
+              </a:ln>
+              <a:solidFill>
+                <a:prstClr val="white"/>
+              </a:solidFill>
+              <a:effectLst/>
+              <a:uLnTx/>
+              <a:uFillTx/>
+              <a:latin typeface="Calibri" panose="020F0502020204030204"/>
+              <a:ea typeface="+mn-ea"/>
+              <a:cs typeface="+mn-cs"/>
+            </a:endParaRPr>
+          </a:p>
+        </p:txBody>
+      </p:sp>
+      <p:sp useBgFill="1">
+        <p:nvSpPr>
+          <p:cNvPr id="14" name="Rectangle 13">
+            <a:extLst>
+              <a:ext uri="{FF2B5EF4-FFF2-40B4-BE49-F238E27FC236}">
+                <a16:creationId xmlns:a16="http://schemas.microsoft.com/office/drawing/2014/main" id="{E91DC736-0EF8-4F87-9146-EBF1D2EE4D3D}"/>
+              </a:ext>
+              <a:ext uri="{C183D7F6-B498-43B3-948B-1728B52AA6E4}">
+                <adec:decorative xmlns:adec="http://schemas.microsoft.com/office/drawing/2017/decorative" val="1"/>
+              </a:ext>
+            </a:extLst>
+          </p:cNvPr>
+          <p:cNvSpPr>
+            <a:spLocks noGrp="1" noRot="1" noChangeAspect="1" noMove="1" noResize="1" noEditPoints="1" noAdjustHandles="1" noChangeArrowheads="1" noChangeShapeType="1" noTextEdit="1"/>
+          </p:cNvSpPr>
+          <p:nvPr>
+            <p:extLst>
+              <p:ext uri="{386F3935-93C4-4BCD-93E2-E3B085C9AB24}">
+                <p16:designElem xmlns:p16="http://schemas.microsoft.com/office/powerpoint/2015/main" val="1"/>
+              </p:ext>
+            </p:extLst>
+          </p:nvPr>
+        </p:nvSpPr>
+        <p:spPr>
+          <a:xfrm>
+            <a:off x="0" y="0"/>
+            <a:ext cx="12192000" cy="6858000"/>
+          </a:xfrm>
+          <a:prstGeom prst="rect">
+            <a:avLst/>
+          </a:prstGeom>
+          <a:ln>
+            <a:noFill/>
+          </a:ln>
+        </p:spPr>
+        <p:style>
+          <a:lnRef idx="2">
+            <a:schemeClr val="accent1">
+              <a:shade val="50000"/>
+            </a:schemeClr>
+          </a:lnRef>
+          <a:fillRef idx="1">
+            <a:schemeClr val="accent1"/>
+          </a:fillRef>
+          <a:effectRef idx="0">
+            <a:schemeClr val="accent1"/>
+          </a:effectRef>
+          <a:fontRef idx="minor">
+            <a:schemeClr val="lt1"/>
+          </a:fontRef>
+        </p:style>
+        <p:txBody>
+          <a:bodyPr rtlCol="0" anchor="ctr"/>
+          <a:lstStyle/>
+          <a:p>
+            <a:pPr algn="ctr"/>
+            <a:endParaRPr lang="en-US"/>
+          </a:p>
+        </p:txBody>
+      </p:sp>
+      <p:pic>
+        <p:nvPicPr>
+          <p:cNvPr id="4" name="Content Placeholder 3" descr="Fundo do vetor de cores vibrantes salpicando">
+            <a:extLst>
+              <a:ext uri="{FF2B5EF4-FFF2-40B4-BE49-F238E27FC236}">
+                <a16:creationId xmlns:a16="http://schemas.microsoft.com/office/drawing/2014/main" id="{321B36CC-1F6E-252A-194D-D5D220B3272C}"/>
+              </a:ext>
+            </a:extLst>
+          </p:cNvPr>
+          <p:cNvPicPr>
+            <a:picLocks noChangeAspect="1"/>
+          </p:cNvPicPr>
+          <p:nvPr/>
+        </p:nvPicPr>
+        <p:blipFill rotWithShape="1">
+          <a:blip r:embed="rId2"/>
+          <a:srcRect l="10975" r="3072" b="-1"/>
+          <a:stretch>
+            <a:fillRect/>
+          </a:stretch>
+        </p:blipFill>
+        <p:spPr>
+          <a:xfrm>
+            <a:off x="3523488" y="10"/>
+            <a:ext cx="8668512" cy="6857990"/>
+          </a:xfrm>
+          <a:prstGeom prst="rect">
+            <a:avLst/>
+          </a:prstGeom>
+        </p:spPr>
+      </p:pic>
+      <p:sp>
+        <p:nvSpPr>
+          <p:cNvPr id="16" name="Rectangle 15">
+            <a:extLst>
+              <a:ext uri="{FF2B5EF4-FFF2-40B4-BE49-F238E27FC236}">
+                <a16:creationId xmlns:a16="http://schemas.microsoft.com/office/drawing/2014/main" id="{097CD68E-23E3-4007-8847-CD0944C4F7BE}"/>
+              </a:ext>
+              <a:ext uri="{C183D7F6-B498-43B3-948B-1728B52AA6E4}">
+                <adec:decorative xmlns:adec="http://schemas.microsoft.com/office/drawing/2017/decorative" val="1"/>
+              </a:ext>
+            </a:extLst>
+          </p:cNvPr>
+          <p:cNvSpPr>
+            <a:spLocks noGrp="1" noRot="1" noChangeAspect="1" noMove="1" noResize="1" noEditPoints="1" noAdjustHandles="1" noChangeArrowheads="1" noChangeShapeType="1" noTextEdit="1"/>
+          </p:cNvSpPr>
+          <p:nvPr>
+            <p:extLst>
+              <p:ext uri="{386F3935-93C4-4BCD-93E2-E3B085C9AB24}">
+                <p16:designElem xmlns:p16="http://schemas.microsoft.com/office/powerpoint/2015/main" val="1"/>
+              </p:ext>
+            </p:extLst>
+          </p:nvPr>
+        </p:nvSpPr>
+        <p:spPr>
+          <a:xfrm>
+            <a:off x="0" y="0"/>
+            <a:ext cx="9756601" cy="6858000"/>
+          </a:xfrm>
+          <a:prstGeom prst="rect">
+            <a:avLst/>
+          </a:prstGeom>
+          <a:gradFill>
+            <a:gsLst>
+              <a:gs pos="58000">
+                <a:schemeClr val="bg1"/>
+              </a:gs>
+              <a:gs pos="35000">
+                <a:schemeClr val="bg1">
+                  <a:alpha val="79000"/>
+                </a:schemeClr>
+              </a:gs>
+              <a:gs pos="19000">
+                <a:schemeClr val="bg1">
+                  <a:alpha val="38000"/>
+                </a:schemeClr>
+              </a:gs>
+              <a:gs pos="0">
+                <a:schemeClr val="bg1">
+                  <a:alpha val="0"/>
+                </a:schemeClr>
+              </a:gs>
+              <a:gs pos="100000">
+                <a:schemeClr val="bg1"/>
+              </a:gs>
+            </a:gsLst>
+            <a:lin ang="10800000" scaled="0"/>
+          </a:gradFill>
+          <a:ln>
+            <a:noFill/>
+          </a:ln>
+        </p:spPr>
+        <p:style>
+          <a:lnRef idx="2">
+            <a:schemeClr val="accent1">
+              <a:shade val="50000"/>
+            </a:schemeClr>
+          </a:lnRef>
+          <a:fillRef idx="1">
+            <a:schemeClr val="accent1"/>
+          </a:fillRef>
+          <a:effectRef idx="0">
+            <a:schemeClr val="accent1"/>
+          </a:effectRef>
+          <a:fontRef idx="minor">
+            <a:schemeClr val="lt1"/>
+          </a:fontRef>
+        </p:style>
+        <p:txBody>
+          <a:bodyPr rtlCol="0" anchor="ctr"/>
+          <a:lstStyle/>
+          <a:p>
+            <a:pPr algn="ctr"/>
+            <a:endParaRPr lang="en-US" dirty="0"/>
+          </a:p>
+        </p:txBody>
+      </p:sp>
+      <p:sp>
+        <p:nvSpPr>
+          <p:cNvPr id="5" name="Título 1">
+            <a:extLst>
+              <a:ext uri="{FF2B5EF4-FFF2-40B4-BE49-F238E27FC236}">
+                <a16:creationId xmlns:a16="http://schemas.microsoft.com/office/drawing/2014/main" id="{439137BD-1A0B-387E-DA2B-10ED1F3EB21A}"/>
+              </a:ext>
+            </a:extLst>
+          </p:cNvPr>
+          <p:cNvSpPr>
+            <a:spLocks noGrp="1"/>
+          </p:cNvSpPr>
+          <p:nvPr>
+            <p:ph type="title"/>
+          </p:nvPr>
+        </p:nvSpPr>
+        <p:spPr>
+          <a:xfrm>
+            <a:off x="477981" y="1122363"/>
+            <a:ext cx="4023360" cy="3204134"/>
+          </a:xfrm>
+        </p:spPr>
+        <p:txBody>
+          <a:bodyPr vert="horz" lIns="91440" tIns="45720" rIns="91440" bIns="45720" rtlCol="0" anchor="b">
+            <a:normAutofit/>
+          </a:bodyPr>
+          <a:lstStyle/>
+          <a:p>
+            <a:r>
+              <a:rPr lang="en-US" sz="4800" dirty="0"/>
+              <a:t>Aula 9.3 – Lazy Loadings no HTML</a:t>
+            </a:r>
+          </a:p>
+        </p:txBody>
+      </p:sp>
+      <p:sp>
+        <p:nvSpPr>
+          <p:cNvPr id="18" name="Rectangle 17">
+            <a:extLst>
+              <a:ext uri="{FF2B5EF4-FFF2-40B4-BE49-F238E27FC236}">
+                <a16:creationId xmlns:a16="http://schemas.microsoft.com/office/drawing/2014/main" id="{AF2F604E-43BE-4DC3-B983-E071523364F8}"/>
+              </a:ext>
+              <a:ext uri="{C183D7F6-B498-43B3-948B-1728B52AA6E4}">
+                <adec:decorative xmlns:adec="http://schemas.microsoft.com/office/drawing/2017/decorative" val="1"/>
+              </a:ext>
+            </a:extLst>
+          </p:cNvPr>
+          <p:cNvSpPr>
+            <a:spLocks noGrp="1" noRot="1" noChangeAspect="1" noMove="1" noResize="1" noEditPoints="1" noAdjustHandles="1" noChangeArrowheads="1" noChangeShapeType="1" noTextEdit="1"/>
+          </p:cNvSpPr>
+          <p:nvPr>
+            <p:extLst>
+              <p:ext uri="{386F3935-93C4-4BCD-93E2-E3B085C9AB24}">
+                <p16:designElem xmlns:p16="http://schemas.microsoft.com/office/powerpoint/2015/main" val="1"/>
+              </p:ext>
+            </p:extLst>
+          </p:nvPr>
+        </p:nvSpPr>
+        <p:spPr>
+          <a:xfrm rot="5400000">
+            <a:off x="759921" y="346791"/>
+            <a:ext cx="146304" cy="704088"/>
+          </a:xfrm>
+          <a:prstGeom prst="rect">
+            <a:avLst/>
+          </a:prstGeom>
+          <a:solidFill>
+            <a:schemeClr val="accent1"/>
+          </a:solidFill>
+          <a:ln>
+            <a:noFill/>
+          </a:ln>
+        </p:spPr>
+        <p:style>
+          <a:lnRef idx="2">
+            <a:schemeClr val="accent1">
+              <a:shade val="50000"/>
+            </a:schemeClr>
+          </a:lnRef>
+          <a:fillRef idx="1">
+            <a:schemeClr val="accent1"/>
+          </a:fillRef>
+          <a:effectRef idx="0">
+            <a:schemeClr val="accent1"/>
+          </a:effectRef>
+          <a:fontRef idx="minor">
+            <a:schemeClr val="lt1"/>
+          </a:fontRef>
+        </p:style>
+        <p:txBody>
+          <a:bodyPr rtlCol="0" anchor="ctr"/>
+          <a:lstStyle/>
+          <a:p>
+            <a:pPr marL="0" marR="0" lvl="0" indent="0" algn="ctr" defTabSz="914400" rtl="0" eaLnBrk="1" fontAlgn="auto" latinLnBrk="0" hangingPunct="1">
+              <a:lnSpc>
+                <a:spcPct val="100000"/>
+              </a:lnSpc>
+              <a:spcBef>
+                <a:spcPts val="0"/>
+              </a:spcBef>
+              <a:spcAft>
+                <a:spcPts val="0"/>
+              </a:spcAft>
+              <a:buClrTx/>
+              <a:buSzTx/>
+              <a:buFontTx/>
+              <a:buNone/>
+              <a:tabLst/>
+              <a:defRPr/>
+            </a:pPr>
+            <a:endParaRPr kumimoji="0" lang="en-US" sz="1800" b="0" i="0" u="none" strike="noStrike" kern="1200" cap="none" spc="0" normalizeH="0" baseline="0" noProof="0">
+              <a:ln>
+                <a:noFill/>
+              </a:ln>
+              <a:solidFill>
+                <a:prstClr val="white"/>
+              </a:solidFill>
+              <a:effectLst/>
+              <a:uLnTx/>
+              <a:uFillTx/>
+              <a:latin typeface="Calibri" panose="020F0502020204030204"/>
+              <a:ea typeface="+mn-ea"/>
+              <a:cs typeface="+mn-cs"/>
+            </a:endParaRPr>
+          </a:p>
+        </p:txBody>
+      </p:sp>
+      <p:sp>
+        <p:nvSpPr>
+          <p:cNvPr id="20" name="Rectangle 19">
+            <a:extLst>
+              <a:ext uri="{FF2B5EF4-FFF2-40B4-BE49-F238E27FC236}">
+                <a16:creationId xmlns:a16="http://schemas.microsoft.com/office/drawing/2014/main" id="{08C9B587-E65E-4B52-B37C-ABEBB6E87928}"/>
+              </a:ext>
+              <a:ext uri="{C183D7F6-B498-43B3-948B-1728B52AA6E4}">
+                <adec:decorative xmlns:adec="http://schemas.microsoft.com/office/drawing/2017/decorative" val="1"/>
+              </a:ext>
+            </a:extLst>
+          </p:cNvPr>
+          <p:cNvSpPr>
+            <a:spLocks noGrp="1" noRot="1" noChangeAspect="1" noMove="1" noResize="1" noEditPoints="1" noAdjustHandles="1" noChangeArrowheads="1" noChangeShapeType="1" noTextEdit="1"/>
+          </p:cNvSpPr>
+          <p:nvPr>
+            <p:extLst>
+              <p:ext uri="{386F3935-93C4-4BCD-93E2-E3B085C9AB24}">
+                <p16:designElem xmlns:p16="http://schemas.microsoft.com/office/powerpoint/2015/main" val="1"/>
+              </p:ext>
+            </p:extLst>
+          </p:nvPr>
+        </p:nvSpPr>
+        <p:spPr>
+          <a:xfrm>
+            <a:off x="481029" y="4546920"/>
+            <a:ext cx="3977640" cy="18288"/>
+          </a:xfrm>
+          <a:prstGeom prst="rect">
+            <a:avLst/>
+          </a:prstGeom>
+          <a:solidFill>
+            <a:schemeClr val="tx2">
+              <a:lumMod val="25000"/>
+              <a:lumOff val="75000"/>
+            </a:schemeClr>
+          </a:solidFill>
+          <a:ln w="3175">
+            <a:solidFill>
+              <a:schemeClr val="tx2">
+                <a:lumMod val="25000"/>
+                <a:lumOff val="75000"/>
+              </a:schemeClr>
+            </a:solidFill>
+          </a:ln>
+          <a:effectLst/>
+        </p:spPr>
+        <p:style>
+          <a:lnRef idx="2">
+            <a:schemeClr val="accent1">
+              <a:shade val="50000"/>
+            </a:schemeClr>
+          </a:lnRef>
+          <a:fillRef idx="1">
+            <a:schemeClr val="accent1"/>
+          </a:fillRef>
+          <a:effectRef idx="0">
+            <a:schemeClr val="accent1"/>
+          </a:effectRef>
+          <a:fontRef idx="minor">
+            <a:schemeClr val="lt1"/>
+          </a:fontRef>
+        </p:style>
+        <p:txBody>
+          <a:bodyPr rtlCol="0" anchor="ctr"/>
+          <a:lstStyle/>
+          <a:p>
+            <a:pPr marL="0" marR="0" lvl="0" indent="0" algn="ctr" defTabSz="914400" rtl="0" eaLnBrk="1" fontAlgn="auto" latinLnBrk="0" hangingPunct="1">
+              <a:lnSpc>
+                <a:spcPct val="100000"/>
+              </a:lnSpc>
+              <a:spcBef>
+                <a:spcPts val="0"/>
+              </a:spcBef>
+              <a:spcAft>
+                <a:spcPts val="0"/>
+              </a:spcAft>
+              <a:buClrTx/>
+              <a:buSzTx/>
+              <a:buFontTx/>
+              <a:buNone/>
+              <a:tabLst/>
+              <a:defRPr/>
+            </a:pPr>
+            <a:endParaRPr kumimoji="0" lang="en-US" sz="1800" b="0" i="0" u="none" strike="noStrike" kern="1200" cap="none" spc="0" normalizeH="0" baseline="0" noProof="0">
+              <a:ln>
+                <a:noFill/>
+              </a:ln>
+              <a:solidFill>
+                <a:prstClr val="white"/>
+              </a:solidFill>
+              <a:effectLst/>
+              <a:uLnTx/>
+              <a:uFillTx/>
+              <a:latin typeface="Calibri" panose="020F0502020204030204"/>
+              <a:ea typeface="+mn-ea"/>
+              <a:cs typeface="+mn-cs"/>
+            </a:endParaRPr>
+          </a:p>
+        </p:txBody>
+      </p:sp>
+    </p:spTree>
+    <p:extLst>
+      <p:ext uri="{BB962C8B-B14F-4D97-AF65-F5344CB8AC3E}">
+        <p14:creationId xmlns:p14="http://schemas.microsoft.com/office/powerpoint/2010/main" val="2986174687"/>
+      </p:ext>
+    </p:extLst>
+  </p:cSld>
+  <p:clrMapOvr>
+    <a:masterClrMapping/>
+  </p:clrMapOvr>
+  <p:timing>
+    <p:tnLst>
+      <p:par>
+        <p:cTn id="1" dur="indefinite" restart="never" nodeType="tmRoot">
+          <p:childTnLst>
+            <p:seq concurrent="1" nextAc="seek">
+              <p:cTn id="2" dur="indefinite" nodeType="mainSeq">
+                <p:childTnLst>
+                  <p:par>
+                    <p:cTn id="3" fill="hold">
+                      <p:stCondLst>
+                        <p:cond delay="indefinite"/>
+                        <p:cond evt="onBegin" delay="0">
+                          <p:tn val="2"/>
+                        </p:cond>
+                      </p:stCondLst>
+                      <p:childTnLst>
+                        <p:par>
+                          <p:cTn id="4" fill="hold">
+                            <p:stCondLst>
+                              <p:cond delay="0"/>
+                            </p:stCondLst>
+                            <p:childTnLst>
+                              <p:par>
+                                <p:cTn id="5" presetID="10" presetClass="entr" presetSubtype="0" fill="hold" grpId="0" nodeType="withEffect">
+                                  <p:stCondLst>
+                                    <p:cond delay="1000"/>
+                                  </p:stCondLst>
+                                  <p:iterate type="lt">
+                                    <p:tmPct val="10000"/>
+                                  </p:iterate>
+                                  <p:childTnLst>
+                                    <p:set>
+                                      <p:cBhvr>
+                                        <p:cTn id="6" dur="1" fill="hold">
+                                          <p:stCondLst>
+                                            <p:cond delay="0"/>
+                                          </p:stCondLst>
+                                        </p:cTn>
+                                        <p:tgtEl>
+                                          <p:spTgt spid="5"/>
+                                        </p:tgtEl>
+                                        <p:attrNameLst>
+                                          <p:attrName>style.visibility</p:attrName>
+                                        </p:attrNameLst>
+                                      </p:cBhvr>
+                                      <p:to>
+                                        <p:strVal val="visible"/>
+                                      </p:to>
+                                    </p:set>
+                                    <p:animEffect transition="in" filter="fade">
+                                      <p:cBhvr>
+                                        <p:cTn id="7" dur="400"/>
+                                        <p:tgtEl>
+                                          <p:spTgt spid="5"/>
+                                        </p:tgtEl>
+                                      </p:cBhvr>
+                                    </p:animEffect>
+                                  </p:childTnLst>
+                                </p:cTn>
+                              </p:par>
+                            </p:childTnLst>
+                          </p:cTn>
+                        </p:par>
+                      </p:childTnLst>
+                    </p:cTn>
+                  </p:par>
+                </p:childTnLst>
+              </p:cTn>
+              <p:prevCondLst>
+                <p:cond evt="onPrev" delay="0">
+                  <p:tgtEl>
+                    <p:sldTgt/>
+                  </p:tgtEl>
+                </p:cond>
+              </p:prevCondLst>
+              <p:nextCondLst>
+                <p:cond evt="onNext" delay="0">
+                  <p:tgtEl>
+                    <p:sldTgt/>
+                  </p:tgtEl>
+                </p:cond>
+              </p:nextCondLst>
+            </p:seq>
+          </p:childTnLst>
+        </p:cTn>
+      </p:par>
+    </p:tnLst>
+    <p:bldLst>
+      <p:bldP spid="5" grpId="0"/>
+    </p:bldLst>
+  </p:timing>
+</p:sld>
+</file>
+
+<file path=ppt/slides/slide129.xml><?xml version="1.0" encoding="utf-8"?>
+<p:sld xmlns:a="http://schemas.openxmlformats.org/drawingml/2006/main" xmlns:r="http://schemas.openxmlformats.org/officeDocument/2006/relationships" xmlns:p="http://schemas.openxmlformats.org/presentationml/2006/main">
+  <p:cSld>
+    <p:spTree>
+      <p:nvGrpSpPr>
+        <p:cNvPr id="1" name=""/>
+        <p:cNvGrpSpPr/>
+        <p:nvPr/>
+      </p:nvGrpSpPr>
+      <p:grpSpPr>
+        <a:xfrm>
+          <a:off x="0" y="0"/>
+          <a:ext cx="0" cy="0"/>
+          <a:chOff x="0" y="0"/>
+          <a:chExt cx="0" cy="0"/>
+        </a:xfrm>
+      </p:grpSpPr>
+      <p:sp>
+        <p:nvSpPr>
+          <p:cNvPr id="2" name="Título 1">
+            <a:extLst>
+              <a:ext uri="{FF2B5EF4-FFF2-40B4-BE49-F238E27FC236}">
+                <a16:creationId xmlns:a16="http://schemas.microsoft.com/office/drawing/2014/main" id="{C734EF36-974D-F02C-6551-F500E0DB6603}"/>
+              </a:ext>
+            </a:extLst>
+          </p:cNvPr>
+          <p:cNvSpPr>
+            <a:spLocks noGrp="1"/>
+          </p:cNvSpPr>
+          <p:nvPr>
+            <p:ph type="title"/>
+          </p:nvPr>
+        </p:nvSpPr>
+        <p:spPr/>
+        <p:txBody>
+          <a:bodyPr/>
+          <a:lstStyle/>
+          <a:p>
+            <a:r>
+              <a:rPr lang="pt-BR" dirty="0"/>
+              <a:t>Por que Usar </a:t>
+            </a:r>
+            <a:r>
+              <a:rPr lang="pt-BR" dirty="0" err="1"/>
+              <a:t>Lazy</a:t>
+            </a:r>
+            <a:r>
+              <a:rPr lang="pt-BR" dirty="0"/>
+              <a:t> </a:t>
+            </a:r>
+            <a:r>
+              <a:rPr lang="pt-BR" dirty="0" err="1"/>
+              <a:t>Loadings</a:t>
+            </a:r>
+            <a:r>
+              <a:rPr lang="pt-BR" dirty="0"/>
+              <a:t>?</a:t>
+            </a:r>
+          </a:p>
+        </p:txBody>
+      </p:sp>
+      <p:sp>
+        <p:nvSpPr>
+          <p:cNvPr id="3" name="Espaço Reservado para Conteúdo 2">
+            <a:extLst>
+              <a:ext uri="{FF2B5EF4-FFF2-40B4-BE49-F238E27FC236}">
+                <a16:creationId xmlns:a16="http://schemas.microsoft.com/office/drawing/2014/main" id="{0B053F95-0983-8F7B-E4EC-CFD8C4CDC967}"/>
+              </a:ext>
+            </a:extLst>
+          </p:cNvPr>
+          <p:cNvSpPr>
+            <a:spLocks noGrp="1"/>
+          </p:cNvSpPr>
+          <p:nvPr>
+            <p:ph idx="1"/>
+          </p:nvPr>
+        </p:nvSpPr>
+        <p:spPr/>
+        <p:txBody>
+          <a:bodyPr/>
+          <a:lstStyle/>
+          <a:p>
+            <a:r>
+              <a:rPr lang="pt-BR" dirty="0"/>
+              <a:t>Como vocês sabem, imagens são pesadas! </a:t>
+            </a:r>
+            <a:r>
+              <a:rPr lang="pt-BR" dirty="0" err="1"/>
+              <a:t>Lazy</a:t>
+            </a:r>
+            <a:r>
+              <a:rPr lang="pt-BR" dirty="0"/>
+              <a:t> </a:t>
+            </a:r>
+            <a:r>
+              <a:rPr lang="pt-BR" dirty="0" err="1"/>
+              <a:t>Loadings</a:t>
+            </a:r>
+            <a:r>
+              <a:rPr lang="pt-BR" dirty="0"/>
+              <a:t> são uma forma de só carregar a imagem quando realmente precisarmos!</a:t>
+            </a:r>
+          </a:p>
+        </p:txBody>
+      </p:sp>
+    </p:spTree>
+    <p:extLst>
+      <p:ext uri="{BB962C8B-B14F-4D97-AF65-F5344CB8AC3E}">
+        <p14:creationId xmlns:p14="http://schemas.microsoft.com/office/powerpoint/2010/main" val="3935311730"/>
       </p:ext>
     </p:extLst>
   </p:cSld>
@@ -9435,6 +13064,2304 @@
 </p:sld>
 </file>
 
+<file path=ppt/slides/slide130.xml><?xml version="1.0" encoding="utf-8"?>
+<p:sld xmlns:a="http://schemas.openxmlformats.org/drawingml/2006/main" xmlns:r="http://schemas.openxmlformats.org/officeDocument/2006/relationships" xmlns:p="http://schemas.openxmlformats.org/presentationml/2006/main">
+  <p:cSld>
+    <p:spTree>
+      <p:nvGrpSpPr>
+        <p:cNvPr id="1" name=""/>
+        <p:cNvGrpSpPr/>
+        <p:nvPr/>
+      </p:nvGrpSpPr>
+      <p:grpSpPr>
+        <a:xfrm>
+          <a:off x="0" y="0"/>
+          <a:ext cx="0" cy="0"/>
+          <a:chOff x="0" y="0"/>
+          <a:chExt cx="0" cy="0"/>
+        </a:xfrm>
+      </p:grpSpPr>
+      <p:sp>
+        <p:nvSpPr>
+          <p:cNvPr id="2" name="Título 1">
+            <a:extLst>
+              <a:ext uri="{FF2B5EF4-FFF2-40B4-BE49-F238E27FC236}">
+                <a16:creationId xmlns:a16="http://schemas.microsoft.com/office/drawing/2014/main" id="{6DDBFBEA-D286-A940-9429-77EDECB5AB26}"/>
+              </a:ext>
+            </a:extLst>
+          </p:cNvPr>
+          <p:cNvSpPr>
+            <a:spLocks noGrp="1"/>
+          </p:cNvSpPr>
+          <p:nvPr>
+            <p:ph type="title"/>
+          </p:nvPr>
+        </p:nvSpPr>
+        <p:spPr/>
+        <p:txBody>
+          <a:bodyPr/>
+          <a:lstStyle/>
+          <a:p>
+            <a:r>
+              <a:rPr lang="pt-BR" dirty="0"/>
+              <a:t>Implementando</a:t>
+            </a:r>
+          </a:p>
+        </p:txBody>
+      </p:sp>
+      <p:pic>
+        <p:nvPicPr>
+          <p:cNvPr id="5" name="Espaço Reservado para Conteúdo 4">
+            <a:extLst>
+              <a:ext uri="{FF2B5EF4-FFF2-40B4-BE49-F238E27FC236}">
+                <a16:creationId xmlns:a16="http://schemas.microsoft.com/office/drawing/2014/main" id="{F13BE15C-2EC6-4AE0-A6C6-2E5EAEB8D1A4}"/>
+              </a:ext>
+            </a:extLst>
+          </p:cNvPr>
+          <p:cNvPicPr>
+            <a:picLocks noGrp="1" noChangeAspect="1"/>
+          </p:cNvPicPr>
+          <p:nvPr>
+            <p:ph idx="1"/>
+          </p:nvPr>
+        </p:nvPicPr>
+        <p:blipFill>
+          <a:blip r:embed="rId2"/>
+          <a:stretch>
+            <a:fillRect/>
+          </a:stretch>
+        </p:blipFill>
+        <p:spPr>
+          <a:xfrm>
+            <a:off x="1795386" y="2639682"/>
+            <a:ext cx="8601228" cy="3472948"/>
+          </a:xfrm>
+        </p:spPr>
+      </p:pic>
+    </p:spTree>
+    <p:extLst>
+      <p:ext uri="{BB962C8B-B14F-4D97-AF65-F5344CB8AC3E}">
+        <p14:creationId xmlns:p14="http://schemas.microsoft.com/office/powerpoint/2010/main" val="3845347477"/>
+      </p:ext>
+    </p:extLst>
+  </p:cSld>
+  <p:clrMapOvr>
+    <a:masterClrMapping/>
+  </p:clrMapOvr>
+</p:sld>
+</file>
+
+<file path=ppt/slides/slide131.xml><?xml version="1.0" encoding="utf-8"?>
+<p:sld xmlns:a="http://schemas.openxmlformats.org/drawingml/2006/main" xmlns:r="http://schemas.openxmlformats.org/officeDocument/2006/relationships" xmlns:p="http://schemas.openxmlformats.org/presentationml/2006/main">
+  <p:cSld>
+    <p:spTree>
+      <p:nvGrpSpPr>
+        <p:cNvPr id="1" name=""/>
+        <p:cNvGrpSpPr/>
+        <p:nvPr/>
+      </p:nvGrpSpPr>
+      <p:grpSpPr>
+        <a:xfrm>
+          <a:off x="0" y="0"/>
+          <a:ext cx="0" cy="0"/>
+          <a:chOff x="0" y="0"/>
+          <a:chExt cx="0" cy="0"/>
+        </a:xfrm>
+      </p:grpSpPr>
+      <p:sp>
+        <p:nvSpPr>
+          <p:cNvPr id="2" name="Título 1">
+            <a:extLst>
+              <a:ext uri="{FF2B5EF4-FFF2-40B4-BE49-F238E27FC236}">
+                <a16:creationId xmlns:a16="http://schemas.microsoft.com/office/drawing/2014/main" id="{422807D2-692E-E5E9-B84B-3ED19CE13901}"/>
+              </a:ext>
+            </a:extLst>
+          </p:cNvPr>
+          <p:cNvSpPr>
+            <a:spLocks noGrp="1"/>
+          </p:cNvSpPr>
+          <p:nvPr>
+            <p:ph type="title"/>
+          </p:nvPr>
+        </p:nvSpPr>
+        <p:spPr/>
+        <p:txBody>
+          <a:bodyPr/>
+          <a:lstStyle/>
+          <a:p>
+            <a:r>
+              <a:rPr lang="pt-BR" dirty="0"/>
+              <a:t>Lição de Casa</a:t>
+            </a:r>
+          </a:p>
+        </p:txBody>
+      </p:sp>
+      <p:sp>
+        <p:nvSpPr>
+          <p:cNvPr id="3" name="Espaço Reservado para Conteúdo 2">
+            <a:extLst>
+              <a:ext uri="{FF2B5EF4-FFF2-40B4-BE49-F238E27FC236}">
+                <a16:creationId xmlns:a16="http://schemas.microsoft.com/office/drawing/2014/main" id="{B1D716C2-77EA-D1B2-7C47-30083FA3B3A9}"/>
+              </a:ext>
+            </a:extLst>
+          </p:cNvPr>
+          <p:cNvSpPr>
+            <a:spLocks noGrp="1"/>
+          </p:cNvSpPr>
+          <p:nvPr>
+            <p:ph idx="1"/>
+          </p:nvPr>
+        </p:nvSpPr>
+        <p:spPr/>
+        <p:txBody>
+          <a:bodyPr/>
+          <a:lstStyle/>
+          <a:p>
+            <a:r>
+              <a:rPr lang="pt-BR" dirty="0"/>
+              <a:t>Implemente uma outra imagem além da sua foto e coloque </a:t>
+            </a:r>
+            <a:r>
+              <a:rPr lang="pt-BR" dirty="0" err="1"/>
+              <a:t>Lazy</a:t>
+            </a:r>
+            <a:r>
+              <a:rPr lang="pt-BR" dirty="0"/>
+              <a:t> </a:t>
+            </a:r>
+            <a:r>
+              <a:rPr lang="pt-BR" dirty="0" err="1"/>
+              <a:t>Loadings</a:t>
+            </a:r>
+            <a:r>
+              <a:rPr lang="pt-BR" dirty="0"/>
+              <a:t>.</a:t>
+            </a:r>
+          </a:p>
+        </p:txBody>
+      </p:sp>
+    </p:spTree>
+    <p:extLst>
+      <p:ext uri="{BB962C8B-B14F-4D97-AF65-F5344CB8AC3E}">
+        <p14:creationId xmlns:p14="http://schemas.microsoft.com/office/powerpoint/2010/main" val="525635920"/>
+      </p:ext>
+    </p:extLst>
+  </p:cSld>
+  <p:clrMapOvr>
+    <a:masterClrMapping/>
+  </p:clrMapOvr>
+</p:sld>
+</file>
+
+<file path=ppt/slides/slide132.xml><?xml version="1.0" encoding="utf-8"?>
+<p:sld xmlns:a="http://schemas.openxmlformats.org/drawingml/2006/main" xmlns:r="http://schemas.openxmlformats.org/officeDocument/2006/relationships" xmlns:p="http://schemas.openxmlformats.org/presentationml/2006/main">
+  <p:cSld>
+    <p:bg>
+      <p:bgPr>
+        <a:solidFill>
+          <a:schemeClr val="bg1"/>
+        </a:solidFill>
+        <a:effectLst/>
+      </p:bgPr>
+    </p:bg>
+    <p:spTree>
+      <p:nvGrpSpPr>
+        <p:cNvPr id="1" name=""/>
+        <p:cNvGrpSpPr/>
+        <p:nvPr/>
+      </p:nvGrpSpPr>
+      <p:grpSpPr>
+        <a:xfrm>
+          <a:off x="0" y="0"/>
+          <a:ext cx="0" cy="0"/>
+          <a:chOff x="0" y="0"/>
+          <a:chExt cx="0" cy="0"/>
+        </a:xfrm>
+      </p:grpSpPr>
+      <p:sp>
+        <p:nvSpPr>
+          <p:cNvPr id="12" name="Rectangle 11">
+            <a:extLst>
+              <a:ext uri="{FF2B5EF4-FFF2-40B4-BE49-F238E27FC236}">
+                <a16:creationId xmlns:a16="http://schemas.microsoft.com/office/drawing/2014/main" id="{8D06CE56-3881-4ADA-8CEF-D18B02C242A3}"/>
+              </a:ext>
+              <a:ext uri="{C183D7F6-B498-43B3-948B-1728B52AA6E4}">
+                <adec:decorative xmlns:adec="http://schemas.microsoft.com/office/drawing/2017/decorative" val="1"/>
+              </a:ext>
+            </a:extLst>
+          </p:cNvPr>
+          <p:cNvSpPr>
+            <a:spLocks noGrp="1" noRot="1" noChangeAspect="1" noMove="1" noResize="1" noEditPoints="1" noAdjustHandles="1" noChangeArrowheads="1" noChangeShapeType="1" noTextEdit="1"/>
+          </p:cNvSpPr>
+          <p:nvPr>
+            <p:extLst>
+              <p:ext uri="{386F3935-93C4-4BCD-93E2-E3B085C9AB24}">
+                <p16:designElem xmlns:p16="http://schemas.microsoft.com/office/powerpoint/2015/main" val="1"/>
+              </p:ext>
+            </p:extLst>
+          </p:nvPr>
+        </p:nvSpPr>
+        <p:spPr>
+          <a:xfrm rot="5400000">
+            <a:off x="857544" y="346791"/>
+            <a:ext cx="146304" cy="704088"/>
+          </a:xfrm>
+          <a:prstGeom prst="rect">
+            <a:avLst/>
+          </a:prstGeom>
+          <a:solidFill>
+            <a:schemeClr val="accent1"/>
+          </a:solidFill>
+          <a:ln>
+            <a:noFill/>
+          </a:ln>
+        </p:spPr>
+        <p:style>
+          <a:lnRef idx="2">
+            <a:schemeClr val="accent1">
+              <a:shade val="50000"/>
+            </a:schemeClr>
+          </a:lnRef>
+          <a:fillRef idx="1">
+            <a:schemeClr val="accent1"/>
+          </a:fillRef>
+          <a:effectRef idx="0">
+            <a:schemeClr val="accent1"/>
+          </a:effectRef>
+          <a:fontRef idx="minor">
+            <a:schemeClr val="lt1"/>
+          </a:fontRef>
+        </p:style>
+        <p:txBody>
+          <a:bodyPr rtlCol="0" anchor="ctr"/>
+          <a:lstStyle/>
+          <a:p>
+            <a:pPr marL="0" marR="0" lvl="0" indent="0" algn="ctr" defTabSz="914400" rtl="0" eaLnBrk="1" fontAlgn="auto" latinLnBrk="0" hangingPunct="1">
+              <a:lnSpc>
+                <a:spcPct val="100000"/>
+              </a:lnSpc>
+              <a:spcBef>
+                <a:spcPts val="0"/>
+              </a:spcBef>
+              <a:spcAft>
+                <a:spcPts val="0"/>
+              </a:spcAft>
+              <a:buClrTx/>
+              <a:buSzTx/>
+              <a:buFontTx/>
+              <a:buNone/>
+              <a:tabLst/>
+              <a:defRPr/>
+            </a:pPr>
+            <a:endParaRPr kumimoji="0" lang="en-US" sz="1800" b="0" i="0" u="none" strike="noStrike" kern="1200" cap="none" spc="0" normalizeH="0" baseline="0" noProof="0">
+              <a:ln>
+                <a:noFill/>
+              </a:ln>
+              <a:solidFill>
+                <a:prstClr val="white"/>
+              </a:solidFill>
+              <a:effectLst/>
+              <a:uLnTx/>
+              <a:uFillTx/>
+              <a:latin typeface="Calibri" panose="020F0502020204030204"/>
+              <a:ea typeface="+mn-ea"/>
+              <a:cs typeface="+mn-cs"/>
+            </a:endParaRPr>
+          </a:p>
+        </p:txBody>
+      </p:sp>
+      <p:sp>
+        <p:nvSpPr>
+          <p:cNvPr id="14" name="Rectangle 13">
+            <a:extLst>
+              <a:ext uri="{FF2B5EF4-FFF2-40B4-BE49-F238E27FC236}">
+                <a16:creationId xmlns:a16="http://schemas.microsoft.com/office/drawing/2014/main" id="{79F3C543-62EC-4433-9C93-A2CD8764E9B4}"/>
+              </a:ext>
+              <a:ext uri="{C183D7F6-B498-43B3-948B-1728B52AA6E4}">
+                <adec:decorative xmlns:adec="http://schemas.microsoft.com/office/drawing/2017/decorative" val="1"/>
+              </a:ext>
+            </a:extLst>
+          </p:cNvPr>
+          <p:cNvSpPr>
+            <a:spLocks noGrp="1" noRot="1" noChangeAspect="1" noMove="1" noResize="1" noEditPoints="1" noAdjustHandles="1" noChangeArrowheads="1" noChangeShapeType="1" noTextEdit="1"/>
+          </p:cNvSpPr>
+          <p:nvPr>
+            <p:extLst>
+              <p:ext uri="{386F3935-93C4-4BCD-93E2-E3B085C9AB24}">
+                <p16:designElem xmlns:p16="http://schemas.microsoft.com/office/powerpoint/2015/main" val="1"/>
+              </p:ext>
+            </p:extLst>
+          </p:nvPr>
+        </p:nvSpPr>
+        <p:spPr>
+          <a:xfrm flipV="1">
+            <a:off x="578652" y="4501201"/>
+            <a:ext cx="11034696" cy="18288"/>
+          </a:xfrm>
+          <a:prstGeom prst="rect">
+            <a:avLst/>
+          </a:prstGeom>
+          <a:solidFill>
+            <a:schemeClr val="tx2">
+              <a:lumMod val="25000"/>
+              <a:lumOff val="75000"/>
+            </a:schemeClr>
+          </a:solidFill>
+          <a:ln w="3175">
+            <a:noFill/>
+          </a:ln>
+          <a:effectLst/>
+        </p:spPr>
+        <p:style>
+          <a:lnRef idx="2">
+            <a:schemeClr val="accent1">
+              <a:shade val="50000"/>
+            </a:schemeClr>
+          </a:lnRef>
+          <a:fillRef idx="1">
+            <a:schemeClr val="accent1"/>
+          </a:fillRef>
+          <a:effectRef idx="0">
+            <a:schemeClr val="accent1"/>
+          </a:effectRef>
+          <a:fontRef idx="minor">
+            <a:schemeClr val="lt1"/>
+          </a:fontRef>
+        </p:style>
+        <p:txBody>
+          <a:bodyPr rtlCol="0" anchor="ctr"/>
+          <a:lstStyle/>
+          <a:p>
+            <a:pPr marL="0" marR="0" lvl="0" indent="0" algn="ctr" defTabSz="914400" rtl="0" eaLnBrk="1" fontAlgn="auto" latinLnBrk="0" hangingPunct="1">
+              <a:lnSpc>
+                <a:spcPct val="100000"/>
+              </a:lnSpc>
+              <a:spcBef>
+                <a:spcPts val="0"/>
+              </a:spcBef>
+              <a:spcAft>
+                <a:spcPts val="0"/>
+              </a:spcAft>
+              <a:buClrTx/>
+              <a:buSzTx/>
+              <a:buFontTx/>
+              <a:buNone/>
+              <a:tabLst/>
+              <a:defRPr/>
+            </a:pPr>
+            <a:endParaRPr kumimoji="0" lang="en-US" sz="1800" b="0" i="0" u="none" strike="noStrike" kern="1200" cap="none" spc="0" normalizeH="0" baseline="0" noProof="0">
+              <a:ln>
+                <a:noFill/>
+              </a:ln>
+              <a:solidFill>
+                <a:prstClr val="white"/>
+              </a:solidFill>
+              <a:effectLst/>
+              <a:uLnTx/>
+              <a:uFillTx/>
+              <a:latin typeface="Calibri" panose="020F0502020204030204"/>
+              <a:ea typeface="+mn-ea"/>
+              <a:cs typeface="+mn-cs"/>
+            </a:endParaRPr>
+          </a:p>
+        </p:txBody>
+      </p:sp>
+      <p:sp useBgFill="1">
+        <p:nvSpPr>
+          <p:cNvPr id="16" name="Rectangle 15">
+            <a:extLst>
+              <a:ext uri="{FF2B5EF4-FFF2-40B4-BE49-F238E27FC236}">
+                <a16:creationId xmlns:a16="http://schemas.microsoft.com/office/drawing/2014/main" id="{E91DC736-0EF8-4F87-9146-EBF1D2EE4D3D}"/>
+              </a:ext>
+              <a:ext uri="{C183D7F6-B498-43B3-948B-1728B52AA6E4}">
+                <adec:decorative xmlns:adec="http://schemas.microsoft.com/office/drawing/2017/decorative" val="1"/>
+              </a:ext>
+            </a:extLst>
+          </p:cNvPr>
+          <p:cNvSpPr>
+            <a:spLocks noGrp="1" noRot="1" noChangeAspect="1" noMove="1" noResize="1" noEditPoints="1" noAdjustHandles="1" noChangeArrowheads="1" noChangeShapeType="1" noTextEdit="1"/>
+          </p:cNvSpPr>
+          <p:nvPr>
+            <p:extLst>
+              <p:ext uri="{386F3935-93C4-4BCD-93E2-E3B085C9AB24}">
+                <p16:designElem xmlns:p16="http://schemas.microsoft.com/office/powerpoint/2015/main" val="1"/>
+              </p:ext>
+            </p:extLst>
+          </p:nvPr>
+        </p:nvSpPr>
+        <p:spPr>
+          <a:xfrm>
+            <a:off x="0" y="0"/>
+            <a:ext cx="12192000" cy="6858000"/>
+          </a:xfrm>
+          <a:prstGeom prst="rect">
+            <a:avLst/>
+          </a:prstGeom>
+          <a:ln>
+            <a:noFill/>
+          </a:ln>
+        </p:spPr>
+        <p:style>
+          <a:lnRef idx="2">
+            <a:schemeClr val="accent1">
+              <a:shade val="50000"/>
+            </a:schemeClr>
+          </a:lnRef>
+          <a:fillRef idx="1">
+            <a:schemeClr val="accent1"/>
+          </a:fillRef>
+          <a:effectRef idx="0">
+            <a:schemeClr val="accent1"/>
+          </a:effectRef>
+          <a:fontRef idx="minor">
+            <a:schemeClr val="lt1"/>
+          </a:fontRef>
+        </p:style>
+        <p:txBody>
+          <a:bodyPr rtlCol="0" anchor="ctr"/>
+          <a:lstStyle/>
+          <a:p>
+            <a:pPr algn="ctr"/>
+            <a:endParaRPr lang="en-US"/>
+          </a:p>
+        </p:txBody>
+      </p:sp>
+      <p:pic>
+        <p:nvPicPr>
+          <p:cNvPr id="6" name="Content Placeholder 3" descr="Fundo do vetor de cores vibrantes salpicando">
+            <a:extLst>
+              <a:ext uri="{FF2B5EF4-FFF2-40B4-BE49-F238E27FC236}">
+                <a16:creationId xmlns:a16="http://schemas.microsoft.com/office/drawing/2014/main" id="{C3A0FBC4-A4E8-353B-7F50-51A64639B3DE}"/>
+              </a:ext>
+            </a:extLst>
+          </p:cNvPr>
+          <p:cNvPicPr>
+            <a:picLocks noChangeAspect="1"/>
+          </p:cNvPicPr>
+          <p:nvPr/>
+        </p:nvPicPr>
+        <p:blipFill rotWithShape="1">
+          <a:blip r:embed="rId2"/>
+          <a:srcRect l="10975" r="3072" b="-1"/>
+          <a:stretch>
+            <a:fillRect/>
+          </a:stretch>
+        </p:blipFill>
+        <p:spPr>
+          <a:xfrm>
+            <a:off x="3523488" y="10"/>
+            <a:ext cx="8668512" cy="6857990"/>
+          </a:xfrm>
+          <a:prstGeom prst="rect">
+            <a:avLst/>
+          </a:prstGeom>
+        </p:spPr>
+      </p:pic>
+      <p:sp>
+        <p:nvSpPr>
+          <p:cNvPr id="18" name="Rectangle 17">
+            <a:extLst>
+              <a:ext uri="{FF2B5EF4-FFF2-40B4-BE49-F238E27FC236}">
+                <a16:creationId xmlns:a16="http://schemas.microsoft.com/office/drawing/2014/main" id="{097CD68E-23E3-4007-8847-CD0944C4F7BE}"/>
+              </a:ext>
+              <a:ext uri="{C183D7F6-B498-43B3-948B-1728B52AA6E4}">
+                <adec:decorative xmlns:adec="http://schemas.microsoft.com/office/drawing/2017/decorative" val="1"/>
+              </a:ext>
+            </a:extLst>
+          </p:cNvPr>
+          <p:cNvSpPr>
+            <a:spLocks noGrp="1" noRot="1" noChangeAspect="1" noMove="1" noResize="1" noEditPoints="1" noAdjustHandles="1" noChangeArrowheads="1" noChangeShapeType="1" noTextEdit="1"/>
+          </p:cNvSpPr>
+          <p:nvPr>
+            <p:extLst>
+              <p:ext uri="{386F3935-93C4-4BCD-93E2-E3B085C9AB24}">
+                <p16:designElem xmlns:p16="http://schemas.microsoft.com/office/powerpoint/2015/main" val="1"/>
+              </p:ext>
+            </p:extLst>
+          </p:nvPr>
+        </p:nvSpPr>
+        <p:spPr>
+          <a:xfrm>
+            <a:off x="0" y="0"/>
+            <a:ext cx="9756601" cy="6858000"/>
+          </a:xfrm>
+          <a:prstGeom prst="rect">
+            <a:avLst/>
+          </a:prstGeom>
+          <a:gradFill>
+            <a:gsLst>
+              <a:gs pos="58000">
+                <a:schemeClr val="bg1"/>
+              </a:gs>
+              <a:gs pos="35000">
+                <a:schemeClr val="bg1">
+                  <a:alpha val="79000"/>
+                </a:schemeClr>
+              </a:gs>
+              <a:gs pos="19000">
+                <a:schemeClr val="bg1">
+                  <a:alpha val="38000"/>
+                </a:schemeClr>
+              </a:gs>
+              <a:gs pos="0">
+                <a:schemeClr val="bg1">
+                  <a:alpha val="0"/>
+                </a:schemeClr>
+              </a:gs>
+              <a:gs pos="100000">
+                <a:schemeClr val="bg1"/>
+              </a:gs>
+            </a:gsLst>
+            <a:lin ang="10800000" scaled="0"/>
+          </a:gradFill>
+          <a:ln>
+            <a:noFill/>
+          </a:ln>
+        </p:spPr>
+        <p:style>
+          <a:lnRef idx="2">
+            <a:schemeClr val="accent1">
+              <a:shade val="50000"/>
+            </a:schemeClr>
+          </a:lnRef>
+          <a:fillRef idx="1">
+            <a:schemeClr val="accent1"/>
+          </a:fillRef>
+          <a:effectRef idx="0">
+            <a:schemeClr val="accent1"/>
+          </a:effectRef>
+          <a:fontRef idx="minor">
+            <a:schemeClr val="lt1"/>
+          </a:fontRef>
+        </p:style>
+        <p:txBody>
+          <a:bodyPr rtlCol="0" anchor="ctr"/>
+          <a:lstStyle/>
+          <a:p>
+            <a:pPr algn="ctr"/>
+            <a:endParaRPr lang="en-US" dirty="0"/>
+          </a:p>
+        </p:txBody>
+      </p:sp>
+      <p:sp>
+        <p:nvSpPr>
+          <p:cNvPr id="7" name="Título 1">
+            <a:extLst>
+              <a:ext uri="{FF2B5EF4-FFF2-40B4-BE49-F238E27FC236}">
+                <a16:creationId xmlns:a16="http://schemas.microsoft.com/office/drawing/2014/main" id="{E6089194-585B-08EC-6ABA-74144855575C}"/>
+              </a:ext>
+            </a:extLst>
+          </p:cNvPr>
+          <p:cNvSpPr>
+            <a:spLocks noGrp="1"/>
+          </p:cNvSpPr>
+          <p:nvPr>
+            <p:ph type="title"/>
+          </p:nvPr>
+        </p:nvSpPr>
+        <p:spPr>
+          <a:xfrm>
+            <a:off x="477980" y="1122363"/>
+            <a:ext cx="4680615" cy="3204134"/>
+          </a:xfrm>
+        </p:spPr>
+        <p:txBody>
+          <a:bodyPr vert="horz" lIns="91440" tIns="45720" rIns="91440" bIns="45720" rtlCol="0" anchor="b">
+            <a:normAutofit/>
+          </a:bodyPr>
+          <a:lstStyle/>
+          <a:p>
+            <a:r>
+              <a:rPr lang="en-US" sz="4800" dirty="0"/>
+              <a:t>Aula 9.4 – </a:t>
+            </a:r>
+            <a:r>
+              <a:rPr lang="en-US" sz="4800" dirty="0" err="1"/>
+              <a:t>Renderizando</a:t>
+            </a:r>
+            <a:r>
+              <a:rPr lang="en-US" sz="4800" dirty="0"/>
+              <a:t> </a:t>
+            </a:r>
+            <a:r>
+              <a:rPr lang="en-US" sz="4800" dirty="0" err="1"/>
+              <a:t>Diferentes</a:t>
+            </a:r>
+            <a:r>
+              <a:rPr lang="en-US" sz="4800" dirty="0"/>
+              <a:t> Imagens</a:t>
+            </a:r>
+          </a:p>
+        </p:txBody>
+      </p:sp>
+      <p:sp>
+        <p:nvSpPr>
+          <p:cNvPr id="20" name="Rectangle 19">
+            <a:extLst>
+              <a:ext uri="{FF2B5EF4-FFF2-40B4-BE49-F238E27FC236}">
+                <a16:creationId xmlns:a16="http://schemas.microsoft.com/office/drawing/2014/main" id="{AF2F604E-43BE-4DC3-B983-E071523364F8}"/>
+              </a:ext>
+              <a:ext uri="{C183D7F6-B498-43B3-948B-1728B52AA6E4}">
+                <adec:decorative xmlns:adec="http://schemas.microsoft.com/office/drawing/2017/decorative" val="1"/>
+              </a:ext>
+            </a:extLst>
+          </p:cNvPr>
+          <p:cNvSpPr>
+            <a:spLocks noGrp="1" noRot="1" noChangeAspect="1" noMove="1" noResize="1" noEditPoints="1" noAdjustHandles="1" noChangeArrowheads="1" noChangeShapeType="1" noTextEdit="1"/>
+          </p:cNvSpPr>
+          <p:nvPr>
+            <p:extLst>
+              <p:ext uri="{386F3935-93C4-4BCD-93E2-E3B085C9AB24}">
+                <p16:designElem xmlns:p16="http://schemas.microsoft.com/office/powerpoint/2015/main" val="1"/>
+              </p:ext>
+            </p:extLst>
+          </p:nvPr>
+        </p:nvSpPr>
+        <p:spPr>
+          <a:xfrm rot="5400000">
+            <a:off x="759921" y="346791"/>
+            <a:ext cx="146304" cy="704088"/>
+          </a:xfrm>
+          <a:prstGeom prst="rect">
+            <a:avLst/>
+          </a:prstGeom>
+          <a:solidFill>
+            <a:schemeClr val="accent1"/>
+          </a:solidFill>
+          <a:ln>
+            <a:noFill/>
+          </a:ln>
+        </p:spPr>
+        <p:style>
+          <a:lnRef idx="2">
+            <a:schemeClr val="accent1">
+              <a:shade val="50000"/>
+            </a:schemeClr>
+          </a:lnRef>
+          <a:fillRef idx="1">
+            <a:schemeClr val="accent1"/>
+          </a:fillRef>
+          <a:effectRef idx="0">
+            <a:schemeClr val="accent1"/>
+          </a:effectRef>
+          <a:fontRef idx="minor">
+            <a:schemeClr val="lt1"/>
+          </a:fontRef>
+        </p:style>
+        <p:txBody>
+          <a:bodyPr rtlCol="0" anchor="ctr"/>
+          <a:lstStyle/>
+          <a:p>
+            <a:pPr marL="0" marR="0" lvl="0" indent="0" algn="ctr" defTabSz="914400" rtl="0" eaLnBrk="1" fontAlgn="auto" latinLnBrk="0" hangingPunct="1">
+              <a:lnSpc>
+                <a:spcPct val="100000"/>
+              </a:lnSpc>
+              <a:spcBef>
+                <a:spcPts val="0"/>
+              </a:spcBef>
+              <a:spcAft>
+                <a:spcPts val="0"/>
+              </a:spcAft>
+              <a:buClrTx/>
+              <a:buSzTx/>
+              <a:buFontTx/>
+              <a:buNone/>
+              <a:tabLst/>
+              <a:defRPr/>
+            </a:pPr>
+            <a:endParaRPr kumimoji="0" lang="en-US" sz="1800" b="0" i="0" u="none" strike="noStrike" kern="1200" cap="none" spc="0" normalizeH="0" baseline="0" noProof="0">
+              <a:ln>
+                <a:noFill/>
+              </a:ln>
+              <a:solidFill>
+                <a:prstClr val="white"/>
+              </a:solidFill>
+              <a:effectLst/>
+              <a:uLnTx/>
+              <a:uFillTx/>
+              <a:latin typeface="Calibri" panose="020F0502020204030204"/>
+              <a:ea typeface="+mn-ea"/>
+              <a:cs typeface="+mn-cs"/>
+            </a:endParaRPr>
+          </a:p>
+        </p:txBody>
+      </p:sp>
+      <p:sp>
+        <p:nvSpPr>
+          <p:cNvPr id="22" name="Rectangle 21">
+            <a:extLst>
+              <a:ext uri="{FF2B5EF4-FFF2-40B4-BE49-F238E27FC236}">
+                <a16:creationId xmlns:a16="http://schemas.microsoft.com/office/drawing/2014/main" id="{08C9B587-E65E-4B52-B37C-ABEBB6E87928}"/>
+              </a:ext>
+              <a:ext uri="{C183D7F6-B498-43B3-948B-1728B52AA6E4}">
+                <adec:decorative xmlns:adec="http://schemas.microsoft.com/office/drawing/2017/decorative" val="1"/>
+              </a:ext>
+            </a:extLst>
+          </p:cNvPr>
+          <p:cNvSpPr>
+            <a:spLocks noGrp="1" noRot="1" noChangeAspect="1" noMove="1" noResize="1" noEditPoints="1" noAdjustHandles="1" noChangeArrowheads="1" noChangeShapeType="1" noTextEdit="1"/>
+          </p:cNvSpPr>
+          <p:nvPr>
+            <p:extLst>
+              <p:ext uri="{386F3935-93C4-4BCD-93E2-E3B085C9AB24}">
+                <p16:designElem xmlns:p16="http://schemas.microsoft.com/office/powerpoint/2015/main" val="1"/>
+              </p:ext>
+            </p:extLst>
+          </p:nvPr>
+        </p:nvSpPr>
+        <p:spPr>
+          <a:xfrm>
+            <a:off x="481029" y="4546920"/>
+            <a:ext cx="3977640" cy="18288"/>
+          </a:xfrm>
+          <a:prstGeom prst="rect">
+            <a:avLst/>
+          </a:prstGeom>
+          <a:solidFill>
+            <a:schemeClr val="tx2">
+              <a:lumMod val="25000"/>
+              <a:lumOff val="75000"/>
+            </a:schemeClr>
+          </a:solidFill>
+          <a:ln w="3175">
+            <a:solidFill>
+              <a:schemeClr val="tx2">
+                <a:lumMod val="25000"/>
+                <a:lumOff val="75000"/>
+              </a:schemeClr>
+            </a:solidFill>
+          </a:ln>
+          <a:effectLst/>
+        </p:spPr>
+        <p:style>
+          <a:lnRef idx="2">
+            <a:schemeClr val="accent1">
+              <a:shade val="50000"/>
+            </a:schemeClr>
+          </a:lnRef>
+          <a:fillRef idx="1">
+            <a:schemeClr val="accent1"/>
+          </a:fillRef>
+          <a:effectRef idx="0">
+            <a:schemeClr val="accent1"/>
+          </a:effectRef>
+          <a:fontRef idx="minor">
+            <a:schemeClr val="lt1"/>
+          </a:fontRef>
+        </p:style>
+        <p:txBody>
+          <a:bodyPr rtlCol="0" anchor="ctr"/>
+          <a:lstStyle/>
+          <a:p>
+            <a:pPr marL="0" marR="0" lvl="0" indent="0" algn="ctr" defTabSz="914400" rtl="0" eaLnBrk="1" fontAlgn="auto" latinLnBrk="0" hangingPunct="1">
+              <a:lnSpc>
+                <a:spcPct val="100000"/>
+              </a:lnSpc>
+              <a:spcBef>
+                <a:spcPts val="0"/>
+              </a:spcBef>
+              <a:spcAft>
+                <a:spcPts val="0"/>
+              </a:spcAft>
+              <a:buClrTx/>
+              <a:buSzTx/>
+              <a:buFontTx/>
+              <a:buNone/>
+              <a:tabLst/>
+              <a:defRPr/>
+            </a:pPr>
+            <a:endParaRPr kumimoji="0" lang="en-US" sz="1800" b="0" i="0" u="none" strike="noStrike" kern="1200" cap="none" spc="0" normalizeH="0" baseline="0" noProof="0">
+              <a:ln>
+                <a:noFill/>
+              </a:ln>
+              <a:solidFill>
+                <a:prstClr val="white"/>
+              </a:solidFill>
+              <a:effectLst/>
+              <a:uLnTx/>
+              <a:uFillTx/>
+              <a:latin typeface="Calibri" panose="020F0502020204030204"/>
+              <a:ea typeface="+mn-ea"/>
+              <a:cs typeface="+mn-cs"/>
+            </a:endParaRPr>
+          </a:p>
+        </p:txBody>
+      </p:sp>
+    </p:spTree>
+    <p:extLst>
+      <p:ext uri="{BB962C8B-B14F-4D97-AF65-F5344CB8AC3E}">
+        <p14:creationId xmlns:p14="http://schemas.microsoft.com/office/powerpoint/2010/main" val="3925526100"/>
+      </p:ext>
+    </p:extLst>
+  </p:cSld>
+  <p:clrMapOvr>
+    <a:masterClrMapping/>
+  </p:clrMapOvr>
+  <p:timing>
+    <p:tnLst>
+      <p:par>
+        <p:cTn id="1" dur="indefinite" restart="never" nodeType="tmRoot">
+          <p:childTnLst>
+            <p:seq concurrent="1" nextAc="seek">
+              <p:cTn id="2" dur="indefinite" nodeType="mainSeq">
+                <p:childTnLst>
+                  <p:par>
+                    <p:cTn id="3" fill="hold">
+                      <p:stCondLst>
+                        <p:cond delay="indefinite"/>
+                        <p:cond evt="onBegin" delay="0">
+                          <p:tn val="2"/>
+                        </p:cond>
+                      </p:stCondLst>
+                      <p:childTnLst>
+                        <p:par>
+                          <p:cTn id="4" fill="hold">
+                            <p:stCondLst>
+                              <p:cond delay="0"/>
+                            </p:stCondLst>
+                            <p:childTnLst>
+                              <p:par>
+                                <p:cTn id="5" presetID="10" presetClass="entr" presetSubtype="0" fill="hold" grpId="0" nodeType="withEffect">
+                                  <p:stCondLst>
+                                    <p:cond delay="1000"/>
+                                  </p:stCondLst>
+                                  <p:iterate type="lt">
+                                    <p:tmPct val="10000"/>
+                                  </p:iterate>
+                                  <p:childTnLst>
+                                    <p:set>
+                                      <p:cBhvr>
+                                        <p:cTn id="6" dur="1" fill="hold">
+                                          <p:stCondLst>
+                                            <p:cond delay="0"/>
+                                          </p:stCondLst>
+                                        </p:cTn>
+                                        <p:tgtEl>
+                                          <p:spTgt spid="7"/>
+                                        </p:tgtEl>
+                                        <p:attrNameLst>
+                                          <p:attrName>style.visibility</p:attrName>
+                                        </p:attrNameLst>
+                                      </p:cBhvr>
+                                      <p:to>
+                                        <p:strVal val="visible"/>
+                                      </p:to>
+                                    </p:set>
+                                    <p:animEffect transition="in" filter="fade">
+                                      <p:cBhvr>
+                                        <p:cTn id="7" dur="400"/>
+                                        <p:tgtEl>
+                                          <p:spTgt spid="7"/>
+                                        </p:tgtEl>
+                                      </p:cBhvr>
+                                    </p:animEffect>
+                                  </p:childTnLst>
+                                </p:cTn>
+                              </p:par>
+                            </p:childTnLst>
+                          </p:cTn>
+                        </p:par>
+                      </p:childTnLst>
+                    </p:cTn>
+                  </p:par>
+                </p:childTnLst>
+              </p:cTn>
+              <p:prevCondLst>
+                <p:cond evt="onPrev" delay="0">
+                  <p:tgtEl>
+                    <p:sldTgt/>
+                  </p:tgtEl>
+                </p:cond>
+              </p:prevCondLst>
+              <p:nextCondLst>
+                <p:cond evt="onNext" delay="0">
+                  <p:tgtEl>
+                    <p:sldTgt/>
+                  </p:tgtEl>
+                </p:cond>
+              </p:nextCondLst>
+            </p:seq>
+          </p:childTnLst>
+        </p:cTn>
+      </p:par>
+    </p:tnLst>
+    <p:bldLst>
+      <p:bldP spid="7" grpId="0"/>
+    </p:bldLst>
+  </p:timing>
+</p:sld>
+</file>
+
+<file path=ppt/slides/slide133.xml><?xml version="1.0" encoding="utf-8"?>
+<p:sld xmlns:a="http://schemas.openxmlformats.org/drawingml/2006/main" xmlns:r="http://schemas.openxmlformats.org/officeDocument/2006/relationships" xmlns:p="http://schemas.openxmlformats.org/presentationml/2006/main">
+  <p:cSld>
+    <p:spTree>
+      <p:nvGrpSpPr>
+        <p:cNvPr id="1" name=""/>
+        <p:cNvGrpSpPr/>
+        <p:nvPr/>
+      </p:nvGrpSpPr>
+      <p:grpSpPr>
+        <a:xfrm>
+          <a:off x="0" y="0"/>
+          <a:ext cx="0" cy="0"/>
+          <a:chOff x="0" y="0"/>
+          <a:chExt cx="0" cy="0"/>
+        </a:xfrm>
+      </p:grpSpPr>
+      <p:sp>
+        <p:nvSpPr>
+          <p:cNvPr id="2" name="Título 1">
+            <a:extLst>
+              <a:ext uri="{FF2B5EF4-FFF2-40B4-BE49-F238E27FC236}">
+                <a16:creationId xmlns:a16="http://schemas.microsoft.com/office/drawing/2014/main" id="{0D5B695B-F0AA-BC8E-4C53-80D8DEFE4AFD}"/>
+              </a:ext>
+            </a:extLst>
+          </p:cNvPr>
+          <p:cNvSpPr>
+            <a:spLocks noGrp="1"/>
+          </p:cNvSpPr>
+          <p:nvPr>
+            <p:ph type="title"/>
+          </p:nvPr>
+        </p:nvSpPr>
+        <p:spPr/>
+        <p:txBody>
+          <a:bodyPr/>
+          <a:lstStyle/>
+          <a:p>
+            <a:r>
+              <a:rPr lang="pt-BR" dirty="0"/>
+              <a:t>Renderizando Diferentes Imagens	</a:t>
+            </a:r>
+          </a:p>
+        </p:txBody>
+      </p:sp>
+      <p:sp>
+        <p:nvSpPr>
+          <p:cNvPr id="3" name="Espaço Reservado para Conteúdo 2">
+            <a:extLst>
+              <a:ext uri="{FF2B5EF4-FFF2-40B4-BE49-F238E27FC236}">
+                <a16:creationId xmlns:a16="http://schemas.microsoft.com/office/drawing/2014/main" id="{FF7AF9EC-6BEC-A246-9D4D-BFE993FE64A5}"/>
+              </a:ext>
+            </a:extLst>
+          </p:cNvPr>
+          <p:cNvSpPr>
+            <a:spLocks noGrp="1"/>
+          </p:cNvSpPr>
+          <p:nvPr>
+            <p:ph idx="1"/>
+          </p:nvPr>
+        </p:nvSpPr>
+        <p:spPr/>
+        <p:txBody>
+          <a:bodyPr/>
+          <a:lstStyle/>
+          <a:p>
+            <a:r>
+              <a:rPr lang="pt-BR" dirty="0"/>
+              <a:t>Você pode utilizar os elementos figure e Picture </a:t>
+            </a:r>
+            <a:r>
+              <a:rPr lang="pt-BR"/>
+              <a:t>para isso!</a:t>
+            </a:r>
+            <a:endParaRPr lang="pt-BR" dirty="0"/>
+          </a:p>
+        </p:txBody>
+      </p:sp>
+    </p:spTree>
+    <p:extLst>
+      <p:ext uri="{BB962C8B-B14F-4D97-AF65-F5344CB8AC3E}">
+        <p14:creationId xmlns:p14="http://schemas.microsoft.com/office/powerpoint/2010/main" val="3838748373"/>
+      </p:ext>
+    </p:extLst>
+  </p:cSld>
+  <p:clrMapOvr>
+    <a:masterClrMapping/>
+  </p:clrMapOvr>
+</p:sld>
+</file>
+
+<file path=ppt/slides/slide134.xml><?xml version="1.0" encoding="utf-8"?>
+<p:sld xmlns:a="http://schemas.openxmlformats.org/drawingml/2006/main" xmlns:r="http://schemas.openxmlformats.org/officeDocument/2006/relationships" xmlns:p="http://schemas.openxmlformats.org/presentationml/2006/main">
+  <p:cSld>
+    <p:spTree>
+      <p:nvGrpSpPr>
+        <p:cNvPr id="1" name=""/>
+        <p:cNvGrpSpPr/>
+        <p:nvPr/>
+      </p:nvGrpSpPr>
+      <p:grpSpPr>
+        <a:xfrm>
+          <a:off x="0" y="0"/>
+          <a:ext cx="0" cy="0"/>
+          <a:chOff x="0" y="0"/>
+          <a:chExt cx="0" cy="0"/>
+        </a:xfrm>
+      </p:grpSpPr>
+      <p:sp>
+        <p:nvSpPr>
+          <p:cNvPr id="2" name="Título 1">
+            <a:extLst>
+              <a:ext uri="{FF2B5EF4-FFF2-40B4-BE49-F238E27FC236}">
+                <a16:creationId xmlns:a16="http://schemas.microsoft.com/office/drawing/2014/main" id="{68E80D2D-364F-668E-9258-78A9B83BDF7B}"/>
+              </a:ext>
+            </a:extLst>
+          </p:cNvPr>
+          <p:cNvSpPr>
+            <a:spLocks noGrp="1"/>
+          </p:cNvSpPr>
+          <p:nvPr>
+            <p:ph type="title"/>
+          </p:nvPr>
+        </p:nvSpPr>
+        <p:spPr/>
+        <p:txBody>
+          <a:bodyPr/>
+          <a:lstStyle/>
+          <a:p>
+            <a:r>
+              <a:rPr lang="pt-BR" dirty="0"/>
+              <a:t>Renderizando Diferentes Imagens</a:t>
+            </a:r>
+          </a:p>
+        </p:txBody>
+      </p:sp>
+      <p:pic>
+        <p:nvPicPr>
+          <p:cNvPr id="9" name="Espaço Reservado para Conteúdo 8">
+            <a:extLst>
+              <a:ext uri="{FF2B5EF4-FFF2-40B4-BE49-F238E27FC236}">
+                <a16:creationId xmlns:a16="http://schemas.microsoft.com/office/drawing/2014/main" id="{D189A103-EF6B-CF33-637E-9BD6A9E4A1E5}"/>
+              </a:ext>
+            </a:extLst>
+          </p:cNvPr>
+          <p:cNvPicPr>
+            <a:picLocks noGrp="1" noChangeAspect="1"/>
+          </p:cNvPicPr>
+          <p:nvPr>
+            <p:ph idx="1"/>
+          </p:nvPr>
+        </p:nvPicPr>
+        <p:blipFill>
+          <a:blip r:embed="rId2"/>
+          <a:stretch>
+            <a:fillRect/>
+          </a:stretch>
+        </p:blipFill>
+        <p:spPr>
+          <a:xfrm>
+            <a:off x="594592" y="2432649"/>
+            <a:ext cx="10526857" cy="3554083"/>
+          </a:xfrm>
+        </p:spPr>
+      </p:pic>
+    </p:spTree>
+    <p:extLst>
+      <p:ext uri="{BB962C8B-B14F-4D97-AF65-F5344CB8AC3E}">
+        <p14:creationId xmlns:p14="http://schemas.microsoft.com/office/powerpoint/2010/main" val="2181566403"/>
+      </p:ext>
+    </p:extLst>
+  </p:cSld>
+  <p:clrMapOvr>
+    <a:masterClrMapping/>
+  </p:clrMapOvr>
+</p:sld>
+</file>
+
+<file path=ppt/slides/slide135.xml><?xml version="1.0" encoding="utf-8"?>
+<p:sld xmlns:a="http://schemas.openxmlformats.org/drawingml/2006/main" xmlns:r="http://schemas.openxmlformats.org/officeDocument/2006/relationships" xmlns:p="http://schemas.openxmlformats.org/presentationml/2006/main">
+  <p:cSld>
+    <p:spTree>
+      <p:nvGrpSpPr>
+        <p:cNvPr id="1" name=""/>
+        <p:cNvGrpSpPr/>
+        <p:nvPr/>
+      </p:nvGrpSpPr>
+      <p:grpSpPr>
+        <a:xfrm>
+          <a:off x="0" y="0"/>
+          <a:ext cx="0" cy="0"/>
+          <a:chOff x="0" y="0"/>
+          <a:chExt cx="0" cy="0"/>
+        </a:xfrm>
+      </p:grpSpPr>
+      <p:sp>
+        <p:nvSpPr>
+          <p:cNvPr id="2" name="Título 1">
+            <a:extLst>
+              <a:ext uri="{FF2B5EF4-FFF2-40B4-BE49-F238E27FC236}">
+                <a16:creationId xmlns:a16="http://schemas.microsoft.com/office/drawing/2014/main" id="{EFCB15EE-E8D3-DA68-93FF-5F5E775B1D1C}"/>
+              </a:ext>
+            </a:extLst>
+          </p:cNvPr>
+          <p:cNvSpPr>
+            <a:spLocks noGrp="1"/>
+          </p:cNvSpPr>
+          <p:nvPr>
+            <p:ph type="title"/>
+          </p:nvPr>
+        </p:nvSpPr>
+        <p:spPr/>
+        <p:txBody>
+          <a:bodyPr/>
+          <a:lstStyle/>
+          <a:p>
+            <a:r>
+              <a:rPr lang="pt-BR" dirty="0"/>
+              <a:t>O que é o Elemento Picture?</a:t>
+            </a:r>
+          </a:p>
+        </p:txBody>
+      </p:sp>
+      <p:sp>
+        <p:nvSpPr>
+          <p:cNvPr id="3" name="Espaço Reservado para Conteúdo 2">
+            <a:extLst>
+              <a:ext uri="{FF2B5EF4-FFF2-40B4-BE49-F238E27FC236}">
+                <a16:creationId xmlns:a16="http://schemas.microsoft.com/office/drawing/2014/main" id="{6E6CA9B2-7F34-76DF-7593-36DDBB5F496C}"/>
+              </a:ext>
+            </a:extLst>
+          </p:cNvPr>
+          <p:cNvSpPr>
+            <a:spLocks noGrp="1"/>
+          </p:cNvSpPr>
+          <p:nvPr>
+            <p:ph idx="1"/>
+          </p:nvPr>
+        </p:nvSpPr>
+        <p:spPr/>
+        <p:txBody>
+          <a:bodyPr/>
+          <a:lstStyle/>
+          <a:p>
+            <a:r>
+              <a:rPr lang="pt-BR" dirty="0"/>
+              <a:t>O elemento Picture te proporciona a possibilidade de exibir diferentes elementos de imagem baseado na resolução do seu dispositivo. </a:t>
+            </a:r>
+          </a:p>
+          <a:p>
+            <a:r>
+              <a:rPr lang="pt-BR" dirty="0"/>
+              <a:t>Isso nos dá a possibilidade de mostrarmos uma imagem de 300 pixels para um celular, 400 pixels para um tablet, 600 para um notebook e 1280px para uma TV 4K!</a:t>
+            </a:r>
+          </a:p>
+        </p:txBody>
+      </p:sp>
+    </p:spTree>
+    <p:extLst>
+      <p:ext uri="{BB962C8B-B14F-4D97-AF65-F5344CB8AC3E}">
+        <p14:creationId xmlns:p14="http://schemas.microsoft.com/office/powerpoint/2010/main" val="1772373983"/>
+      </p:ext>
+    </p:extLst>
+  </p:cSld>
+  <p:clrMapOvr>
+    <a:masterClrMapping/>
+  </p:clrMapOvr>
+</p:sld>
+</file>
+
+<file path=ppt/slides/slide136.xml><?xml version="1.0" encoding="utf-8"?>
+<p:sld xmlns:a="http://schemas.openxmlformats.org/drawingml/2006/main" xmlns:r="http://schemas.openxmlformats.org/officeDocument/2006/relationships" xmlns:p="http://schemas.openxmlformats.org/presentationml/2006/main">
+  <p:cSld>
+    <p:spTree>
+      <p:nvGrpSpPr>
+        <p:cNvPr id="1" name=""/>
+        <p:cNvGrpSpPr/>
+        <p:nvPr/>
+      </p:nvGrpSpPr>
+      <p:grpSpPr>
+        <a:xfrm>
+          <a:off x="0" y="0"/>
+          <a:ext cx="0" cy="0"/>
+          <a:chOff x="0" y="0"/>
+          <a:chExt cx="0" cy="0"/>
+        </a:xfrm>
+      </p:grpSpPr>
+      <p:sp>
+        <p:nvSpPr>
+          <p:cNvPr id="2" name="Título 1">
+            <a:extLst>
+              <a:ext uri="{FF2B5EF4-FFF2-40B4-BE49-F238E27FC236}">
+                <a16:creationId xmlns:a16="http://schemas.microsoft.com/office/drawing/2014/main" id="{8E41EFC3-9B8D-3CBC-9F15-8F96C6830684}"/>
+              </a:ext>
+            </a:extLst>
+          </p:cNvPr>
+          <p:cNvSpPr>
+            <a:spLocks noGrp="1"/>
+          </p:cNvSpPr>
+          <p:nvPr>
+            <p:ph type="title"/>
+          </p:nvPr>
+        </p:nvSpPr>
+        <p:spPr/>
+        <p:txBody>
+          <a:bodyPr/>
+          <a:lstStyle/>
+          <a:p>
+            <a:r>
+              <a:rPr lang="pt-BR" dirty="0"/>
+              <a:t>Por que Isso é Tão Bom?</a:t>
+            </a:r>
+          </a:p>
+        </p:txBody>
+      </p:sp>
+      <p:sp>
+        <p:nvSpPr>
+          <p:cNvPr id="3" name="Espaço Reservado para Conteúdo 2">
+            <a:extLst>
+              <a:ext uri="{FF2B5EF4-FFF2-40B4-BE49-F238E27FC236}">
+                <a16:creationId xmlns:a16="http://schemas.microsoft.com/office/drawing/2014/main" id="{E9C95AC2-CAE2-CE61-9DC5-C6235098A46E}"/>
+              </a:ext>
+            </a:extLst>
+          </p:cNvPr>
+          <p:cNvSpPr>
+            <a:spLocks noGrp="1"/>
+          </p:cNvSpPr>
+          <p:nvPr>
+            <p:ph idx="1"/>
+          </p:nvPr>
+        </p:nvSpPr>
+        <p:spPr/>
+        <p:txBody>
+          <a:bodyPr/>
+          <a:lstStyle/>
+          <a:p>
+            <a:pPr marL="457200" indent="-457200">
+              <a:buFont typeface="+mj-lt"/>
+              <a:buAutoNum type="arabicPeriod"/>
+            </a:pPr>
+            <a:r>
+              <a:rPr lang="pt-BR" dirty="0"/>
+              <a:t>Responsividade </a:t>
+            </a:r>
+            <a:r>
+              <a:rPr lang="pt-BR" dirty="0">
+                <a:sym typeface="Wingdings" panose="05000000000000000000" pitchFamily="2" charset="2"/>
+              </a:rPr>
+              <a:t> Seu usuário Final Agradece!</a:t>
+            </a:r>
+          </a:p>
+          <a:p>
+            <a:pPr marL="457200" indent="-457200">
+              <a:buFont typeface="+mj-lt"/>
+              <a:buAutoNum type="arabicPeriod"/>
+            </a:pPr>
+            <a:r>
+              <a:rPr lang="pt-BR" dirty="0">
+                <a:sym typeface="Wingdings" panose="05000000000000000000" pitchFamily="2" charset="2"/>
+              </a:rPr>
+              <a:t>Economia de Dados  Seu bolso agradece!</a:t>
+            </a:r>
+          </a:p>
+          <a:p>
+            <a:pPr marL="457200" indent="-457200">
+              <a:buFont typeface="+mj-lt"/>
+              <a:buAutoNum type="arabicPeriod"/>
+            </a:pPr>
+            <a:r>
+              <a:rPr lang="pt-BR" dirty="0">
+                <a:sym typeface="Wingdings" panose="05000000000000000000" pitchFamily="2" charset="2"/>
+              </a:rPr>
+              <a:t>A Nossa Aula de Redimensionamento de Imagens Agradece!</a:t>
+            </a:r>
+            <a:endParaRPr lang="pt-BR" dirty="0"/>
+          </a:p>
+        </p:txBody>
+      </p:sp>
+    </p:spTree>
+    <p:extLst>
+      <p:ext uri="{BB962C8B-B14F-4D97-AF65-F5344CB8AC3E}">
+        <p14:creationId xmlns:p14="http://schemas.microsoft.com/office/powerpoint/2010/main" val="1883486043"/>
+      </p:ext>
+    </p:extLst>
+  </p:cSld>
+  <p:clrMapOvr>
+    <a:masterClrMapping/>
+  </p:clrMapOvr>
+</p:sld>
+</file>
+
+<file path=ppt/slides/slide137.xml><?xml version="1.0" encoding="utf-8"?>
+<p:sld xmlns:a="http://schemas.openxmlformats.org/drawingml/2006/main" xmlns:r="http://schemas.openxmlformats.org/officeDocument/2006/relationships" xmlns:p="http://schemas.openxmlformats.org/presentationml/2006/main">
+  <p:cSld>
+    <p:spTree>
+      <p:nvGrpSpPr>
+        <p:cNvPr id="1" name=""/>
+        <p:cNvGrpSpPr/>
+        <p:nvPr/>
+      </p:nvGrpSpPr>
+      <p:grpSpPr>
+        <a:xfrm>
+          <a:off x="0" y="0"/>
+          <a:ext cx="0" cy="0"/>
+          <a:chOff x="0" y="0"/>
+          <a:chExt cx="0" cy="0"/>
+        </a:xfrm>
+      </p:grpSpPr>
+      <p:sp>
+        <p:nvSpPr>
+          <p:cNvPr id="2" name="Título 1">
+            <a:extLst>
+              <a:ext uri="{FF2B5EF4-FFF2-40B4-BE49-F238E27FC236}">
+                <a16:creationId xmlns:a16="http://schemas.microsoft.com/office/drawing/2014/main" id="{8E817749-20D8-6850-642D-2B590D115AEA}"/>
+              </a:ext>
+            </a:extLst>
+          </p:cNvPr>
+          <p:cNvSpPr>
+            <a:spLocks noGrp="1"/>
+          </p:cNvSpPr>
+          <p:nvPr>
+            <p:ph type="title"/>
+          </p:nvPr>
+        </p:nvSpPr>
+        <p:spPr/>
+        <p:txBody>
+          <a:bodyPr/>
+          <a:lstStyle/>
+          <a:p>
+            <a:r>
+              <a:rPr lang="pt-BR" dirty="0"/>
+              <a:t>Lição de Casa</a:t>
+            </a:r>
+          </a:p>
+        </p:txBody>
+      </p:sp>
+      <p:sp>
+        <p:nvSpPr>
+          <p:cNvPr id="3" name="Espaço Reservado para Conteúdo 2">
+            <a:extLst>
+              <a:ext uri="{FF2B5EF4-FFF2-40B4-BE49-F238E27FC236}">
+                <a16:creationId xmlns:a16="http://schemas.microsoft.com/office/drawing/2014/main" id="{37074972-BAEC-776E-5BD0-CF278C52C27A}"/>
+              </a:ext>
+            </a:extLst>
+          </p:cNvPr>
+          <p:cNvSpPr>
+            <a:spLocks noGrp="1"/>
+          </p:cNvSpPr>
+          <p:nvPr>
+            <p:ph idx="1"/>
+          </p:nvPr>
+        </p:nvSpPr>
+        <p:spPr/>
+        <p:txBody>
+          <a:bodyPr/>
+          <a:lstStyle/>
+          <a:p>
+            <a:r>
+              <a:rPr lang="pt-BR" dirty="0"/>
+              <a:t>A resolução n qual começamos a pensar em dispositivos móveis é de 768px, especialmente quando se fala para mesas digitalizadoras. A imagem que você redimensionou na aula de </a:t>
+            </a:r>
+            <a:r>
+              <a:rPr lang="pt-BR" dirty="0" err="1"/>
+              <a:t>Gimp</a:t>
+            </a:r>
+            <a:r>
+              <a:rPr lang="pt-BR" dirty="0"/>
+              <a:t> agora deve ser exibida nas seguintes resoluções:</a:t>
+            </a:r>
+          </a:p>
+          <a:p>
+            <a:pPr marL="914400" lvl="1" indent="-457200">
+              <a:buFont typeface="+mj-lt"/>
+              <a:buAutoNum type="arabicPeriod"/>
+            </a:pPr>
+            <a:r>
+              <a:rPr lang="pt-BR" dirty="0"/>
+              <a:t>2500px – Televisões 4K</a:t>
+            </a:r>
+          </a:p>
+          <a:p>
+            <a:pPr marL="914400" lvl="1" indent="-457200">
+              <a:buFont typeface="+mj-lt"/>
+              <a:buAutoNum type="arabicPeriod"/>
+            </a:pPr>
+            <a:r>
+              <a:rPr lang="pt-BR" dirty="0"/>
+              <a:t>1200px – Laptops e Notebooks tradicionais</a:t>
+            </a:r>
+          </a:p>
+          <a:p>
+            <a:pPr marL="914400" lvl="1" indent="-457200">
+              <a:buFont typeface="+mj-lt"/>
+              <a:buAutoNum type="arabicPeriod"/>
+            </a:pPr>
+            <a:r>
+              <a:rPr lang="pt-BR" dirty="0"/>
+              <a:t>768px – Mesas Digitalizadoras e Tablets</a:t>
+            </a:r>
+          </a:p>
+          <a:p>
+            <a:pPr marL="914400" lvl="1" indent="-457200">
+              <a:buFont typeface="+mj-lt"/>
+              <a:buAutoNum type="arabicPeriod"/>
+            </a:pPr>
+            <a:r>
+              <a:rPr lang="pt-BR" dirty="0"/>
+              <a:t>450px – Telefones Celulares.</a:t>
+            </a:r>
+          </a:p>
+        </p:txBody>
+      </p:sp>
+    </p:spTree>
+    <p:extLst>
+      <p:ext uri="{BB962C8B-B14F-4D97-AF65-F5344CB8AC3E}">
+        <p14:creationId xmlns:p14="http://schemas.microsoft.com/office/powerpoint/2010/main" val="1392069379"/>
+      </p:ext>
+    </p:extLst>
+  </p:cSld>
+  <p:clrMapOvr>
+    <a:masterClrMapping/>
+  </p:clrMapOvr>
+</p:sld>
+</file>
+
+<file path=ppt/slides/slide138.xml><?xml version="1.0" encoding="utf-8"?>
+<p:sld xmlns:a="http://schemas.openxmlformats.org/drawingml/2006/main" xmlns:r="http://schemas.openxmlformats.org/officeDocument/2006/relationships" xmlns:p="http://schemas.openxmlformats.org/presentationml/2006/main">
+  <p:cSld>
+    <p:bg>
+      <p:bgPr>
+        <a:solidFill>
+          <a:schemeClr val="bg1"/>
+        </a:solidFill>
+        <a:effectLst/>
+      </p:bgPr>
+    </p:bg>
+    <p:spTree>
+      <p:nvGrpSpPr>
+        <p:cNvPr id="1" name=""/>
+        <p:cNvGrpSpPr/>
+        <p:nvPr/>
+      </p:nvGrpSpPr>
+      <p:grpSpPr>
+        <a:xfrm>
+          <a:off x="0" y="0"/>
+          <a:ext cx="0" cy="0"/>
+          <a:chOff x="0" y="0"/>
+          <a:chExt cx="0" cy="0"/>
+        </a:xfrm>
+      </p:grpSpPr>
+      <p:sp>
+        <p:nvSpPr>
+          <p:cNvPr id="10" name="Rectangle 9">
+            <a:extLst>
+              <a:ext uri="{FF2B5EF4-FFF2-40B4-BE49-F238E27FC236}">
+                <a16:creationId xmlns:a16="http://schemas.microsoft.com/office/drawing/2014/main" id="{8D06CE56-3881-4ADA-8CEF-D18B02C242A3}"/>
+              </a:ext>
+              <a:ext uri="{C183D7F6-B498-43B3-948B-1728B52AA6E4}">
+                <adec:decorative xmlns:adec="http://schemas.microsoft.com/office/drawing/2017/decorative" val="1"/>
+              </a:ext>
+            </a:extLst>
+          </p:cNvPr>
+          <p:cNvSpPr>
+            <a:spLocks noGrp="1" noRot="1" noChangeAspect="1" noMove="1" noResize="1" noEditPoints="1" noAdjustHandles="1" noChangeArrowheads="1" noChangeShapeType="1" noTextEdit="1"/>
+          </p:cNvSpPr>
+          <p:nvPr>
+            <p:extLst>
+              <p:ext uri="{386F3935-93C4-4BCD-93E2-E3B085C9AB24}">
+                <p16:designElem xmlns:p16="http://schemas.microsoft.com/office/powerpoint/2015/main" val="1"/>
+              </p:ext>
+            </p:extLst>
+          </p:nvPr>
+        </p:nvSpPr>
+        <p:spPr>
+          <a:xfrm rot="5400000">
+            <a:off x="857544" y="346791"/>
+            <a:ext cx="146304" cy="704088"/>
+          </a:xfrm>
+          <a:prstGeom prst="rect">
+            <a:avLst/>
+          </a:prstGeom>
+          <a:solidFill>
+            <a:schemeClr val="accent1"/>
+          </a:solidFill>
+          <a:ln>
+            <a:noFill/>
+          </a:ln>
+        </p:spPr>
+        <p:style>
+          <a:lnRef idx="2">
+            <a:schemeClr val="accent1">
+              <a:shade val="50000"/>
+            </a:schemeClr>
+          </a:lnRef>
+          <a:fillRef idx="1">
+            <a:schemeClr val="accent1"/>
+          </a:fillRef>
+          <a:effectRef idx="0">
+            <a:schemeClr val="accent1"/>
+          </a:effectRef>
+          <a:fontRef idx="minor">
+            <a:schemeClr val="lt1"/>
+          </a:fontRef>
+        </p:style>
+        <p:txBody>
+          <a:bodyPr rtlCol="0" anchor="ctr"/>
+          <a:lstStyle/>
+          <a:p>
+            <a:pPr marL="0" marR="0" lvl="0" indent="0" algn="ctr" defTabSz="914400" rtl="0" eaLnBrk="1" fontAlgn="auto" latinLnBrk="0" hangingPunct="1">
+              <a:lnSpc>
+                <a:spcPct val="100000"/>
+              </a:lnSpc>
+              <a:spcBef>
+                <a:spcPts val="0"/>
+              </a:spcBef>
+              <a:spcAft>
+                <a:spcPts val="0"/>
+              </a:spcAft>
+              <a:buClrTx/>
+              <a:buSzTx/>
+              <a:buFontTx/>
+              <a:buNone/>
+              <a:tabLst/>
+              <a:defRPr/>
+            </a:pPr>
+            <a:endParaRPr kumimoji="0" lang="en-US" sz="1800" b="0" i="0" u="none" strike="noStrike" kern="1200" cap="none" spc="0" normalizeH="0" baseline="0" noProof="0">
+              <a:ln>
+                <a:noFill/>
+              </a:ln>
+              <a:solidFill>
+                <a:prstClr val="white"/>
+              </a:solidFill>
+              <a:effectLst/>
+              <a:uLnTx/>
+              <a:uFillTx/>
+              <a:latin typeface="Calibri" panose="020F0502020204030204"/>
+              <a:ea typeface="+mn-ea"/>
+              <a:cs typeface="+mn-cs"/>
+            </a:endParaRPr>
+          </a:p>
+        </p:txBody>
+      </p:sp>
+      <p:sp>
+        <p:nvSpPr>
+          <p:cNvPr id="12" name="Rectangle 11">
+            <a:extLst>
+              <a:ext uri="{FF2B5EF4-FFF2-40B4-BE49-F238E27FC236}">
+                <a16:creationId xmlns:a16="http://schemas.microsoft.com/office/drawing/2014/main" id="{79F3C543-62EC-4433-9C93-A2CD8764E9B4}"/>
+              </a:ext>
+              <a:ext uri="{C183D7F6-B498-43B3-948B-1728B52AA6E4}">
+                <adec:decorative xmlns:adec="http://schemas.microsoft.com/office/drawing/2017/decorative" val="1"/>
+              </a:ext>
+            </a:extLst>
+          </p:cNvPr>
+          <p:cNvSpPr>
+            <a:spLocks noGrp="1" noRot="1" noChangeAspect="1" noMove="1" noResize="1" noEditPoints="1" noAdjustHandles="1" noChangeArrowheads="1" noChangeShapeType="1" noTextEdit="1"/>
+          </p:cNvSpPr>
+          <p:nvPr>
+            <p:extLst>
+              <p:ext uri="{386F3935-93C4-4BCD-93E2-E3B085C9AB24}">
+                <p16:designElem xmlns:p16="http://schemas.microsoft.com/office/powerpoint/2015/main" val="1"/>
+              </p:ext>
+            </p:extLst>
+          </p:nvPr>
+        </p:nvSpPr>
+        <p:spPr>
+          <a:xfrm flipV="1">
+            <a:off x="578652" y="4501201"/>
+            <a:ext cx="11034696" cy="18288"/>
+          </a:xfrm>
+          <a:prstGeom prst="rect">
+            <a:avLst/>
+          </a:prstGeom>
+          <a:solidFill>
+            <a:schemeClr val="tx2">
+              <a:lumMod val="25000"/>
+              <a:lumOff val="75000"/>
+            </a:schemeClr>
+          </a:solidFill>
+          <a:ln w="3175">
+            <a:noFill/>
+          </a:ln>
+          <a:effectLst/>
+        </p:spPr>
+        <p:style>
+          <a:lnRef idx="2">
+            <a:schemeClr val="accent1">
+              <a:shade val="50000"/>
+            </a:schemeClr>
+          </a:lnRef>
+          <a:fillRef idx="1">
+            <a:schemeClr val="accent1"/>
+          </a:fillRef>
+          <a:effectRef idx="0">
+            <a:schemeClr val="accent1"/>
+          </a:effectRef>
+          <a:fontRef idx="minor">
+            <a:schemeClr val="lt1"/>
+          </a:fontRef>
+        </p:style>
+        <p:txBody>
+          <a:bodyPr rtlCol="0" anchor="ctr"/>
+          <a:lstStyle/>
+          <a:p>
+            <a:pPr marL="0" marR="0" lvl="0" indent="0" algn="ctr" defTabSz="914400" rtl="0" eaLnBrk="1" fontAlgn="auto" latinLnBrk="0" hangingPunct="1">
+              <a:lnSpc>
+                <a:spcPct val="100000"/>
+              </a:lnSpc>
+              <a:spcBef>
+                <a:spcPts val="0"/>
+              </a:spcBef>
+              <a:spcAft>
+                <a:spcPts val="0"/>
+              </a:spcAft>
+              <a:buClrTx/>
+              <a:buSzTx/>
+              <a:buFontTx/>
+              <a:buNone/>
+              <a:tabLst/>
+              <a:defRPr/>
+            </a:pPr>
+            <a:endParaRPr kumimoji="0" lang="en-US" sz="1800" b="0" i="0" u="none" strike="noStrike" kern="1200" cap="none" spc="0" normalizeH="0" baseline="0" noProof="0">
+              <a:ln>
+                <a:noFill/>
+              </a:ln>
+              <a:solidFill>
+                <a:prstClr val="white"/>
+              </a:solidFill>
+              <a:effectLst/>
+              <a:uLnTx/>
+              <a:uFillTx/>
+              <a:latin typeface="Calibri" panose="020F0502020204030204"/>
+              <a:ea typeface="+mn-ea"/>
+              <a:cs typeface="+mn-cs"/>
+            </a:endParaRPr>
+          </a:p>
+        </p:txBody>
+      </p:sp>
+      <p:sp useBgFill="1">
+        <p:nvSpPr>
+          <p:cNvPr id="14" name="Rectangle 13">
+            <a:extLst>
+              <a:ext uri="{FF2B5EF4-FFF2-40B4-BE49-F238E27FC236}">
+                <a16:creationId xmlns:a16="http://schemas.microsoft.com/office/drawing/2014/main" id="{E91DC736-0EF8-4F87-9146-EBF1D2EE4D3D}"/>
+              </a:ext>
+              <a:ext uri="{C183D7F6-B498-43B3-948B-1728B52AA6E4}">
+                <adec:decorative xmlns:adec="http://schemas.microsoft.com/office/drawing/2017/decorative" val="1"/>
+              </a:ext>
+            </a:extLst>
+          </p:cNvPr>
+          <p:cNvSpPr>
+            <a:spLocks noGrp="1" noRot="1" noChangeAspect="1" noMove="1" noResize="1" noEditPoints="1" noAdjustHandles="1" noChangeArrowheads="1" noChangeShapeType="1" noTextEdit="1"/>
+          </p:cNvSpPr>
+          <p:nvPr>
+            <p:extLst>
+              <p:ext uri="{386F3935-93C4-4BCD-93E2-E3B085C9AB24}">
+                <p16:designElem xmlns:p16="http://schemas.microsoft.com/office/powerpoint/2015/main" val="1"/>
+              </p:ext>
+            </p:extLst>
+          </p:nvPr>
+        </p:nvSpPr>
+        <p:spPr>
+          <a:xfrm>
+            <a:off x="0" y="0"/>
+            <a:ext cx="12192000" cy="6858000"/>
+          </a:xfrm>
+          <a:prstGeom prst="rect">
+            <a:avLst/>
+          </a:prstGeom>
+          <a:ln>
+            <a:noFill/>
+          </a:ln>
+        </p:spPr>
+        <p:style>
+          <a:lnRef idx="2">
+            <a:schemeClr val="accent1">
+              <a:shade val="50000"/>
+            </a:schemeClr>
+          </a:lnRef>
+          <a:fillRef idx="1">
+            <a:schemeClr val="accent1"/>
+          </a:fillRef>
+          <a:effectRef idx="0">
+            <a:schemeClr val="accent1"/>
+          </a:effectRef>
+          <a:fontRef idx="minor">
+            <a:schemeClr val="lt1"/>
+          </a:fontRef>
+        </p:style>
+        <p:txBody>
+          <a:bodyPr rtlCol="0" anchor="ctr"/>
+          <a:lstStyle/>
+          <a:p>
+            <a:pPr algn="ctr"/>
+            <a:endParaRPr lang="en-US"/>
+          </a:p>
+        </p:txBody>
+      </p:sp>
+      <p:pic>
+        <p:nvPicPr>
+          <p:cNvPr id="4" name="Content Placeholder 3" descr="Fundo do vetor de cores vibrantes salpicando">
+            <a:extLst>
+              <a:ext uri="{FF2B5EF4-FFF2-40B4-BE49-F238E27FC236}">
+                <a16:creationId xmlns:a16="http://schemas.microsoft.com/office/drawing/2014/main" id="{91621430-3888-ADE9-13A9-44F74078AF56}"/>
+              </a:ext>
+            </a:extLst>
+          </p:cNvPr>
+          <p:cNvPicPr>
+            <a:picLocks noChangeAspect="1"/>
+          </p:cNvPicPr>
+          <p:nvPr/>
+        </p:nvPicPr>
+        <p:blipFill rotWithShape="1">
+          <a:blip r:embed="rId2"/>
+          <a:srcRect l="10975" r="3072" b="-1"/>
+          <a:stretch>
+            <a:fillRect/>
+          </a:stretch>
+        </p:blipFill>
+        <p:spPr>
+          <a:xfrm>
+            <a:off x="3523488" y="10"/>
+            <a:ext cx="8668512" cy="6857990"/>
+          </a:xfrm>
+          <a:prstGeom prst="rect">
+            <a:avLst/>
+          </a:prstGeom>
+        </p:spPr>
+      </p:pic>
+      <p:sp>
+        <p:nvSpPr>
+          <p:cNvPr id="16" name="Rectangle 15">
+            <a:extLst>
+              <a:ext uri="{FF2B5EF4-FFF2-40B4-BE49-F238E27FC236}">
+                <a16:creationId xmlns:a16="http://schemas.microsoft.com/office/drawing/2014/main" id="{097CD68E-23E3-4007-8847-CD0944C4F7BE}"/>
+              </a:ext>
+              <a:ext uri="{C183D7F6-B498-43B3-948B-1728B52AA6E4}">
+                <adec:decorative xmlns:adec="http://schemas.microsoft.com/office/drawing/2017/decorative" val="1"/>
+              </a:ext>
+            </a:extLst>
+          </p:cNvPr>
+          <p:cNvSpPr>
+            <a:spLocks noGrp="1" noRot="1" noChangeAspect="1" noMove="1" noResize="1" noEditPoints="1" noAdjustHandles="1" noChangeArrowheads="1" noChangeShapeType="1" noTextEdit="1"/>
+          </p:cNvSpPr>
+          <p:nvPr>
+            <p:extLst>
+              <p:ext uri="{386F3935-93C4-4BCD-93E2-E3B085C9AB24}">
+                <p16:designElem xmlns:p16="http://schemas.microsoft.com/office/powerpoint/2015/main" val="1"/>
+              </p:ext>
+            </p:extLst>
+          </p:nvPr>
+        </p:nvSpPr>
+        <p:spPr>
+          <a:xfrm>
+            <a:off x="0" y="0"/>
+            <a:ext cx="9756601" cy="6858000"/>
+          </a:xfrm>
+          <a:prstGeom prst="rect">
+            <a:avLst/>
+          </a:prstGeom>
+          <a:gradFill>
+            <a:gsLst>
+              <a:gs pos="58000">
+                <a:schemeClr val="bg1"/>
+              </a:gs>
+              <a:gs pos="35000">
+                <a:schemeClr val="bg1">
+                  <a:alpha val="79000"/>
+                </a:schemeClr>
+              </a:gs>
+              <a:gs pos="19000">
+                <a:schemeClr val="bg1">
+                  <a:alpha val="38000"/>
+                </a:schemeClr>
+              </a:gs>
+              <a:gs pos="0">
+                <a:schemeClr val="bg1">
+                  <a:alpha val="0"/>
+                </a:schemeClr>
+              </a:gs>
+              <a:gs pos="100000">
+                <a:schemeClr val="bg1"/>
+              </a:gs>
+            </a:gsLst>
+            <a:lin ang="10800000" scaled="0"/>
+          </a:gradFill>
+          <a:ln>
+            <a:noFill/>
+          </a:ln>
+        </p:spPr>
+        <p:style>
+          <a:lnRef idx="2">
+            <a:schemeClr val="accent1">
+              <a:shade val="50000"/>
+            </a:schemeClr>
+          </a:lnRef>
+          <a:fillRef idx="1">
+            <a:schemeClr val="accent1"/>
+          </a:fillRef>
+          <a:effectRef idx="0">
+            <a:schemeClr val="accent1"/>
+          </a:effectRef>
+          <a:fontRef idx="minor">
+            <a:schemeClr val="lt1"/>
+          </a:fontRef>
+        </p:style>
+        <p:txBody>
+          <a:bodyPr rtlCol="0" anchor="ctr"/>
+          <a:lstStyle/>
+          <a:p>
+            <a:pPr algn="ctr"/>
+            <a:endParaRPr lang="en-US" dirty="0"/>
+          </a:p>
+        </p:txBody>
+      </p:sp>
+      <p:sp>
+        <p:nvSpPr>
+          <p:cNvPr id="5" name="Título 1">
+            <a:extLst>
+              <a:ext uri="{FF2B5EF4-FFF2-40B4-BE49-F238E27FC236}">
+                <a16:creationId xmlns:a16="http://schemas.microsoft.com/office/drawing/2014/main" id="{DFE4BBA9-96EE-63D7-B7A6-B7E8FB5F5225}"/>
+              </a:ext>
+            </a:extLst>
+          </p:cNvPr>
+          <p:cNvSpPr>
+            <a:spLocks noGrp="1"/>
+          </p:cNvSpPr>
+          <p:nvPr>
+            <p:ph type="title"/>
+          </p:nvPr>
+        </p:nvSpPr>
+        <p:spPr>
+          <a:xfrm>
+            <a:off x="477981" y="1122363"/>
+            <a:ext cx="4023360" cy="3204134"/>
+          </a:xfrm>
+        </p:spPr>
+        <p:txBody>
+          <a:bodyPr vert="horz" lIns="91440" tIns="45720" rIns="91440" bIns="45720" rtlCol="0" anchor="b">
+            <a:normAutofit/>
+          </a:bodyPr>
+          <a:lstStyle/>
+          <a:p>
+            <a:r>
+              <a:rPr lang="en-US" sz="4400" dirty="0"/>
+              <a:t>Aula 10 – </a:t>
+            </a:r>
+            <a:r>
+              <a:rPr lang="en-US" sz="4400" dirty="0" err="1"/>
+              <a:t>Vídeos</a:t>
+            </a:r>
+            <a:r>
+              <a:rPr lang="en-US" sz="4400" dirty="0"/>
+              <a:t> no HTML</a:t>
+            </a:r>
+          </a:p>
+        </p:txBody>
+      </p:sp>
+      <p:sp>
+        <p:nvSpPr>
+          <p:cNvPr id="18" name="Rectangle 17">
+            <a:extLst>
+              <a:ext uri="{FF2B5EF4-FFF2-40B4-BE49-F238E27FC236}">
+                <a16:creationId xmlns:a16="http://schemas.microsoft.com/office/drawing/2014/main" id="{AF2F604E-43BE-4DC3-B983-E071523364F8}"/>
+              </a:ext>
+              <a:ext uri="{C183D7F6-B498-43B3-948B-1728B52AA6E4}">
+                <adec:decorative xmlns:adec="http://schemas.microsoft.com/office/drawing/2017/decorative" val="1"/>
+              </a:ext>
+            </a:extLst>
+          </p:cNvPr>
+          <p:cNvSpPr>
+            <a:spLocks noGrp="1" noRot="1" noChangeAspect="1" noMove="1" noResize="1" noEditPoints="1" noAdjustHandles="1" noChangeArrowheads="1" noChangeShapeType="1" noTextEdit="1"/>
+          </p:cNvSpPr>
+          <p:nvPr>
+            <p:extLst>
+              <p:ext uri="{386F3935-93C4-4BCD-93E2-E3B085C9AB24}">
+                <p16:designElem xmlns:p16="http://schemas.microsoft.com/office/powerpoint/2015/main" val="1"/>
+              </p:ext>
+            </p:extLst>
+          </p:nvPr>
+        </p:nvSpPr>
+        <p:spPr>
+          <a:xfrm rot="5400000">
+            <a:off x="759921" y="346791"/>
+            <a:ext cx="146304" cy="704088"/>
+          </a:xfrm>
+          <a:prstGeom prst="rect">
+            <a:avLst/>
+          </a:prstGeom>
+          <a:solidFill>
+            <a:schemeClr val="accent1"/>
+          </a:solidFill>
+          <a:ln>
+            <a:noFill/>
+          </a:ln>
+        </p:spPr>
+        <p:style>
+          <a:lnRef idx="2">
+            <a:schemeClr val="accent1">
+              <a:shade val="50000"/>
+            </a:schemeClr>
+          </a:lnRef>
+          <a:fillRef idx="1">
+            <a:schemeClr val="accent1"/>
+          </a:fillRef>
+          <a:effectRef idx="0">
+            <a:schemeClr val="accent1"/>
+          </a:effectRef>
+          <a:fontRef idx="minor">
+            <a:schemeClr val="lt1"/>
+          </a:fontRef>
+        </p:style>
+        <p:txBody>
+          <a:bodyPr rtlCol="0" anchor="ctr"/>
+          <a:lstStyle/>
+          <a:p>
+            <a:pPr marL="0" marR="0" lvl="0" indent="0" algn="ctr" defTabSz="914400" rtl="0" eaLnBrk="1" fontAlgn="auto" latinLnBrk="0" hangingPunct="1">
+              <a:lnSpc>
+                <a:spcPct val="100000"/>
+              </a:lnSpc>
+              <a:spcBef>
+                <a:spcPts val="0"/>
+              </a:spcBef>
+              <a:spcAft>
+                <a:spcPts val="0"/>
+              </a:spcAft>
+              <a:buClrTx/>
+              <a:buSzTx/>
+              <a:buFontTx/>
+              <a:buNone/>
+              <a:tabLst/>
+              <a:defRPr/>
+            </a:pPr>
+            <a:endParaRPr kumimoji="0" lang="en-US" sz="1800" b="0" i="0" u="none" strike="noStrike" kern="1200" cap="none" spc="0" normalizeH="0" baseline="0" noProof="0">
+              <a:ln>
+                <a:noFill/>
+              </a:ln>
+              <a:solidFill>
+                <a:prstClr val="white"/>
+              </a:solidFill>
+              <a:effectLst/>
+              <a:uLnTx/>
+              <a:uFillTx/>
+              <a:latin typeface="Calibri" panose="020F0502020204030204"/>
+              <a:ea typeface="+mn-ea"/>
+              <a:cs typeface="+mn-cs"/>
+            </a:endParaRPr>
+          </a:p>
+        </p:txBody>
+      </p:sp>
+      <p:sp>
+        <p:nvSpPr>
+          <p:cNvPr id="20" name="Rectangle 19">
+            <a:extLst>
+              <a:ext uri="{FF2B5EF4-FFF2-40B4-BE49-F238E27FC236}">
+                <a16:creationId xmlns:a16="http://schemas.microsoft.com/office/drawing/2014/main" id="{08C9B587-E65E-4B52-B37C-ABEBB6E87928}"/>
+              </a:ext>
+              <a:ext uri="{C183D7F6-B498-43B3-948B-1728B52AA6E4}">
+                <adec:decorative xmlns:adec="http://schemas.microsoft.com/office/drawing/2017/decorative" val="1"/>
+              </a:ext>
+            </a:extLst>
+          </p:cNvPr>
+          <p:cNvSpPr>
+            <a:spLocks noGrp="1" noRot="1" noChangeAspect="1" noMove="1" noResize="1" noEditPoints="1" noAdjustHandles="1" noChangeArrowheads="1" noChangeShapeType="1" noTextEdit="1"/>
+          </p:cNvSpPr>
+          <p:nvPr>
+            <p:extLst>
+              <p:ext uri="{386F3935-93C4-4BCD-93E2-E3B085C9AB24}">
+                <p16:designElem xmlns:p16="http://schemas.microsoft.com/office/powerpoint/2015/main" val="1"/>
+              </p:ext>
+            </p:extLst>
+          </p:nvPr>
+        </p:nvSpPr>
+        <p:spPr>
+          <a:xfrm>
+            <a:off x="481029" y="4546920"/>
+            <a:ext cx="3977640" cy="18288"/>
+          </a:xfrm>
+          <a:prstGeom prst="rect">
+            <a:avLst/>
+          </a:prstGeom>
+          <a:solidFill>
+            <a:schemeClr val="tx2">
+              <a:lumMod val="25000"/>
+              <a:lumOff val="75000"/>
+            </a:schemeClr>
+          </a:solidFill>
+          <a:ln w="3175">
+            <a:solidFill>
+              <a:schemeClr val="tx2">
+                <a:lumMod val="25000"/>
+                <a:lumOff val="75000"/>
+              </a:schemeClr>
+            </a:solidFill>
+          </a:ln>
+          <a:effectLst/>
+        </p:spPr>
+        <p:style>
+          <a:lnRef idx="2">
+            <a:schemeClr val="accent1">
+              <a:shade val="50000"/>
+            </a:schemeClr>
+          </a:lnRef>
+          <a:fillRef idx="1">
+            <a:schemeClr val="accent1"/>
+          </a:fillRef>
+          <a:effectRef idx="0">
+            <a:schemeClr val="accent1"/>
+          </a:effectRef>
+          <a:fontRef idx="minor">
+            <a:schemeClr val="lt1"/>
+          </a:fontRef>
+        </p:style>
+        <p:txBody>
+          <a:bodyPr rtlCol="0" anchor="ctr"/>
+          <a:lstStyle/>
+          <a:p>
+            <a:pPr marL="0" marR="0" lvl="0" indent="0" algn="ctr" defTabSz="914400" rtl="0" eaLnBrk="1" fontAlgn="auto" latinLnBrk="0" hangingPunct="1">
+              <a:lnSpc>
+                <a:spcPct val="100000"/>
+              </a:lnSpc>
+              <a:spcBef>
+                <a:spcPts val="0"/>
+              </a:spcBef>
+              <a:spcAft>
+                <a:spcPts val="0"/>
+              </a:spcAft>
+              <a:buClrTx/>
+              <a:buSzTx/>
+              <a:buFontTx/>
+              <a:buNone/>
+              <a:tabLst/>
+              <a:defRPr/>
+            </a:pPr>
+            <a:endParaRPr kumimoji="0" lang="en-US" sz="1800" b="0" i="0" u="none" strike="noStrike" kern="1200" cap="none" spc="0" normalizeH="0" baseline="0" noProof="0">
+              <a:ln>
+                <a:noFill/>
+              </a:ln>
+              <a:solidFill>
+                <a:prstClr val="white"/>
+              </a:solidFill>
+              <a:effectLst/>
+              <a:uLnTx/>
+              <a:uFillTx/>
+              <a:latin typeface="Calibri" panose="020F0502020204030204"/>
+              <a:ea typeface="+mn-ea"/>
+              <a:cs typeface="+mn-cs"/>
+            </a:endParaRPr>
+          </a:p>
+        </p:txBody>
+      </p:sp>
+    </p:spTree>
+    <p:extLst>
+      <p:ext uri="{BB962C8B-B14F-4D97-AF65-F5344CB8AC3E}">
+        <p14:creationId xmlns:p14="http://schemas.microsoft.com/office/powerpoint/2010/main" val="3538164075"/>
+      </p:ext>
+    </p:extLst>
+  </p:cSld>
+  <p:clrMapOvr>
+    <a:masterClrMapping/>
+  </p:clrMapOvr>
+  <p:timing>
+    <p:tnLst>
+      <p:par>
+        <p:cTn id="1" dur="indefinite" restart="never" nodeType="tmRoot">
+          <p:childTnLst>
+            <p:seq concurrent="1" nextAc="seek">
+              <p:cTn id="2" dur="indefinite" nodeType="mainSeq">
+                <p:childTnLst>
+                  <p:par>
+                    <p:cTn id="3" fill="hold">
+                      <p:stCondLst>
+                        <p:cond delay="indefinite"/>
+                        <p:cond evt="onBegin" delay="0">
+                          <p:tn val="2"/>
+                        </p:cond>
+                      </p:stCondLst>
+                      <p:childTnLst>
+                        <p:par>
+                          <p:cTn id="4" fill="hold">
+                            <p:stCondLst>
+                              <p:cond delay="0"/>
+                            </p:stCondLst>
+                            <p:childTnLst>
+                              <p:par>
+                                <p:cTn id="5" presetID="10" presetClass="entr" presetSubtype="0" fill="hold" grpId="0" nodeType="withEffect">
+                                  <p:stCondLst>
+                                    <p:cond delay="1000"/>
+                                  </p:stCondLst>
+                                  <p:iterate type="lt">
+                                    <p:tmPct val="10000"/>
+                                  </p:iterate>
+                                  <p:childTnLst>
+                                    <p:set>
+                                      <p:cBhvr>
+                                        <p:cTn id="6" dur="1" fill="hold">
+                                          <p:stCondLst>
+                                            <p:cond delay="0"/>
+                                          </p:stCondLst>
+                                        </p:cTn>
+                                        <p:tgtEl>
+                                          <p:spTgt spid="5"/>
+                                        </p:tgtEl>
+                                        <p:attrNameLst>
+                                          <p:attrName>style.visibility</p:attrName>
+                                        </p:attrNameLst>
+                                      </p:cBhvr>
+                                      <p:to>
+                                        <p:strVal val="visible"/>
+                                      </p:to>
+                                    </p:set>
+                                    <p:animEffect transition="in" filter="fade">
+                                      <p:cBhvr>
+                                        <p:cTn id="7" dur="400"/>
+                                        <p:tgtEl>
+                                          <p:spTgt spid="5"/>
+                                        </p:tgtEl>
+                                      </p:cBhvr>
+                                    </p:animEffect>
+                                  </p:childTnLst>
+                                </p:cTn>
+                              </p:par>
+                            </p:childTnLst>
+                          </p:cTn>
+                        </p:par>
+                      </p:childTnLst>
+                    </p:cTn>
+                  </p:par>
+                </p:childTnLst>
+              </p:cTn>
+              <p:prevCondLst>
+                <p:cond evt="onPrev" delay="0">
+                  <p:tgtEl>
+                    <p:sldTgt/>
+                  </p:tgtEl>
+                </p:cond>
+              </p:prevCondLst>
+              <p:nextCondLst>
+                <p:cond evt="onNext" delay="0">
+                  <p:tgtEl>
+                    <p:sldTgt/>
+                  </p:tgtEl>
+                </p:cond>
+              </p:nextCondLst>
+            </p:seq>
+          </p:childTnLst>
+        </p:cTn>
+      </p:par>
+    </p:tnLst>
+    <p:bldLst>
+      <p:bldP spid="5" grpId="0"/>
+    </p:bldLst>
+  </p:timing>
+</p:sld>
+</file>
+
+<file path=ppt/slides/slide139.xml><?xml version="1.0" encoding="utf-8"?>
+<p:sld xmlns:a="http://schemas.openxmlformats.org/drawingml/2006/main" xmlns:r="http://schemas.openxmlformats.org/officeDocument/2006/relationships" xmlns:p="http://schemas.openxmlformats.org/presentationml/2006/main">
+  <p:cSld>
+    <p:spTree>
+      <p:nvGrpSpPr>
+        <p:cNvPr id="1" name=""/>
+        <p:cNvGrpSpPr/>
+        <p:nvPr/>
+      </p:nvGrpSpPr>
+      <p:grpSpPr>
+        <a:xfrm>
+          <a:off x="0" y="0"/>
+          <a:ext cx="0" cy="0"/>
+          <a:chOff x="0" y="0"/>
+          <a:chExt cx="0" cy="0"/>
+        </a:xfrm>
+      </p:grpSpPr>
+      <p:sp>
+        <p:nvSpPr>
+          <p:cNvPr id="2" name="Título 1">
+            <a:extLst>
+              <a:ext uri="{FF2B5EF4-FFF2-40B4-BE49-F238E27FC236}">
+                <a16:creationId xmlns:a16="http://schemas.microsoft.com/office/drawing/2014/main" id="{41B50C61-BBFF-9DFC-8BF1-9F6E11455555}"/>
+              </a:ext>
+            </a:extLst>
+          </p:cNvPr>
+          <p:cNvSpPr>
+            <a:spLocks noGrp="1"/>
+          </p:cNvSpPr>
+          <p:nvPr>
+            <p:ph type="title"/>
+          </p:nvPr>
+        </p:nvSpPr>
+        <p:spPr/>
+        <p:txBody>
+          <a:bodyPr/>
+          <a:lstStyle/>
+          <a:p>
+            <a:r>
+              <a:rPr lang="pt-BR" dirty="0"/>
+              <a:t>Vídeos no HTML</a:t>
+            </a:r>
+          </a:p>
+        </p:txBody>
+      </p:sp>
+      <p:sp>
+        <p:nvSpPr>
+          <p:cNvPr id="3" name="Espaço Reservado para Conteúdo 2">
+            <a:extLst>
+              <a:ext uri="{FF2B5EF4-FFF2-40B4-BE49-F238E27FC236}">
+                <a16:creationId xmlns:a16="http://schemas.microsoft.com/office/drawing/2014/main" id="{4E376AC7-07DA-EB0C-D6B0-CDFCD060581A}"/>
+              </a:ext>
+            </a:extLst>
+          </p:cNvPr>
+          <p:cNvSpPr>
+            <a:spLocks noGrp="1"/>
+          </p:cNvSpPr>
+          <p:nvPr>
+            <p:ph idx="1"/>
+          </p:nvPr>
+        </p:nvSpPr>
+        <p:spPr/>
+        <p:txBody>
+          <a:bodyPr/>
+          <a:lstStyle/>
+          <a:p>
+            <a:r>
+              <a:rPr lang="pt-BR" dirty="0"/>
+              <a:t>Você já se Perguntou como sites como:</a:t>
+            </a:r>
+          </a:p>
+          <a:p>
+            <a:pPr lvl="1"/>
+            <a:r>
+              <a:rPr lang="pt-BR" dirty="0"/>
+              <a:t>YouTube;</a:t>
+            </a:r>
+          </a:p>
+          <a:p>
+            <a:pPr lvl="1"/>
+            <a:r>
+              <a:rPr lang="pt-BR" dirty="0" err="1"/>
+              <a:t>Vimeo</a:t>
+            </a:r>
+            <a:endParaRPr lang="pt-BR" dirty="0"/>
+          </a:p>
+          <a:p>
+            <a:pPr lvl="1"/>
+            <a:r>
+              <a:rPr lang="pt-BR" dirty="0"/>
+              <a:t>E até mesmo sites de conteúdo adulto existem?</a:t>
+            </a:r>
+          </a:p>
+          <a:p>
+            <a:r>
+              <a:rPr lang="pt-BR" dirty="0"/>
+              <a:t>A Resposta são os vídeos no HTML!</a:t>
+            </a:r>
+          </a:p>
+        </p:txBody>
+      </p:sp>
+    </p:spTree>
+    <p:extLst>
+      <p:ext uri="{BB962C8B-B14F-4D97-AF65-F5344CB8AC3E}">
+        <p14:creationId xmlns:p14="http://schemas.microsoft.com/office/powerpoint/2010/main" val="3897221822"/>
+      </p:ext>
+    </p:extLst>
+  </p:cSld>
+  <p:clrMapOvr>
+    <a:masterClrMapping/>
+  </p:clrMapOvr>
+</p:sld>
+</file>
+
 <file path=ppt/slides/slide14.xml><?xml version="1.0" encoding="utf-8"?>
 <p:sld xmlns:a="http://schemas.openxmlformats.org/drawingml/2006/main" xmlns:r="http://schemas.openxmlformats.org/officeDocument/2006/relationships" xmlns:p="http://schemas.openxmlformats.org/presentationml/2006/main">
   <p:cSld>
@@ -9518,6 +15445,3057 @@
   <p:clrMapOvr>
     <a:masterClrMapping/>
   </p:clrMapOvr>
+</p:sld>
+</file>
+
+<file path=ppt/slides/slide140.xml><?xml version="1.0" encoding="utf-8"?>
+<p:sld xmlns:a="http://schemas.openxmlformats.org/drawingml/2006/main" xmlns:r="http://schemas.openxmlformats.org/officeDocument/2006/relationships" xmlns:p="http://schemas.openxmlformats.org/presentationml/2006/main">
+  <p:cSld>
+    <p:spTree>
+      <p:nvGrpSpPr>
+        <p:cNvPr id="1" name=""/>
+        <p:cNvGrpSpPr/>
+        <p:nvPr/>
+      </p:nvGrpSpPr>
+      <p:grpSpPr>
+        <a:xfrm>
+          <a:off x="0" y="0"/>
+          <a:ext cx="0" cy="0"/>
+          <a:chOff x="0" y="0"/>
+          <a:chExt cx="0" cy="0"/>
+        </a:xfrm>
+      </p:grpSpPr>
+      <p:sp>
+        <p:nvSpPr>
+          <p:cNvPr id="2" name="Título 1">
+            <a:extLst>
+              <a:ext uri="{FF2B5EF4-FFF2-40B4-BE49-F238E27FC236}">
+                <a16:creationId xmlns:a16="http://schemas.microsoft.com/office/drawing/2014/main" id="{47254210-66CB-BAA0-B222-564B8D83BCE6}"/>
+              </a:ext>
+            </a:extLst>
+          </p:cNvPr>
+          <p:cNvSpPr>
+            <a:spLocks noGrp="1"/>
+          </p:cNvSpPr>
+          <p:nvPr>
+            <p:ph type="title"/>
+          </p:nvPr>
+        </p:nvSpPr>
+        <p:spPr/>
+        <p:txBody>
+          <a:bodyPr/>
+          <a:lstStyle/>
+          <a:p>
+            <a:r>
+              <a:rPr lang="pt-BR" dirty="0" err="1"/>
+              <a:t>Tag</a:t>
+            </a:r>
+            <a:r>
+              <a:rPr lang="pt-BR" dirty="0"/>
+              <a:t> </a:t>
+            </a:r>
+            <a:r>
+              <a:rPr lang="pt-BR" dirty="0" err="1"/>
+              <a:t>video</a:t>
+            </a:r>
+            <a:endParaRPr lang="pt-BR" dirty="0"/>
+          </a:p>
+        </p:txBody>
+      </p:sp>
+      <p:pic>
+        <p:nvPicPr>
+          <p:cNvPr id="5" name="Espaço Reservado para Conteúdo 4">
+            <a:extLst>
+              <a:ext uri="{FF2B5EF4-FFF2-40B4-BE49-F238E27FC236}">
+                <a16:creationId xmlns:a16="http://schemas.microsoft.com/office/drawing/2014/main" id="{18B298AD-8ED8-13CC-A042-797AC8E1F83A}"/>
+              </a:ext>
+            </a:extLst>
+          </p:cNvPr>
+          <p:cNvPicPr>
+            <a:picLocks noGrp="1" noChangeAspect="1"/>
+          </p:cNvPicPr>
+          <p:nvPr>
+            <p:ph idx="1"/>
+          </p:nvPr>
+        </p:nvPicPr>
+        <p:blipFill>
+          <a:blip r:embed="rId2"/>
+          <a:stretch>
+            <a:fillRect/>
+          </a:stretch>
+        </p:blipFill>
+        <p:spPr>
+          <a:xfrm>
+            <a:off x="2106760" y="2777707"/>
+            <a:ext cx="8210432" cy="3103944"/>
+          </a:xfrm>
+        </p:spPr>
+      </p:pic>
+    </p:spTree>
+    <p:extLst>
+      <p:ext uri="{BB962C8B-B14F-4D97-AF65-F5344CB8AC3E}">
+        <p14:creationId xmlns:p14="http://schemas.microsoft.com/office/powerpoint/2010/main" val="3273898008"/>
+      </p:ext>
+    </p:extLst>
+  </p:cSld>
+  <p:clrMapOvr>
+    <a:masterClrMapping/>
+  </p:clrMapOvr>
+</p:sld>
+</file>
+
+<file path=ppt/slides/slide141.xml><?xml version="1.0" encoding="utf-8"?>
+<p:sld xmlns:a="http://schemas.openxmlformats.org/drawingml/2006/main" xmlns:r="http://schemas.openxmlformats.org/officeDocument/2006/relationships" xmlns:p="http://schemas.openxmlformats.org/presentationml/2006/main">
+  <p:cSld>
+    <p:bg>
+      <p:bgPr>
+        <a:solidFill>
+          <a:schemeClr val="bg1"/>
+        </a:solidFill>
+        <a:effectLst/>
+      </p:bgPr>
+    </p:bg>
+    <p:spTree>
+      <p:nvGrpSpPr>
+        <p:cNvPr id="1" name=""/>
+        <p:cNvGrpSpPr/>
+        <p:nvPr/>
+      </p:nvGrpSpPr>
+      <p:grpSpPr>
+        <a:xfrm>
+          <a:off x="0" y="0"/>
+          <a:ext cx="0" cy="0"/>
+          <a:chOff x="0" y="0"/>
+          <a:chExt cx="0" cy="0"/>
+        </a:xfrm>
+      </p:grpSpPr>
+      <p:sp>
+        <p:nvSpPr>
+          <p:cNvPr id="7" name="Rectangle 6">
+            <a:extLst>
+              <a:ext uri="{FF2B5EF4-FFF2-40B4-BE49-F238E27FC236}">
+                <a16:creationId xmlns:a16="http://schemas.microsoft.com/office/drawing/2014/main" id="{8D06CE56-3881-4ADA-8CEF-D18B02C242A3}"/>
+              </a:ext>
+              <a:ext uri="{C183D7F6-B498-43B3-948B-1728B52AA6E4}">
+                <adec:decorative xmlns:adec="http://schemas.microsoft.com/office/drawing/2017/decorative" val="1"/>
+              </a:ext>
+            </a:extLst>
+          </p:cNvPr>
+          <p:cNvSpPr>
+            <a:spLocks noGrp="1" noRot="1" noChangeAspect="1" noMove="1" noResize="1" noEditPoints="1" noAdjustHandles="1" noChangeArrowheads="1" noChangeShapeType="1" noTextEdit="1"/>
+          </p:cNvSpPr>
+          <p:nvPr>
+            <p:extLst>
+              <p:ext uri="{386F3935-93C4-4BCD-93E2-E3B085C9AB24}">
+                <p16:designElem xmlns:p16="http://schemas.microsoft.com/office/powerpoint/2015/main" val="1"/>
+              </p:ext>
+            </p:extLst>
+          </p:nvPr>
+        </p:nvSpPr>
+        <p:spPr>
+          <a:xfrm rot="5400000">
+            <a:off x="857544" y="346791"/>
+            <a:ext cx="146304" cy="704088"/>
+          </a:xfrm>
+          <a:prstGeom prst="rect">
+            <a:avLst/>
+          </a:prstGeom>
+          <a:solidFill>
+            <a:schemeClr val="accent1"/>
+          </a:solidFill>
+          <a:ln>
+            <a:noFill/>
+          </a:ln>
+        </p:spPr>
+        <p:style>
+          <a:lnRef idx="2">
+            <a:schemeClr val="accent1">
+              <a:shade val="50000"/>
+            </a:schemeClr>
+          </a:lnRef>
+          <a:fillRef idx="1">
+            <a:schemeClr val="accent1"/>
+          </a:fillRef>
+          <a:effectRef idx="0">
+            <a:schemeClr val="accent1"/>
+          </a:effectRef>
+          <a:fontRef idx="minor">
+            <a:schemeClr val="lt1"/>
+          </a:fontRef>
+        </p:style>
+        <p:txBody>
+          <a:bodyPr rtlCol="0" anchor="ctr"/>
+          <a:lstStyle/>
+          <a:p>
+            <a:pPr marL="0" marR="0" lvl="0" indent="0" algn="ctr" defTabSz="914400" rtl="0" eaLnBrk="1" fontAlgn="auto" latinLnBrk="0" hangingPunct="1">
+              <a:lnSpc>
+                <a:spcPct val="100000"/>
+              </a:lnSpc>
+              <a:spcBef>
+                <a:spcPts val="0"/>
+              </a:spcBef>
+              <a:spcAft>
+                <a:spcPts val="0"/>
+              </a:spcAft>
+              <a:buClrTx/>
+              <a:buSzTx/>
+              <a:buFontTx/>
+              <a:buNone/>
+              <a:tabLst/>
+              <a:defRPr/>
+            </a:pPr>
+            <a:endParaRPr kumimoji="0" lang="en-US" sz="1800" b="0" i="0" u="none" strike="noStrike" kern="1200" cap="none" spc="0" normalizeH="0" baseline="0" noProof="0">
+              <a:ln>
+                <a:noFill/>
+              </a:ln>
+              <a:solidFill>
+                <a:prstClr val="white"/>
+              </a:solidFill>
+              <a:effectLst/>
+              <a:uLnTx/>
+              <a:uFillTx/>
+              <a:latin typeface="Calibri" panose="020F0502020204030204"/>
+              <a:ea typeface="+mn-ea"/>
+              <a:cs typeface="+mn-cs"/>
+            </a:endParaRPr>
+          </a:p>
+        </p:txBody>
+      </p:sp>
+      <p:sp>
+        <p:nvSpPr>
+          <p:cNvPr id="9" name="Rectangle 8">
+            <a:extLst>
+              <a:ext uri="{FF2B5EF4-FFF2-40B4-BE49-F238E27FC236}">
+                <a16:creationId xmlns:a16="http://schemas.microsoft.com/office/drawing/2014/main" id="{79F3C543-62EC-4433-9C93-A2CD8764E9B4}"/>
+              </a:ext>
+              <a:ext uri="{C183D7F6-B498-43B3-948B-1728B52AA6E4}">
+                <adec:decorative xmlns:adec="http://schemas.microsoft.com/office/drawing/2017/decorative" val="1"/>
+              </a:ext>
+            </a:extLst>
+          </p:cNvPr>
+          <p:cNvSpPr>
+            <a:spLocks noGrp="1" noRot="1" noChangeAspect="1" noMove="1" noResize="1" noEditPoints="1" noAdjustHandles="1" noChangeArrowheads="1" noChangeShapeType="1" noTextEdit="1"/>
+          </p:cNvSpPr>
+          <p:nvPr>
+            <p:extLst>
+              <p:ext uri="{386F3935-93C4-4BCD-93E2-E3B085C9AB24}">
+                <p16:designElem xmlns:p16="http://schemas.microsoft.com/office/powerpoint/2015/main" val="1"/>
+              </p:ext>
+            </p:extLst>
+          </p:nvPr>
+        </p:nvSpPr>
+        <p:spPr>
+          <a:xfrm flipV="1">
+            <a:off x="578652" y="4501201"/>
+            <a:ext cx="11034696" cy="18288"/>
+          </a:xfrm>
+          <a:prstGeom prst="rect">
+            <a:avLst/>
+          </a:prstGeom>
+          <a:solidFill>
+            <a:schemeClr val="tx2">
+              <a:lumMod val="25000"/>
+              <a:lumOff val="75000"/>
+            </a:schemeClr>
+          </a:solidFill>
+          <a:ln w="3175">
+            <a:noFill/>
+          </a:ln>
+          <a:effectLst/>
+        </p:spPr>
+        <p:style>
+          <a:lnRef idx="2">
+            <a:schemeClr val="accent1">
+              <a:shade val="50000"/>
+            </a:schemeClr>
+          </a:lnRef>
+          <a:fillRef idx="1">
+            <a:schemeClr val="accent1"/>
+          </a:fillRef>
+          <a:effectRef idx="0">
+            <a:schemeClr val="accent1"/>
+          </a:effectRef>
+          <a:fontRef idx="minor">
+            <a:schemeClr val="lt1"/>
+          </a:fontRef>
+        </p:style>
+        <p:txBody>
+          <a:bodyPr rtlCol="0" anchor="ctr"/>
+          <a:lstStyle/>
+          <a:p>
+            <a:pPr marL="0" marR="0" lvl="0" indent="0" algn="ctr" defTabSz="914400" rtl="0" eaLnBrk="1" fontAlgn="auto" latinLnBrk="0" hangingPunct="1">
+              <a:lnSpc>
+                <a:spcPct val="100000"/>
+              </a:lnSpc>
+              <a:spcBef>
+                <a:spcPts val="0"/>
+              </a:spcBef>
+              <a:spcAft>
+                <a:spcPts val="0"/>
+              </a:spcAft>
+              <a:buClrTx/>
+              <a:buSzTx/>
+              <a:buFontTx/>
+              <a:buNone/>
+              <a:tabLst/>
+              <a:defRPr/>
+            </a:pPr>
+            <a:endParaRPr kumimoji="0" lang="en-US" sz="1800" b="0" i="0" u="none" strike="noStrike" kern="1200" cap="none" spc="0" normalizeH="0" baseline="0" noProof="0">
+              <a:ln>
+                <a:noFill/>
+              </a:ln>
+              <a:solidFill>
+                <a:prstClr val="white"/>
+              </a:solidFill>
+              <a:effectLst/>
+              <a:uLnTx/>
+              <a:uFillTx/>
+              <a:latin typeface="Calibri" panose="020F0502020204030204"/>
+              <a:ea typeface="+mn-ea"/>
+              <a:cs typeface="+mn-cs"/>
+            </a:endParaRPr>
+          </a:p>
+        </p:txBody>
+      </p:sp>
+      <p:sp useBgFill="1">
+        <p:nvSpPr>
+          <p:cNvPr id="11" name="Rectangle 10">
+            <a:extLst>
+              <a:ext uri="{FF2B5EF4-FFF2-40B4-BE49-F238E27FC236}">
+                <a16:creationId xmlns:a16="http://schemas.microsoft.com/office/drawing/2014/main" id="{5463EB0A-3D7C-4AA5-BFA5-8EE5B4BA5624}"/>
+              </a:ext>
+              <a:ext uri="{C183D7F6-B498-43B3-948B-1728B52AA6E4}">
+                <adec:decorative xmlns:adec="http://schemas.microsoft.com/office/drawing/2017/decorative" val="1"/>
+              </a:ext>
+            </a:extLst>
+          </p:cNvPr>
+          <p:cNvSpPr>
+            <a:spLocks noGrp="1" noRot="1" noChangeAspect="1" noMove="1" noResize="1" noEditPoints="1" noAdjustHandles="1" noChangeArrowheads="1" noChangeShapeType="1" noTextEdit="1"/>
+          </p:cNvSpPr>
+          <p:nvPr>
+            <p:extLst>
+              <p:ext uri="{386F3935-93C4-4BCD-93E2-E3B085C9AB24}">
+                <p16:designElem xmlns:p16="http://schemas.microsoft.com/office/powerpoint/2015/main" val="1"/>
+              </p:ext>
+            </p:extLst>
+          </p:nvPr>
+        </p:nvSpPr>
+        <p:spPr>
+          <a:xfrm>
+            <a:off x="0" y="0"/>
+            <a:ext cx="12192000" cy="6858000"/>
+          </a:xfrm>
+          <a:prstGeom prst="rect">
+            <a:avLst/>
+          </a:prstGeom>
+          <a:ln>
+            <a:noFill/>
+          </a:ln>
+        </p:spPr>
+        <p:style>
+          <a:lnRef idx="2">
+            <a:schemeClr val="accent1">
+              <a:shade val="50000"/>
+            </a:schemeClr>
+          </a:lnRef>
+          <a:fillRef idx="1">
+            <a:schemeClr val="accent1"/>
+          </a:fillRef>
+          <a:effectRef idx="0">
+            <a:schemeClr val="accent1"/>
+          </a:effectRef>
+          <a:fontRef idx="minor">
+            <a:schemeClr val="lt1"/>
+          </a:fontRef>
+        </p:style>
+        <p:txBody>
+          <a:bodyPr rtlCol="0" anchor="ctr"/>
+          <a:lstStyle/>
+          <a:p>
+            <a:pPr algn="ctr"/>
+            <a:endParaRPr lang="en-US"/>
+          </a:p>
+        </p:txBody>
+      </p:sp>
+      <p:sp>
+        <p:nvSpPr>
+          <p:cNvPr id="2" name="Título 1">
+            <a:extLst>
+              <a:ext uri="{FF2B5EF4-FFF2-40B4-BE49-F238E27FC236}">
+                <a16:creationId xmlns:a16="http://schemas.microsoft.com/office/drawing/2014/main" id="{0B61D3E4-26D9-A3DF-8308-F28D4F3AED65}"/>
+              </a:ext>
+            </a:extLst>
+          </p:cNvPr>
+          <p:cNvSpPr>
+            <a:spLocks noGrp="1"/>
+          </p:cNvSpPr>
+          <p:nvPr>
+            <p:ph type="title"/>
+          </p:nvPr>
+        </p:nvSpPr>
+        <p:spPr>
+          <a:xfrm>
+            <a:off x="578651" y="1122363"/>
+            <a:ext cx="11034695" cy="3174690"/>
+          </a:xfrm>
+        </p:spPr>
+        <p:txBody>
+          <a:bodyPr vert="horz" lIns="91440" tIns="45720" rIns="91440" bIns="45720" rtlCol="0" anchor="b">
+            <a:normAutofit/>
+          </a:bodyPr>
+          <a:lstStyle/>
+          <a:p>
+            <a:r>
+              <a:rPr lang="en-US" sz="8000"/>
+              <a:t>Principais Atributos</a:t>
+            </a:r>
+          </a:p>
+        </p:txBody>
+      </p:sp>
+      <p:sp>
+        <p:nvSpPr>
+          <p:cNvPr id="13" name="Rectangle 12">
+            <a:extLst>
+              <a:ext uri="{FF2B5EF4-FFF2-40B4-BE49-F238E27FC236}">
+                <a16:creationId xmlns:a16="http://schemas.microsoft.com/office/drawing/2014/main" id="{7945AD00-F967-454D-A4B2-39ABA5C88C20}"/>
+              </a:ext>
+              <a:ext uri="{C183D7F6-B498-43B3-948B-1728B52AA6E4}">
+                <adec:decorative xmlns:adec="http://schemas.microsoft.com/office/drawing/2017/decorative" val="1"/>
+              </a:ext>
+            </a:extLst>
+          </p:cNvPr>
+          <p:cNvSpPr>
+            <a:spLocks noGrp="1" noRot="1" noChangeAspect="1" noMove="1" noResize="1" noEditPoints="1" noAdjustHandles="1" noChangeArrowheads="1" noChangeShapeType="1" noTextEdit="1"/>
+          </p:cNvSpPr>
+          <p:nvPr>
+            <p:extLst>
+              <p:ext uri="{386F3935-93C4-4BCD-93E2-E3B085C9AB24}">
+                <p16:designElem xmlns:p16="http://schemas.microsoft.com/office/powerpoint/2015/main" val="1"/>
+              </p:ext>
+            </p:extLst>
+          </p:nvPr>
+        </p:nvSpPr>
+        <p:spPr>
+          <a:xfrm rot="5400000">
+            <a:off x="857544" y="346791"/>
+            <a:ext cx="146304" cy="704088"/>
+          </a:xfrm>
+          <a:prstGeom prst="rect">
+            <a:avLst/>
+          </a:prstGeom>
+          <a:solidFill>
+            <a:schemeClr val="accent1"/>
+          </a:solidFill>
+          <a:ln>
+            <a:noFill/>
+          </a:ln>
+        </p:spPr>
+        <p:style>
+          <a:lnRef idx="2">
+            <a:schemeClr val="accent1">
+              <a:shade val="50000"/>
+            </a:schemeClr>
+          </a:lnRef>
+          <a:fillRef idx="1">
+            <a:schemeClr val="accent1"/>
+          </a:fillRef>
+          <a:effectRef idx="0">
+            <a:schemeClr val="accent1"/>
+          </a:effectRef>
+          <a:fontRef idx="minor">
+            <a:schemeClr val="lt1"/>
+          </a:fontRef>
+        </p:style>
+        <p:txBody>
+          <a:bodyPr rtlCol="0" anchor="ctr"/>
+          <a:lstStyle/>
+          <a:p>
+            <a:pPr marL="0" marR="0" lvl="0" indent="0" algn="ctr" defTabSz="914400" rtl="0" eaLnBrk="1" fontAlgn="auto" latinLnBrk="0" hangingPunct="1">
+              <a:lnSpc>
+                <a:spcPct val="100000"/>
+              </a:lnSpc>
+              <a:spcBef>
+                <a:spcPts val="0"/>
+              </a:spcBef>
+              <a:spcAft>
+                <a:spcPts val="0"/>
+              </a:spcAft>
+              <a:buClrTx/>
+              <a:buSzTx/>
+              <a:buFontTx/>
+              <a:buNone/>
+              <a:tabLst/>
+              <a:defRPr/>
+            </a:pPr>
+            <a:endParaRPr kumimoji="0" lang="en-US" sz="1800" b="0" i="0" u="none" strike="noStrike" kern="1200" cap="none" spc="0" normalizeH="0" baseline="0" noProof="0">
+              <a:ln>
+                <a:noFill/>
+              </a:ln>
+              <a:solidFill>
+                <a:prstClr val="white"/>
+              </a:solidFill>
+              <a:effectLst/>
+              <a:uLnTx/>
+              <a:uFillTx/>
+              <a:latin typeface="Calibri" panose="020F0502020204030204"/>
+              <a:ea typeface="+mn-ea"/>
+              <a:cs typeface="+mn-cs"/>
+            </a:endParaRPr>
+          </a:p>
+        </p:txBody>
+      </p:sp>
+      <p:sp>
+        <p:nvSpPr>
+          <p:cNvPr id="15" name="Rectangle 14">
+            <a:extLst>
+              <a:ext uri="{FF2B5EF4-FFF2-40B4-BE49-F238E27FC236}">
+                <a16:creationId xmlns:a16="http://schemas.microsoft.com/office/drawing/2014/main" id="{E9BC5B79-B912-427C-8219-E3E50943FCDE}"/>
+              </a:ext>
+              <a:ext uri="{C183D7F6-B498-43B3-948B-1728B52AA6E4}">
+                <adec:decorative xmlns:adec="http://schemas.microsoft.com/office/drawing/2017/decorative" val="1"/>
+              </a:ext>
+            </a:extLst>
+          </p:cNvPr>
+          <p:cNvSpPr>
+            <a:spLocks noGrp="1" noRot="1" noChangeAspect="1" noMove="1" noResize="1" noEditPoints="1" noAdjustHandles="1" noChangeArrowheads="1" noChangeShapeType="1" noTextEdit="1"/>
+          </p:cNvSpPr>
+          <p:nvPr>
+            <p:extLst>
+              <p:ext uri="{386F3935-93C4-4BCD-93E2-E3B085C9AB24}">
+                <p16:designElem xmlns:p16="http://schemas.microsoft.com/office/powerpoint/2015/main" val="1"/>
+              </p:ext>
+            </p:extLst>
+          </p:nvPr>
+        </p:nvSpPr>
+        <p:spPr>
+          <a:xfrm flipV="1">
+            <a:off x="578652" y="4501201"/>
+            <a:ext cx="11034696" cy="18288"/>
+          </a:xfrm>
+          <a:prstGeom prst="rect">
+            <a:avLst/>
+          </a:prstGeom>
+          <a:solidFill>
+            <a:schemeClr val="tx2">
+              <a:lumMod val="25000"/>
+              <a:lumOff val="75000"/>
+            </a:schemeClr>
+          </a:solidFill>
+          <a:ln w="3175">
+            <a:noFill/>
+          </a:ln>
+          <a:effectLst/>
+        </p:spPr>
+        <p:style>
+          <a:lnRef idx="2">
+            <a:schemeClr val="accent1">
+              <a:shade val="50000"/>
+            </a:schemeClr>
+          </a:lnRef>
+          <a:fillRef idx="1">
+            <a:schemeClr val="accent1"/>
+          </a:fillRef>
+          <a:effectRef idx="0">
+            <a:schemeClr val="accent1"/>
+          </a:effectRef>
+          <a:fontRef idx="minor">
+            <a:schemeClr val="lt1"/>
+          </a:fontRef>
+        </p:style>
+        <p:txBody>
+          <a:bodyPr rtlCol="0" anchor="ctr"/>
+          <a:lstStyle/>
+          <a:p>
+            <a:pPr marL="0" marR="0" lvl="0" indent="0" algn="ctr" defTabSz="914400" rtl="0" eaLnBrk="1" fontAlgn="auto" latinLnBrk="0" hangingPunct="1">
+              <a:lnSpc>
+                <a:spcPct val="100000"/>
+              </a:lnSpc>
+              <a:spcBef>
+                <a:spcPts val="0"/>
+              </a:spcBef>
+              <a:spcAft>
+                <a:spcPts val="0"/>
+              </a:spcAft>
+              <a:buClrTx/>
+              <a:buSzTx/>
+              <a:buFontTx/>
+              <a:buNone/>
+              <a:tabLst/>
+              <a:defRPr/>
+            </a:pPr>
+            <a:endParaRPr kumimoji="0" lang="en-US" sz="1800" b="0" i="0" u="none" strike="noStrike" kern="1200" cap="none" spc="0" normalizeH="0" baseline="0" noProof="0">
+              <a:ln>
+                <a:noFill/>
+              </a:ln>
+              <a:solidFill>
+                <a:prstClr val="white"/>
+              </a:solidFill>
+              <a:effectLst/>
+              <a:uLnTx/>
+              <a:uFillTx/>
+              <a:latin typeface="Calibri" panose="020F0502020204030204"/>
+              <a:ea typeface="+mn-ea"/>
+              <a:cs typeface="+mn-cs"/>
+            </a:endParaRPr>
+          </a:p>
+        </p:txBody>
+      </p:sp>
+    </p:spTree>
+    <p:extLst>
+      <p:ext uri="{BB962C8B-B14F-4D97-AF65-F5344CB8AC3E}">
+        <p14:creationId xmlns:p14="http://schemas.microsoft.com/office/powerpoint/2010/main" val="4126468980"/>
+      </p:ext>
+    </p:extLst>
+  </p:cSld>
+  <p:clrMapOvr>
+    <a:masterClrMapping/>
+  </p:clrMapOvr>
+  <p:timing>
+    <p:tnLst>
+      <p:par>
+        <p:cTn id="1" dur="indefinite" restart="never" nodeType="tmRoot">
+          <p:childTnLst>
+            <p:seq concurrent="1" nextAc="seek">
+              <p:cTn id="2" dur="indefinite" nodeType="mainSeq">
+                <p:childTnLst>
+                  <p:par>
+                    <p:cTn id="3" fill="hold">
+                      <p:stCondLst>
+                        <p:cond delay="indefinite"/>
+                        <p:cond evt="onBegin" delay="0">
+                          <p:tn val="2"/>
+                        </p:cond>
+                      </p:stCondLst>
+                      <p:childTnLst>
+                        <p:par>
+                          <p:cTn id="4" fill="hold">
+                            <p:stCondLst>
+                              <p:cond delay="0"/>
+                            </p:stCondLst>
+                            <p:childTnLst>
+                              <p:par>
+                                <p:cTn id="5" presetID="10" presetClass="entr" presetSubtype="0" fill="hold" grpId="0" nodeType="withEffect">
+                                  <p:stCondLst>
+                                    <p:cond delay="500"/>
+                                  </p:stCondLst>
+                                  <p:iterate>
+                                    <p:tmPct val="10000"/>
+                                  </p:iterate>
+                                  <p:childTnLst>
+                                    <p:set>
+                                      <p:cBhvr>
+                                        <p:cTn id="6" dur="1" fill="hold">
+                                          <p:stCondLst>
+                                            <p:cond delay="0"/>
+                                          </p:stCondLst>
+                                        </p:cTn>
+                                        <p:tgtEl>
+                                          <p:spTgt spid="2"/>
+                                        </p:tgtEl>
+                                        <p:attrNameLst>
+                                          <p:attrName>style.visibility</p:attrName>
+                                        </p:attrNameLst>
+                                      </p:cBhvr>
+                                      <p:to>
+                                        <p:strVal val="visible"/>
+                                      </p:to>
+                                    </p:set>
+                                    <p:animEffect transition="in" filter="fade">
+                                      <p:cBhvr>
+                                        <p:cTn id="7" dur="700"/>
+                                        <p:tgtEl>
+                                          <p:spTgt spid="2"/>
+                                        </p:tgtEl>
+                                      </p:cBhvr>
+                                    </p:animEffect>
+                                  </p:childTnLst>
+                                </p:cTn>
+                              </p:par>
+                            </p:childTnLst>
+                          </p:cTn>
+                        </p:par>
+                      </p:childTnLst>
+                    </p:cTn>
+                  </p:par>
+                </p:childTnLst>
+              </p:cTn>
+              <p:prevCondLst>
+                <p:cond evt="onPrev" delay="0">
+                  <p:tgtEl>
+                    <p:sldTgt/>
+                  </p:tgtEl>
+                </p:cond>
+              </p:prevCondLst>
+              <p:nextCondLst>
+                <p:cond evt="onNext" delay="0">
+                  <p:tgtEl>
+                    <p:sldTgt/>
+                  </p:tgtEl>
+                </p:cond>
+              </p:nextCondLst>
+            </p:seq>
+          </p:childTnLst>
+        </p:cTn>
+      </p:par>
+    </p:tnLst>
+    <p:bldLst>
+      <p:bldP spid="2" grpId="0"/>
+    </p:bldLst>
+  </p:timing>
+</p:sld>
+</file>
+
+<file path=ppt/slides/slide142.xml><?xml version="1.0" encoding="utf-8"?>
+<p:sld xmlns:a="http://schemas.openxmlformats.org/drawingml/2006/main" xmlns:r="http://schemas.openxmlformats.org/officeDocument/2006/relationships" xmlns:p="http://schemas.openxmlformats.org/presentationml/2006/main">
+  <p:cSld>
+    <p:bg>
+      <p:bgPr>
+        <a:solidFill>
+          <a:schemeClr val="bg1"/>
+        </a:solidFill>
+        <a:effectLst/>
+      </p:bgPr>
+    </p:bg>
+    <p:spTree>
+      <p:nvGrpSpPr>
+        <p:cNvPr id="1" name=""/>
+        <p:cNvGrpSpPr/>
+        <p:nvPr/>
+      </p:nvGrpSpPr>
+      <p:grpSpPr>
+        <a:xfrm>
+          <a:off x="0" y="0"/>
+          <a:ext cx="0" cy="0"/>
+          <a:chOff x="0" y="0"/>
+          <a:chExt cx="0" cy="0"/>
+        </a:xfrm>
+      </p:grpSpPr>
+      <p:sp useBgFill="1">
+        <p:nvSpPr>
+          <p:cNvPr id="10" name="Rectangle 9">
+            <a:extLst>
+              <a:ext uri="{FF2B5EF4-FFF2-40B4-BE49-F238E27FC236}">
+                <a16:creationId xmlns:a16="http://schemas.microsoft.com/office/drawing/2014/main" id="{2550BE34-C2B8-49B8-8519-67A8CAD51AE9}"/>
+              </a:ext>
+              <a:ext uri="{C183D7F6-B498-43B3-948B-1728B52AA6E4}">
+                <adec:decorative xmlns:adec="http://schemas.microsoft.com/office/drawing/2017/decorative" val="1"/>
+              </a:ext>
+            </a:extLst>
+          </p:cNvPr>
+          <p:cNvSpPr>
+            <a:spLocks noGrp="1" noRot="1" noChangeAspect="1" noMove="1" noResize="1" noEditPoints="1" noAdjustHandles="1" noChangeArrowheads="1" noChangeShapeType="1" noTextEdit="1"/>
+          </p:cNvSpPr>
+          <p:nvPr>
+            <p:extLst>
+              <p:ext uri="{386F3935-93C4-4BCD-93E2-E3B085C9AB24}">
+                <p16:designElem xmlns:p16="http://schemas.microsoft.com/office/powerpoint/2015/main" val="1"/>
+              </p:ext>
+            </p:extLst>
+          </p:nvPr>
+        </p:nvSpPr>
+        <p:spPr>
+          <a:xfrm>
+            <a:off x="0" y="0"/>
+            <a:ext cx="12192000" cy="6858000"/>
+          </a:xfrm>
+          <a:prstGeom prst="rect">
+            <a:avLst/>
+          </a:prstGeom>
+          <a:ln>
+            <a:noFill/>
+          </a:ln>
+        </p:spPr>
+        <p:style>
+          <a:lnRef idx="2">
+            <a:schemeClr val="accent1">
+              <a:shade val="50000"/>
+            </a:schemeClr>
+          </a:lnRef>
+          <a:fillRef idx="1">
+            <a:schemeClr val="accent1"/>
+          </a:fillRef>
+          <a:effectRef idx="0">
+            <a:schemeClr val="accent1"/>
+          </a:effectRef>
+          <a:fontRef idx="minor">
+            <a:schemeClr val="lt1"/>
+          </a:fontRef>
+        </p:style>
+        <p:txBody>
+          <a:bodyPr rtlCol="0" anchor="ctr"/>
+          <a:lstStyle/>
+          <a:p>
+            <a:pPr algn="ctr"/>
+            <a:endParaRPr lang="en-US"/>
+          </a:p>
+        </p:txBody>
+      </p:sp>
+      <p:sp useBgFill="1">
+        <p:nvSpPr>
+          <p:cNvPr id="12" name="Rectangle 11">
+            <a:extLst>
+              <a:ext uri="{FF2B5EF4-FFF2-40B4-BE49-F238E27FC236}">
+                <a16:creationId xmlns:a16="http://schemas.microsoft.com/office/drawing/2014/main" id="{A7457DD9-5A45-400A-AB4B-4B4EDECA25F1}"/>
+              </a:ext>
+              <a:ext uri="{C183D7F6-B498-43B3-948B-1728B52AA6E4}">
+                <adec:decorative xmlns:adec="http://schemas.microsoft.com/office/drawing/2017/decorative" val="1"/>
+              </a:ext>
+            </a:extLst>
+          </p:cNvPr>
+          <p:cNvSpPr>
+            <a:spLocks noGrp="1" noRot="1" noChangeAspect="1" noMove="1" noResize="1" noEditPoints="1" noAdjustHandles="1" noChangeArrowheads="1" noChangeShapeType="1" noTextEdit="1"/>
+          </p:cNvSpPr>
+          <p:nvPr>
+            <p:extLst>
+              <p:ext uri="{386F3935-93C4-4BCD-93E2-E3B085C9AB24}">
+                <p16:designElem xmlns:p16="http://schemas.microsoft.com/office/powerpoint/2015/main" val="1"/>
+              </p:ext>
+            </p:extLst>
+          </p:nvPr>
+        </p:nvSpPr>
+        <p:spPr>
+          <a:xfrm>
+            <a:off x="554416" y="365125"/>
+            <a:ext cx="11167447" cy="2089317"/>
+          </a:xfrm>
+          <a:prstGeom prst="rect">
+            <a:avLst/>
+          </a:prstGeom>
+          <a:ln w="12700">
+            <a:solidFill>
+              <a:schemeClr val="tx2">
+                <a:lumMod val="10000"/>
+                <a:lumOff val="90000"/>
+              </a:schemeClr>
+            </a:solidFill>
+          </a:ln>
+          <a:effectLst>
+            <a:outerShdw blurRad="50800" dist="38100" dir="2700000" algn="tl" rotWithShape="0">
+              <a:schemeClr val="bg2">
+                <a:lumMod val="85000"/>
+                <a:alpha val="30000"/>
+              </a:schemeClr>
+            </a:outerShdw>
+          </a:effectLst>
+        </p:spPr>
+        <p:style>
+          <a:lnRef idx="2">
+            <a:schemeClr val="accent1">
+              <a:shade val="50000"/>
+            </a:schemeClr>
+          </a:lnRef>
+          <a:fillRef idx="1">
+            <a:schemeClr val="accent1"/>
+          </a:fillRef>
+          <a:effectRef idx="0">
+            <a:schemeClr val="accent1"/>
+          </a:effectRef>
+          <a:fontRef idx="minor">
+            <a:schemeClr val="lt1"/>
+          </a:fontRef>
+        </p:style>
+        <p:txBody>
+          <a:bodyPr rtlCol="0" anchor="ctr"/>
+          <a:lstStyle/>
+          <a:p>
+            <a:pPr marL="0" marR="0" lvl="0" indent="0" algn="ctr" defTabSz="914400" rtl="0" eaLnBrk="1" fontAlgn="auto" latinLnBrk="0" hangingPunct="1">
+              <a:lnSpc>
+                <a:spcPct val="100000"/>
+              </a:lnSpc>
+              <a:spcBef>
+                <a:spcPts val="0"/>
+              </a:spcBef>
+              <a:spcAft>
+                <a:spcPts val="0"/>
+              </a:spcAft>
+              <a:buClrTx/>
+              <a:buSzTx/>
+              <a:buFontTx/>
+              <a:buNone/>
+              <a:tabLst/>
+              <a:defRPr/>
+            </a:pPr>
+            <a:endParaRPr kumimoji="0" lang="en-US" sz="1800" b="0" i="0" u="none" strike="noStrike" kern="1200" cap="none" spc="0" normalizeH="0" baseline="0" noProof="0">
+              <a:ln>
+                <a:noFill/>
+              </a:ln>
+              <a:solidFill>
+                <a:prstClr val="white"/>
+              </a:solidFill>
+              <a:effectLst/>
+              <a:uLnTx/>
+              <a:uFillTx/>
+              <a:latin typeface="Calibri" panose="020F0502020204030204"/>
+              <a:ea typeface="+mn-ea"/>
+              <a:cs typeface="+mn-cs"/>
+            </a:endParaRPr>
+          </a:p>
+        </p:txBody>
+      </p:sp>
+      <p:sp>
+        <p:nvSpPr>
+          <p:cNvPr id="2" name="Título 1">
+            <a:extLst>
+              <a:ext uri="{FF2B5EF4-FFF2-40B4-BE49-F238E27FC236}">
+                <a16:creationId xmlns:a16="http://schemas.microsoft.com/office/drawing/2014/main" id="{9FB53A0D-4E0C-09E0-5BE9-75BB5BD75672}"/>
+              </a:ext>
+            </a:extLst>
+          </p:cNvPr>
+          <p:cNvSpPr>
+            <a:spLocks noGrp="1"/>
+          </p:cNvSpPr>
+          <p:nvPr>
+            <p:ph type="title"/>
+          </p:nvPr>
+        </p:nvSpPr>
+        <p:spPr>
+          <a:xfrm>
+            <a:off x="1046746" y="586822"/>
+            <a:ext cx="3537285" cy="1645920"/>
+          </a:xfrm>
+        </p:spPr>
+        <p:txBody>
+          <a:bodyPr>
+            <a:normAutofit/>
+          </a:bodyPr>
+          <a:lstStyle/>
+          <a:p>
+            <a:r>
+              <a:rPr lang="pt-BR" sz="4800" dirty="0" err="1"/>
+              <a:t>Autoplay</a:t>
+            </a:r>
+            <a:endParaRPr lang="pt-BR" sz="4800" dirty="0"/>
+          </a:p>
+        </p:txBody>
+      </p:sp>
+      <p:sp>
+        <p:nvSpPr>
+          <p:cNvPr id="14" name="Rectangle 13">
+            <a:extLst>
+              <a:ext uri="{FF2B5EF4-FFF2-40B4-BE49-F238E27FC236}">
+                <a16:creationId xmlns:a16="http://schemas.microsoft.com/office/drawing/2014/main" id="{441CF7D6-A660-431A-B0BB-140A0D5556B6}"/>
+              </a:ext>
+              <a:ext uri="{C183D7F6-B498-43B3-948B-1728B52AA6E4}">
+                <adec:decorative xmlns:adec="http://schemas.microsoft.com/office/drawing/2017/decorative" val="1"/>
+              </a:ext>
+            </a:extLst>
+          </p:cNvPr>
+          <p:cNvSpPr>
+            <a:spLocks noGrp="1" noRot="1" noChangeAspect="1" noMove="1" noResize="1" noEditPoints="1" noAdjustHandles="1" noChangeArrowheads="1" noChangeShapeType="1" noTextEdit="1"/>
+          </p:cNvSpPr>
+          <p:nvPr>
+            <p:extLst>
+              <p:ext uri="{386F3935-93C4-4BCD-93E2-E3B085C9AB24}">
+                <p16:designElem xmlns:p16="http://schemas.microsoft.com/office/powerpoint/2015/main" val="1"/>
+              </p:ext>
+            </p:extLst>
+          </p:nvPr>
+        </p:nvSpPr>
+        <p:spPr>
+          <a:xfrm>
+            <a:off x="490408" y="1057739"/>
+            <a:ext cx="128016" cy="704088"/>
+          </a:xfrm>
+          <a:prstGeom prst="rect">
+            <a:avLst/>
+          </a:prstGeom>
+          <a:solidFill>
+            <a:schemeClr val="accent1"/>
+          </a:solidFill>
+          <a:ln>
+            <a:noFill/>
+          </a:ln>
+        </p:spPr>
+        <p:style>
+          <a:lnRef idx="2">
+            <a:schemeClr val="accent1">
+              <a:shade val="50000"/>
+            </a:schemeClr>
+          </a:lnRef>
+          <a:fillRef idx="1">
+            <a:schemeClr val="accent1"/>
+          </a:fillRef>
+          <a:effectRef idx="0">
+            <a:schemeClr val="accent1"/>
+          </a:effectRef>
+          <a:fontRef idx="minor">
+            <a:schemeClr val="lt1"/>
+          </a:fontRef>
+        </p:style>
+        <p:txBody>
+          <a:bodyPr rtlCol="0" anchor="ctr"/>
+          <a:lstStyle/>
+          <a:p>
+            <a:pPr marL="0" marR="0" lvl="0" indent="0" algn="ctr" defTabSz="914400" rtl="0" eaLnBrk="1" fontAlgn="auto" latinLnBrk="0" hangingPunct="1">
+              <a:lnSpc>
+                <a:spcPct val="100000"/>
+              </a:lnSpc>
+              <a:spcBef>
+                <a:spcPts val="0"/>
+              </a:spcBef>
+              <a:spcAft>
+                <a:spcPts val="0"/>
+              </a:spcAft>
+              <a:buClrTx/>
+              <a:buSzTx/>
+              <a:buFontTx/>
+              <a:buNone/>
+              <a:tabLst/>
+              <a:defRPr/>
+            </a:pPr>
+            <a:endParaRPr kumimoji="0" lang="en-US" sz="1800" b="0" i="0" u="none" strike="noStrike" kern="1200" cap="none" spc="0" normalizeH="0" baseline="0" noProof="0" dirty="0">
+              <a:ln>
+                <a:noFill/>
+              </a:ln>
+              <a:solidFill>
+                <a:prstClr val="white"/>
+              </a:solidFill>
+              <a:effectLst/>
+              <a:uLnTx/>
+              <a:uFillTx/>
+              <a:latin typeface="Calibri" panose="020F0502020204030204"/>
+              <a:ea typeface="+mn-ea"/>
+              <a:cs typeface="+mn-cs"/>
+            </a:endParaRPr>
+          </a:p>
+        </p:txBody>
+      </p:sp>
+      <p:sp>
+        <p:nvSpPr>
+          <p:cNvPr id="16" name="Rectangle 15">
+            <a:extLst>
+              <a:ext uri="{FF2B5EF4-FFF2-40B4-BE49-F238E27FC236}">
+                <a16:creationId xmlns:a16="http://schemas.microsoft.com/office/drawing/2014/main" id="{0570A85B-3810-4F95-97B0-CBF4CCDB381C}"/>
+              </a:ext>
+              <a:ext uri="{C183D7F6-B498-43B3-948B-1728B52AA6E4}">
+                <adec:decorative xmlns:adec="http://schemas.microsoft.com/office/drawing/2017/decorative" val="1"/>
+              </a:ext>
+            </a:extLst>
+          </p:cNvPr>
+          <p:cNvSpPr>
+            <a:spLocks noGrp="1" noRot="1" noChangeAspect="1" noMove="1" noResize="1" noEditPoints="1" noAdjustHandles="1" noChangeArrowheads="1" noChangeShapeType="1" noTextEdit="1"/>
+          </p:cNvSpPr>
+          <p:nvPr>
+            <p:extLst>
+              <p:ext uri="{386F3935-93C4-4BCD-93E2-E3B085C9AB24}">
+                <p16:designElem xmlns:p16="http://schemas.microsoft.com/office/powerpoint/2015/main" val="1"/>
+              </p:ext>
+            </p:extLst>
+          </p:nvPr>
+        </p:nvSpPr>
+        <p:spPr>
+          <a:xfrm rot="5400000">
+            <a:off x="4248113" y="1405210"/>
+            <a:ext cx="1463040" cy="9144"/>
+          </a:xfrm>
+          <a:prstGeom prst="rect">
+            <a:avLst/>
+          </a:prstGeom>
+          <a:solidFill>
+            <a:schemeClr val="tx2">
+              <a:lumMod val="25000"/>
+              <a:lumOff val="75000"/>
+            </a:schemeClr>
+          </a:solidFill>
+          <a:ln w="3175">
+            <a:noFill/>
+          </a:ln>
+          <a:effectLst/>
+        </p:spPr>
+        <p:style>
+          <a:lnRef idx="2">
+            <a:schemeClr val="accent1">
+              <a:shade val="50000"/>
+            </a:schemeClr>
+          </a:lnRef>
+          <a:fillRef idx="1">
+            <a:schemeClr val="accent1"/>
+          </a:fillRef>
+          <a:effectRef idx="0">
+            <a:schemeClr val="accent1"/>
+          </a:effectRef>
+          <a:fontRef idx="minor">
+            <a:schemeClr val="lt1"/>
+          </a:fontRef>
+        </p:style>
+        <p:txBody>
+          <a:bodyPr rtlCol="0" anchor="ctr"/>
+          <a:lstStyle/>
+          <a:p>
+            <a:pPr marL="0" marR="0" lvl="0" indent="0" algn="ctr" defTabSz="914400" rtl="0" eaLnBrk="1" fontAlgn="auto" latinLnBrk="0" hangingPunct="1">
+              <a:lnSpc>
+                <a:spcPct val="100000"/>
+              </a:lnSpc>
+              <a:spcBef>
+                <a:spcPts val="0"/>
+              </a:spcBef>
+              <a:spcAft>
+                <a:spcPts val="0"/>
+              </a:spcAft>
+              <a:buClrTx/>
+              <a:buSzTx/>
+              <a:buFontTx/>
+              <a:buNone/>
+              <a:tabLst/>
+              <a:defRPr/>
+            </a:pPr>
+            <a:endParaRPr kumimoji="0" lang="en-US" sz="1800" b="0" i="0" u="none" strike="noStrike" kern="1200" cap="none" spc="0" normalizeH="0" baseline="0" noProof="0">
+              <a:ln>
+                <a:noFill/>
+              </a:ln>
+              <a:solidFill>
+                <a:prstClr val="white"/>
+              </a:solidFill>
+              <a:effectLst/>
+              <a:uLnTx/>
+              <a:uFillTx/>
+              <a:latin typeface="Calibri" panose="020F0502020204030204"/>
+              <a:ea typeface="+mn-ea"/>
+              <a:cs typeface="+mn-cs"/>
+            </a:endParaRPr>
+          </a:p>
+        </p:txBody>
+      </p:sp>
+      <p:sp>
+        <p:nvSpPr>
+          <p:cNvPr id="3" name="Espaço Reservado para Conteúdo 2">
+            <a:extLst>
+              <a:ext uri="{FF2B5EF4-FFF2-40B4-BE49-F238E27FC236}">
+                <a16:creationId xmlns:a16="http://schemas.microsoft.com/office/drawing/2014/main" id="{49165ED7-0D75-F58B-8672-6BA7229D0A86}"/>
+              </a:ext>
+            </a:extLst>
+          </p:cNvPr>
+          <p:cNvSpPr>
+            <a:spLocks noGrp="1"/>
+          </p:cNvSpPr>
+          <p:nvPr>
+            <p:ph idx="1"/>
+          </p:nvPr>
+        </p:nvSpPr>
+        <p:spPr>
+          <a:xfrm>
+            <a:off x="5351164" y="586822"/>
+            <a:ext cx="6002636" cy="1645920"/>
+          </a:xfrm>
+        </p:spPr>
+        <p:txBody>
+          <a:bodyPr anchor="ctr">
+            <a:normAutofit/>
+          </a:bodyPr>
+          <a:lstStyle/>
+          <a:p>
+            <a:r>
+              <a:rPr lang="pt-BR" dirty="0"/>
+              <a:t>Exibe um vídeo automaticamente</a:t>
+            </a:r>
+          </a:p>
+        </p:txBody>
+      </p:sp>
+      <p:pic>
+        <p:nvPicPr>
+          <p:cNvPr id="5" name="Imagem 4" descr="Texto&#10;&#10;O conteúdo gerado por IA pode estar incorreto.">
+            <a:extLst>
+              <a:ext uri="{FF2B5EF4-FFF2-40B4-BE49-F238E27FC236}">
+                <a16:creationId xmlns:a16="http://schemas.microsoft.com/office/drawing/2014/main" id="{372E2E96-A1AE-0F86-FA4F-95AE19117D4A}"/>
+              </a:ext>
+            </a:extLst>
+          </p:cNvPr>
+          <p:cNvPicPr>
+            <a:picLocks noChangeAspect="1"/>
+          </p:cNvPicPr>
+          <p:nvPr/>
+        </p:nvPicPr>
+        <p:blipFill>
+          <a:blip r:embed="rId2"/>
+          <a:stretch>
+            <a:fillRect/>
+          </a:stretch>
+        </p:blipFill>
+        <p:spPr>
+          <a:xfrm>
+            <a:off x="1554982" y="2734056"/>
+            <a:ext cx="9170428" cy="3483864"/>
+          </a:xfrm>
+          <a:prstGeom prst="rect">
+            <a:avLst/>
+          </a:prstGeom>
+        </p:spPr>
+      </p:pic>
+    </p:spTree>
+    <p:extLst>
+      <p:ext uri="{BB962C8B-B14F-4D97-AF65-F5344CB8AC3E}">
+        <p14:creationId xmlns:p14="http://schemas.microsoft.com/office/powerpoint/2010/main" val="2103611048"/>
+      </p:ext>
+    </p:extLst>
+  </p:cSld>
+  <p:clrMapOvr>
+    <a:masterClrMapping/>
+  </p:clrMapOvr>
+</p:sld>
+</file>
+
+<file path=ppt/slides/slide143.xml><?xml version="1.0" encoding="utf-8"?>
+<p:sld xmlns:a="http://schemas.openxmlformats.org/drawingml/2006/main" xmlns:r="http://schemas.openxmlformats.org/officeDocument/2006/relationships" xmlns:p="http://schemas.openxmlformats.org/presentationml/2006/main">
+  <p:cSld>
+    <p:bg>
+      <p:bgPr>
+        <a:solidFill>
+          <a:schemeClr val="bg1"/>
+        </a:solidFill>
+        <a:effectLst/>
+      </p:bgPr>
+    </p:bg>
+    <p:spTree>
+      <p:nvGrpSpPr>
+        <p:cNvPr id="1" name=""/>
+        <p:cNvGrpSpPr/>
+        <p:nvPr/>
+      </p:nvGrpSpPr>
+      <p:grpSpPr>
+        <a:xfrm>
+          <a:off x="0" y="0"/>
+          <a:ext cx="0" cy="0"/>
+          <a:chOff x="0" y="0"/>
+          <a:chExt cx="0" cy="0"/>
+        </a:xfrm>
+      </p:grpSpPr>
+      <p:sp useBgFill="1">
+        <p:nvSpPr>
+          <p:cNvPr id="13" name="Rectangle 12">
+            <a:extLst>
+              <a:ext uri="{FF2B5EF4-FFF2-40B4-BE49-F238E27FC236}">
+                <a16:creationId xmlns:a16="http://schemas.microsoft.com/office/drawing/2014/main" id="{2550BE34-C2B8-49B8-8519-67A8CAD51AE9}"/>
+              </a:ext>
+              <a:ext uri="{C183D7F6-B498-43B3-948B-1728B52AA6E4}">
+                <adec:decorative xmlns:adec="http://schemas.microsoft.com/office/drawing/2017/decorative" val="1"/>
+              </a:ext>
+            </a:extLst>
+          </p:cNvPr>
+          <p:cNvSpPr>
+            <a:spLocks noGrp="1" noRot="1" noChangeAspect="1" noMove="1" noResize="1" noEditPoints="1" noAdjustHandles="1" noChangeArrowheads="1" noChangeShapeType="1" noTextEdit="1"/>
+          </p:cNvSpPr>
+          <p:nvPr>
+            <p:extLst>
+              <p:ext uri="{386F3935-93C4-4BCD-93E2-E3B085C9AB24}">
+                <p16:designElem xmlns:p16="http://schemas.microsoft.com/office/powerpoint/2015/main" val="1"/>
+              </p:ext>
+            </p:extLst>
+          </p:nvPr>
+        </p:nvSpPr>
+        <p:spPr>
+          <a:xfrm>
+            <a:off x="0" y="0"/>
+            <a:ext cx="12192000" cy="6858000"/>
+          </a:xfrm>
+          <a:prstGeom prst="rect">
+            <a:avLst/>
+          </a:prstGeom>
+          <a:ln>
+            <a:noFill/>
+          </a:ln>
+        </p:spPr>
+        <p:style>
+          <a:lnRef idx="2">
+            <a:schemeClr val="accent1">
+              <a:shade val="50000"/>
+            </a:schemeClr>
+          </a:lnRef>
+          <a:fillRef idx="1">
+            <a:schemeClr val="accent1"/>
+          </a:fillRef>
+          <a:effectRef idx="0">
+            <a:schemeClr val="accent1"/>
+          </a:effectRef>
+          <a:fontRef idx="minor">
+            <a:schemeClr val="lt1"/>
+          </a:fontRef>
+        </p:style>
+        <p:txBody>
+          <a:bodyPr rtlCol="0" anchor="ctr"/>
+          <a:lstStyle/>
+          <a:p>
+            <a:pPr algn="ctr"/>
+            <a:endParaRPr lang="en-US"/>
+          </a:p>
+        </p:txBody>
+      </p:sp>
+      <p:sp useBgFill="1">
+        <p:nvSpPr>
+          <p:cNvPr id="15" name="Rectangle 14">
+            <a:extLst>
+              <a:ext uri="{FF2B5EF4-FFF2-40B4-BE49-F238E27FC236}">
+                <a16:creationId xmlns:a16="http://schemas.microsoft.com/office/drawing/2014/main" id="{A7457DD9-5A45-400A-AB4B-4B4EDECA25F1}"/>
+              </a:ext>
+              <a:ext uri="{C183D7F6-B498-43B3-948B-1728B52AA6E4}">
+                <adec:decorative xmlns:adec="http://schemas.microsoft.com/office/drawing/2017/decorative" val="1"/>
+              </a:ext>
+            </a:extLst>
+          </p:cNvPr>
+          <p:cNvSpPr>
+            <a:spLocks noGrp="1" noRot="1" noChangeAspect="1" noMove="1" noResize="1" noEditPoints="1" noAdjustHandles="1" noChangeArrowheads="1" noChangeShapeType="1" noTextEdit="1"/>
+          </p:cNvSpPr>
+          <p:nvPr>
+            <p:extLst>
+              <p:ext uri="{386F3935-93C4-4BCD-93E2-E3B085C9AB24}">
+                <p16:designElem xmlns:p16="http://schemas.microsoft.com/office/powerpoint/2015/main" val="1"/>
+              </p:ext>
+            </p:extLst>
+          </p:nvPr>
+        </p:nvSpPr>
+        <p:spPr>
+          <a:xfrm>
+            <a:off x="554416" y="365125"/>
+            <a:ext cx="11167447" cy="2089317"/>
+          </a:xfrm>
+          <a:prstGeom prst="rect">
+            <a:avLst/>
+          </a:prstGeom>
+          <a:ln w="12700">
+            <a:solidFill>
+              <a:schemeClr val="tx2">
+                <a:lumMod val="10000"/>
+                <a:lumOff val="90000"/>
+              </a:schemeClr>
+            </a:solidFill>
+          </a:ln>
+          <a:effectLst>
+            <a:outerShdw blurRad="50800" dist="38100" dir="2700000" algn="tl" rotWithShape="0">
+              <a:schemeClr val="bg2">
+                <a:lumMod val="85000"/>
+                <a:alpha val="30000"/>
+              </a:schemeClr>
+            </a:outerShdw>
+          </a:effectLst>
+        </p:spPr>
+        <p:style>
+          <a:lnRef idx="2">
+            <a:schemeClr val="accent1">
+              <a:shade val="50000"/>
+            </a:schemeClr>
+          </a:lnRef>
+          <a:fillRef idx="1">
+            <a:schemeClr val="accent1"/>
+          </a:fillRef>
+          <a:effectRef idx="0">
+            <a:schemeClr val="accent1"/>
+          </a:effectRef>
+          <a:fontRef idx="minor">
+            <a:schemeClr val="lt1"/>
+          </a:fontRef>
+        </p:style>
+        <p:txBody>
+          <a:bodyPr rtlCol="0" anchor="ctr"/>
+          <a:lstStyle/>
+          <a:p>
+            <a:pPr marL="0" marR="0" lvl="0" indent="0" algn="ctr" defTabSz="914400" rtl="0" eaLnBrk="1" fontAlgn="auto" latinLnBrk="0" hangingPunct="1">
+              <a:lnSpc>
+                <a:spcPct val="100000"/>
+              </a:lnSpc>
+              <a:spcBef>
+                <a:spcPts val="0"/>
+              </a:spcBef>
+              <a:spcAft>
+                <a:spcPts val="0"/>
+              </a:spcAft>
+              <a:buClrTx/>
+              <a:buSzTx/>
+              <a:buFontTx/>
+              <a:buNone/>
+              <a:tabLst/>
+              <a:defRPr/>
+            </a:pPr>
+            <a:endParaRPr kumimoji="0" lang="en-US" sz="1800" b="0" i="0" u="none" strike="noStrike" kern="1200" cap="none" spc="0" normalizeH="0" baseline="0" noProof="0">
+              <a:ln>
+                <a:noFill/>
+              </a:ln>
+              <a:solidFill>
+                <a:prstClr val="white"/>
+              </a:solidFill>
+              <a:effectLst/>
+              <a:uLnTx/>
+              <a:uFillTx/>
+              <a:latin typeface="Calibri" panose="020F0502020204030204"/>
+              <a:ea typeface="+mn-ea"/>
+              <a:cs typeface="+mn-cs"/>
+            </a:endParaRPr>
+          </a:p>
+        </p:txBody>
+      </p:sp>
+      <p:sp>
+        <p:nvSpPr>
+          <p:cNvPr id="4" name="Título 1">
+            <a:extLst>
+              <a:ext uri="{FF2B5EF4-FFF2-40B4-BE49-F238E27FC236}">
+                <a16:creationId xmlns:a16="http://schemas.microsoft.com/office/drawing/2014/main" id="{71C3DD27-A508-AE23-CD48-D143FCD0190B}"/>
+              </a:ext>
+            </a:extLst>
+          </p:cNvPr>
+          <p:cNvSpPr>
+            <a:spLocks noGrp="1"/>
+          </p:cNvSpPr>
+          <p:nvPr>
+            <p:ph type="title"/>
+          </p:nvPr>
+        </p:nvSpPr>
+        <p:spPr>
+          <a:xfrm>
+            <a:off x="1046746" y="586822"/>
+            <a:ext cx="3537285" cy="1645920"/>
+          </a:xfrm>
+        </p:spPr>
+        <p:txBody>
+          <a:bodyPr>
+            <a:normAutofit/>
+          </a:bodyPr>
+          <a:lstStyle/>
+          <a:p>
+            <a:r>
+              <a:rPr lang="pt-BR" sz="4400" dirty="0" err="1"/>
+              <a:t>Height</a:t>
+            </a:r>
+            <a:endParaRPr lang="pt-BR" sz="4400" dirty="0"/>
+          </a:p>
+        </p:txBody>
+      </p:sp>
+      <p:sp>
+        <p:nvSpPr>
+          <p:cNvPr id="17" name="Rectangle 16">
+            <a:extLst>
+              <a:ext uri="{FF2B5EF4-FFF2-40B4-BE49-F238E27FC236}">
+                <a16:creationId xmlns:a16="http://schemas.microsoft.com/office/drawing/2014/main" id="{441CF7D6-A660-431A-B0BB-140A0D5556B6}"/>
+              </a:ext>
+              <a:ext uri="{C183D7F6-B498-43B3-948B-1728B52AA6E4}">
+                <adec:decorative xmlns:adec="http://schemas.microsoft.com/office/drawing/2017/decorative" val="1"/>
+              </a:ext>
+            </a:extLst>
+          </p:cNvPr>
+          <p:cNvSpPr>
+            <a:spLocks noGrp="1" noRot="1" noChangeAspect="1" noMove="1" noResize="1" noEditPoints="1" noAdjustHandles="1" noChangeArrowheads="1" noChangeShapeType="1" noTextEdit="1"/>
+          </p:cNvSpPr>
+          <p:nvPr>
+            <p:extLst>
+              <p:ext uri="{386F3935-93C4-4BCD-93E2-E3B085C9AB24}">
+                <p16:designElem xmlns:p16="http://schemas.microsoft.com/office/powerpoint/2015/main" val="1"/>
+              </p:ext>
+            </p:extLst>
+          </p:nvPr>
+        </p:nvSpPr>
+        <p:spPr>
+          <a:xfrm>
+            <a:off x="490408" y="1057739"/>
+            <a:ext cx="128016" cy="704088"/>
+          </a:xfrm>
+          <a:prstGeom prst="rect">
+            <a:avLst/>
+          </a:prstGeom>
+          <a:solidFill>
+            <a:schemeClr val="accent1"/>
+          </a:solidFill>
+          <a:ln>
+            <a:noFill/>
+          </a:ln>
+        </p:spPr>
+        <p:style>
+          <a:lnRef idx="2">
+            <a:schemeClr val="accent1">
+              <a:shade val="50000"/>
+            </a:schemeClr>
+          </a:lnRef>
+          <a:fillRef idx="1">
+            <a:schemeClr val="accent1"/>
+          </a:fillRef>
+          <a:effectRef idx="0">
+            <a:schemeClr val="accent1"/>
+          </a:effectRef>
+          <a:fontRef idx="minor">
+            <a:schemeClr val="lt1"/>
+          </a:fontRef>
+        </p:style>
+        <p:txBody>
+          <a:bodyPr rtlCol="0" anchor="ctr"/>
+          <a:lstStyle/>
+          <a:p>
+            <a:pPr marL="0" marR="0" lvl="0" indent="0" algn="ctr" defTabSz="914400" rtl="0" eaLnBrk="1" fontAlgn="auto" latinLnBrk="0" hangingPunct="1">
+              <a:lnSpc>
+                <a:spcPct val="100000"/>
+              </a:lnSpc>
+              <a:spcBef>
+                <a:spcPts val="0"/>
+              </a:spcBef>
+              <a:spcAft>
+                <a:spcPts val="0"/>
+              </a:spcAft>
+              <a:buClrTx/>
+              <a:buSzTx/>
+              <a:buFontTx/>
+              <a:buNone/>
+              <a:tabLst/>
+              <a:defRPr/>
+            </a:pPr>
+            <a:endParaRPr kumimoji="0" lang="en-US" sz="1800" b="0" i="0" u="none" strike="noStrike" kern="1200" cap="none" spc="0" normalizeH="0" baseline="0" noProof="0" dirty="0">
+              <a:ln>
+                <a:noFill/>
+              </a:ln>
+              <a:solidFill>
+                <a:prstClr val="white"/>
+              </a:solidFill>
+              <a:effectLst/>
+              <a:uLnTx/>
+              <a:uFillTx/>
+              <a:latin typeface="Calibri" panose="020F0502020204030204"/>
+              <a:ea typeface="+mn-ea"/>
+              <a:cs typeface="+mn-cs"/>
+            </a:endParaRPr>
+          </a:p>
+        </p:txBody>
+      </p:sp>
+      <p:sp>
+        <p:nvSpPr>
+          <p:cNvPr id="19" name="Rectangle 18">
+            <a:extLst>
+              <a:ext uri="{FF2B5EF4-FFF2-40B4-BE49-F238E27FC236}">
+                <a16:creationId xmlns:a16="http://schemas.microsoft.com/office/drawing/2014/main" id="{0570A85B-3810-4F95-97B0-CBF4CCDB381C}"/>
+              </a:ext>
+              <a:ext uri="{C183D7F6-B498-43B3-948B-1728B52AA6E4}">
+                <adec:decorative xmlns:adec="http://schemas.microsoft.com/office/drawing/2017/decorative" val="1"/>
+              </a:ext>
+            </a:extLst>
+          </p:cNvPr>
+          <p:cNvSpPr>
+            <a:spLocks noGrp="1" noRot="1" noChangeAspect="1" noMove="1" noResize="1" noEditPoints="1" noAdjustHandles="1" noChangeArrowheads="1" noChangeShapeType="1" noTextEdit="1"/>
+          </p:cNvSpPr>
+          <p:nvPr>
+            <p:extLst>
+              <p:ext uri="{386F3935-93C4-4BCD-93E2-E3B085C9AB24}">
+                <p16:designElem xmlns:p16="http://schemas.microsoft.com/office/powerpoint/2015/main" val="1"/>
+              </p:ext>
+            </p:extLst>
+          </p:nvPr>
+        </p:nvSpPr>
+        <p:spPr>
+          <a:xfrm rot="5400000">
+            <a:off x="4248113" y="1405210"/>
+            <a:ext cx="1463040" cy="9144"/>
+          </a:xfrm>
+          <a:prstGeom prst="rect">
+            <a:avLst/>
+          </a:prstGeom>
+          <a:solidFill>
+            <a:schemeClr val="tx2">
+              <a:lumMod val="25000"/>
+              <a:lumOff val="75000"/>
+            </a:schemeClr>
+          </a:solidFill>
+          <a:ln w="3175">
+            <a:noFill/>
+          </a:ln>
+          <a:effectLst/>
+        </p:spPr>
+        <p:style>
+          <a:lnRef idx="2">
+            <a:schemeClr val="accent1">
+              <a:shade val="50000"/>
+            </a:schemeClr>
+          </a:lnRef>
+          <a:fillRef idx="1">
+            <a:schemeClr val="accent1"/>
+          </a:fillRef>
+          <a:effectRef idx="0">
+            <a:schemeClr val="accent1"/>
+          </a:effectRef>
+          <a:fontRef idx="minor">
+            <a:schemeClr val="lt1"/>
+          </a:fontRef>
+        </p:style>
+        <p:txBody>
+          <a:bodyPr rtlCol="0" anchor="ctr"/>
+          <a:lstStyle/>
+          <a:p>
+            <a:pPr marL="0" marR="0" lvl="0" indent="0" algn="ctr" defTabSz="914400" rtl="0" eaLnBrk="1" fontAlgn="auto" latinLnBrk="0" hangingPunct="1">
+              <a:lnSpc>
+                <a:spcPct val="100000"/>
+              </a:lnSpc>
+              <a:spcBef>
+                <a:spcPts val="0"/>
+              </a:spcBef>
+              <a:spcAft>
+                <a:spcPts val="0"/>
+              </a:spcAft>
+              <a:buClrTx/>
+              <a:buSzTx/>
+              <a:buFontTx/>
+              <a:buNone/>
+              <a:tabLst/>
+              <a:defRPr/>
+            </a:pPr>
+            <a:endParaRPr kumimoji="0" lang="en-US" sz="1800" b="0" i="0" u="none" strike="noStrike" kern="1200" cap="none" spc="0" normalizeH="0" baseline="0" noProof="0">
+              <a:ln>
+                <a:noFill/>
+              </a:ln>
+              <a:solidFill>
+                <a:prstClr val="white"/>
+              </a:solidFill>
+              <a:effectLst/>
+              <a:uLnTx/>
+              <a:uFillTx/>
+              <a:latin typeface="Calibri" panose="020F0502020204030204"/>
+              <a:ea typeface="+mn-ea"/>
+              <a:cs typeface="+mn-cs"/>
+            </a:endParaRPr>
+          </a:p>
+        </p:txBody>
+      </p:sp>
+      <p:sp>
+        <p:nvSpPr>
+          <p:cNvPr id="5" name="Espaço Reservado para Conteúdo 2">
+            <a:extLst>
+              <a:ext uri="{FF2B5EF4-FFF2-40B4-BE49-F238E27FC236}">
+                <a16:creationId xmlns:a16="http://schemas.microsoft.com/office/drawing/2014/main" id="{215251A0-2811-5602-CDD8-702791D42646}"/>
+              </a:ext>
+            </a:extLst>
+          </p:cNvPr>
+          <p:cNvSpPr>
+            <a:spLocks noGrp="1"/>
+          </p:cNvSpPr>
+          <p:nvPr>
+            <p:ph idx="1"/>
+          </p:nvPr>
+        </p:nvSpPr>
+        <p:spPr>
+          <a:xfrm>
+            <a:off x="5351164" y="586822"/>
+            <a:ext cx="6002636" cy="1645920"/>
+          </a:xfrm>
+        </p:spPr>
+        <p:txBody>
+          <a:bodyPr anchor="ctr">
+            <a:normAutofit/>
+          </a:bodyPr>
+          <a:lstStyle/>
+          <a:p>
+            <a:r>
+              <a:rPr lang="pt-BR" sz="2000" dirty="0"/>
+              <a:t>Determina o Tamanho em altura do elemento vídeo na página</a:t>
+            </a:r>
+          </a:p>
+        </p:txBody>
+      </p:sp>
+      <p:pic>
+        <p:nvPicPr>
+          <p:cNvPr id="8" name="Imagem 7">
+            <a:extLst>
+              <a:ext uri="{FF2B5EF4-FFF2-40B4-BE49-F238E27FC236}">
+                <a16:creationId xmlns:a16="http://schemas.microsoft.com/office/drawing/2014/main" id="{68EB8C02-CF5F-0192-5588-1FED43D1087D}"/>
+              </a:ext>
+            </a:extLst>
+          </p:cNvPr>
+          <p:cNvPicPr>
+            <a:picLocks noChangeAspect="1"/>
+          </p:cNvPicPr>
+          <p:nvPr/>
+        </p:nvPicPr>
+        <p:blipFill>
+          <a:blip r:embed="rId2"/>
+          <a:stretch>
+            <a:fillRect/>
+          </a:stretch>
+        </p:blipFill>
+        <p:spPr>
+          <a:xfrm>
+            <a:off x="1641168" y="2734056"/>
+            <a:ext cx="8998056" cy="3483864"/>
+          </a:xfrm>
+          <a:prstGeom prst="rect">
+            <a:avLst/>
+          </a:prstGeom>
+        </p:spPr>
+      </p:pic>
+    </p:spTree>
+    <p:extLst>
+      <p:ext uri="{BB962C8B-B14F-4D97-AF65-F5344CB8AC3E}">
+        <p14:creationId xmlns:p14="http://schemas.microsoft.com/office/powerpoint/2010/main" val="1421837158"/>
+      </p:ext>
+    </p:extLst>
+  </p:cSld>
+  <p:clrMapOvr>
+    <a:masterClrMapping/>
+  </p:clrMapOvr>
+</p:sld>
+</file>
+
+<file path=ppt/slides/slide144.xml><?xml version="1.0" encoding="utf-8"?>
+<p:sld xmlns:a="http://schemas.openxmlformats.org/drawingml/2006/main" xmlns:r="http://schemas.openxmlformats.org/officeDocument/2006/relationships" xmlns:p="http://schemas.openxmlformats.org/presentationml/2006/main">
+  <p:cSld>
+    <p:spTree>
+      <p:nvGrpSpPr>
+        <p:cNvPr id="1" name=""/>
+        <p:cNvGrpSpPr/>
+        <p:nvPr/>
+      </p:nvGrpSpPr>
+      <p:grpSpPr>
+        <a:xfrm>
+          <a:off x="0" y="0"/>
+          <a:ext cx="0" cy="0"/>
+          <a:chOff x="0" y="0"/>
+          <a:chExt cx="0" cy="0"/>
+        </a:xfrm>
+      </p:grpSpPr>
+      <p:sp>
+        <p:nvSpPr>
+          <p:cNvPr id="4" name="Título 1">
+            <a:extLst>
+              <a:ext uri="{FF2B5EF4-FFF2-40B4-BE49-F238E27FC236}">
+                <a16:creationId xmlns:a16="http://schemas.microsoft.com/office/drawing/2014/main" id="{A8C6C7D1-89F2-E703-0F48-BA84B74BE6D5}"/>
+              </a:ext>
+            </a:extLst>
+          </p:cNvPr>
+          <p:cNvSpPr>
+            <a:spLocks noGrp="1"/>
+          </p:cNvSpPr>
+          <p:nvPr>
+            <p:ph type="title"/>
+          </p:nvPr>
+        </p:nvSpPr>
+        <p:spPr>
+          <a:xfrm>
+            <a:off x="1046746" y="586822"/>
+            <a:ext cx="3537285" cy="1645920"/>
+          </a:xfrm>
+        </p:spPr>
+        <p:txBody>
+          <a:bodyPr>
+            <a:normAutofit/>
+          </a:bodyPr>
+          <a:lstStyle/>
+          <a:p>
+            <a:r>
+              <a:rPr lang="pt-BR" sz="4400" dirty="0"/>
+              <a:t>Loop</a:t>
+            </a:r>
+          </a:p>
+        </p:txBody>
+      </p:sp>
+      <p:sp>
+        <p:nvSpPr>
+          <p:cNvPr id="5" name="Espaço Reservado para Conteúdo 2">
+            <a:extLst>
+              <a:ext uri="{FF2B5EF4-FFF2-40B4-BE49-F238E27FC236}">
+                <a16:creationId xmlns:a16="http://schemas.microsoft.com/office/drawing/2014/main" id="{AF526AA4-758B-8712-3D77-2E3DE2B0E394}"/>
+              </a:ext>
+            </a:extLst>
+          </p:cNvPr>
+          <p:cNvSpPr>
+            <a:spLocks noGrp="1"/>
+          </p:cNvSpPr>
+          <p:nvPr>
+            <p:ph idx="1"/>
+          </p:nvPr>
+        </p:nvSpPr>
+        <p:spPr>
+          <a:xfrm>
+            <a:off x="5351164" y="586822"/>
+            <a:ext cx="6002636" cy="1645920"/>
+          </a:xfrm>
+        </p:spPr>
+        <p:txBody>
+          <a:bodyPr anchor="ctr">
+            <a:normAutofit/>
+          </a:bodyPr>
+          <a:lstStyle/>
+          <a:p>
+            <a:r>
+              <a:rPr lang="pt-BR" sz="2000" dirty="0"/>
+              <a:t>Ao Final do Vídeo, ele vai iniciar novamente</a:t>
+            </a:r>
+          </a:p>
+        </p:txBody>
+      </p:sp>
+      <p:pic>
+        <p:nvPicPr>
+          <p:cNvPr id="8" name="Imagem 7">
+            <a:extLst>
+              <a:ext uri="{FF2B5EF4-FFF2-40B4-BE49-F238E27FC236}">
+                <a16:creationId xmlns:a16="http://schemas.microsoft.com/office/drawing/2014/main" id="{A03B2140-0B8A-14B3-F55B-6906A3798E5B}"/>
+              </a:ext>
+            </a:extLst>
+          </p:cNvPr>
+          <p:cNvPicPr>
+            <a:picLocks noChangeAspect="1"/>
+          </p:cNvPicPr>
+          <p:nvPr/>
+        </p:nvPicPr>
+        <p:blipFill>
+          <a:blip r:embed="rId2"/>
+          <a:stretch>
+            <a:fillRect/>
+          </a:stretch>
+        </p:blipFill>
+        <p:spPr>
+          <a:xfrm>
+            <a:off x="1500549" y="2681695"/>
+            <a:ext cx="9190902" cy="3589483"/>
+          </a:xfrm>
+          <a:prstGeom prst="rect">
+            <a:avLst/>
+          </a:prstGeom>
+        </p:spPr>
+      </p:pic>
+    </p:spTree>
+    <p:extLst>
+      <p:ext uri="{BB962C8B-B14F-4D97-AF65-F5344CB8AC3E}">
+        <p14:creationId xmlns:p14="http://schemas.microsoft.com/office/powerpoint/2010/main" val="3181222678"/>
+      </p:ext>
+    </p:extLst>
+  </p:cSld>
+  <p:clrMapOvr>
+    <a:masterClrMapping/>
+  </p:clrMapOvr>
+</p:sld>
+</file>
+
+<file path=ppt/slides/slide145.xml><?xml version="1.0" encoding="utf-8"?>
+<p:sld xmlns:a="http://schemas.openxmlformats.org/drawingml/2006/main" xmlns:r="http://schemas.openxmlformats.org/officeDocument/2006/relationships" xmlns:p="http://schemas.openxmlformats.org/presentationml/2006/main">
+  <p:cSld>
+    <p:spTree>
+      <p:nvGrpSpPr>
+        <p:cNvPr id="1" name=""/>
+        <p:cNvGrpSpPr/>
+        <p:nvPr/>
+      </p:nvGrpSpPr>
+      <p:grpSpPr>
+        <a:xfrm>
+          <a:off x="0" y="0"/>
+          <a:ext cx="0" cy="0"/>
+          <a:chOff x="0" y="0"/>
+          <a:chExt cx="0" cy="0"/>
+        </a:xfrm>
+      </p:grpSpPr>
+      <p:sp>
+        <p:nvSpPr>
+          <p:cNvPr id="4" name="Título 1">
+            <a:extLst>
+              <a:ext uri="{FF2B5EF4-FFF2-40B4-BE49-F238E27FC236}">
+                <a16:creationId xmlns:a16="http://schemas.microsoft.com/office/drawing/2014/main" id="{9B1E6B15-734B-D6C7-1D5B-DE9B38146304}"/>
+              </a:ext>
+            </a:extLst>
+          </p:cNvPr>
+          <p:cNvSpPr>
+            <a:spLocks noGrp="1"/>
+          </p:cNvSpPr>
+          <p:nvPr>
+            <p:ph type="title"/>
+          </p:nvPr>
+        </p:nvSpPr>
+        <p:spPr>
+          <a:xfrm>
+            <a:off x="1046746" y="586822"/>
+            <a:ext cx="3537285" cy="1645920"/>
+          </a:xfrm>
+        </p:spPr>
+        <p:txBody>
+          <a:bodyPr>
+            <a:normAutofit/>
+          </a:bodyPr>
+          <a:lstStyle/>
+          <a:p>
+            <a:r>
+              <a:rPr lang="pt-BR" sz="4400" dirty="0" err="1"/>
+              <a:t>Muted</a:t>
+            </a:r>
+            <a:endParaRPr lang="pt-BR" sz="4400" dirty="0"/>
+          </a:p>
+        </p:txBody>
+      </p:sp>
+      <p:sp>
+        <p:nvSpPr>
+          <p:cNvPr id="5" name="Espaço Reservado para Conteúdo 2">
+            <a:extLst>
+              <a:ext uri="{FF2B5EF4-FFF2-40B4-BE49-F238E27FC236}">
+                <a16:creationId xmlns:a16="http://schemas.microsoft.com/office/drawing/2014/main" id="{18E98818-351F-AAC0-D3C8-3EA3ACEA7C75}"/>
+              </a:ext>
+            </a:extLst>
+          </p:cNvPr>
+          <p:cNvSpPr>
+            <a:spLocks noGrp="1"/>
+          </p:cNvSpPr>
+          <p:nvPr>
+            <p:ph idx="1"/>
+          </p:nvPr>
+        </p:nvSpPr>
+        <p:spPr>
+          <a:xfrm>
+            <a:off x="5351164" y="586822"/>
+            <a:ext cx="6002636" cy="1645920"/>
+          </a:xfrm>
+        </p:spPr>
+        <p:txBody>
+          <a:bodyPr anchor="ctr">
+            <a:normAutofit/>
+          </a:bodyPr>
+          <a:lstStyle/>
+          <a:p>
+            <a:r>
+              <a:rPr lang="pt-BR" sz="2000" dirty="0"/>
+              <a:t>Determina se um Vídeo Ficará Mudo Enquanto For Exibido por Sua Página Web</a:t>
+            </a:r>
+          </a:p>
+        </p:txBody>
+      </p:sp>
+      <p:pic>
+        <p:nvPicPr>
+          <p:cNvPr id="8" name="Imagem 7">
+            <a:extLst>
+              <a:ext uri="{FF2B5EF4-FFF2-40B4-BE49-F238E27FC236}">
+                <a16:creationId xmlns:a16="http://schemas.microsoft.com/office/drawing/2014/main" id="{BFB2C56D-32FA-DA3F-1AB0-0882D137E2D1}"/>
+              </a:ext>
+            </a:extLst>
+          </p:cNvPr>
+          <p:cNvPicPr>
+            <a:picLocks noChangeAspect="1"/>
+          </p:cNvPicPr>
+          <p:nvPr/>
+        </p:nvPicPr>
+        <p:blipFill>
+          <a:blip r:embed="rId2"/>
+          <a:stretch>
+            <a:fillRect/>
+          </a:stretch>
+        </p:blipFill>
+        <p:spPr>
+          <a:xfrm>
+            <a:off x="1211623" y="2401893"/>
+            <a:ext cx="9768753" cy="3869285"/>
+          </a:xfrm>
+          <a:prstGeom prst="rect">
+            <a:avLst/>
+          </a:prstGeom>
+        </p:spPr>
+      </p:pic>
+    </p:spTree>
+    <p:extLst>
+      <p:ext uri="{BB962C8B-B14F-4D97-AF65-F5344CB8AC3E}">
+        <p14:creationId xmlns:p14="http://schemas.microsoft.com/office/powerpoint/2010/main" val="1586113124"/>
+      </p:ext>
+    </p:extLst>
+  </p:cSld>
+  <p:clrMapOvr>
+    <a:masterClrMapping/>
+  </p:clrMapOvr>
+</p:sld>
+</file>
+
+<file path=ppt/slides/slide146.xml><?xml version="1.0" encoding="utf-8"?>
+<p:sld xmlns:a="http://schemas.openxmlformats.org/drawingml/2006/main" xmlns:r="http://schemas.openxmlformats.org/officeDocument/2006/relationships" xmlns:p="http://schemas.openxmlformats.org/presentationml/2006/main">
+  <p:cSld>
+    <p:spTree>
+      <p:nvGrpSpPr>
+        <p:cNvPr id="1" name=""/>
+        <p:cNvGrpSpPr/>
+        <p:nvPr/>
+      </p:nvGrpSpPr>
+      <p:grpSpPr>
+        <a:xfrm>
+          <a:off x="0" y="0"/>
+          <a:ext cx="0" cy="0"/>
+          <a:chOff x="0" y="0"/>
+          <a:chExt cx="0" cy="0"/>
+        </a:xfrm>
+      </p:grpSpPr>
+      <p:sp>
+        <p:nvSpPr>
+          <p:cNvPr id="4" name="Título 1">
+            <a:extLst>
+              <a:ext uri="{FF2B5EF4-FFF2-40B4-BE49-F238E27FC236}">
+                <a16:creationId xmlns:a16="http://schemas.microsoft.com/office/drawing/2014/main" id="{BE585F5E-25FF-D4A3-566C-05274D388099}"/>
+              </a:ext>
+            </a:extLst>
+          </p:cNvPr>
+          <p:cNvSpPr>
+            <a:spLocks noGrp="1"/>
+          </p:cNvSpPr>
+          <p:nvPr>
+            <p:ph type="title"/>
+          </p:nvPr>
+        </p:nvSpPr>
+        <p:spPr>
+          <a:xfrm>
+            <a:off x="1046746" y="586822"/>
+            <a:ext cx="3537285" cy="1645920"/>
+          </a:xfrm>
+        </p:spPr>
+        <p:txBody>
+          <a:bodyPr>
+            <a:normAutofit/>
+          </a:bodyPr>
+          <a:lstStyle/>
+          <a:p>
+            <a:r>
+              <a:rPr lang="pt-BR" sz="4400" dirty="0"/>
+              <a:t>Poster</a:t>
+            </a:r>
+          </a:p>
+        </p:txBody>
+      </p:sp>
+      <p:sp>
+        <p:nvSpPr>
+          <p:cNvPr id="5" name="Espaço Reservado para Conteúdo 2">
+            <a:extLst>
+              <a:ext uri="{FF2B5EF4-FFF2-40B4-BE49-F238E27FC236}">
+                <a16:creationId xmlns:a16="http://schemas.microsoft.com/office/drawing/2014/main" id="{DF975FB9-FA5A-5170-97A4-1341B629C1DF}"/>
+              </a:ext>
+            </a:extLst>
+          </p:cNvPr>
+          <p:cNvSpPr>
+            <a:spLocks noGrp="1"/>
+          </p:cNvSpPr>
+          <p:nvPr>
+            <p:ph idx="1"/>
+          </p:nvPr>
+        </p:nvSpPr>
+        <p:spPr>
+          <a:xfrm>
+            <a:off x="5351164" y="586822"/>
+            <a:ext cx="6002636" cy="1645920"/>
+          </a:xfrm>
+        </p:spPr>
+        <p:txBody>
+          <a:bodyPr anchor="ctr">
+            <a:normAutofit/>
+          </a:bodyPr>
+          <a:lstStyle/>
+          <a:p>
+            <a:r>
+              <a:rPr lang="pt-BR" sz="2000" dirty="0"/>
+              <a:t>Utilizado para Criar </a:t>
+            </a:r>
+            <a:r>
+              <a:rPr lang="pt-BR" sz="2000" dirty="0" err="1"/>
+              <a:t>Thumbnails</a:t>
+            </a:r>
+            <a:endParaRPr lang="pt-BR" sz="2000" dirty="0"/>
+          </a:p>
+        </p:txBody>
+      </p:sp>
+      <p:pic>
+        <p:nvPicPr>
+          <p:cNvPr id="8" name="Imagem 7">
+            <a:extLst>
+              <a:ext uri="{FF2B5EF4-FFF2-40B4-BE49-F238E27FC236}">
+                <a16:creationId xmlns:a16="http://schemas.microsoft.com/office/drawing/2014/main" id="{58BDFE55-16FE-450A-BF21-EACEFD98330C}"/>
+              </a:ext>
+            </a:extLst>
+          </p:cNvPr>
+          <p:cNvPicPr>
+            <a:picLocks noChangeAspect="1"/>
+          </p:cNvPicPr>
+          <p:nvPr/>
+        </p:nvPicPr>
+        <p:blipFill>
+          <a:blip r:embed="rId2"/>
+          <a:stretch>
+            <a:fillRect/>
+          </a:stretch>
+        </p:blipFill>
+        <p:spPr>
+          <a:xfrm>
+            <a:off x="1026376" y="2524635"/>
+            <a:ext cx="10139247" cy="3746543"/>
+          </a:xfrm>
+          <a:prstGeom prst="rect">
+            <a:avLst/>
+          </a:prstGeom>
+        </p:spPr>
+      </p:pic>
+    </p:spTree>
+    <p:extLst>
+      <p:ext uri="{BB962C8B-B14F-4D97-AF65-F5344CB8AC3E}">
+        <p14:creationId xmlns:p14="http://schemas.microsoft.com/office/powerpoint/2010/main" val="495178524"/>
+      </p:ext>
+    </p:extLst>
+  </p:cSld>
+  <p:clrMapOvr>
+    <a:masterClrMapping/>
+  </p:clrMapOvr>
+</p:sld>
+</file>
+
+<file path=ppt/slides/slide147.xml><?xml version="1.0" encoding="utf-8"?>
+<p:sld xmlns:a="http://schemas.openxmlformats.org/drawingml/2006/main" xmlns:r="http://schemas.openxmlformats.org/officeDocument/2006/relationships" xmlns:p="http://schemas.openxmlformats.org/presentationml/2006/main">
+  <p:cSld>
+    <p:spTree>
+      <p:nvGrpSpPr>
+        <p:cNvPr id="1" name=""/>
+        <p:cNvGrpSpPr/>
+        <p:nvPr/>
+      </p:nvGrpSpPr>
+      <p:grpSpPr>
+        <a:xfrm>
+          <a:off x="0" y="0"/>
+          <a:ext cx="0" cy="0"/>
+          <a:chOff x="0" y="0"/>
+          <a:chExt cx="0" cy="0"/>
+        </a:xfrm>
+      </p:grpSpPr>
+      <p:sp>
+        <p:nvSpPr>
+          <p:cNvPr id="4" name="Título 1">
+            <a:extLst>
+              <a:ext uri="{FF2B5EF4-FFF2-40B4-BE49-F238E27FC236}">
+                <a16:creationId xmlns:a16="http://schemas.microsoft.com/office/drawing/2014/main" id="{342F67E3-D3A6-AA1C-47A1-446907504A64}"/>
+              </a:ext>
+            </a:extLst>
+          </p:cNvPr>
+          <p:cNvSpPr>
+            <a:spLocks noGrp="1"/>
+          </p:cNvSpPr>
+          <p:nvPr>
+            <p:ph type="title"/>
+          </p:nvPr>
+        </p:nvSpPr>
+        <p:spPr>
+          <a:xfrm>
+            <a:off x="1046746" y="586822"/>
+            <a:ext cx="3537285" cy="1645920"/>
+          </a:xfrm>
+        </p:spPr>
+        <p:txBody>
+          <a:bodyPr>
+            <a:normAutofit/>
+          </a:bodyPr>
+          <a:lstStyle/>
+          <a:p>
+            <a:r>
+              <a:rPr lang="pt-BR" sz="4400" dirty="0" err="1"/>
+              <a:t>Preload</a:t>
+            </a:r>
+            <a:endParaRPr lang="pt-BR" sz="4400" dirty="0"/>
+          </a:p>
+        </p:txBody>
+      </p:sp>
+      <p:sp>
+        <p:nvSpPr>
+          <p:cNvPr id="5" name="Espaço Reservado para Conteúdo 2">
+            <a:extLst>
+              <a:ext uri="{FF2B5EF4-FFF2-40B4-BE49-F238E27FC236}">
+                <a16:creationId xmlns:a16="http://schemas.microsoft.com/office/drawing/2014/main" id="{FF6A8D8C-49B8-4404-145C-0BEDA4CDA7C6}"/>
+              </a:ext>
+            </a:extLst>
+          </p:cNvPr>
+          <p:cNvSpPr>
+            <a:spLocks noGrp="1"/>
+          </p:cNvSpPr>
+          <p:nvPr>
+            <p:ph idx="1"/>
+          </p:nvPr>
+        </p:nvSpPr>
+        <p:spPr>
+          <a:xfrm>
+            <a:off x="5351164" y="586822"/>
+            <a:ext cx="6002636" cy="1645920"/>
+          </a:xfrm>
+        </p:spPr>
+        <p:txBody>
+          <a:bodyPr anchor="ctr">
+            <a:normAutofit/>
+          </a:bodyPr>
+          <a:lstStyle/>
+          <a:p>
+            <a:r>
+              <a:rPr lang="pt-BR" sz="2000" dirty="0"/>
+              <a:t>Semelhante ao </a:t>
+            </a:r>
+            <a:r>
+              <a:rPr lang="pt-BR" sz="2000" dirty="0" err="1"/>
+              <a:t>Lazy</a:t>
+            </a:r>
+            <a:r>
+              <a:rPr lang="pt-BR" sz="2000" dirty="0"/>
+              <a:t> </a:t>
+            </a:r>
+            <a:r>
+              <a:rPr lang="pt-BR" sz="2000" dirty="0" err="1"/>
+              <a:t>Loading</a:t>
+            </a:r>
+            <a:endParaRPr lang="pt-BR" sz="2000" dirty="0"/>
+          </a:p>
+        </p:txBody>
+      </p:sp>
+      <p:pic>
+        <p:nvPicPr>
+          <p:cNvPr id="8" name="Imagem 7">
+            <a:extLst>
+              <a:ext uri="{FF2B5EF4-FFF2-40B4-BE49-F238E27FC236}">
+                <a16:creationId xmlns:a16="http://schemas.microsoft.com/office/drawing/2014/main" id="{E6618544-FD68-B316-F8AD-F786BAD2EA34}"/>
+              </a:ext>
+            </a:extLst>
+          </p:cNvPr>
+          <p:cNvPicPr>
+            <a:picLocks noChangeAspect="1"/>
+          </p:cNvPicPr>
+          <p:nvPr/>
+        </p:nvPicPr>
+        <p:blipFill>
+          <a:blip r:embed="rId2"/>
+          <a:stretch>
+            <a:fillRect/>
+          </a:stretch>
+        </p:blipFill>
+        <p:spPr>
+          <a:xfrm>
+            <a:off x="1330638" y="2694095"/>
+            <a:ext cx="9530723" cy="3577083"/>
+          </a:xfrm>
+          <a:prstGeom prst="rect">
+            <a:avLst/>
+          </a:prstGeom>
+        </p:spPr>
+      </p:pic>
+    </p:spTree>
+    <p:extLst>
+      <p:ext uri="{BB962C8B-B14F-4D97-AF65-F5344CB8AC3E}">
+        <p14:creationId xmlns:p14="http://schemas.microsoft.com/office/powerpoint/2010/main" val="2543250826"/>
+      </p:ext>
+    </p:extLst>
+  </p:cSld>
+  <p:clrMapOvr>
+    <a:masterClrMapping/>
+  </p:clrMapOvr>
+</p:sld>
+</file>
+
+<file path=ppt/slides/slide148.xml><?xml version="1.0" encoding="utf-8"?>
+<p:sld xmlns:a="http://schemas.openxmlformats.org/drawingml/2006/main" xmlns:r="http://schemas.openxmlformats.org/officeDocument/2006/relationships" xmlns:p="http://schemas.openxmlformats.org/presentationml/2006/main">
+  <p:cSld>
+    <p:spTree>
+      <p:nvGrpSpPr>
+        <p:cNvPr id="1" name=""/>
+        <p:cNvGrpSpPr/>
+        <p:nvPr/>
+      </p:nvGrpSpPr>
+      <p:grpSpPr>
+        <a:xfrm>
+          <a:off x="0" y="0"/>
+          <a:ext cx="0" cy="0"/>
+          <a:chOff x="0" y="0"/>
+          <a:chExt cx="0" cy="0"/>
+        </a:xfrm>
+      </p:grpSpPr>
+      <p:sp>
+        <p:nvSpPr>
+          <p:cNvPr id="2" name="Título 1">
+            <a:extLst>
+              <a:ext uri="{FF2B5EF4-FFF2-40B4-BE49-F238E27FC236}">
+                <a16:creationId xmlns:a16="http://schemas.microsoft.com/office/drawing/2014/main" id="{8E965216-C55C-8D8D-9025-2B333992EC79}"/>
+              </a:ext>
+            </a:extLst>
+          </p:cNvPr>
+          <p:cNvSpPr>
+            <a:spLocks noGrp="1"/>
+          </p:cNvSpPr>
+          <p:nvPr>
+            <p:ph type="title"/>
+          </p:nvPr>
+        </p:nvSpPr>
+        <p:spPr/>
+        <p:txBody>
+          <a:bodyPr/>
+          <a:lstStyle/>
+          <a:p>
+            <a:r>
+              <a:rPr lang="pt-BR" dirty="0"/>
+              <a:t>Lição de Casa</a:t>
+            </a:r>
+          </a:p>
+        </p:txBody>
+      </p:sp>
+      <p:sp>
+        <p:nvSpPr>
+          <p:cNvPr id="3" name="Espaço Reservado para Conteúdo 2">
+            <a:extLst>
+              <a:ext uri="{FF2B5EF4-FFF2-40B4-BE49-F238E27FC236}">
+                <a16:creationId xmlns:a16="http://schemas.microsoft.com/office/drawing/2014/main" id="{0055E749-C47D-FA26-C36C-EF6956DDF974}"/>
+              </a:ext>
+            </a:extLst>
+          </p:cNvPr>
+          <p:cNvSpPr>
+            <a:spLocks noGrp="1"/>
+          </p:cNvSpPr>
+          <p:nvPr>
+            <p:ph idx="1"/>
+          </p:nvPr>
+        </p:nvSpPr>
+        <p:spPr/>
+        <p:txBody>
+          <a:bodyPr/>
+          <a:lstStyle/>
+          <a:p>
+            <a:r>
+              <a:rPr lang="pt-BR" dirty="0"/>
+              <a:t>Pesquisem um pouco a respeito do flash e sobre como ele influenciou o HTML 5.</a:t>
+            </a:r>
+          </a:p>
+          <a:p>
+            <a:r>
+              <a:rPr lang="pt-BR" dirty="0"/>
+              <a:t>Pesquisem também sobre alguns outros formatos de vídeo, como .mp4, .</a:t>
+            </a:r>
+            <a:r>
+              <a:rPr lang="pt-BR" dirty="0" err="1"/>
+              <a:t>ogg</a:t>
+            </a:r>
+            <a:r>
+              <a:rPr lang="pt-BR" dirty="0"/>
+              <a:t> e .</a:t>
+            </a:r>
+            <a:r>
+              <a:rPr lang="pt-BR" dirty="0" err="1"/>
+              <a:t>webm</a:t>
+            </a:r>
+            <a:endParaRPr lang="pt-BR" dirty="0"/>
+          </a:p>
+        </p:txBody>
+      </p:sp>
+    </p:spTree>
+    <p:extLst>
+      <p:ext uri="{BB962C8B-B14F-4D97-AF65-F5344CB8AC3E}">
+        <p14:creationId xmlns:p14="http://schemas.microsoft.com/office/powerpoint/2010/main" val="3787839972"/>
+      </p:ext>
+    </p:extLst>
+  </p:cSld>
+  <p:clrMapOvr>
+    <a:masterClrMapping/>
+  </p:clrMapOvr>
+</p:sld>
+</file>
+
+<file path=ppt/slides/slide149.xml><?xml version="1.0" encoding="utf-8"?>
+<p:sld xmlns:a="http://schemas.openxmlformats.org/drawingml/2006/main" xmlns:r="http://schemas.openxmlformats.org/officeDocument/2006/relationships" xmlns:p="http://schemas.openxmlformats.org/presentationml/2006/main">
+  <p:cSld>
+    <p:bg>
+      <p:bgPr>
+        <a:solidFill>
+          <a:schemeClr val="bg1"/>
+        </a:solidFill>
+        <a:effectLst/>
+      </p:bgPr>
+    </p:bg>
+    <p:spTree>
+      <p:nvGrpSpPr>
+        <p:cNvPr id="1" name=""/>
+        <p:cNvGrpSpPr/>
+        <p:nvPr/>
+      </p:nvGrpSpPr>
+      <p:grpSpPr>
+        <a:xfrm>
+          <a:off x="0" y="0"/>
+          <a:ext cx="0" cy="0"/>
+          <a:chOff x="0" y="0"/>
+          <a:chExt cx="0" cy="0"/>
+        </a:xfrm>
+      </p:grpSpPr>
+      <p:sp>
+        <p:nvSpPr>
+          <p:cNvPr id="10" name="Rectangle 9">
+            <a:extLst>
+              <a:ext uri="{FF2B5EF4-FFF2-40B4-BE49-F238E27FC236}">
+                <a16:creationId xmlns:a16="http://schemas.microsoft.com/office/drawing/2014/main" id="{8D06CE56-3881-4ADA-8CEF-D18B02C242A3}"/>
+              </a:ext>
+              <a:ext uri="{C183D7F6-B498-43B3-948B-1728B52AA6E4}">
+                <adec:decorative xmlns:adec="http://schemas.microsoft.com/office/drawing/2017/decorative" val="1"/>
+              </a:ext>
+            </a:extLst>
+          </p:cNvPr>
+          <p:cNvSpPr>
+            <a:spLocks noGrp="1" noRot="1" noChangeAspect="1" noMove="1" noResize="1" noEditPoints="1" noAdjustHandles="1" noChangeArrowheads="1" noChangeShapeType="1" noTextEdit="1"/>
+          </p:cNvSpPr>
+          <p:nvPr>
+            <p:extLst>
+              <p:ext uri="{386F3935-93C4-4BCD-93E2-E3B085C9AB24}">
+                <p16:designElem xmlns:p16="http://schemas.microsoft.com/office/powerpoint/2015/main" val="1"/>
+              </p:ext>
+            </p:extLst>
+          </p:nvPr>
+        </p:nvSpPr>
+        <p:spPr>
+          <a:xfrm rot="5400000">
+            <a:off x="857544" y="346791"/>
+            <a:ext cx="146304" cy="704088"/>
+          </a:xfrm>
+          <a:prstGeom prst="rect">
+            <a:avLst/>
+          </a:prstGeom>
+          <a:solidFill>
+            <a:schemeClr val="accent1"/>
+          </a:solidFill>
+          <a:ln>
+            <a:noFill/>
+          </a:ln>
+        </p:spPr>
+        <p:style>
+          <a:lnRef idx="2">
+            <a:schemeClr val="accent1">
+              <a:shade val="50000"/>
+            </a:schemeClr>
+          </a:lnRef>
+          <a:fillRef idx="1">
+            <a:schemeClr val="accent1"/>
+          </a:fillRef>
+          <a:effectRef idx="0">
+            <a:schemeClr val="accent1"/>
+          </a:effectRef>
+          <a:fontRef idx="minor">
+            <a:schemeClr val="lt1"/>
+          </a:fontRef>
+        </p:style>
+        <p:txBody>
+          <a:bodyPr rtlCol="0" anchor="ctr"/>
+          <a:lstStyle/>
+          <a:p>
+            <a:pPr marL="0" marR="0" lvl="0" indent="0" algn="ctr" defTabSz="914400" rtl="0" eaLnBrk="1" fontAlgn="auto" latinLnBrk="0" hangingPunct="1">
+              <a:lnSpc>
+                <a:spcPct val="100000"/>
+              </a:lnSpc>
+              <a:spcBef>
+                <a:spcPts val="0"/>
+              </a:spcBef>
+              <a:spcAft>
+                <a:spcPts val="0"/>
+              </a:spcAft>
+              <a:buClrTx/>
+              <a:buSzTx/>
+              <a:buFontTx/>
+              <a:buNone/>
+              <a:tabLst/>
+              <a:defRPr/>
+            </a:pPr>
+            <a:endParaRPr kumimoji="0" lang="en-US" sz="1800" b="0" i="0" u="none" strike="noStrike" kern="1200" cap="none" spc="0" normalizeH="0" baseline="0" noProof="0">
+              <a:ln>
+                <a:noFill/>
+              </a:ln>
+              <a:solidFill>
+                <a:prstClr val="white"/>
+              </a:solidFill>
+              <a:effectLst/>
+              <a:uLnTx/>
+              <a:uFillTx/>
+              <a:latin typeface="Calibri" panose="020F0502020204030204"/>
+              <a:ea typeface="+mn-ea"/>
+              <a:cs typeface="+mn-cs"/>
+            </a:endParaRPr>
+          </a:p>
+        </p:txBody>
+      </p:sp>
+      <p:sp>
+        <p:nvSpPr>
+          <p:cNvPr id="12" name="Rectangle 11">
+            <a:extLst>
+              <a:ext uri="{FF2B5EF4-FFF2-40B4-BE49-F238E27FC236}">
+                <a16:creationId xmlns:a16="http://schemas.microsoft.com/office/drawing/2014/main" id="{79F3C543-62EC-4433-9C93-A2CD8764E9B4}"/>
+              </a:ext>
+              <a:ext uri="{C183D7F6-B498-43B3-948B-1728B52AA6E4}">
+                <adec:decorative xmlns:adec="http://schemas.microsoft.com/office/drawing/2017/decorative" val="1"/>
+              </a:ext>
+            </a:extLst>
+          </p:cNvPr>
+          <p:cNvSpPr>
+            <a:spLocks noGrp="1" noRot="1" noChangeAspect="1" noMove="1" noResize="1" noEditPoints="1" noAdjustHandles="1" noChangeArrowheads="1" noChangeShapeType="1" noTextEdit="1"/>
+          </p:cNvSpPr>
+          <p:nvPr>
+            <p:extLst>
+              <p:ext uri="{386F3935-93C4-4BCD-93E2-E3B085C9AB24}">
+                <p16:designElem xmlns:p16="http://schemas.microsoft.com/office/powerpoint/2015/main" val="1"/>
+              </p:ext>
+            </p:extLst>
+          </p:nvPr>
+        </p:nvSpPr>
+        <p:spPr>
+          <a:xfrm flipV="1">
+            <a:off x="578652" y="4501201"/>
+            <a:ext cx="11034696" cy="18288"/>
+          </a:xfrm>
+          <a:prstGeom prst="rect">
+            <a:avLst/>
+          </a:prstGeom>
+          <a:solidFill>
+            <a:schemeClr val="tx2">
+              <a:lumMod val="25000"/>
+              <a:lumOff val="75000"/>
+            </a:schemeClr>
+          </a:solidFill>
+          <a:ln w="3175">
+            <a:noFill/>
+          </a:ln>
+          <a:effectLst/>
+        </p:spPr>
+        <p:style>
+          <a:lnRef idx="2">
+            <a:schemeClr val="accent1">
+              <a:shade val="50000"/>
+            </a:schemeClr>
+          </a:lnRef>
+          <a:fillRef idx="1">
+            <a:schemeClr val="accent1"/>
+          </a:fillRef>
+          <a:effectRef idx="0">
+            <a:schemeClr val="accent1"/>
+          </a:effectRef>
+          <a:fontRef idx="minor">
+            <a:schemeClr val="lt1"/>
+          </a:fontRef>
+        </p:style>
+        <p:txBody>
+          <a:bodyPr rtlCol="0" anchor="ctr"/>
+          <a:lstStyle/>
+          <a:p>
+            <a:pPr marL="0" marR="0" lvl="0" indent="0" algn="ctr" defTabSz="914400" rtl="0" eaLnBrk="1" fontAlgn="auto" latinLnBrk="0" hangingPunct="1">
+              <a:lnSpc>
+                <a:spcPct val="100000"/>
+              </a:lnSpc>
+              <a:spcBef>
+                <a:spcPts val="0"/>
+              </a:spcBef>
+              <a:spcAft>
+                <a:spcPts val="0"/>
+              </a:spcAft>
+              <a:buClrTx/>
+              <a:buSzTx/>
+              <a:buFontTx/>
+              <a:buNone/>
+              <a:tabLst/>
+              <a:defRPr/>
+            </a:pPr>
+            <a:endParaRPr kumimoji="0" lang="en-US" sz="1800" b="0" i="0" u="none" strike="noStrike" kern="1200" cap="none" spc="0" normalizeH="0" baseline="0" noProof="0">
+              <a:ln>
+                <a:noFill/>
+              </a:ln>
+              <a:solidFill>
+                <a:prstClr val="white"/>
+              </a:solidFill>
+              <a:effectLst/>
+              <a:uLnTx/>
+              <a:uFillTx/>
+              <a:latin typeface="Calibri" panose="020F0502020204030204"/>
+              <a:ea typeface="+mn-ea"/>
+              <a:cs typeface="+mn-cs"/>
+            </a:endParaRPr>
+          </a:p>
+        </p:txBody>
+      </p:sp>
+      <p:sp useBgFill="1">
+        <p:nvSpPr>
+          <p:cNvPr id="14" name="Rectangle 13">
+            <a:extLst>
+              <a:ext uri="{FF2B5EF4-FFF2-40B4-BE49-F238E27FC236}">
+                <a16:creationId xmlns:a16="http://schemas.microsoft.com/office/drawing/2014/main" id="{E91DC736-0EF8-4F87-9146-EBF1D2EE4D3D}"/>
+              </a:ext>
+              <a:ext uri="{C183D7F6-B498-43B3-948B-1728B52AA6E4}">
+                <adec:decorative xmlns:adec="http://schemas.microsoft.com/office/drawing/2017/decorative" val="1"/>
+              </a:ext>
+            </a:extLst>
+          </p:cNvPr>
+          <p:cNvSpPr>
+            <a:spLocks noGrp="1" noRot="1" noChangeAspect="1" noMove="1" noResize="1" noEditPoints="1" noAdjustHandles="1" noChangeArrowheads="1" noChangeShapeType="1" noTextEdit="1"/>
+          </p:cNvSpPr>
+          <p:nvPr>
+            <p:extLst>
+              <p:ext uri="{386F3935-93C4-4BCD-93E2-E3B085C9AB24}">
+                <p16:designElem xmlns:p16="http://schemas.microsoft.com/office/powerpoint/2015/main" val="1"/>
+              </p:ext>
+            </p:extLst>
+          </p:nvPr>
+        </p:nvSpPr>
+        <p:spPr>
+          <a:xfrm>
+            <a:off x="0" y="0"/>
+            <a:ext cx="12192000" cy="6858000"/>
+          </a:xfrm>
+          <a:prstGeom prst="rect">
+            <a:avLst/>
+          </a:prstGeom>
+          <a:ln>
+            <a:noFill/>
+          </a:ln>
+        </p:spPr>
+        <p:style>
+          <a:lnRef idx="2">
+            <a:schemeClr val="accent1">
+              <a:shade val="50000"/>
+            </a:schemeClr>
+          </a:lnRef>
+          <a:fillRef idx="1">
+            <a:schemeClr val="accent1"/>
+          </a:fillRef>
+          <a:effectRef idx="0">
+            <a:schemeClr val="accent1"/>
+          </a:effectRef>
+          <a:fontRef idx="minor">
+            <a:schemeClr val="lt1"/>
+          </a:fontRef>
+        </p:style>
+        <p:txBody>
+          <a:bodyPr rtlCol="0" anchor="ctr"/>
+          <a:lstStyle/>
+          <a:p>
+            <a:pPr algn="ctr"/>
+            <a:endParaRPr lang="en-US"/>
+          </a:p>
+        </p:txBody>
+      </p:sp>
+      <p:pic>
+        <p:nvPicPr>
+          <p:cNvPr id="4" name="Content Placeholder 3" descr="Fundo do vetor de cores vibrantes salpicando">
+            <a:extLst>
+              <a:ext uri="{FF2B5EF4-FFF2-40B4-BE49-F238E27FC236}">
+                <a16:creationId xmlns:a16="http://schemas.microsoft.com/office/drawing/2014/main" id="{919C687A-134A-8CF7-BBFE-1686402D552E}"/>
+              </a:ext>
+            </a:extLst>
+          </p:cNvPr>
+          <p:cNvPicPr>
+            <a:picLocks noChangeAspect="1"/>
+          </p:cNvPicPr>
+          <p:nvPr/>
+        </p:nvPicPr>
+        <p:blipFill rotWithShape="1">
+          <a:blip r:embed="rId2"/>
+          <a:srcRect l="10975" r="3072" b="-1"/>
+          <a:stretch>
+            <a:fillRect/>
+          </a:stretch>
+        </p:blipFill>
+        <p:spPr>
+          <a:xfrm>
+            <a:off x="3523488" y="10"/>
+            <a:ext cx="8668512" cy="6857990"/>
+          </a:xfrm>
+          <a:prstGeom prst="rect">
+            <a:avLst/>
+          </a:prstGeom>
+        </p:spPr>
+      </p:pic>
+      <p:sp>
+        <p:nvSpPr>
+          <p:cNvPr id="16" name="Rectangle 15">
+            <a:extLst>
+              <a:ext uri="{FF2B5EF4-FFF2-40B4-BE49-F238E27FC236}">
+                <a16:creationId xmlns:a16="http://schemas.microsoft.com/office/drawing/2014/main" id="{097CD68E-23E3-4007-8847-CD0944C4F7BE}"/>
+              </a:ext>
+              <a:ext uri="{C183D7F6-B498-43B3-948B-1728B52AA6E4}">
+                <adec:decorative xmlns:adec="http://schemas.microsoft.com/office/drawing/2017/decorative" val="1"/>
+              </a:ext>
+            </a:extLst>
+          </p:cNvPr>
+          <p:cNvSpPr>
+            <a:spLocks noGrp="1" noRot="1" noChangeAspect="1" noMove="1" noResize="1" noEditPoints="1" noAdjustHandles="1" noChangeArrowheads="1" noChangeShapeType="1" noTextEdit="1"/>
+          </p:cNvSpPr>
+          <p:nvPr>
+            <p:extLst>
+              <p:ext uri="{386F3935-93C4-4BCD-93E2-E3B085C9AB24}">
+                <p16:designElem xmlns:p16="http://schemas.microsoft.com/office/powerpoint/2015/main" val="1"/>
+              </p:ext>
+            </p:extLst>
+          </p:nvPr>
+        </p:nvSpPr>
+        <p:spPr>
+          <a:xfrm>
+            <a:off x="0" y="0"/>
+            <a:ext cx="9756601" cy="6858000"/>
+          </a:xfrm>
+          <a:prstGeom prst="rect">
+            <a:avLst/>
+          </a:prstGeom>
+          <a:gradFill>
+            <a:gsLst>
+              <a:gs pos="58000">
+                <a:schemeClr val="bg1"/>
+              </a:gs>
+              <a:gs pos="35000">
+                <a:schemeClr val="bg1">
+                  <a:alpha val="79000"/>
+                </a:schemeClr>
+              </a:gs>
+              <a:gs pos="19000">
+                <a:schemeClr val="bg1">
+                  <a:alpha val="38000"/>
+                </a:schemeClr>
+              </a:gs>
+              <a:gs pos="0">
+                <a:schemeClr val="bg1">
+                  <a:alpha val="0"/>
+                </a:schemeClr>
+              </a:gs>
+              <a:gs pos="100000">
+                <a:schemeClr val="bg1"/>
+              </a:gs>
+            </a:gsLst>
+            <a:lin ang="10800000" scaled="0"/>
+          </a:gradFill>
+          <a:ln>
+            <a:noFill/>
+          </a:ln>
+        </p:spPr>
+        <p:style>
+          <a:lnRef idx="2">
+            <a:schemeClr val="accent1">
+              <a:shade val="50000"/>
+            </a:schemeClr>
+          </a:lnRef>
+          <a:fillRef idx="1">
+            <a:schemeClr val="accent1"/>
+          </a:fillRef>
+          <a:effectRef idx="0">
+            <a:schemeClr val="accent1"/>
+          </a:effectRef>
+          <a:fontRef idx="minor">
+            <a:schemeClr val="lt1"/>
+          </a:fontRef>
+        </p:style>
+        <p:txBody>
+          <a:bodyPr rtlCol="0" anchor="ctr"/>
+          <a:lstStyle/>
+          <a:p>
+            <a:pPr algn="ctr"/>
+            <a:endParaRPr lang="en-US" dirty="0"/>
+          </a:p>
+        </p:txBody>
+      </p:sp>
+      <p:sp>
+        <p:nvSpPr>
+          <p:cNvPr id="5" name="Título 1">
+            <a:extLst>
+              <a:ext uri="{FF2B5EF4-FFF2-40B4-BE49-F238E27FC236}">
+                <a16:creationId xmlns:a16="http://schemas.microsoft.com/office/drawing/2014/main" id="{05133F3E-5F21-ED7C-8E84-5CC36281471A}"/>
+              </a:ext>
+            </a:extLst>
+          </p:cNvPr>
+          <p:cNvSpPr>
+            <a:spLocks noGrp="1"/>
+          </p:cNvSpPr>
+          <p:nvPr>
+            <p:ph type="title"/>
+          </p:nvPr>
+        </p:nvSpPr>
+        <p:spPr>
+          <a:xfrm>
+            <a:off x="477981" y="1122363"/>
+            <a:ext cx="4023360" cy="3204134"/>
+          </a:xfrm>
+        </p:spPr>
+        <p:txBody>
+          <a:bodyPr vert="horz" lIns="91440" tIns="45720" rIns="91440" bIns="45720" rtlCol="0" anchor="b">
+            <a:normAutofit/>
+          </a:bodyPr>
+          <a:lstStyle/>
+          <a:p>
+            <a:r>
+              <a:rPr lang="en-US" sz="4800" dirty="0"/>
+              <a:t>Aula 11.1 – </a:t>
+            </a:r>
+            <a:r>
+              <a:rPr lang="en-US" sz="4800" dirty="0" err="1"/>
+              <a:t>Formulários</a:t>
+            </a:r>
+            <a:r>
+              <a:rPr lang="en-US" sz="4800" dirty="0"/>
+              <a:t> no HTML</a:t>
+            </a:r>
+          </a:p>
+        </p:txBody>
+      </p:sp>
+      <p:sp>
+        <p:nvSpPr>
+          <p:cNvPr id="18" name="Rectangle 17">
+            <a:extLst>
+              <a:ext uri="{FF2B5EF4-FFF2-40B4-BE49-F238E27FC236}">
+                <a16:creationId xmlns:a16="http://schemas.microsoft.com/office/drawing/2014/main" id="{AF2F604E-43BE-4DC3-B983-E071523364F8}"/>
+              </a:ext>
+              <a:ext uri="{C183D7F6-B498-43B3-948B-1728B52AA6E4}">
+                <adec:decorative xmlns:adec="http://schemas.microsoft.com/office/drawing/2017/decorative" val="1"/>
+              </a:ext>
+            </a:extLst>
+          </p:cNvPr>
+          <p:cNvSpPr>
+            <a:spLocks noGrp="1" noRot="1" noChangeAspect="1" noMove="1" noResize="1" noEditPoints="1" noAdjustHandles="1" noChangeArrowheads="1" noChangeShapeType="1" noTextEdit="1"/>
+          </p:cNvSpPr>
+          <p:nvPr>
+            <p:extLst>
+              <p:ext uri="{386F3935-93C4-4BCD-93E2-E3B085C9AB24}">
+                <p16:designElem xmlns:p16="http://schemas.microsoft.com/office/powerpoint/2015/main" val="1"/>
+              </p:ext>
+            </p:extLst>
+          </p:nvPr>
+        </p:nvSpPr>
+        <p:spPr>
+          <a:xfrm rot="5400000">
+            <a:off x="759921" y="346791"/>
+            <a:ext cx="146304" cy="704088"/>
+          </a:xfrm>
+          <a:prstGeom prst="rect">
+            <a:avLst/>
+          </a:prstGeom>
+          <a:solidFill>
+            <a:schemeClr val="accent1"/>
+          </a:solidFill>
+          <a:ln>
+            <a:noFill/>
+          </a:ln>
+        </p:spPr>
+        <p:style>
+          <a:lnRef idx="2">
+            <a:schemeClr val="accent1">
+              <a:shade val="50000"/>
+            </a:schemeClr>
+          </a:lnRef>
+          <a:fillRef idx="1">
+            <a:schemeClr val="accent1"/>
+          </a:fillRef>
+          <a:effectRef idx="0">
+            <a:schemeClr val="accent1"/>
+          </a:effectRef>
+          <a:fontRef idx="minor">
+            <a:schemeClr val="lt1"/>
+          </a:fontRef>
+        </p:style>
+        <p:txBody>
+          <a:bodyPr rtlCol="0" anchor="ctr"/>
+          <a:lstStyle/>
+          <a:p>
+            <a:pPr marL="0" marR="0" lvl="0" indent="0" algn="ctr" defTabSz="914400" rtl="0" eaLnBrk="1" fontAlgn="auto" latinLnBrk="0" hangingPunct="1">
+              <a:lnSpc>
+                <a:spcPct val="100000"/>
+              </a:lnSpc>
+              <a:spcBef>
+                <a:spcPts val="0"/>
+              </a:spcBef>
+              <a:spcAft>
+                <a:spcPts val="0"/>
+              </a:spcAft>
+              <a:buClrTx/>
+              <a:buSzTx/>
+              <a:buFontTx/>
+              <a:buNone/>
+              <a:tabLst/>
+              <a:defRPr/>
+            </a:pPr>
+            <a:endParaRPr kumimoji="0" lang="en-US" sz="1800" b="0" i="0" u="none" strike="noStrike" kern="1200" cap="none" spc="0" normalizeH="0" baseline="0" noProof="0">
+              <a:ln>
+                <a:noFill/>
+              </a:ln>
+              <a:solidFill>
+                <a:prstClr val="white"/>
+              </a:solidFill>
+              <a:effectLst/>
+              <a:uLnTx/>
+              <a:uFillTx/>
+              <a:latin typeface="Calibri" panose="020F0502020204030204"/>
+              <a:ea typeface="+mn-ea"/>
+              <a:cs typeface="+mn-cs"/>
+            </a:endParaRPr>
+          </a:p>
+        </p:txBody>
+      </p:sp>
+      <p:sp>
+        <p:nvSpPr>
+          <p:cNvPr id="20" name="Rectangle 19">
+            <a:extLst>
+              <a:ext uri="{FF2B5EF4-FFF2-40B4-BE49-F238E27FC236}">
+                <a16:creationId xmlns:a16="http://schemas.microsoft.com/office/drawing/2014/main" id="{08C9B587-E65E-4B52-B37C-ABEBB6E87928}"/>
+              </a:ext>
+              <a:ext uri="{C183D7F6-B498-43B3-948B-1728B52AA6E4}">
+                <adec:decorative xmlns:adec="http://schemas.microsoft.com/office/drawing/2017/decorative" val="1"/>
+              </a:ext>
+            </a:extLst>
+          </p:cNvPr>
+          <p:cNvSpPr>
+            <a:spLocks noGrp="1" noRot="1" noChangeAspect="1" noMove="1" noResize="1" noEditPoints="1" noAdjustHandles="1" noChangeArrowheads="1" noChangeShapeType="1" noTextEdit="1"/>
+          </p:cNvSpPr>
+          <p:nvPr>
+            <p:extLst>
+              <p:ext uri="{386F3935-93C4-4BCD-93E2-E3B085C9AB24}">
+                <p16:designElem xmlns:p16="http://schemas.microsoft.com/office/powerpoint/2015/main" val="1"/>
+              </p:ext>
+            </p:extLst>
+          </p:nvPr>
+        </p:nvSpPr>
+        <p:spPr>
+          <a:xfrm>
+            <a:off x="481029" y="4546920"/>
+            <a:ext cx="3977640" cy="18288"/>
+          </a:xfrm>
+          <a:prstGeom prst="rect">
+            <a:avLst/>
+          </a:prstGeom>
+          <a:solidFill>
+            <a:schemeClr val="tx2">
+              <a:lumMod val="25000"/>
+              <a:lumOff val="75000"/>
+            </a:schemeClr>
+          </a:solidFill>
+          <a:ln w="3175">
+            <a:solidFill>
+              <a:schemeClr val="tx2">
+                <a:lumMod val="25000"/>
+                <a:lumOff val="75000"/>
+              </a:schemeClr>
+            </a:solidFill>
+          </a:ln>
+          <a:effectLst/>
+        </p:spPr>
+        <p:style>
+          <a:lnRef idx="2">
+            <a:schemeClr val="accent1">
+              <a:shade val="50000"/>
+            </a:schemeClr>
+          </a:lnRef>
+          <a:fillRef idx="1">
+            <a:schemeClr val="accent1"/>
+          </a:fillRef>
+          <a:effectRef idx="0">
+            <a:schemeClr val="accent1"/>
+          </a:effectRef>
+          <a:fontRef idx="minor">
+            <a:schemeClr val="lt1"/>
+          </a:fontRef>
+        </p:style>
+        <p:txBody>
+          <a:bodyPr rtlCol="0" anchor="ctr"/>
+          <a:lstStyle/>
+          <a:p>
+            <a:pPr marL="0" marR="0" lvl="0" indent="0" algn="ctr" defTabSz="914400" rtl="0" eaLnBrk="1" fontAlgn="auto" latinLnBrk="0" hangingPunct="1">
+              <a:lnSpc>
+                <a:spcPct val="100000"/>
+              </a:lnSpc>
+              <a:spcBef>
+                <a:spcPts val="0"/>
+              </a:spcBef>
+              <a:spcAft>
+                <a:spcPts val="0"/>
+              </a:spcAft>
+              <a:buClrTx/>
+              <a:buSzTx/>
+              <a:buFontTx/>
+              <a:buNone/>
+              <a:tabLst/>
+              <a:defRPr/>
+            </a:pPr>
+            <a:endParaRPr kumimoji="0" lang="en-US" sz="1800" b="0" i="0" u="none" strike="noStrike" kern="1200" cap="none" spc="0" normalizeH="0" baseline="0" noProof="0">
+              <a:ln>
+                <a:noFill/>
+              </a:ln>
+              <a:solidFill>
+                <a:prstClr val="white"/>
+              </a:solidFill>
+              <a:effectLst/>
+              <a:uLnTx/>
+              <a:uFillTx/>
+              <a:latin typeface="Calibri" panose="020F0502020204030204"/>
+              <a:ea typeface="+mn-ea"/>
+              <a:cs typeface="+mn-cs"/>
+            </a:endParaRPr>
+          </a:p>
+        </p:txBody>
+      </p:sp>
+    </p:spTree>
+    <p:extLst>
+      <p:ext uri="{BB962C8B-B14F-4D97-AF65-F5344CB8AC3E}">
+        <p14:creationId xmlns:p14="http://schemas.microsoft.com/office/powerpoint/2010/main" val="550621095"/>
+      </p:ext>
+    </p:extLst>
+  </p:cSld>
+  <p:clrMapOvr>
+    <a:masterClrMapping/>
+  </p:clrMapOvr>
+  <p:timing>
+    <p:tnLst>
+      <p:par>
+        <p:cTn id="1" dur="indefinite" restart="never" nodeType="tmRoot">
+          <p:childTnLst>
+            <p:seq concurrent="1" nextAc="seek">
+              <p:cTn id="2" dur="indefinite" nodeType="mainSeq">
+                <p:childTnLst>
+                  <p:par>
+                    <p:cTn id="3" fill="hold">
+                      <p:stCondLst>
+                        <p:cond delay="indefinite"/>
+                        <p:cond evt="onBegin" delay="0">
+                          <p:tn val="2"/>
+                        </p:cond>
+                      </p:stCondLst>
+                      <p:childTnLst>
+                        <p:par>
+                          <p:cTn id="4" fill="hold">
+                            <p:stCondLst>
+                              <p:cond delay="0"/>
+                            </p:stCondLst>
+                            <p:childTnLst>
+                              <p:par>
+                                <p:cTn id="5" presetID="10" presetClass="entr" presetSubtype="0" fill="hold" grpId="0" nodeType="withEffect">
+                                  <p:stCondLst>
+                                    <p:cond delay="1000"/>
+                                  </p:stCondLst>
+                                  <p:iterate type="lt">
+                                    <p:tmPct val="10000"/>
+                                  </p:iterate>
+                                  <p:childTnLst>
+                                    <p:set>
+                                      <p:cBhvr>
+                                        <p:cTn id="6" dur="1" fill="hold">
+                                          <p:stCondLst>
+                                            <p:cond delay="0"/>
+                                          </p:stCondLst>
+                                        </p:cTn>
+                                        <p:tgtEl>
+                                          <p:spTgt spid="5"/>
+                                        </p:tgtEl>
+                                        <p:attrNameLst>
+                                          <p:attrName>style.visibility</p:attrName>
+                                        </p:attrNameLst>
+                                      </p:cBhvr>
+                                      <p:to>
+                                        <p:strVal val="visible"/>
+                                      </p:to>
+                                    </p:set>
+                                    <p:animEffect transition="in" filter="fade">
+                                      <p:cBhvr>
+                                        <p:cTn id="7" dur="400"/>
+                                        <p:tgtEl>
+                                          <p:spTgt spid="5"/>
+                                        </p:tgtEl>
+                                      </p:cBhvr>
+                                    </p:animEffect>
+                                  </p:childTnLst>
+                                </p:cTn>
+                              </p:par>
+                            </p:childTnLst>
+                          </p:cTn>
+                        </p:par>
+                      </p:childTnLst>
+                    </p:cTn>
+                  </p:par>
+                </p:childTnLst>
+              </p:cTn>
+              <p:prevCondLst>
+                <p:cond evt="onPrev" delay="0">
+                  <p:tgtEl>
+                    <p:sldTgt/>
+                  </p:tgtEl>
+                </p:cond>
+              </p:prevCondLst>
+              <p:nextCondLst>
+                <p:cond evt="onNext" delay="0">
+                  <p:tgtEl>
+                    <p:sldTgt/>
+                  </p:tgtEl>
+                </p:cond>
+              </p:nextCondLst>
+            </p:seq>
+          </p:childTnLst>
+        </p:cTn>
+      </p:par>
+    </p:tnLst>
+    <p:bldLst>
+      <p:bldP spid="5" grpId="0"/>
+    </p:bldLst>
+  </p:timing>
 </p:sld>
 </file>
 
@@ -9598,6 +18576,419 @@
     <p:extLst>
       <p:ext uri="{BB962C8B-B14F-4D97-AF65-F5344CB8AC3E}">
         <p14:creationId xmlns:p14="http://schemas.microsoft.com/office/powerpoint/2010/main" val="324503897"/>
+      </p:ext>
+    </p:extLst>
+  </p:cSld>
+  <p:clrMapOvr>
+    <a:masterClrMapping/>
+  </p:clrMapOvr>
+</p:sld>
+</file>
+
+<file path=ppt/slides/slide150.xml><?xml version="1.0" encoding="utf-8"?>
+<p:sld xmlns:a="http://schemas.openxmlformats.org/drawingml/2006/main" xmlns:r="http://schemas.openxmlformats.org/officeDocument/2006/relationships" xmlns:p="http://schemas.openxmlformats.org/presentationml/2006/main">
+  <p:cSld>
+    <p:spTree>
+      <p:nvGrpSpPr>
+        <p:cNvPr id="1" name=""/>
+        <p:cNvGrpSpPr/>
+        <p:nvPr/>
+      </p:nvGrpSpPr>
+      <p:grpSpPr>
+        <a:xfrm>
+          <a:off x="0" y="0"/>
+          <a:ext cx="0" cy="0"/>
+          <a:chOff x="0" y="0"/>
+          <a:chExt cx="0" cy="0"/>
+        </a:xfrm>
+      </p:grpSpPr>
+      <p:sp>
+        <p:nvSpPr>
+          <p:cNvPr id="2" name="Título 1">
+            <a:extLst>
+              <a:ext uri="{FF2B5EF4-FFF2-40B4-BE49-F238E27FC236}">
+                <a16:creationId xmlns:a16="http://schemas.microsoft.com/office/drawing/2014/main" id="{E24D6B97-DF7B-7CEA-375F-854ABB6F4812}"/>
+              </a:ext>
+            </a:extLst>
+          </p:cNvPr>
+          <p:cNvSpPr>
+            <a:spLocks noGrp="1"/>
+          </p:cNvSpPr>
+          <p:nvPr>
+            <p:ph type="title"/>
+          </p:nvPr>
+        </p:nvSpPr>
+        <p:spPr/>
+        <p:txBody>
+          <a:bodyPr/>
+          <a:lstStyle/>
+          <a:p>
+            <a:r>
+              <a:rPr lang="pt-BR" dirty="0"/>
+              <a:t>Lembra da Aula de Entrada de Dados?</a:t>
+            </a:r>
+          </a:p>
+        </p:txBody>
+      </p:sp>
+      <p:sp>
+        <p:nvSpPr>
+          <p:cNvPr id="3" name="Espaço Reservado para Conteúdo 2">
+            <a:extLst>
+              <a:ext uri="{FF2B5EF4-FFF2-40B4-BE49-F238E27FC236}">
+                <a16:creationId xmlns:a16="http://schemas.microsoft.com/office/drawing/2014/main" id="{D4D42CF7-D609-C962-151C-B4BEB80E32CA}"/>
+              </a:ext>
+            </a:extLst>
+          </p:cNvPr>
+          <p:cNvSpPr>
+            <a:spLocks noGrp="1"/>
+          </p:cNvSpPr>
+          <p:nvPr>
+            <p:ph idx="1"/>
+          </p:nvPr>
+        </p:nvSpPr>
+        <p:spPr/>
+        <p:txBody>
+          <a:bodyPr/>
+          <a:lstStyle/>
+          <a:p>
+            <a:r>
+              <a:rPr lang="pt-BR" dirty="0"/>
+              <a:t>Aplique ela no Contexto agora!</a:t>
+            </a:r>
+          </a:p>
+          <a:p>
+            <a:r>
+              <a:rPr lang="pt-BR" dirty="0"/>
+              <a:t>É exatamente para isso que servem os formulários!</a:t>
+            </a:r>
+          </a:p>
+        </p:txBody>
+      </p:sp>
+    </p:spTree>
+    <p:extLst>
+      <p:ext uri="{BB962C8B-B14F-4D97-AF65-F5344CB8AC3E}">
+        <p14:creationId xmlns:p14="http://schemas.microsoft.com/office/powerpoint/2010/main" val="2866770252"/>
+      </p:ext>
+    </p:extLst>
+  </p:cSld>
+  <p:clrMapOvr>
+    <a:masterClrMapping/>
+  </p:clrMapOvr>
+</p:sld>
+</file>
+
+<file path=ppt/slides/slide151.xml><?xml version="1.0" encoding="utf-8"?>
+<p:sld xmlns:a="http://schemas.openxmlformats.org/drawingml/2006/main" xmlns:r="http://schemas.openxmlformats.org/officeDocument/2006/relationships" xmlns:p="http://schemas.openxmlformats.org/presentationml/2006/main">
+  <p:cSld>
+    <p:spTree>
+      <p:nvGrpSpPr>
+        <p:cNvPr id="1" name=""/>
+        <p:cNvGrpSpPr/>
+        <p:nvPr/>
+      </p:nvGrpSpPr>
+      <p:grpSpPr>
+        <a:xfrm>
+          <a:off x="0" y="0"/>
+          <a:ext cx="0" cy="0"/>
+          <a:chOff x="0" y="0"/>
+          <a:chExt cx="0" cy="0"/>
+        </a:xfrm>
+      </p:grpSpPr>
+      <p:sp>
+        <p:nvSpPr>
+          <p:cNvPr id="2" name="Título 1">
+            <a:extLst>
+              <a:ext uri="{FF2B5EF4-FFF2-40B4-BE49-F238E27FC236}">
+                <a16:creationId xmlns:a16="http://schemas.microsoft.com/office/drawing/2014/main" id="{BC189171-3865-F0B0-127C-E763946978DD}"/>
+              </a:ext>
+            </a:extLst>
+          </p:cNvPr>
+          <p:cNvSpPr>
+            <a:spLocks noGrp="1"/>
+          </p:cNvSpPr>
+          <p:nvPr>
+            <p:ph type="title"/>
+          </p:nvPr>
+        </p:nvSpPr>
+        <p:spPr/>
+        <p:txBody>
+          <a:bodyPr/>
+          <a:lstStyle/>
+          <a:p>
+            <a:r>
+              <a:rPr lang="pt-BR" dirty="0"/>
+              <a:t>A Importância da Entrada de Dados</a:t>
+            </a:r>
+          </a:p>
+        </p:txBody>
+      </p:sp>
+      <p:sp>
+        <p:nvSpPr>
+          <p:cNvPr id="3" name="Espaço Reservado para Conteúdo 2">
+            <a:extLst>
+              <a:ext uri="{FF2B5EF4-FFF2-40B4-BE49-F238E27FC236}">
+                <a16:creationId xmlns:a16="http://schemas.microsoft.com/office/drawing/2014/main" id="{C3BB7790-ED32-DA7A-83DD-E1AB4F8CAD9B}"/>
+              </a:ext>
+            </a:extLst>
+          </p:cNvPr>
+          <p:cNvSpPr>
+            <a:spLocks noGrp="1"/>
+          </p:cNvSpPr>
+          <p:nvPr>
+            <p:ph idx="1"/>
+          </p:nvPr>
+        </p:nvSpPr>
+        <p:spPr/>
+        <p:txBody>
+          <a:bodyPr/>
+          <a:lstStyle/>
+          <a:p>
+            <a:r>
+              <a:rPr lang="pt-BR" dirty="0"/>
+              <a:t>A Internet não seria a mesma coisa sem os formulários</a:t>
+            </a:r>
+          </a:p>
+          <a:p>
+            <a:pPr lvl="1"/>
+            <a:r>
+              <a:rPr lang="pt-BR" dirty="0"/>
+              <a:t>Redes Sociais;</a:t>
+            </a:r>
+          </a:p>
+          <a:p>
+            <a:pPr lvl="1"/>
+            <a:r>
+              <a:rPr lang="pt-BR" dirty="0"/>
+              <a:t>ChatGPT;</a:t>
+            </a:r>
+          </a:p>
+          <a:p>
+            <a:pPr lvl="1"/>
+            <a:r>
+              <a:rPr lang="pt-BR" dirty="0"/>
+              <a:t>Sistemas do Governo;</a:t>
+            </a:r>
+          </a:p>
+          <a:p>
+            <a:pPr lvl="1"/>
+            <a:r>
+              <a:rPr lang="pt-BR" dirty="0"/>
+              <a:t>Ou qualquer outro sistema moderno utilizam a entrada de dados.</a:t>
+            </a:r>
+          </a:p>
+        </p:txBody>
+      </p:sp>
+    </p:spTree>
+    <p:extLst>
+      <p:ext uri="{BB962C8B-B14F-4D97-AF65-F5344CB8AC3E}">
+        <p14:creationId xmlns:p14="http://schemas.microsoft.com/office/powerpoint/2010/main" val="1068963285"/>
+      </p:ext>
+    </p:extLst>
+  </p:cSld>
+  <p:clrMapOvr>
+    <a:masterClrMapping/>
+  </p:clrMapOvr>
+</p:sld>
+</file>
+
+<file path=ppt/slides/slide152.xml><?xml version="1.0" encoding="utf-8"?>
+<p:sld xmlns:a="http://schemas.openxmlformats.org/drawingml/2006/main" xmlns:r="http://schemas.openxmlformats.org/officeDocument/2006/relationships" xmlns:p="http://schemas.openxmlformats.org/presentationml/2006/main">
+  <p:cSld>
+    <p:spTree>
+      <p:nvGrpSpPr>
+        <p:cNvPr id="1" name=""/>
+        <p:cNvGrpSpPr/>
+        <p:nvPr/>
+      </p:nvGrpSpPr>
+      <p:grpSpPr>
+        <a:xfrm>
+          <a:off x="0" y="0"/>
+          <a:ext cx="0" cy="0"/>
+          <a:chOff x="0" y="0"/>
+          <a:chExt cx="0" cy="0"/>
+        </a:xfrm>
+      </p:grpSpPr>
+      <p:sp>
+        <p:nvSpPr>
+          <p:cNvPr id="2" name="Título 1">
+            <a:extLst>
+              <a:ext uri="{FF2B5EF4-FFF2-40B4-BE49-F238E27FC236}">
+                <a16:creationId xmlns:a16="http://schemas.microsoft.com/office/drawing/2014/main" id="{4967C8F1-5E46-F767-EE9C-B205FA10FED8}"/>
+              </a:ext>
+            </a:extLst>
+          </p:cNvPr>
+          <p:cNvSpPr>
+            <a:spLocks noGrp="1"/>
+          </p:cNvSpPr>
+          <p:nvPr>
+            <p:ph type="title"/>
+          </p:nvPr>
+        </p:nvSpPr>
+        <p:spPr/>
+        <p:txBody>
+          <a:bodyPr/>
+          <a:lstStyle/>
+          <a:p>
+            <a:r>
+              <a:rPr lang="pt-BR" dirty="0" err="1"/>
+              <a:t>Tag</a:t>
+            </a:r>
+            <a:r>
+              <a:rPr lang="pt-BR" dirty="0"/>
+              <a:t> </a:t>
+            </a:r>
+            <a:r>
+              <a:rPr lang="pt-BR" dirty="0" err="1"/>
+              <a:t>form</a:t>
+            </a:r>
+            <a:endParaRPr lang="pt-BR" dirty="0"/>
+          </a:p>
+        </p:txBody>
+      </p:sp>
+      <p:sp>
+        <p:nvSpPr>
+          <p:cNvPr id="3" name="Espaço Reservado para Conteúdo 2">
+            <a:extLst>
+              <a:ext uri="{FF2B5EF4-FFF2-40B4-BE49-F238E27FC236}">
+                <a16:creationId xmlns:a16="http://schemas.microsoft.com/office/drawing/2014/main" id="{4F02135F-C1C8-63E3-D0DA-1E5443E94254}"/>
+              </a:ext>
+            </a:extLst>
+          </p:cNvPr>
+          <p:cNvSpPr>
+            <a:spLocks noGrp="1"/>
+          </p:cNvSpPr>
+          <p:nvPr>
+            <p:ph idx="1"/>
+          </p:nvPr>
+        </p:nvSpPr>
+        <p:spPr/>
+        <p:txBody>
+          <a:bodyPr/>
+          <a:lstStyle/>
+          <a:p>
+            <a:r>
+              <a:rPr lang="pt-BR" dirty="0"/>
+              <a:t>Tudo isso por meio da </a:t>
+            </a:r>
+            <a:r>
+              <a:rPr lang="pt-BR" dirty="0" err="1"/>
+              <a:t>tag</a:t>
+            </a:r>
+            <a:r>
+              <a:rPr lang="pt-BR" dirty="0"/>
+              <a:t> </a:t>
+            </a:r>
+            <a:r>
+              <a:rPr lang="pt-BR" dirty="0" err="1"/>
+              <a:t>form</a:t>
+            </a:r>
+            <a:r>
+              <a:rPr lang="pt-BR" dirty="0"/>
+              <a:t>! Responsável pela transferência de dados. </a:t>
+            </a:r>
+          </a:p>
+        </p:txBody>
+      </p:sp>
+    </p:spTree>
+    <p:extLst>
+      <p:ext uri="{BB962C8B-B14F-4D97-AF65-F5344CB8AC3E}">
+        <p14:creationId xmlns:p14="http://schemas.microsoft.com/office/powerpoint/2010/main" val="2939705175"/>
+      </p:ext>
+    </p:extLst>
+  </p:cSld>
+  <p:clrMapOvr>
+    <a:masterClrMapping/>
+  </p:clrMapOvr>
+</p:sld>
+</file>
+
+<file path=ppt/slides/slide153.xml><?xml version="1.0" encoding="utf-8"?>
+<p:sld xmlns:a="http://schemas.openxmlformats.org/drawingml/2006/main" xmlns:r="http://schemas.openxmlformats.org/officeDocument/2006/relationships" xmlns:p="http://schemas.openxmlformats.org/presentationml/2006/main">
+  <p:cSld>
+    <p:spTree>
+      <p:nvGrpSpPr>
+        <p:cNvPr id="1" name=""/>
+        <p:cNvGrpSpPr/>
+        <p:nvPr/>
+      </p:nvGrpSpPr>
+      <p:grpSpPr>
+        <a:xfrm>
+          <a:off x="0" y="0"/>
+          <a:ext cx="0" cy="0"/>
+          <a:chOff x="0" y="0"/>
+          <a:chExt cx="0" cy="0"/>
+        </a:xfrm>
+      </p:grpSpPr>
+      <p:sp>
+        <p:nvSpPr>
+          <p:cNvPr id="2" name="Título 1">
+            <a:extLst>
+              <a:ext uri="{FF2B5EF4-FFF2-40B4-BE49-F238E27FC236}">
+                <a16:creationId xmlns:a16="http://schemas.microsoft.com/office/drawing/2014/main" id="{294E57CE-0A8B-4F7D-47D1-B03C5D5AB917}"/>
+              </a:ext>
+            </a:extLst>
+          </p:cNvPr>
+          <p:cNvSpPr>
+            <a:spLocks noGrp="1"/>
+          </p:cNvSpPr>
+          <p:nvPr>
+            <p:ph type="title"/>
+          </p:nvPr>
+        </p:nvSpPr>
+        <p:spPr/>
+        <p:txBody>
+          <a:bodyPr/>
+          <a:lstStyle/>
+          <a:p>
+            <a:r>
+              <a:rPr lang="pt-BR" dirty="0" err="1"/>
+              <a:t>Tag</a:t>
+            </a:r>
+            <a:r>
+              <a:rPr lang="pt-BR" dirty="0"/>
+              <a:t> </a:t>
+            </a:r>
+            <a:r>
+              <a:rPr lang="pt-BR" dirty="0" err="1"/>
+              <a:t>Form</a:t>
+            </a:r>
+            <a:endParaRPr lang="pt-BR" dirty="0"/>
+          </a:p>
+        </p:txBody>
+      </p:sp>
+      <p:pic>
+        <p:nvPicPr>
+          <p:cNvPr id="5" name="Espaço Reservado para Conteúdo 4">
+            <a:extLst>
+              <a:ext uri="{FF2B5EF4-FFF2-40B4-BE49-F238E27FC236}">
+                <a16:creationId xmlns:a16="http://schemas.microsoft.com/office/drawing/2014/main" id="{99F99A6E-6C01-CC9C-3EBC-B856319831EA}"/>
+              </a:ext>
+            </a:extLst>
+          </p:cNvPr>
+          <p:cNvPicPr>
+            <a:picLocks noGrp="1" noChangeAspect="1"/>
+          </p:cNvPicPr>
+          <p:nvPr>
+            <p:ph idx="1"/>
+          </p:nvPr>
+        </p:nvPicPr>
+        <p:blipFill>
+          <a:blip r:embed="rId2"/>
+          <a:stretch>
+            <a:fillRect/>
+          </a:stretch>
+        </p:blipFill>
+        <p:spPr>
+          <a:xfrm>
+            <a:off x="381681" y="2415396"/>
+            <a:ext cx="11406175" cy="3743864"/>
+          </a:xfrm>
+        </p:spPr>
+      </p:pic>
+    </p:spTree>
+    <p:extLst>
+      <p:ext uri="{BB962C8B-B14F-4D97-AF65-F5344CB8AC3E}">
+        <p14:creationId xmlns:p14="http://schemas.microsoft.com/office/powerpoint/2010/main" val="3896293826"/>
       </p:ext>
     </p:extLst>
   </p:cSld>

--- a/Power Point/Curso de HTML e CSS.pptx
+++ b/Power Point/Curso de HTML e CSS.pptx
@@ -158,6 +158,15 @@
     <p:sldId id="407" r:id="rId152"/>
     <p:sldId id="408" r:id="rId153"/>
     <p:sldId id="409" r:id="rId154"/>
+    <p:sldId id="410" r:id="rId155"/>
+    <p:sldId id="411" r:id="rId156"/>
+    <p:sldId id="412" r:id="rId157"/>
+    <p:sldId id="413" r:id="rId158"/>
+    <p:sldId id="414" r:id="rId159"/>
+    <p:sldId id="418" r:id="rId160"/>
+    <p:sldId id="415" r:id="rId161"/>
+    <p:sldId id="416" r:id="rId162"/>
+    <p:sldId id="417" r:id="rId163"/>
   </p:sldIdLst>
   <p:sldSz cx="12192000" cy="6858000"/>
   <p:notesSz cx="6858000" cy="9144000"/>
@@ -420,7 +429,7 @@
           <a:p>
             <a:fld id="{02AC24A9-CCB6-4F8D-B8DB-C2F3692CFA5A}" type="datetimeFigureOut">
               <a:rPr lang="en-US" smtClean="0"/>
-              <a:t>6/17/2025</a:t>
+              <a:t>6/24/2025</a:t>
             </a:fld>
             <a:endParaRPr lang="en-US" dirty="0"/>
           </a:p>
@@ -790,7 +799,7 @@
           <a:p>
             <a:fld id="{02AC24A9-CCB6-4F8D-B8DB-C2F3692CFA5A}" type="datetimeFigureOut">
               <a:rPr lang="en-US" smtClean="0"/>
-              <a:t>6/17/2025</a:t>
+              <a:t>6/24/2025</a:t>
             </a:fld>
             <a:endParaRPr lang="en-US"/>
           </a:p>
@@ -999,7 +1008,7 @@
           <a:p>
             <a:fld id="{02AC24A9-CCB6-4F8D-B8DB-C2F3692CFA5A}" type="datetimeFigureOut">
               <a:rPr lang="en-US" smtClean="0"/>
-              <a:t>6/17/2025</a:t>
+              <a:t>6/24/2025</a:t>
             </a:fld>
             <a:endParaRPr lang="en-US"/>
           </a:p>
@@ -1469,7 +1478,7 @@
           <a:p>
             <a:fld id="{02AC24A9-CCB6-4F8D-B8DB-C2F3692CFA5A}" type="datetimeFigureOut">
               <a:rPr lang="en-US" smtClean="0"/>
-              <a:t>6/17/2025</a:t>
+              <a:t>6/24/2025</a:t>
             </a:fld>
             <a:endParaRPr lang="en-US"/>
           </a:p>
@@ -1923,7 +1932,7 @@
           <a:p>
             <a:fld id="{02AC24A9-CCB6-4F8D-B8DB-C2F3692CFA5A}" type="datetimeFigureOut">
               <a:rPr lang="en-US" smtClean="0"/>
-              <a:t>6/17/2025</a:t>
+              <a:t>6/24/2025</a:t>
             </a:fld>
             <a:endParaRPr lang="en-US"/>
           </a:p>
@@ -2455,7 +2464,7 @@
           <a:p>
             <a:fld id="{02AC24A9-CCB6-4F8D-B8DB-C2F3692CFA5A}" type="datetimeFigureOut">
               <a:rPr lang="en-US" smtClean="0"/>
-              <a:t>6/17/2025</a:t>
+              <a:t>6/24/2025</a:t>
             </a:fld>
             <a:endParaRPr lang="en-US"/>
           </a:p>
@@ -3154,7 +3163,7 @@
           <a:p>
             <a:fld id="{02AC24A9-CCB6-4F8D-B8DB-C2F3692CFA5A}" type="datetimeFigureOut">
               <a:rPr lang="en-US" smtClean="0"/>
-              <a:t>6/17/2025</a:t>
+              <a:t>6/24/2025</a:t>
             </a:fld>
             <a:endParaRPr lang="en-US"/>
           </a:p>
@@ -3483,7 +3492,7 @@
           <a:p>
             <a:fld id="{02AC24A9-CCB6-4F8D-B8DB-C2F3692CFA5A}" type="datetimeFigureOut">
               <a:rPr lang="en-US" smtClean="0"/>
-              <a:t>6/17/2025</a:t>
+              <a:t>6/24/2025</a:t>
             </a:fld>
             <a:endParaRPr lang="en-US"/>
           </a:p>
@@ -3596,7 +3605,7 @@
           <a:p>
             <a:fld id="{02AC24A9-CCB6-4F8D-B8DB-C2F3692CFA5A}" type="datetimeFigureOut">
               <a:rPr lang="en-US" smtClean="0"/>
-              <a:t>6/17/2025</a:t>
+              <a:t>6/24/2025</a:t>
             </a:fld>
             <a:endParaRPr lang="en-US"/>
           </a:p>
@@ -4091,7 +4100,7 @@
           <a:p>
             <a:fld id="{02AC24A9-CCB6-4F8D-B8DB-C2F3692CFA5A}" type="datetimeFigureOut">
               <a:rPr lang="en-US" smtClean="0"/>
-              <a:t>6/17/2025</a:t>
+              <a:t>6/24/2025</a:t>
             </a:fld>
             <a:endParaRPr lang="en-US" dirty="0"/>
           </a:p>
@@ -4568,7 +4577,7 @@
           <a:p>
             <a:fld id="{02AC24A9-CCB6-4F8D-B8DB-C2F3692CFA5A}" type="datetimeFigureOut">
               <a:rPr lang="en-US" smtClean="0"/>
-              <a:t>6/17/2025</a:t>
+              <a:t>6/24/2025</a:t>
             </a:fld>
             <a:endParaRPr lang="en-US"/>
           </a:p>
@@ -4811,7 +4820,7 @@
           <a:p>
             <a:fld id="{02AC24A9-CCB6-4F8D-B8DB-C2F3692CFA5A}" type="datetimeFigureOut">
               <a:rPr lang="en-US" smtClean="0"/>
-              <a:t>6/17/2025</a:t>
+              <a:t>6/24/2025</a:t>
             </a:fld>
             <a:endParaRPr lang="en-US"/>
           </a:p>
@@ -18998,6 +19007,2993 @@
 </p:sld>
 </file>
 
+<file path=ppt/slides/slide154.xml><?xml version="1.0" encoding="utf-8"?>
+<p:sld xmlns:a="http://schemas.openxmlformats.org/drawingml/2006/main" xmlns:r="http://schemas.openxmlformats.org/officeDocument/2006/relationships" xmlns:p="http://schemas.openxmlformats.org/presentationml/2006/main">
+  <p:cSld>
+    <p:spTree>
+      <p:nvGrpSpPr>
+        <p:cNvPr id="1" name=""/>
+        <p:cNvGrpSpPr/>
+        <p:nvPr/>
+      </p:nvGrpSpPr>
+      <p:grpSpPr>
+        <a:xfrm>
+          <a:off x="0" y="0"/>
+          <a:ext cx="0" cy="0"/>
+          <a:chOff x="0" y="0"/>
+          <a:chExt cx="0" cy="0"/>
+        </a:xfrm>
+      </p:grpSpPr>
+      <p:sp>
+        <p:nvSpPr>
+          <p:cNvPr id="2" name="Título 1">
+            <a:extLst>
+              <a:ext uri="{FF2B5EF4-FFF2-40B4-BE49-F238E27FC236}">
+                <a16:creationId xmlns:a16="http://schemas.microsoft.com/office/drawing/2014/main" id="{38F57FAC-6BE1-8F78-D37E-15E7975B9B19}"/>
+              </a:ext>
+            </a:extLst>
+          </p:cNvPr>
+          <p:cNvSpPr>
+            <a:spLocks noGrp="1"/>
+          </p:cNvSpPr>
+          <p:nvPr>
+            <p:ph type="title"/>
+          </p:nvPr>
+        </p:nvSpPr>
+        <p:spPr/>
+        <p:txBody>
+          <a:bodyPr/>
+          <a:lstStyle/>
+          <a:p>
+            <a:r>
+              <a:rPr lang="pt-BR" dirty="0"/>
+              <a:t>Lição de Casa</a:t>
+            </a:r>
+          </a:p>
+        </p:txBody>
+      </p:sp>
+      <p:sp>
+        <p:nvSpPr>
+          <p:cNvPr id="3" name="Espaço Reservado para Conteúdo 2">
+            <a:extLst>
+              <a:ext uri="{FF2B5EF4-FFF2-40B4-BE49-F238E27FC236}">
+                <a16:creationId xmlns:a16="http://schemas.microsoft.com/office/drawing/2014/main" id="{5BC8FCDB-D1DB-FA77-158D-4E13EA74EB74}"/>
+              </a:ext>
+            </a:extLst>
+          </p:cNvPr>
+          <p:cNvSpPr>
+            <a:spLocks noGrp="1"/>
+          </p:cNvSpPr>
+          <p:nvPr>
+            <p:ph idx="1"/>
+          </p:nvPr>
+        </p:nvSpPr>
+        <p:spPr/>
+        <p:txBody>
+          <a:bodyPr/>
+          <a:lstStyle/>
+          <a:p>
+            <a:r>
+              <a:rPr lang="pt-BR" dirty="0"/>
+              <a:t>Pesquise sobre métodos HTTP e sobre formas de você lidar com esses formulários no HTML. </a:t>
+            </a:r>
+          </a:p>
+        </p:txBody>
+      </p:sp>
+    </p:spTree>
+    <p:extLst>
+      <p:ext uri="{BB962C8B-B14F-4D97-AF65-F5344CB8AC3E}">
+        <p14:creationId xmlns:p14="http://schemas.microsoft.com/office/powerpoint/2010/main" val="2650802017"/>
+      </p:ext>
+    </p:extLst>
+  </p:cSld>
+  <p:clrMapOvr>
+    <a:masterClrMapping/>
+  </p:clrMapOvr>
+</p:sld>
+</file>
+
+<file path=ppt/slides/slide155.xml><?xml version="1.0" encoding="utf-8"?>
+<p:sld xmlns:a="http://schemas.openxmlformats.org/drawingml/2006/main" xmlns:r="http://schemas.openxmlformats.org/officeDocument/2006/relationships" xmlns:p="http://schemas.openxmlformats.org/presentationml/2006/main">
+  <p:cSld>
+    <p:bg>
+      <p:bgPr>
+        <a:solidFill>
+          <a:schemeClr val="bg1"/>
+        </a:solidFill>
+        <a:effectLst/>
+      </p:bgPr>
+    </p:bg>
+    <p:spTree>
+      <p:nvGrpSpPr>
+        <p:cNvPr id="1" name=""/>
+        <p:cNvGrpSpPr/>
+        <p:nvPr/>
+      </p:nvGrpSpPr>
+      <p:grpSpPr>
+        <a:xfrm>
+          <a:off x="0" y="0"/>
+          <a:ext cx="0" cy="0"/>
+          <a:chOff x="0" y="0"/>
+          <a:chExt cx="0" cy="0"/>
+        </a:xfrm>
+      </p:grpSpPr>
+      <p:sp>
+        <p:nvSpPr>
+          <p:cNvPr id="10" name="Rectangle 9">
+            <a:extLst>
+              <a:ext uri="{FF2B5EF4-FFF2-40B4-BE49-F238E27FC236}">
+                <a16:creationId xmlns:a16="http://schemas.microsoft.com/office/drawing/2014/main" id="{8D06CE56-3881-4ADA-8CEF-D18B02C242A3}"/>
+              </a:ext>
+              <a:ext uri="{C183D7F6-B498-43B3-948B-1728B52AA6E4}">
+                <adec:decorative xmlns:adec="http://schemas.microsoft.com/office/drawing/2017/decorative" val="1"/>
+              </a:ext>
+            </a:extLst>
+          </p:cNvPr>
+          <p:cNvSpPr>
+            <a:spLocks noGrp="1" noRot="1" noChangeAspect="1" noMove="1" noResize="1" noEditPoints="1" noAdjustHandles="1" noChangeArrowheads="1" noChangeShapeType="1" noTextEdit="1"/>
+          </p:cNvSpPr>
+          <p:nvPr>
+            <p:extLst>
+              <p:ext uri="{386F3935-93C4-4BCD-93E2-E3B085C9AB24}">
+                <p16:designElem xmlns:p16="http://schemas.microsoft.com/office/powerpoint/2015/main" val="1"/>
+              </p:ext>
+            </p:extLst>
+          </p:nvPr>
+        </p:nvSpPr>
+        <p:spPr>
+          <a:xfrm rot="5400000">
+            <a:off x="857544" y="346791"/>
+            <a:ext cx="146304" cy="704088"/>
+          </a:xfrm>
+          <a:prstGeom prst="rect">
+            <a:avLst/>
+          </a:prstGeom>
+          <a:solidFill>
+            <a:schemeClr val="accent1"/>
+          </a:solidFill>
+          <a:ln>
+            <a:noFill/>
+          </a:ln>
+        </p:spPr>
+        <p:style>
+          <a:lnRef idx="2">
+            <a:schemeClr val="accent1">
+              <a:shade val="50000"/>
+            </a:schemeClr>
+          </a:lnRef>
+          <a:fillRef idx="1">
+            <a:schemeClr val="accent1"/>
+          </a:fillRef>
+          <a:effectRef idx="0">
+            <a:schemeClr val="accent1"/>
+          </a:effectRef>
+          <a:fontRef idx="minor">
+            <a:schemeClr val="lt1"/>
+          </a:fontRef>
+        </p:style>
+        <p:txBody>
+          <a:bodyPr rtlCol="0" anchor="ctr"/>
+          <a:lstStyle/>
+          <a:p>
+            <a:pPr marL="0" marR="0" lvl="0" indent="0" algn="ctr" defTabSz="914400" rtl="0" eaLnBrk="1" fontAlgn="auto" latinLnBrk="0" hangingPunct="1">
+              <a:lnSpc>
+                <a:spcPct val="100000"/>
+              </a:lnSpc>
+              <a:spcBef>
+                <a:spcPts val="0"/>
+              </a:spcBef>
+              <a:spcAft>
+                <a:spcPts val="0"/>
+              </a:spcAft>
+              <a:buClrTx/>
+              <a:buSzTx/>
+              <a:buFontTx/>
+              <a:buNone/>
+              <a:tabLst/>
+              <a:defRPr/>
+            </a:pPr>
+            <a:endParaRPr kumimoji="0" lang="en-US" sz="1800" b="0" i="0" u="none" strike="noStrike" kern="1200" cap="none" spc="0" normalizeH="0" baseline="0" noProof="0">
+              <a:ln>
+                <a:noFill/>
+              </a:ln>
+              <a:solidFill>
+                <a:prstClr val="white"/>
+              </a:solidFill>
+              <a:effectLst/>
+              <a:uLnTx/>
+              <a:uFillTx/>
+              <a:latin typeface="Calibri" panose="020F0502020204030204"/>
+              <a:ea typeface="+mn-ea"/>
+              <a:cs typeface="+mn-cs"/>
+            </a:endParaRPr>
+          </a:p>
+        </p:txBody>
+      </p:sp>
+      <p:sp>
+        <p:nvSpPr>
+          <p:cNvPr id="12" name="Rectangle 11">
+            <a:extLst>
+              <a:ext uri="{FF2B5EF4-FFF2-40B4-BE49-F238E27FC236}">
+                <a16:creationId xmlns:a16="http://schemas.microsoft.com/office/drawing/2014/main" id="{79F3C543-62EC-4433-9C93-A2CD8764E9B4}"/>
+              </a:ext>
+              <a:ext uri="{C183D7F6-B498-43B3-948B-1728B52AA6E4}">
+                <adec:decorative xmlns:adec="http://schemas.microsoft.com/office/drawing/2017/decorative" val="1"/>
+              </a:ext>
+            </a:extLst>
+          </p:cNvPr>
+          <p:cNvSpPr>
+            <a:spLocks noGrp="1" noRot="1" noChangeAspect="1" noMove="1" noResize="1" noEditPoints="1" noAdjustHandles="1" noChangeArrowheads="1" noChangeShapeType="1" noTextEdit="1"/>
+          </p:cNvSpPr>
+          <p:nvPr>
+            <p:extLst>
+              <p:ext uri="{386F3935-93C4-4BCD-93E2-E3B085C9AB24}">
+                <p16:designElem xmlns:p16="http://schemas.microsoft.com/office/powerpoint/2015/main" val="1"/>
+              </p:ext>
+            </p:extLst>
+          </p:nvPr>
+        </p:nvSpPr>
+        <p:spPr>
+          <a:xfrm flipV="1">
+            <a:off x="578652" y="4501201"/>
+            <a:ext cx="11034696" cy="18288"/>
+          </a:xfrm>
+          <a:prstGeom prst="rect">
+            <a:avLst/>
+          </a:prstGeom>
+          <a:solidFill>
+            <a:schemeClr val="tx2">
+              <a:lumMod val="25000"/>
+              <a:lumOff val="75000"/>
+            </a:schemeClr>
+          </a:solidFill>
+          <a:ln w="3175">
+            <a:noFill/>
+          </a:ln>
+          <a:effectLst/>
+        </p:spPr>
+        <p:style>
+          <a:lnRef idx="2">
+            <a:schemeClr val="accent1">
+              <a:shade val="50000"/>
+            </a:schemeClr>
+          </a:lnRef>
+          <a:fillRef idx="1">
+            <a:schemeClr val="accent1"/>
+          </a:fillRef>
+          <a:effectRef idx="0">
+            <a:schemeClr val="accent1"/>
+          </a:effectRef>
+          <a:fontRef idx="minor">
+            <a:schemeClr val="lt1"/>
+          </a:fontRef>
+        </p:style>
+        <p:txBody>
+          <a:bodyPr rtlCol="0" anchor="ctr"/>
+          <a:lstStyle/>
+          <a:p>
+            <a:pPr marL="0" marR="0" lvl="0" indent="0" algn="ctr" defTabSz="914400" rtl="0" eaLnBrk="1" fontAlgn="auto" latinLnBrk="0" hangingPunct="1">
+              <a:lnSpc>
+                <a:spcPct val="100000"/>
+              </a:lnSpc>
+              <a:spcBef>
+                <a:spcPts val="0"/>
+              </a:spcBef>
+              <a:spcAft>
+                <a:spcPts val="0"/>
+              </a:spcAft>
+              <a:buClrTx/>
+              <a:buSzTx/>
+              <a:buFontTx/>
+              <a:buNone/>
+              <a:tabLst/>
+              <a:defRPr/>
+            </a:pPr>
+            <a:endParaRPr kumimoji="0" lang="en-US" sz="1800" b="0" i="0" u="none" strike="noStrike" kern="1200" cap="none" spc="0" normalizeH="0" baseline="0" noProof="0">
+              <a:ln>
+                <a:noFill/>
+              </a:ln>
+              <a:solidFill>
+                <a:prstClr val="white"/>
+              </a:solidFill>
+              <a:effectLst/>
+              <a:uLnTx/>
+              <a:uFillTx/>
+              <a:latin typeface="Calibri" panose="020F0502020204030204"/>
+              <a:ea typeface="+mn-ea"/>
+              <a:cs typeface="+mn-cs"/>
+            </a:endParaRPr>
+          </a:p>
+        </p:txBody>
+      </p:sp>
+      <p:sp useBgFill="1">
+        <p:nvSpPr>
+          <p:cNvPr id="14" name="Rectangle 13">
+            <a:extLst>
+              <a:ext uri="{FF2B5EF4-FFF2-40B4-BE49-F238E27FC236}">
+                <a16:creationId xmlns:a16="http://schemas.microsoft.com/office/drawing/2014/main" id="{E91DC736-0EF8-4F87-9146-EBF1D2EE4D3D}"/>
+              </a:ext>
+              <a:ext uri="{C183D7F6-B498-43B3-948B-1728B52AA6E4}">
+                <adec:decorative xmlns:adec="http://schemas.microsoft.com/office/drawing/2017/decorative" val="1"/>
+              </a:ext>
+            </a:extLst>
+          </p:cNvPr>
+          <p:cNvSpPr>
+            <a:spLocks noGrp="1" noRot="1" noChangeAspect="1" noMove="1" noResize="1" noEditPoints="1" noAdjustHandles="1" noChangeArrowheads="1" noChangeShapeType="1" noTextEdit="1"/>
+          </p:cNvSpPr>
+          <p:nvPr>
+            <p:extLst>
+              <p:ext uri="{386F3935-93C4-4BCD-93E2-E3B085C9AB24}">
+                <p16:designElem xmlns:p16="http://schemas.microsoft.com/office/powerpoint/2015/main" val="1"/>
+              </p:ext>
+            </p:extLst>
+          </p:nvPr>
+        </p:nvSpPr>
+        <p:spPr>
+          <a:xfrm>
+            <a:off x="0" y="0"/>
+            <a:ext cx="12192000" cy="6858000"/>
+          </a:xfrm>
+          <a:prstGeom prst="rect">
+            <a:avLst/>
+          </a:prstGeom>
+          <a:ln>
+            <a:noFill/>
+          </a:ln>
+        </p:spPr>
+        <p:style>
+          <a:lnRef idx="2">
+            <a:schemeClr val="accent1">
+              <a:shade val="50000"/>
+            </a:schemeClr>
+          </a:lnRef>
+          <a:fillRef idx="1">
+            <a:schemeClr val="accent1"/>
+          </a:fillRef>
+          <a:effectRef idx="0">
+            <a:schemeClr val="accent1"/>
+          </a:effectRef>
+          <a:fontRef idx="minor">
+            <a:schemeClr val="lt1"/>
+          </a:fontRef>
+        </p:style>
+        <p:txBody>
+          <a:bodyPr rtlCol="0" anchor="ctr"/>
+          <a:lstStyle/>
+          <a:p>
+            <a:pPr algn="ctr"/>
+            <a:endParaRPr lang="en-US"/>
+          </a:p>
+        </p:txBody>
+      </p:sp>
+      <p:pic>
+        <p:nvPicPr>
+          <p:cNvPr id="4" name="Content Placeholder 3" descr="Fundo do vetor de cores vibrantes salpicando">
+            <a:extLst>
+              <a:ext uri="{FF2B5EF4-FFF2-40B4-BE49-F238E27FC236}">
+                <a16:creationId xmlns:a16="http://schemas.microsoft.com/office/drawing/2014/main" id="{088476C5-21AE-2EA0-2DCF-E80A727A5130}"/>
+              </a:ext>
+            </a:extLst>
+          </p:cNvPr>
+          <p:cNvPicPr>
+            <a:picLocks noChangeAspect="1"/>
+          </p:cNvPicPr>
+          <p:nvPr/>
+        </p:nvPicPr>
+        <p:blipFill rotWithShape="1">
+          <a:blip r:embed="rId2"/>
+          <a:srcRect l="10975" r="3072" b="-1"/>
+          <a:stretch>
+            <a:fillRect/>
+          </a:stretch>
+        </p:blipFill>
+        <p:spPr>
+          <a:xfrm>
+            <a:off x="3523488" y="10"/>
+            <a:ext cx="8668512" cy="6857990"/>
+          </a:xfrm>
+          <a:prstGeom prst="rect">
+            <a:avLst/>
+          </a:prstGeom>
+        </p:spPr>
+      </p:pic>
+      <p:sp>
+        <p:nvSpPr>
+          <p:cNvPr id="16" name="Rectangle 15">
+            <a:extLst>
+              <a:ext uri="{FF2B5EF4-FFF2-40B4-BE49-F238E27FC236}">
+                <a16:creationId xmlns:a16="http://schemas.microsoft.com/office/drawing/2014/main" id="{097CD68E-23E3-4007-8847-CD0944C4F7BE}"/>
+              </a:ext>
+              <a:ext uri="{C183D7F6-B498-43B3-948B-1728B52AA6E4}">
+                <adec:decorative xmlns:adec="http://schemas.microsoft.com/office/drawing/2017/decorative" val="1"/>
+              </a:ext>
+            </a:extLst>
+          </p:cNvPr>
+          <p:cNvSpPr>
+            <a:spLocks noGrp="1" noRot="1" noChangeAspect="1" noMove="1" noResize="1" noEditPoints="1" noAdjustHandles="1" noChangeArrowheads="1" noChangeShapeType="1" noTextEdit="1"/>
+          </p:cNvSpPr>
+          <p:nvPr>
+            <p:extLst>
+              <p:ext uri="{386F3935-93C4-4BCD-93E2-E3B085C9AB24}">
+                <p16:designElem xmlns:p16="http://schemas.microsoft.com/office/powerpoint/2015/main" val="1"/>
+              </p:ext>
+            </p:extLst>
+          </p:nvPr>
+        </p:nvSpPr>
+        <p:spPr>
+          <a:xfrm>
+            <a:off x="0" y="0"/>
+            <a:ext cx="9756601" cy="6858000"/>
+          </a:xfrm>
+          <a:prstGeom prst="rect">
+            <a:avLst/>
+          </a:prstGeom>
+          <a:gradFill>
+            <a:gsLst>
+              <a:gs pos="58000">
+                <a:schemeClr val="bg1"/>
+              </a:gs>
+              <a:gs pos="35000">
+                <a:schemeClr val="bg1">
+                  <a:alpha val="79000"/>
+                </a:schemeClr>
+              </a:gs>
+              <a:gs pos="19000">
+                <a:schemeClr val="bg1">
+                  <a:alpha val="38000"/>
+                </a:schemeClr>
+              </a:gs>
+              <a:gs pos="0">
+                <a:schemeClr val="bg1">
+                  <a:alpha val="0"/>
+                </a:schemeClr>
+              </a:gs>
+              <a:gs pos="100000">
+                <a:schemeClr val="bg1"/>
+              </a:gs>
+            </a:gsLst>
+            <a:lin ang="10800000" scaled="0"/>
+          </a:gradFill>
+          <a:ln>
+            <a:noFill/>
+          </a:ln>
+        </p:spPr>
+        <p:style>
+          <a:lnRef idx="2">
+            <a:schemeClr val="accent1">
+              <a:shade val="50000"/>
+            </a:schemeClr>
+          </a:lnRef>
+          <a:fillRef idx="1">
+            <a:schemeClr val="accent1"/>
+          </a:fillRef>
+          <a:effectRef idx="0">
+            <a:schemeClr val="accent1"/>
+          </a:effectRef>
+          <a:fontRef idx="minor">
+            <a:schemeClr val="lt1"/>
+          </a:fontRef>
+        </p:style>
+        <p:txBody>
+          <a:bodyPr rtlCol="0" anchor="ctr"/>
+          <a:lstStyle/>
+          <a:p>
+            <a:pPr algn="ctr"/>
+            <a:endParaRPr lang="en-US" dirty="0"/>
+          </a:p>
+        </p:txBody>
+      </p:sp>
+      <p:sp>
+        <p:nvSpPr>
+          <p:cNvPr id="5" name="Título 1">
+            <a:extLst>
+              <a:ext uri="{FF2B5EF4-FFF2-40B4-BE49-F238E27FC236}">
+                <a16:creationId xmlns:a16="http://schemas.microsoft.com/office/drawing/2014/main" id="{545D98F7-F9E8-C2B8-31CD-2628396F9A5C}"/>
+              </a:ext>
+            </a:extLst>
+          </p:cNvPr>
+          <p:cNvSpPr>
+            <a:spLocks noGrp="1"/>
+          </p:cNvSpPr>
+          <p:nvPr>
+            <p:ph type="title"/>
+          </p:nvPr>
+        </p:nvSpPr>
+        <p:spPr>
+          <a:xfrm>
+            <a:off x="477981" y="1122363"/>
+            <a:ext cx="4023360" cy="3204134"/>
+          </a:xfrm>
+        </p:spPr>
+        <p:txBody>
+          <a:bodyPr vert="horz" lIns="91440" tIns="45720" rIns="91440" bIns="45720" rtlCol="0" anchor="b">
+            <a:normAutofit/>
+          </a:bodyPr>
+          <a:lstStyle/>
+          <a:p>
+            <a:r>
+              <a:rPr lang="en-US" sz="4800" dirty="0"/>
+              <a:t>Aula 11.2 – Inputs no HTML – </a:t>
+            </a:r>
+            <a:r>
+              <a:rPr lang="en-US" sz="4800" dirty="0" err="1"/>
+              <a:t>Parte</a:t>
+            </a:r>
+            <a:r>
+              <a:rPr lang="en-US" sz="4800" dirty="0"/>
+              <a:t> 1</a:t>
+            </a:r>
+          </a:p>
+        </p:txBody>
+      </p:sp>
+      <p:sp>
+        <p:nvSpPr>
+          <p:cNvPr id="18" name="Rectangle 17">
+            <a:extLst>
+              <a:ext uri="{FF2B5EF4-FFF2-40B4-BE49-F238E27FC236}">
+                <a16:creationId xmlns:a16="http://schemas.microsoft.com/office/drawing/2014/main" id="{AF2F604E-43BE-4DC3-B983-E071523364F8}"/>
+              </a:ext>
+              <a:ext uri="{C183D7F6-B498-43B3-948B-1728B52AA6E4}">
+                <adec:decorative xmlns:adec="http://schemas.microsoft.com/office/drawing/2017/decorative" val="1"/>
+              </a:ext>
+            </a:extLst>
+          </p:cNvPr>
+          <p:cNvSpPr>
+            <a:spLocks noGrp="1" noRot="1" noChangeAspect="1" noMove="1" noResize="1" noEditPoints="1" noAdjustHandles="1" noChangeArrowheads="1" noChangeShapeType="1" noTextEdit="1"/>
+          </p:cNvSpPr>
+          <p:nvPr>
+            <p:extLst>
+              <p:ext uri="{386F3935-93C4-4BCD-93E2-E3B085C9AB24}">
+                <p16:designElem xmlns:p16="http://schemas.microsoft.com/office/powerpoint/2015/main" val="1"/>
+              </p:ext>
+            </p:extLst>
+          </p:nvPr>
+        </p:nvSpPr>
+        <p:spPr>
+          <a:xfrm rot="5400000">
+            <a:off x="759921" y="346791"/>
+            <a:ext cx="146304" cy="704088"/>
+          </a:xfrm>
+          <a:prstGeom prst="rect">
+            <a:avLst/>
+          </a:prstGeom>
+          <a:solidFill>
+            <a:schemeClr val="accent1"/>
+          </a:solidFill>
+          <a:ln>
+            <a:noFill/>
+          </a:ln>
+        </p:spPr>
+        <p:style>
+          <a:lnRef idx="2">
+            <a:schemeClr val="accent1">
+              <a:shade val="50000"/>
+            </a:schemeClr>
+          </a:lnRef>
+          <a:fillRef idx="1">
+            <a:schemeClr val="accent1"/>
+          </a:fillRef>
+          <a:effectRef idx="0">
+            <a:schemeClr val="accent1"/>
+          </a:effectRef>
+          <a:fontRef idx="minor">
+            <a:schemeClr val="lt1"/>
+          </a:fontRef>
+        </p:style>
+        <p:txBody>
+          <a:bodyPr rtlCol="0" anchor="ctr"/>
+          <a:lstStyle/>
+          <a:p>
+            <a:pPr marL="0" marR="0" lvl="0" indent="0" algn="ctr" defTabSz="914400" rtl="0" eaLnBrk="1" fontAlgn="auto" latinLnBrk="0" hangingPunct="1">
+              <a:lnSpc>
+                <a:spcPct val="100000"/>
+              </a:lnSpc>
+              <a:spcBef>
+                <a:spcPts val="0"/>
+              </a:spcBef>
+              <a:spcAft>
+                <a:spcPts val="0"/>
+              </a:spcAft>
+              <a:buClrTx/>
+              <a:buSzTx/>
+              <a:buFontTx/>
+              <a:buNone/>
+              <a:tabLst/>
+              <a:defRPr/>
+            </a:pPr>
+            <a:endParaRPr kumimoji="0" lang="en-US" sz="1800" b="0" i="0" u="none" strike="noStrike" kern="1200" cap="none" spc="0" normalizeH="0" baseline="0" noProof="0">
+              <a:ln>
+                <a:noFill/>
+              </a:ln>
+              <a:solidFill>
+                <a:prstClr val="white"/>
+              </a:solidFill>
+              <a:effectLst/>
+              <a:uLnTx/>
+              <a:uFillTx/>
+              <a:latin typeface="Calibri" panose="020F0502020204030204"/>
+              <a:ea typeface="+mn-ea"/>
+              <a:cs typeface="+mn-cs"/>
+            </a:endParaRPr>
+          </a:p>
+        </p:txBody>
+      </p:sp>
+      <p:sp>
+        <p:nvSpPr>
+          <p:cNvPr id="20" name="Rectangle 19">
+            <a:extLst>
+              <a:ext uri="{FF2B5EF4-FFF2-40B4-BE49-F238E27FC236}">
+                <a16:creationId xmlns:a16="http://schemas.microsoft.com/office/drawing/2014/main" id="{08C9B587-E65E-4B52-B37C-ABEBB6E87928}"/>
+              </a:ext>
+              <a:ext uri="{C183D7F6-B498-43B3-948B-1728B52AA6E4}">
+                <adec:decorative xmlns:adec="http://schemas.microsoft.com/office/drawing/2017/decorative" val="1"/>
+              </a:ext>
+            </a:extLst>
+          </p:cNvPr>
+          <p:cNvSpPr>
+            <a:spLocks noGrp="1" noRot="1" noChangeAspect="1" noMove="1" noResize="1" noEditPoints="1" noAdjustHandles="1" noChangeArrowheads="1" noChangeShapeType="1" noTextEdit="1"/>
+          </p:cNvSpPr>
+          <p:nvPr>
+            <p:extLst>
+              <p:ext uri="{386F3935-93C4-4BCD-93E2-E3B085C9AB24}">
+                <p16:designElem xmlns:p16="http://schemas.microsoft.com/office/powerpoint/2015/main" val="1"/>
+              </p:ext>
+            </p:extLst>
+          </p:nvPr>
+        </p:nvSpPr>
+        <p:spPr>
+          <a:xfrm>
+            <a:off x="481029" y="4546920"/>
+            <a:ext cx="3977640" cy="18288"/>
+          </a:xfrm>
+          <a:prstGeom prst="rect">
+            <a:avLst/>
+          </a:prstGeom>
+          <a:solidFill>
+            <a:schemeClr val="tx2">
+              <a:lumMod val="25000"/>
+              <a:lumOff val="75000"/>
+            </a:schemeClr>
+          </a:solidFill>
+          <a:ln w="3175">
+            <a:solidFill>
+              <a:schemeClr val="tx2">
+                <a:lumMod val="25000"/>
+                <a:lumOff val="75000"/>
+              </a:schemeClr>
+            </a:solidFill>
+          </a:ln>
+          <a:effectLst/>
+        </p:spPr>
+        <p:style>
+          <a:lnRef idx="2">
+            <a:schemeClr val="accent1">
+              <a:shade val="50000"/>
+            </a:schemeClr>
+          </a:lnRef>
+          <a:fillRef idx="1">
+            <a:schemeClr val="accent1"/>
+          </a:fillRef>
+          <a:effectRef idx="0">
+            <a:schemeClr val="accent1"/>
+          </a:effectRef>
+          <a:fontRef idx="minor">
+            <a:schemeClr val="lt1"/>
+          </a:fontRef>
+        </p:style>
+        <p:txBody>
+          <a:bodyPr rtlCol="0" anchor="ctr"/>
+          <a:lstStyle/>
+          <a:p>
+            <a:pPr marL="0" marR="0" lvl="0" indent="0" algn="ctr" defTabSz="914400" rtl="0" eaLnBrk="1" fontAlgn="auto" latinLnBrk="0" hangingPunct="1">
+              <a:lnSpc>
+                <a:spcPct val="100000"/>
+              </a:lnSpc>
+              <a:spcBef>
+                <a:spcPts val="0"/>
+              </a:spcBef>
+              <a:spcAft>
+                <a:spcPts val="0"/>
+              </a:spcAft>
+              <a:buClrTx/>
+              <a:buSzTx/>
+              <a:buFontTx/>
+              <a:buNone/>
+              <a:tabLst/>
+              <a:defRPr/>
+            </a:pPr>
+            <a:endParaRPr kumimoji="0" lang="en-US" sz="1800" b="0" i="0" u="none" strike="noStrike" kern="1200" cap="none" spc="0" normalizeH="0" baseline="0" noProof="0">
+              <a:ln>
+                <a:noFill/>
+              </a:ln>
+              <a:solidFill>
+                <a:prstClr val="white"/>
+              </a:solidFill>
+              <a:effectLst/>
+              <a:uLnTx/>
+              <a:uFillTx/>
+              <a:latin typeface="Calibri" panose="020F0502020204030204"/>
+              <a:ea typeface="+mn-ea"/>
+              <a:cs typeface="+mn-cs"/>
+            </a:endParaRPr>
+          </a:p>
+        </p:txBody>
+      </p:sp>
+    </p:spTree>
+    <p:extLst>
+      <p:ext uri="{BB962C8B-B14F-4D97-AF65-F5344CB8AC3E}">
+        <p14:creationId xmlns:p14="http://schemas.microsoft.com/office/powerpoint/2010/main" val="2890743956"/>
+      </p:ext>
+    </p:extLst>
+  </p:cSld>
+  <p:clrMapOvr>
+    <a:masterClrMapping/>
+  </p:clrMapOvr>
+  <p:timing>
+    <p:tnLst>
+      <p:par>
+        <p:cTn id="1" dur="indefinite" restart="never" nodeType="tmRoot">
+          <p:childTnLst>
+            <p:seq concurrent="1" nextAc="seek">
+              <p:cTn id="2" dur="indefinite" nodeType="mainSeq">
+                <p:childTnLst>
+                  <p:par>
+                    <p:cTn id="3" fill="hold">
+                      <p:stCondLst>
+                        <p:cond delay="indefinite"/>
+                        <p:cond evt="onBegin" delay="0">
+                          <p:tn val="2"/>
+                        </p:cond>
+                      </p:stCondLst>
+                      <p:childTnLst>
+                        <p:par>
+                          <p:cTn id="4" fill="hold">
+                            <p:stCondLst>
+                              <p:cond delay="0"/>
+                            </p:stCondLst>
+                            <p:childTnLst>
+                              <p:par>
+                                <p:cTn id="5" presetID="10" presetClass="entr" presetSubtype="0" fill="hold" grpId="0" nodeType="withEffect">
+                                  <p:stCondLst>
+                                    <p:cond delay="1000"/>
+                                  </p:stCondLst>
+                                  <p:iterate type="lt">
+                                    <p:tmPct val="10000"/>
+                                  </p:iterate>
+                                  <p:childTnLst>
+                                    <p:set>
+                                      <p:cBhvr>
+                                        <p:cTn id="6" dur="1" fill="hold">
+                                          <p:stCondLst>
+                                            <p:cond delay="0"/>
+                                          </p:stCondLst>
+                                        </p:cTn>
+                                        <p:tgtEl>
+                                          <p:spTgt spid="5"/>
+                                        </p:tgtEl>
+                                        <p:attrNameLst>
+                                          <p:attrName>style.visibility</p:attrName>
+                                        </p:attrNameLst>
+                                      </p:cBhvr>
+                                      <p:to>
+                                        <p:strVal val="visible"/>
+                                      </p:to>
+                                    </p:set>
+                                    <p:animEffect transition="in" filter="fade">
+                                      <p:cBhvr>
+                                        <p:cTn id="7" dur="400"/>
+                                        <p:tgtEl>
+                                          <p:spTgt spid="5"/>
+                                        </p:tgtEl>
+                                      </p:cBhvr>
+                                    </p:animEffect>
+                                  </p:childTnLst>
+                                </p:cTn>
+                              </p:par>
+                            </p:childTnLst>
+                          </p:cTn>
+                        </p:par>
+                      </p:childTnLst>
+                    </p:cTn>
+                  </p:par>
+                </p:childTnLst>
+              </p:cTn>
+              <p:prevCondLst>
+                <p:cond evt="onPrev" delay="0">
+                  <p:tgtEl>
+                    <p:sldTgt/>
+                  </p:tgtEl>
+                </p:cond>
+              </p:prevCondLst>
+              <p:nextCondLst>
+                <p:cond evt="onNext" delay="0">
+                  <p:tgtEl>
+                    <p:sldTgt/>
+                  </p:tgtEl>
+                </p:cond>
+              </p:nextCondLst>
+            </p:seq>
+          </p:childTnLst>
+        </p:cTn>
+      </p:par>
+    </p:tnLst>
+    <p:bldLst>
+      <p:bldP spid="5" grpId="0"/>
+    </p:bldLst>
+  </p:timing>
+</p:sld>
+</file>
+
+<file path=ppt/slides/slide156.xml><?xml version="1.0" encoding="utf-8"?>
+<p:sld xmlns:a="http://schemas.openxmlformats.org/drawingml/2006/main" xmlns:r="http://schemas.openxmlformats.org/officeDocument/2006/relationships" xmlns:p="http://schemas.openxmlformats.org/presentationml/2006/main">
+  <p:cSld>
+    <p:spTree>
+      <p:nvGrpSpPr>
+        <p:cNvPr id="1" name=""/>
+        <p:cNvGrpSpPr/>
+        <p:nvPr/>
+      </p:nvGrpSpPr>
+      <p:grpSpPr>
+        <a:xfrm>
+          <a:off x="0" y="0"/>
+          <a:ext cx="0" cy="0"/>
+          <a:chOff x="0" y="0"/>
+          <a:chExt cx="0" cy="0"/>
+        </a:xfrm>
+      </p:grpSpPr>
+      <p:sp>
+        <p:nvSpPr>
+          <p:cNvPr id="2" name="Título 1">
+            <a:extLst>
+              <a:ext uri="{FF2B5EF4-FFF2-40B4-BE49-F238E27FC236}">
+                <a16:creationId xmlns:a16="http://schemas.microsoft.com/office/drawing/2014/main" id="{273C69C3-2DF0-B00C-20A2-B8B92EF0FCCA}"/>
+              </a:ext>
+            </a:extLst>
+          </p:cNvPr>
+          <p:cNvSpPr>
+            <a:spLocks noGrp="1"/>
+          </p:cNvSpPr>
+          <p:nvPr>
+            <p:ph type="title"/>
+          </p:nvPr>
+        </p:nvSpPr>
+        <p:spPr/>
+        <p:txBody>
+          <a:bodyPr/>
+          <a:lstStyle/>
+          <a:p>
+            <a:r>
+              <a:rPr lang="pt-BR" dirty="0" err="1"/>
+              <a:t>Tag</a:t>
+            </a:r>
+            <a:r>
+              <a:rPr lang="pt-BR" dirty="0"/>
+              <a:t> Input</a:t>
+            </a:r>
+          </a:p>
+        </p:txBody>
+      </p:sp>
+      <p:sp>
+        <p:nvSpPr>
+          <p:cNvPr id="3" name="Espaço Reservado para Conteúdo 2">
+            <a:extLst>
+              <a:ext uri="{FF2B5EF4-FFF2-40B4-BE49-F238E27FC236}">
+                <a16:creationId xmlns:a16="http://schemas.microsoft.com/office/drawing/2014/main" id="{637DB3D2-E77E-D10B-F908-F24AE1EEAC25}"/>
+              </a:ext>
+            </a:extLst>
+          </p:cNvPr>
+          <p:cNvSpPr>
+            <a:spLocks noGrp="1"/>
+          </p:cNvSpPr>
+          <p:nvPr>
+            <p:ph idx="1"/>
+          </p:nvPr>
+        </p:nvSpPr>
+        <p:spPr/>
+        <p:txBody>
+          <a:bodyPr/>
+          <a:lstStyle/>
+          <a:p>
+            <a:r>
+              <a:rPr lang="pt-BR" dirty="0"/>
+              <a:t>A </a:t>
+            </a:r>
+            <a:r>
+              <a:rPr lang="pt-BR" dirty="0" err="1"/>
+              <a:t>tag</a:t>
+            </a:r>
+            <a:r>
+              <a:rPr lang="pt-BR" dirty="0"/>
+              <a:t> input é a forma de fazer a entrada de dados no contexto da Web. </a:t>
+            </a:r>
+          </a:p>
+          <a:p>
+            <a:r>
+              <a:rPr lang="pt-BR" dirty="0"/>
+              <a:t>Na aula de hoje, mostrarei para vocês alguns </a:t>
+            </a:r>
+            <a:r>
+              <a:rPr lang="pt-BR" dirty="0" err="1"/>
+              <a:t>types</a:t>
+            </a:r>
+            <a:r>
+              <a:rPr lang="pt-BR" dirty="0"/>
+              <a:t> de cada input, especialmente de caracteres e de números. Vamos juntos?</a:t>
+            </a:r>
+          </a:p>
+        </p:txBody>
+      </p:sp>
+    </p:spTree>
+    <p:extLst>
+      <p:ext uri="{BB962C8B-B14F-4D97-AF65-F5344CB8AC3E}">
+        <p14:creationId xmlns:p14="http://schemas.microsoft.com/office/powerpoint/2010/main" val="1864397154"/>
+      </p:ext>
+    </p:extLst>
+  </p:cSld>
+  <p:clrMapOvr>
+    <a:masterClrMapping/>
+  </p:clrMapOvr>
+</p:sld>
+</file>
+
+<file path=ppt/slides/slide157.xml><?xml version="1.0" encoding="utf-8"?>
+<p:sld xmlns:a="http://schemas.openxmlformats.org/drawingml/2006/main" xmlns:r="http://schemas.openxmlformats.org/officeDocument/2006/relationships" xmlns:p="http://schemas.openxmlformats.org/presentationml/2006/main">
+  <p:cSld>
+    <p:spTree>
+      <p:nvGrpSpPr>
+        <p:cNvPr id="1" name=""/>
+        <p:cNvGrpSpPr/>
+        <p:nvPr/>
+      </p:nvGrpSpPr>
+      <p:grpSpPr>
+        <a:xfrm>
+          <a:off x="0" y="0"/>
+          <a:ext cx="0" cy="0"/>
+          <a:chOff x="0" y="0"/>
+          <a:chExt cx="0" cy="0"/>
+        </a:xfrm>
+      </p:grpSpPr>
+      <p:sp>
+        <p:nvSpPr>
+          <p:cNvPr id="2" name="Título 1">
+            <a:extLst>
+              <a:ext uri="{FF2B5EF4-FFF2-40B4-BE49-F238E27FC236}">
+                <a16:creationId xmlns:a16="http://schemas.microsoft.com/office/drawing/2014/main" id="{6F16C873-D51F-C8E6-CF21-BF9D7441859A}"/>
+              </a:ext>
+            </a:extLst>
+          </p:cNvPr>
+          <p:cNvSpPr>
+            <a:spLocks noGrp="1"/>
+          </p:cNvSpPr>
+          <p:nvPr>
+            <p:ph type="title"/>
+          </p:nvPr>
+        </p:nvSpPr>
+        <p:spPr/>
+        <p:txBody>
+          <a:bodyPr/>
+          <a:lstStyle/>
+          <a:p>
+            <a:r>
+              <a:rPr lang="pt-BR" dirty="0"/>
+              <a:t>Tipos de Caracteres</a:t>
+            </a:r>
+          </a:p>
+        </p:txBody>
+      </p:sp>
+      <p:graphicFrame>
+        <p:nvGraphicFramePr>
+          <p:cNvPr id="4" name="Espaço Reservado para Conteúdo 3">
+            <a:extLst>
+              <a:ext uri="{FF2B5EF4-FFF2-40B4-BE49-F238E27FC236}">
+                <a16:creationId xmlns:a16="http://schemas.microsoft.com/office/drawing/2014/main" id="{F7DA1CC8-0256-71BF-8DC9-591391D3AA4D}"/>
+              </a:ext>
+            </a:extLst>
+          </p:cNvPr>
+          <p:cNvGraphicFramePr>
+            <a:graphicFrameLocks noGrp="1"/>
+          </p:cNvGraphicFramePr>
+          <p:nvPr>
+            <p:ph idx="1"/>
+            <p:extLst>
+              <p:ext uri="{D42A27DB-BD31-4B8C-83A1-F6EECF244321}">
+                <p14:modId xmlns:p14="http://schemas.microsoft.com/office/powerpoint/2010/main" val="613881603"/>
+              </p:ext>
+            </p:extLst>
+          </p:nvPr>
+        </p:nvGraphicFramePr>
+        <p:xfrm>
+          <a:off x="1116013" y="2478088"/>
+          <a:ext cx="10167936" cy="2595880"/>
+        </p:xfrm>
+        <a:graphic>
+          <a:graphicData uri="http://schemas.openxmlformats.org/drawingml/2006/table">
+            <a:tbl>
+              <a:tblPr firstRow="1" bandRow="1">
+                <a:tableStyleId>{073A0DAA-6AF3-43AB-8588-CEC1D06C72B9}</a:tableStyleId>
+              </a:tblPr>
+              <a:tblGrid>
+                <a:gridCol w="1834221">
+                  <a:extLst>
+                    <a:ext uri="{9D8B030D-6E8A-4147-A177-3AD203B41FA5}">
+                      <a16:colId xmlns:a16="http://schemas.microsoft.com/office/drawing/2014/main" val="2173140494"/>
+                    </a:ext>
+                  </a:extLst>
+                </a:gridCol>
+                <a:gridCol w="8333715">
+                  <a:extLst>
+                    <a:ext uri="{9D8B030D-6E8A-4147-A177-3AD203B41FA5}">
+                      <a16:colId xmlns:a16="http://schemas.microsoft.com/office/drawing/2014/main" val="2773593355"/>
+                    </a:ext>
+                  </a:extLst>
+                </a:gridCol>
+              </a:tblGrid>
+              <a:tr h="370840">
+                <a:tc>
+                  <a:txBody>
+                    <a:bodyPr/>
+                    <a:lstStyle/>
+                    <a:p>
+                      <a:r>
+                        <a:rPr lang="pt-BR" dirty="0"/>
+                        <a:t>Tipo</a:t>
+                      </a:r>
+                    </a:p>
+                  </a:txBody>
+                  <a:tcPr/>
+                </a:tc>
+                <a:tc>
+                  <a:txBody>
+                    <a:bodyPr/>
+                    <a:lstStyle/>
+                    <a:p>
+                      <a:pPr marL="0" marR="0" lvl="0" indent="0" algn="l" defTabSz="914400" rtl="0" eaLnBrk="1" fontAlgn="auto" latinLnBrk="0" hangingPunct="1">
+                        <a:lnSpc>
+                          <a:spcPct val="100000"/>
+                        </a:lnSpc>
+                        <a:spcBef>
+                          <a:spcPts val="0"/>
+                        </a:spcBef>
+                        <a:spcAft>
+                          <a:spcPts val="0"/>
+                        </a:spcAft>
+                        <a:buClrTx/>
+                        <a:buSzTx/>
+                        <a:buFontTx/>
+                        <a:buNone/>
+                        <a:tabLst/>
+                        <a:defRPr/>
+                      </a:pPr>
+                      <a:r>
+                        <a:rPr lang="pt-BR" sz="1800" b="0" kern="1200" dirty="0">
+                          <a:solidFill>
+                            <a:schemeClr val="lt1"/>
+                          </a:solidFill>
+                          <a:effectLst/>
+                          <a:latin typeface="+mn-lt"/>
+                          <a:ea typeface="+mn-ea"/>
+                          <a:cs typeface="+mn-cs"/>
+                        </a:rPr>
+                        <a:t>Função</a:t>
+                      </a:r>
+                    </a:p>
+                  </a:txBody>
+                  <a:tcPr/>
+                </a:tc>
+                <a:extLst>
+                  <a:ext uri="{0D108BD9-81ED-4DB2-BD59-A6C34878D82A}">
+                    <a16:rowId xmlns:a16="http://schemas.microsoft.com/office/drawing/2014/main" val="319983582"/>
+                  </a:ext>
+                </a:extLst>
+              </a:tr>
+              <a:tr h="370840">
+                <a:tc>
+                  <a:txBody>
+                    <a:bodyPr/>
+                    <a:lstStyle/>
+                    <a:p>
+                      <a:pPr marL="0" marR="0" lvl="0" indent="0" algn="l" defTabSz="914400" rtl="0" eaLnBrk="1" fontAlgn="auto" latinLnBrk="0" hangingPunct="1">
+                        <a:lnSpc>
+                          <a:spcPct val="100000"/>
+                        </a:lnSpc>
+                        <a:spcBef>
+                          <a:spcPts val="0"/>
+                        </a:spcBef>
+                        <a:spcAft>
+                          <a:spcPts val="0"/>
+                        </a:spcAft>
+                        <a:buClrTx/>
+                        <a:buSzTx/>
+                        <a:buFontTx/>
+                        <a:buNone/>
+                        <a:tabLst/>
+                        <a:defRPr/>
+                      </a:pPr>
+                      <a:r>
+                        <a:rPr lang="pt-BR" sz="1800" b="0" kern="1200" dirty="0" err="1">
+                          <a:solidFill>
+                            <a:schemeClr val="dk1"/>
+                          </a:solidFill>
+                          <a:effectLst/>
+                          <a:latin typeface="+mn-lt"/>
+                          <a:ea typeface="+mn-ea"/>
+                          <a:cs typeface="+mn-cs"/>
+                        </a:rPr>
+                        <a:t>text</a:t>
+                      </a:r>
+                      <a:endParaRPr lang="pt-BR" sz="1800" b="0" kern="1200" dirty="0">
+                        <a:solidFill>
+                          <a:schemeClr val="dk1"/>
+                        </a:solidFill>
+                        <a:effectLst/>
+                        <a:latin typeface="+mn-lt"/>
+                        <a:ea typeface="+mn-ea"/>
+                        <a:cs typeface="+mn-cs"/>
+                      </a:endParaRPr>
+                    </a:p>
+                  </a:txBody>
+                  <a:tcPr/>
+                </a:tc>
+                <a:tc>
+                  <a:txBody>
+                    <a:bodyPr/>
+                    <a:lstStyle/>
+                    <a:p>
+                      <a:pPr marL="0" marR="0" lvl="0" indent="0" algn="l" defTabSz="914400" rtl="0" eaLnBrk="1" fontAlgn="auto" latinLnBrk="0" hangingPunct="1">
+                        <a:lnSpc>
+                          <a:spcPct val="100000"/>
+                        </a:lnSpc>
+                        <a:spcBef>
+                          <a:spcPts val="0"/>
+                        </a:spcBef>
+                        <a:spcAft>
+                          <a:spcPts val="0"/>
+                        </a:spcAft>
+                        <a:buClrTx/>
+                        <a:buSzTx/>
+                        <a:buFontTx/>
+                        <a:buNone/>
+                        <a:tabLst/>
+                        <a:defRPr/>
+                      </a:pPr>
+                      <a:r>
+                        <a:rPr lang="pt-BR" sz="1800" b="0" kern="1200" dirty="0">
+                          <a:solidFill>
+                            <a:schemeClr val="dk1"/>
+                          </a:solidFill>
+                          <a:effectLst/>
+                          <a:latin typeface="+mn-lt"/>
+                          <a:ea typeface="+mn-ea"/>
+                          <a:cs typeface="+mn-cs"/>
+                        </a:rPr>
+                        <a:t>Tipo padrão, voltado para </a:t>
+                      </a:r>
+                      <a:r>
+                        <a:rPr lang="pt-BR" sz="1800" b="0" kern="1200" dirty="0" err="1">
+                          <a:solidFill>
+                            <a:schemeClr val="dk1"/>
+                          </a:solidFill>
+                          <a:effectLst/>
+                          <a:latin typeface="+mn-lt"/>
+                          <a:ea typeface="+mn-ea"/>
+                          <a:cs typeface="+mn-cs"/>
+                        </a:rPr>
+                        <a:t>strings</a:t>
+                      </a:r>
+                      <a:r>
+                        <a:rPr lang="pt-BR" sz="1800" b="0" kern="1200" dirty="0">
+                          <a:solidFill>
+                            <a:schemeClr val="dk1"/>
+                          </a:solidFill>
+                          <a:effectLst/>
+                          <a:latin typeface="+mn-lt"/>
+                          <a:ea typeface="+mn-ea"/>
+                          <a:cs typeface="+mn-cs"/>
+                        </a:rPr>
+                        <a:t> normais.</a:t>
+                      </a:r>
+                    </a:p>
+                  </a:txBody>
+                  <a:tcPr/>
+                </a:tc>
+                <a:extLst>
+                  <a:ext uri="{0D108BD9-81ED-4DB2-BD59-A6C34878D82A}">
+                    <a16:rowId xmlns:a16="http://schemas.microsoft.com/office/drawing/2014/main" val="66480468"/>
+                  </a:ext>
+                </a:extLst>
+              </a:tr>
+              <a:tr h="370840">
+                <a:tc>
+                  <a:txBody>
+                    <a:bodyPr/>
+                    <a:lstStyle/>
+                    <a:p>
+                      <a:pPr marL="0" marR="0" lvl="0" indent="0" algn="l" defTabSz="914400" rtl="0" eaLnBrk="1" fontAlgn="auto" latinLnBrk="0" hangingPunct="1">
+                        <a:lnSpc>
+                          <a:spcPct val="100000"/>
+                        </a:lnSpc>
+                        <a:spcBef>
+                          <a:spcPts val="0"/>
+                        </a:spcBef>
+                        <a:spcAft>
+                          <a:spcPts val="0"/>
+                        </a:spcAft>
+                        <a:buClrTx/>
+                        <a:buSzTx/>
+                        <a:buFontTx/>
+                        <a:buNone/>
+                        <a:tabLst/>
+                        <a:defRPr/>
+                      </a:pPr>
+                      <a:r>
+                        <a:rPr lang="pt-BR" sz="1800" b="0" kern="1200" dirty="0" err="1">
+                          <a:solidFill>
+                            <a:schemeClr val="dk1"/>
+                          </a:solidFill>
+                          <a:effectLst/>
+                          <a:latin typeface="+mn-lt"/>
+                          <a:ea typeface="+mn-ea"/>
+                          <a:cs typeface="+mn-cs"/>
+                        </a:rPr>
+                        <a:t>password</a:t>
+                      </a:r>
+                      <a:endParaRPr lang="pt-BR" sz="1800" b="0" kern="1200" dirty="0">
+                        <a:solidFill>
+                          <a:schemeClr val="dk1"/>
+                        </a:solidFill>
+                        <a:effectLst/>
+                        <a:latin typeface="+mn-lt"/>
+                        <a:ea typeface="+mn-ea"/>
+                        <a:cs typeface="+mn-cs"/>
+                      </a:endParaRPr>
+                    </a:p>
+                  </a:txBody>
+                  <a:tcPr/>
+                </a:tc>
+                <a:tc>
+                  <a:txBody>
+                    <a:bodyPr/>
+                    <a:lstStyle/>
+                    <a:p>
+                      <a:pPr marL="0" marR="0" lvl="0" indent="0" algn="l" defTabSz="914400" rtl="0" eaLnBrk="1" fontAlgn="auto" latinLnBrk="0" hangingPunct="1">
+                        <a:lnSpc>
+                          <a:spcPct val="100000"/>
+                        </a:lnSpc>
+                        <a:spcBef>
+                          <a:spcPts val="0"/>
+                        </a:spcBef>
+                        <a:spcAft>
+                          <a:spcPts val="0"/>
+                        </a:spcAft>
+                        <a:buClrTx/>
+                        <a:buSzTx/>
+                        <a:buFontTx/>
+                        <a:buNone/>
+                        <a:tabLst/>
+                        <a:defRPr/>
+                      </a:pPr>
+                      <a:r>
+                        <a:rPr lang="pt-BR" sz="1800" b="0" kern="1200" dirty="0">
+                          <a:solidFill>
+                            <a:schemeClr val="dk1"/>
+                          </a:solidFill>
+                          <a:effectLst/>
+                          <a:latin typeface="+mn-lt"/>
+                          <a:ea typeface="+mn-ea"/>
+                          <a:cs typeface="+mn-cs"/>
+                        </a:rPr>
+                        <a:t>Voltado para senhas, os caracteres permanecem ocultos.</a:t>
+                      </a:r>
+                    </a:p>
+                  </a:txBody>
+                  <a:tcPr/>
+                </a:tc>
+                <a:extLst>
+                  <a:ext uri="{0D108BD9-81ED-4DB2-BD59-A6C34878D82A}">
+                    <a16:rowId xmlns:a16="http://schemas.microsoft.com/office/drawing/2014/main" val="1515798651"/>
+                  </a:ext>
+                </a:extLst>
+              </a:tr>
+              <a:tr h="370840">
+                <a:tc>
+                  <a:txBody>
+                    <a:bodyPr/>
+                    <a:lstStyle/>
+                    <a:p>
+                      <a:pPr marL="0" marR="0" lvl="0" indent="0" algn="l" defTabSz="914400" rtl="0" eaLnBrk="1" fontAlgn="auto" latinLnBrk="0" hangingPunct="1">
+                        <a:lnSpc>
+                          <a:spcPct val="100000"/>
+                        </a:lnSpc>
+                        <a:spcBef>
+                          <a:spcPts val="0"/>
+                        </a:spcBef>
+                        <a:spcAft>
+                          <a:spcPts val="0"/>
+                        </a:spcAft>
+                        <a:buClrTx/>
+                        <a:buSzTx/>
+                        <a:buFontTx/>
+                        <a:buNone/>
+                        <a:tabLst/>
+                        <a:defRPr/>
+                      </a:pPr>
+                      <a:r>
+                        <a:rPr lang="pt-BR" sz="1800" b="0" kern="1200" dirty="0" err="1">
+                          <a:solidFill>
+                            <a:schemeClr val="dk1"/>
+                          </a:solidFill>
+                          <a:effectLst/>
+                          <a:latin typeface="+mn-lt"/>
+                          <a:ea typeface="+mn-ea"/>
+                          <a:cs typeface="+mn-cs"/>
+                        </a:rPr>
+                        <a:t>email</a:t>
+                      </a:r>
+                      <a:endParaRPr lang="pt-BR" sz="1800" b="0" kern="1200" dirty="0">
+                        <a:solidFill>
+                          <a:schemeClr val="dk1"/>
+                        </a:solidFill>
+                        <a:effectLst/>
+                        <a:latin typeface="+mn-lt"/>
+                        <a:ea typeface="+mn-ea"/>
+                        <a:cs typeface="+mn-cs"/>
+                      </a:endParaRPr>
+                    </a:p>
+                  </a:txBody>
+                  <a:tcPr/>
+                </a:tc>
+                <a:tc>
+                  <a:txBody>
+                    <a:bodyPr/>
+                    <a:lstStyle/>
+                    <a:p>
+                      <a:pPr marL="0" marR="0" lvl="0" indent="0" algn="l" defTabSz="914400" rtl="0" eaLnBrk="1" fontAlgn="auto" latinLnBrk="0" hangingPunct="1">
+                        <a:lnSpc>
+                          <a:spcPct val="100000"/>
+                        </a:lnSpc>
+                        <a:spcBef>
+                          <a:spcPts val="0"/>
+                        </a:spcBef>
+                        <a:spcAft>
+                          <a:spcPts val="0"/>
+                        </a:spcAft>
+                        <a:buClrTx/>
+                        <a:buSzTx/>
+                        <a:buFontTx/>
+                        <a:buNone/>
+                        <a:tabLst/>
+                        <a:defRPr/>
+                      </a:pPr>
+                      <a:r>
+                        <a:rPr lang="pt-BR" sz="1800" b="0" kern="1200" dirty="0">
+                          <a:solidFill>
+                            <a:schemeClr val="dk1"/>
+                          </a:solidFill>
+                          <a:effectLst/>
+                          <a:latin typeface="+mn-lt"/>
+                          <a:ea typeface="+mn-ea"/>
+                          <a:cs typeface="+mn-cs"/>
+                        </a:rPr>
+                        <a:t>Voltado para campos de e-mail e inclusive exige um arroba @</a:t>
+                      </a:r>
+                    </a:p>
+                  </a:txBody>
+                  <a:tcPr/>
+                </a:tc>
+                <a:extLst>
+                  <a:ext uri="{0D108BD9-81ED-4DB2-BD59-A6C34878D82A}">
+                    <a16:rowId xmlns:a16="http://schemas.microsoft.com/office/drawing/2014/main" val="3000448058"/>
+                  </a:ext>
+                </a:extLst>
+              </a:tr>
+              <a:tr h="370840">
+                <a:tc>
+                  <a:txBody>
+                    <a:bodyPr/>
+                    <a:lstStyle/>
+                    <a:p>
+                      <a:pPr marL="0" marR="0" lvl="0" indent="0" algn="l" defTabSz="914400" rtl="0" eaLnBrk="1" fontAlgn="auto" latinLnBrk="0" hangingPunct="1">
+                        <a:lnSpc>
+                          <a:spcPct val="100000"/>
+                        </a:lnSpc>
+                        <a:spcBef>
+                          <a:spcPts val="0"/>
+                        </a:spcBef>
+                        <a:spcAft>
+                          <a:spcPts val="0"/>
+                        </a:spcAft>
+                        <a:buClrTx/>
+                        <a:buSzTx/>
+                        <a:buFontTx/>
+                        <a:buNone/>
+                        <a:tabLst/>
+                        <a:defRPr/>
+                      </a:pPr>
+                      <a:r>
+                        <a:rPr lang="pt-BR" sz="1800" b="0" kern="1200" dirty="0" err="1">
+                          <a:solidFill>
+                            <a:schemeClr val="dk1"/>
+                          </a:solidFill>
+                          <a:effectLst/>
+                          <a:latin typeface="+mn-lt"/>
+                          <a:ea typeface="+mn-ea"/>
+                          <a:cs typeface="+mn-cs"/>
+                        </a:rPr>
+                        <a:t>search</a:t>
+                      </a:r>
+                      <a:endParaRPr lang="pt-BR" sz="1800" b="0" kern="1200" dirty="0">
+                        <a:solidFill>
+                          <a:schemeClr val="dk1"/>
+                        </a:solidFill>
+                        <a:effectLst/>
+                        <a:latin typeface="+mn-lt"/>
+                        <a:ea typeface="+mn-ea"/>
+                        <a:cs typeface="+mn-cs"/>
+                      </a:endParaRPr>
+                    </a:p>
+                  </a:txBody>
+                  <a:tcPr/>
+                </a:tc>
+                <a:tc>
+                  <a:txBody>
+                    <a:bodyPr/>
+                    <a:lstStyle/>
+                    <a:p>
+                      <a:pPr marL="0" marR="0" lvl="0" indent="0" algn="l" defTabSz="914400" rtl="0" eaLnBrk="1" fontAlgn="auto" latinLnBrk="0" hangingPunct="1">
+                        <a:lnSpc>
+                          <a:spcPct val="100000"/>
+                        </a:lnSpc>
+                        <a:spcBef>
+                          <a:spcPts val="0"/>
+                        </a:spcBef>
+                        <a:spcAft>
+                          <a:spcPts val="0"/>
+                        </a:spcAft>
+                        <a:buClrTx/>
+                        <a:buSzTx/>
+                        <a:buFontTx/>
+                        <a:buNone/>
+                        <a:tabLst/>
+                        <a:defRPr/>
+                      </a:pPr>
+                      <a:r>
+                        <a:rPr lang="pt-BR" sz="1800" b="0" kern="1200" dirty="0">
+                          <a:solidFill>
+                            <a:schemeClr val="dk1"/>
+                          </a:solidFill>
+                          <a:effectLst/>
+                          <a:latin typeface="+mn-lt"/>
+                          <a:ea typeface="+mn-ea"/>
+                          <a:cs typeface="+mn-cs"/>
+                        </a:rPr>
+                        <a:t>Voltado para permitir que os usuários façam buscas em sua página</a:t>
+                      </a:r>
+                    </a:p>
+                  </a:txBody>
+                  <a:tcPr/>
+                </a:tc>
+                <a:extLst>
+                  <a:ext uri="{0D108BD9-81ED-4DB2-BD59-A6C34878D82A}">
+                    <a16:rowId xmlns:a16="http://schemas.microsoft.com/office/drawing/2014/main" val="2258056580"/>
+                  </a:ext>
+                </a:extLst>
+              </a:tr>
+              <a:tr h="370840">
+                <a:tc>
+                  <a:txBody>
+                    <a:bodyPr/>
+                    <a:lstStyle/>
+                    <a:p>
+                      <a:pPr marL="0" marR="0" lvl="0" indent="0" algn="l" defTabSz="914400" rtl="0" eaLnBrk="1" fontAlgn="auto" latinLnBrk="0" hangingPunct="1">
+                        <a:lnSpc>
+                          <a:spcPct val="100000"/>
+                        </a:lnSpc>
+                        <a:spcBef>
+                          <a:spcPts val="0"/>
+                        </a:spcBef>
+                        <a:spcAft>
+                          <a:spcPts val="0"/>
+                        </a:spcAft>
+                        <a:buClrTx/>
+                        <a:buSzTx/>
+                        <a:buFontTx/>
+                        <a:buNone/>
+                        <a:tabLst/>
+                        <a:defRPr/>
+                      </a:pPr>
+                      <a:r>
+                        <a:rPr lang="pt-BR" sz="1800" b="0" kern="1200" dirty="0" err="1">
+                          <a:solidFill>
+                            <a:schemeClr val="dk1"/>
+                          </a:solidFill>
+                          <a:effectLst/>
+                          <a:latin typeface="+mn-lt"/>
+                          <a:ea typeface="+mn-ea"/>
+                          <a:cs typeface="+mn-cs"/>
+                        </a:rPr>
+                        <a:t>tel</a:t>
+                      </a:r>
+                      <a:endParaRPr lang="pt-BR" sz="1800" b="0" kern="1200" dirty="0">
+                        <a:solidFill>
+                          <a:schemeClr val="dk1"/>
+                        </a:solidFill>
+                        <a:effectLst/>
+                        <a:latin typeface="+mn-lt"/>
+                        <a:ea typeface="+mn-ea"/>
+                        <a:cs typeface="+mn-cs"/>
+                      </a:endParaRPr>
+                    </a:p>
+                  </a:txBody>
+                  <a:tcPr/>
+                </a:tc>
+                <a:tc>
+                  <a:txBody>
+                    <a:bodyPr/>
+                    <a:lstStyle/>
+                    <a:p>
+                      <a:pPr marL="0" marR="0" lvl="0" indent="0" algn="l" defTabSz="914400" rtl="0" eaLnBrk="1" fontAlgn="auto" latinLnBrk="0" hangingPunct="1">
+                        <a:lnSpc>
+                          <a:spcPct val="100000"/>
+                        </a:lnSpc>
+                        <a:spcBef>
+                          <a:spcPts val="0"/>
+                        </a:spcBef>
+                        <a:spcAft>
+                          <a:spcPts val="0"/>
+                        </a:spcAft>
+                        <a:buClrTx/>
+                        <a:buSzTx/>
+                        <a:buFontTx/>
+                        <a:buNone/>
+                        <a:tabLst/>
+                        <a:defRPr/>
+                      </a:pPr>
+                      <a:r>
+                        <a:rPr lang="pt-BR" sz="1800" b="0" kern="1200" dirty="0">
+                          <a:solidFill>
+                            <a:schemeClr val="dk1"/>
+                          </a:solidFill>
+                          <a:effectLst/>
+                          <a:latin typeface="+mn-lt"/>
+                          <a:ea typeface="+mn-ea"/>
+                          <a:cs typeface="+mn-cs"/>
+                        </a:rPr>
+                        <a:t>Voltado para dados de Telefones</a:t>
+                      </a:r>
+                    </a:p>
+                  </a:txBody>
+                  <a:tcPr/>
+                </a:tc>
+                <a:extLst>
+                  <a:ext uri="{0D108BD9-81ED-4DB2-BD59-A6C34878D82A}">
+                    <a16:rowId xmlns:a16="http://schemas.microsoft.com/office/drawing/2014/main" val="831452813"/>
+                  </a:ext>
+                </a:extLst>
+              </a:tr>
+              <a:tr h="370840">
+                <a:tc>
+                  <a:txBody>
+                    <a:bodyPr/>
+                    <a:lstStyle/>
+                    <a:p>
+                      <a:pPr marL="0" marR="0" lvl="0" indent="0" algn="l" defTabSz="914400" rtl="0" eaLnBrk="1" fontAlgn="auto" latinLnBrk="0" hangingPunct="1">
+                        <a:lnSpc>
+                          <a:spcPct val="100000"/>
+                        </a:lnSpc>
+                        <a:spcBef>
+                          <a:spcPts val="0"/>
+                        </a:spcBef>
+                        <a:spcAft>
+                          <a:spcPts val="0"/>
+                        </a:spcAft>
+                        <a:buClrTx/>
+                        <a:buSzTx/>
+                        <a:buFontTx/>
+                        <a:buNone/>
+                        <a:tabLst/>
+                        <a:defRPr/>
+                      </a:pPr>
+                      <a:r>
+                        <a:rPr lang="pt-BR" sz="1800" b="0" kern="1200" dirty="0" err="1">
+                          <a:solidFill>
+                            <a:schemeClr val="dk1"/>
+                          </a:solidFill>
+                          <a:effectLst/>
+                          <a:latin typeface="+mn-lt"/>
+                          <a:ea typeface="+mn-ea"/>
+                          <a:cs typeface="+mn-cs"/>
+                        </a:rPr>
+                        <a:t>url</a:t>
+                      </a:r>
+                      <a:endParaRPr lang="pt-BR" sz="1800" b="0" kern="1200" dirty="0">
+                        <a:solidFill>
+                          <a:schemeClr val="dk1"/>
+                        </a:solidFill>
+                        <a:effectLst/>
+                        <a:latin typeface="+mn-lt"/>
+                        <a:ea typeface="+mn-ea"/>
+                        <a:cs typeface="+mn-cs"/>
+                      </a:endParaRPr>
+                    </a:p>
+                  </a:txBody>
+                  <a:tcPr/>
+                </a:tc>
+                <a:tc>
+                  <a:txBody>
+                    <a:bodyPr/>
+                    <a:lstStyle/>
+                    <a:p>
+                      <a:pPr marL="0" marR="0" lvl="0" indent="0" algn="l" defTabSz="914400" rtl="0" eaLnBrk="1" fontAlgn="auto" latinLnBrk="0" hangingPunct="1">
+                        <a:lnSpc>
+                          <a:spcPct val="100000"/>
+                        </a:lnSpc>
+                        <a:spcBef>
+                          <a:spcPts val="0"/>
+                        </a:spcBef>
+                        <a:spcAft>
+                          <a:spcPts val="0"/>
+                        </a:spcAft>
+                        <a:buClrTx/>
+                        <a:buSzTx/>
+                        <a:buFontTx/>
+                        <a:buNone/>
+                        <a:tabLst/>
+                        <a:defRPr/>
+                      </a:pPr>
+                      <a:r>
+                        <a:rPr lang="pt-BR" sz="1800" b="0" kern="1200" dirty="0">
+                          <a:solidFill>
+                            <a:schemeClr val="dk1"/>
+                          </a:solidFill>
+                          <a:effectLst/>
+                          <a:latin typeface="+mn-lt"/>
+                          <a:ea typeface="+mn-ea"/>
+                          <a:cs typeface="+mn-cs"/>
+                        </a:rPr>
+                        <a:t>Recebe URLs.</a:t>
+                      </a:r>
+                    </a:p>
+                  </a:txBody>
+                  <a:tcPr/>
+                </a:tc>
+                <a:extLst>
+                  <a:ext uri="{0D108BD9-81ED-4DB2-BD59-A6C34878D82A}">
+                    <a16:rowId xmlns:a16="http://schemas.microsoft.com/office/drawing/2014/main" val="4012635317"/>
+                  </a:ext>
+                </a:extLst>
+              </a:tr>
+            </a:tbl>
+          </a:graphicData>
+        </a:graphic>
+      </p:graphicFrame>
+    </p:spTree>
+    <p:extLst>
+      <p:ext uri="{BB962C8B-B14F-4D97-AF65-F5344CB8AC3E}">
+        <p14:creationId xmlns:p14="http://schemas.microsoft.com/office/powerpoint/2010/main" val="387788317"/>
+      </p:ext>
+    </p:extLst>
+  </p:cSld>
+  <p:clrMapOvr>
+    <a:masterClrMapping/>
+  </p:clrMapOvr>
+</p:sld>
+</file>
+
+<file path=ppt/slides/slide158.xml><?xml version="1.0" encoding="utf-8"?>
+<p:sld xmlns:a="http://schemas.openxmlformats.org/drawingml/2006/main" xmlns:r="http://schemas.openxmlformats.org/officeDocument/2006/relationships" xmlns:p="http://schemas.openxmlformats.org/presentationml/2006/main">
+  <p:cSld>
+    <p:spTree>
+      <p:nvGrpSpPr>
+        <p:cNvPr id="1" name=""/>
+        <p:cNvGrpSpPr/>
+        <p:nvPr/>
+      </p:nvGrpSpPr>
+      <p:grpSpPr>
+        <a:xfrm>
+          <a:off x="0" y="0"/>
+          <a:ext cx="0" cy="0"/>
+          <a:chOff x="0" y="0"/>
+          <a:chExt cx="0" cy="0"/>
+        </a:xfrm>
+      </p:grpSpPr>
+      <p:sp>
+        <p:nvSpPr>
+          <p:cNvPr id="2" name="Título 1">
+            <a:extLst>
+              <a:ext uri="{FF2B5EF4-FFF2-40B4-BE49-F238E27FC236}">
+                <a16:creationId xmlns:a16="http://schemas.microsoft.com/office/drawing/2014/main" id="{76C442F7-46A9-9D46-ECB0-93EE082FECA1}"/>
+              </a:ext>
+            </a:extLst>
+          </p:cNvPr>
+          <p:cNvSpPr>
+            <a:spLocks noGrp="1"/>
+          </p:cNvSpPr>
+          <p:nvPr>
+            <p:ph type="title"/>
+          </p:nvPr>
+        </p:nvSpPr>
+        <p:spPr/>
+        <p:txBody>
+          <a:bodyPr/>
+          <a:lstStyle/>
+          <a:p>
+            <a:r>
+              <a:rPr lang="pt-BR" dirty="0"/>
+              <a:t>Validações de Caracteres</a:t>
+            </a:r>
+          </a:p>
+        </p:txBody>
+      </p:sp>
+      <p:graphicFrame>
+        <p:nvGraphicFramePr>
+          <p:cNvPr id="4" name="Espaço Reservado para Conteúdo 3">
+            <a:extLst>
+              <a:ext uri="{FF2B5EF4-FFF2-40B4-BE49-F238E27FC236}">
+                <a16:creationId xmlns:a16="http://schemas.microsoft.com/office/drawing/2014/main" id="{96E32C28-A37D-8912-591D-5465542008C5}"/>
+              </a:ext>
+            </a:extLst>
+          </p:cNvPr>
+          <p:cNvGraphicFramePr>
+            <a:graphicFrameLocks noGrp="1"/>
+          </p:cNvGraphicFramePr>
+          <p:nvPr>
+            <p:ph idx="1"/>
+            <p:extLst>
+              <p:ext uri="{D42A27DB-BD31-4B8C-83A1-F6EECF244321}">
+                <p14:modId xmlns:p14="http://schemas.microsoft.com/office/powerpoint/2010/main" val="1106445383"/>
+              </p:ext>
+            </p:extLst>
+          </p:nvPr>
+        </p:nvGraphicFramePr>
+        <p:xfrm>
+          <a:off x="1115760" y="2501900"/>
+          <a:ext cx="10167936" cy="1854200"/>
+        </p:xfrm>
+        <a:graphic>
+          <a:graphicData uri="http://schemas.openxmlformats.org/drawingml/2006/table">
+            <a:tbl>
+              <a:tblPr firstRow="1" bandRow="1">
+                <a:tableStyleId>{073A0DAA-6AF3-43AB-8588-CEC1D06C72B9}</a:tableStyleId>
+              </a:tblPr>
+              <a:tblGrid>
+                <a:gridCol w="1799715">
+                  <a:extLst>
+                    <a:ext uri="{9D8B030D-6E8A-4147-A177-3AD203B41FA5}">
+                      <a16:colId xmlns:a16="http://schemas.microsoft.com/office/drawing/2014/main" val="3245182891"/>
+                    </a:ext>
+                  </a:extLst>
+                </a:gridCol>
+                <a:gridCol w="8368221">
+                  <a:extLst>
+                    <a:ext uri="{9D8B030D-6E8A-4147-A177-3AD203B41FA5}">
+                      <a16:colId xmlns:a16="http://schemas.microsoft.com/office/drawing/2014/main" val="1329290174"/>
+                    </a:ext>
+                  </a:extLst>
+                </a:gridCol>
+              </a:tblGrid>
+              <a:tr h="370840">
+                <a:tc>
+                  <a:txBody>
+                    <a:bodyPr/>
+                    <a:lstStyle/>
+                    <a:p>
+                      <a:pPr marL="0" marR="0" lvl="0" indent="0" algn="l" defTabSz="914400" rtl="0" eaLnBrk="1" fontAlgn="auto" latinLnBrk="0" hangingPunct="1">
+                        <a:lnSpc>
+                          <a:spcPct val="100000"/>
+                        </a:lnSpc>
+                        <a:spcBef>
+                          <a:spcPts val="0"/>
+                        </a:spcBef>
+                        <a:spcAft>
+                          <a:spcPts val="0"/>
+                        </a:spcAft>
+                        <a:buClrTx/>
+                        <a:buSzTx/>
+                        <a:buFontTx/>
+                        <a:buNone/>
+                        <a:tabLst/>
+                        <a:defRPr/>
+                      </a:pPr>
+                      <a:r>
+                        <a:rPr lang="pt-BR" sz="1800" b="0" kern="1200" dirty="0">
+                          <a:solidFill>
+                            <a:schemeClr val="lt1"/>
+                          </a:solidFill>
+                          <a:effectLst/>
+                          <a:latin typeface="+mn-lt"/>
+                          <a:ea typeface="+mn-ea"/>
+                          <a:cs typeface="+mn-cs"/>
+                        </a:rPr>
+                        <a:t>Tipo</a:t>
+                      </a:r>
+                    </a:p>
+                  </a:txBody>
+                  <a:tcPr/>
+                </a:tc>
+                <a:tc>
+                  <a:txBody>
+                    <a:bodyPr/>
+                    <a:lstStyle/>
+                    <a:p>
+                      <a:pPr marL="0" marR="0" lvl="0" indent="0" algn="l" defTabSz="914400" rtl="0" eaLnBrk="1" fontAlgn="auto" latinLnBrk="0" hangingPunct="1">
+                        <a:lnSpc>
+                          <a:spcPct val="100000"/>
+                        </a:lnSpc>
+                        <a:spcBef>
+                          <a:spcPts val="0"/>
+                        </a:spcBef>
+                        <a:spcAft>
+                          <a:spcPts val="0"/>
+                        </a:spcAft>
+                        <a:buClrTx/>
+                        <a:buSzTx/>
+                        <a:buFontTx/>
+                        <a:buNone/>
+                        <a:tabLst/>
+                        <a:defRPr/>
+                      </a:pPr>
+                      <a:r>
+                        <a:rPr lang="pt-BR" sz="1800" b="0" kern="1200" dirty="0">
+                          <a:solidFill>
+                            <a:schemeClr val="lt1"/>
+                          </a:solidFill>
+                          <a:effectLst/>
+                          <a:latin typeface="+mn-lt"/>
+                          <a:ea typeface="+mn-ea"/>
+                          <a:cs typeface="+mn-cs"/>
+                        </a:rPr>
+                        <a:t>Função</a:t>
+                      </a:r>
+                    </a:p>
+                  </a:txBody>
+                  <a:tcPr/>
+                </a:tc>
+                <a:extLst>
+                  <a:ext uri="{0D108BD9-81ED-4DB2-BD59-A6C34878D82A}">
+                    <a16:rowId xmlns:a16="http://schemas.microsoft.com/office/drawing/2014/main" val="1867831845"/>
+                  </a:ext>
+                </a:extLst>
+              </a:tr>
+              <a:tr h="370840">
+                <a:tc>
+                  <a:txBody>
+                    <a:bodyPr/>
+                    <a:lstStyle/>
+                    <a:p>
+                      <a:pPr marL="0" marR="0" lvl="0" indent="0" algn="l" defTabSz="914400" rtl="0" eaLnBrk="1" fontAlgn="auto" latinLnBrk="0" hangingPunct="1">
+                        <a:lnSpc>
+                          <a:spcPct val="100000"/>
+                        </a:lnSpc>
+                        <a:spcBef>
+                          <a:spcPts val="0"/>
+                        </a:spcBef>
+                        <a:spcAft>
+                          <a:spcPts val="0"/>
+                        </a:spcAft>
+                        <a:buClrTx/>
+                        <a:buSzTx/>
+                        <a:buFontTx/>
+                        <a:buNone/>
+                        <a:tabLst/>
+                        <a:defRPr/>
+                      </a:pPr>
+                      <a:r>
+                        <a:rPr lang="pt-BR" sz="1800" b="0" kern="1200" dirty="0" err="1">
+                          <a:solidFill>
+                            <a:schemeClr val="dk1"/>
+                          </a:solidFill>
+                          <a:effectLst/>
+                          <a:latin typeface="+mn-lt"/>
+                          <a:ea typeface="+mn-ea"/>
+                          <a:cs typeface="+mn-cs"/>
+                        </a:rPr>
+                        <a:t>required</a:t>
+                      </a:r>
+                      <a:endParaRPr lang="pt-BR" sz="1800" b="0" kern="1200" dirty="0">
+                        <a:solidFill>
+                          <a:schemeClr val="dk1"/>
+                        </a:solidFill>
+                        <a:effectLst/>
+                        <a:latin typeface="+mn-lt"/>
+                        <a:ea typeface="+mn-ea"/>
+                        <a:cs typeface="+mn-cs"/>
+                      </a:endParaRPr>
+                    </a:p>
+                  </a:txBody>
+                  <a:tcPr/>
+                </a:tc>
+                <a:tc>
+                  <a:txBody>
+                    <a:bodyPr/>
+                    <a:lstStyle/>
+                    <a:p>
+                      <a:pPr marL="0" marR="0" lvl="0" indent="0" algn="l" defTabSz="914400" rtl="0" eaLnBrk="1" fontAlgn="auto" latinLnBrk="0" hangingPunct="1">
+                        <a:lnSpc>
+                          <a:spcPct val="100000"/>
+                        </a:lnSpc>
+                        <a:spcBef>
+                          <a:spcPts val="0"/>
+                        </a:spcBef>
+                        <a:spcAft>
+                          <a:spcPts val="0"/>
+                        </a:spcAft>
+                        <a:buClrTx/>
+                        <a:buSzTx/>
+                        <a:buFontTx/>
+                        <a:buNone/>
+                        <a:tabLst/>
+                        <a:defRPr/>
+                      </a:pPr>
+                      <a:r>
+                        <a:rPr lang="pt-BR" sz="1800" b="0" kern="1200" dirty="0">
+                          <a:solidFill>
+                            <a:schemeClr val="dk1"/>
+                          </a:solidFill>
+                          <a:effectLst/>
+                          <a:latin typeface="+mn-lt"/>
+                          <a:ea typeface="+mn-ea"/>
+                          <a:cs typeface="+mn-cs"/>
+                        </a:rPr>
+                        <a:t>Mostra que o preenchimento do input é obrigatório.</a:t>
+                      </a:r>
+                    </a:p>
+                  </a:txBody>
+                  <a:tcPr/>
+                </a:tc>
+                <a:extLst>
+                  <a:ext uri="{0D108BD9-81ED-4DB2-BD59-A6C34878D82A}">
+                    <a16:rowId xmlns:a16="http://schemas.microsoft.com/office/drawing/2014/main" val="3137536161"/>
+                  </a:ext>
+                </a:extLst>
+              </a:tr>
+              <a:tr h="370840">
+                <a:tc>
+                  <a:txBody>
+                    <a:bodyPr/>
+                    <a:lstStyle/>
+                    <a:p>
+                      <a:pPr marL="0" marR="0" lvl="0" indent="0" algn="l" defTabSz="914400" rtl="0" eaLnBrk="1" fontAlgn="auto" latinLnBrk="0" hangingPunct="1">
+                        <a:lnSpc>
+                          <a:spcPct val="100000"/>
+                        </a:lnSpc>
+                        <a:spcBef>
+                          <a:spcPts val="0"/>
+                        </a:spcBef>
+                        <a:spcAft>
+                          <a:spcPts val="0"/>
+                        </a:spcAft>
+                        <a:buClrTx/>
+                        <a:buSzTx/>
+                        <a:buFontTx/>
+                        <a:buNone/>
+                        <a:tabLst/>
+                        <a:defRPr/>
+                      </a:pPr>
+                      <a:r>
+                        <a:rPr lang="pt-BR" sz="1800" b="0" kern="1200" dirty="0" err="1">
+                          <a:solidFill>
+                            <a:schemeClr val="dk1"/>
+                          </a:solidFill>
+                          <a:effectLst/>
+                          <a:latin typeface="+mn-lt"/>
+                          <a:ea typeface="+mn-ea"/>
+                          <a:cs typeface="+mn-cs"/>
+                        </a:rPr>
+                        <a:t>maxlength</a:t>
+                      </a:r>
+                      <a:endParaRPr lang="pt-BR" sz="1800" b="0" kern="1200" dirty="0">
+                        <a:solidFill>
+                          <a:schemeClr val="dk1"/>
+                        </a:solidFill>
+                        <a:effectLst/>
+                        <a:latin typeface="+mn-lt"/>
+                        <a:ea typeface="+mn-ea"/>
+                        <a:cs typeface="+mn-cs"/>
+                      </a:endParaRPr>
+                    </a:p>
+                  </a:txBody>
+                  <a:tcPr/>
+                </a:tc>
+                <a:tc>
+                  <a:txBody>
+                    <a:bodyPr/>
+                    <a:lstStyle/>
+                    <a:p>
+                      <a:pPr marL="0" marR="0" lvl="0" indent="0" algn="l" defTabSz="914400" rtl="0" eaLnBrk="1" fontAlgn="auto" latinLnBrk="0" hangingPunct="1">
+                        <a:lnSpc>
+                          <a:spcPct val="100000"/>
+                        </a:lnSpc>
+                        <a:spcBef>
+                          <a:spcPts val="0"/>
+                        </a:spcBef>
+                        <a:spcAft>
+                          <a:spcPts val="0"/>
+                        </a:spcAft>
+                        <a:buClrTx/>
+                        <a:buSzTx/>
+                        <a:buFontTx/>
+                        <a:buNone/>
+                        <a:tabLst/>
+                        <a:defRPr/>
+                      </a:pPr>
+                      <a:r>
+                        <a:rPr lang="pt-BR" sz="1800" b="0" kern="1200" dirty="0">
+                          <a:solidFill>
+                            <a:schemeClr val="dk1"/>
+                          </a:solidFill>
+                          <a:effectLst/>
+                          <a:latin typeface="+mn-lt"/>
+                          <a:ea typeface="+mn-ea"/>
+                          <a:cs typeface="+mn-cs"/>
+                        </a:rPr>
+                        <a:t>Indica o tamanho máximo de caracteres no input.</a:t>
+                      </a:r>
+                    </a:p>
+                  </a:txBody>
+                  <a:tcPr/>
+                </a:tc>
+                <a:extLst>
+                  <a:ext uri="{0D108BD9-81ED-4DB2-BD59-A6C34878D82A}">
+                    <a16:rowId xmlns:a16="http://schemas.microsoft.com/office/drawing/2014/main" val="2858526288"/>
+                  </a:ext>
+                </a:extLst>
+              </a:tr>
+              <a:tr h="370840">
+                <a:tc>
+                  <a:txBody>
+                    <a:bodyPr/>
+                    <a:lstStyle/>
+                    <a:p>
+                      <a:pPr marL="0" marR="0" lvl="0" indent="0" algn="l" defTabSz="914400" rtl="0" eaLnBrk="1" fontAlgn="auto" latinLnBrk="0" hangingPunct="1">
+                        <a:lnSpc>
+                          <a:spcPct val="100000"/>
+                        </a:lnSpc>
+                        <a:spcBef>
+                          <a:spcPts val="0"/>
+                        </a:spcBef>
+                        <a:spcAft>
+                          <a:spcPts val="0"/>
+                        </a:spcAft>
+                        <a:buClrTx/>
+                        <a:buSzTx/>
+                        <a:buFontTx/>
+                        <a:buNone/>
+                        <a:tabLst/>
+                        <a:defRPr/>
+                      </a:pPr>
+                      <a:r>
+                        <a:rPr lang="pt-BR" sz="1800" b="0" kern="1200" dirty="0" err="1">
+                          <a:solidFill>
+                            <a:schemeClr val="dk1"/>
+                          </a:solidFill>
+                          <a:effectLst/>
+                          <a:latin typeface="+mn-lt"/>
+                          <a:ea typeface="+mn-ea"/>
+                          <a:cs typeface="+mn-cs"/>
+                        </a:rPr>
+                        <a:t>placeholder</a:t>
+                      </a:r>
+                      <a:endParaRPr lang="pt-BR" sz="1800" b="0" kern="1200" dirty="0">
+                        <a:solidFill>
+                          <a:schemeClr val="dk1"/>
+                        </a:solidFill>
+                        <a:effectLst/>
+                        <a:latin typeface="+mn-lt"/>
+                        <a:ea typeface="+mn-ea"/>
+                        <a:cs typeface="+mn-cs"/>
+                      </a:endParaRPr>
+                    </a:p>
+                  </a:txBody>
+                  <a:tcPr/>
+                </a:tc>
+                <a:tc>
+                  <a:txBody>
+                    <a:bodyPr/>
+                    <a:lstStyle/>
+                    <a:p>
+                      <a:pPr marL="0" marR="0" lvl="0" indent="0" algn="l" defTabSz="914400" rtl="0" eaLnBrk="1" fontAlgn="auto" latinLnBrk="0" hangingPunct="1">
+                        <a:lnSpc>
+                          <a:spcPct val="100000"/>
+                        </a:lnSpc>
+                        <a:spcBef>
+                          <a:spcPts val="0"/>
+                        </a:spcBef>
+                        <a:spcAft>
+                          <a:spcPts val="0"/>
+                        </a:spcAft>
+                        <a:buClrTx/>
+                        <a:buSzTx/>
+                        <a:buFontTx/>
+                        <a:buNone/>
+                        <a:tabLst/>
+                        <a:defRPr/>
+                      </a:pPr>
+                      <a:r>
+                        <a:rPr lang="pt-BR" sz="1800" b="0" kern="1200" dirty="0">
+                          <a:solidFill>
+                            <a:schemeClr val="dk1"/>
+                          </a:solidFill>
+                          <a:effectLst/>
+                          <a:latin typeface="+mn-lt"/>
+                          <a:ea typeface="+mn-ea"/>
+                          <a:cs typeface="+mn-cs"/>
+                        </a:rPr>
+                        <a:t>Coloca um texto simples enquanto seu input estiver vazio.</a:t>
+                      </a:r>
+                    </a:p>
+                  </a:txBody>
+                  <a:tcPr/>
+                </a:tc>
+                <a:extLst>
+                  <a:ext uri="{0D108BD9-81ED-4DB2-BD59-A6C34878D82A}">
+                    <a16:rowId xmlns:a16="http://schemas.microsoft.com/office/drawing/2014/main" val="3726443150"/>
+                  </a:ext>
+                </a:extLst>
+              </a:tr>
+              <a:tr h="370840">
+                <a:tc>
+                  <a:txBody>
+                    <a:bodyPr/>
+                    <a:lstStyle/>
+                    <a:p>
+                      <a:pPr marL="0" marR="0" lvl="0" indent="0" algn="l" defTabSz="914400" rtl="0" eaLnBrk="1" fontAlgn="auto" latinLnBrk="0" hangingPunct="1">
+                        <a:lnSpc>
+                          <a:spcPct val="100000"/>
+                        </a:lnSpc>
+                        <a:spcBef>
+                          <a:spcPts val="0"/>
+                        </a:spcBef>
+                        <a:spcAft>
+                          <a:spcPts val="0"/>
+                        </a:spcAft>
+                        <a:buClrTx/>
+                        <a:buSzTx/>
+                        <a:buFontTx/>
+                        <a:buNone/>
+                        <a:tabLst/>
+                        <a:defRPr/>
+                      </a:pPr>
+                      <a:r>
+                        <a:rPr lang="pt-BR" sz="1800" b="0" kern="1200" dirty="0" err="1">
+                          <a:solidFill>
+                            <a:schemeClr val="dk1"/>
+                          </a:solidFill>
+                          <a:effectLst/>
+                          <a:latin typeface="+mn-lt"/>
+                          <a:ea typeface="+mn-ea"/>
+                          <a:cs typeface="+mn-cs"/>
+                        </a:rPr>
+                        <a:t>pattern</a:t>
+                      </a:r>
+                      <a:endParaRPr lang="pt-BR" sz="1800" b="0" kern="1200" dirty="0">
+                        <a:solidFill>
+                          <a:schemeClr val="dk1"/>
+                        </a:solidFill>
+                        <a:effectLst/>
+                        <a:latin typeface="+mn-lt"/>
+                        <a:ea typeface="+mn-ea"/>
+                        <a:cs typeface="+mn-cs"/>
+                      </a:endParaRPr>
+                    </a:p>
+                  </a:txBody>
+                  <a:tcPr/>
+                </a:tc>
+                <a:tc>
+                  <a:txBody>
+                    <a:bodyPr/>
+                    <a:lstStyle/>
+                    <a:p>
+                      <a:pPr marL="0" marR="0" lvl="0" indent="0" algn="l" defTabSz="914400" rtl="0" eaLnBrk="1" fontAlgn="auto" latinLnBrk="0" hangingPunct="1">
+                        <a:lnSpc>
+                          <a:spcPct val="100000"/>
+                        </a:lnSpc>
+                        <a:spcBef>
+                          <a:spcPts val="0"/>
+                        </a:spcBef>
+                        <a:spcAft>
+                          <a:spcPts val="0"/>
+                        </a:spcAft>
+                        <a:buClrTx/>
+                        <a:buSzTx/>
+                        <a:buFontTx/>
+                        <a:buNone/>
+                        <a:tabLst/>
+                        <a:defRPr/>
+                      </a:pPr>
+                      <a:r>
+                        <a:rPr lang="pt-BR" sz="1800" b="0" kern="1200" dirty="0">
+                          <a:solidFill>
+                            <a:schemeClr val="dk1"/>
+                          </a:solidFill>
+                          <a:effectLst/>
+                          <a:latin typeface="+mn-lt"/>
+                          <a:ea typeface="+mn-ea"/>
+                          <a:cs typeface="+mn-cs"/>
+                        </a:rPr>
+                        <a:t>Insere um </a:t>
+                      </a:r>
+                      <a:r>
+                        <a:rPr lang="pt-BR" sz="1800" b="0" kern="1200" dirty="0" err="1">
+                          <a:solidFill>
+                            <a:schemeClr val="dk1"/>
+                          </a:solidFill>
+                          <a:effectLst/>
+                          <a:latin typeface="+mn-lt"/>
+                          <a:ea typeface="+mn-ea"/>
+                          <a:cs typeface="+mn-cs"/>
+                        </a:rPr>
+                        <a:t>Regex</a:t>
+                      </a:r>
+                      <a:r>
+                        <a:rPr lang="pt-BR" sz="1800" b="0" kern="1200" dirty="0">
+                          <a:solidFill>
+                            <a:schemeClr val="dk1"/>
+                          </a:solidFill>
+                          <a:effectLst/>
+                          <a:latin typeface="+mn-lt"/>
+                          <a:ea typeface="+mn-ea"/>
+                          <a:cs typeface="+mn-cs"/>
+                        </a:rPr>
+                        <a:t> diretamente no HTML</a:t>
+                      </a:r>
+                    </a:p>
+                  </a:txBody>
+                  <a:tcPr/>
+                </a:tc>
+                <a:extLst>
+                  <a:ext uri="{0D108BD9-81ED-4DB2-BD59-A6C34878D82A}">
+                    <a16:rowId xmlns:a16="http://schemas.microsoft.com/office/drawing/2014/main" val="803960353"/>
+                  </a:ext>
+                </a:extLst>
+              </a:tr>
+            </a:tbl>
+          </a:graphicData>
+        </a:graphic>
+      </p:graphicFrame>
+    </p:spTree>
+    <p:extLst>
+      <p:ext uri="{BB962C8B-B14F-4D97-AF65-F5344CB8AC3E}">
+        <p14:creationId xmlns:p14="http://schemas.microsoft.com/office/powerpoint/2010/main" val="3503833957"/>
+      </p:ext>
+    </p:extLst>
+  </p:cSld>
+  <p:clrMapOvr>
+    <a:masterClrMapping/>
+  </p:clrMapOvr>
+</p:sld>
+</file>
+
+<file path=ppt/slides/slide159.xml><?xml version="1.0" encoding="utf-8"?>
+<p:sld xmlns:a="http://schemas.openxmlformats.org/drawingml/2006/main" xmlns:r="http://schemas.openxmlformats.org/officeDocument/2006/relationships" xmlns:p="http://schemas.openxmlformats.org/presentationml/2006/main">
+  <p:cSld>
+    <p:bg>
+      <p:bgPr>
+        <a:solidFill>
+          <a:schemeClr val="bg1"/>
+        </a:solidFill>
+        <a:effectLst/>
+      </p:bgPr>
+    </p:bg>
+    <p:spTree>
+      <p:nvGrpSpPr>
+        <p:cNvPr id="1" name=""/>
+        <p:cNvGrpSpPr/>
+        <p:nvPr/>
+      </p:nvGrpSpPr>
+      <p:grpSpPr>
+        <a:xfrm>
+          <a:off x="0" y="0"/>
+          <a:ext cx="0" cy="0"/>
+          <a:chOff x="0" y="0"/>
+          <a:chExt cx="0" cy="0"/>
+        </a:xfrm>
+      </p:grpSpPr>
+      <p:sp>
+        <p:nvSpPr>
+          <p:cNvPr id="10" name="Rectangle 9">
+            <a:extLst>
+              <a:ext uri="{FF2B5EF4-FFF2-40B4-BE49-F238E27FC236}">
+                <a16:creationId xmlns:a16="http://schemas.microsoft.com/office/drawing/2014/main" id="{8D06CE56-3881-4ADA-8CEF-D18B02C242A3}"/>
+              </a:ext>
+              <a:ext uri="{C183D7F6-B498-43B3-948B-1728B52AA6E4}">
+                <adec:decorative xmlns:adec="http://schemas.microsoft.com/office/drawing/2017/decorative" val="1"/>
+              </a:ext>
+            </a:extLst>
+          </p:cNvPr>
+          <p:cNvSpPr>
+            <a:spLocks noGrp="1" noRot="1" noChangeAspect="1" noMove="1" noResize="1" noEditPoints="1" noAdjustHandles="1" noChangeArrowheads="1" noChangeShapeType="1" noTextEdit="1"/>
+          </p:cNvSpPr>
+          <p:nvPr>
+            <p:extLst>
+              <p:ext uri="{386F3935-93C4-4BCD-93E2-E3B085C9AB24}">
+                <p16:designElem xmlns:p16="http://schemas.microsoft.com/office/powerpoint/2015/main" val="1"/>
+              </p:ext>
+            </p:extLst>
+          </p:nvPr>
+        </p:nvSpPr>
+        <p:spPr>
+          <a:xfrm rot="5400000">
+            <a:off x="857544" y="346791"/>
+            <a:ext cx="146304" cy="704088"/>
+          </a:xfrm>
+          <a:prstGeom prst="rect">
+            <a:avLst/>
+          </a:prstGeom>
+          <a:solidFill>
+            <a:schemeClr val="accent1"/>
+          </a:solidFill>
+          <a:ln>
+            <a:noFill/>
+          </a:ln>
+        </p:spPr>
+        <p:style>
+          <a:lnRef idx="2">
+            <a:schemeClr val="accent1">
+              <a:shade val="50000"/>
+            </a:schemeClr>
+          </a:lnRef>
+          <a:fillRef idx="1">
+            <a:schemeClr val="accent1"/>
+          </a:fillRef>
+          <a:effectRef idx="0">
+            <a:schemeClr val="accent1"/>
+          </a:effectRef>
+          <a:fontRef idx="minor">
+            <a:schemeClr val="lt1"/>
+          </a:fontRef>
+        </p:style>
+        <p:txBody>
+          <a:bodyPr rtlCol="0" anchor="ctr"/>
+          <a:lstStyle/>
+          <a:p>
+            <a:pPr marL="0" marR="0" lvl="0" indent="0" algn="ctr" defTabSz="914400" rtl="0" eaLnBrk="1" fontAlgn="auto" latinLnBrk="0" hangingPunct="1">
+              <a:lnSpc>
+                <a:spcPct val="100000"/>
+              </a:lnSpc>
+              <a:spcBef>
+                <a:spcPts val="0"/>
+              </a:spcBef>
+              <a:spcAft>
+                <a:spcPts val="0"/>
+              </a:spcAft>
+              <a:buClrTx/>
+              <a:buSzTx/>
+              <a:buFontTx/>
+              <a:buNone/>
+              <a:tabLst/>
+              <a:defRPr/>
+            </a:pPr>
+            <a:endParaRPr kumimoji="0" lang="en-US" sz="1800" b="0" i="0" u="none" strike="noStrike" kern="1200" cap="none" spc="0" normalizeH="0" baseline="0" noProof="0">
+              <a:ln>
+                <a:noFill/>
+              </a:ln>
+              <a:solidFill>
+                <a:prstClr val="white"/>
+              </a:solidFill>
+              <a:effectLst/>
+              <a:uLnTx/>
+              <a:uFillTx/>
+              <a:latin typeface="Calibri" panose="020F0502020204030204"/>
+              <a:ea typeface="+mn-ea"/>
+              <a:cs typeface="+mn-cs"/>
+            </a:endParaRPr>
+          </a:p>
+        </p:txBody>
+      </p:sp>
+      <p:sp>
+        <p:nvSpPr>
+          <p:cNvPr id="12" name="Rectangle 11">
+            <a:extLst>
+              <a:ext uri="{FF2B5EF4-FFF2-40B4-BE49-F238E27FC236}">
+                <a16:creationId xmlns:a16="http://schemas.microsoft.com/office/drawing/2014/main" id="{79F3C543-62EC-4433-9C93-A2CD8764E9B4}"/>
+              </a:ext>
+              <a:ext uri="{C183D7F6-B498-43B3-948B-1728B52AA6E4}">
+                <adec:decorative xmlns:adec="http://schemas.microsoft.com/office/drawing/2017/decorative" val="1"/>
+              </a:ext>
+            </a:extLst>
+          </p:cNvPr>
+          <p:cNvSpPr>
+            <a:spLocks noGrp="1" noRot="1" noChangeAspect="1" noMove="1" noResize="1" noEditPoints="1" noAdjustHandles="1" noChangeArrowheads="1" noChangeShapeType="1" noTextEdit="1"/>
+          </p:cNvSpPr>
+          <p:nvPr>
+            <p:extLst>
+              <p:ext uri="{386F3935-93C4-4BCD-93E2-E3B085C9AB24}">
+                <p16:designElem xmlns:p16="http://schemas.microsoft.com/office/powerpoint/2015/main" val="1"/>
+              </p:ext>
+            </p:extLst>
+          </p:nvPr>
+        </p:nvSpPr>
+        <p:spPr>
+          <a:xfrm flipV="1">
+            <a:off x="578652" y="4501201"/>
+            <a:ext cx="11034696" cy="18288"/>
+          </a:xfrm>
+          <a:prstGeom prst="rect">
+            <a:avLst/>
+          </a:prstGeom>
+          <a:solidFill>
+            <a:schemeClr val="tx2">
+              <a:lumMod val="25000"/>
+              <a:lumOff val="75000"/>
+            </a:schemeClr>
+          </a:solidFill>
+          <a:ln w="3175">
+            <a:noFill/>
+          </a:ln>
+          <a:effectLst/>
+        </p:spPr>
+        <p:style>
+          <a:lnRef idx="2">
+            <a:schemeClr val="accent1">
+              <a:shade val="50000"/>
+            </a:schemeClr>
+          </a:lnRef>
+          <a:fillRef idx="1">
+            <a:schemeClr val="accent1"/>
+          </a:fillRef>
+          <a:effectRef idx="0">
+            <a:schemeClr val="accent1"/>
+          </a:effectRef>
+          <a:fontRef idx="minor">
+            <a:schemeClr val="lt1"/>
+          </a:fontRef>
+        </p:style>
+        <p:txBody>
+          <a:bodyPr rtlCol="0" anchor="ctr"/>
+          <a:lstStyle/>
+          <a:p>
+            <a:pPr marL="0" marR="0" lvl="0" indent="0" algn="ctr" defTabSz="914400" rtl="0" eaLnBrk="1" fontAlgn="auto" latinLnBrk="0" hangingPunct="1">
+              <a:lnSpc>
+                <a:spcPct val="100000"/>
+              </a:lnSpc>
+              <a:spcBef>
+                <a:spcPts val="0"/>
+              </a:spcBef>
+              <a:spcAft>
+                <a:spcPts val="0"/>
+              </a:spcAft>
+              <a:buClrTx/>
+              <a:buSzTx/>
+              <a:buFontTx/>
+              <a:buNone/>
+              <a:tabLst/>
+              <a:defRPr/>
+            </a:pPr>
+            <a:endParaRPr kumimoji="0" lang="en-US" sz="1800" b="0" i="0" u="none" strike="noStrike" kern="1200" cap="none" spc="0" normalizeH="0" baseline="0" noProof="0">
+              <a:ln>
+                <a:noFill/>
+              </a:ln>
+              <a:solidFill>
+                <a:prstClr val="white"/>
+              </a:solidFill>
+              <a:effectLst/>
+              <a:uLnTx/>
+              <a:uFillTx/>
+              <a:latin typeface="Calibri" panose="020F0502020204030204"/>
+              <a:ea typeface="+mn-ea"/>
+              <a:cs typeface="+mn-cs"/>
+            </a:endParaRPr>
+          </a:p>
+        </p:txBody>
+      </p:sp>
+      <p:sp useBgFill="1">
+        <p:nvSpPr>
+          <p:cNvPr id="14" name="Rectangle 13">
+            <a:extLst>
+              <a:ext uri="{FF2B5EF4-FFF2-40B4-BE49-F238E27FC236}">
+                <a16:creationId xmlns:a16="http://schemas.microsoft.com/office/drawing/2014/main" id="{E91DC736-0EF8-4F87-9146-EBF1D2EE4D3D}"/>
+              </a:ext>
+              <a:ext uri="{C183D7F6-B498-43B3-948B-1728B52AA6E4}">
+                <adec:decorative xmlns:adec="http://schemas.microsoft.com/office/drawing/2017/decorative" val="1"/>
+              </a:ext>
+            </a:extLst>
+          </p:cNvPr>
+          <p:cNvSpPr>
+            <a:spLocks noGrp="1" noRot="1" noChangeAspect="1" noMove="1" noResize="1" noEditPoints="1" noAdjustHandles="1" noChangeArrowheads="1" noChangeShapeType="1" noTextEdit="1"/>
+          </p:cNvSpPr>
+          <p:nvPr>
+            <p:extLst>
+              <p:ext uri="{386F3935-93C4-4BCD-93E2-E3B085C9AB24}">
+                <p16:designElem xmlns:p16="http://schemas.microsoft.com/office/powerpoint/2015/main" val="1"/>
+              </p:ext>
+            </p:extLst>
+          </p:nvPr>
+        </p:nvSpPr>
+        <p:spPr>
+          <a:xfrm>
+            <a:off x="0" y="0"/>
+            <a:ext cx="12192000" cy="6858000"/>
+          </a:xfrm>
+          <a:prstGeom prst="rect">
+            <a:avLst/>
+          </a:prstGeom>
+          <a:ln>
+            <a:noFill/>
+          </a:ln>
+        </p:spPr>
+        <p:style>
+          <a:lnRef idx="2">
+            <a:schemeClr val="accent1">
+              <a:shade val="50000"/>
+            </a:schemeClr>
+          </a:lnRef>
+          <a:fillRef idx="1">
+            <a:schemeClr val="accent1"/>
+          </a:fillRef>
+          <a:effectRef idx="0">
+            <a:schemeClr val="accent1"/>
+          </a:effectRef>
+          <a:fontRef idx="minor">
+            <a:schemeClr val="lt1"/>
+          </a:fontRef>
+        </p:style>
+        <p:txBody>
+          <a:bodyPr rtlCol="0" anchor="ctr"/>
+          <a:lstStyle/>
+          <a:p>
+            <a:pPr algn="ctr"/>
+            <a:endParaRPr lang="en-US"/>
+          </a:p>
+        </p:txBody>
+      </p:sp>
+      <p:pic>
+        <p:nvPicPr>
+          <p:cNvPr id="4" name="Content Placeholder 3" descr="Fundo do vetor de cores vibrantes salpicando">
+            <a:extLst>
+              <a:ext uri="{FF2B5EF4-FFF2-40B4-BE49-F238E27FC236}">
+                <a16:creationId xmlns:a16="http://schemas.microsoft.com/office/drawing/2014/main" id="{B50CC0C1-DAB5-BA49-560E-1F1B8306946E}"/>
+              </a:ext>
+            </a:extLst>
+          </p:cNvPr>
+          <p:cNvPicPr>
+            <a:picLocks noChangeAspect="1"/>
+          </p:cNvPicPr>
+          <p:nvPr/>
+        </p:nvPicPr>
+        <p:blipFill rotWithShape="1">
+          <a:blip r:embed="rId2"/>
+          <a:srcRect l="10975" r="3072" b="-1"/>
+          <a:stretch>
+            <a:fillRect/>
+          </a:stretch>
+        </p:blipFill>
+        <p:spPr>
+          <a:xfrm>
+            <a:off x="3523488" y="10"/>
+            <a:ext cx="8668512" cy="6857990"/>
+          </a:xfrm>
+          <a:prstGeom prst="rect">
+            <a:avLst/>
+          </a:prstGeom>
+        </p:spPr>
+      </p:pic>
+      <p:sp>
+        <p:nvSpPr>
+          <p:cNvPr id="16" name="Rectangle 15">
+            <a:extLst>
+              <a:ext uri="{FF2B5EF4-FFF2-40B4-BE49-F238E27FC236}">
+                <a16:creationId xmlns:a16="http://schemas.microsoft.com/office/drawing/2014/main" id="{097CD68E-23E3-4007-8847-CD0944C4F7BE}"/>
+              </a:ext>
+              <a:ext uri="{C183D7F6-B498-43B3-948B-1728B52AA6E4}">
+                <adec:decorative xmlns:adec="http://schemas.microsoft.com/office/drawing/2017/decorative" val="1"/>
+              </a:ext>
+            </a:extLst>
+          </p:cNvPr>
+          <p:cNvSpPr>
+            <a:spLocks noGrp="1" noRot="1" noChangeAspect="1" noMove="1" noResize="1" noEditPoints="1" noAdjustHandles="1" noChangeArrowheads="1" noChangeShapeType="1" noTextEdit="1"/>
+          </p:cNvSpPr>
+          <p:nvPr>
+            <p:extLst>
+              <p:ext uri="{386F3935-93C4-4BCD-93E2-E3B085C9AB24}">
+                <p16:designElem xmlns:p16="http://schemas.microsoft.com/office/powerpoint/2015/main" val="1"/>
+              </p:ext>
+            </p:extLst>
+          </p:nvPr>
+        </p:nvSpPr>
+        <p:spPr>
+          <a:xfrm>
+            <a:off x="0" y="0"/>
+            <a:ext cx="9756601" cy="6858000"/>
+          </a:xfrm>
+          <a:prstGeom prst="rect">
+            <a:avLst/>
+          </a:prstGeom>
+          <a:gradFill>
+            <a:gsLst>
+              <a:gs pos="58000">
+                <a:schemeClr val="bg1"/>
+              </a:gs>
+              <a:gs pos="35000">
+                <a:schemeClr val="bg1">
+                  <a:alpha val="79000"/>
+                </a:schemeClr>
+              </a:gs>
+              <a:gs pos="19000">
+                <a:schemeClr val="bg1">
+                  <a:alpha val="38000"/>
+                </a:schemeClr>
+              </a:gs>
+              <a:gs pos="0">
+                <a:schemeClr val="bg1">
+                  <a:alpha val="0"/>
+                </a:schemeClr>
+              </a:gs>
+              <a:gs pos="100000">
+                <a:schemeClr val="bg1"/>
+              </a:gs>
+            </a:gsLst>
+            <a:lin ang="10800000" scaled="0"/>
+          </a:gradFill>
+          <a:ln>
+            <a:noFill/>
+          </a:ln>
+        </p:spPr>
+        <p:style>
+          <a:lnRef idx="2">
+            <a:schemeClr val="accent1">
+              <a:shade val="50000"/>
+            </a:schemeClr>
+          </a:lnRef>
+          <a:fillRef idx="1">
+            <a:schemeClr val="accent1"/>
+          </a:fillRef>
+          <a:effectRef idx="0">
+            <a:schemeClr val="accent1"/>
+          </a:effectRef>
+          <a:fontRef idx="minor">
+            <a:schemeClr val="lt1"/>
+          </a:fontRef>
+        </p:style>
+        <p:txBody>
+          <a:bodyPr rtlCol="0" anchor="ctr"/>
+          <a:lstStyle/>
+          <a:p>
+            <a:pPr algn="ctr"/>
+            <a:endParaRPr lang="en-US" dirty="0"/>
+          </a:p>
+        </p:txBody>
+      </p:sp>
+      <p:sp>
+        <p:nvSpPr>
+          <p:cNvPr id="5" name="Título 1">
+            <a:extLst>
+              <a:ext uri="{FF2B5EF4-FFF2-40B4-BE49-F238E27FC236}">
+                <a16:creationId xmlns:a16="http://schemas.microsoft.com/office/drawing/2014/main" id="{FF70C69A-0CDC-E0DB-FAF7-F81DA7E738BE}"/>
+              </a:ext>
+            </a:extLst>
+          </p:cNvPr>
+          <p:cNvSpPr>
+            <a:spLocks noGrp="1"/>
+          </p:cNvSpPr>
+          <p:nvPr>
+            <p:ph type="title"/>
+          </p:nvPr>
+        </p:nvSpPr>
+        <p:spPr>
+          <a:xfrm>
+            <a:off x="477981" y="1122363"/>
+            <a:ext cx="4023360" cy="3204134"/>
+          </a:xfrm>
+        </p:spPr>
+        <p:txBody>
+          <a:bodyPr vert="horz" lIns="91440" tIns="45720" rIns="91440" bIns="45720" rtlCol="0" anchor="b">
+            <a:normAutofit/>
+          </a:bodyPr>
+          <a:lstStyle/>
+          <a:p>
+            <a:r>
+              <a:rPr lang="en-US" sz="4800" dirty="0"/>
+              <a:t>Aula 11.3 – Inputs no HTML – </a:t>
+            </a:r>
+            <a:r>
+              <a:rPr lang="en-US" sz="4800" dirty="0" err="1"/>
+              <a:t>Parte</a:t>
+            </a:r>
+            <a:r>
+              <a:rPr lang="en-US" sz="4800" dirty="0"/>
+              <a:t> 2</a:t>
+            </a:r>
+          </a:p>
+        </p:txBody>
+      </p:sp>
+      <p:sp>
+        <p:nvSpPr>
+          <p:cNvPr id="18" name="Rectangle 17">
+            <a:extLst>
+              <a:ext uri="{FF2B5EF4-FFF2-40B4-BE49-F238E27FC236}">
+                <a16:creationId xmlns:a16="http://schemas.microsoft.com/office/drawing/2014/main" id="{AF2F604E-43BE-4DC3-B983-E071523364F8}"/>
+              </a:ext>
+              <a:ext uri="{C183D7F6-B498-43B3-948B-1728B52AA6E4}">
+                <adec:decorative xmlns:adec="http://schemas.microsoft.com/office/drawing/2017/decorative" val="1"/>
+              </a:ext>
+            </a:extLst>
+          </p:cNvPr>
+          <p:cNvSpPr>
+            <a:spLocks noGrp="1" noRot="1" noChangeAspect="1" noMove="1" noResize="1" noEditPoints="1" noAdjustHandles="1" noChangeArrowheads="1" noChangeShapeType="1" noTextEdit="1"/>
+          </p:cNvSpPr>
+          <p:nvPr>
+            <p:extLst>
+              <p:ext uri="{386F3935-93C4-4BCD-93E2-E3B085C9AB24}">
+                <p16:designElem xmlns:p16="http://schemas.microsoft.com/office/powerpoint/2015/main" val="1"/>
+              </p:ext>
+            </p:extLst>
+          </p:nvPr>
+        </p:nvSpPr>
+        <p:spPr>
+          <a:xfrm rot="5400000">
+            <a:off x="759921" y="346791"/>
+            <a:ext cx="146304" cy="704088"/>
+          </a:xfrm>
+          <a:prstGeom prst="rect">
+            <a:avLst/>
+          </a:prstGeom>
+          <a:solidFill>
+            <a:schemeClr val="accent1"/>
+          </a:solidFill>
+          <a:ln>
+            <a:noFill/>
+          </a:ln>
+        </p:spPr>
+        <p:style>
+          <a:lnRef idx="2">
+            <a:schemeClr val="accent1">
+              <a:shade val="50000"/>
+            </a:schemeClr>
+          </a:lnRef>
+          <a:fillRef idx="1">
+            <a:schemeClr val="accent1"/>
+          </a:fillRef>
+          <a:effectRef idx="0">
+            <a:schemeClr val="accent1"/>
+          </a:effectRef>
+          <a:fontRef idx="minor">
+            <a:schemeClr val="lt1"/>
+          </a:fontRef>
+        </p:style>
+        <p:txBody>
+          <a:bodyPr rtlCol="0" anchor="ctr"/>
+          <a:lstStyle/>
+          <a:p>
+            <a:pPr marL="0" marR="0" lvl="0" indent="0" algn="ctr" defTabSz="914400" rtl="0" eaLnBrk="1" fontAlgn="auto" latinLnBrk="0" hangingPunct="1">
+              <a:lnSpc>
+                <a:spcPct val="100000"/>
+              </a:lnSpc>
+              <a:spcBef>
+                <a:spcPts val="0"/>
+              </a:spcBef>
+              <a:spcAft>
+                <a:spcPts val="0"/>
+              </a:spcAft>
+              <a:buClrTx/>
+              <a:buSzTx/>
+              <a:buFontTx/>
+              <a:buNone/>
+              <a:tabLst/>
+              <a:defRPr/>
+            </a:pPr>
+            <a:endParaRPr kumimoji="0" lang="en-US" sz="1800" b="0" i="0" u="none" strike="noStrike" kern="1200" cap="none" spc="0" normalizeH="0" baseline="0" noProof="0">
+              <a:ln>
+                <a:noFill/>
+              </a:ln>
+              <a:solidFill>
+                <a:prstClr val="white"/>
+              </a:solidFill>
+              <a:effectLst/>
+              <a:uLnTx/>
+              <a:uFillTx/>
+              <a:latin typeface="Calibri" panose="020F0502020204030204"/>
+              <a:ea typeface="+mn-ea"/>
+              <a:cs typeface="+mn-cs"/>
+            </a:endParaRPr>
+          </a:p>
+        </p:txBody>
+      </p:sp>
+      <p:sp>
+        <p:nvSpPr>
+          <p:cNvPr id="20" name="Rectangle 19">
+            <a:extLst>
+              <a:ext uri="{FF2B5EF4-FFF2-40B4-BE49-F238E27FC236}">
+                <a16:creationId xmlns:a16="http://schemas.microsoft.com/office/drawing/2014/main" id="{08C9B587-E65E-4B52-B37C-ABEBB6E87928}"/>
+              </a:ext>
+              <a:ext uri="{C183D7F6-B498-43B3-948B-1728B52AA6E4}">
+                <adec:decorative xmlns:adec="http://schemas.microsoft.com/office/drawing/2017/decorative" val="1"/>
+              </a:ext>
+            </a:extLst>
+          </p:cNvPr>
+          <p:cNvSpPr>
+            <a:spLocks noGrp="1" noRot="1" noChangeAspect="1" noMove="1" noResize="1" noEditPoints="1" noAdjustHandles="1" noChangeArrowheads="1" noChangeShapeType="1" noTextEdit="1"/>
+          </p:cNvSpPr>
+          <p:nvPr>
+            <p:extLst>
+              <p:ext uri="{386F3935-93C4-4BCD-93E2-E3B085C9AB24}">
+                <p16:designElem xmlns:p16="http://schemas.microsoft.com/office/powerpoint/2015/main" val="1"/>
+              </p:ext>
+            </p:extLst>
+          </p:nvPr>
+        </p:nvSpPr>
+        <p:spPr>
+          <a:xfrm>
+            <a:off x="481029" y="4546920"/>
+            <a:ext cx="3977640" cy="18288"/>
+          </a:xfrm>
+          <a:prstGeom prst="rect">
+            <a:avLst/>
+          </a:prstGeom>
+          <a:solidFill>
+            <a:schemeClr val="tx2">
+              <a:lumMod val="25000"/>
+              <a:lumOff val="75000"/>
+            </a:schemeClr>
+          </a:solidFill>
+          <a:ln w="3175">
+            <a:solidFill>
+              <a:schemeClr val="tx2">
+                <a:lumMod val="25000"/>
+                <a:lumOff val="75000"/>
+              </a:schemeClr>
+            </a:solidFill>
+          </a:ln>
+          <a:effectLst/>
+        </p:spPr>
+        <p:style>
+          <a:lnRef idx="2">
+            <a:schemeClr val="accent1">
+              <a:shade val="50000"/>
+            </a:schemeClr>
+          </a:lnRef>
+          <a:fillRef idx="1">
+            <a:schemeClr val="accent1"/>
+          </a:fillRef>
+          <a:effectRef idx="0">
+            <a:schemeClr val="accent1"/>
+          </a:effectRef>
+          <a:fontRef idx="minor">
+            <a:schemeClr val="lt1"/>
+          </a:fontRef>
+        </p:style>
+        <p:txBody>
+          <a:bodyPr rtlCol="0" anchor="ctr"/>
+          <a:lstStyle/>
+          <a:p>
+            <a:pPr marL="0" marR="0" lvl="0" indent="0" algn="ctr" defTabSz="914400" rtl="0" eaLnBrk="1" fontAlgn="auto" latinLnBrk="0" hangingPunct="1">
+              <a:lnSpc>
+                <a:spcPct val="100000"/>
+              </a:lnSpc>
+              <a:spcBef>
+                <a:spcPts val="0"/>
+              </a:spcBef>
+              <a:spcAft>
+                <a:spcPts val="0"/>
+              </a:spcAft>
+              <a:buClrTx/>
+              <a:buSzTx/>
+              <a:buFontTx/>
+              <a:buNone/>
+              <a:tabLst/>
+              <a:defRPr/>
+            </a:pPr>
+            <a:endParaRPr kumimoji="0" lang="en-US" sz="1800" b="0" i="0" u="none" strike="noStrike" kern="1200" cap="none" spc="0" normalizeH="0" baseline="0" noProof="0">
+              <a:ln>
+                <a:noFill/>
+              </a:ln>
+              <a:solidFill>
+                <a:prstClr val="white"/>
+              </a:solidFill>
+              <a:effectLst/>
+              <a:uLnTx/>
+              <a:uFillTx/>
+              <a:latin typeface="Calibri" panose="020F0502020204030204"/>
+              <a:ea typeface="+mn-ea"/>
+              <a:cs typeface="+mn-cs"/>
+            </a:endParaRPr>
+          </a:p>
+        </p:txBody>
+      </p:sp>
+    </p:spTree>
+    <p:extLst>
+      <p:ext uri="{BB962C8B-B14F-4D97-AF65-F5344CB8AC3E}">
+        <p14:creationId xmlns:p14="http://schemas.microsoft.com/office/powerpoint/2010/main" val="4130634440"/>
+      </p:ext>
+    </p:extLst>
+  </p:cSld>
+  <p:clrMapOvr>
+    <a:masterClrMapping/>
+  </p:clrMapOvr>
+  <p:timing>
+    <p:tnLst>
+      <p:par>
+        <p:cTn id="1" dur="indefinite" restart="never" nodeType="tmRoot">
+          <p:childTnLst>
+            <p:seq concurrent="1" nextAc="seek">
+              <p:cTn id="2" dur="indefinite" nodeType="mainSeq">
+                <p:childTnLst>
+                  <p:par>
+                    <p:cTn id="3" fill="hold">
+                      <p:stCondLst>
+                        <p:cond delay="indefinite"/>
+                        <p:cond evt="onBegin" delay="0">
+                          <p:tn val="2"/>
+                        </p:cond>
+                      </p:stCondLst>
+                      <p:childTnLst>
+                        <p:par>
+                          <p:cTn id="4" fill="hold">
+                            <p:stCondLst>
+                              <p:cond delay="0"/>
+                            </p:stCondLst>
+                            <p:childTnLst>
+                              <p:par>
+                                <p:cTn id="5" presetID="10" presetClass="entr" presetSubtype="0" fill="hold" grpId="0" nodeType="withEffect">
+                                  <p:stCondLst>
+                                    <p:cond delay="1000"/>
+                                  </p:stCondLst>
+                                  <p:iterate type="lt">
+                                    <p:tmPct val="10000"/>
+                                  </p:iterate>
+                                  <p:childTnLst>
+                                    <p:set>
+                                      <p:cBhvr>
+                                        <p:cTn id="6" dur="1" fill="hold">
+                                          <p:stCondLst>
+                                            <p:cond delay="0"/>
+                                          </p:stCondLst>
+                                        </p:cTn>
+                                        <p:tgtEl>
+                                          <p:spTgt spid="5"/>
+                                        </p:tgtEl>
+                                        <p:attrNameLst>
+                                          <p:attrName>style.visibility</p:attrName>
+                                        </p:attrNameLst>
+                                      </p:cBhvr>
+                                      <p:to>
+                                        <p:strVal val="visible"/>
+                                      </p:to>
+                                    </p:set>
+                                    <p:animEffect transition="in" filter="fade">
+                                      <p:cBhvr>
+                                        <p:cTn id="7" dur="400"/>
+                                        <p:tgtEl>
+                                          <p:spTgt spid="5"/>
+                                        </p:tgtEl>
+                                      </p:cBhvr>
+                                    </p:animEffect>
+                                  </p:childTnLst>
+                                </p:cTn>
+                              </p:par>
+                            </p:childTnLst>
+                          </p:cTn>
+                        </p:par>
+                      </p:childTnLst>
+                    </p:cTn>
+                  </p:par>
+                </p:childTnLst>
+              </p:cTn>
+              <p:prevCondLst>
+                <p:cond evt="onPrev" delay="0">
+                  <p:tgtEl>
+                    <p:sldTgt/>
+                  </p:tgtEl>
+                </p:cond>
+              </p:prevCondLst>
+              <p:nextCondLst>
+                <p:cond evt="onNext" delay="0">
+                  <p:tgtEl>
+                    <p:sldTgt/>
+                  </p:tgtEl>
+                </p:cond>
+              </p:nextCondLst>
+            </p:seq>
+          </p:childTnLst>
+        </p:cTn>
+      </p:par>
+    </p:tnLst>
+    <p:bldLst>
+      <p:bldP spid="5" grpId="0"/>
+    </p:bldLst>
+  </p:timing>
+</p:sld>
+</file>
+
 <file path=ppt/slides/slide16.xml><?xml version="1.0" encoding="utf-8"?>
 <p:sld xmlns:a="http://schemas.openxmlformats.org/drawingml/2006/main" xmlns:r="http://schemas.openxmlformats.org/officeDocument/2006/relationships" xmlns:p="http://schemas.openxmlformats.org/presentationml/2006/main">
   <p:cSld>
@@ -19721,6 +22717,1318 @@
       <p:bldP spid="2" grpId="0"/>
     </p:bldLst>
   </p:timing>
+</p:sld>
+</file>
+
+<file path=ppt/slides/slide160.xml><?xml version="1.0" encoding="utf-8"?>
+<p:sld xmlns:a="http://schemas.openxmlformats.org/drawingml/2006/main" xmlns:r="http://schemas.openxmlformats.org/officeDocument/2006/relationships" xmlns:p="http://schemas.openxmlformats.org/presentationml/2006/main">
+  <p:cSld>
+    <p:spTree>
+      <p:nvGrpSpPr>
+        <p:cNvPr id="1" name=""/>
+        <p:cNvGrpSpPr/>
+        <p:nvPr/>
+      </p:nvGrpSpPr>
+      <p:grpSpPr>
+        <a:xfrm>
+          <a:off x="0" y="0"/>
+          <a:ext cx="0" cy="0"/>
+          <a:chOff x="0" y="0"/>
+          <a:chExt cx="0" cy="0"/>
+        </a:xfrm>
+      </p:grpSpPr>
+      <p:sp>
+        <p:nvSpPr>
+          <p:cNvPr id="2" name="Título 1">
+            <a:extLst>
+              <a:ext uri="{FF2B5EF4-FFF2-40B4-BE49-F238E27FC236}">
+                <a16:creationId xmlns:a16="http://schemas.microsoft.com/office/drawing/2014/main" id="{42A18B5B-0D43-867E-8087-57ABFFBB1557}"/>
+              </a:ext>
+            </a:extLst>
+          </p:cNvPr>
+          <p:cNvSpPr>
+            <a:spLocks noGrp="1"/>
+          </p:cNvSpPr>
+          <p:nvPr>
+            <p:ph type="title"/>
+          </p:nvPr>
+        </p:nvSpPr>
+        <p:spPr/>
+        <p:txBody>
+          <a:bodyPr/>
+          <a:lstStyle/>
+          <a:p>
+            <a:r>
+              <a:rPr lang="pt-BR" dirty="0"/>
+              <a:t>Números e Datas</a:t>
+            </a:r>
+          </a:p>
+        </p:txBody>
+      </p:sp>
+      <p:graphicFrame>
+        <p:nvGraphicFramePr>
+          <p:cNvPr id="4" name="Espaço Reservado para Conteúdo 3">
+            <a:extLst>
+              <a:ext uri="{FF2B5EF4-FFF2-40B4-BE49-F238E27FC236}">
+                <a16:creationId xmlns:a16="http://schemas.microsoft.com/office/drawing/2014/main" id="{5A05D2CA-581E-2C8B-3C1D-8A80A7D5F8D6}"/>
+              </a:ext>
+            </a:extLst>
+          </p:cNvPr>
+          <p:cNvGraphicFramePr>
+            <a:graphicFrameLocks noGrp="1"/>
+          </p:cNvGraphicFramePr>
+          <p:nvPr>
+            <p:ph idx="1"/>
+            <p:extLst>
+              <p:ext uri="{D42A27DB-BD31-4B8C-83A1-F6EECF244321}">
+                <p14:modId xmlns:p14="http://schemas.microsoft.com/office/powerpoint/2010/main" val="3089205501"/>
+              </p:ext>
+            </p:extLst>
+          </p:nvPr>
+        </p:nvGraphicFramePr>
+        <p:xfrm>
+          <a:off x="1116013" y="2478088"/>
+          <a:ext cx="10167936" cy="2595880"/>
+        </p:xfrm>
+        <a:graphic>
+          <a:graphicData uri="http://schemas.openxmlformats.org/drawingml/2006/table">
+            <a:tbl>
+              <a:tblPr firstRow="1" bandRow="1">
+                <a:tableStyleId>{073A0DAA-6AF3-43AB-8588-CEC1D06C72B9}</a:tableStyleId>
+              </a:tblPr>
+              <a:tblGrid>
+                <a:gridCol w="1816968">
+                  <a:extLst>
+                    <a:ext uri="{9D8B030D-6E8A-4147-A177-3AD203B41FA5}">
+                      <a16:colId xmlns:a16="http://schemas.microsoft.com/office/drawing/2014/main" val="3030350153"/>
+                    </a:ext>
+                  </a:extLst>
+                </a:gridCol>
+                <a:gridCol w="8350968">
+                  <a:extLst>
+                    <a:ext uri="{9D8B030D-6E8A-4147-A177-3AD203B41FA5}">
+                      <a16:colId xmlns:a16="http://schemas.microsoft.com/office/drawing/2014/main" val="3398343784"/>
+                    </a:ext>
+                  </a:extLst>
+                </a:gridCol>
+              </a:tblGrid>
+              <a:tr h="370840">
+                <a:tc>
+                  <a:txBody>
+                    <a:bodyPr/>
+                    <a:lstStyle/>
+                    <a:p>
+                      <a:pPr marL="0" marR="0" lvl="0" indent="0" algn="l" defTabSz="914400" rtl="0" eaLnBrk="1" fontAlgn="auto" latinLnBrk="0" hangingPunct="1">
+                        <a:lnSpc>
+                          <a:spcPct val="100000"/>
+                        </a:lnSpc>
+                        <a:spcBef>
+                          <a:spcPts val="0"/>
+                        </a:spcBef>
+                        <a:spcAft>
+                          <a:spcPts val="0"/>
+                        </a:spcAft>
+                        <a:buClrTx/>
+                        <a:buSzTx/>
+                        <a:buFontTx/>
+                        <a:buNone/>
+                        <a:tabLst/>
+                        <a:defRPr/>
+                      </a:pPr>
+                      <a:r>
+                        <a:rPr lang="pt-BR" sz="1800" b="0" kern="1200" dirty="0">
+                          <a:solidFill>
+                            <a:schemeClr val="lt1"/>
+                          </a:solidFill>
+                          <a:effectLst/>
+                          <a:latin typeface="+mn-lt"/>
+                          <a:ea typeface="+mn-ea"/>
+                          <a:cs typeface="+mn-cs"/>
+                        </a:rPr>
+                        <a:t>Tipo</a:t>
+                      </a:r>
+                    </a:p>
+                  </a:txBody>
+                  <a:tcPr/>
+                </a:tc>
+                <a:tc>
+                  <a:txBody>
+                    <a:bodyPr/>
+                    <a:lstStyle/>
+                    <a:p>
+                      <a:pPr marL="0" marR="0" lvl="0" indent="0" algn="l" defTabSz="914400" rtl="0" eaLnBrk="1" fontAlgn="auto" latinLnBrk="0" hangingPunct="1">
+                        <a:lnSpc>
+                          <a:spcPct val="100000"/>
+                        </a:lnSpc>
+                        <a:spcBef>
+                          <a:spcPts val="0"/>
+                        </a:spcBef>
+                        <a:spcAft>
+                          <a:spcPts val="0"/>
+                        </a:spcAft>
+                        <a:buClrTx/>
+                        <a:buSzTx/>
+                        <a:buFontTx/>
+                        <a:buNone/>
+                        <a:tabLst/>
+                        <a:defRPr/>
+                      </a:pPr>
+                      <a:r>
+                        <a:rPr lang="pt-BR" sz="1800" b="0" kern="1200" dirty="0">
+                          <a:solidFill>
+                            <a:schemeClr val="lt1"/>
+                          </a:solidFill>
+                          <a:effectLst/>
+                          <a:latin typeface="+mn-lt"/>
+                          <a:ea typeface="+mn-ea"/>
+                          <a:cs typeface="+mn-cs"/>
+                        </a:rPr>
+                        <a:t>Função</a:t>
+                      </a:r>
+                    </a:p>
+                  </a:txBody>
+                  <a:tcPr/>
+                </a:tc>
+                <a:extLst>
+                  <a:ext uri="{0D108BD9-81ED-4DB2-BD59-A6C34878D82A}">
+                    <a16:rowId xmlns:a16="http://schemas.microsoft.com/office/drawing/2014/main" val="994207079"/>
+                  </a:ext>
+                </a:extLst>
+              </a:tr>
+              <a:tr h="370840">
+                <a:tc>
+                  <a:txBody>
+                    <a:bodyPr/>
+                    <a:lstStyle/>
+                    <a:p>
+                      <a:pPr marL="0" marR="0" lvl="0" indent="0" algn="l" defTabSz="914400" rtl="0" eaLnBrk="1" fontAlgn="auto" latinLnBrk="0" hangingPunct="1">
+                        <a:lnSpc>
+                          <a:spcPct val="100000"/>
+                        </a:lnSpc>
+                        <a:spcBef>
+                          <a:spcPts val="0"/>
+                        </a:spcBef>
+                        <a:spcAft>
+                          <a:spcPts val="0"/>
+                        </a:spcAft>
+                        <a:buClrTx/>
+                        <a:buSzTx/>
+                        <a:buFontTx/>
+                        <a:buNone/>
+                        <a:tabLst/>
+                        <a:defRPr/>
+                      </a:pPr>
+                      <a:r>
+                        <a:rPr lang="pt-BR" sz="1800" b="0" kern="1200" dirty="0" err="1">
+                          <a:solidFill>
+                            <a:schemeClr val="dk1"/>
+                          </a:solidFill>
+                          <a:effectLst/>
+                          <a:latin typeface="+mn-lt"/>
+                          <a:ea typeface="+mn-ea"/>
+                          <a:cs typeface="+mn-cs"/>
+                        </a:rPr>
+                        <a:t>number</a:t>
+                      </a:r>
+                      <a:endParaRPr lang="pt-BR" sz="1800" b="0" kern="1200" dirty="0">
+                        <a:solidFill>
+                          <a:schemeClr val="dk1"/>
+                        </a:solidFill>
+                        <a:effectLst/>
+                        <a:latin typeface="+mn-lt"/>
+                        <a:ea typeface="+mn-ea"/>
+                        <a:cs typeface="+mn-cs"/>
+                      </a:endParaRPr>
+                    </a:p>
+                  </a:txBody>
+                  <a:tcPr/>
+                </a:tc>
+                <a:tc>
+                  <a:txBody>
+                    <a:bodyPr/>
+                    <a:lstStyle/>
+                    <a:p>
+                      <a:pPr marL="0" marR="0" lvl="0" indent="0" algn="l" defTabSz="914400" rtl="0" eaLnBrk="1" fontAlgn="auto" latinLnBrk="0" hangingPunct="1">
+                        <a:lnSpc>
+                          <a:spcPct val="100000"/>
+                        </a:lnSpc>
+                        <a:spcBef>
+                          <a:spcPts val="0"/>
+                        </a:spcBef>
+                        <a:spcAft>
+                          <a:spcPts val="0"/>
+                        </a:spcAft>
+                        <a:buClrTx/>
+                        <a:buSzTx/>
+                        <a:buFontTx/>
+                        <a:buNone/>
+                        <a:tabLst/>
+                        <a:defRPr/>
+                      </a:pPr>
+                      <a:r>
+                        <a:rPr lang="pt-BR" sz="1800" b="0" kern="1200" dirty="0">
+                          <a:solidFill>
+                            <a:schemeClr val="dk1"/>
+                          </a:solidFill>
+                          <a:effectLst/>
+                          <a:latin typeface="+mn-lt"/>
+                          <a:ea typeface="+mn-ea"/>
+                          <a:cs typeface="+mn-cs"/>
+                        </a:rPr>
+                        <a:t>Número simples começando a partir do zero.</a:t>
+                      </a:r>
+                    </a:p>
+                  </a:txBody>
+                  <a:tcPr/>
+                </a:tc>
+                <a:extLst>
+                  <a:ext uri="{0D108BD9-81ED-4DB2-BD59-A6C34878D82A}">
+                    <a16:rowId xmlns:a16="http://schemas.microsoft.com/office/drawing/2014/main" val="2704027380"/>
+                  </a:ext>
+                </a:extLst>
+              </a:tr>
+              <a:tr h="370840">
+                <a:tc>
+                  <a:txBody>
+                    <a:bodyPr/>
+                    <a:lstStyle/>
+                    <a:p>
+                      <a:pPr marL="0" marR="0" lvl="0" indent="0" algn="l" defTabSz="914400" rtl="0" eaLnBrk="1" fontAlgn="auto" latinLnBrk="0" hangingPunct="1">
+                        <a:lnSpc>
+                          <a:spcPct val="100000"/>
+                        </a:lnSpc>
+                        <a:spcBef>
+                          <a:spcPts val="0"/>
+                        </a:spcBef>
+                        <a:spcAft>
+                          <a:spcPts val="0"/>
+                        </a:spcAft>
+                        <a:buClrTx/>
+                        <a:buSzTx/>
+                        <a:buFontTx/>
+                        <a:buNone/>
+                        <a:tabLst/>
+                        <a:defRPr/>
+                      </a:pPr>
+                      <a:r>
+                        <a:rPr lang="pt-BR" sz="1800" b="0" kern="1200" dirty="0">
+                          <a:solidFill>
+                            <a:schemeClr val="dk1"/>
+                          </a:solidFill>
+                          <a:effectLst/>
+                          <a:latin typeface="+mn-lt"/>
+                          <a:ea typeface="+mn-ea"/>
+                          <a:cs typeface="+mn-cs"/>
+                        </a:rPr>
+                        <a:t>range</a:t>
+                      </a:r>
+                    </a:p>
+                  </a:txBody>
+                  <a:tcPr/>
+                </a:tc>
+                <a:tc>
+                  <a:txBody>
+                    <a:bodyPr/>
+                    <a:lstStyle/>
+                    <a:p>
+                      <a:pPr marL="0" marR="0" lvl="0" indent="0" algn="l" defTabSz="914400" rtl="0" eaLnBrk="1" fontAlgn="auto" latinLnBrk="0" hangingPunct="1">
+                        <a:lnSpc>
+                          <a:spcPct val="100000"/>
+                        </a:lnSpc>
+                        <a:spcBef>
+                          <a:spcPts val="0"/>
+                        </a:spcBef>
+                        <a:spcAft>
+                          <a:spcPts val="0"/>
+                        </a:spcAft>
+                        <a:buClrTx/>
+                        <a:buSzTx/>
+                        <a:buFontTx/>
+                        <a:buNone/>
+                        <a:tabLst/>
+                        <a:defRPr/>
+                      </a:pPr>
+                      <a:r>
+                        <a:rPr lang="pt-BR" sz="1800" b="0" kern="1200" dirty="0">
+                          <a:solidFill>
+                            <a:schemeClr val="dk1"/>
+                          </a:solidFill>
+                          <a:effectLst/>
+                          <a:latin typeface="+mn-lt"/>
+                          <a:ea typeface="+mn-ea"/>
+                          <a:cs typeface="+mn-cs"/>
+                        </a:rPr>
+                        <a:t>Muito semelhante ao tipo </a:t>
+                      </a:r>
+                      <a:r>
+                        <a:rPr lang="pt-BR" sz="1800" b="0" kern="1200" dirty="0" err="1">
+                          <a:solidFill>
+                            <a:schemeClr val="dk1"/>
+                          </a:solidFill>
+                          <a:effectLst/>
+                          <a:latin typeface="+mn-lt"/>
+                          <a:ea typeface="+mn-ea"/>
+                          <a:cs typeface="+mn-cs"/>
+                        </a:rPr>
+                        <a:t>number</a:t>
+                      </a:r>
+                      <a:r>
+                        <a:rPr lang="pt-BR" sz="1800" b="0" kern="1200" dirty="0">
+                          <a:solidFill>
+                            <a:schemeClr val="dk1"/>
+                          </a:solidFill>
+                          <a:effectLst/>
+                          <a:latin typeface="+mn-lt"/>
+                          <a:ea typeface="+mn-ea"/>
+                          <a:cs typeface="+mn-cs"/>
+                        </a:rPr>
+                        <a:t> utilizando min e </a:t>
+                      </a:r>
+                      <a:r>
+                        <a:rPr lang="pt-BR" sz="1800" b="0" kern="1200" dirty="0" err="1">
+                          <a:solidFill>
+                            <a:schemeClr val="dk1"/>
+                          </a:solidFill>
+                          <a:effectLst/>
+                          <a:latin typeface="+mn-lt"/>
+                          <a:ea typeface="+mn-ea"/>
+                          <a:cs typeface="+mn-cs"/>
+                        </a:rPr>
+                        <a:t>max</a:t>
+                      </a:r>
+                      <a:r>
+                        <a:rPr lang="pt-BR" sz="1800" b="0" kern="1200" dirty="0">
+                          <a:solidFill>
+                            <a:schemeClr val="dk1"/>
+                          </a:solidFill>
+                          <a:effectLst/>
+                          <a:latin typeface="+mn-lt"/>
+                          <a:ea typeface="+mn-ea"/>
+                          <a:cs typeface="+mn-cs"/>
+                        </a:rPr>
+                        <a:t>, mas é deslizante</a:t>
+                      </a:r>
+                    </a:p>
+                  </a:txBody>
+                  <a:tcPr/>
+                </a:tc>
+                <a:extLst>
+                  <a:ext uri="{0D108BD9-81ED-4DB2-BD59-A6C34878D82A}">
+                    <a16:rowId xmlns:a16="http://schemas.microsoft.com/office/drawing/2014/main" val="3577691102"/>
+                  </a:ext>
+                </a:extLst>
+              </a:tr>
+              <a:tr h="370840">
+                <a:tc>
+                  <a:txBody>
+                    <a:bodyPr/>
+                    <a:lstStyle/>
+                    <a:p>
+                      <a:pPr marL="0" marR="0" lvl="0" indent="0" algn="l" defTabSz="914400" rtl="0" eaLnBrk="1" fontAlgn="auto" latinLnBrk="0" hangingPunct="1">
+                        <a:lnSpc>
+                          <a:spcPct val="100000"/>
+                        </a:lnSpc>
+                        <a:spcBef>
+                          <a:spcPts val="0"/>
+                        </a:spcBef>
+                        <a:spcAft>
+                          <a:spcPts val="0"/>
+                        </a:spcAft>
+                        <a:buClrTx/>
+                        <a:buSzTx/>
+                        <a:buFontTx/>
+                        <a:buNone/>
+                        <a:tabLst/>
+                        <a:defRPr/>
+                      </a:pPr>
+                      <a:r>
+                        <a:rPr lang="pt-BR" sz="1800" b="0" kern="1200" dirty="0">
+                          <a:solidFill>
+                            <a:schemeClr val="dk1"/>
+                          </a:solidFill>
+                          <a:effectLst/>
+                          <a:latin typeface="+mn-lt"/>
+                          <a:ea typeface="+mn-ea"/>
+                          <a:cs typeface="+mn-cs"/>
+                        </a:rPr>
+                        <a:t>date</a:t>
+                      </a:r>
+                    </a:p>
+                  </a:txBody>
+                  <a:tcPr/>
+                </a:tc>
+                <a:tc>
+                  <a:txBody>
+                    <a:bodyPr/>
+                    <a:lstStyle/>
+                    <a:p>
+                      <a:pPr marL="0" marR="0" lvl="0" indent="0" algn="l" defTabSz="914400" rtl="0" eaLnBrk="1" fontAlgn="auto" latinLnBrk="0" hangingPunct="1">
+                        <a:lnSpc>
+                          <a:spcPct val="100000"/>
+                        </a:lnSpc>
+                        <a:spcBef>
+                          <a:spcPts val="0"/>
+                        </a:spcBef>
+                        <a:spcAft>
+                          <a:spcPts val="0"/>
+                        </a:spcAft>
+                        <a:buClrTx/>
+                        <a:buSzTx/>
+                        <a:buFontTx/>
+                        <a:buNone/>
+                        <a:tabLst/>
+                        <a:defRPr/>
+                      </a:pPr>
+                      <a:r>
+                        <a:rPr lang="pt-BR" sz="1800" b="0" kern="1200" dirty="0">
+                          <a:solidFill>
+                            <a:schemeClr val="dk1"/>
+                          </a:solidFill>
+                          <a:effectLst/>
+                          <a:latin typeface="+mn-lt"/>
+                          <a:ea typeface="+mn-ea"/>
+                          <a:cs typeface="+mn-cs"/>
+                        </a:rPr>
+                        <a:t>Voltado para campos de data.</a:t>
+                      </a:r>
+                    </a:p>
+                  </a:txBody>
+                  <a:tcPr/>
+                </a:tc>
+                <a:extLst>
+                  <a:ext uri="{0D108BD9-81ED-4DB2-BD59-A6C34878D82A}">
+                    <a16:rowId xmlns:a16="http://schemas.microsoft.com/office/drawing/2014/main" val="1015715992"/>
+                  </a:ext>
+                </a:extLst>
+              </a:tr>
+              <a:tr h="370840">
+                <a:tc>
+                  <a:txBody>
+                    <a:bodyPr/>
+                    <a:lstStyle/>
+                    <a:p>
+                      <a:pPr marL="0" marR="0" lvl="0" indent="0" algn="l" defTabSz="914400" rtl="0" eaLnBrk="1" fontAlgn="auto" latinLnBrk="0" hangingPunct="1">
+                        <a:lnSpc>
+                          <a:spcPct val="100000"/>
+                        </a:lnSpc>
+                        <a:spcBef>
+                          <a:spcPts val="0"/>
+                        </a:spcBef>
+                        <a:spcAft>
+                          <a:spcPts val="0"/>
+                        </a:spcAft>
+                        <a:buClrTx/>
+                        <a:buSzTx/>
+                        <a:buFontTx/>
+                        <a:buNone/>
+                        <a:tabLst/>
+                        <a:defRPr/>
+                      </a:pPr>
+                      <a:r>
+                        <a:rPr lang="pt-BR" sz="1800" b="0" kern="1200" dirty="0">
+                          <a:solidFill>
+                            <a:schemeClr val="dk1"/>
+                          </a:solidFill>
+                          <a:effectLst/>
+                          <a:latin typeface="+mn-lt"/>
+                          <a:ea typeface="+mn-ea"/>
+                          <a:cs typeface="+mn-cs"/>
+                        </a:rPr>
+                        <a:t>time</a:t>
+                      </a:r>
+                    </a:p>
+                  </a:txBody>
+                  <a:tcPr/>
+                </a:tc>
+                <a:tc>
+                  <a:txBody>
+                    <a:bodyPr/>
+                    <a:lstStyle/>
+                    <a:p>
+                      <a:pPr marL="0" marR="0" lvl="0" indent="0" algn="l" defTabSz="914400" rtl="0" eaLnBrk="1" fontAlgn="auto" latinLnBrk="0" hangingPunct="1">
+                        <a:lnSpc>
+                          <a:spcPct val="100000"/>
+                        </a:lnSpc>
+                        <a:spcBef>
+                          <a:spcPts val="0"/>
+                        </a:spcBef>
+                        <a:spcAft>
+                          <a:spcPts val="0"/>
+                        </a:spcAft>
+                        <a:buClrTx/>
+                        <a:buSzTx/>
+                        <a:buFontTx/>
+                        <a:buNone/>
+                        <a:tabLst/>
+                        <a:defRPr/>
+                      </a:pPr>
+                      <a:r>
+                        <a:rPr lang="pt-BR" sz="1800" b="0" kern="1200" dirty="0">
+                          <a:solidFill>
+                            <a:schemeClr val="dk1"/>
+                          </a:solidFill>
+                          <a:effectLst/>
+                          <a:latin typeface="+mn-lt"/>
+                          <a:ea typeface="+mn-ea"/>
+                          <a:cs typeface="+mn-cs"/>
+                        </a:rPr>
+                        <a:t>Voltado para campos de hora.</a:t>
+                      </a:r>
+                    </a:p>
+                  </a:txBody>
+                  <a:tcPr/>
+                </a:tc>
+                <a:extLst>
+                  <a:ext uri="{0D108BD9-81ED-4DB2-BD59-A6C34878D82A}">
+                    <a16:rowId xmlns:a16="http://schemas.microsoft.com/office/drawing/2014/main" val="2003588833"/>
+                  </a:ext>
+                </a:extLst>
+              </a:tr>
+              <a:tr h="370840">
+                <a:tc>
+                  <a:txBody>
+                    <a:bodyPr/>
+                    <a:lstStyle/>
+                    <a:p>
+                      <a:pPr marL="0" marR="0" lvl="0" indent="0" algn="l" defTabSz="914400" rtl="0" eaLnBrk="1" fontAlgn="auto" latinLnBrk="0" hangingPunct="1">
+                        <a:lnSpc>
+                          <a:spcPct val="100000"/>
+                        </a:lnSpc>
+                        <a:spcBef>
+                          <a:spcPts val="0"/>
+                        </a:spcBef>
+                        <a:spcAft>
+                          <a:spcPts val="0"/>
+                        </a:spcAft>
+                        <a:buClrTx/>
+                        <a:buSzTx/>
+                        <a:buFontTx/>
+                        <a:buNone/>
+                        <a:tabLst/>
+                        <a:defRPr/>
+                      </a:pPr>
+                      <a:r>
+                        <a:rPr lang="pt-BR" sz="1800" b="0" kern="1200" dirty="0" err="1">
+                          <a:solidFill>
+                            <a:schemeClr val="dk1"/>
+                          </a:solidFill>
+                          <a:effectLst/>
+                          <a:latin typeface="+mn-lt"/>
+                          <a:ea typeface="+mn-ea"/>
+                          <a:cs typeface="+mn-cs"/>
+                        </a:rPr>
+                        <a:t>datetime</a:t>
+                      </a:r>
+                      <a:r>
+                        <a:rPr lang="pt-BR" sz="1800" b="0" kern="1200" dirty="0">
+                          <a:solidFill>
+                            <a:schemeClr val="dk1"/>
+                          </a:solidFill>
+                          <a:effectLst/>
+                          <a:latin typeface="+mn-lt"/>
+                          <a:ea typeface="+mn-ea"/>
+                          <a:cs typeface="+mn-cs"/>
+                        </a:rPr>
+                        <a:t>-local</a:t>
+                      </a:r>
+                    </a:p>
+                  </a:txBody>
+                  <a:tcPr/>
+                </a:tc>
+                <a:tc>
+                  <a:txBody>
+                    <a:bodyPr/>
+                    <a:lstStyle/>
+                    <a:p>
+                      <a:pPr marL="0" marR="0" lvl="0" indent="0" algn="l" defTabSz="914400" rtl="0" eaLnBrk="1" fontAlgn="auto" latinLnBrk="0" hangingPunct="1">
+                        <a:lnSpc>
+                          <a:spcPct val="100000"/>
+                        </a:lnSpc>
+                        <a:spcBef>
+                          <a:spcPts val="0"/>
+                        </a:spcBef>
+                        <a:spcAft>
+                          <a:spcPts val="0"/>
+                        </a:spcAft>
+                        <a:buClrTx/>
+                        <a:buSzTx/>
+                        <a:buFontTx/>
+                        <a:buNone/>
+                        <a:tabLst/>
+                        <a:defRPr/>
+                      </a:pPr>
+                      <a:r>
+                        <a:rPr lang="pt-BR" sz="1800" b="0" kern="1200" dirty="0">
+                          <a:solidFill>
+                            <a:schemeClr val="dk1"/>
+                          </a:solidFill>
+                          <a:effectLst/>
+                          <a:latin typeface="+mn-lt"/>
+                          <a:ea typeface="+mn-ea"/>
+                          <a:cs typeface="+mn-cs"/>
+                        </a:rPr>
+                        <a:t>Possibilita ao usuário selecionar uma data e uma hora.</a:t>
+                      </a:r>
+                    </a:p>
+                  </a:txBody>
+                  <a:tcPr/>
+                </a:tc>
+                <a:extLst>
+                  <a:ext uri="{0D108BD9-81ED-4DB2-BD59-A6C34878D82A}">
+                    <a16:rowId xmlns:a16="http://schemas.microsoft.com/office/drawing/2014/main" val="269071695"/>
+                  </a:ext>
+                </a:extLst>
+              </a:tr>
+              <a:tr h="370840">
+                <a:tc>
+                  <a:txBody>
+                    <a:bodyPr/>
+                    <a:lstStyle/>
+                    <a:p>
+                      <a:pPr marL="0" marR="0" lvl="0" indent="0" algn="l" defTabSz="914400" rtl="0" eaLnBrk="1" fontAlgn="auto" latinLnBrk="0" hangingPunct="1">
+                        <a:lnSpc>
+                          <a:spcPct val="100000"/>
+                        </a:lnSpc>
+                        <a:spcBef>
+                          <a:spcPts val="0"/>
+                        </a:spcBef>
+                        <a:spcAft>
+                          <a:spcPts val="0"/>
+                        </a:spcAft>
+                        <a:buClrTx/>
+                        <a:buSzTx/>
+                        <a:buFontTx/>
+                        <a:buNone/>
+                        <a:tabLst/>
+                        <a:defRPr/>
+                      </a:pPr>
+                      <a:r>
+                        <a:rPr lang="pt-BR" sz="1800" b="0" kern="1200" dirty="0" err="1">
+                          <a:solidFill>
+                            <a:schemeClr val="dk1"/>
+                          </a:solidFill>
+                          <a:effectLst/>
+                          <a:latin typeface="+mn-lt"/>
+                          <a:ea typeface="+mn-ea"/>
+                          <a:cs typeface="+mn-cs"/>
+                        </a:rPr>
+                        <a:t>month</a:t>
+                      </a:r>
+                      <a:endParaRPr lang="pt-BR" sz="1800" b="0" kern="1200" dirty="0">
+                        <a:solidFill>
+                          <a:schemeClr val="dk1"/>
+                        </a:solidFill>
+                        <a:effectLst/>
+                        <a:latin typeface="+mn-lt"/>
+                        <a:ea typeface="+mn-ea"/>
+                        <a:cs typeface="+mn-cs"/>
+                      </a:endParaRPr>
+                    </a:p>
+                  </a:txBody>
+                  <a:tcPr/>
+                </a:tc>
+                <a:tc>
+                  <a:txBody>
+                    <a:bodyPr/>
+                    <a:lstStyle/>
+                    <a:p>
+                      <a:pPr marL="0" marR="0" lvl="0" indent="0" algn="l" defTabSz="914400" rtl="0" eaLnBrk="1" fontAlgn="auto" latinLnBrk="0" hangingPunct="1">
+                        <a:lnSpc>
+                          <a:spcPct val="100000"/>
+                        </a:lnSpc>
+                        <a:spcBef>
+                          <a:spcPts val="0"/>
+                        </a:spcBef>
+                        <a:spcAft>
+                          <a:spcPts val="0"/>
+                        </a:spcAft>
+                        <a:buClrTx/>
+                        <a:buSzTx/>
+                        <a:buFontTx/>
+                        <a:buNone/>
+                        <a:tabLst/>
+                        <a:defRPr/>
+                      </a:pPr>
+                      <a:r>
+                        <a:rPr lang="pt-BR" sz="1800" b="0" kern="1200" dirty="0">
+                          <a:solidFill>
+                            <a:schemeClr val="dk1"/>
+                          </a:solidFill>
+                          <a:effectLst/>
+                          <a:latin typeface="+mn-lt"/>
+                          <a:ea typeface="+mn-ea"/>
+                          <a:cs typeface="+mn-cs"/>
+                        </a:rPr>
+                        <a:t>Possibilita ao usuário escolher um mês</a:t>
+                      </a:r>
+                    </a:p>
+                  </a:txBody>
+                  <a:tcPr/>
+                </a:tc>
+                <a:extLst>
+                  <a:ext uri="{0D108BD9-81ED-4DB2-BD59-A6C34878D82A}">
+                    <a16:rowId xmlns:a16="http://schemas.microsoft.com/office/drawing/2014/main" val="498270251"/>
+                  </a:ext>
+                </a:extLst>
+              </a:tr>
+            </a:tbl>
+          </a:graphicData>
+        </a:graphic>
+      </p:graphicFrame>
+    </p:spTree>
+    <p:extLst>
+      <p:ext uri="{BB962C8B-B14F-4D97-AF65-F5344CB8AC3E}">
+        <p14:creationId xmlns:p14="http://schemas.microsoft.com/office/powerpoint/2010/main" val="2654038959"/>
+      </p:ext>
+    </p:extLst>
+  </p:cSld>
+  <p:clrMapOvr>
+    <a:masterClrMapping/>
+  </p:clrMapOvr>
+</p:sld>
+</file>
+
+<file path=ppt/slides/slide161.xml><?xml version="1.0" encoding="utf-8"?>
+<p:sld xmlns:a="http://schemas.openxmlformats.org/drawingml/2006/main" xmlns:r="http://schemas.openxmlformats.org/officeDocument/2006/relationships" xmlns:p="http://schemas.openxmlformats.org/presentationml/2006/main">
+  <p:cSld>
+    <p:spTree>
+      <p:nvGrpSpPr>
+        <p:cNvPr id="1" name=""/>
+        <p:cNvGrpSpPr/>
+        <p:nvPr/>
+      </p:nvGrpSpPr>
+      <p:grpSpPr>
+        <a:xfrm>
+          <a:off x="0" y="0"/>
+          <a:ext cx="0" cy="0"/>
+          <a:chOff x="0" y="0"/>
+          <a:chExt cx="0" cy="0"/>
+        </a:xfrm>
+      </p:grpSpPr>
+      <p:sp>
+        <p:nvSpPr>
+          <p:cNvPr id="2" name="Título 1">
+            <a:extLst>
+              <a:ext uri="{FF2B5EF4-FFF2-40B4-BE49-F238E27FC236}">
+                <a16:creationId xmlns:a16="http://schemas.microsoft.com/office/drawing/2014/main" id="{9CECACE9-A8B5-5586-966F-FD00C0782B6C}"/>
+              </a:ext>
+            </a:extLst>
+          </p:cNvPr>
+          <p:cNvSpPr>
+            <a:spLocks noGrp="1"/>
+          </p:cNvSpPr>
+          <p:nvPr>
+            <p:ph type="title"/>
+          </p:nvPr>
+        </p:nvSpPr>
+        <p:spPr/>
+        <p:txBody>
+          <a:bodyPr/>
+          <a:lstStyle/>
+          <a:p>
+            <a:r>
+              <a:rPr lang="pt-BR" dirty="0"/>
+              <a:t>Validações de Números e Datas</a:t>
+            </a:r>
+          </a:p>
+        </p:txBody>
+      </p:sp>
+      <p:graphicFrame>
+        <p:nvGraphicFramePr>
+          <p:cNvPr id="4" name="Espaço Reservado para Conteúdo 3">
+            <a:extLst>
+              <a:ext uri="{FF2B5EF4-FFF2-40B4-BE49-F238E27FC236}">
+                <a16:creationId xmlns:a16="http://schemas.microsoft.com/office/drawing/2014/main" id="{E71753AB-539A-6DEA-105C-266F955C9008}"/>
+              </a:ext>
+            </a:extLst>
+          </p:cNvPr>
+          <p:cNvGraphicFramePr>
+            <a:graphicFrameLocks noGrp="1"/>
+          </p:cNvGraphicFramePr>
+          <p:nvPr>
+            <p:ph idx="1"/>
+            <p:extLst>
+              <p:ext uri="{D42A27DB-BD31-4B8C-83A1-F6EECF244321}">
+                <p14:modId xmlns:p14="http://schemas.microsoft.com/office/powerpoint/2010/main" val="378575750"/>
+              </p:ext>
+            </p:extLst>
+          </p:nvPr>
+        </p:nvGraphicFramePr>
+        <p:xfrm>
+          <a:off x="1116013" y="2478088"/>
+          <a:ext cx="10167936" cy="1483360"/>
+        </p:xfrm>
+        <a:graphic>
+          <a:graphicData uri="http://schemas.openxmlformats.org/drawingml/2006/table">
+            <a:tbl>
+              <a:tblPr firstRow="1" bandRow="1">
+                <a:tableStyleId>{073A0DAA-6AF3-43AB-8588-CEC1D06C72B9}</a:tableStyleId>
+              </a:tblPr>
+              <a:tblGrid>
+                <a:gridCol w="2041255">
+                  <a:extLst>
+                    <a:ext uri="{9D8B030D-6E8A-4147-A177-3AD203B41FA5}">
+                      <a16:colId xmlns:a16="http://schemas.microsoft.com/office/drawing/2014/main" val="563399824"/>
+                    </a:ext>
+                  </a:extLst>
+                </a:gridCol>
+                <a:gridCol w="8126681">
+                  <a:extLst>
+                    <a:ext uri="{9D8B030D-6E8A-4147-A177-3AD203B41FA5}">
+                      <a16:colId xmlns:a16="http://schemas.microsoft.com/office/drawing/2014/main" val="1913616421"/>
+                    </a:ext>
+                  </a:extLst>
+                </a:gridCol>
+              </a:tblGrid>
+              <a:tr h="370840">
+                <a:tc>
+                  <a:txBody>
+                    <a:bodyPr/>
+                    <a:lstStyle/>
+                    <a:p>
+                      <a:pPr marL="0" marR="0" lvl="0" indent="0" algn="l" defTabSz="914400" rtl="0" eaLnBrk="1" fontAlgn="auto" latinLnBrk="0" hangingPunct="1">
+                        <a:lnSpc>
+                          <a:spcPct val="100000"/>
+                        </a:lnSpc>
+                        <a:spcBef>
+                          <a:spcPts val="0"/>
+                        </a:spcBef>
+                        <a:spcAft>
+                          <a:spcPts val="0"/>
+                        </a:spcAft>
+                        <a:buClrTx/>
+                        <a:buSzTx/>
+                        <a:buFontTx/>
+                        <a:buNone/>
+                        <a:tabLst/>
+                        <a:defRPr/>
+                      </a:pPr>
+                      <a:r>
+                        <a:rPr lang="pt-BR" sz="1800" b="0" kern="1200" dirty="0">
+                          <a:solidFill>
+                            <a:schemeClr val="lt1"/>
+                          </a:solidFill>
+                          <a:effectLst/>
+                          <a:latin typeface="+mn-lt"/>
+                          <a:ea typeface="+mn-ea"/>
+                          <a:cs typeface="+mn-cs"/>
+                        </a:rPr>
+                        <a:t>Tipo</a:t>
+                      </a:r>
+                    </a:p>
+                  </a:txBody>
+                  <a:tcPr/>
+                </a:tc>
+                <a:tc>
+                  <a:txBody>
+                    <a:bodyPr/>
+                    <a:lstStyle/>
+                    <a:p>
+                      <a:pPr marL="0" marR="0" lvl="0" indent="0" algn="l" defTabSz="914400" rtl="0" eaLnBrk="1" fontAlgn="auto" latinLnBrk="0" hangingPunct="1">
+                        <a:lnSpc>
+                          <a:spcPct val="100000"/>
+                        </a:lnSpc>
+                        <a:spcBef>
+                          <a:spcPts val="0"/>
+                        </a:spcBef>
+                        <a:spcAft>
+                          <a:spcPts val="0"/>
+                        </a:spcAft>
+                        <a:buClrTx/>
+                        <a:buSzTx/>
+                        <a:buFontTx/>
+                        <a:buNone/>
+                        <a:tabLst/>
+                        <a:defRPr/>
+                      </a:pPr>
+                      <a:r>
+                        <a:rPr lang="pt-BR" sz="1800" b="0" kern="1200" dirty="0">
+                          <a:solidFill>
+                            <a:schemeClr val="lt1"/>
+                          </a:solidFill>
+                          <a:effectLst/>
+                          <a:latin typeface="+mn-lt"/>
+                          <a:ea typeface="+mn-ea"/>
+                          <a:cs typeface="+mn-cs"/>
+                        </a:rPr>
+                        <a:t>Função</a:t>
+                      </a:r>
+                    </a:p>
+                  </a:txBody>
+                  <a:tcPr/>
+                </a:tc>
+                <a:extLst>
+                  <a:ext uri="{0D108BD9-81ED-4DB2-BD59-A6C34878D82A}">
+                    <a16:rowId xmlns:a16="http://schemas.microsoft.com/office/drawing/2014/main" val="2176526517"/>
+                  </a:ext>
+                </a:extLst>
+              </a:tr>
+              <a:tr h="370840">
+                <a:tc>
+                  <a:txBody>
+                    <a:bodyPr/>
+                    <a:lstStyle/>
+                    <a:p>
+                      <a:pPr marL="0" marR="0" lvl="0" indent="0" algn="l" defTabSz="914400" rtl="0" eaLnBrk="1" fontAlgn="auto" latinLnBrk="0" hangingPunct="1">
+                        <a:lnSpc>
+                          <a:spcPct val="100000"/>
+                        </a:lnSpc>
+                        <a:spcBef>
+                          <a:spcPts val="0"/>
+                        </a:spcBef>
+                        <a:spcAft>
+                          <a:spcPts val="0"/>
+                        </a:spcAft>
+                        <a:buClrTx/>
+                        <a:buSzTx/>
+                        <a:buFontTx/>
+                        <a:buNone/>
+                        <a:tabLst/>
+                        <a:defRPr/>
+                      </a:pPr>
+                      <a:r>
+                        <a:rPr lang="pt-BR" sz="1800" b="0" kern="1200" dirty="0">
+                          <a:solidFill>
+                            <a:schemeClr val="dk1"/>
+                          </a:solidFill>
+                          <a:effectLst/>
+                          <a:latin typeface="+mn-lt"/>
+                          <a:ea typeface="+mn-ea"/>
+                          <a:cs typeface="+mn-cs"/>
+                        </a:rPr>
+                        <a:t>min</a:t>
+                      </a:r>
+                    </a:p>
+                  </a:txBody>
+                  <a:tcPr/>
+                </a:tc>
+                <a:tc>
+                  <a:txBody>
+                    <a:bodyPr/>
+                    <a:lstStyle/>
+                    <a:p>
+                      <a:pPr marL="0" marR="0" lvl="0" indent="0" algn="l" defTabSz="914400" rtl="0" eaLnBrk="1" fontAlgn="auto" latinLnBrk="0" hangingPunct="1">
+                        <a:lnSpc>
+                          <a:spcPct val="100000"/>
+                        </a:lnSpc>
+                        <a:spcBef>
+                          <a:spcPts val="0"/>
+                        </a:spcBef>
+                        <a:spcAft>
+                          <a:spcPts val="0"/>
+                        </a:spcAft>
+                        <a:buClrTx/>
+                        <a:buSzTx/>
+                        <a:buFontTx/>
+                        <a:buNone/>
+                        <a:tabLst/>
+                        <a:defRPr/>
+                      </a:pPr>
+                      <a:r>
+                        <a:rPr lang="pt-BR" sz="1800" b="0" kern="1200" dirty="0">
+                          <a:solidFill>
+                            <a:schemeClr val="dk1"/>
+                          </a:solidFill>
+                          <a:effectLst/>
+                          <a:latin typeface="+mn-lt"/>
+                          <a:ea typeface="+mn-ea"/>
+                          <a:cs typeface="+mn-cs"/>
+                        </a:rPr>
+                        <a:t>Indica o valor mínimo que deve ser exibido no input.</a:t>
+                      </a:r>
+                    </a:p>
+                  </a:txBody>
+                  <a:tcPr/>
+                </a:tc>
+                <a:extLst>
+                  <a:ext uri="{0D108BD9-81ED-4DB2-BD59-A6C34878D82A}">
+                    <a16:rowId xmlns:a16="http://schemas.microsoft.com/office/drawing/2014/main" val="2142338438"/>
+                  </a:ext>
+                </a:extLst>
+              </a:tr>
+              <a:tr h="370840">
+                <a:tc>
+                  <a:txBody>
+                    <a:bodyPr/>
+                    <a:lstStyle/>
+                    <a:p>
+                      <a:pPr marL="0" marR="0" lvl="0" indent="0" algn="l" defTabSz="914400" rtl="0" eaLnBrk="1" fontAlgn="auto" latinLnBrk="0" hangingPunct="1">
+                        <a:lnSpc>
+                          <a:spcPct val="100000"/>
+                        </a:lnSpc>
+                        <a:spcBef>
+                          <a:spcPts val="0"/>
+                        </a:spcBef>
+                        <a:spcAft>
+                          <a:spcPts val="0"/>
+                        </a:spcAft>
+                        <a:buClrTx/>
+                        <a:buSzTx/>
+                        <a:buFontTx/>
+                        <a:buNone/>
+                        <a:tabLst/>
+                        <a:defRPr/>
+                      </a:pPr>
+                      <a:r>
+                        <a:rPr lang="pt-BR" sz="1800" b="0" kern="1200" dirty="0" err="1">
+                          <a:solidFill>
+                            <a:schemeClr val="dk1"/>
+                          </a:solidFill>
+                          <a:effectLst/>
+                          <a:latin typeface="+mn-lt"/>
+                          <a:ea typeface="+mn-ea"/>
+                          <a:cs typeface="+mn-cs"/>
+                        </a:rPr>
+                        <a:t>max</a:t>
+                      </a:r>
+                      <a:endParaRPr lang="pt-BR" sz="1800" b="0" kern="1200" dirty="0">
+                        <a:solidFill>
+                          <a:schemeClr val="dk1"/>
+                        </a:solidFill>
+                        <a:effectLst/>
+                        <a:latin typeface="+mn-lt"/>
+                        <a:ea typeface="+mn-ea"/>
+                        <a:cs typeface="+mn-cs"/>
+                      </a:endParaRPr>
+                    </a:p>
+                  </a:txBody>
+                  <a:tcPr/>
+                </a:tc>
+                <a:tc>
+                  <a:txBody>
+                    <a:bodyPr/>
+                    <a:lstStyle/>
+                    <a:p>
+                      <a:pPr marL="0" marR="0" lvl="0" indent="0" algn="l" defTabSz="914400" rtl="0" eaLnBrk="1" fontAlgn="auto" latinLnBrk="0" hangingPunct="1">
+                        <a:lnSpc>
+                          <a:spcPct val="100000"/>
+                        </a:lnSpc>
+                        <a:spcBef>
+                          <a:spcPts val="0"/>
+                        </a:spcBef>
+                        <a:spcAft>
+                          <a:spcPts val="0"/>
+                        </a:spcAft>
+                        <a:buClrTx/>
+                        <a:buSzTx/>
+                        <a:buFontTx/>
+                        <a:buNone/>
+                        <a:tabLst/>
+                        <a:defRPr/>
+                      </a:pPr>
+                      <a:r>
+                        <a:rPr lang="pt-BR" sz="1800" b="0" kern="1200" dirty="0">
+                          <a:solidFill>
+                            <a:schemeClr val="dk1"/>
+                          </a:solidFill>
+                          <a:effectLst/>
+                          <a:latin typeface="+mn-lt"/>
+                          <a:ea typeface="+mn-ea"/>
+                          <a:cs typeface="+mn-cs"/>
+                        </a:rPr>
+                        <a:t>Indica o valor máximo que deve ser exibido no input.</a:t>
+                      </a:r>
+                    </a:p>
+                  </a:txBody>
+                  <a:tcPr/>
+                </a:tc>
+                <a:extLst>
+                  <a:ext uri="{0D108BD9-81ED-4DB2-BD59-A6C34878D82A}">
+                    <a16:rowId xmlns:a16="http://schemas.microsoft.com/office/drawing/2014/main" val="435038362"/>
+                  </a:ext>
+                </a:extLst>
+              </a:tr>
+              <a:tr h="370840">
+                <a:tc>
+                  <a:txBody>
+                    <a:bodyPr/>
+                    <a:lstStyle/>
+                    <a:p>
+                      <a:pPr marL="0" marR="0" lvl="0" indent="0" algn="l" defTabSz="914400" rtl="0" eaLnBrk="1" fontAlgn="auto" latinLnBrk="0" hangingPunct="1">
+                        <a:lnSpc>
+                          <a:spcPct val="100000"/>
+                        </a:lnSpc>
+                        <a:spcBef>
+                          <a:spcPts val="0"/>
+                        </a:spcBef>
+                        <a:spcAft>
+                          <a:spcPts val="0"/>
+                        </a:spcAft>
+                        <a:buClrTx/>
+                        <a:buSzTx/>
+                        <a:buFontTx/>
+                        <a:buNone/>
+                        <a:tabLst/>
+                        <a:defRPr/>
+                      </a:pPr>
+                      <a:r>
+                        <a:rPr lang="pt-BR" sz="1800" b="0" kern="1200" dirty="0">
+                          <a:solidFill>
+                            <a:schemeClr val="dk1"/>
+                          </a:solidFill>
+                          <a:effectLst/>
+                          <a:latin typeface="+mn-lt"/>
+                          <a:ea typeface="+mn-ea"/>
+                          <a:cs typeface="+mn-cs"/>
+                        </a:rPr>
+                        <a:t>step</a:t>
+                      </a:r>
+                    </a:p>
+                  </a:txBody>
+                  <a:tcPr/>
+                </a:tc>
+                <a:tc>
+                  <a:txBody>
+                    <a:bodyPr/>
+                    <a:lstStyle/>
+                    <a:p>
+                      <a:pPr marL="0" marR="0" lvl="0" indent="0" algn="l" defTabSz="914400" rtl="0" eaLnBrk="1" fontAlgn="auto" latinLnBrk="0" hangingPunct="1">
+                        <a:lnSpc>
+                          <a:spcPct val="100000"/>
+                        </a:lnSpc>
+                        <a:spcBef>
+                          <a:spcPts val="0"/>
+                        </a:spcBef>
+                        <a:spcAft>
+                          <a:spcPts val="0"/>
+                        </a:spcAft>
+                        <a:buClrTx/>
+                        <a:buSzTx/>
+                        <a:buFontTx/>
+                        <a:buNone/>
+                        <a:tabLst/>
+                        <a:defRPr/>
+                      </a:pPr>
+                      <a:r>
+                        <a:rPr lang="pt-BR" sz="1800" b="0" kern="1200" dirty="0">
+                          <a:solidFill>
+                            <a:schemeClr val="dk1"/>
+                          </a:solidFill>
+                          <a:effectLst/>
+                          <a:latin typeface="+mn-lt"/>
+                          <a:ea typeface="+mn-ea"/>
+                          <a:cs typeface="+mn-cs"/>
+                        </a:rPr>
+                        <a:t>É importante para determinar intervalos de valores</a:t>
+                      </a:r>
+                    </a:p>
+                  </a:txBody>
+                  <a:tcPr/>
+                </a:tc>
+                <a:extLst>
+                  <a:ext uri="{0D108BD9-81ED-4DB2-BD59-A6C34878D82A}">
+                    <a16:rowId xmlns:a16="http://schemas.microsoft.com/office/drawing/2014/main" val="1375246557"/>
+                  </a:ext>
+                </a:extLst>
+              </a:tr>
+            </a:tbl>
+          </a:graphicData>
+        </a:graphic>
+      </p:graphicFrame>
+    </p:spTree>
+    <p:extLst>
+      <p:ext uri="{BB962C8B-B14F-4D97-AF65-F5344CB8AC3E}">
+        <p14:creationId xmlns:p14="http://schemas.microsoft.com/office/powerpoint/2010/main" val="98321432"/>
+      </p:ext>
+    </p:extLst>
+  </p:cSld>
+  <p:clrMapOvr>
+    <a:masterClrMapping/>
+  </p:clrMapOvr>
+</p:sld>
+</file>
+
+<file path=ppt/slides/slide162.xml><?xml version="1.0" encoding="utf-8"?>
+<p:sld xmlns:a="http://schemas.openxmlformats.org/drawingml/2006/main" xmlns:r="http://schemas.openxmlformats.org/officeDocument/2006/relationships" xmlns:p="http://schemas.openxmlformats.org/presentationml/2006/main">
+  <p:cSld>
+    <p:spTree>
+      <p:nvGrpSpPr>
+        <p:cNvPr id="1" name=""/>
+        <p:cNvGrpSpPr/>
+        <p:nvPr/>
+      </p:nvGrpSpPr>
+      <p:grpSpPr>
+        <a:xfrm>
+          <a:off x="0" y="0"/>
+          <a:ext cx="0" cy="0"/>
+          <a:chOff x="0" y="0"/>
+          <a:chExt cx="0" cy="0"/>
+        </a:xfrm>
+      </p:grpSpPr>
+      <p:sp>
+        <p:nvSpPr>
+          <p:cNvPr id="2" name="Título 1">
+            <a:extLst>
+              <a:ext uri="{FF2B5EF4-FFF2-40B4-BE49-F238E27FC236}">
+                <a16:creationId xmlns:a16="http://schemas.microsoft.com/office/drawing/2014/main" id="{881C58F2-2DE9-52E3-5897-D7E4795516EC}"/>
+              </a:ext>
+            </a:extLst>
+          </p:cNvPr>
+          <p:cNvSpPr>
+            <a:spLocks noGrp="1"/>
+          </p:cNvSpPr>
+          <p:nvPr>
+            <p:ph type="title"/>
+          </p:nvPr>
+        </p:nvSpPr>
+        <p:spPr/>
+        <p:txBody>
+          <a:bodyPr/>
+          <a:lstStyle/>
+          <a:p>
+            <a:r>
+              <a:rPr lang="pt-BR" dirty="0"/>
+              <a:t>Lição de Casa</a:t>
+            </a:r>
+          </a:p>
+        </p:txBody>
+      </p:sp>
+      <p:sp>
+        <p:nvSpPr>
+          <p:cNvPr id="3" name="Espaço Reservado para Conteúdo 2">
+            <a:extLst>
+              <a:ext uri="{FF2B5EF4-FFF2-40B4-BE49-F238E27FC236}">
+                <a16:creationId xmlns:a16="http://schemas.microsoft.com/office/drawing/2014/main" id="{3001553C-59A3-53E1-E8EE-4C179E48497D}"/>
+              </a:ext>
+            </a:extLst>
+          </p:cNvPr>
+          <p:cNvSpPr>
+            <a:spLocks noGrp="1"/>
+          </p:cNvSpPr>
+          <p:nvPr>
+            <p:ph idx="1"/>
+          </p:nvPr>
+        </p:nvSpPr>
+        <p:spPr/>
+        <p:txBody>
+          <a:bodyPr/>
+          <a:lstStyle/>
+          <a:p>
+            <a:r>
+              <a:rPr lang="pt-BR" dirty="0"/>
+              <a:t>Implemente uma espécie de quiz que possibilite ao usuário responder pelo menos 5 desses tipos de inputs, por exemplo: você pode utilizar a idade utilizando o tipo </a:t>
+            </a:r>
+            <a:r>
+              <a:rPr lang="pt-BR" dirty="0" err="1"/>
+              <a:t>number</a:t>
+            </a:r>
+            <a:r>
+              <a:rPr lang="pt-BR" dirty="0"/>
+              <a:t> ou o range</a:t>
+            </a:r>
+          </a:p>
+        </p:txBody>
+      </p:sp>
+    </p:spTree>
+    <p:extLst>
+      <p:ext uri="{BB962C8B-B14F-4D97-AF65-F5344CB8AC3E}">
+        <p14:creationId xmlns:p14="http://schemas.microsoft.com/office/powerpoint/2010/main" val="1873551223"/>
+      </p:ext>
+    </p:extLst>
+  </p:cSld>
+  <p:clrMapOvr>
+    <a:masterClrMapping/>
+  </p:clrMapOvr>
 </p:sld>
 </file>
 
